--- a/F-Seminar/Zwischenpräsentation.pptx
+++ b/F-Seminar/Zwischenpräsentation.pptx
@@ -5,10 +5,10 @@
     <p:sldMasterId id="2147483693" r:id="rId1"/>
   </p:sldMasterIdLst>
   <p:notesMasterIdLst>
-    <p:notesMasterId r:id="rId10"/>
+    <p:notesMasterId r:id="rId12"/>
   </p:notesMasterIdLst>
   <p:handoutMasterIdLst>
-    <p:handoutMasterId r:id="rId11"/>
+    <p:handoutMasterId r:id="rId13"/>
   </p:handoutMasterIdLst>
   <p:sldIdLst>
     <p:sldId id="430" r:id="rId2"/>
@@ -18,12 +18,14 @@
     <p:sldId id="433" r:id="rId6"/>
     <p:sldId id="434" r:id="rId7"/>
     <p:sldId id="435" r:id="rId8"/>
-    <p:sldId id="429" r:id="rId9"/>
+    <p:sldId id="436" r:id="rId9"/>
+    <p:sldId id="437" r:id="rId10"/>
+    <p:sldId id="429" r:id="rId11"/>
   </p:sldIdLst>
   <p:sldSz cx="12192000" cy="6858000"/>
   <p:notesSz cx="6858000" cy="9144000"/>
   <p:custDataLst>
-    <p:tags r:id="rId12"/>
+    <p:tags r:id="rId14"/>
   </p:custDataLst>
   <p:defaultTextStyle>
     <a:defPPr>
@@ -26878,6 +26880,177 @@
 </p:sld>
 </file>
 
+<file path=ppt/slides/slide10.xml><?xml version="1.0" encoding="utf-8"?>
+<p:sld xmlns:a="http://schemas.openxmlformats.org/drawingml/2006/main" xmlns:r="http://schemas.openxmlformats.org/officeDocument/2006/relationships" xmlns:p="http://schemas.openxmlformats.org/presentationml/2006/main">
+  <p:cSld>
+    <p:spTree>
+      <p:nvGrpSpPr>
+        <p:cNvPr id="1" name=""/>
+        <p:cNvGrpSpPr/>
+        <p:nvPr/>
+      </p:nvGrpSpPr>
+      <p:grpSpPr>
+        <a:xfrm>
+          <a:off x="0" y="0"/>
+          <a:ext cx="0" cy="0"/>
+          <a:chOff x="0" y="0"/>
+          <a:chExt cx="0" cy="0"/>
+        </a:xfrm>
+      </p:grpSpPr>
+      <p:sp>
+        <p:nvSpPr>
+          <p:cNvPr id="32" name="Textplatzhalter 31">
+            <a:extLst>
+              <a:ext uri="{FF2B5EF4-FFF2-40B4-BE49-F238E27FC236}">
+                <a16:creationId xmlns:a16="http://schemas.microsoft.com/office/drawing/2014/main" id="{822F10C4-5C7B-EB1B-6862-AE72076F0EAE}"/>
+              </a:ext>
+            </a:extLst>
+          </p:cNvPr>
+          <p:cNvSpPr>
+            <a:spLocks noGrp="1"/>
+          </p:cNvSpPr>
+          <p:nvPr>
+            <p:ph type="body" sz="quarter" idx="13"/>
+          </p:nvPr>
+        </p:nvSpPr>
+        <p:spPr>
+          <a:xfrm>
+            <a:off x="518317" y="2647985"/>
+            <a:ext cx="11157745" cy="1562031"/>
+          </a:xfrm>
+        </p:spPr>
+        <p:txBody>
+          <a:bodyPr/>
+          <a:lstStyle/>
+          <a:p>
+            <a:r>
+              <a:rPr lang="de-DE" dirty="0"/>
+              <a:t>Vielen Dank für eure </a:t>
+            </a:r>
+          </a:p>
+          <a:p>
+            <a:r>
+              <a:rPr lang="de-DE" dirty="0"/>
+              <a:t>Aufmerksamkeit</a:t>
+            </a:r>
+          </a:p>
+        </p:txBody>
+      </p:sp>
+      <p:sp>
+        <p:nvSpPr>
+          <p:cNvPr id="2" name="Datumsplatzhalter 1">
+            <a:extLst>
+              <a:ext uri="{FF2B5EF4-FFF2-40B4-BE49-F238E27FC236}">
+                <a16:creationId xmlns:a16="http://schemas.microsoft.com/office/drawing/2014/main" id="{F982CCC3-22A8-43D8-9D7F-0A6E2AC8C337}"/>
+              </a:ext>
+            </a:extLst>
+          </p:cNvPr>
+          <p:cNvSpPr>
+            <a:spLocks noGrp="1"/>
+          </p:cNvSpPr>
+          <p:nvPr>
+            <p:ph type="dt" sz="half" idx="4294967295"/>
+          </p:nvPr>
+        </p:nvSpPr>
+        <p:spPr>
+          <a:xfrm>
+            <a:off x="11342688" y="6634163"/>
+            <a:ext cx="849312" cy="123825"/>
+          </a:xfrm>
+        </p:spPr>
+        <p:txBody>
+          <a:bodyPr/>
+          <a:lstStyle/>
+          <a:p>
+            <a:fld id="{974F31EF-6EA6-4A24-8992-69DC7A69151C}" type="datetime4">
+              <a:rPr lang="de-DE" smtClean="0"/>
+              <a:t>14. Dezember 2022</a:t>
+            </a:fld>
+            <a:endParaRPr lang="de-DE"/>
+          </a:p>
+        </p:txBody>
+      </p:sp>
+      <p:sp>
+        <p:nvSpPr>
+          <p:cNvPr id="3" name="Fußzeilenplatzhalter 2">
+            <a:extLst>
+              <a:ext uri="{FF2B5EF4-FFF2-40B4-BE49-F238E27FC236}">
+                <a16:creationId xmlns:a16="http://schemas.microsoft.com/office/drawing/2014/main" id="{2E068204-A6FE-F4ED-690E-22872D79D6E7}"/>
+              </a:ext>
+            </a:extLst>
+          </p:cNvPr>
+          <p:cNvSpPr>
+            <a:spLocks noGrp="1"/>
+          </p:cNvSpPr>
+          <p:nvPr>
+            <p:ph type="ftr" sz="quarter" idx="4294967295"/>
+          </p:nvPr>
+        </p:nvSpPr>
+        <p:spPr>
+          <a:xfrm>
+            <a:off x="0" y="6634163"/>
+            <a:ext cx="9574213" cy="123825"/>
+          </a:xfrm>
+        </p:spPr>
+        <p:txBody>
+          <a:bodyPr/>
+          <a:lstStyle/>
+          <a:p>
+            <a:r>
+              <a:rPr lang="de-DE"/>
+              <a:t>Wirtschafts- und Sozialwissenschaften | WiSo</a:t>
+            </a:r>
+          </a:p>
+        </p:txBody>
+      </p:sp>
+      <p:sp>
+        <p:nvSpPr>
+          <p:cNvPr id="4" name="Foliennummernplatzhalter 3">
+            <a:extLst>
+              <a:ext uri="{FF2B5EF4-FFF2-40B4-BE49-F238E27FC236}">
+                <a16:creationId xmlns:a16="http://schemas.microsoft.com/office/drawing/2014/main" id="{CB11C3A7-7FEE-011D-55D5-B3A80CEF0818}"/>
+              </a:ext>
+            </a:extLst>
+          </p:cNvPr>
+          <p:cNvSpPr>
+            <a:spLocks noGrp="1"/>
+          </p:cNvSpPr>
+          <p:nvPr>
+            <p:ph type="sldNum" sz="quarter" idx="4294967295"/>
+          </p:nvPr>
+        </p:nvSpPr>
+        <p:spPr>
+          <a:xfrm>
+            <a:off x="11998325" y="6634163"/>
+            <a:ext cx="193675" cy="123825"/>
+          </a:xfrm>
+        </p:spPr>
+        <p:txBody>
+          <a:bodyPr/>
+          <a:lstStyle/>
+          <a:p>
+            <a:fld id="{D949F9DF-37BD-4CD6-BF49-65BA579E1D7A}" type="slidenum">
+              <a:rPr lang="de-DE" smtClean="0"/>
+              <a:pPr/>
+              <a:t>10</a:t>
+            </a:fld>
+            <a:endParaRPr lang="de-DE"/>
+          </a:p>
+        </p:txBody>
+      </p:sp>
+    </p:spTree>
+    <p:extLst>
+      <p:ext uri="{BB962C8B-B14F-4D97-AF65-F5344CB8AC3E}">
+        <p14:creationId xmlns:p14="http://schemas.microsoft.com/office/powerpoint/2010/main" val="661126707"/>
+      </p:ext>
+    </p:extLst>
+  </p:cSld>
+  <p:clrMapOvr>
+    <a:masterClrMapping/>
+  </p:clrMapOvr>
+</p:sld>
+</file>
+
 <file path=ppt/slides/slide2.xml><?xml version="1.0" encoding="utf-8"?>
 <p:sld xmlns:a="http://schemas.openxmlformats.org/drawingml/2006/main" xmlns:r="http://schemas.openxmlformats.org/officeDocument/2006/relationships" xmlns:p="http://schemas.openxmlformats.org/presentationml/2006/main">
   <p:cSld>
@@ -30001,10 +30174,347 @@
       </p:grpSpPr>
       <p:sp>
         <p:nvSpPr>
-          <p:cNvPr id="32" name="Textplatzhalter 31">
-            <a:extLst>
-              <a:ext uri="{FF2B5EF4-FFF2-40B4-BE49-F238E27FC236}">
-                <a16:creationId xmlns:a16="http://schemas.microsoft.com/office/drawing/2014/main" id="{822F10C4-5C7B-EB1B-6862-AE72076F0EAE}"/>
+          <p:cNvPr id="21" name="Titel 20">
+            <a:extLst>
+              <a:ext uri="{FF2B5EF4-FFF2-40B4-BE49-F238E27FC236}">
+                <a16:creationId xmlns:a16="http://schemas.microsoft.com/office/drawing/2014/main" id="{3018BD05-96D8-43F2-A6AA-CC40E7C32CCE}"/>
+              </a:ext>
+            </a:extLst>
+          </p:cNvPr>
+          <p:cNvSpPr>
+            <a:spLocks noGrp="1"/>
+          </p:cNvSpPr>
+          <p:nvPr>
+            <p:ph type="title"/>
+          </p:nvPr>
+        </p:nvSpPr>
+        <p:spPr>
+          <a:xfrm>
+            <a:off x="518318" y="3152001"/>
+            <a:ext cx="11157743" cy="553998"/>
+          </a:xfrm>
+        </p:spPr>
+        <p:txBody>
+          <a:bodyPr/>
+          <a:lstStyle/>
+          <a:p>
+            <a:r>
+              <a:rPr lang="de-DE" dirty="0"/>
+              <a:t>Experimente</a:t>
+            </a:r>
+          </a:p>
+        </p:txBody>
+      </p:sp>
+      <p:sp>
+        <p:nvSpPr>
+          <p:cNvPr id="2" name="Datumsplatzhalter 1">
+            <a:extLst>
+              <a:ext uri="{FF2B5EF4-FFF2-40B4-BE49-F238E27FC236}">
+                <a16:creationId xmlns:a16="http://schemas.microsoft.com/office/drawing/2014/main" id="{FE7214E1-5D14-4D0B-BADD-2E239FECEC10}"/>
+              </a:ext>
+            </a:extLst>
+          </p:cNvPr>
+          <p:cNvSpPr>
+            <a:spLocks noGrp="1"/>
+          </p:cNvSpPr>
+          <p:nvPr>
+            <p:ph type="dt" sz="half" idx="10"/>
+          </p:nvPr>
+        </p:nvSpPr>
+        <p:spPr/>
+        <p:txBody>
+          <a:bodyPr/>
+          <a:lstStyle/>
+          <a:p>
+            <a:fld id="{D529D632-EE07-48FA-B475-B0D49CBC7F92}" type="datetime4">
+              <a:rPr lang="de-DE" smtClean="0"/>
+              <a:pPr/>
+              <a:t>14. Dezember 2022</a:t>
+            </a:fld>
+            <a:endParaRPr lang="de-DE" dirty="0"/>
+          </a:p>
+        </p:txBody>
+      </p:sp>
+      <p:sp>
+        <p:nvSpPr>
+          <p:cNvPr id="3" name="Fußzeilenplatzhalter 2">
+            <a:extLst>
+              <a:ext uri="{FF2B5EF4-FFF2-40B4-BE49-F238E27FC236}">
+                <a16:creationId xmlns:a16="http://schemas.microsoft.com/office/drawing/2014/main" id="{6A6AD034-0F65-47AF-9CAA-C4B0CEB30D4D}"/>
+              </a:ext>
+            </a:extLst>
+          </p:cNvPr>
+          <p:cNvSpPr>
+            <a:spLocks noGrp="1"/>
+          </p:cNvSpPr>
+          <p:nvPr>
+            <p:ph type="ftr" sz="quarter" idx="11"/>
+          </p:nvPr>
+        </p:nvSpPr>
+        <p:spPr/>
+        <p:txBody>
+          <a:bodyPr/>
+          <a:lstStyle/>
+          <a:p>
+            <a:r>
+              <a:rPr lang="de-DE"/>
+              <a:t>… | Lehrstuhl für Digital Industrial Service Systems | Prof. Dr. Martin Matzner </a:t>
+            </a:r>
+            <a:endParaRPr lang="de-DE" dirty="0"/>
+          </a:p>
+        </p:txBody>
+      </p:sp>
+      <p:sp>
+        <p:nvSpPr>
+          <p:cNvPr id="4" name="Foliennummernplatzhalter 3">
+            <a:extLst>
+              <a:ext uri="{FF2B5EF4-FFF2-40B4-BE49-F238E27FC236}">
+                <a16:creationId xmlns:a16="http://schemas.microsoft.com/office/drawing/2014/main" id="{00F7E098-F740-40F7-A085-7034627D9148}"/>
+              </a:ext>
+            </a:extLst>
+          </p:cNvPr>
+          <p:cNvSpPr>
+            <a:spLocks noGrp="1"/>
+          </p:cNvSpPr>
+          <p:nvPr>
+            <p:ph type="sldNum" sz="quarter" idx="12"/>
+          </p:nvPr>
+        </p:nvSpPr>
+        <p:spPr/>
+        <p:txBody>
+          <a:bodyPr/>
+          <a:lstStyle/>
+          <a:p>
+            <a:fld id="{D949F9DF-37BD-4CD6-BF49-65BA579E1D7A}" type="slidenum">
+              <a:rPr lang="de-DE" smtClean="0"/>
+              <a:pPr/>
+              <a:t>8</a:t>
+            </a:fld>
+            <a:endParaRPr lang="de-DE"/>
+          </a:p>
+        </p:txBody>
+      </p:sp>
+    </p:spTree>
+    <p:extLst>
+      <p:ext uri="{BB962C8B-B14F-4D97-AF65-F5344CB8AC3E}">
+        <p14:creationId xmlns:p14="http://schemas.microsoft.com/office/powerpoint/2010/main" val="2846759775"/>
+      </p:ext>
+    </p:extLst>
+  </p:cSld>
+  <p:clrMapOvr>
+    <a:masterClrMapping/>
+  </p:clrMapOvr>
+</p:sld>
+</file>
+
+<file path=ppt/slides/slide9.xml><?xml version="1.0" encoding="utf-8"?>
+<p:sld xmlns:a="http://schemas.openxmlformats.org/drawingml/2006/main" xmlns:r="http://schemas.openxmlformats.org/officeDocument/2006/relationships" xmlns:p="http://schemas.openxmlformats.org/presentationml/2006/main">
+  <p:cSld>
+    <p:spTree>
+      <p:nvGrpSpPr>
+        <p:cNvPr id="1" name=""/>
+        <p:cNvGrpSpPr/>
+        <p:nvPr/>
+      </p:nvGrpSpPr>
+      <p:grpSpPr>
+        <a:xfrm>
+          <a:off x="0" y="0"/>
+          <a:ext cx="0" cy="0"/>
+          <a:chOff x="0" y="0"/>
+          <a:chExt cx="0" cy="0"/>
+        </a:xfrm>
+      </p:grpSpPr>
+      <p:sp>
+        <p:nvSpPr>
+          <p:cNvPr id="3" name="Datumsplatzhalter 2">
+            <a:extLst>
+              <a:ext uri="{FF2B5EF4-FFF2-40B4-BE49-F238E27FC236}">
+                <a16:creationId xmlns:a16="http://schemas.microsoft.com/office/drawing/2014/main" id="{2A351964-2BB6-97F3-6B22-336C5567411D}"/>
+              </a:ext>
+            </a:extLst>
+          </p:cNvPr>
+          <p:cNvSpPr>
+            <a:spLocks noGrp="1"/>
+          </p:cNvSpPr>
+          <p:nvPr>
+            <p:ph type="dt" sz="half" idx="10"/>
+          </p:nvPr>
+        </p:nvSpPr>
+        <p:spPr/>
+        <p:txBody>
+          <a:bodyPr/>
+          <a:lstStyle/>
+          <a:p>
+            <a:fld id="{5C89B0C6-E378-43D9-87B6-F295F13B6DA2}" type="datetime4">
+              <a:rPr lang="de-DE" smtClean="0"/>
+              <a:t>14. Dezember 2022</a:t>
+            </a:fld>
+            <a:endParaRPr lang="de-DE" dirty="0"/>
+          </a:p>
+        </p:txBody>
+      </p:sp>
+      <p:sp>
+        <p:nvSpPr>
+          <p:cNvPr id="4" name="Fußzeilenplatzhalter 3">
+            <a:extLst>
+              <a:ext uri="{FF2B5EF4-FFF2-40B4-BE49-F238E27FC236}">
+                <a16:creationId xmlns:a16="http://schemas.microsoft.com/office/drawing/2014/main" id="{1408DCD8-0AA7-E516-1759-8D2382782060}"/>
+              </a:ext>
+            </a:extLst>
+          </p:cNvPr>
+          <p:cNvSpPr>
+            <a:spLocks noGrp="1"/>
+          </p:cNvSpPr>
+          <p:nvPr>
+            <p:ph type="ftr" sz="quarter" idx="11"/>
+          </p:nvPr>
+        </p:nvSpPr>
+        <p:spPr/>
+        <p:txBody>
+          <a:bodyPr/>
+          <a:lstStyle/>
+          <a:p>
+            <a:r>
+              <a:rPr lang="de-DE" dirty="0"/>
+              <a:t>Rene Jokiel</a:t>
+            </a:r>
+          </a:p>
+        </p:txBody>
+      </p:sp>
+      <p:sp>
+        <p:nvSpPr>
+          <p:cNvPr id="5" name="Foliennummernplatzhalter 4">
+            <a:extLst>
+              <a:ext uri="{FF2B5EF4-FFF2-40B4-BE49-F238E27FC236}">
+                <a16:creationId xmlns:a16="http://schemas.microsoft.com/office/drawing/2014/main" id="{7CC781B4-8E2A-7EAA-0553-BD86241E8C36}"/>
+              </a:ext>
+            </a:extLst>
+          </p:cNvPr>
+          <p:cNvSpPr>
+            <a:spLocks noGrp="1"/>
+          </p:cNvSpPr>
+          <p:nvPr>
+            <p:ph type="sldNum" sz="quarter" idx="12"/>
+          </p:nvPr>
+        </p:nvSpPr>
+        <p:spPr/>
+        <p:txBody>
+          <a:bodyPr/>
+          <a:lstStyle/>
+          <a:p>
+            <a:fld id="{D949F9DF-37BD-4CD6-BF49-65BA579E1D7A}" type="slidenum">
+              <a:rPr lang="de-DE" smtClean="0"/>
+              <a:pPr/>
+              <a:t>9</a:t>
+            </a:fld>
+            <a:endParaRPr lang="de-DE"/>
+          </a:p>
+        </p:txBody>
+      </p:sp>
+      <p:sp>
+        <p:nvSpPr>
+          <p:cNvPr id="2" name="Textplatzhalter 1">
+            <a:extLst>
+              <a:ext uri="{FF2B5EF4-FFF2-40B4-BE49-F238E27FC236}">
+                <a16:creationId xmlns:a16="http://schemas.microsoft.com/office/drawing/2014/main" id="{59DE7A27-14AD-4004-2A27-E615802DFDA4}"/>
+              </a:ext>
+            </a:extLst>
+          </p:cNvPr>
+          <p:cNvSpPr>
+            <a:spLocks noGrp="1"/>
+          </p:cNvSpPr>
+          <p:nvPr>
+            <p:ph type="body" sz="quarter" idx="37"/>
+          </p:nvPr>
+        </p:nvSpPr>
+        <p:spPr/>
+        <p:txBody>
+          <a:bodyPr/>
+          <a:lstStyle/>
+          <a:p>
+            <a:r>
+              <a:rPr lang="de-DE" sz="1800" u="sng" dirty="0"/>
+              <a:t>1. Datensatz mit bekannten </a:t>
+            </a:r>
+            <a:r>
+              <a:rPr lang="de-DE" sz="1800" u="sng" dirty="0" err="1"/>
+              <a:t>Biases</a:t>
+            </a:r>
+            <a:endParaRPr lang="de-DE" sz="1800" u="sng" dirty="0"/>
+          </a:p>
+          <a:p>
+            <a:r>
+              <a:rPr lang="de-DE" sz="1400" dirty="0"/>
+              <a:t>Der Datensatz wird dem Artefakt mit dem benötigten Kontext übergeben, das Ergebnis des Artefakts wird mit dem Metawissen über den Datensatz verglichen.</a:t>
+            </a:r>
+          </a:p>
+          <a:p>
+            <a:r>
+              <a:rPr lang="de-DE" sz="1400" dirty="0"/>
+              <a:t>Bsp. Wenn ein Datensatz Frauen bei Beförderungen benachteiligen sollte, wir überprüft, ob das Artefakt das auch herausfinden kann</a:t>
+            </a:r>
+          </a:p>
+        </p:txBody>
+      </p:sp>
+      <p:sp>
+        <p:nvSpPr>
+          <p:cNvPr id="8" name="Textplatzhalter 7">
+            <a:extLst>
+              <a:ext uri="{FF2B5EF4-FFF2-40B4-BE49-F238E27FC236}">
+                <a16:creationId xmlns:a16="http://schemas.microsoft.com/office/drawing/2014/main" id="{562E0F8F-00E0-2826-FBFA-E6581884CC87}"/>
+              </a:ext>
+            </a:extLst>
+          </p:cNvPr>
+          <p:cNvSpPr>
+            <a:spLocks noGrp="1"/>
+          </p:cNvSpPr>
+          <p:nvPr>
+            <p:ph type="body" sz="quarter" idx="39"/>
+          </p:nvPr>
+        </p:nvSpPr>
+        <p:spPr/>
+        <p:txBody>
+          <a:bodyPr/>
+          <a:lstStyle/>
+          <a:p>
+            <a:endParaRPr lang="de-DE" dirty="0"/>
+          </a:p>
+        </p:txBody>
+      </p:sp>
+      <p:sp>
+        <p:nvSpPr>
+          <p:cNvPr id="6" name="Titel 5">
+            <a:extLst>
+              <a:ext uri="{FF2B5EF4-FFF2-40B4-BE49-F238E27FC236}">
+                <a16:creationId xmlns:a16="http://schemas.microsoft.com/office/drawing/2014/main" id="{141A52E9-C3AF-262C-EBCF-F1578441CFAF}"/>
+              </a:ext>
+            </a:extLst>
+          </p:cNvPr>
+          <p:cNvSpPr>
+            <a:spLocks noGrp="1"/>
+          </p:cNvSpPr>
+          <p:nvPr>
+            <p:ph type="title"/>
+          </p:nvPr>
+        </p:nvSpPr>
+        <p:spPr/>
+        <p:txBody>
+          <a:bodyPr/>
+          <a:lstStyle/>
+          <a:p>
+            <a:r>
+              <a:rPr lang="de-DE" dirty="0"/>
+              <a:t>Insgesamt werden 3 verschiedene Experimentarten durchgeführt</a:t>
+            </a:r>
+          </a:p>
+        </p:txBody>
+      </p:sp>
+      <p:sp>
+        <p:nvSpPr>
+          <p:cNvPr id="7" name="Textplatzhalter 6">
+            <a:extLst>
+              <a:ext uri="{FF2B5EF4-FFF2-40B4-BE49-F238E27FC236}">
+                <a16:creationId xmlns:a16="http://schemas.microsoft.com/office/drawing/2014/main" id="{729D91F5-AF69-2294-FA98-A806524F9A08}"/>
               </a:ext>
             </a:extLst>
           </p:cNvPr>
@@ -30015,35 +30525,24 @@
             <p:ph type="body" sz="quarter" idx="13"/>
           </p:nvPr>
         </p:nvSpPr>
-        <p:spPr>
-          <a:xfrm>
-            <a:off x="518317" y="2647985"/>
-            <a:ext cx="11157745" cy="1562031"/>
-          </a:xfrm>
-        </p:spPr>
+        <p:spPr/>
         <p:txBody>
           <a:bodyPr/>
           <a:lstStyle/>
           <a:p>
             <a:r>
               <a:rPr lang="de-DE" dirty="0"/>
-              <a:t>Vielen Dank für eure </a:t>
-            </a:r>
-          </a:p>
-          <a:p>
-            <a:r>
-              <a:rPr lang="de-DE" dirty="0"/>
-              <a:t>Aufmerksamkeit</a:t>
-            </a:r>
-          </a:p>
-        </p:txBody>
-      </p:sp>
-      <p:sp>
-        <p:nvSpPr>
-          <p:cNvPr id="2" name="Datumsplatzhalter 1">
-            <a:extLst>
-              <a:ext uri="{FF2B5EF4-FFF2-40B4-BE49-F238E27FC236}">
-                <a16:creationId xmlns:a16="http://schemas.microsoft.com/office/drawing/2014/main" id="{F982CCC3-22A8-43D8-9D7F-0A6E2AC8C337}"/>
+              <a:t>Experimentarten</a:t>
+            </a:r>
+          </a:p>
+        </p:txBody>
+      </p:sp>
+      <p:sp>
+        <p:nvSpPr>
+          <p:cNvPr id="9" name="Textplatzhalter 8">
+            <a:extLst>
+              <a:ext uri="{FF2B5EF4-FFF2-40B4-BE49-F238E27FC236}">
+                <a16:creationId xmlns:a16="http://schemas.microsoft.com/office/drawing/2014/main" id="{83C1BF3B-BEAC-C014-D807-B06F45FFBF2D}"/>
               </a:ext>
             </a:extLst>
           </p:cNvPr>
@@ -30051,33 +30550,47 @@
             <a:spLocks noGrp="1"/>
           </p:cNvSpPr>
           <p:nvPr>
-            <p:ph type="dt" sz="half" idx="4294967295"/>
+            <p:ph type="body" sz="quarter" idx="40"/>
           </p:nvPr>
         </p:nvSpPr>
-        <p:spPr>
-          <a:xfrm>
-            <a:off x="11342688" y="6634163"/>
-            <a:ext cx="849312" cy="123825"/>
-          </a:xfrm>
-        </p:spPr>
+        <p:spPr/>
         <p:txBody>
           <a:bodyPr/>
           <a:lstStyle/>
           <a:p>
-            <a:fld id="{974F31EF-6EA6-4A24-8992-69DC7A69151C}" type="datetime4">
-              <a:rPr lang="de-DE" smtClean="0"/>
-              <a:t>14. Dezember 2022</a:t>
-            </a:fld>
-            <a:endParaRPr lang="de-DE"/>
-          </a:p>
-        </p:txBody>
-      </p:sp>
-      <p:sp>
-        <p:nvSpPr>
-          <p:cNvPr id="3" name="Fußzeilenplatzhalter 2">
-            <a:extLst>
-              <a:ext uri="{FF2B5EF4-FFF2-40B4-BE49-F238E27FC236}">
-                <a16:creationId xmlns:a16="http://schemas.microsoft.com/office/drawing/2014/main" id="{2E068204-A6FE-F4ED-690E-22872D79D6E7}"/>
+            <a:r>
+              <a:rPr lang="de-DE" sz="1800" u="sng" dirty="0"/>
+              <a:t>2. Datensatz mit bekannten </a:t>
+            </a:r>
+            <a:r>
+              <a:rPr lang="de-DE" sz="1800" u="sng" dirty="0" err="1"/>
+              <a:t>Biases</a:t>
+            </a:r>
+            <a:r>
+              <a:rPr lang="de-DE" sz="1800" u="sng" dirty="0"/>
+              <a:t> und bereinigte Version des Datensatzes</a:t>
+            </a:r>
+          </a:p>
+          <a:p>
+            <a:r>
+              <a:rPr lang="de-DE" sz="1400" dirty="0"/>
+              <a:t>Gleiches Prozedere wie bei der ersten Art, aber darauffolgend wird dem Artefakt noch eine bereinigte Version von dem Datensatz übergeben. Die beiden Ergebnisse werden danach verglichen.</a:t>
+            </a:r>
+          </a:p>
+          <a:p>
+            <a:r>
+              <a:rPr lang="de-DE" sz="1400" dirty="0"/>
+              <a:t>Bsp. Wenn ein Datensatz Frauen benachteiligt, der bereinigte Datensatz benachteiligt Frauen nicht mehr. Das Artefakt sollte bei beiden Datensätzen nicht das selbe Ergebnis liefern</a:t>
+            </a:r>
+          </a:p>
+        </p:txBody>
+      </p:sp>
+      <p:sp>
+        <p:nvSpPr>
+          <p:cNvPr id="10" name="Textplatzhalter 9">
+            <a:extLst>
+              <a:ext uri="{FF2B5EF4-FFF2-40B4-BE49-F238E27FC236}">
+                <a16:creationId xmlns:a16="http://schemas.microsoft.com/office/drawing/2014/main" id="{E9A932B5-760B-69D3-280A-45479359BD4D}"/>
               </a:ext>
             </a:extLst>
           </p:cNvPr>
@@ -30085,65 +30598,32 @@
             <a:spLocks noGrp="1"/>
           </p:cNvSpPr>
           <p:nvPr>
-            <p:ph type="ftr" sz="quarter" idx="4294967295"/>
+            <p:ph type="body" sz="quarter" idx="41"/>
           </p:nvPr>
         </p:nvSpPr>
-        <p:spPr>
-          <a:xfrm>
-            <a:off x="0" y="6634163"/>
-            <a:ext cx="9574213" cy="123825"/>
-          </a:xfrm>
-        </p:spPr>
+        <p:spPr/>
         <p:txBody>
           <a:bodyPr/>
           <a:lstStyle/>
           <a:p>
             <a:r>
-              <a:rPr lang="de-DE"/>
-              <a:t>Wirtschafts- und Sozialwissenschaften | WiSo</a:t>
-            </a:r>
-          </a:p>
-        </p:txBody>
-      </p:sp>
-      <p:sp>
-        <p:nvSpPr>
-          <p:cNvPr id="4" name="Foliennummernplatzhalter 3">
-            <a:extLst>
-              <a:ext uri="{FF2B5EF4-FFF2-40B4-BE49-F238E27FC236}">
-                <a16:creationId xmlns:a16="http://schemas.microsoft.com/office/drawing/2014/main" id="{CB11C3A7-7FEE-011D-55D5-B3A80CEF0818}"/>
-              </a:ext>
-            </a:extLst>
-          </p:cNvPr>
-          <p:cNvSpPr>
-            <a:spLocks noGrp="1"/>
-          </p:cNvSpPr>
-          <p:nvPr>
-            <p:ph type="sldNum" sz="quarter" idx="4294967295"/>
-          </p:nvPr>
-        </p:nvSpPr>
-        <p:spPr>
-          <a:xfrm>
-            <a:off x="11998325" y="6634163"/>
-            <a:ext cx="193675" cy="123825"/>
-          </a:xfrm>
-        </p:spPr>
-        <p:txBody>
-          <a:bodyPr/>
-          <a:lstStyle/>
-          <a:p>
-            <a:fld id="{D949F9DF-37BD-4CD6-BF49-65BA579E1D7A}" type="slidenum">
-              <a:rPr lang="de-DE" smtClean="0"/>
-              <a:pPr/>
-              <a:t>8</a:t>
-            </a:fld>
-            <a:endParaRPr lang="de-DE"/>
+              <a:rPr lang="de-DE" sz="1800" u="sng" dirty="0"/>
+              <a:t>3. Datensatz ohne bekannten Bias</a:t>
+            </a:r>
+          </a:p>
+          <a:p>
+            <a:r>
+              <a:rPr lang="de-DE" sz="1400" dirty="0"/>
+              <a:t>Gleicher Ablauf wie bei der ersten Art, nur sind keine Metainformationen vorhanden. Die Ergebnisse werden dann erfasst.</a:t>
+            </a:r>
+            <a:endParaRPr lang="de-DE" dirty="0"/>
           </a:p>
         </p:txBody>
       </p:sp>
     </p:spTree>
     <p:extLst>
       <p:ext uri="{BB962C8B-B14F-4D97-AF65-F5344CB8AC3E}">
-        <p14:creationId xmlns:p14="http://schemas.microsoft.com/office/powerpoint/2010/main" val="661126707"/>
+        <p14:creationId xmlns:p14="http://schemas.microsoft.com/office/powerpoint/2010/main" val="3182649975"/>
       </p:ext>
     </p:extLst>
   </p:cSld>

--- a/F-Seminar/Zwischenpräsentation.pptx
+++ b/F-Seminar/Zwischenpräsentation.pptx
@@ -5,27 +5,38 @@
     <p:sldMasterId id="2147483693" r:id="rId1"/>
   </p:sldMasterIdLst>
   <p:notesMasterIdLst>
-    <p:notesMasterId r:id="rId12"/>
+    <p:notesMasterId r:id="rId23"/>
   </p:notesMasterIdLst>
   <p:handoutMasterIdLst>
-    <p:handoutMasterId r:id="rId13"/>
+    <p:handoutMasterId r:id="rId24"/>
   </p:handoutMasterIdLst>
   <p:sldIdLst>
     <p:sldId id="430" r:id="rId2"/>
     <p:sldId id="431" r:id="rId3"/>
     <p:sldId id="311" r:id="rId4"/>
-    <p:sldId id="432" r:id="rId5"/>
-    <p:sldId id="433" r:id="rId6"/>
-    <p:sldId id="434" r:id="rId7"/>
-    <p:sldId id="435" r:id="rId8"/>
-    <p:sldId id="436" r:id="rId9"/>
-    <p:sldId id="437" r:id="rId10"/>
-    <p:sldId id="429" r:id="rId11"/>
+    <p:sldId id="443" r:id="rId5"/>
+    <p:sldId id="440" r:id="rId6"/>
+    <p:sldId id="432" r:id="rId7"/>
+    <p:sldId id="448" r:id="rId8"/>
+    <p:sldId id="441" r:id="rId9"/>
+    <p:sldId id="444" r:id="rId10"/>
+    <p:sldId id="439" r:id="rId11"/>
+    <p:sldId id="442" r:id="rId12"/>
+    <p:sldId id="433" r:id="rId13"/>
+    <p:sldId id="434" r:id="rId14"/>
+    <p:sldId id="435" r:id="rId15"/>
+    <p:sldId id="438" r:id="rId16"/>
+    <p:sldId id="436" r:id="rId17"/>
+    <p:sldId id="437" r:id="rId18"/>
+    <p:sldId id="445" r:id="rId19"/>
+    <p:sldId id="446" r:id="rId20"/>
+    <p:sldId id="447" r:id="rId21"/>
+    <p:sldId id="429" r:id="rId22"/>
   </p:sldIdLst>
   <p:sldSz cx="12192000" cy="6858000"/>
   <p:notesSz cx="6858000" cy="9144000"/>
   <p:custDataLst>
-    <p:tags r:id="rId14"/>
+    <p:tags r:id="rId25"/>
   </p:custDataLst>
   <p:defaultTextStyle>
     <a:defPPr>
@@ -227,7 +238,7 @@
           <a:p>
             <a:fld id="{C88CE87A-16FF-4C7D-8292-0CB980715C8B}" type="datetimeFigureOut">
               <a:rPr lang="de-DE" smtClean="0"/>
-              <a:t>14.12.2022</a:t>
+              <a:t>15.12.2022</a:t>
             </a:fld>
             <a:endParaRPr lang="de-DE"/>
           </a:p>
@@ -404,7 +415,7 @@
           <a:p>
             <a:fld id="{9DECA62E-2216-4960-A875-4D2633F4A404}" type="datetimeFigureOut">
               <a:rPr lang="de-DE" smtClean="0"/>
-              <a:t>14.12.2022</a:t>
+              <a:t>15.12.2022</a:t>
             </a:fld>
             <a:endParaRPr lang="de-DE"/>
           </a:p>
@@ -2204,7 +2215,7 @@
           <a:p>
             <a:fld id="{E4F67F0B-0D69-4F2E-A0A2-F8FA26E3BF7C}" type="datetime4">
               <a:rPr lang="de-DE" smtClean="0"/>
-              <a:t>14. Dezember 2022</a:t>
+              <a:t>15. Dezember 2022</a:t>
             </a:fld>
             <a:endParaRPr lang="de-DE" dirty="0"/>
           </a:p>
@@ -2610,7 +2621,7 @@
           <a:p>
             <a:fld id="{BE42F941-E76D-416A-AF33-65B53D3785A5}" type="datetime4">
               <a:rPr lang="de-DE" smtClean="0"/>
-              <a:t>14. Dezember 2022</a:t>
+              <a:t>15. Dezember 2022</a:t>
             </a:fld>
             <a:endParaRPr lang="de-DE" dirty="0"/>
           </a:p>
@@ -3164,7 +3175,7 @@
           <a:p>
             <a:fld id="{383FEB1C-484B-4899-98E6-EB362BE13A10}" type="datetime4">
               <a:rPr lang="de-DE" smtClean="0"/>
-              <a:t>14. Dezember 2022</a:t>
+              <a:t>15. Dezember 2022</a:t>
             </a:fld>
             <a:endParaRPr lang="de-DE" dirty="0"/>
           </a:p>
@@ -3555,7 +3566,7 @@
           <a:p>
             <a:fld id="{FDEAF896-8D1C-46DE-9E9E-9010894131BC}" type="datetime4">
               <a:rPr lang="de-DE" smtClean="0"/>
-              <a:t>14. Dezember 2022</a:t>
+              <a:t>15. Dezember 2022</a:t>
             </a:fld>
             <a:endParaRPr lang="de-DE" dirty="0"/>
           </a:p>
@@ -4046,7 +4057,7 @@
           <a:p>
             <a:fld id="{F23CC76E-A77D-4F48-8F46-063559FB155D}" type="datetime4">
               <a:rPr lang="de-DE" smtClean="0"/>
-              <a:t>14. Dezember 2022</a:t>
+              <a:t>15. Dezember 2022</a:t>
             </a:fld>
             <a:endParaRPr lang="de-DE" dirty="0"/>
           </a:p>
@@ -4637,7 +4648,7 @@
           <a:p>
             <a:fld id="{8321F75B-8E06-41EA-9095-78DA6F8CBA18}" type="datetime4">
               <a:rPr lang="de-DE" smtClean="0"/>
-              <a:t>14. Dezember 2022</a:t>
+              <a:t>15. Dezember 2022</a:t>
             </a:fld>
             <a:endParaRPr lang="de-DE" dirty="0"/>
           </a:p>
@@ -4966,7 +4977,7 @@
           <a:p>
             <a:fld id="{089DCD38-B7CE-40BA-8A02-00BA6D6B4613}" type="datetime4">
               <a:rPr lang="de-DE" smtClean="0"/>
-              <a:t>14. Dezember 2022</a:t>
+              <a:t>15. Dezember 2022</a:t>
             </a:fld>
             <a:endParaRPr lang="de-DE" dirty="0"/>
           </a:p>
@@ -5333,7 +5344,7 @@
           <a:p>
             <a:fld id="{97BF881E-3DED-43D6-A417-A7C186EE56EA}" type="datetime4">
               <a:rPr lang="de-DE" smtClean="0"/>
-              <a:t>14. Dezember 2022</a:t>
+              <a:t>15. Dezember 2022</a:t>
             </a:fld>
             <a:endParaRPr lang="de-DE" dirty="0"/>
           </a:p>
@@ -5720,7 +5731,7 @@
           <a:p>
             <a:fld id="{236023A5-0DD9-4EDE-B3F8-AE8B566D171E}" type="datetime4">
               <a:rPr lang="de-DE" smtClean="0"/>
-              <a:t>14. Dezember 2022</a:t>
+              <a:t>15. Dezember 2022</a:t>
             </a:fld>
             <a:endParaRPr lang="de-DE" dirty="0"/>
           </a:p>
@@ -8771,7 +8782,7 @@
           <a:p>
             <a:fld id="{5F2FFFAF-2C94-4296-A519-F2AFC9B633BB}" type="datetime4">
               <a:rPr lang="de-DE" smtClean="0"/>
-              <a:t>14. Dezember 2022</a:t>
+              <a:t>15. Dezember 2022</a:t>
             </a:fld>
             <a:endParaRPr lang="de-DE" dirty="0"/>
           </a:p>
@@ -9070,7 +9081,7 @@
           <a:p>
             <a:fld id="{278214D8-8053-4DB4-874E-70E28250261A}" type="datetime4">
               <a:rPr lang="de-DE" smtClean="0"/>
-              <a:t>14. Dezember 2022</a:t>
+              <a:t>15. Dezember 2022</a:t>
             </a:fld>
             <a:endParaRPr lang="de-DE" dirty="0"/>
           </a:p>
@@ -17085,7 +17096,7 @@
           <a:p>
             <a:fld id="{974F31EF-6EA6-4A24-8992-69DC7A69151C}" type="datetime4">
               <a:rPr lang="de-DE" smtClean="0"/>
-              <a:t>14. Dezember 2022</a:t>
+              <a:t>15. Dezember 2022</a:t>
             </a:fld>
             <a:endParaRPr lang="de-DE"/>
           </a:p>
@@ -19837,7 +19848,7 @@
           <a:p>
             <a:fld id="{C7DD0C8E-4653-4FE0-9AB6-B157E51E80B8}" type="datetime4">
               <a:rPr lang="de-DE" smtClean="0"/>
-              <a:t>14. Dezember 2022</a:t>
+              <a:t>15. Dezember 2022</a:t>
             </a:fld>
             <a:endParaRPr lang="de-DE" dirty="0"/>
           </a:p>
@@ -21090,7 +21101,7 @@
           <a:p>
             <a:fld id="{701BB78D-0F7C-433E-93C8-011F3F257B2F}" type="datetime4">
               <a:rPr lang="de-DE" smtClean="0"/>
-              <a:t>14. Dezember 2022</a:t>
+              <a:t>15. Dezember 2022</a:t>
             </a:fld>
             <a:endParaRPr lang="de-DE" dirty="0"/>
           </a:p>
@@ -21978,7 +21989,7 @@
           <a:p>
             <a:fld id="{5C89B0C6-E378-43D9-87B6-F295F13B6DA2}" type="datetime4">
               <a:rPr lang="de-DE" smtClean="0"/>
-              <a:t>14. Dezember 2022</a:t>
+              <a:t>15. Dezember 2022</a:t>
             </a:fld>
             <a:endParaRPr lang="de-DE" dirty="0"/>
           </a:p>
@@ -23395,7 +23406,7 @@
           <a:p>
             <a:fld id="{37276614-C801-48D1-BE5E-3E261D899ED8}" type="datetime4">
               <a:rPr lang="de-DE" smtClean="0"/>
-              <a:t>14. Dezember 2022</a:t>
+              <a:t>15. Dezember 2022</a:t>
             </a:fld>
             <a:endParaRPr lang="de-DE" dirty="0"/>
           </a:p>
@@ -23833,7 +23844,7 @@
           <a:p>
             <a:fld id="{A9FB17B1-4EF5-4E82-B64D-6D9D06630995}" type="datetime4">
               <a:rPr lang="de-DE" smtClean="0"/>
-              <a:t>14. Dezember 2022</a:t>
+              <a:t>15. Dezember 2022</a:t>
             </a:fld>
             <a:endParaRPr lang="de-DE" dirty="0"/>
           </a:p>
@@ -24269,7 +24280,7 @@
           <a:p>
             <a:fld id="{0B15DED9-9AF1-49E6-842A-BFCE5BF99E9D}" type="datetime4">
               <a:rPr lang="de-DE" smtClean="0"/>
-              <a:t>14. Dezember 2022</a:t>
+              <a:t>15. Dezember 2022</a:t>
             </a:fld>
             <a:endParaRPr lang="de-DE" dirty="0"/>
           </a:p>
@@ -24990,7 +25001,7 @@
           <a:p>
             <a:fld id="{B4AF76AE-F8CA-4CAE-8890-6E3DCFB786A6}" type="datetime4">
               <a:rPr lang="de-DE" smtClean="0"/>
-              <a:t>14. Dezember 2022</a:t>
+              <a:t>15. Dezember 2022</a:t>
             </a:fld>
             <a:endParaRPr lang="de-DE" dirty="0"/>
           </a:p>
@@ -26899,10 +26910,10 @@
       </p:grpSpPr>
       <p:sp>
         <p:nvSpPr>
-          <p:cNvPr id="32" name="Textplatzhalter 31">
-            <a:extLst>
-              <a:ext uri="{FF2B5EF4-FFF2-40B4-BE49-F238E27FC236}">
-                <a16:creationId xmlns:a16="http://schemas.microsoft.com/office/drawing/2014/main" id="{822F10C4-5C7B-EB1B-6862-AE72076F0EAE}"/>
+          <p:cNvPr id="21" name="Titel 20">
+            <a:extLst>
+              <a:ext uri="{FF2B5EF4-FFF2-40B4-BE49-F238E27FC236}">
+                <a16:creationId xmlns:a16="http://schemas.microsoft.com/office/drawing/2014/main" id="{3018BD05-96D8-43F2-A6AA-CC40E7C32CCE}"/>
               </a:ext>
             </a:extLst>
           </p:cNvPr>
@@ -26910,13 +26921,13 @@
             <a:spLocks noGrp="1"/>
           </p:cNvSpPr>
           <p:nvPr>
-            <p:ph type="body" sz="quarter" idx="13"/>
+            <p:ph type="title"/>
           </p:nvPr>
         </p:nvSpPr>
         <p:spPr>
           <a:xfrm>
-            <a:off x="518317" y="2647985"/>
-            <a:ext cx="11157745" cy="1562031"/>
+            <a:off x="518318" y="3152001"/>
+            <a:ext cx="11157743" cy="553998"/>
           </a:xfrm>
         </p:spPr>
         <p:txBody>
@@ -26925,13 +26936,7 @@
           <a:p>
             <a:r>
               <a:rPr lang="de-DE" dirty="0"/>
-              <a:t>Vielen Dank für eure </a:t>
-            </a:r>
-          </a:p>
-          <a:p>
-            <a:r>
-              <a:rPr lang="de-DE" dirty="0"/>
-              <a:t>Aufmerksamkeit</a:t>
+              <a:t>4. Artefakt</a:t>
             </a:r>
           </a:p>
         </p:txBody>
@@ -26941,7 +26946,7 @@
           <p:cNvPr id="2" name="Datumsplatzhalter 1">
             <a:extLst>
               <a:ext uri="{FF2B5EF4-FFF2-40B4-BE49-F238E27FC236}">
-                <a16:creationId xmlns:a16="http://schemas.microsoft.com/office/drawing/2014/main" id="{F982CCC3-22A8-43D8-9D7F-0A6E2AC8C337}"/>
+                <a16:creationId xmlns:a16="http://schemas.microsoft.com/office/drawing/2014/main" id="{FE7214E1-5D14-4D0B-BADD-2E239FECEC10}"/>
               </a:ext>
             </a:extLst>
           </p:cNvPr>
@@ -26949,24 +26954,20 @@
             <a:spLocks noGrp="1"/>
           </p:cNvSpPr>
           <p:nvPr>
-            <p:ph type="dt" sz="half" idx="4294967295"/>
+            <p:ph type="dt" sz="half" idx="10"/>
           </p:nvPr>
         </p:nvSpPr>
-        <p:spPr>
-          <a:xfrm>
-            <a:off x="11342688" y="6634163"/>
-            <a:ext cx="849312" cy="123825"/>
-          </a:xfrm>
-        </p:spPr>
+        <p:spPr/>
         <p:txBody>
           <a:bodyPr/>
           <a:lstStyle/>
           <a:p>
-            <a:fld id="{974F31EF-6EA6-4A24-8992-69DC7A69151C}" type="datetime4">
+            <a:fld id="{D529D632-EE07-48FA-B475-B0D49CBC7F92}" type="datetime4">
               <a:rPr lang="de-DE" smtClean="0"/>
-              <a:t>14. Dezember 2022</a:t>
+              <a:pPr/>
+              <a:t>15. Dezember 2022</a:t>
             </a:fld>
-            <a:endParaRPr lang="de-DE"/>
+            <a:endParaRPr lang="de-DE" dirty="0"/>
           </a:p>
         </p:txBody>
       </p:sp>
@@ -26975,7 +26976,7 @@
           <p:cNvPr id="3" name="Fußzeilenplatzhalter 2">
             <a:extLst>
               <a:ext uri="{FF2B5EF4-FFF2-40B4-BE49-F238E27FC236}">
-                <a16:creationId xmlns:a16="http://schemas.microsoft.com/office/drawing/2014/main" id="{2E068204-A6FE-F4ED-690E-22872D79D6E7}"/>
+                <a16:creationId xmlns:a16="http://schemas.microsoft.com/office/drawing/2014/main" id="{6A6AD034-0F65-47AF-9CAA-C4B0CEB30D4D}"/>
               </a:ext>
             </a:extLst>
           </p:cNvPr>
@@ -26983,22 +26984,21 @@
             <a:spLocks noGrp="1"/>
           </p:cNvSpPr>
           <p:nvPr>
-            <p:ph type="ftr" sz="quarter" idx="4294967295"/>
+            <p:ph type="ftr" sz="quarter" idx="11"/>
           </p:nvPr>
         </p:nvSpPr>
-        <p:spPr>
-          <a:xfrm>
-            <a:off x="0" y="6634163"/>
-            <a:ext cx="9574213" cy="123825"/>
-          </a:xfrm>
-        </p:spPr>
+        <p:spPr/>
         <p:txBody>
           <a:bodyPr/>
           <a:lstStyle/>
           <a:p>
             <a:r>
-              <a:rPr lang="de-DE"/>
-              <a:t>Wirtschafts- und Sozialwissenschaften | WiSo</a:t>
+              <a:rPr lang="de-DE" dirty="0"/>
+              <a:t>Philippe Huber, </a:t>
+            </a:r>
+            <a:r>
+              <a:rPr lang="de-DE" b="1" dirty="0"/>
+              <a:t>Rene Jokiel</a:t>
             </a:r>
           </a:p>
         </p:txBody>
@@ -27008,7 +27008,7 @@
           <p:cNvPr id="4" name="Foliennummernplatzhalter 3">
             <a:extLst>
               <a:ext uri="{FF2B5EF4-FFF2-40B4-BE49-F238E27FC236}">
-                <a16:creationId xmlns:a16="http://schemas.microsoft.com/office/drawing/2014/main" id="{CB11C3A7-7FEE-011D-55D5-B3A80CEF0818}"/>
+                <a16:creationId xmlns:a16="http://schemas.microsoft.com/office/drawing/2014/main" id="{00F7E098-F740-40F7-A085-7034627D9148}"/>
               </a:ext>
             </a:extLst>
           </p:cNvPr>
@@ -27016,15 +27016,10 @@
             <a:spLocks noGrp="1"/>
           </p:cNvSpPr>
           <p:nvPr>
-            <p:ph type="sldNum" sz="quarter" idx="4294967295"/>
+            <p:ph type="sldNum" sz="quarter" idx="12"/>
           </p:nvPr>
         </p:nvSpPr>
-        <p:spPr>
-          <a:xfrm>
-            <a:off x="11998325" y="6634163"/>
-            <a:ext cx="193675" cy="123825"/>
-          </a:xfrm>
-        </p:spPr>
+        <p:spPr/>
         <p:txBody>
           <a:bodyPr/>
           <a:lstStyle/>
@@ -27041,7 +27036,7 @@
     </p:spTree>
     <p:extLst>
       <p:ext uri="{BB962C8B-B14F-4D97-AF65-F5344CB8AC3E}">
-        <p14:creationId xmlns:p14="http://schemas.microsoft.com/office/powerpoint/2010/main" val="661126707"/>
+        <p14:creationId xmlns:p14="http://schemas.microsoft.com/office/powerpoint/2010/main" val="1567114712"/>
       </p:ext>
     </p:extLst>
   </p:cSld>
@@ -27051,7 +27046,7 @@
 </p:sld>
 </file>
 
-<file path=ppt/slides/slide2.xml><?xml version="1.0" encoding="utf-8"?>
+<file path=ppt/slides/slide11.xml><?xml version="1.0" encoding="utf-8"?>
 <p:sld xmlns:a="http://schemas.openxmlformats.org/drawingml/2006/main" xmlns:r="http://schemas.openxmlformats.org/officeDocument/2006/relationships" xmlns:p="http://schemas.openxmlformats.org/presentationml/2006/main">
   <p:cSld>
     <p:spTree>
@@ -27070,10 +27065,10 @@
       </p:grpSpPr>
       <p:sp>
         <p:nvSpPr>
-          <p:cNvPr id="2" name="Datumsplatzhalter 1">
-            <a:extLst>
-              <a:ext uri="{FF2B5EF4-FFF2-40B4-BE49-F238E27FC236}">
-                <a16:creationId xmlns:a16="http://schemas.microsoft.com/office/drawing/2014/main" id="{21D4C28D-2E53-7C81-9018-F3C4A48D51F5}"/>
+          <p:cNvPr id="3" name="Datumsplatzhalter 2">
+            <a:extLst>
+              <a:ext uri="{FF2B5EF4-FFF2-40B4-BE49-F238E27FC236}">
+                <a16:creationId xmlns:a16="http://schemas.microsoft.com/office/drawing/2014/main" id="{2A351964-2BB6-97F3-6B22-336C5567411D}"/>
               </a:ext>
             </a:extLst>
           </p:cNvPr>
@@ -27089,20 +27084,20 @@
           <a:bodyPr/>
           <a:lstStyle/>
           <a:p>
-            <a:fld id="{974F31EF-6EA6-4A24-8992-69DC7A69151C}" type="datetime4">
+            <a:fld id="{5C89B0C6-E378-43D9-87B6-F295F13B6DA2}" type="datetime4">
               <a:rPr lang="de-DE" smtClean="0"/>
-              <a:t>14. Dezember 2022</a:t>
+              <a:t>15. Dezember 2022</a:t>
             </a:fld>
-            <a:endParaRPr lang="de-DE"/>
-          </a:p>
-        </p:txBody>
-      </p:sp>
-      <p:sp>
-        <p:nvSpPr>
-          <p:cNvPr id="3" name="Fußzeilenplatzhalter 2">
-            <a:extLst>
-              <a:ext uri="{FF2B5EF4-FFF2-40B4-BE49-F238E27FC236}">
-                <a16:creationId xmlns:a16="http://schemas.microsoft.com/office/drawing/2014/main" id="{40529BE8-B3E7-6F8E-75C5-E65F23C88A61}"/>
+            <a:endParaRPr lang="de-DE" dirty="0"/>
+          </a:p>
+        </p:txBody>
+      </p:sp>
+      <p:sp>
+        <p:nvSpPr>
+          <p:cNvPr id="4" name="Fußzeilenplatzhalter 3">
+            <a:extLst>
+              <a:ext uri="{FF2B5EF4-FFF2-40B4-BE49-F238E27FC236}">
+                <a16:creationId xmlns:a16="http://schemas.microsoft.com/office/drawing/2014/main" id="{1408DCD8-0AA7-E516-1759-8D2382782060}"/>
               </a:ext>
             </a:extLst>
           </p:cNvPr>
@@ -27119,18 +27114,22 @@
           <a:lstStyle/>
           <a:p>
             <a:r>
-              <a:rPr lang="de-DE"/>
-              <a:t>Wirtschafts- und Sozialwissenschaften | WiSo</a:t>
-            </a:r>
-          </a:p>
-        </p:txBody>
-      </p:sp>
-      <p:sp>
-        <p:nvSpPr>
-          <p:cNvPr id="4" name="Foliennummernplatzhalter 3">
-            <a:extLst>
-              <a:ext uri="{FF2B5EF4-FFF2-40B4-BE49-F238E27FC236}">
-                <a16:creationId xmlns:a16="http://schemas.microsoft.com/office/drawing/2014/main" id="{6EB0CA80-A177-60A5-F0A8-6410CA27F9C9}"/>
+              <a:rPr lang="de-DE" dirty="0"/>
+              <a:t>Philippe Huber, </a:t>
+            </a:r>
+            <a:r>
+              <a:rPr lang="de-DE" b="1" dirty="0"/>
+              <a:t>Rene Jokiel</a:t>
+            </a:r>
+          </a:p>
+        </p:txBody>
+      </p:sp>
+      <p:sp>
+        <p:nvSpPr>
+          <p:cNvPr id="5" name="Foliennummernplatzhalter 4">
+            <a:extLst>
+              <a:ext uri="{FF2B5EF4-FFF2-40B4-BE49-F238E27FC236}">
+                <a16:creationId xmlns:a16="http://schemas.microsoft.com/office/drawing/2014/main" id="{7CC781B4-8E2A-7EAA-0553-BD86241E8C36}"/>
               </a:ext>
             </a:extLst>
           </p:cNvPr>
@@ -27149,944 +27148,7 @@
             <a:fld id="{D949F9DF-37BD-4CD6-BF49-65BA579E1D7A}" type="slidenum">
               <a:rPr lang="de-DE" smtClean="0"/>
               <a:pPr/>
-              <a:t>2</a:t>
-            </a:fld>
-            <a:endParaRPr lang="de-DE"/>
-          </a:p>
-        </p:txBody>
-      </p:sp>
-      <p:sp>
-        <p:nvSpPr>
-          <p:cNvPr id="5" name="Textplatzhalter 4">
-            <a:extLst>
-              <a:ext uri="{FF2B5EF4-FFF2-40B4-BE49-F238E27FC236}">
-                <a16:creationId xmlns:a16="http://schemas.microsoft.com/office/drawing/2014/main" id="{CF87EB5A-FD3F-8C3E-33D0-00BA8FFB2F2B}"/>
-              </a:ext>
-            </a:extLst>
-          </p:cNvPr>
-          <p:cNvSpPr>
-            <a:spLocks noGrp="1"/>
-          </p:cNvSpPr>
-          <p:nvPr>
-            <p:ph type="body" sz="quarter" idx="15"/>
-          </p:nvPr>
-        </p:nvSpPr>
-        <p:spPr/>
-        <p:txBody>
-          <a:bodyPr/>
-          <a:lstStyle/>
-          <a:p>
-            <a:endParaRPr lang="de-DE"/>
-          </a:p>
-        </p:txBody>
-      </p:sp>
-      <p:sp>
-        <p:nvSpPr>
-          <p:cNvPr id="6" name="Textplatzhalter 5">
-            <a:extLst>
-              <a:ext uri="{FF2B5EF4-FFF2-40B4-BE49-F238E27FC236}">
-                <a16:creationId xmlns:a16="http://schemas.microsoft.com/office/drawing/2014/main" id="{C612314F-BD31-EFD7-402A-509482CD85CE}"/>
-              </a:ext>
-            </a:extLst>
-          </p:cNvPr>
-          <p:cNvSpPr>
-            <a:spLocks noGrp="1"/>
-          </p:cNvSpPr>
-          <p:nvPr>
-            <p:ph type="body" sz="quarter" idx="16"/>
-          </p:nvPr>
-        </p:nvSpPr>
-        <p:spPr/>
-        <p:txBody>
-          <a:bodyPr/>
-          <a:lstStyle/>
-          <a:p>
-            <a:endParaRPr lang="de-DE"/>
-          </a:p>
-        </p:txBody>
-      </p:sp>
-      <p:sp>
-        <p:nvSpPr>
-          <p:cNvPr id="7" name="Textplatzhalter 6">
-            <a:extLst>
-              <a:ext uri="{FF2B5EF4-FFF2-40B4-BE49-F238E27FC236}">
-                <a16:creationId xmlns:a16="http://schemas.microsoft.com/office/drawing/2014/main" id="{07FE7A72-F751-9E00-F109-616FB85D851F}"/>
-              </a:ext>
-            </a:extLst>
-          </p:cNvPr>
-          <p:cNvSpPr>
-            <a:spLocks noGrp="1"/>
-          </p:cNvSpPr>
-          <p:nvPr>
-            <p:ph type="body" sz="quarter" idx="17"/>
-          </p:nvPr>
-        </p:nvSpPr>
-        <p:spPr/>
-        <p:txBody>
-          <a:bodyPr/>
-          <a:lstStyle/>
-          <a:p>
-            <a:r>
-              <a:rPr lang="de-DE" dirty="0"/>
-              <a:t>Ziel</a:t>
-            </a:r>
-          </a:p>
-        </p:txBody>
-      </p:sp>
-      <p:sp>
-        <p:nvSpPr>
-          <p:cNvPr id="8" name="Textplatzhalter 7">
-            <a:extLst>
-              <a:ext uri="{FF2B5EF4-FFF2-40B4-BE49-F238E27FC236}">
-                <a16:creationId xmlns:a16="http://schemas.microsoft.com/office/drawing/2014/main" id="{0D5C2863-C71D-B54E-19B5-D17F07F19B34}"/>
-              </a:ext>
-            </a:extLst>
-          </p:cNvPr>
-          <p:cNvSpPr>
-            <a:spLocks noGrp="1"/>
-          </p:cNvSpPr>
-          <p:nvPr>
-            <p:ph type="body" sz="quarter" idx="18"/>
-          </p:nvPr>
-        </p:nvSpPr>
-        <p:spPr/>
-        <p:txBody>
-          <a:bodyPr/>
-          <a:lstStyle/>
-          <a:p>
-            <a:endParaRPr lang="de-DE"/>
-          </a:p>
-        </p:txBody>
-      </p:sp>
-      <p:sp>
-        <p:nvSpPr>
-          <p:cNvPr id="9" name="Textplatzhalter 8">
-            <a:extLst>
-              <a:ext uri="{FF2B5EF4-FFF2-40B4-BE49-F238E27FC236}">
-                <a16:creationId xmlns:a16="http://schemas.microsoft.com/office/drawing/2014/main" id="{C805D365-DE8E-51EA-0018-845BD65916A0}"/>
-              </a:ext>
-            </a:extLst>
-          </p:cNvPr>
-          <p:cNvSpPr>
-            <a:spLocks noGrp="1"/>
-          </p:cNvSpPr>
-          <p:nvPr>
-            <p:ph type="body" sz="quarter" idx="19"/>
-          </p:nvPr>
-        </p:nvSpPr>
-        <p:spPr/>
-        <p:txBody>
-          <a:bodyPr/>
-          <a:lstStyle/>
-          <a:p>
-            <a:r>
-              <a:rPr lang="de-DE" dirty="0"/>
-              <a:t>Artefakt</a:t>
-            </a:r>
-          </a:p>
-        </p:txBody>
-      </p:sp>
-      <p:sp>
-        <p:nvSpPr>
-          <p:cNvPr id="10" name="Textplatzhalter 9">
-            <a:extLst>
-              <a:ext uri="{FF2B5EF4-FFF2-40B4-BE49-F238E27FC236}">
-                <a16:creationId xmlns:a16="http://schemas.microsoft.com/office/drawing/2014/main" id="{9A72ECE4-D1A1-A160-3513-79025AA1E3C7}"/>
-              </a:ext>
-            </a:extLst>
-          </p:cNvPr>
-          <p:cNvSpPr>
-            <a:spLocks noGrp="1"/>
-          </p:cNvSpPr>
-          <p:nvPr>
-            <p:ph type="body" sz="quarter" idx="20"/>
-          </p:nvPr>
-        </p:nvSpPr>
-        <p:spPr/>
-        <p:txBody>
-          <a:bodyPr/>
-          <a:lstStyle/>
-          <a:p>
-            <a:endParaRPr lang="de-DE" dirty="0"/>
-          </a:p>
-        </p:txBody>
-      </p:sp>
-      <p:sp>
-        <p:nvSpPr>
-          <p:cNvPr id="11" name="Textplatzhalter 10">
-            <a:extLst>
-              <a:ext uri="{FF2B5EF4-FFF2-40B4-BE49-F238E27FC236}">
-                <a16:creationId xmlns:a16="http://schemas.microsoft.com/office/drawing/2014/main" id="{42CCD047-C9CF-DCCE-4429-9D77B6E35963}"/>
-              </a:ext>
-            </a:extLst>
-          </p:cNvPr>
-          <p:cNvSpPr>
-            <a:spLocks noGrp="1"/>
-          </p:cNvSpPr>
-          <p:nvPr>
-            <p:ph type="body" sz="quarter" idx="21"/>
-          </p:nvPr>
-        </p:nvSpPr>
-        <p:spPr/>
-        <p:txBody>
-          <a:bodyPr/>
-          <a:lstStyle/>
-          <a:p>
-            <a:r>
-              <a:rPr lang="de-DE" dirty="0"/>
-              <a:t>Experimente</a:t>
-            </a:r>
-          </a:p>
-        </p:txBody>
-      </p:sp>
-      <p:sp>
-        <p:nvSpPr>
-          <p:cNvPr id="12" name="Textplatzhalter 11">
-            <a:extLst>
-              <a:ext uri="{FF2B5EF4-FFF2-40B4-BE49-F238E27FC236}">
-                <a16:creationId xmlns:a16="http://schemas.microsoft.com/office/drawing/2014/main" id="{F199FB67-9CB1-EBFC-4E29-18ED1CC8C748}"/>
-              </a:ext>
-            </a:extLst>
-          </p:cNvPr>
-          <p:cNvSpPr>
-            <a:spLocks noGrp="1"/>
-          </p:cNvSpPr>
-          <p:nvPr>
-            <p:ph type="body" sz="quarter" idx="22"/>
-          </p:nvPr>
-        </p:nvSpPr>
-        <p:spPr/>
-        <p:txBody>
-          <a:bodyPr/>
-          <a:lstStyle/>
-          <a:p>
-            <a:endParaRPr lang="de-DE" dirty="0"/>
-          </a:p>
-        </p:txBody>
-      </p:sp>
-      <p:sp>
-        <p:nvSpPr>
-          <p:cNvPr id="13" name="Textplatzhalter 12">
-            <a:extLst>
-              <a:ext uri="{FF2B5EF4-FFF2-40B4-BE49-F238E27FC236}">
-                <a16:creationId xmlns:a16="http://schemas.microsoft.com/office/drawing/2014/main" id="{61BFF1B8-E9E4-E9E0-8DD0-7541652E22D1}"/>
-              </a:ext>
-            </a:extLst>
-          </p:cNvPr>
-          <p:cNvSpPr>
-            <a:spLocks noGrp="1"/>
-          </p:cNvSpPr>
-          <p:nvPr>
-            <p:ph type="body" sz="quarter" idx="23"/>
-          </p:nvPr>
-        </p:nvSpPr>
-        <p:spPr/>
-        <p:txBody>
-          <a:bodyPr/>
-          <a:lstStyle/>
-          <a:p>
-            <a:r>
-              <a:rPr lang="de-DE" dirty="0"/>
-              <a:t>Nächste Schritte</a:t>
-            </a:r>
-          </a:p>
-        </p:txBody>
-      </p:sp>
-      <p:sp>
-        <p:nvSpPr>
-          <p:cNvPr id="14" name="Textplatzhalter 13">
-            <a:extLst>
-              <a:ext uri="{FF2B5EF4-FFF2-40B4-BE49-F238E27FC236}">
-                <a16:creationId xmlns:a16="http://schemas.microsoft.com/office/drawing/2014/main" id="{C92B3A9C-FA8A-CCA1-1A08-C69E4B59D01B}"/>
-              </a:ext>
-            </a:extLst>
-          </p:cNvPr>
-          <p:cNvSpPr>
-            <a:spLocks noGrp="1"/>
-          </p:cNvSpPr>
-          <p:nvPr>
-            <p:ph type="body" sz="quarter" idx="24"/>
-          </p:nvPr>
-        </p:nvSpPr>
-        <p:spPr/>
-        <p:txBody>
-          <a:bodyPr/>
-          <a:lstStyle/>
-          <a:p>
-            <a:endParaRPr lang="de-DE"/>
-          </a:p>
-        </p:txBody>
-      </p:sp>
-      <p:sp>
-        <p:nvSpPr>
-          <p:cNvPr id="15" name="Textplatzhalter 14">
-            <a:extLst>
-              <a:ext uri="{FF2B5EF4-FFF2-40B4-BE49-F238E27FC236}">
-                <a16:creationId xmlns:a16="http://schemas.microsoft.com/office/drawing/2014/main" id="{EF861F90-634E-8C85-1B42-5E330A183E67}"/>
-              </a:ext>
-            </a:extLst>
-          </p:cNvPr>
-          <p:cNvSpPr>
-            <a:spLocks noGrp="1"/>
-          </p:cNvSpPr>
-          <p:nvPr>
-            <p:ph type="body" sz="quarter" idx="25"/>
-          </p:nvPr>
-        </p:nvSpPr>
-        <p:spPr/>
-        <p:txBody>
-          <a:bodyPr/>
-          <a:lstStyle/>
-          <a:p>
-            <a:endParaRPr lang="de-DE"/>
-          </a:p>
-        </p:txBody>
-      </p:sp>
-      <p:sp>
-        <p:nvSpPr>
-          <p:cNvPr id="16" name="Textplatzhalter 15">
-            <a:extLst>
-              <a:ext uri="{FF2B5EF4-FFF2-40B4-BE49-F238E27FC236}">
-                <a16:creationId xmlns:a16="http://schemas.microsoft.com/office/drawing/2014/main" id="{2BA697FB-7A87-3639-651E-7556D351D39F}"/>
-              </a:ext>
-            </a:extLst>
-          </p:cNvPr>
-          <p:cNvSpPr>
-            <a:spLocks noGrp="1"/>
-          </p:cNvSpPr>
-          <p:nvPr>
-            <p:ph type="body" sz="quarter" idx="26"/>
-          </p:nvPr>
-        </p:nvSpPr>
-        <p:spPr/>
-        <p:txBody>
-          <a:bodyPr/>
-          <a:lstStyle/>
-          <a:p>
-            <a:endParaRPr lang="de-DE"/>
-          </a:p>
-        </p:txBody>
-      </p:sp>
-      <p:sp>
-        <p:nvSpPr>
-          <p:cNvPr id="17" name="Textplatzhalter 16">
-            <a:extLst>
-              <a:ext uri="{FF2B5EF4-FFF2-40B4-BE49-F238E27FC236}">
-                <a16:creationId xmlns:a16="http://schemas.microsoft.com/office/drawing/2014/main" id="{EE637F4E-34B0-A4A0-2810-12AB19531783}"/>
-              </a:ext>
-            </a:extLst>
-          </p:cNvPr>
-          <p:cNvSpPr>
-            <a:spLocks noGrp="1"/>
-          </p:cNvSpPr>
-          <p:nvPr>
-            <p:ph type="body" sz="quarter" idx="27"/>
-          </p:nvPr>
-        </p:nvSpPr>
-        <p:spPr/>
-        <p:txBody>
-          <a:bodyPr/>
-          <a:lstStyle/>
-          <a:p>
-            <a:endParaRPr lang="de-DE"/>
-          </a:p>
-        </p:txBody>
-      </p:sp>
-      <p:sp>
-        <p:nvSpPr>
-          <p:cNvPr id="18" name="Textplatzhalter 17">
-            <a:extLst>
-              <a:ext uri="{FF2B5EF4-FFF2-40B4-BE49-F238E27FC236}">
-                <a16:creationId xmlns:a16="http://schemas.microsoft.com/office/drawing/2014/main" id="{D1F56FD9-A107-74EB-35C3-72B4F7CEFBB2}"/>
-              </a:ext>
-            </a:extLst>
-          </p:cNvPr>
-          <p:cNvSpPr>
-            <a:spLocks noGrp="1"/>
-          </p:cNvSpPr>
-          <p:nvPr>
-            <p:ph type="body" sz="quarter" idx="28"/>
-          </p:nvPr>
-        </p:nvSpPr>
-        <p:spPr/>
-        <p:txBody>
-          <a:bodyPr/>
-          <a:lstStyle/>
-          <a:p>
-            <a:endParaRPr lang="de-DE"/>
-          </a:p>
-        </p:txBody>
-      </p:sp>
-      <p:sp>
-        <p:nvSpPr>
-          <p:cNvPr id="19" name="Textplatzhalter 18">
-            <a:extLst>
-              <a:ext uri="{FF2B5EF4-FFF2-40B4-BE49-F238E27FC236}">
-                <a16:creationId xmlns:a16="http://schemas.microsoft.com/office/drawing/2014/main" id="{BC8D2C56-7C56-D2F3-299B-67F7DC5B64E4}"/>
-              </a:ext>
-            </a:extLst>
-          </p:cNvPr>
-          <p:cNvSpPr>
-            <a:spLocks noGrp="1"/>
-          </p:cNvSpPr>
-          <p:nvPr>
-            <p:ph type="body" sz="quarter" idx="29"/>
-          </p:nvPr>
-        </p:nvSpPr>
-        <p:spPr/>
-        <p:txBody>
-          <a:bodyPr/>
-          <a:lstStyle/>
-          <a:p>
-            <a:endParaRPr lang="de-DE"/>
-          </a:p>
-        </p:txBody>
-      </p:sp>
-      <p:sp>
-        <p:nvSpPr>
-          <p:cNvPr id="20" name="Textplatzhalter 19">
-            <a:extLst>
-              <a:ext uri="{FF2B5EF4-FFF2-40B4-BE49-F238E27FC236}">
-                <a16:creationId xmlns:a16="http://schemas.microsoft.com/office/drawing/2014/main" id="{0AD5ED97-9F11-D019-2596-9B72F8308172}"/>
-              </a:ext>
-            </a:extLst>
-          </p:cNvPr>
-          <p:cNvSpPr>
-            <a:spLocks noGrp="1"/>
-          </p:cNvSpPr>
-          <p:nvPr>
-            <p:ph type="body" sz="quarter" idx="30"/>
-          </p:nvPr>
-        </p:nvSpPr>
-        <p:spPr/>
-        <p:txBody>
-          <a:bodyPr/>
-          <a:lstStyle/>
-          <a:p>
-            <a:endParaRPr lang="de-DE"/>
-          </a:p>
-        </p:txBody>
-      </p:sp>
-      <p:sp>
-        <p:nvSpPr>
-          <p:cNvPr id="21" name="Textplatzhalter 20">
-            <a:extLst>
-              <a:ext uri="{FF2B5EF4-FFF2-40B4-BE49-F238E27FC236}">
-                <a16:creationId xmlns:a16="http://schemas.microsoft.com/office/drawing/2014/main" id="{F3ED5742-F501-AF35-1039-C509D6A26F81}"/>
-              </a:ext>
-            </a:extLst>
-          </p:cNvPr>
-          <p:cNvSpPr>
-            <a:spLocks noGrp="1"/>
-          </p:cNvSpPr>
-          <p:nvPr>
-            <p:ph type="body" sz="quarter" idx="31"/>
-          </p:nvPr>
-        </p:nvSpPr>
-        <p:spPr/>
-        <p:txBody>
-          <a:bodyPr/>
-          <a:lstStyle/>
-          <a:p>
-            <a:endParaRPr lang="de-DE"/>
-          </a:p>
-        </p:txBody>
-      </p:sp>
-      <p:sp>
-        <p:nvSpPr>
-          <p:cNvPr id="22" name="Textplatzhalter 21">
-            <a:extLst>
-              <a:ext uri="{FF2B5EF4-FFF2-40B4-BE49-F238E27FC236}">
-                <a16:creationId xmlns:a16="http://schemas.microsoft.com/office/drawing/2014/main" id="{6987888D-70C8-6966-6A32-DC7F46E8EB70}"/>
-              </a:ext>
-            </a:extLst>
-          </p:cNvPr>
-          <p:cNvSpPr>
-            <a:spLocks noGrp="1"/>
-          </p:cNvSpPr>
-          <p:nvPr>
-            <p:ph type="body" sz="quarter" idx="32"/>
-          </p:nvPr>
-        </p:nvSpPr>
-        <p:spPr/>
-        <p:txBody>
-          <a:bodyPr/>
-          <a:lstStyle/>
-          <a:p>
-            <a:endParaRPr lang="de-DE"/>
-          </a:p>
-        </p:txBody>
-      </p:sp>
-      <p:sp>
-        <p:nvSpPr>
-          <p:cNvPr id="23" name="Textplatzhalter 22">
-            <a:extLst>
-              <a:ext uri="{FF2B5EF4-FFF2-40B4-BE49-F238E27FC236}">
-                <a16:creationId xmlns:a16="http://schemas.microsoft.com/office/drawing/2014/main" id="{6114C7F6-7916-1BD3-B429-B6769D9FA68A}"/>
-              </a:ext>
-            </a:extLst>
-          </p:cNvPr>
-          <p:cNvSpPr>
-            <a:spLocks noGrp="1"/>
-          </p:cNvSpPr>
-          <p:nvPr>
-            <p:ph type="body" sz="quarter" idx="33"/>
-          </p:nvPr>
-        </p:nvSpPr>
-        <p:spPr/>
-        <p:txBody>
-          <a:bodyPr/>
-          <a:lstStyle/>
-          <a:p>
-            <a:endParaRPr lang="de-DE"/>
-          </a:p>
-        </p:txBody>
-      </p:sp>
-      <p:sp>
-        <p:nvSpPr>
-          <p:cNvPr id="24" name="Textplatzhalter 23">
-            <a:extLst>
-              <a:ext uri="{FF2B5EF4-FFF2-40B4-BE49-F238E27FC236}">
-                <a16:creationId xmlns:a16="http://schemas.microsoft.com/office/drawing/2014/main" id="{1708C651-06CC-8BA5-C401-7ACFC143A607}"/>
-              </a:ext>
-            </a:extLst>
-          </p:cNvPr>
-          <p:cNvSpPr>
-            <a:spLocks noGrp="1"/>
-          </p:cNvSpPr>
-          <p:nvPr>
-            <p:ph type="body" sz="quarter" idx="34"/>
-          </p:nvPr>
-        </p:nvSpPr>
-        <p:spPr/>
-        <p:txBody>
-          <a:bodyPr/>
-          <a:lstStyle/>
-          <a:p>
-            <a:endParaRPr lang="de-DE"/>
-          </a:p>
-        </p:txBody>
-      </p:sp>
-      <p:sp>
-        <p:nvSpPr>
-          <p:cNvPr id="25" name="Textplatzhalter 24">
-            <a:extLst>
-              <a:ext uri="{FF2B5EF4-FFF2-40B4-BE49-F238E27FC236}">
-                <a16:creationId xmlns:a16="http://schemas.microsoft.com/office/drawing/2014/main" id="{417CBE31-DA95-4448-0CB2-E7FE8FFAC0C3}"/>
-              </a:ext>
-            </a:extLst>
-          </p:cNvPr>
-          <p:cNvSpPr>
-            <a:spLocks noGrp="1"/>
-          </p:cNvSpPr>
-          <p:nvPr>
-            <p:ph type="body" sz="quarter" idx="35"/>
-          </p:nvPr>
-        </p:nvSpPr>
-        <p:spPr/>
-        <p:txBody>
-          <a:bodyPr/>
-          <a:lstStyle/>
-          <a:p>
-            <a:endParaRPr lang="de-DE"/>
-          </a:p>
-        </p:txBody>
-      </p:sp>
-      <p:sp>
-        <p:nvSpPr>
-          <p:cNvPr id="26" name="Textplatzhalter 25">
-            <a:extLst>
-              <a:ext uri="{FF2B5EF4-FFF2-40B4-BE49-F238E27FC236}">
-                <a16:creationId xmlns:a16="http://schemas.microsoft.com/office/drawing/2014/main" id="{19A3FC57-30F2-10E8-6326-FC886F75ED2D}"/>
-              </a:ext>
-            </a:extLst>
-          </p:cNvPr>
-          <p:cNvSpPr>
-            <a:spLocks noGrp="1"/>
-          </p:cNvSpPr>
-          <p:nvPr>
-            <p:ph type="body" sz="quarter" idx="36"/>
-          </p:nvPr>
-        </p:nvSpPr>
-        <p:spPr/>
-        <p:txBody>
-          <a:bodyPr/>
-          <a:lstStyle/>
-          <a:p>
-            <a:endParaRPr lang="de-DE"/>
-          </a:p>
-        </p:txBody>
-      </p:sp>
-      <p:sp>
-        <p:nvSpPr>
-          <p:cNvPr id="27" name="Titel 26">
-            <a:extLst>
-              <a:ext uri="{FF2B5EF4-FFF2-40B4-BE49-F238E27FC236}">
-                <a16:creationId xmlns:a16="http://schemas.microsoft.com/office/drawing/2014/main" id="{9C2085C7-3F89-C998-07CB-68D4137CBBD0}"/>
-              </a:ext>
-            </a:extLst>
-          </p:cNvPr>
-          <p:cNvSpPr>
-            <a:spLocks noGrp="1"/>
-          </p:cNvSpPr>
-          <p:nvPr>
-            <p:ph type="title"/>
-          </p:nvPr>
-        </p:nvSpPr>
-        <p:spPr/>
-        <p:txBody>
-          <a:bodyPr/>
-          <a:lstStyle/>
-          <a:p>
-            <a:r>
-              <a:rPr lang="de-DE" dirty="0"/>
-              <a:t>Agenda</a:t>
-            </a:r>
-          </a:p>
-        </p:txBody>
-      </p:sp>
-      <p:sp>
-        <p:nvSpPr>
-          <p:cNvPr id="28" name="Textplatzhalter 27">
-            <a:extLst>
-              <a:ext uri="{FF2B5EF4-FFF2-40B4-BE49-F238E27FC236}">
-                <a16:creationId xmlns:a16="http://schemas.microsoft.com/office/drawing/2014/main" id="{C384772B-B2B9-B042-FBC1-1B28F24901F1}"/>
-              </a:ext>
-            </a:extLst>
-          </p:cNvPr>
-          <p:cNvSpPr>
-            <a:spLocks noGrp="1"/>
-          </p:cNvSpPr>
-          <p:nvPr>
-            <p:ph type="body" sz="quarter" idx="37"/>
-          </p:nvPr>
-        </p:nvSpPr>
-        <p:spPr/>
-        <p:txBody>
-          <a:bodyPr/>
-          <a:lstStyle/>
-          <a:p>
-            <a:r>
-              <a:rPr lang="de-DE" dirty="0"/>
-              <a:t>Zwischenpräsentation</a:t>
-            </a:r>
-          </a:p>
-        </p:txBody>
-      </p:sp>
-      <p:sp>
-        <p:nvSpPr>
-          <p:cNvPr id="29" name="Textplatzhalter 28">
-            <a:extLst>
-              <a:ext uri="{FF2B5EF4-FFF2-40B4-BE49-F238E27FC236}">
-                <a16:creationId xmlns:a16="http://schemas.microsoft.com/office/drawing/2014/main" id="{94A1D7C7-9989-30F4-F7C8-81B04DE00E91}"/>
-              </a:ext>
-            </a:extLst>
-          </p:cNvPr>
-          <p:cNvSpPr>
-            <a:spLocks noGrp="1"/>
-          </p:cNvSpPr>
-          <p:nvPr>
-            <p:ph type="body" sz="quarter" idx="13"/>
-          </p:nvPr>
-        </p:nvSpPr>
-        <p:spPr/>
-        <p:txBody>
-          <a:bodyPr/>
-          <a:lstStyle/>
-          <a:p>
-            <a:endParaRPr lang="de-DE" dirty="0"/>
-          </a:p>
-        </p:txBody>
-      </p:sp>
-      <p:sp>
-        <p:nvSpPr>
-          <p:cNvPr id="30" name="Textplatzhalter 29">
-            <a:extLst>
-              <a:ext uri="{FF2B5EF4-FFF2-40B4-BE49-F238E27FC236}">
-                <a16:creationId xmlns:a16="http://schemas.microsoft.com/office/drawing/2014/main" id="{C1F84E59-CB57-F365-7715-31B5D0CED08C}"/>
-              </a:ext>
-            </a:extLst>
-          </p:cNvPr>
-          <p:cNvSpPr>
-            <a:spLocks noGrp="1"/>
-          </p:cNvSpPr>
-          <p:nvPr>
-            <p:ph type="body" sz="quarter" idx="14"/>
-          </p:nvPr>
-        </p:nvSpPr>
-        <p:spPr/>
-        <p:txBody>
-          <a:bodyPr/>
-          <a:lstStyle/>
-          <a:p>
-            <a:endParaRPr lang="de-DE"/>
-          </a:p>
-        </p:txBody>
-      </p:sp>
-    </p:spTree>
-    <p:extLst>
-      <p:ext uri="{BB962C8B-B14F-4D97-AF65-F5344CB8AC3E}">
-        <p14:creationId xmlns:p14="http://schemas.microsoft.com/office/powerpoint/2010/main" val="4233991641"/>
-      </p:ext>
-    </p:extLst>
-  </p:cSld>
-  <p:clrMapOvr>
-    <a:masterClrMapping/>
-  </p:clrMapOvr>
-</p:sld>
-</file>
-
-<file path=ppt/slides/slide3.xml><?xml version="1.0" encoding="utf-8"?>
-<p:sld xmlns:a="http://schemas.openxmlformats.org/drawingml/2006/main" xmlns:r="http://schemas.openxmlformats.org/officeDocument/2006/relationships" xmlns:p="http://schemas.openxmlformats.org/presentationml/2006/main">
-  <p:cSld>
-    <p:spTree>
-      <p:nvGrpSpPr>
-        <p:cNvPr id="1" name=""/>
-        <p:cNvGrpSpPr/>
-        <p:nvPr/>
-      </p:nvGrpSpPr>
-      <p:grpSpPr>
-        <a:xfrm>
-          <a:off x="0" y="0"/>
-          <a:ext cx="0" cy="0"/>
-          <a:chOff x="0" y="0"/>
-          <a:chExt cx="0" cy="0"/>
-        </a:xfrm>
-      </p:grpSpPr>
-      <p:sp>
-        <p:nvSpPr>
-          <p:cNvPr id="21" name="Titel 20">
-            <a:extLst>
-              <a:ext uri="{FF2B5EF4-FFF2-40B4-BE49-F238E27FC236}">
-                <a16:creationId xmlns:a16="http://schemas.microsoft.com/office/drawing/2014/main" id="{3018BD05-96D8-43F2-A6AA-CC40E7C32CCE}"/>
-              </a:ext>
-            </a:extLst>
-          </p:cNvPr>
-          <p:cNvSpPr>
-            <a:spLocks noGrp="1"/>
-          </p:cNvSpPr>
-          <p:nvPr>
-            <p:ph type="title"/>
-          </p:nvPr>
-        </p:nvSpPr>
-        <p:spPr>
-          <a:xfrm>
-            <a:off x="518318" y="3152001"/>
-            <a:ext cx="11157743" cy="553998"/>
-          </a:xfrm>
-        </p:spPr>
-        <p:txBody>
-          <a:bodyPr/>
-          <a:lstStyle/>
-          <a:p>
-            <a:r>
-              <a:rPr lang="de-DE" dirty="0"/>
-              <a:t>Artefakt</a:t>
-            </a:r>
-          </a:p>
-        </p:txBody>
-      </p:sp>
-      <p:sp>
-        <p:nvSpPr>
-          <p:cNvPr id="2" name="Datumsplatzhalter 1">
-            <a:extLst>
-              <a:ext uri="{FF2B5EF4-FFF2-40B4-BE49-F238E27FC236}">
-                <a16:creationId xmlns:a16="http://schemas.microsoft.com/office/drawing/2014/main" id="{FE7214E1-5D14-4D0B-BADD-2E239FECEC10}"/>
-              </a:ext>
-            </a:extLst>
-          </p:cNvPr>
-          <p:cNvSpPr>
-            <a:spLocks noGrp="1"/>
-          </p:cNvSpPr>
-          <p:nvPr>
-            <p:ph type="dt" sz="half" idx="10"/>
-          </p:nvPr>
-        </p:nvSpPr>
-        <p:spPr/>
-        <p:txBody>
-          <a:bodyPr/>
-          <a:lstStyle/>
-          <a:p>
-            <a:fld id="{D529D632-EE07-48FA-B475-B0D49CBC7F92}" type="datetime4">
-              <a:rPr lang="de-DE" smtClean="0"/>
-              <a:pPr/>
-              <a:t>14. Dezember 2022</a:t>
-            </a:fld>
-            <a:endParaRPr lang="de-DE" dirty="0"/>
-          </a:p>
-        </p:txBody>
-      </p:sp>
-      <p:sp>
-        <p:nvSpPr>
-          <p:cNvPr id="3" name="Fußzeilenplatzhalter 2">
-            <a:extLst>
-              <a:ext uri="{FF2B5EF4-FFF2-40B4-BE49-F238E27FC236}">
-                <a16:creationId xmlns:a16="http://schemas.microsoft.com/office/drawing/2014/main" id="{6A6AD034-0F65-47AF-9CAA-C4B0CEB30D4D}"/>
-              </a:ext>
-            </a:extLst>
-          </p:cNvPr>
-          <p:cNvSpPr>
-            <a:spLocks noGrp="1"/>
-          </p:cNvSpPr>
-          <p:nvPr>
-            <p:ph type="ftr" sz="quarter" idx="11"/>
-          </p:nvPr>
-        </p:nvSpPr>
-        <p:spPr/>
-        <p:txBody>
-          <a:bodyPr/>
-          <a:lstStyle/>
-          <a:p>
-            <a:r>
-              <a:rPr lang="de-DE"/>
-              <a:t>… | Lehrstuhl für Digital Industrial Service Systems | Prof. Dr. Martin Matzner </a:t>
-            </a:r>
-            <a:endParaRPr lang="de-DE" dirty="0"/>
-          </a:p>
-        </p:txBody>
-      </p:sp>
-      <p:sp>
-        <p:nvSpPr>
-          <p:cNvPr id="4" name="Foliennummernplatzhalter 3">
-            <a:extLst>
-              <a:ext uri="{FF2B5EF4-FFF2-40B4-BE49-F238E27FC236}">
-                <a16:creationId xmlns:a16="http://schemas.microsoft.com/office/drawing/2014/main" id="{00F7E098-F740-40F7-A085-7034627D9148}"/>
-              </a:ext>
-            </a:extLst>
-          </p:cNvPr>
-          <p:cNvSpPr>
-            <a:spLocks noGrp="1"/>
-          </p:cNvSpPr>
-          <p:nvPr>
-            <p:ph type="sldNum" sz="quarter" idx="12"/>
-          </p:nvPr>
-        </p:nvSpPr>
-        <p:spPr/>
-        <p:txBody>
-          <a:bodyPr/>
-          <a:lstStyle/>
-          <a:p>
-            <a:fld id="{D949F9DF-37BD-4CD6-BF49-65BA579E1D7A}" type="slidenum">
-              <a:rPr lang="de-DE" smtClean="0"/>
-              <a:pPr/>
-              <a:t>3</a:t>
-            </a:fld>
-            <a:endParaRPr lang="de-DE"/>
-          </a:p>
-        </p:txBody>
-      </p:sp>
-    </p:spTree>
-    <p:extLst>
-      <p:ext uri="{BB962C8B-B14F-4D97-AF65-F5344CB8AC3E}">
-        <p14:creationId xmlns:p14="http://schemas.microsoft.com/office/powerpoint/2010/main" val="2829534537"/>
-      </p:ext>
-    </p:extLst>
-  </p:cSld>
-  <p:clrMapOvr>
-    <a:masterClrMapping/>
-  </p:clrMapOvr>
-</p:sld>
-</file>
-
-<file path=ppt/slides/slide4.xml><?xml version="1.0" encoding="utf-8"?>
-<p:sld xmlns:a="http://schemas.openxmlformats.org/drawingml/2006/main" xmlns:r="http://schemas.openxmlformats.org/officeDocument/2006/relationships" xmlns:p="http://schemas.openxmlformats.org/presentationml/2006/main">
-  <p:cSld>
-    <p:spTree>
-      <p:nvGrpSpPr>
-        <p:cNvPr id="1" name=""/>
-        <p:cNvGrpSpPr/>
-        <p:nvPr/>
-      </p:nvGrpSpPr>
-      <p:grpSpPr>
-        <a:xfrm>
-          <a:off x="0" y="0"/>
-          <a:ext cx="0" cy="0"/>
-          <a:chOff x="0" y="0"/>
-          <a:chExt cx="0" cy="0"/>
-        </a:xfrm>
-      </p:grpSpPr>
-      <p:sp>
-        <p:nvSpPr>
-          <p:cNvPr id="3" name="Datumsplatzhalter 2">
-            <a:extLst>
-              <a:ext uri="{FF2B5EF4-FFF2-40B4-BE49-F238E27FC236}">
-                <a16:creationId xmlns:a16="http://schemas.microsoft.com/office/drawing/2014/main" id="{2A351964-2BB6-97F3-6B22-336C5567411D}"/>
-              </a:ext>
-            </a:extLst>
-          </p:cNvPr>
-          <p:cNvSpPr>
-            <a:spLocks noGrp="1"/>
-          </p:cNvSpPr>
-          <p:nvPr>
-            <p:ph type="dt" sz="half" idx="10"/>
-          </p:nvPr>
-        </p:nvSpPr>
-        <p:spPr/>
-        <p:txBody>
-          <a:bodyPr/>
-          <a:lstStyle/>
-          <a:p>
-            <a:fld id="{5C89B0C6-E378-43D9-87B6-F295F13B6DA2}" type="datetime4">
-              <a:rPr lang="de-DE" smtClean="0"/>
-              <a:t>14. Dezember 2022</a:t>
-            </a:fld>
-            <a:endParaRPr lang="de-DE" dirty="0"/>
-          </a:p>
-        </p:txBody>
-      </p:sp>
-      <p:sp>
-        <p:nvSpPr>
-          <p:cNvPr id="4" name="Fußzeilenplatzhalter 3">
-            <a:extLst>
-              <a:ext uri="{FF2B5EF4-FFF2-40B4-BE49-F238E27FC236}">
-                <a16:creationId xmlns:a16="http://schemas.microsoft.com/office/drawing/2014/main" id="{1408DCD8-0AA7-E516-1759-8D2382782060}"/>
-              </a:ext>
-            </a:extLst>
-          </p:cNvPr>
-          <p:cNvSpPr>
-            <a:spLocks noGrp="1"/>
-          </p:cNvSpPr>
-          <p:nvPr>
-            <p:ph type="ftr" sz="quarter" idx="11"/>
-          </p:nvPr>
-        </p:nvSpPr>
-        <p:spPr/>
-        <p:txBody>
-          <a:bodyPr/>
-          <a:lstStyle/>
-          <a:p>
-            <a:r>
-              <a:rPr lang="de-DE" dirty="0"/>
-              <a:t>Rene Jokiel</a:t>
-            </a:r>
-          </a:p>
-        </p:txBody>
-      </p:sp>
-      <p:sp>
-        <p:nvSpPr>
-          <p:cNvPr id="5" name="Foliennummernplatzhalter 4">
-            <a:extLst>
-              <a:ext uri="{FF2B5EF4-FFF2-40B4-BE49-F238E27FC236}">
-                <a16:creationId xmlns:a16="http://schemas.microsoft.com/office/drawing/2014/main" id="{7CC781B4-8E2A-7EAA-0553-BD86241E8C36}"/>
-              </a:ext>
-            </a:extLst>
-          </p:cNvPr>
-          <p:cNvSpPr>
-            <a:spLocks noGrp="1"/>
-          </p:cNvSpPr>
-          <p:nvPr>
-            <p:ph type="sldNum" sz="quarter" idx="12"/>
-          </p:nvPr>
-        </p:nvSpPr>
-        <p:spPr/>
-        <p:txBody>
-          <a:bodyPr/>
-          <a:lstStyle/>
-          <a:p>
-            <a:fld id="{D949F9DF-37BD-4CD6-BF49-65BA579E1D7A}" type="slidenum">
-              <a:rPr lang="de-DE" smtClean="0"/>
-              <a:pPr/>
-              <a:t>4</a:t>
+              <a:t>11</a:t>
             </a:fld>
             <a:endParaRPr lang="de-DE"/>
           </a:p>
@@ -28212,7 +27274,7 @@
     </p:spTree>
     <p:extLst>
       <p:ext uri="{BB962C8B-B14F-4D97-AF65-F5344CB8AC3E}">
-        <p14:creationId xmlns:p14="http://schemas.microsoft.com/office/powerpoint/2010/main" val="1334718743"/>
+        <p14:creationId xmlns:p14="http://schemas.microsoft.com/office/powerpoint/2010/main" val="1810929981"/>
       </p:ext>
     </p:extLst>
   </p:cSld>
@@ -28222,7 +27284,7 @@
 </p:sld>
 </file>
 
-<file path=ppt/slides/slide5.xml><?xml version="1.0" encoding="utf-8"?>
+<file path=ppt/slides/slide12.xml><?xml version="1.0" encoding="utf-8"?>
 <p:sld xmlns:a="http://schemas.openxmlformats.org/drawingml/2006/main" xmlns:r="http://schemas.openxmlformats.org/officeDocument/2006/relationships" xmlns:p="http://schemas.openxmlformats.org/presentationml/2006/main">
   <p:cSld>
     <p:spTree>
@@ -28262,7 +27324,7 @@
           <a:p>
             <a:fld id="{5C89B0C6-E378-43D9-87B6-F295F13B6DA2}" type="datetime4">
               <a:rPr lang="de-DE" smtClean="0"/>
-              <a:t>14. Dezember 2022</a:t>
+              <a:t>15. Dezember 2022</a:t>
             </a:fld>
             <a:endParaRPr lang="de-DE" dirty="0"/>
           </a:p>
@@ -28291,6 +27353,10 @@
           <a:p>
             <a:r>
               <a:rPr lang="de-DE" dirty="0"/>
+              <a:t>Philippe Huber, </a:t>
+            </a:r>
+            <a:r>
+              <a:rPr lang="de-DE" b="1" dirty="0"/>
               <a:t>Rene Jokiel</a:t>
             </a:r>
           </a:p>
@@ -28320,7 +27386,7 @@
             <a:fld id="{D949F9DF-37BD-4CD6-BF49-65BA579E1D7A}" type="slidenum">
               <a:rPr lang="de-DE" smtClean="0"/>
               <a:pPr/>
-              <a:t>5</a:t>
+              <a:t>12</a:t>
             </a:fld>
             <a:endParaRPr lang="de-DE"/>
           </a:p>
@@ -28966,7 +28032,7 @@
 </p:sld>
 </file>
 
-<file path=ppt/slides/slide6.xml><?xml version="1.0" encoding="utf-8"?>
+<file path=ppt/slides/slide13.xml><?xml version="1.0" encoding="utf-8"?>
 <p:sld xmlns:a="http://schemas.openxmlformats.org/drawingml/2006/main" xmlns:r="http://schemas.openxmlformats.org/officeDocument/2006/relationships" xmlns:p="http://schemas.openxmlformats.org/presentationml/2006/main">
   <p:cSld>
     <p:spTree>
@@ -29006,7 +28072,7 @@
           <a:p>
             <a:fld id="{5C89B0C6-E378-43D9-87B6-F295F13B6DA2}" type="datetime4">
               <a:rPr lang="de-DE" smtClean="0"/>
-              <a:t>14. Dezember 2022</a:t>
+              <a:t>15. Dezember 2022</a:t>
             </a:fld>
             <a:endParaRPr lang="de-DE" dirty="0"/>
           </a:p>
@@ -29035,6 +28101,10 @@
           <a:p>
             <a:r>
               <a:rPr lang="de-DE" dirty="0"/>
+              <a:t>Philippe Huber, </a:t>
+            </a:r>
+            <a:r>
+              <a:rPr lang="de-DE" b="1" dirty="0"/>
               <a:t>Rene Jokiel</a:t>
             </a:r>
           </a:p>
@@ -29064,7 +28134,7 @@
             <a:fld id="{D949F9DF-37BD-4CD6-BF49-65BA579E1D7A}" type="slidenum">
               <a:rPr lang="de-DE" smtClean="0"/>
               <a:pPr/>
-              <a:t>6</a:t>
+              <a:t>13</a:t>
             </a:fld>
             <a:endParaRPr lang="de-DE"/>
           </a:p>
@@ -29946,7 +29016,7 @@
 </p:sld>
 </file>
 
-<file path=ppt/slides/slide7.xml><?xml version="1.0" encoding="utf-8"?>
+<file path=ppt/slides/slide14.xml><?xml version="1.0" encoding="utf-8"?>
 <p:sld xmlns:a="http://schemas.openxmlformats.org/drawingml/2006/main" xmlns:r="http://schemas.openxmlformats.org/officeDocument/2006/relationships" xmlns:p="http://schemas.openxmlformats.org/presentationml/2006/main">
   <p:cSld>
     <p:spTree>
@@ -29986,7 +29056,7 @@
           <a:p>
             <a:fld id="{5C89B0C6-E378-43D9-87B6-F295F13B6DA2}" type="datetime4">
               <a:rPr lang="de-DE" smtClean="0"/>
-              <a:t>14. Dezember 2022</a:t>
+              <a:t>15. Dezember 2022</a:t>
             </a:fld>
             <a:endParaRPr lang="de-DE" dirty="0"/>
           </a:p>
@@ -30015,6 +29085,10 @@
           <a:p>
             <a:r>
               <a:rPr lang="de-DE" dirty="0"/>
+              <a:t>Philippe Huber, </a:t>
+            </a:r>
+            <a:r>
+              <a:rPr lang="de-DE" b="1" dirty="0"/>
               <a:t>Rene Jokiel</a:t>
             </a:r>
           </a:p>
@@ -30044,7 +29118,7 @@
             <a:fld id="{D949F9DF-37BD-4CD6-BF49-65BA579E1D7A}" type="slidenum">
               <a:rPr lang="de-DE" smtClean="0"/>
               <a:pPr/>
-              <a:t>7</a:t>
+              <a:t>14</a:t>
             </a:fld>
             <a:endParaRPr lang="de-DE"/>
           </a:p>
@@ -30155,6 +29229,6513 @@
 </p:sld>
 </file>
 
+<file path=ppt/slides/slide15.xml><?xml version="1.0" encoding="utf-8"?>
+<p:sld xmlns:a="http://schemas.openxmlformats.org/drawingml/2006/main" xmlns:r="http://schemas.openxmlformats.org/officeDocument/2006/relationships" xmlns:p="http://schemas.openxmlformats.org/presentationml/2006/main">
+  <p:cSld>
+    <p:spTree>
+      <p:nvGrpSpPr>
+        <p:cNvPr id="1" name=""/>
+        <p:cNvGrpSpPr/>
+        <p:nvPr/>
+      </p:nvGrpSpPr>
+      <p:grpSpPr>
+        <a:xfrm>
+          <a:off x="0" y="0"/>
+          <a:ext cx="0" cy="0"/>
+          <a:chOff x="0" y="0"/>
+          <a:chExt cx="0" cy="0"/>
+        </a:xfrm>
+      </p:grpSpPr>
+      <p:sp>
+        <p:nvSpPr>
+          <p:cNvPr id="3" name="Datumsplatzhalter 2">
+            <a:extLst>
+              <a:ext uri="{FF2B5EF4-FFF2-40B4-BE49-F238E27FC236}">
+                <a16:creationId xmlns:a16="http://schemas.microsoft.com/office/drawing/2014/main" id="{2A351964-2BB6-97F3-6B22-336C5567411D}"/>
+              </a:ext>
+            </a:extLst>
+          </p:cNvPr>
+          <p:cNvSpPr>
+            <a:spLocks noGrp="1"/>
+          </p:cNvSpPr>
+          <p:nvPr>
+            <p:ph type="dt" sz="half" idx="10"/>
+          </p:nvPr>
+        </p:nvSpPr>
+        <p:spPr/>
+        <p:txBody>
+          <a:bodyPr/>
+          <a:lstStyle/>
+          <a:p>
+            <a:fld id="{5C89B0C6-E378-43D9-87B6-F295F13B6DA2}" type="datetime4">
+              <a:rPr lang="de-DE" smtClean="0"/>
+              <a:t>15. Dezember 2022</a:t>
+            </a:fld>
+            <a:endParaRPr lang="de-DE" dirty="0"/>
+          </a:p>
+        </p:txBody>
+      </p:sp>
+      <p:sp>
+        <p:nvSpPr>
+          <p:cNvPr id="4" name="Fußzeilenplatzhalter 3">
+            <a:extLst>
+              <a:ext uri="{FF2B5EF4-FFF2-40B4-BE49-F238E27FC236}">
+                <a16:creationId xmlns:a16="http://schemas.microsoft.com/office/drawing/2014/main" id="{1408DCD8-0AA7-E516-1759-8D2382782060}"/>
+              </a:ext>
+            </a:extLst>
+          </p:cNvPr>
+          <p:cNvSpPr>
+            <a:spLocks noGrp="1"/>
+          </p:cNvSpPr>
+          <p:nvPr>
+            <p:ph type="ftr" sz="quarter" idx="11"/>
+          </p:nvPr>
+        </p:nvSpPr>
+        <p:spPr/>
+        <p:txBody>
+          <a:bodyPr/>
+          <a:lstStyle/>
+          <a:p>
+            <a:r>
+              <a:rPr lang="de-DE" dirty="0"/>
+              <a:t>Philippe Huber, </a:t>
+            </a:r>
+            <a:r>
+              <a:rPr lang="de-DE" b="1" dirty="0"/>
+              <a:t>Rene Jokiel</a:t>
+            </a:r>
+          </a:p>
+        </p:txBody>
+      </p:sp>
+      <p:sp>
+        <p:nvSpPr>
+          <p:cNvPr id="5" name="Foliennummernplatzhalter 4">
+            <a:extLst>
+              <a:ext uri="{FF2B5EF4-FFF2-40B4-BE49-F238E27FC236}">
+                <a16:creationId xmlns:a16="http://schemas.microsoft.com/office/drawing/2014/main" id="{7CC781B4-8E2A-7EAA-0553-BD86241E8C36}"/>
+              </a:ext>
+            </a:extLst>
+          </p:cNvPr>
+          <p:cNvSpPr>
+            <a:spLocks noGrp="1"/>
+          </p:cNvSpPr>
+          <p:nvPr>
+            <p:ph type="sldNum" sz="quarter" idx="12"/>
+          </p:nvPr>
+        </p:nvSpPr>
+        <p:spPr/>
+        <p:txBody>
+          <a:bodyPr/>
+          <a:lstStyle/>
+          <a:p>
+            <a:fld id="{D949F9DF-37BD-4CD6-BF49-65BA579E1D7A}" type="slidenum">
+              <a:rPr lang="de-DE" smtClean="0"/>
+              <a:pPr/>
+              <a:t>15</a:t>
+            </a:fld>
+            <a:endParaRPr lang="de-DE"/>
+          </a:p>
+        </p:txBody>
+      </p:sp>
+      <p:sp>
+        <p:nvSpPr>
+          <p:cNvPr id="6" name="Titel 5">
+            <a:extLst>
+              <a:ext uri="{FF2B5EF4-FFF2-40B4-BE49-F238E27FC236}">
+                <a16:creationId xmlns:a16="http://schemas.microsoft.com/office/drawing/2014/main" id="{141A52E9-C3AF-262C-EBCF-F1578441CFAF}"/>
+              </a:ext>
+            </a:extLst>
+          </p:cNvPr>
+          <p:cNvSpPr>
+            <a:spLocks noGrp="1"/>
+          </p:cNvSpPr>
+          <p:nvPr>
+            <p:ph type="title"/>
+          </p:nvPr>
+        </p:nvSpPr>
+        <p:spPr/>
+        <p:txBody>
+          <a:bodyPr/>
+          <a:lstStyle/>
+          <a:p>
+            <a:r>
+              <a:rPr lang="de-DE" dirty="0" err="1"/>
+              <a:t>Biases</a:t>
+            </a:r>
+            <a:r>
+              <a:rPr lang="de-DE" dirty="0"/>
+              <a:t> können direkt abgelesen werden</a:t>
+            </a:r>
+          </a:p>
+        </p:txBody>
+      </p:sp>
+      <p:sp>
+        <p:nvSpPr>
+          <p:cNvPr id="7" name="Textplatzhalter 6">
+            <a:extLst>
+              <a:ext uri="{FF2B5EF4-FFF2-40B4-BE49-F238E27FC236}">
+                <a16:creationId xmlns:a16="http://schemas.microsoft.com/office/drawing/2014/main" id="{729D91F5-AF69-2294-FA98-A806524F9A08}"/>
+              </a:ext>
+            </a:extLst>
+          </p:cNvPr>
+          <p:cNvSpPr>
+            <a:spLocks noGrp="1"/>
+          </p:cNvSpPr>
+          <p:nvPr>
+            <p:ph type="body" sz="quarter" idx="13"/>
+          </p:nvPr>
+        </p:nvSpPr>
+        <p:spPr/>
+        <p:txBody>
+          <a:bodyPr/>
+          <a:lstStyle/>
+          <a:p>
+            <a:r>
+              <a:rPr lang="de-DE" dirty="0"/>
+              <a:t>Beispiel</a:t>
+            </a:r>
+          </a:p>
+        </p:txBody>
+      </p:sp>
+      <p:graphicFrame>
+        <p:nvGraphicFramePr>
+          <p:cNvPr id="2" name="Tabelle 7">
+            <a:extLst>
+              <a:ext uri="{FF2B5EF4-FFF2-40B4-BE49-F238E27FC236}">
+                <a16:creationId xmlns:a16="http://schemas.microsoft.com/office/drawing/2014/main" id="{EFB559C1-B784-539B-47A2-BECF9D645D5D}"/>
+              </a:ext>
+            </a:extLst>
+          </p:cNvPr>
+          <p:cNvGraphicFramePr>
+            <a:graphicFrameLocks noGrp="1"/>
+          </p:cNvGraphicFramePr>
+          <p:nvPr>
+            <p:extLst>
+              <p:ext uri="{D42A27DB-BD31-4B8C-83A1-F6EECF244321}">
+                <p14:modId xmlns:p14="http://schemas.microsoft.com/office/powerpoint/2010/main" val="503662752"/>
+              </p:ext>
+            </p:extLst>
+          </p:nvPr>
+        </p:nvGraphicFramePr>
+        <p:xfrm>
+          <a:off x="515937" y="2610559"/>
+          <a:ext cx="4376945" cy="2817859"/>
+        </p:xfrm>
+        <a:graphic>
+          <a:graphicData uri="http://schemas.openxmlformats.org/drawingml/2006/table">
+            <a:tbl>
+              <a:tblPr firstRow="1" bandRow="1">
+                <a:tableStyleId>{F5AB1C69-6EDB-4FF4-983F-18BD219EF322}</a:tableStyleId>
+              </a:tblPr>
+              <a:tblGrid>
+                <a:gridCol w="875389">
+                  <a:extLst>
+                    <a:ext uri="{9D8B030D-6E8A-4147-A177-3AD203B41FA5}">
+                      <a16:colId xmlns:a16="http://schemas.microsoft.com/office/drawing/2014/main" val="3984235547"/>
+                    </a:ext>
+                  </a:extLst>
+                </a:gridCol>
+                <a:gridCol w="875389">
+                  <a:extLst>
+                    <a:ext uri="{9D8B030D-6E8A-4147-A177-3AD203B41FA5}">
+                      <a16:colId xmlns:a16="http://schemas.microsoft.com/office/drawing/2014/main" val="709406686"/>
+                    </a:ext>
+                  </a:extLst>
+                </a:gridCol>
+                <a:gridCol w="875389">
+                  <a:extLst>
+                    <a:ext uri="{9D8B030D-6E8A-4147-A177-3AD203B41FA5}">
+                      <a16:colId xmlns:a16="http://schemas.microsoft.com/office/drawing/2014/main" val="1072629174"/>
+                    </a:ext>
+                  </a:extLst>
+                </a:gridCol>
+                <a:gridCol w="875389">
+                  <a:extLst>
+                    <a:ext uri="{9D8B030D-6E8A-4147-A177-3AD203B41FA5}">
+                      <a16:colId xmlns:a16="http://schemas.microsoft.com/office/drawing/2014/main" val="2070901893"/>
+                    </a:ext>
+                  </a:extLst>
+                </a:gridCol>
+                <a:gridCol w="875389">
+                  <a:extLst>
+                    <a:ext uri="{9D8B030D-6E8A-4147-A177-3AD203B41FA5}">
+                      <a16:colId xmlns:a16="http://schemas.microsoft.com/office/drawing/2014/main" val="2536741681"/>
+                    </a:ext>
+                  </a:extLst>
+                </a:gridCol>
+              </a:tblGrid>
+              <a:tr h="385128">
+                <a:tc>
+                  <a:txBody>
+                    <a:bodyPr/>
+                    <a:lstStyle/>
+                    <a:p>
+                      <a:r>
+                        <a:rPr lang="de-DE" sz="1100" dirty="0"/>
+                        <a:t>Name</a:t>
+                      </a:r>
+                    </a:p>
+                  </a:txBody>
+                  <a:tcPr marL="49241" marR="49241" marT="24621" marB="24621"/>
+                </a:tc>
+                <a:tc>
+                  <a:txBody>
+                    <a:bodyPr/>
+                    <a:lstStyle/>
+                    <a:p>
+                      <a:r>
+                        <a:rPr lang="de-DE" sz="1100" dirty="0"/>
+                        <a:t>Alter</a:t>
+                      </a:r>
+                    </a:p>
+                  </a:txBody>
+                  <a:tcPr marL="49241" marR="49241" marT="24621" marB="24621"/>
+                </a:tc>
+                <a:tc>
+                  <a:txBody>
+                    <a:bodyPr/>
+                    <a:lstStyle/>
+                    <a:p>
+                      <a:r>
+                        <a:rPr lang="de-DE" sz="1100" dirty="0"/>
+                        <a:t>Geschlecht</a:t>
+                      </a:r>
+                    </a:p>
+                  </a:txBody>
+                  <a:tcPr marL="49241" marR="49241" marT="24621" marB="24621"/>
+                </a:tc>
+                <a:tc>
+                  <a:txBody>
+                    <a:bodyPr/>
+                    <a:lstStyle/>
+                    <a:p>
+                      <a:r>
+                        <a:rPr lang="de-DE" sz="1100" dirty="0"/>
+                        <a:t>Arbeitsstunden</a:t>
+                      </a:r>
+                    </a:p>
+                  </a:txBody>
+                  <a:tcPr marL="49241" marR="49241" marT="24621" marB="24621"/>
+                </a:tc>
+                <a:tc>
+                  <a:txBody>
+                    <a:bodyPr/>
+                    <a:lstStyle/>
+                    <a:p>
+                      <a:r>
+                        <a:rPr lang="de-DE" sz="1100" dirty="0"/>
+                        <a:t>Abteilung</a:t>
+                      </a:r>
+                    </a:p>
+                  </a:txBody>
+                  <a:tcPr marL="49241" marR="49241" marT="24621" marB="24621"/>
+                </a:tc>
+                <a:extLst>
+                  <a:ext uri="{0D108BD9-81ED-4DB2-BD59-A6C34878D82A}">
+                    <a16:rowId xmlns:a16="http://schemas.microsoft.com/office/drawing/2014/main" val="931524433"/>
+                  </a:ext>
+                </a:extLst>
+              </a:tr>
+              <a:tr h="347533">
+                <a:tc>
+                  <a:txBody>
+                    <a:bodyPr/>
+                    <a:lstStyle/>
+                    <a:p>
+                      <a:r>
+                        <a:rPr lang="de-DE" sz="1100" dirty="0"/>
+                        <a:t>Karl</a:t>
+                      </a:r>
+                    </a:p>
+                  </a:txBody>
+                  <a:tcPr marL="49241" marR="49241" marT="24621" marB="24621"/>
+                </a:tc>
+                <a:tc>
+                  <a:txBody>
+                    <a:bodyPr/>
+                    <a:lstStyle/>
+                    <a:p>
+                      <a:r>
+                        <a:rPr lang="de-DE" sz="1100" dirty="0"/>
+                        <a:t>25</a:t>
+                      </a:r>
+                    </a:p>
+                  </a:txBody>
+                  <a:tcPr marL="49241" marR="49241" marT="24621" marB="24621"/>
+                </a:tc>
+                <a:tc>
+                  <a:txBody>
+                    <a:bodyPr/>
+                    <a:lstStyle/>
+                    <a:p>
+                      <a:r>
+                        <a:rPr lang="de-DE" sz="1100" dirty="0"/>
+                        <a:t>m</a:t>
+                      </a:r>
+                    </a:p>
+                  </a:txBody>
+                  <a:tcPr marL="49241" marR="49241" marT="24621" marB="24621"/>
+                </a:tc>
+                <a:tc>
+                  <a:txBody>
+                    <a:bodyPr/>
+                    <a:lstStyle/>
+                    <a:p>
+                      <a:r>
+                        <a:rPr lang="de-DE" sz="1100" dirty="0"/>
+                        <a:t>50</a:t>
+                      </a:r>
+                    </a:p>
+                  </a:txBody>
+                  <a:tcPr marL="49241" marR="49241" marT="24621" marB="24621"/>
+                </a:tc>
+                <a:tc>
+                  <a:txBody>
+                    <a:bodyPr/>
+                    <a:lstStyle/>
+                    <a:p>
+                      <a:r>
+                        <a:rPr lang="de-DE" sz="1100" dirty="0"/>
+                        <a:t>F&amp;E</a:t>
+                      </a:r>
+                    </a:p>
+                  </a:txBody>
+                  <a:tcPr marL="49241" marR="49241" marT="24621" marB="24621"/>
+                </a:tc>
+                <a:extLst>
+                  <a:ext uri="{0D108BD9-81ED-4DB2-BD59-A6C34878D82A}">
+                    <a16:rowId xmlns:a16="http://schemas.microsoft.com/office/drawing/2014/main" val="2823732484"/>
+                  </a:ext>
+                </a:extLst>
+              </a:tr>
+              <a:tr h="347533">
+                <a:tc>
+                  <a:txBody>
+                    <a:bodyPr/>
+                    <a:lstStyle/>
+                    <a:p>
+                      <a:r>
+                        <a:rPr lang="de-DE" sz="1100" dirty="0"/>
+                        <a:t>Karl</a:t>
+                      </a:r>
+                    </a:p>
+                  </a:txBody>
+                  <a:tcPr marL="49241" marR="49241" marT="24621" marB="24621"/>
+                </a:tc>
+                <a:tc>
+                  <a:txBody>
+                    <a:bodyPr/>
+                    <a:lstStyle/>
+                    <a:p>
+                      <a:r>
+                        <a:rPr lang="de-DE" sz="1100" dirty="0"/>
+                        <a:t>27</a:t>
+                      </a:r>
+                    </a:p>
+                  </a:txBody>
+                  <a:tcPr marL="49241" marR="49241" marT="24621" marB="24621"/>
+                </a:tc>
+                <a:tc>
+                  <a:txBody>
+                    <a:bodyPr/>
+                    <a:lstStyle/>
+                    <a:p>
+                      <a:r>
+                        <a:rPr lang="de-DE" sz="1100" dirty="0"/>
+                        <a:t>m</a:t>
+                      </a:r>
+                    </a:p>
+                  </a:txBody>
+                  <a:tcPr marL="49241" marR="49241" marT="24621" marB="24621"/>
+                </a:tc>
+                <a:tc>
+                  <a:txBody>
+                    <a:bodyPr/>
+                    <a:lstStyle/>
+                    <a:p>
+                      <a:r>
+                        <a:rPr lang="de-DE" sz="1100" dirty="0"/>
+                        <a:t>72</a:t>
+                      </a:r>
+                    </a:p>
+                  </a:txBody>
+                  <a:tcPr marL="49241" marR="49241" marT="24621" marB="24621"/>
+                </a:tc>
+                <a:tc>
+                  <a:txBody>
+                    <a:bodyPr/>
+                    <a:lstStyle/>
+                    <a:p>
+                      <a:pPr marL="0" marR="0" lvl="0" indent="0" algn="l" defTabSz="914400" rtl="0" eaLnBrk="1" fontAlgn="auto" latinLnBrk="0" hangingPunct="1">
+                        <a:lnSpc>
+                          <a:spcPct val="100000"/>
+                        </a:lnSpc>
+                        <a:spcBef>
+                          <a:spcPts val="0"/>
+                        </a:spcBef>
+                        <a:spcAft>
+                          <a:spcPts val="0"/>
+                        </a:spcAft>
+                        <a:buClrTx/>
+                        <a:buSzTx/>
+                        <a:buFontTx/>
+                        <a:buNone/>
+                        <a:tabLst/>
+                        <a:defRPr/>
+                      </a:pPr>
+                      <a:r>
+                        <a:rPr lang="de-DE" sz="1100" dirty="0"/>
+                        <a:t>F&amp;E</a:t>
+                      </a:r>
+                    </a:p>
+                  </a:txBody>
+                  <a:tcPr marL="49241" marR="49241" marT="24621" marB="24621"/>
+                </a:tc>
+                <a:extLst>
+                  <a:ext uri="{0D108BD9-81ED-4DB2-BD59-A6C34878D82A}">
+                    <a16:rowId xmlns:a16="http://schemas.microsoft.com/office/drawing/2014/main" val="3373951042"/>
+                  </a:ext>
+                </a:extLst>
+              </a:tr>
+              <a:tr h="347533">
+                <a:tc>
+                  <a:txBody>
+                    <a:bodyPr/>
+                    <a:lstStyle/>
+                    <a:p>
+                      <a:r>
+                        <a:rPr lang="de-DE" sz="1100" dirty="0"/>
+                        <a:t>Karla</a:t>
+                      </a:r>
+                    </a:p>
+                  </a:txBody>
+                  <a:tcPr marL="49241" marR="49241" marT="24621" marB="24621"/>
+                </a:tc>
+                <a:tc>
+                  <a:txBody>
+                    <a:bodyPr/>
+                    <a:lstStyle/>
+                    <a:p>
+                      <a:r>
+                        <a:rPr lang="de-DE" sz="1100" dirty="0"/>
+                        <a:t>26</a:t>
+                      </a:r>
+                    </a:p>
+                  </a:txBody>
+                  <a:tcPr marL="49241" marR="49241" marT="24621" marB="24621"/>
+                </a:tc>
+                <a:tc>
+                  <a:txBody>
+                    <a:bodyPr/>
+                    <a:lstStyle/>
+                    <a:p>
+                      <a:r>
+                        <a:rPr lang="de-DE" sz="1100" dirty="0"/>
+                        <a:t>w</a:t>
+                      </a:r>
+                    </a:p>
+                  </a:txBody>
+                  <a:tcPr marL="49241" marR="49241" marT="24621" marB="24621"/>
+                </a:tc>
+                <a:tc>
+                  <a:txBody>
+                    <a:bodyPr/>
+                    <a:lstStyle/>
+                    <a:p>
+                      <a:r>
+                        <a:rPr lang="de-DE" sz="1100" dirty="0"/>
+                        <a:t>65</a:t>
+                      </a:r>
+                    </a:p>
+                  </a:txBody>
+                  <a:tcPr marL="49241" marR="49241" marT="24621" marB="24621"/>
+                </a:tc>
+                <a:tc>
+                  <a:txBody>
+                    <a:bodyPr/>
+                    <a:lstStyle/>
+                    <a:p>
+                      <a:pPr marL="0" marR="0" lvl="0" indent="0" algn="l" defTabSz="914400" rtl="0" eaLnBrk="1" fontAlgn="auto" latinLnBrk="0" hangingPunct="1">
+                        <a:lnSpc>
+                          <a:spcPct val="100000"/>
+                        </a:lnSpc>
+                        <a:spcBef>
+                          <a:spcPts val="0"/>
+                        </a:spcBef>
+                        <a:spcAft>
+                          <a:spcPts val="0"/>
+                        </a:spcAft>
+                        <a:buClrTx/>
+                        <a:buSzTx/>
+                        <a:buFontTx/>
+                        <a:buNone/>
+                        <a:tabLst/>
+                        <a:defRPr/>
+                      </a:pPr>
+                      <a:r>
+                        <a:rPr lang="de-DE" sz="1100" dirty="0"/>
+                        <a:t>F&amp;E</a:t>
+                      </a:r>
+                    </a:p>
+                  </a:txBody>
+                  <a:tcPr marL="49241" marR="49241" marT="24621" marB="24621"/>
+                </a:tc>
+                <a:extLst>
+                  <a:ext uri="{0D108BD9-81ED-4DB2-BD59-A6C34878D82A}">
+                    <a16:rowId xmlns:a16="http://schemas.microsoft.com/office/drawing/2014/main" val="4265644564"/>
+                  </a:ext>
+                </a:extLst>
+              </a:tr>
+              <a:tr h="347533">
+                <a:tc>
+                  <a:txBody>
+                    <a:bodyPr/>
+                    <a:lstStyle/>
+                    <a:p>
+                      <a:r>
+                        <a:rPr lang="de-DE" sz="1100" dirty="0"/>
+                        <a:t>…</a:t>
+                      </a:r>
+                    </a:p>
+                  </a:txBody>
+                  <a:tcPr marL="49241" marR="49241" marT="24621" marB="24621"/>
+                </a:tc>
+                <a:tc>
+                  <a:txBody>
+                    <a:bodyPr/>
+                    <a:lstStyle/>
+                    <a:p>
+                      <a:r>
+                        <a:rPr lang="de-DE" sz="1100" dirty="0"/>
+                        <a:t>…</a:t>
+                      </a:r>
+                    </a:p>
+                  </a:txBody>
+                  <a:tcPr marL="49241" marR="49241" marT="24621" marB="24621"/>
+                </a:tc>
+                <a:tc>
+                  <a:txBody>
+                    <a:bodyPr/>
+                    <a:lstStyle/>
+                    <a:p>
+                      <a:r>
+                        <a:rPr lang="de-DE" sz="1100" dirty="0"/>
+                        <a:t>…</a:t>
+                      </a:r>
+                    </a:p>
+                  </a:txBody>
+                  <a:tcPr marL="49241" marR="49241" marT="24621" marB="24621"/>
+                </a:tc>
+                <a:tc>
+                  <a:txBody>
+                    <a:bodyPr/>
+                    <a:lstStyle/>
+                    <a:p>
+                      <a:r>
+                        <a:rPr lang="de-DE" sz="1100" dirty="0"/>
+                        <a:t>…</a:t>
+                      </a:r>
+                    </a:p>
+                  </a:txBody>
+                  <a:tcPr marL="49241" marR="49241" marT="24621" marB="24621"/>
+                </a:tc>
+                <a:tc>
+                  <a:txBody>
+                    <a:bodyPr/>
+                    <a:lstStyle/>
+                    <a:p>
+                      <a:pPr marL="0" marR="0" lvl="0" indent="0" algn="l" defTabSz="914400" rtl="0" eaLnBrk="1" fontAlgn="auto" latinLnBrk="0" hangingPunct="1">
+                        <a:lnSpc>
+                          <a:spcPct val="100000"/>
+                        </a:lnSpc>
+                        <a:spcBef>
+                          <a:spcPts val="0"/>
+                        </a:spcBef>
+                        <a:spcAft>
+                          <a:spcPts val="0"/>
+                        </a:spcAft>
+                        <a:buClrTx/>
+                        <a:buSzTx/>
+                        <a:buFontTx/>
+                        <a:buNone/>
+                        <a:tabLst/>
+                        <a:defRPr/>
+                      </a:pPr>
+                      <a:r>
+                        <a:rPr lang="de-DE" sz="1100" dirty="0"/>
+                        <a:t>…</a:t>
+                      </a:r>
+                    </a:p>
+                  </a:txBody>
+                  <a:tcPr marL="49241" marR="49241" marT="24621" marB="24621"/>
+                </a:tc>
+                <a:extLst>
+                  <a:ext uri="{0D108BD9-81ED-4DB2-BD59-A6C34878D82A}">
+                    <a16:rowId xmlns:a16="http://schemas.microsoft.com/office/drawing/2014/main" val="3513294687"/>
+                  </a:ext>
+                </a:extLst>
+              </a:tr>
+              <a:tr h="347533">
+                <a:tc>
+                  <a:txBody>
+                    <a:bodyPr/>
+                    <a:lstStyle/>
+                    <a:p>
+                      <a:r>
+                        <a:rPr lang="de-DE" sz="1100" dirty="0"/>
+                        <a:t>Karla</a:t>
+                      </a:r>
+                    </a:p>
+                  </a:txBody>
+                  <a:tcPr marL="49241" marR="49241" marT="24621" marB="24621"/>
+                </a:tc>
+                <a:tc>
+                  <a:txBody>
+                    <a:bodyPr/>
+                    <a:lstStyle/>
+                    <a:p>
+                      <a:r>
+                        <a:rPr lang="de-DE" sz="1100" dirty="0"/>
+                        <a:t>32</a:t>
+                      </a:r>
+                    </a:p>
+                  </a:txBody>
+                  <a:tcPr marL="49241" marR="49241" marT="24621" marB="24621"/>
+                </a:tc>
+                <a:tc>
+                  <a:txBody>
+                    <a:bodyPr/>
+                    <a:lstStyle/>
+                    <a:p>
+                      <a:r>
+                        <a:rPr lang="de-DE" sz="1100" dirty="0"/>
+                        <a:t>w</a:t>
+                      </a:r>
+                    </a:p>
+                  </a:txBody>
+                  <a:tcPr marL="49241" marR="49241" marT="24621" marB="24621"/>
+                </a:tc>
+                <a:tc>
+                  <a:txBody>
+                    <a:bodyPr/>
+                    <a:lstStyle/>
+                    <a:p>
+                      <a:r>
+                        <a:rPr lang="de-DE" sz="1100" dirty="0"/>
+                        <a:t>80</a:t>
+                      </a:r>
+                    </a:p>
+                  </a:txBody>
+                  <a:tcPr marL="49241" marR="49241" marT="24621" marB="24621"/>
+                </a:tc>
+                <a:tc>
+                  <a:txBody>
+                    <a:bodyPr/>
+                    <a:lstStyle/>
+                    <a:p>
+                      <a:pPr marL="0" marR="0" lvl="0" indent="0" algn="l" defTabSz="914400" rtl="0" eaLnBrk="1" fontAlgn="auto" latinLnBrk="0" hangingPunct="1">
+                        <a:lnSpc>
+                          <a:spcPct val="100000"/>
+                        </a:lnSpc>
+                        <a:spcBef>
+                          <a:spcPts val="0"/>
+                        </a:spcBef>
+                        <a:spcAft>
+                          <a:spcPts val="0"/>
+                        </a:spcAft>
+                        <a:buClrTx/>
+                        <a:buSzTx/>
+                        <a:buFontTx/>
+                        <a:buNone/>
+                        <a:tabLst/>
+                        <a:defRPr/>
+                      </a:pPr>
+                      <a:r>
+                        <a:rPr lang="de-DE" sz="1100" dirty="0"/>
+                        <a:t>F&amp;E</a:t>
+                      </a:r>
+                    </a:p>
+                  </a:txBody>
+                  <a:tcPr marL="49241" marR="49241" marT="24621" marB="24621"/>
+                </a:tc>
+                <a:extLst>
+                  <a:ext uri="{0D108BD9-81ED-4DB2-BD59-A6C34878D82A}">
+                    <a16:rowId xmlns:a16="http://schemas.microsoft.com/office/drawing/2014/main" val="2974351137"/>
+                  </a:ext>
+                </a:extLst>
+              </a:tr>
+              <a:tr h="347533">
+                <a:tc>
+                  <a:txBody>
+                    <a:bodyPr/>
+                    <a:lstStyle/>
+                    <a:p>
+                      <a:r>
+                        <a:rPr lang="de-DE" sz="1100" dirty="0"/>
+                        <a:t>Karl</a:t>
+                      </a:r>
+                    </a:p>
+                  </a:txBody>
+                  <a:tcPr marL="49241" marR="49241" marT="24621" marB="24621"/>
+                </a:tc>
+                <a:tc>
+                  <a:txBody>
+                    <a:bodyPr/>
+                    <a:lstStyle/>
+                    <a:p>
+                      <a:r>
+                        <a:rPr lang="de-DE" sz="1100" dirty="0"/>
+                        <a:t>59</a:t>
+                      </a:r>
+                    </a:p>
+                  </a:txBody>
+                  <a:tcPr marL="49241" marR="49241" marT="24621" marB="24621"/>
+                </a:tc>
+                <a:tc>
+                  <a:txBody>
+                    <a:bodyPr/>
+                    <a:lstStyle/>
+                    <a:p>
+                      <a:r>
+                        <a:rPr lang="de-DE" sz="1100" dirty="0"/>
+                        <a:t>m</a:t>
+                      </a:r>
+                    </a:p>
+                  </a:txBody>
+                  <a:tcPr marL="49241" marR="49241" marT="24621" marB="24621"/>
+                </a:tc>
+                <a:tc>
+                  <a:txBody>
+                    <a:bodyPr/>
+                    <a:lstStyle/>
+                    <a:p>
+                      <a:r>
+                        <a:rPr lang="de-DE" sz="1100" dirty="0"/>
+                        <a:t>90</a:t>
+                      </a:r>
+                    </a:p>
+                  </a:txBody>
+                  <a:tcPr marL="49241" marR="49241" marT="24621" marB="24621"/>
+                </a:tc>
+                <a:tc>
+                  <a:txBody>
+                    <a:bodyPr/>
+                    <a:lstStyle/>
+                    <a:p>
+                      <a:pPr marL="0" marR="0" lvl="0" indent="0" algn="l" defTabSz="914400" rtl="0" eaLnBrk="1" fontAlgn="auto" latinLnBrk="0" hangingPunct="1">
+                        <a:lnSpc>
+                          <a:spcPct val="100000"/>
+                        </a:lnSpc>
+                        <a:spcBef>
+                          <a:spcPts val="0"/>
+                        </a:spcBef>
+                        <a:spcAft>
+                          <a:spcPts val="0"/>
+                        </a:spcAft>
+                        <a:buClrTx/>
+                        <a:buSzTx/>
+                        <a:buFontTx/>
+                        <a:buNone/>
+                        <a:tabLst/>
+                        <a:defRPr/>
+                      </a:pPr>
+                      <a:r>
+                        <a:rPr lang="de-DE" sz="1100" dirty="0"/>
+                        <a:t>F&amp;E</a:t>
+                      </a:r>
+                    </a:p>
+                  </a:txBody>
+                  <a:tcPr marL="49241" marR="49241" marT="24621" marB="24621"/>
+                </a:tc>
+                <a:extLst>
+                  <a:ext uri="{0D108BD9-81ED-4DB2-BD59-A6C34878D82A}">
+                    <a16:rowId xmlns:a16="http://schemas.microsoft.com/office/drawing/2014/main" val="2345750782"/>
+                  </a:ext>
+                </a:extLst>
+              </a:tr>
+              <a:tr h="347533">
+                <a:tc>
+                  <a:txBody>
+                    <a:bodyPr/>
+                    <a:lstStyle/>
+                    <a:p>
+                      <a:r>
+                        <a:rPr lang="de-DE" sz="1100" dirty="0"/>
+                        <a:t>Karl</a:t>
+                      </a:r>
+                    </a:p>
+                  </a:txBody>
+                  <a:tcPr marL="49241" marR="49241" marT="24621" marB="24621"/>
+                </a:tc>
+                <a:tc>
+                  <a:txBody>
+                    <a:bodyPr/>
+                    <a:lstStyle/>
+                    <a:p>
+                      <a:r>
+                        <a:rPr lang="de-DE" sz="1100" dirty="0"/>
+                        <a:t>34</a:t>
+                      </a:r>
+                    </a:p>
+                  </a:txBody>
+                  <a:tcPr marL="49241" marR="49241" marT="24621" marB="24621"/>
+                </a:tc>
+                <a:tc>
+                  <a:txBody>
+                    <a:bodyPr/>
+                    <a:lstStyle/>
+                    <a:p>
+                      <a:r>
+                        <a:rPr lang="de-DE" sz="1100" dirty="0"/>
+                        <a:t>m</a:t>
+                      </a:r>
+                    </a:p>
+                  </a:txBody>
+                  <a:tcPr marL="49241" marR="49241" marT="24621" marB="24621"/>
+                </a:tc>
+                <a:tc>
+                  <a:txBody>
+                    <a:bodyPr/>
+                    <a:lstStyle/>
+                    <a:p>
+                      <a:r>
+                        <a:rPr lang="de-DE" sz="1100" dirty="0"/>
+                        <a:t>105</a:t>
+                      </a:r>
+                    </a:p>
+                  </a:txBody>
+                  <a:tcPr marL="49241" marR="49241" marT="24621" marB="24621"/>
+                </a:tc>
+                <a:tc>
+                  <a:txBody>
+                    <a:bodyPr/>
+                    <a:lstStyle/>
+                    <a:p>
+                      <a:pPr marL="0" marR="0" lvl="0" indent="0" algn="l" defTabSz="914400" rtl="0" eaLnBrk="1" fontAlgn="auto" latinLnBrk="0" hangingPunct="1">
+                        <a:lnSpc>
+                          <a:spcPct val="100000"/>
+                        </a:lnSpc>
+                        <a:spcBef>
+                          <a:spcPts val="0"/>
+                        </a:spcBef>
+                        <a:spcAft>
+                          <a:spcPts val="0"/>
+                        </a:spcAft>
+                        <a:buClrTx/>
+                        <a:buSzTx/>
+                        <a:buFontTx/>
+                        <a:buNone/>
+                        <a:tabLst/>
+                        <a:defRPr/>
+                      </a:pPr>
+                      <a:r>
+                        <a:rPr lang="de-DE" sz="1100" dirty="0"/>
+                        <a:t>F&amp;E</a:t>
+                      </a:r>
+                    </a:p>
+                  </a:txBody>
+                  <a:tcPr marL="49241" marR="49241" marT="24621" marB="24621"/>
+                </a:tc>
+                <a:extLst>
+                  <a:ext uri="{0D108BD9-81ED-4DB2-BD59-A6C34878D82A}">
+                    <a16:rowId xmlns:a16="http://schemas.microsoft.com/office/drawing/2014/main" val="2952403903"/>
+                  </a:ext>
+                </a:extLst>
+              </a:tr>
+            </a:tbl>
+          </a:graphicData>
+        </a:graphic>
+      </p:graphicFrame>
+      <p:graphicFrame>
+        <p:nvGraphicFramePr>
+          <p:cNvPr id="8" name="Tabelle 7">
+            <a:extLst>
+              <a:ext uri="{FF2B5EF4-FFF2-40B4-BE49-F238E27FC236}">
+                <a16:creationId xmlns:a16="http://schemas.microsoft.com/office/drawing/2014/main" id="{C84B13B4-10FB-C100-8175-10E11CCE439D}"/>
+              </a:ext>
+            </a:extLst>
+          </p:cNvPr>
+          <p:cNvGraphicFramePr>
+            <a:graphicFrameLocks noGrp="1"/>
+          </p:cNvGraphicFramePr>
+          <p:nvPr>
+            <p:extLst>
+              <p:ext uri="{D42A27DB-BD31-4B8C-83A1-F6EECF244321}">
+                <p14:modId xmlns:p14="http://schemas.microsoft.com/office/powerpoint/2010/main" val="1141595192"/>
+              </p:ext>
+            </p:extLst>
+          </p:nvPr>
+        </p:nvGraphicFramePr>
+        <p:xfrm>
+          <a:off x="8503190" y="2627723"/>
+          <a:ext cx="2619198" cy="2810667"/>
+        </p:xfrm>
+        <a:graphic>
+          <a:graphicData uri="http://schemas.openxmlformats.org/drawingml/2006/table">
+            <a:tbl>
+              <a:tblPr firstRow="1" bandRow="1">
+                <a:tableStyleId>{7DF18680-E054-41AD-8BC1-D1AEF772440D}</a:tableStyleId>
+              </a:tblPr>
+              <a:tblGrid>
+                <a:gridCol w="873066">
+                  <a:extLst>
+                    <a:ext uri="{9D8B030D-6E8A-4147-A177-3AD203B41FA5}">
+                      <a16:colId xmlns:a16="http://schemas.microsoft.com/office/drawing/2014/main" val="3984235547"/>
+                    </a:ext>
+                  </a:extLst>
+                </a:gridCol>
+                <a:gridCol w="873066">
+                  <a:extLst>
+                    <a:ext uri="{9D8B030D-6E8A-4147-A177-3AD203B41FA5}">
+                      <a16:colId xmlns:a16="http://schemas.microsoft.com/office/drawing/2014/main" val="709406686"/>
+                    </a:ext>
+                  </a:extLst>
+                </a:gridCol>
+                <a:gridCol w="873066">
+                  <a:extLst>
+                    <a:ext uri="{9D8B030D-6E8A-4147-A177-3AD203B41FA5}">
+                      <a16:colId xmlns:a16="http://schemas.microsoft.com/office/drawing/2014/main" val="2536741681"/>
+                    </a:ext>
+                  </a:extLst>
+                </a:gridCol>
+              </a:tblGrid>
+              <a:tr h="379413">
+                <a:tc>
+                  <a:txBody>
+                    <a:bodyPr/>
+                    <a:lstStyle/>
+                    <a:p>
+                      <a:r>
+                        <a:rPr lang="de-DE" sz="1100" dirty="0"/>
+                        <a:t>Geschlecht</a:t>
+                      </a:r>
+                    </a:p>
+                  </a:txBody>
+                  <a:tcPr marL="49110" marR="49110" marT="24555" marB="24555"/>
+                </a:tc>
+                <a:tc>
+                  <a:txBody>
+                    <a:bodyPr/>
+                    <a:lstStyle/>
+                    <a:p>
+                      <a:r>
+                        <a:rPr lang="de-DE" sz="1100" dirty="0"/>
+                        <a:t>Arbeitsstunden</a:t>
+                      </a:r>
+                    </a:p>
+                  </a:txBody>
+                  <a:tcPr marL="49110" marR="49110" marT="24555" marB="24555"/>
+                </a:tc>
+                <a:tc>
+                  <a:txBody>
+                    <a:bodyPr/>
+                    <a:lstStyle/>
+                    <a:p>
+                      <a:r>
+                        <a:rPr lang="de-DE" sz="1100" dirty="0"/>
+                        <a:t>Befördern?</a:t>
+                      </a:r>
+                    </a:p>
+                  </a:txBody>
+                  <a:tcPr marL="49110" marR="49110" marT="24555" marB="24555"/>
+                </a:tc>
+                <a:extLst>
+                  <a:ext uri="{0D108BD9-81ED-4DB2-BD59-A6C34878D82A}">
+                    <a16:rowId xmlns:a16="http://schemas.microsoft.com/office/drawing/2014/main" val="931524433"/>
+                  </a:ext>
+                </a:extLst>
+              </a:tr>
+              <a:tr h="346611">
+                <a:tc>
+                  <a:txBody>
+                    <a:bodyPr/>
+                    <a:lstStyle/>
+                    <a:p>
+                      <a:r>
+                        <a:rPr lang="de-DE" sz="1100" dirty="0"/>
+                        <a:t>m</a:t>
+                      </a:r>
+                    </a:p>
+                  </a:txBody>
+                  <a:tcPr marL="49110" marR="49110" marT="24555" marB="24555"/>
+                </a:tc>
+                <a:tc>
+                  <a:txBody>
+                    <a:bodyPr/>
+                    <a:lstStyle/>
+                    <a:p>
+                      <a:r>
+                        <a:rPr lang="de-DE" sz="1100" dirty="0"/>
+                        <a:t>50</a:t>
+                      </a:r>
+                    </a:p>
+                  </a:txBody>
+                  <a:tcPr marL="49110" marR="49110" marT="24555" marB="24555"/>
+                </a:tc>
+                <a:tc>
+                  <a:txBody>
+                    <a:bodyPr/>
+                    <a:lstStyle/>
+                    <a:p>
+                      <a:r>
+                        <a:rPr lang="de-DE" sz="1100" dirty="0" err="1"/>
+                        <a:t>false</a:t>
+                      </a:r>
+                      <a:endParaRPr lang="de-DE" sz="1100" dirty="0"/>
+                    </a:p>
+                  </a:txBody>
+                  <a:tcPr marL="49110" marR="49110" marT="24555" marB="24555"/>
+                </a:tc>
+                <a:extLst>
+                  <a:ext uri="{0D108BD9-81ED-4DB2-BD59-A6C34878D82A}">
+                    <a16:rowId xmlns:a16="http://schemas.microsoft.com/office/drawing/2014/main" val="2823732484"/>
+                  </a:ext>
+                </a:extLst>
+              </a:tr>
+              <a:tr h="346611">
+                <a:tc>
+                  <a:txBody>
+                    <a:bodyPr/>
+                    <a:lstStyle/>
+                    <a:p>
+                      <a:r>
+                        <a:rPr lang="de-DE" sz="1100" dirty="0"/>
+                        <a:t>m</a:t>
+                      </a:r>
+                    </a:p>
+                  </a:txBody>
+                  <a:tcPr marL="49110" marR="49110" marT="24555" marB="24555"/>
+                </a:tc>
+                <a:tc>
+                  <a:txBody>
+                    <a:bodyPr/>
+                    <a:lstStyle/>
+                    <a:p>
+                      <a:r>
+                        <a:rPr lang="de-DE" sz="1100" dirty="0"/>
+                        <a:t>64</a:t>
+                      </a:r>
+                    </a:p>
+                  </a:txBody>
+                  <a:tcPr marL="49110" marR="49110" marT="24555" marB="24555"/>
+                </a:tc>
+                <a:tc>
+                  <a:txBody>
+                    <a:bodyPr/>
+                    <a:lstStyle/>
+                    <a:p>
+                      <a:r>
+                        <a:rPr lang="de-DE" sz="1100" dirty="0" err="1"/>
+                        <a:t>false</a:t>
+                      </a:r>
+                      <a:endParaRPr lang="de-DE" sz="1100" dirty="0"/>
+                    </a:p>
+                  </a:txBody>
+                  <a:tcPr marL="49110" marR="49110" marT="24555" marB="24555"/>
+                </a:tc>
+                <a:extLst>
+                  <a:ext uri="{0D108BD9-81ED-4DB2-BD59-A6C34878D82A}">
+                    <a16:rowId xmlns:a16="http://schemas.microsoft.com/office/drawing/2014/main" val="3373951042"/>
+                  </a:ext>
+                </a:extLst>
+              </a:tr>
+              <a:tr h="346611">
+                <a:tc>
+                  <a:txBody>
+                    <a:bodyPr/>
+                    <a:lstStyle/>
+                    <a:p>
+                      <a:r>
+                        <a:rPr lang="de-DE" sz="1100" dirty="0"/>
+                        <a:t>m</a:t>
+                      </a:r>
+                    </a:p>
+                  </a:txBody>
+                  <a:tcPr marL="49110" marR="49110" marT="24555" marB="24555">
+                    <a:solidFill>
+                      <a:srgbClr val="92D050"/>
+                    </a:solidFill>
+                  </a:tcPr>
+                </a:tc>
+                <a:tc>
+                  <a:txBody>
+                    <a:bodyPr/>
+                    <a:lstStyle/>
+                    <a:p>
+                      <a:r>
+                        <a:rPr lang="de-DE" sz="1100" b="1" u="sng" dirty="0"/>
+                        <a:t>65</a:t>
+                      </a:r>
+                    </a:p>
+                  </a:txBody>
+                  <a:tcPr marL="49110" marR="49110" marT="24555" marB="24555">
+                    <a:solidFill>
+                      <a:srgbClr val="92D050"/>
+                    </a:solidFill>
+                  </a:tcPr>
+                </a:tc>
+                <a:tc>
+                  <a:txBody>
+                    <a:bodyPr/>
+                    <a:lstStyle/>
+                    <a:p>
+                      <a:r>
+                        <a:rPr lang="de-DE" sz="1100" dirty="0" err="1"/>
+                        <a:t>true</a:t>
+                      </a:r>
+                      <a:endParaRPr lang="de-DE" sz="1100" dirty="0"/>
+                    </a:p>
+                  </a:txBody>
+                  <a:tcPr marL="49110" marR="49110" marT="24555" marB="24555">
+                    <a:solidFill>
+                      <a:srgbClr val="92D050"/>
+                    </a:solidFill>
+                  </a:tcPr>
+                </a:tc>
+                <a:extLst>
+                  <a:ext uri="{0D108BD9-81ED-4DB2-BD59-A6C34878D82A}">
+                    <a16:rowId xmlns:a16="http://schemas.microsoft.com/office/drawing/2014/main" val="4265644564"/>
+                  </a:ext>
+                </a:extLst>
+              </a:tr>
+              <a:tr h="346611">
+                <a:tc>
+                  <a:txBody>
+                    <a:bodyPr/>
+                    <a:lstStyle/>
+                    <a:p>
+                      <a:r>
+                        <a:rPr lang="de-DE" sz="1100" dirty="0"/>
+                        <a:t>w</a:t>
+                      </a:r>
+                    </a:p>
+                  </a:txBody>
+                  <a:tcPr marL="49110" marR="49110" marT="24555" marB="24555"/>
+                </a:tc>
+                <a:tc>
+                  <a:txBody>
+                    <a:bodyPr/>
+                    <a:lstStyle/>
+                    <a:p>
+                      <a:r>
+                        <a:rPr lang="de-DE" sz="1100" dirty="0"/>
+                        <a:t>50</a:t>
+                      </a:r>
+                    </a:p>
+                  </a:txBody>
+                  <a:tcPr marL="49110" marR="49110" marT="24555" marB="24555"/>
+                </a:tc>
+                <a:tc>
+                  <a:txBody>
+                    <a:bodyPr/>
+                    <a:lstStyle/>
+                    <a:p>
+                      <a:r>
+                        <a:rPr lang="de-DE" sz="1100" dirty="0" err="1"/>
+                        <a:t>false</a:t>
+                      </a:r>
+                      <a:endParaRPr lang="de-DE" sz="1100" dirty="0"/>
+                    </a:p>
+                  </a:txBody>
+                  <a:tcPr marL="49110" marR="49110" marT="24555" marB="24555"/>
+                </a:tc>
+                <a:extLst>
+                  <a:ext uri="{0D108BD9-81ED-4DB2-BD59-A6C34878D82A}">
+                    <a16:rowId xmlns:a16="http://schemas.microsoft.com/office/drawing/2014/main" val="3513294687"/>
+                  </a:ext>
+                </a:extLst>
+              </a:tr>
+              <a:tr h="346611">
+                <a:tc>
+                  <a:txBody>
+                    <a:bodyPr/>
+                    <a:lstStyle/>
+                    <a:p>
+                      <a:r>
+                        <a:rPr lang="de-DE" sz="1100" dirty="0"/>
+                        <a:t>w</a:t>
+                      </a:r>
+                    </a:p>
+                  </a:txBody>
+                  <a:tcPr marL="49110" marR="49110" marT="24555" marB="24555"/>
+                </a:tc>
+                <a:tc>
+                  <a:txBody>
+                    <a:bodyPr/>
+                    <a:lstStyle/>
+                    <a:p>
+                      <a:r>
+                        <a:rPr lang="de-DE" sz="1100" dirty="0"/>
+                        <a:t>64</a:t>
+                      </a:r>
+                    </a:p>
+                  </a:txBody>
+                  <a:tcPr marL="49110" marR="49110" marT="24555" marB="24555"/>
+                </a:tc>
+                <a:tc>
+                  <a:txBody>
+                    <a:bodyPr/>
+                    <a:lstStyle/>
+                    <a:p>
+                      <a:r>
+                        <a:rPr lang="de-DE" sz="1100" dirty="0" err="1"/>
+                        <a:t>false</a:t>
+                      </a:r>
+                      <a:endParaRPr lang="de-DE" sz="1100" dirty="0"/>
+                    </a:p>
+                  </a:txBody>
+                  <a:tcPr marL="49110" marR="49110" marT="24555" marB="24555"/>
+                </a:tc>
+                <a:extLst>
+                  <a:ext uri="{0D108BD9-81ED-4DB2-BD59-A6C34878D82A}">
+                    <a16:rowId xmlns:a16="http://schemas.microsoft.com/office/drawing/2014/main" val="2974351137"/>
+                  </a:ext>
+                </a:extLst>
+              </a:tr>
+              <a:tr h="346611">
+                <a:tc>
+                  <a:txBody>
+                    <a:bodyPr/>
+                    <a:lstStyle/>
+                    <a:p>
+                      <a:r>
+                        <a:rPr lang="de-DE" sz="1100" dirty="0"/>
+                        <a:t>w</a:t>
+                      </a:r>
+                    </a:p>
+                  </a:txBody>
+                  <a:tcPr marL="49110" marR="49110" marT="24555" marB="24555"/>
+                </a:tc>
+                <a:tc>
+                  <a:txBody>
+                    <a:bodyPr/>
+                    <a:lstStyle/>
+                    <a:p>
+                      <a:r>
+                        <a:rPr lang="de-DE" sz="1100" dirty="0"/>
+                        <a:t>…</a:t>
+                      </a:r>
+                    </a:p>
+                  </a:txBody>
+                  <a:tcPr marL="49110" marR="49110" marT="24555" marB="24555"/>
+                </a:tc>
+                <a:tc>
+                  <a:txBody>
+                    <a:bodyPr/>
+                    <a:lstStyle/>
+                    <a:p>
+                      <a:r>
+                        <a:rPr lang="de-DE" sz="1100" dirty="0" err="1"/>
+                        <a:t>false</a:t>
+                      </a:r>
+                      <a:endParaRPr lang="de-DE" sz="1100" dirty="0"/>
+                    </a:p>
+                  </a:txBody>
+                  <a:tcPr marL="49110" marR="49110" marT="24555" marB="24555"/>
+                </a:tc>
+                <a:extLst>
+                  <a:ext uri="{0D108BD9-81ED-4DB2-BD59-A6C34878D82A}">
+                    <a16:rowId xmlns:a16="http://schemas.microsoft.com/office/drawing/2014/main" val="2345750782"/>
+                  </a:ext>
+                </a:extLst>
+              </a:tr>
+              <a:tr h="346611">
+                <a:tc>
+                  <a:txBody>
+                    <a:bodyPr/>
+                    <a:lstStyle/>
+                    <a:p>
+                      <a:r>
+                        <a:rPr lang="de-DE" sz="1100" dirty="0"/>
+                        <a:t>w</a:t>
+                      </a:r>
+                    </a:p>
+                  </a:txBody>
+                  <a:tcPr marL="49110" marR="49110" marT="24555" marB="24555">
+                    <a:solidFill>
+                      <a:srgbClr val="92D050"/>
+                    </a:solidFill>
+                  </a:tcPr>
+                </a:tc>
+                <a:tc>
+                  <a:txBody>
+                    <a:bodyPr/>
+                    <a:lstStyle/>
+                    <a:p>
+                      <a:r>
+                        <a:rPr lang="de-DE" sz="1100" b="1" u="sng" dirty="0"/>
+                        <a:t>80</a:t>
+                      </a:r>
+                    </a:p>
+                  </a:txBody>
+                  <a:tcPr marL="49110" marR="49110" marT="24555" marB="24555">
+                    <a:solidFill>
+                      <a:srgbClr val="92D050"/>
+                    </a:solidFill>
+                  </a:tcPr>
+                </a:tc>
+                <a:tc>
+                  <a:txBody>
+                    <a:bodyPr/>
+                    <a:lstStyle/>
+                    <a:p>
+                      <a:r>
+                        <a:rPr lang="de-DE" sz="1100" dirty="0" err="1"/>
+                        <a:t>true</a:t>
+                      </a:r>
+                      <a:endParaRPr lang="de-DE" sz="1100" dirty="0"/>
+                    </a:p>
+                  </a:txBody>
+                  <a:tcPr marL="49110" marR="49110" marT="24555" marB="24555">
+                    <a:solidFill>
+                      <a:srgbClr val="92D050"/>
+                    </a:solidFill>
+                  </a:tcPr>
+                </a:tc>
+                <a:extLst>
+                  <a:ext uri="{0D108BD9-81ED-4DB2-BD59-A6C34878D82A}">
+                    <a16:rowId xmlns:a16="http://schemas.microsoft.com/office/drawing/2014/main" val="2952403903"/>
+                  </a:ext>
+                </a:extLst>
+              </a:tr>
+            </a:tbl>
+          </a:graphicData>
+        </a:graphic>
+      </p:graphicFrame>
+      <p:graphicFrame>
+        <p:nvGraphicFramePr>
+          <p:cNvPr id="9" name="Tabelle 8">
+            <a:extLst>
+              <a:ext uri="{FF2B5EF4-FFF2-40B4-BE49-F238E27FC236}">
+                <a16:creationId xmlns:a16="http://schemas.microsoft.com/office/drawing/2014/main" id="{CD417375-8D22-08D7-D645-4102502EE874}"/>
+              </a:ext>
+            </a:extLst>
+          </p:cNvPr>
+          <p:cNvGraphicFramePr>
+            <a:graphicFrameLocks noGrp="1"/>
+          </p:cNvGraphicFramePr>
+          <p:nvPr>
+            <p:extLst>
+              <p:ext uri="{D42A27DB-BD31-4B8C-83A1-F6EECF244321}">
+                <p14:modId xmlns:p14="http://schemas.microsoft.com/office/powerpoint/2010/main" val="2360188779"/>
+              </p:ext>
+            </p:extLst>
+          </p:nvPr>
+        </p:nvGraphicFramePr>
+        <p:xfrm>
+          <a:off x="5819163" y="2611253"/>
+          <a:ext cx="1757746" cy="2827137"/>
+        </p:xfrm>
+        <a:graphic>
+          <a:graphicData uri="http://schemas.openxmlformats.org/drawingml/2006/table">
+            <a:tbl>
+              <a:tblPr firstRow="1" bandRow="1">
+                <a:tableStyleId>{7DF18680-E054-41AD-8BC1-D1AEF772440D}</a:tableStyleId>
+              </a:tblPr>
+              <a:tblGrid>
+                <a:gridCol w="878873">
+                  <a:extLst>
+                    <a:ext uri="{9D8B030D-6E8A-4147-A177-3AD203B41FA5}">
+                      <a16:colId xmlns:a16="http://schemas.microsoft.com/office/drawing/2014/main" val="3984235547"/>
+                    </a:ext>
+                  </a:extLst>
+                </a:gridCol>
+                <a:gridCol w="878873">
+                  <a:extLst>
+                    <a:ext uri="{9D8B030D-6E8A-4147-A177-3AD203B41FA5}">
+                      <a16:colId xmlns:a16="http://schemas.microsoft.com/office/drawing/2014/main" val="1072629174"/>
+                    </a:ext>
+                  </a:extLst>
+                </a:gridCol>
+              </a:tblGrid>
+              <a:tr h="382579">
+                <a:tc>
+                  <a:txBody>
+                    <a:bodyPr/>
+                    <a:lstStyle/>
+                    <a:p>
+                      <a:r>
+                        <a:rPr lang="de-DE" sz="1100" dirty="0"/>
+                        <a:t>Geschlecht</a:t>
+                      </a:r>
+                    </a:p>
+                  </a:txBody>
+                  <a:tcPr marL="49437" marR="49437" marT="24719" marB="24719"/>
+                </a:tc>
+                <a:tc>
+                  <a:txBody>
+                    <a:bodyPr/>
+                    <a:lstStyle/>
+                    <a:p>
+                      <a:r>
+                        <a:rPr lang="de-DE" sz="1100" dirty="0"/>
+                        <a:t>Arbeitsstunden </a:t>
+                      </a:r>
+                    </a:p>
+                  </a:txBody>
+                  <a:tcPr marL="49437" marR="49437" marT="24719" marB="24719"/>
+                </a:tc>
+                <a:extLst>
+                  <a:ext uri="{0D108BD9-81ED-4DB2-BD59-A6C34878D82A}">
+                    <a16:rowId xmlns:a16="http://schemas.microsoft.com/office/drawing/2014/main" val="931524433"/>
+                  </a:ext>
+                </a:extLst>
+              </a:tr>
+              <a:tr h="348917">
+                <a:tc>
+                  <a:txBody>
+                    <a:bodyPr/>
+                    <a:lstStyle/>
+                    <a:p>
+                      <a:r>
+                        <a:rPr lang="de-DE" sz="1100" dirty="0"/>
+                        <a:t>m</a:t>
+                      </a:r>
+                    </a:p>
+                  </a:txBody>
+                  <a:tcPr marL="49437" marR="49437" marT="24719" marB="24719"/>
+                </a:tc>
+                <a:tc>
+                  <a:txBody>
+                    <a:bodyPr/>
+                    <a:lstStyle/>
+                    <a:p>
+                      <a:r>
+                        <a:rPr lang="de-DE" sz="1100" dirty="0"/>
+                        <a:t>50</a:t>
+                      </a:r>
+                    </a:p>
+                  </a:txBody>
+                  <a:tcPr marL="49437" marR="49437" marT="24719" marB="24719"/>
+                </a:tc>
+                <a:extLst>
+                  <a:ext uri="{0D108BD9-81ED-4DB2-BD59-A6C34878D82A}">
+                    <a16:rowId xmlns:a16="http://schemas.microsoft.com/office/drawing/2014/main" val="2823732484"/>
+                  </a:ext>
+                </a:extLst>
+              </a:tr>
+              <a:tr h="348917">
+                <a:tc>
+                  <a:txBody>
+                    <a:bodyPr/>
+                    <a:lstStyle/>
+                    <a:p>
+                      <a:r>
+                        <a:rPr lang="de-DE" sz="1100" dirty="0"/>
+                        <a:t>m</a:t>
+                      </a:r>
+                    </a:p>
+                  </a:txBody>
+                  <a:tcPr marL="49437" marR="49437" marT="24719" marB="24719"/>
+                </a:tc>
+                <a:tc>
+                  <a:txBody>
+                    <a:bodyPr/>
+                    <a:lstStyle/>
+                    <a:p>
+                      <a:r>
+                        <a:rPr lang="de-DE" sz="1100" dirty="0"/>
+                        <a:t>51</a:t>
+                      </a:r>
+                    </a:p>
+                  </a:txBody>
+                  <a:tcPr marL="49437" marR="49437" marT="24719" marB="24719"/>
+                </a:tc>
+                <a:extLst>
+                  <a:ext uri="{0D108BD9-81ED-4DB2-BD59-A6C34878D82A}">
+                    <a16:rowId xmlns:a16="http://schemas.microsoft.com/office/drawing/2014/main" val="3373951042"/>
+                  </a:ext>
+                </a:extLst>
+              </a:tr>
+              <a:tr h="348917">
+                <a:tc>
+                  <a:txBody>
+                    <a:bodyPr/>
+                    <a:lstStyle/>
+                    <a:p>
+                      <a:r>
+                        <a:rPr lang="de-DE" sz="1100" dirty="0"/>
+                        <a:t>…</a:t>
+                      </a:r>
+                    </a:p>
+                  </a:txBody>
+                  <a:tcPr marL="49437" marR="49437" marT="24719" marB="24719"/>
+                </a:tc>
+                <a:tc>
+                  <a:txBody>
+                    <a:bodyPr/>
+                    <a:lstStyle/>
+                    <a:p>
+                      <a:r>
+                        <a:rPr lang="de-DE" sz="1100" dirty="0"/>
+                        <a:t>…</a:t>
+                      </a:r>
+                    </a:p>
+                  </a:txBody>
+                  <a:tcPr marL="49437" marR="49437" marT="24719" marB="24719"/>
+                </a:tc>
+                <a:extLst>
+                  <a:ext uri="{0D108BD9-81ED-4DB2-BD59-A6C34878D82A}">
+                    <a16:rowId xmlns:a16="http://schemas.microsoft.com/office/drawing/2014/main" val="4265644564"/>
+                  </a:ext>
+                </a:extLst>
+              </a:tr>
+              <a:tr h="348917">
+                <a:tc>
+                  <a:txBody>
+                    <a:bodyPr/>
+                    <a:lstStyle/>
+                    <a:p>
+                      <a:r>
+                        <a:rPr lang="de-DE" sz="1100" dirty="0"/>
+                        <a:t>m</a:t>
+                      </a:r>
+                    </a:p>
+                  </a:txBody>
+                  <a:tcPr marL="49437" marR="49437" marT="24719" marB="24719"/>
+                </a:tc>
+                <a:tc>
+                  <a:txBody>
+                    <a:bodyPr/>
+                    <a:lstStyle/>
+                    <a:p>
+                      <a:r>
+                        <a:rPr lang="de-DE" sz="1100" dirty="0"/>
+                        <a:t>100</a:t>
+                      </a:r>
+                    </a:p>
+                  </a:txBody>
+                  <a:tcPr marL="49437" marR="49437" marT="24719" marB="24719"/>
+                </a:tc>
+                <a:extLst>
+                  <a:ext uri="{0D108BD9-81ED-4DB2-BD59-A6C34878D82A}">
+                    <a16:rowId xmlns:a16="http://schemas.microsoft.com/office/drawing/2014/main" val="3513294687"/>
+                  </a:ext>
+                </a:extLst>
+              </a:tr>
+              <a:tr h="348917">
+                <a:tc>
+                  <a:txBody>
+                    <a:bodyPr/>
+                    <a:lstStyle/>
+                    <a:p>
+                      <a:r>
+                        <a:rPr lang="de-DE" sz="1100" dirty="0"/>
+                        <a:t>w</a:t>
+                      </a:r>
+                    </a:p>
+                  </a:txBody>
+                  <a:tcPr marL="49437" marR="49437" marT="24719" marB="24719"/>
+                </a:tc>
+                <a:tc>
+                  <a:txBody>
+                    <a:bodyPr/>
+                    <a:lstStyle/>
+                    <a:p>
+                      <a:r>
+                        <a:rPr lang="de-DE" sz="1100" dirty="0"/>
+                        <a:t>50</a:t>
+                      </a:r>
+                    </a:p>
+                  </a:txBody>
+                  <a:tcPr marL="49437" marR="49437" marT="24719" marB="24719"/>
+                </a:tc>
+                <a:extLst>
+                  <a:ext uri="{0D108BD9-81ED-4DB2-BD59-A6C34878D82A}">
+                    <a16:rowId xmlns:a16="http://schemas.microsoft.com/office/drawing/2014/main" val="2974351137"/>
+                  </a:ext>
+                </a:extLst>
+              </a:tr>
+              <a:tr h="348917">
+                <a:tc>
+                  <a:txBody>
+                    <a:bodyPr/>
+                    <a:lstStyle/>
+                    <a:p>
+                      <a:r>
+                        <a:rPr lang="de-DE" sz="1100" dirty="0"/>
+                        <a:t>…</a:t>
+                      </a:r>
+                    </a:p>
+                  </a:txBody>
+                  <a:tcPr marL="49437" marR="49437" marT="24719" marB="24719"/>
+                </a:tc>
+                <a:tc>
+                  <a:txBody>
+                    <a:bodyPr/>
+                    <a:lstStyle/>
+                    <a:p>
+                      <a:r>
+                        <a:rPr lang="de-DE" sz="1100" dirty="0"/>
+                        <a:t>…</a:t>
+                      </a:r>
+                    </a:p>
+                  </a:txBody>
+                  <a:tcPr marL="49437" marR="49437" marT="24719" marB="24719"/>
+                </a:tc>
+                <a:extLst>
+                  <a:ext uri="{0D108BD9-81ED-4DB2-BD59-A6C34878D82A}">
+                    <a16:rowId xmlns:a16="http://schemas.microsoft.com/office/drawing/2014/main" val="2345750782"/>
+                  </a:ext>
+                </a:extLst>
+              </a:tr>
+              <a:tr h="348917">
+                <a:tc>
+                  <a:txBody>
+                    <a:bodyPr/>
+                    <a:lstStyle/>
+                    <a:p>
+                      <a:r>
+                        <a:rPr lang="de-DE" sz="1100" dirty="0"/>
+                        <a:t>w</a:t>
+                      </a:r>
+                    </a:p>
+                  </a:txBody>
+                  <a:tcPr marL="49437" marR="49437" marT="24719" marB="24719"/>
+                </a:tc>
+                <a:tc>
+                  <a:txBody>
+                    <a:bodyPr/>
+                    <a:lstStyle/>
+                    <a:p>
+                      <a:r>
+                        <a:rPr lang="de-DE" sz="1100" dirty="0"/>
+                        <a:t>100</a:t>
+                      </a:r>
+                    </a:p>
+                  </a:txBody>
+                  <a:tcPr marL="49437" marR="49437" marT="24719" marB="24719"/>
+                </a:tc>
+                <a:extLst>
+                  <a:ext uri="{0D108BD9-81ED-4DB2-BD59-A6C34878D82A}">
+                    <a16:rowId xmlns:a16="http://schemas.microsoft.com/office/drawing/2014/main" val="2952403903"/>
+                  </a:ext>
+                </a:extLst>
+              </a:tr>
+            </a:tbl>
+          </a:graphicData>
+        </a:graphic>
+      </p:graphicFrame>
+      <p:sp>
+        <p:nvSpPr>
+          <p:cNvPr id="14" name="Pfeil: nach rechts 13">
+            <a:extLst>
+              <a:ext uri="{FF2B5EF4-FFF2-40B4-BE49-F238E27FC236}">
+                <a16:creationId xmlns:a16="http://schemas.microsoft.com/office/drawing/2014/main" id="{858EF3E3-E2D9-9D02-1BFF-B0D35B9A422C}"/>
+              </a:ext>
+            </a:extLst>
+          </p:cNvPr>
+          <p:cNvSpPr/>
+          <p:nvPr/>
+        </p:nvSpPr>
+        <p:spPr>
+          <a:xfrm>
+            <a:off x="5068647" y="4011781"/>
+            <a:ext cx="574750" cy="281103"/>
+          </a:xfrm>
+          <a:prstGeom prst="rightArrow">
+            <a:avLst/>
+          </a:prstGeom>
+          <a:solidFill>
+            <a:srgbClr val="C50F3C"/>
+          </a:solidFill>
+          <a:ln>
+            <a:noFill/>
+          </a:ln>
+        </p:spPr>
+        <p:style>
+          <a:lnRef idx="0">
+            <a:scrgbClr r="0" g="0" b="0"/>
+          </a:lnRef>
+          <a:fillRef idx="0">
+            <a:scrgbClr r="0" g="0" b="0"/>
+          </a:fillRef>
+          <a:effectRef idx="0">
+            <a:scrgbClr r="0" g="0" b="0"/>
+          </a:effectRef>
+          <a:fontRef idx="minor">
+            <a:schemeClr val="lt1"/>
+          </a:fontRef>
+        </p:style>
+        <p:txBody>
+          <a:bodyPr lIns="180000" tIns="180000" rIns="180000" bIns="180000" rtlCol="0" anchor="ctr"/>
+          <a:lstStyle/>
+          <a:p>
+            <a:pPr marL="0" marR="0" indent="0" algn="ctr" defTabSz="914400" rtl="0" eaLnBrk="1" fontAlgn="auto" latinLnBrk="0" hangingPunct="1">
+              <a:lnSpc>
+                <a:spcPct val="110000"/>
+              </a:lnSpc>
+              <a:spcBef>
+                <a:spcPts val="0"/>
+              </a:spcBef>
+              <a:spcAft>
+                <a:spcPts val="1200"/>
+              </a:spcAft>
+              <a:buClrTx/>
+              <a:buSzTx/>
+              <a:buFont typeface="Arial" panose="020B0604020202020204" pitchFamily="34" charset="0"/>
+              <a:buNone/>
+              <a:tabLst/>
+            </a:pPr>
+            <a:endParaRPr kumimoji="0" lang="de-DE" sz="1600" b="0" i="0" u="none" strike="noStrike" kern="1200" cap="none" spc="0" normalizeH="0" baseline="0" noProof="0" dirty="0">
+              <a:ln>
+                <a:noFill/>
+              </a:ln>
+              <a:solidFill>
+                <a:schemeClr val="tx1"/>
+              </a:solidFill>
+              <a:effectLst/>
+              <a:uLnTx/>
+              <a:uFillTx/>
+              <a:latin typeface="Arial"/>
+              <a:ea typeface="+mn-ea"/>
+              <a:cs typeface="+mn-cs"/>
+            </a:endParaRPr>
+          </a:p>
+        </p:txBody>
+      </p:sp>
+      <p:sp>
+        <p:nvSpPr>
+          <p:cNvPr id="15" name="Pfeil: nach rechts 14">
+            <a:extLst>
+              <a:ext uri="{FF2B5EF4-FFF2-40B4-BE49-F238E27FC236}">
+                <a16:creationId xmlns:a16="http://schemas.microsoft.com/office/drawing/2014/main" id="{6B65EAA4-E588-6FAF-FD82-F64A9C7C8D72}"/>
+              </a:ext>
+            </a:extLst>
+          </p:cNvPr>
+          <p:cNvSpPr/>
+          <p:nvPr/>
+        </p:nvSpPr>
+        <p:spPr>
+          <a:xfrm>
+            <a:off x="7752674" y="4011780"/>
+            <a:ext cx="574750" cy="281103"/>
+          </a:xfrm>
+          <a:prstGeom prst="rightArrow">
+            <a:avLst/>
+          </a:prstGeom>
+          <a:solidFill>
+            <a:srgbClr val="C50F3C"/>
+          </a:solidFill>
+          <a:ln>
+            <a:noFill/>
+          </a:ln>
+        </p:spPr>
+        <p:style>
+          <a:lnRef idx="0">
+            <a:scrgbClr r="0" g="0" b="0"/>
+          </a:lnRef>
+          <a:fillRef idx="0">
+            <a:scrgbClr r="0" g="0" b="0"/>
+          </a:fillRef>
+          <a:effectRef idx="0">
+            <a:scrgbClr r="0" g="0" b="0"/>
+          </a:effectRef>
+          <a:fontRef idx="minor">
+            <a:schemeClr val="lt1"/>
+          </a:fontRef>
+        </p:style>
+        <p:txBody>
+          <a:bodyPr lIns="180000" tIns="180000" rIns="180000" bIns="180000" rtlCol="0" anchor="ctr"/>
+          <a:lstStyle/>
+          <a:p>
+            <a:pPr marL="0" marR="0" indent="0" algn="ctr" defTabSz="914400" rtl="0" eaLnBrk="1" fontAlgn="auto" latinLnBrk="0" hangingPunct="1">
+              <a:lnSpc>
+                <a:spcPct val="110000"/>
+              </a:lnSpc>
+              <a:spcBef>
+                <a:spcPts val="0"/>
+              </a:spcBef>
+              <a:spcAft>
+                <a:spcPts val="1200"/>
+              </a:spcAft>
+              <a:buClrTx/>
+              <a:buSzTx/>
+              <a:buFont typeface="Arial" panose="020B0604020202020204" pitchFamily="34" charset="0"/>
+              <a:buNone/>
+              <a:tabLst/>
+            </a:pPr>
+            <a:endParaRPr kumimoji="0" lang="de-DE" sz="1600" b="0" i="0" u="none" strike="noStrike" kern="1200" cap="none" spc="0" normalizeH="0" baseline="0" noProof="0" dirty="0">
+              <a:ln>
+                <a:noFill/>
+              </a:ln>
+              <a:solidFill>
+                <a:schemeClr val="tx1"/>
+              </a:solidFill>
+              <a:effectLst/>
+              <a:uLnTx/>
+              <a:uFillTx/>
+              <a:latin typeface="Arial"/>
+              <a:ea typeface="+mn-ea"/>
+              <a:cs typeface="+mn-cs"/>
+            </a:endParaRPr>
+          </a:p>
+        </p:txBody>
+      </p:sp>
+      <p:sp>
+        <p:nvSpPr>
+          <p:cNvPr id="17" name="Textfeld 16">
+            <a:extLst>
+              <a:ext uri="{FF2B5EF4-FFF2-40B4-BE49-F238E27FC236}">
+                <a16:creationId xmlns:a16="http://schemas.microsoft.com/office/drawing/2014/main" id="{D7652F75-F251-3F7E-3A83-66307C84ADEF}"/>
+              </a:ext>
+            </a:extLst>
+          </p:cNvPr>
+          <p:cNvSpPr txBox="1"/>
+          <p:nvPr/>
+        </p:nvSpPr>
+        <p:spPr>
+          <a:xfrm>
+            <a:off x="515936" y="5459528"/>
+            <a:ext cx="4376945" cy="218586"/>
+          </a:xfrm>
+          <a:prstGeom prst="rect">
+            <a:avLst/>
+          </a:prstGeom>
+          <a:noFill/>
+        </p:spPr>
+        <p:txBody>
+          <a:bodyPr wrap="square" lIns="0" tIns="0" rIns="0" bIns="0" rtlCol="0">
+            <a:spAutoFit/>
+          </a:bodyPr>
+          <a:lstStyle/>
+          <a:p>
+            <a:pPr marL="0" marR="0" indent="0" algn="ctr" defTabSz="914400" rtl="0" eaLnBrk="1" fontAlgn="auto" latinLnBrk="0" hangingPunct="1">
+              <a:lnSpc>
+                <a:spcPct val="110000"/>
+              </a:lnSpc>
+              <a:spcBef>
+                <a:spcPts val="0"/>
+              </a:spcBef>
+              <a:spcAft>
+                <a:spcPts val="1200"/>
+              </a:spcAft>
+              <a:buClrTx/>
+              <a:buSzTx/>
+              <a:buFont typeface="Arial" panose="020B0604020202020204" pitchFamily="34" charset="0"/>
+              <a:buNone/>
+              <a:tabLst/>
+            </a:pPr>
+            <a:r>
+              <a:rPr kumimoji="0" lang="de-DE" sz="1400" b="0" i="0" u="none" strike="noStrike" kern="1200" cap="none" spc="0" normalizeH="0" baseline="0" noProof="0" dirty="0">
+                <a:ln>
+                  <a:noFill/>
+                </a:ln>
+                <a:solidFill>
+                  <a:prstClr val="black"/>
+                </a:solidFill>
+                <a:effectLst/>
+                <a:uLnTx/>
+                <a:uFillTx/>
+                <a:latin typeface="Arial"/>
+                <a:ea typeface="+mn-ea"/>
+                <a:cs typeface="+mn-cs"/>
+              </a:rPr>
+              <a:t>Zu testende Datensatz</a:t>
+            </a:r>
+          </a:p>
+        </p:txBody>
+      </p:sp>
+      <p:sp>
+        <p:nvSpPr>
+          <p:cNvPr id="18" name="Textfeld 17">
+            <a:extLst>
+              <a:ext uri="{FF2B5EF4-FFF2-40B4-BE49-F238E27FC236}">
+                <a16:creationId xmlns:a16="http://schemas.microsoft.com/office/drawing/2014/main" id="{9FDE7077-F09D-71A6-C27C-531F269B31AF}"/>
+              </a:ext>
+            </a:extLst>
+          </p:cNvPr>
+          <p:cNvSpPr txBox="1"/>
+          <p:nvPr/>
+        </p:nvSpPr>
+        <p:spPr>
+          <a:xfrm>
+            <a:off x="5819163" y="5473029"/>
+            <a:ext cx="1757746" cy="455574"/>
+          </a:xfrm>
+          <a:prstGeom prst="rect">
+            <a:avLst/>
+          </a:prstGeom>
+          <a:noFill/>
+        </p:spPr>
+        <p:txBody>
+          <a:bodyPr wrap="square" lIns="0" tIns="0" rIns="0" bIns="0" rtlCol="0">
+            <a:spAutoFit/>
+          </a:bodyPr>
+          <a:lstStyle/>
+          <a:p>
+            <a:pPr marL="0" marR="0" indent="0" algn="ctr" defTabSz="914400" rtl="0" eaLnBrk="1" fontAlgn="auto" latinLnBrk="0" hangingPunct="1">
+              <a:lnSpc>
+                <a:spcPct val="110000"/>
+              </a:lnSpc>
+              <a:spcBef>
+                <a:spcPts val="0"/>
+              </a:spcBef>
+              <a:spcAft>
+                <a:spcPts val="1200"/>
+              </a:spcAft>
+              <a:buClrTx/>
+              <a:buSzTx/>
+              <a:buFont typeface="Arial" panose="020B0604020202020204" pitchFamily="34" charset="0"/>
+              <a:buNone/>
+              <a:tabLst/>
+            </a:pPr>
+            <a:r>
+              <a:rPr kumimoji="0" lang="de-DE" sz="1400" b="0" i="0" u="none" strike="noStrike" kern="1200" cap="none" spc="0" normalizeH="0" baseline="0" noProof="0" dirty="0">
+                <a:ln>
+                  <a:noFill/>
+                </a:ln>
+                <a:solidFill>
+                  <a:prstClr val="black"/>
+                </a:solidFill>
+                <a:effectLst/>
+                <a:uLnTx/>
+                <a:uFillTx/>
+                <a:latin typeface="Arial"/>
+                <a:ea typeface="+mn-ea"/>
+                <a:cs typeface="+mn-cs"/>
+              </a:rPr>
+              <a:t>Datensatz mit allen möglichen Einträgen</a:t>
+            </a:r>
+          </a:p>
+        </p:txBody>
+      </p:sp>
+      <p:sp>
+        <p:nvSpPr>
+          <p:cNvPr id="19" name="Textfeld 18">
+            <a:extLst>
+              <a:ext uri="{FF2B5EF4-FFF2-40B4-BE49-F238E27FC236}">
+                <a16:creationId xmlns:a16="http://schemas.microsoft.com/office/drawing/2014/main" id="{2797B6A2-1DBB-36CE-3F0E-6184B964B485}"/>
+              </a:ext>
+            </a:extLst>
+          </p:cNvPr>
+          <p:cNvSpPr txBox="1"/>
+          <p:nvPr/>
+        </p:nvSpPr>
+        <p:spPr>
+          <a:xfrm>
+            <a:off x="8503189" y="5511831"/>
+            <a:ext cx="2619197" cy="455574"/>
+          </a:xfrm>
+          <a:prstGeom prst="rect">
+            <a:avLst/>
+          </a:prstGeom>
+          <a:noFill/>
+        </p:spPr>
+        <p:txBody>
+          <a:bodyPr wrap="square" lIns="0" tIns="0" rIns="0" bIns="0" rtlCol="0">
+            <a:spAutoFit/>
+          </a:bodyPr>
+          <a:lstStyle/>
+          <a:p>
+            <a:pPr marL="0" marR="0" indent="0" algn="ctr" defTabSz="914400" rtl="0" eaLnBrk="1" fontAlgn="auto" latinLnBrk="0" hangingPunct="1">
+              <a:lnSpc>
+                <a:spcPct val="110000"/>
+              </a:lnSpc>
+              <a:spcBef>
+                <a:spcPts val="0"/>
+              </a:spcBef>
+              <a:spcAft>
+                <a:spcPts val="1200"/>
+              </a:spcAft>
+              <a:buClrTx/>
+              <a:buSzTx/>
+              <a:buFont typeface="Arial" panose="020B0604020202020204" pitchFamily="34" charset="0"/>
+              <a:buNone/>
+              <a:tabLst/>
+            </a:pPr>
+            <a:r>
+              <a:rPr kumimoji="0" lang="de-DE" sz="1400" b="0" i="0" u="none" strike="noStrike" kern="1200" cap="none" spc="0" normalizeH="0" baseline="0" noProof="0" dirty="0">
+                <a:ln>
+                  <a:noFill/>
+                </a:ln>
+                <a:solidFill>
+                  <a:prstClr val="black"/>
+                </a:solidFill>
+                <a:effectLst/>
+                <a:uLnTx/>
+                <a:uFillTx/>
+                <a:latin typeface="Arial"/>
+                <a:ea typeface="+mn-ea"/>
+                <a:cs typeface="+mn-cs"/>
+              </a:rPr>
+              <a:t>Datensatz mit allen möglichen Einträgen + Entscheidungsspalte</a:t>
+            </a:r>
+          </a:p>
+        </p:txBody>
+      </p:sp>
+    </p:spTree>
+    <p:extLst>
+      <p:ext uri="{BB962C8B-B14F-4D97-AF65-F5344CB8AC3E}">
+        <p14:creationId xmlns:p14="http://schemas.microsoft.com/office/powerpoint/2010/main" val="2117457139"/>
+      </p:ext>
+    </p:extLst>
+  </p:cSld>
+  <p:clrMapOvr>
+    <a:masterClrMapping/>
+  </p:clrMapOvr>
+</p:sld>
+</file>
+
+<file path=ppt/slides/slide16.xml><?xml version="1.0" encoding="utf-8"?>
+<p:sld xmlns:a="http://schemas.openxmlformats.org/drawingml/2006/main" xmlns:r="http://schemas.openxmlformats.org/officeDocument/2006/relationships" xmlns:p="http://schemas.openxmlformats.org/presentationml/2006/main">
+  <p:cSld>
+    <p:spTree>
+      <p:nvGrpSpPr>
+        <p:cNvPr id="1" name=""/>
+        <p:cNvGrpSpPr/>
+        <p:nvPr/>
+      </p:nvGrpSpPr>
+      <p:grpSpPr>
+        <a:xfrm>
+          <a:off x="0" y="0"/>
+          <a:ext cx="0" cy="0"/>
+          <a:chOff x="0" y="0"/>
+          <a:chExt cx="0" cy="0"/>
+        </a:xfrm>
+      </p:grpSpPr>
+      <p:sp>
+        <p:nvSpPr>
+          <p:cNvPr id="21" name="Titel 20">
+            <a:extLst>
+              <a:ext uri="{FF2B5EF4-FFF2-40B4-BE49-F238E27FC236}">
+                <a16:creationId xmlns:a16="http://schemas.microsoft.com/office/drawing/2014/main" id="{3018BD05-96D8-43F2-A6AA-CC40E7C32CCE}"/>
+              </a:ext>
+            </a:extLst>
+          </p:cNvPr>
+          <p:cNvSpPr>
+            <a:spLocks noGrp="1"/>
+          </p:cNvSpPr>
+          <p:nvPr>
+            <p:ph type="title"/>
+          </p:nvPr>
+        </p:nvSpPr>
+        <p:spPr>
+          <a:xfrm>
+            <a:off x="518318" y="3152001"/>
+            <a:ext cx="11157743" cy="553998"/>
+          </a:xfrm>
+        </p:spPr>
+        <p:txBody>
+          <a:bodyPr/>
+          <a:lstStyle/>
+          <a:p>
+            <a:r>
+              <a:rPr lang="de-DE" dirty="0"/>
+              <a:t>5. Experimente</a:t>
+            </a:r>
+          </a:p>
+        </p:txBody>
+      </p:sp>
+      <p:sp>
+        <p:nvSpPr>
+          <p:cNvPr id="2" name="Datumsplatzhalter 1">
+            <a:extLst>
+              <a:ext uri="{FF2B5EF4-FFF2-40B4-BE49-F238E27FC236}">
+                <a16:creationId xmlns:a16="http://schemas.microsoft.com/office/drawing/2014/main" id="{FE7214E1-5D14-4D0B-BADD-2E239FECEC10}"/>
+              </a:ext>
+            </a:extLst>
+          </p:cNvPr>
+          <p:cNvSpPr>
+            <a:spLocks noGrp="1"/>
+          </p:cNvSpPr>
+          <p:nvPr>
+            <p:ph type="dt" sz="half" idx="10"/>
+          </p:nvPr>
+        </p:nvSpPr>
+        <p:spPr/>
+        <p:txBody>
+          <a:bodyPr/>
+          <a:lstStyle/>
+          <a:p>
+            <a:fld id="{D529D632-EE07-48FA-B475-B0D49CBC7F92}" type="datetime4">
+              <a:rPr lang="de-DE" smtClean="0"/>
+              <a:pPr/>
+              <a:t>15. Dezember 2022</a:t>
+            </a:fld>
+            <a:endParaRPr lang="de-DE" dirty="0"/>
+          </a:p>
+        </p:txBody>
+      </p:sp>
+      <p:sp>
+        <p:nvSpPr>
+          <p:cNvPr id="3" name="Fußzeilenplatzhalter 2">
+            <a:extLst>
+              <a:ext uri="{FF2B5EF4-FFF2-40B4-BE49-F238E27FC236}">
+                <a16:creationId xmlns:a16="http://schemas.microsoft.com/office/drawing/2014/main" id="{6A6AD034-0F65-47AF-9CAA-C4B0CEB30D4D}"/>
+              </a:ext>
+            </a:extLst>
+          </p:cNvPr>
+          <p:cNvSpPr>
+            <a:spLocks noGrp="1"/>
+          </p:cNvSpPr>
+          <p:nvPr>
+            <p:ph type="ftr" sz="quarter" idx="11"/>
+          </p:nvPr>
+        </p:nvSpPr>
+        <p:spPr/>
+        <p:txBody>
+          <a:bodyPr/>
+          <a:lstStyle/>
+          <a:p>
+            <a:r>
+              <a:rPr lang="de-DE" dirty="0"/>
+              <a:t>Philippe Huber, </a:t>
+            </a:r>
+            <a:r>
+              <a:rPr lang="de-DE" b="1" dirty="0"/>
+              <a:t>Rene Jokiel</a:t>
+            </a:r>
+          </a:p>
+        </p:txBody>
+      </p:sp>
+      <p:sp>
+        <p:nvSpPr>
+          <p:cNvPr id="4" name="Foliennummernplatzhalter 3">
+            <a:extLst>
+              <a:ext uri="{FF2B5EF4-FFF2-40B4-BE49-F238E27FC236}">
+                <a16:creationId xmlns:a16="http://schemas.microsoft.com/office/drawing/2014/main" id="{00F7E098-F740-40F7-A085-7034627D9148}"/>
+              </a:ext>
+            </a:extLst>
+          </p:cNvPr>
+          <p:cNvSpPr>
+            <a:spLocks noGrp="1"/>
+          </p:cNvSpPr>
+          <p:nvPr>
+            <p:ph type="sldNum" sz="quarter" idx="12"/>
+          </p:nvPr>
+        </p:nvSpPr>
+        <p:spPr/>
+        <p:txBody>
+          <a:bodyPr/>
+          <a:lstStyle/>
+          <a:p>
+            <a:fld id="{D949F9DF-37BD-4CD6-BF49-65BA579E1D7A}" type="slidenum">
+              <a:rPr lang="de-DE" smtClean="0"/>
+              <a:pPr/>
+              <a:t>16</a:t>
+            </a:fld>
+            <a:endParaRPr lang="de-DE"/>
+          </a:p>
+        </p:txBody>
+      </p:sp>
+    </p:spTree>
+    <p:extLst>
+      <p:ext uri="{BB962C8B-B14F-4D97-AF65-F5344CB8AC3E}">
+        <p14:creationId xmlns:p14="http://schemas.microsoft.com/office/powerpoint/2010/main" val="2846759775"/>
+      </p:ext>
+    </p:extLst>
+  </p:cSld>
+  <p:clrMapOvr>
+    <a:masterClrMapping/>
+  </p:clrMapOvr>
+</p:sld>
+</file>
+
+<file path=ppt/slides/slide17.xml><?xml version="1.0" encoding="utf-8"?>
+<p:sld xmlns:a="http://schemas.openxmlformats.org/drawingml/2006/main" xmlns:r="http://schemas.openxmlformats.org/officeDocument/2006/relationships" xmlns:p="http://schemas.openxmlformats.org/presentationml/2006/main">
+  <p:cSld>
+    <p:spTree>
+      <p:nvGrpSpPr>
+        <p:cNvPr id="1" name=""/>
+        <p:cNvGrpSpPr/>
+        <p:nvPr/>
+      </p:nvGrpSpPr>
+      <p:grpSpPr>
+        <a:xfrm>
+          <a:off x="0" y="0"/>
+          <a:ext cx="0" cy="0"/>
+          <a:chOff x="0" y="0"/>
+          <a:chExt cx="0" cy="0"/>
+        </a:xfrm>
+      </p:grpSpPr>
+      <p:sp>
+        <p:nvSpPr>
+          <p:cNvPr id="3" name="Datumsplatzhalter 2">
+            <a:extLst>
+              <a:ext uri="{FF2B5EF4-FFF2-40B4-BE49-F238E27FC236}">
+                <a16:creationId xmlns:a16="http://schemas.microsoft.com/office/drawing/2014/main" id="{2A351964-2BB6-97F3-6B22-336C5567411D}"/>
+              </a:ext>
+            </a:extLst>
+          </p:cNvPr>
+          <p:cNvSpPr>
+            <a:spLocks noGrp="1"/>
+          </p:cNvSpPr>
+          <p:nvPr>
+            <p:ph type="dt" sz="half" idx="10"/>
+          </p:nvPr>
+        </p:nvSpPr>
+        <p:spPr/>
+        <p:txBody>
+          <a:bodyPr/>
+          <a:lstStyle/>
+          <a:p>
+            <a:fld id="{5C89B0C6-E378-43D9-87B6-F295F13B6DA2}" type="datetime4">
+              <a:rPr lang="de-DE" smtClean="0"/>
+              <a:t>15. Dezember 2022</a:t>
+            </a:fld>
+            <a:endParaRPr lang="de-DE" dirty="0"/>
+          </a:p>
+        </p:txBody>
+      </p:sp>
+      <p:sp>
+        <p:nvSpPr>
+          <p:cNvPr id="4" name="Fußzeilenplatzhalter 3">
+            <a:extLst>
+              <a:ext uri="{FF2B5EF4-FFF2-40B4-BE49-F238E27FC236}">
+                <a16:creationId xmlns:a16="http://schemas.microsoft.com/office/drawing/2014/main" id="{1408DCD8-0AA7-E516-1759-8D2382782060}"/>
+              </a:ext>
+            </a:extLst>
+          </p:cNvPr>
+          <p:cNvSpPr>
+            <a:spLocks noGrp="1"/>
+          </p:cNvSpPr>
+          <p:nvPr>
+            <p:ph type="ftr" sz="quarter" idx="11"/>
+          </p:nvPr>
+        </p:nvSpPr>
+        <p:spPr/>
+        <p:txBody>
+          <a:bodyPr/>
+          <a:lstStyle/>
+          <a:p>
+            <a:r>
+              <a:rPr lang="de-DE" dirty="0"/>
+              <a:t>Philippe Huber, </a:t>
+            </a:r>
+            <a:r>
+              <a:rPr lang="de-DE" b="1" dirty="0"/>
+              <a:t>Rene Jokiel</a:t>
+            </a:r>
+          </a:p>
+        </p:txBody>
+      </p:sp>
+      <p:sp>
+        <p:nvSpPr>
+          <p:cNvPr id="5" name="Foliennummernplatzhalter 4">
+            <a:extLst>
+              <a:ext uri="{FF2B5EF4-FFF2-40B4-BE49-F238E27FC236}">
+                <a16:creationId xmlns:a16="http://schemas.microsoft.com/office/drawing/2014/main" id="{7CC781B4-8E2A-7EAA-0553-BD86241E8C36}"/>
+              </a:ext>
+            </a:extLst>
+          </p:cNvPr>
+          <p:cNvSpPr>
+            <a:spLocks noGrp="1"/>
+          </p:cNvSpPr>
+          <p:nvPr>
+            <p:ph type="sldNum" sz="quarter" idx="12"/>
+          </p:nvPr>
+        </p:nvSpPr>
+        <p:spPr/>
+        <p:txBody>
+          <a:bodyPr/>
+          <a:lstStyle/>
+          <a:p>
+            <a:fld id="{D949F9DF-37BD-4CD6-BF49-65BA579E1D7A}" type="slidenum">
+              <a:rPr lang="de-DE" smtClean="0"/>
+              <a:pPr/>
+              <a:t>17</a:t>
+            </a:fld>
+            <a:endParaRPr lang="de-DE"/>
+          </a:p>
+        </p:txBody>
+      </p:sp>
+      <p:sp>
+        <p:nvSpPr>
+          <p:cNvPr id="2" name="Textplatzhalter 1">
+            <a:extLst>
+              <a:ext uri="{FF2B5EF4-FFF2-40B4-BE49-F238E27FC236}">
+                <a16:creationId xmlns:a16="http://schemas.microsoft.com/office/drawing/2014/main" id="{59DE7A27-14AD-4004-2A27-E615802DFDA4}"/>
+              </a:ext>
+            </a:extLst>
+          </p:cNvPr>
+          <p:cNvSpPr>
+            <a:spLocks noGrp="1"/>
+          </p:cNvSpPr>
+          <p:nvPr>
+            <p:ph type="body" sz="quarter" idx="37"/>
+          </p:nvPr>
+        </p:nvSpPr>
+        <p:spPr/>
+        <p:txBody>
+          <a:bodyPr/>
+          <a:lstStyle/>
+          <a:p>
+            <a:r>
+              <a:rPr lang="de-DE" sz="1800" u="sng" dirty="0"/>
+              <a:t>1. Datensatz mit bekannten </a:t>
+            </a:r>
+            <a:r>
+              <a:rPr lang="de-DE" sz="1800" u="sng" dirty="0" err="1"/>
+              <a:t>Biases</a:t>
+            </a:r>
+            <a:endParaRPr lang="de-DE" sz="1800" u="sng" dirty="0"/>
+          </a:p>
+          <a:p>
+            <a:r>
+              <a:rPr lang="de-DE" sz="1400" dirty="0"/>
+              <a:t>Der Datensatz wird dem Artefakt mit dem benötigten Kontext übergeben, das Ergebnis des Artefakts wird mit dem Metawissen über den Datensatz verglichen.</a:t>
+            </a:r>
+          </a:p>
+          <a:p>
+            <a:r>
+              <a:rPr lang="de-DE" sz="1400" dirty="0"/>
+              <a:t>Bsp. Wenn ein Datensatz Frauen bei Beförderungen benachteiligen sollte, wir überprüft, ob das Artefakt das auch herausfinden kann</a:t>
+            </a:r>
+          </a:p>
+        </p:txBody>
+      </p:sp>
+      <p:sp>
+        <p:nvSpPr>
+          <p:cNvPr id="8" name="Textplatzhalter 7">
+            <a:extLst>
+              <a:ext uri="{FF2B5EF4-FFF2-40B4-BE49-F238E27FC236}">
+                <a16:creationId xmlns:a16="http://schemas.microsoft.com/office/drawing/2014/main" id="{562E0F8F-00E0-2826-FBFA-E6581884CC87}"/>
+              </a:ext>
+            </a:extLst>
+          </p:cNvPr>
+          <p:cNvSpPr>
+            <a:spLocks noGrp="1"/>
+          </p:cNvSpPr>
+          <p:nvPr>
+            <p:ph type="body" sz="quarter" idx="39"/>
+          </p:nvPr>
+        </p:nvSpPr>
+        <p:spPr/>
+        <p:txBody>
+          <a:bodyPr/>
+          <a:lstStyle/>
+          <a:p>
+            <a:endParaRPr lang="de-DE" dirty="0"/>
+          </a:p>
+        </p:txBody>
+      </p:sp>
+      <p:sp>
+        <p:nvSpPr>
+          <p:cNvPr id="6" name="Titel 5">
+            <a:extLst>
+              <a:ext uri="{FF2B5EF4-FFF2-40B4-BE49-F238E27FC236}">
+                <a16:creationId xmlns:a16="http://schemas.microsoft.com/office/drawing/2014/main" id="{141A52E9-C3AF-262C-EBCF-F1578441CFAF}"/>
+              </a:ext>
+            </a:extLst>
+          </p:cNvPr>
+          <p:cNvSpPr>
+            <a:spLocks noGrp="1"/>
+          </p:cNvSpPr>
+          <p:nvPr>
+            <p:ph type="title"/>
+          </p:nvPr>
+        </p:nvSpPr>
+        <p:spPr/>
+        <p:txBody>
+          <a:bodyPr/>
+          <a:lstStyle/>
+          <a:p>
+            <a:r>
+              <a:rPr lang="de-DE" dirty="0"/>
+              <a:t>Insgesamt werden 3 verschiedene Experimentarten durchgeführt</a:t>
+            </a:r>
+          </a:p>
+        </p:txBody>
+      </p:sp>
+      <p:sp>
+        <p:nvSpPr>
+          <p:cNvPr id="7" name="Textplatzhalter 6">
+            <a:extLst>
+              <a:ext uri="{FF2B5EF4-FFF2-40B4-BE49-F238E27FC236}">
+                <a16:creationId xmlns:a16="http://schemas.microsoft.com/office/drawing/2014/main" id="{729D91F5-AF69-2294-FA98-A806524F9A08}"/>
+              </a:ext>
+            </a:extLst>
+          </p:cNvPr>
+          <p:cNvSpPr>
+            <a:spLocks noGrp="1"/>
+          </p:cNvSpPr>
+          <p:nvPr>
+            <p:ph type="body" sz="quarter" idx="13"/>
+          </p:nvPr>
+        </p:nvSpPr>
+        <p:spPr/>
+        <p:txBody>
+          <a:bodyPr/>
+          <a:lstStyle/>
+          <a:p>
+            <a:r>
+              <a:rPr lang="de-DE" dirty="0"/>
+              <a:t>Experimentarten</a:t>
+            </a:r>
+          </a:p>
+        </p:txBody>
+      </p:sp>
+      <p:sp>
+        <p:nvSpPr>
+          <p:cNvPr id="9" name="Textplatzhalter 8">
+            <a:extLst>
+              <a:ext uri="{FF2B5EF4-FFF2-40B4-BE49-F238E27FC236}">
+                <a16:creationId xmlns:a16="http://schemas.microsoft.com/office/drawing/2014/main" id="{83C1BF3B-BEAC-C014-D807-B06F45FFBF2D}"/>
+              </a:ext>
+            </a:extLst>
+          </p:cNvPr>
+          <p:cNvSpPr>
+            <a:spLocks noGrp="1"/>
+          </p:cNvSpPr>
+          <p:nvPr>
+            <p:ph type="body" sz="quarter" idx="40"/>
+          </p:nvPr>
+        </p:nvSpPr>
+        <p:spPr/>
+        <p:txBody>
+          <a:bodyPr/>
+          <a:lstStyle/>
+          <a:p>
+            <a:r>
+              <a:rPr lang="de-DE" sz="1800" u="sng" dirty="0"/>
+              <a:t>2. Datensatz mit bekannten </a:t>
+            </a:r>
+            <a:r>
+              <a:rPr lang="de-DE" sz="1800" u="sng" dirty="0" err="1"/>
+              <a:t>Biases</a:t>
+            </a:r>
+            <a:r>
+              <a:rPr lang="de-DE" sz="1800" u="sng" dirty="0"/>
+              <a:t> und bereinigte Version des Datensatzes</a:t>
+            </a:r>
+          </a:p>
+          <a:p>
+            <a:r>
+              <a:rPr lang="de-DE" sz="1400" dirty="0"/>
+              <a:t>Gleiches Prozedere wie bei der ersten Art, aber darauffolgend wird dem Artefakt noch eine bereinigte Version von dem Datensatz übergeben. Die beiden Ergebnisse werden danach verglichen.</a:t>
+            </a:r>
+          </a:p>
+          <a:p>
+            <a:r>
+              <a:rPr lang="de-DE" sz="1400" dirty="0"/>
+              <a:t>Bsp. Wenn ein Datensatz Frauen benachteiligt, der bereinigte Datensatz benachteiligt Frauen nicht mehr. Das Artefakt sollte bei beiden Datensätzen nicht das selbe Ergebnis liefern</a:t>
+            </a:r>
+          </a:p>
+        </p:txBody>
+      </p:sp>
+      <p:sp>
+        <p:nvSpPr>
+          <p:cNvPr id="10" name="Textplatzhalter 9">
+            <a:extLst>
+              <a:ext uri="{FF2B5EF4-FFF2-40B4-BE49-F238E27FC236}">
+                <a16:creationId xmlns:a16="http://schemas.microsoft.com/office/drawing/2014/main" id="{E9A932B5-760B-69D3-280A-45479359BD4D}"/>
+              </a:ext>
+            </a:extLst>
+          </p:cNvPr>
+          <p:cNvSpPr>
+            <a:spLocks noGrp="1"/>
+          </p:cNvSpPr>
+          <p:nvPr>
+            <p:ph type="body" sz="quarter" idx="41"/>
+          </p:nvPr>
+        </p:nvSpPr>
+        <p:spPr/>
+        <p:txBody>
+          <a:bodyPr/>
+          <a:lstStyle/>
+          <a:p>
+            <a:r>
+              <a:rPr lang="de-DE" sz="1800" u="sng" dirty="0"/>
+              <a:t>3. Datensatz ohne bekannten Bias</a:t>
+            </a:r>
+          </a:p>
+          <a:p>
+            <a:r>
+              <a:rPr lang="de-DE" sz="1400" dirty="0"/>
+              <a:t>Gleicher Ablauf wie bei der ersten Art, nur sind keine Metainformationen vorhanden. Die Ergebnisse werden dann erfasst.</a:t>
+            </a:r>
+            <a:endParaRPr lang="de-DE" dirty="0"/>
+          </a:p>
+        </p:txBody>
+      </p:sp>
+    </p:spTree>
+    <p:extLst>
+      <p:ext uri="{BB962C8B-B14F-4D97-AF65-F5344CB8AC3E}">
+        <p14:creationId xmlns:p14="http://schemas.microsoft.com/office/powerpoint/2010/main" val="3182649975"/>
+      </p:ext>
+    </p:extLst>
+  </p:cSld>
+  <p:clrMapOvr>
+    <a:masterClrMapping/>
+  </p:clrMapOvr>
+</p:sld>
+</file>
+
+<file path=ppt/slides/slide18.xml><?xml version="1.0" encoding="utf-8"?>
+<p:sld xmlns:a="http://schemas.openxmlformats.org/drawingml/2006/main" xmlns:r="http://schemas.openxmlformats.org/officeDocument/2006/relationships" xmlns:p="http://schemas.openxmlformats.org/presentationml/2006/main">
+  <p:cSld>
+    <p:spTree>
+      <p:nvGrpSpPr>
+        <p:cNvPr id="1" name=""/>
+        <p:cNvGrpSpPr/>
+        <p:nvPr/>
+      </p:nvGrpSpPr>
+      <p:grpSpPr>
+        <a:xfrm>
+          <a:off x="0" y="0"/>
+          <a:ext cx="0" cy="0"/>
+          <a:chOff x="0" y="0"/>
+          <a:chExt cx="0" cy="0"/>
+        </a:xfrm>
+      </p:grpSpPr>
+      <p:sp>
+        <p:nvSpPr>
+          <p:cNvPr id="21" name="Titel 20">
+            <a:extLst>
+              <a:ext uri="{FF2B5EF4-FFF2-40B4-BE49-F238E27FC236}">
+                <a16:creationId xmlns:a16="http://schemas.microsoft.com/office/drawing/2014/main" id="{3018BD05-96D8-43F2-A6AA-CC40E7C32CCE}"/>
+              </a:ext>
+            </a:extLst>
+          </p:cNvPr>
+          <p:cNvSpPr>
+            <a:spLocks noGrp="1"/>
+          </p:cNvSpPr>
+          <p:nvPr>
+            <p:ph type="title"/>
+          </p:nvPr>
+        </p:nvSpPr>
+        <p:spPr>
+          <a:xfrm>
+            <a:off x="518318" y="3152001"/>
+            <a:ext cx="11157743" cy="553998"/>
+          </a:xfrm>
+        </p:spPr>
+        <p:txBody>
+          <a:bodyPr/>
+          <a:lstStyle/>
+          <a:p>
+            <a:r>
+              <a:rPr lang="de-DE" dirty="0"/>
+              <a:t>6. Nächste Schritte</a:t>
+            </a:r>
+          </a:p>
+        </p:txBody>
+      </p:sp>
+      <p:sp>
+        <p:nvSpPr>
+          <p:cNvPr id="2" name="Datumsplatzhalter 1">
+            <a:extLst>
+              <a:ext uri="{FF2B5EF4-FFF2-40B4-BE49-F238E27FC236}">
+                <a16:creationId xmlns:a16="http://schemas.microsoft.com/office/drawing/2014/main" id="{FE7214E1-5D14-4D0B-BADD-2E239FECEC10}"/>
+              </a:ext>
+            </a:extLst>
+          </p:cNvPr>
+          <p:cNvSpPr>
+            <a:spLocks noGrp="1"/>
+          </p:cNvSpPr>
+          <p:nvPr>
+            <p:ph type="dt" sz="half" idx="10"/>
+          </p:nvPr>
+        </p:nvSpPr>
+        <p:spPr/>
+        <p:txBody>
+          <a:bodyPr/>
+          <a:lstStyle/>
+          <a:p>
+            <a:fld id="{D529D632-EE07-48FA-B475-B0D49CBC7F92}" type="datetime4">
+              <a:rPr lang="de-DE" smtClean="0"/>
+              <a:pPr/>
+              <a:t>15. Dezember 2022</a:t>
+            </a:fld>
+            <a:endParaRPr lang="de-DE" dirty="0"/>
+          </a:p>
+        </p:txBody>
+      </p:sp>
+      <p:sp>
+        <p:nvSpPr>
+          <p:cNvPr id="3" name="Fußzeilenplatzhalter 2">
+            <a:extLst>
+              <a:ext uri="{FF2B5EF4-FFF2-40B4-BE49-F238E27FC236}">
+                <a16:creationId xmlns:a16="http://schemas.microsoft.com/office/drawing/2014/main" id="{6A6AD034-0F65-47AF-9CAA-C4B0CEB30D4D}"/>
+              </a:ext>
+            </a:extLst>
+          </p:cNvPr>
+          <p:cNvSpPr>
+            <a:spLocks noGrp="1"/>
+          </p:cNvSpPr>
+          <p:nvPr>
+            <p:ph type="ftr" sz="quarter" idx="11"/>
+          </p:nvPr>
+        </p:nvSpPr>
+        <p:spPr/>
+        <p:txBody>
+          <a:bodyPr/>
+          <a:lstStyle/>
+          <a:p>
+            <a:r>
+              <a:rPr lang="de-DE" b="1" dirty="0"/>
+              <a:t>Philippe Huber</a:t>
+            </a:r>
+            <a:r>
+              <a:rPr lang="de-DE" dirty="0"/>
+              <a:t>, Rene Jokiel</a:t>
+            </a:r>
+          </a:p>
+        </p:txBody>
+      </p:sp>
+      <p:sp>
+        <p:nvSpPr>
+          <p:cNvPr id="4" name="Foliennummernplatzhalter 3">
+            <a:extLst>
+              <a:ext uri="{FF2B5EF4-FFF2-40B4-BE49-F238E27FC236}">
+                <a16:creationId xmlns:a16="http://schemas.microsoft.com/office/drawing/2014/main" id="{00F7E098-F740-40F7-A085-7034627D9148}"/>
+              </a:ext>
+            </a:extLst>
+          </p:cNvPr>
+          <p:cNvSpPr>
+            <a:spLocks noGrp="1"/>
+          </p:cNvSpPr>
+          <p:nvPr>
+            <p:ph type="sldNum" sz="quarter" idx="12"/>
+          </p:nvPr>
+        </p:nvSpPr>
+        <p:spPr/>
+        <p:txBody>
+          <a:bodyPr/>
+          <a:lstStyle/>
+          <a:p>
+            <a:fld id="{D949F9DF-37BD-4CD6-BF49-65BA579E1D7A}" type="slidenum">
+              <a:rPr lang="de-DE" smtClean="0"/>
+              <a:pPr/>
+              <a:t>18</a:t>
+            </a:fld>
+            <a:endParaRPr lang="de-DE"/>
+          </a:p>
+        </p:txBody>
+      </p:sp>
+    </p:spTree>
+    <p:extLst>
+      <p:ext uri="{BB962C8B-B14F-4D97-AF65-F5344CB8AC3E}">
+        <p14:creationId xmlns:p14="http://schemas.microsoft.com/office/powerpoint/2010/main" val="622162571"/>
+      </p:ext>
+    </p:extLst>
+  </p:cSld>
+  <p:clrMapOvr>
+    <a:masterClrMapping/>
+  </p:clrMapOvr>
+</p:sld>
+</file>
+
+<file path=ppt/slides/slide19.xml><?xml version="1.0" encoding="utf-8"?>
+<p:sld xmlns:a="http://schemas.openxmlformats.org/drawingml/2006/main" xmlns:r="http://schemas.openxmlformats.org/officeDocument/2006/relationships" xmlns:p="http://schemas.openxmlformats.org/presentationml/2006/main">
+  <p:cSld>
+    <p:spTree>
+      <p:nvGrpSpPr>
+        <p:cNvPr id="1" name=""/>
+        <p:cNvGrpSpPr/>
+        <p:nvPr/>
+      </p:nvGrpSpPr>
+      <p:grpSpPr>
+        <a:xfrm>
+          <a:off x="0" y="0"/>
+          <a:ext cx="0" cy="0"/>
+          <a:chOff x="0" y="0"/>
+          <a:chExt cx="0" cy="0"/>
+        </a:xfrm>
+      </p:grpSpPr>
+      <p:sp>
+        <p:nvSpPr>
+          <p:cNvPr id="3" name="Datumsplatzhalter 2">
+            <a:extLst>
+              <a:ext uri="{FF2B5EF4-FFF2-40B4-BE49-F238E27FC236}">
+                <a16:creationId xmlns:a16="http://schemas.microsoft.com/office/drawing/2014/main" id="{2A351964-2BB6-97F3-6B22-336C5567411D}"/>
+              </a:ext>
+            </a:extLst>
+          </p:cNvPr>
+          <p:cNvSpPr>
+            <a:spLocks noGrp="1"/>
+          </p:cNvSpPr>
+          <p:nvPr>
+            <p:ph type="dt" sz="half" idx="10"/>
+          </p:nvPr>
+        </p:nvSpPr>
+        <p:spPr/>
+        <p:txBody>
+          <a:bodyPr/>
+          <a:lstStyle/>
+          <a:p>
+            <a:fld id="{5C89B0C6-E378-43D9-87B6-F295F13B6DA2}" type="datetime4">
+              <a:rPr lang="de-DE" smtClean="0"/>
+              <a:t>15. Dezember 2022</a:t>
+            </a:fld>
+            <a:endParaRPr lang="de-DE" dirty="0"/>
+          </a:p>
+        </p:txBody>
+      </p:sp>
+      <p:sp>
+        <p:nvSpPr>
+          <p:cNvPr id="4" name="Fußzeilenplatzhalter 3">
+            <a:extLst>
+              <a:ext uri="{FF2B5EF4-FFF2-40B4-BE49-F238E27FC236}">
+                <a16:creationId xmlns:a16="http://schemas.microsoft.com/office/drawing/2014/main" id="{1408DCD8-0AA7-E516-1759-8D2382782060}"/>
+              </a:ext>
+            </a:extLst>
+          </p:cNvPr>
+          <p:cNvSpPr>
+            <a:spLocks noGrp="1"/>
+          </p:cNvSpPr>
+          <p:nvPr>
+            <p:ph type="ftr" sz="quarter" idx="11"/>
+          </p:nvPr>
+        </p:nvSpPr>
+        <p:spPr/>
+        <p:txBody>
+          <a:bodyPr/>
+          <a:lstStyle/>
+          <a:p>
+            <a:r>
+              <a:rPr lang="de-DE" b="1" dirty="0"/>
+              <a:t>Philippe Huber</a:t>
+            </a:r>
+            <a:r>
+              <a:rPr lang="de-DE" dirty="0"/>
+              <a:t>, Rene Jokiel</a:t>
+            </a:r>
+          </a:p>
+        </p:txBody>
+      </p:sp>
+      <p:sp>
+        <p:nvSpPr>
+          <p:cNvPr id="5" name="Foliennummernplatzhalter 4">
+            <a:extLst>
+              <a:ext uri="{FF2B5EF4-FFF2-40B4-BE49-F238E27FC236}">
+                <a16:creationId xmlns:a16="http://schemas.microsoft.com/office/drawing/2014/main" id="{7CC781B4-8E2A-7EAA-0553-BD86241E8C36}"/>
+              </a:ext>
+            </a:extLst>
+          </p:cNvPr>
+          <p:cNvSpPr>
+            <a:spLocks noGrp="1"/>
+          </p:cNvSpPr>
+          <p:nvPr>
+            <p:ph type="sldNum" sz="quarter" idx="12"/>
+          </p:nvPr>
+        </p:nvSpPr>
+        <p:spPr/>
+        <p:txBody>
+          <a:bodyPr/>
+          <a:lstStyle/>
+          <a:p>
+            <a:fld id="{D949F9DF-37BD-4CD6-BF49-65BA579E1D7A}" type="slidenum">
+              <a:rPr lang="de-DE" smtClean="0"/>
+              <a:pPr/>
+              <a:t>19</a:t>
+            </a:fld>
+            <a:endParaRPr lang="de-DE"/>
+          </a:p>
+        </p:txBody>
+      </p:sp>
+      <p:sp>
+        <p:nvSpPr>
+          <p:cNvPr id="6" name="Titel 5">
+            <a:extLst>
+              <a:ext uri="{FF2B5EF4-FFF2-40B4-BE49-F238E27FC236}">
+                <a16:creationId xmlns:a16="http://schemas.microsoft.com/office/drawing/2014/main" id="{141A52E9-C3AF-262C-EBCF-F1578441CFAF}"/>
+              </a:ext>
+            </a:extLst>
+          </p:cNvPr>
+          <p:cNvSpPr>
+            <a:spLocks noGrp="1"/>
+          </p:cNvSpPr>
+          <p:nvPr>
+            <p:ph type="title"/>
+          </p:nvPr>
+        </p:nvSpPr>
+        <p:spPr/>
+        <p:txBody>
+          <a:bodyPr/>
+          <a:lstStyle/>
+          <a:p>
+            <a:r>
+              <a:rPr lang="de-DE" dirty="0"/>
+              <a:t>Die Entwicklung des Artefaktes ist der unmittelbare nächste Schritt</a:t>
+            </a:r>
+          </a:p>
+        </p:txBody>
+      </p:sp>
+      <p:sp>
+        <p:nvSpPr>
+          <p:cNvPr id="7" name="Textplatzhalter 6">
+            <a:extLst>
+              <a:ext uri="{FF2B5EF4-FFF2-40B4-BE49-F238E27FC236}">
+                <a16:creationId xmlns:a16="http://schemas.microsoft.com/office/drawing/2014/main" id="{729D91F5-AF69-2294-FA98-A806524F9A08}"/>
+              </a:ext>
+            </a:extLst>
+          </p:cNvPr>
+          <p:cNvSpPr>
+            <a:spLocks noGrp="1"/>
+          </p:cNvSpPr>
+          <p:nvPr>
+            <p:ph type="body" sz="quarter" idx="13"/>
+          </p:nvPr>
+        </p:nvSpPr>
+        <p:spPr/>
+        <p:txBody>
+          <a:bodyPr/>
+          <a:lstStyle/>
+          <a:p>
+            <a:r>
+              <a:rPr lang="de-DE" dirty="0"/>
+              <a:t>Nächsten Schritte</a:t>
+            </a:r>
+          </a:p>
+        </p:txBody>
+      </p:sp>
+      <p:grpSp>
+        <p:nvGrpSpPr>
+          <p:cNvPr id="35" name="Gruppieren 34">
+            <a:extLst>
+              <a:ext uri="{FF2B5EF4-FFF2-40B4-BE49-F238E27FC236}">
+                <a16:creationId xmlns:a16="http://schemas.microsoft.com/office/drawing/2014/main" id="{58229E8D-80F3-2596-69C4-29C410B8EA36}"/>
+              </a:ext>
+            </a:extLst>
+          </p:cNvPr>
+          <p:cNvGrpSpPr/>
+          <p:nvPr/>
+        </p:nvGrpSpPr>
+        <p:grpSpPr>
+          <a:xfrm>
+            <a:off x="564166" y="3251743"/>
+            <a:ext cx="11063667" cy="797040"/>
+            <a:chOff x="612396" y="3535546"/>
+            <a:chExt cx="11063667" cy="797040"/>
+          </a:xfrm>
+        </p:grpSpPr>
+        <p:cxnSp>
+          <p:nvCxnSpPr>
+            <p:cNvPr id="21" name="Gerade Verbindung mit Pfeil 20">
+              <a:extLst>
+                <a:ext uri="{FF2B5EF4-FFF2-40B4-BE49-F238E27FC236}">
+                  <a16:creationId xmlns:a16="http://schemas.microsoft.com/office/drawing/2014/main" id="{7790DA9B-BCE9-D2CB-BB67-79B79F886AAE}"/>
+                </a:ext>
+              </a:extLst>
+            </p:cNvPr>
+            <p:cNvCxnSpPr>
+              <a:cxnSpLocks/>
+            </p:cNvCxnSpPr>
+            <p:nvPr/>
+          </p:nvCxnSpPr>
+          <p:spPr>
+            <a:xfrm>
+              <a:off x="612396" y="3942826"/>
+              <a:ext cx="11063667" cy="0"/>
+            </a:xfrm>
+            <a:prstGeom prst="straightConnector1">
+              <a:avLst/>
+            </a:prstGeom>
+            <a:ln w="57150">
+              <a:solidFill>
+                <a:srgbClr val="C50F3C"/>
+              </a:solidFill>
+              <a:tailEnd type="triangle"/>
+            </a:ln>
+          </p:spPr>
+          <p:style>
+            <a:lnRef idx="1">
+              <a:schemeClr val="accent3"/>
+            </a:lnRef>
+            <a:fillRef idx="0">
+              <a:schemeClr val="accent3"/>
+            </a:fillRef>
+            <a:effectRef idx="0">
+              <a:schemeClr val="accent3"/>
+            </a:effectRef>
+            <a:fontRef idx="minor">
+              <a:schemeClr val="tx1"/>
+            </a:fontRef>
+          </p:style>
+        </p:cxnSp>
+        <p:sp>
+          <p:nvSpPr>
+            <p:cNvPr id="23" name="Rechteck 22">
+              <a:extLst>
+                <a:ext uri="{FF2B5EF4-FFF2-40B4-BE49-F238E27FC236}">
+                  <a16:creationId xmlns:a16="http://schemas.microsoft.com/office/drawing/2014/main" id="{19C97860-4F65-FE5E-0536-70DF6709F518}"/>
+                </a:ext>
+              </a:extLst>
+            </p:cNvPr>
+            <p:cNvSpPr/>
+            <p:nvPr/>
+          </p:nvSpPr>
+          <p:spPr>
+            <a:xfrm>
+              <a:off x="1181450" y="3570586"/>
+              <a:ext cx="1523650" cy="762000"/>
+            </a:xfrm>
+            <a:prstGeom prst="rect">
+              <a:avLst/>
+            </a:prstGeom>
+            <a:solidFill>
+              <a:schemeClr val="accent3"/>
+            </a:solidFill>
+            <a:ln>
+              <a:noFill/>
+            </a:ln>
+          </p:spPr>
+          <p:style>
+            <a:lnRef idx="0">
+              <a:scrgbClr r="0" g="0" b="0"/>
+            </a:lnRef>
+            <a:fillRef idx="0">
+              <a:scrgbClr r="0" g="0" b="0"/>
+            </a:fillRef>
+            <a:effectRef idx="0">
+              <a:scrgbClr r="0" g="0" b="0"/>
+            </a:effectRef>
+            <a:fontRef idx="minor">
+              <a:schemeClr val="lt1"/>
+            </a:fontRef>
+          </p:style>
+          <p:txBody>
+            <a:bodyPr lIns="180000" tIns="180000" rIns="180000" bIns="180000" rtlCol="0" anchor="ctr"/>
+            <a:lstStyle/>
+            <a:p>
+              <a:pPr marL="0" marR="0" indent="0" algn="ctr" defTabSz="914400" rtl="0" eaLnBrk="1" fontAlgn="auto" latinLnBrk="0" hangingPunct="1">
+                <a:lnSpc>
+                  <a:spcPct val="110000"/>
+                </a:lnSpc>
+                <a:spcBef>
+                  <a:spcPts val="0"/>
+                </a:spcBef>
+                <a:spcAft>
+                  <a:spcPts val="1200"/>
+                </a:spcAft>
+                <a:buClrTx/>
+                <a:buSzTx/>
+                <a:buFont typeface="Arial" panose="020B0604020202020204" pitchFamily="34" charset="0"/>
+                <a:buNone/>
+                <a:tabLst/>
+              </a:pPr>
+              <a:r>
+                <a:rPr kumimoji="0" lang="de-DE" sz="1600" b="0" i="0" u="none" strike="noStrike" kern="1200" cap="none" spc="0" normalizeH="0" baseline="0" noProof="0" dirty="0">
+                  <a:ln>
+                    <a:noFill/>
+                  </a:ln>
+                  <a:solidFill>
+                    <a:schemeClr val="bg1"/>
+                  </a:solidFill>
+                  <a:effectLst/>
+                  <a:uLnTx/>
+                  <a:uFillTx/>
+                  <a:latin typeface="Arial"/>
+                  <a:ea typeface="+mn-ea"/>
+                  <a:cs typeface="+mn-cs"/>
+                </a:rPr>
+                <a:t>Entwicklung des Artefaktes</a:t>
+              </a:r>
+            </a:p>
+          </p:txBody>
+        </p:sp>
+        <p:sp>
+          <p:nvSpPr>
+            <p:cNvPr id="31" name="Rechteck 30">
+              <a:extLst>
+                <a:ext uri="{FF2B5EF4-FFF2-40B4-BE49-F238E27FC236}">
+                  <a16:creationId xmlns:a16="http://schemas.microsoft.com/office/drawing/2014/main" id="{AE98B4C6-F5D1-E47D-43FF-58BB231A4374}"/>
+                </a:ext>
+              </a:extLst>
+            </p:cNvPr>
+            <p:cNvSpPr/>
+            <p:nvPr/>
+          </p:nvSpPr>
+          <p:spPr>
+            <a:xfrm>
+              <a:off x="3274154" y="3561826"/>
+              <a:ext cx="1523650" cy="762000"/>
+            </a:xfrm>
+            <a:prstGeom prst="rect">
+              <a:avLst/>
+            </a:prstGeom>
+            <a:solidFill>
+              <a:schemeClr val="accent3"/>
+            </a:solidFill>
+            <a:ln>
+              <a:noFill/>
+            </a:ln>
+          </p:spPr>
+          <p:style>
+            <a:lnRef idx="0">
+              <a:scrgbClr r="0" g="0" b="0"/>
+            </a:lnRef>
+            <a:fillRef idx="0">
+              <a:scrgbClr r="0" g="0" b="0"/>
+            </a:fillRef>
+            <a:effectRef idx="0">
+              <a:scrgbClr r="0" g="0" b="0"/>
+            </a:effectRef>
+            <a:fontRef idx="minor">
+              <a:schemeClr val="lt1"/>
+            </a:fontRef>
+          </p:style>
+          <p:txBody>
+            <a:bodyPr lIns="180000" tIns="180000" rIns="180000" bIns="180000" rtlCol="0" anchor="ctr"/>
+            <a:lstStyle/>
+            <a:p>
+              <a:pPr marL="0" marR="0" indent="0" algn="ctr" defTabSz="914400" rtl="0" eaLnBrk="1" fontAlgn="auto" latinLnBrk="0" hangingPunct="1">
+                <a:lnSpc>
+                  <a:spcPct val="110000"/>
+                </a:lnSpc>
+                <a:spcBef>
+                  <a:spcPts val="0"/>
+                </a:spcBef>
+                <a:spcAft>
+                  <a:spcPts val="1200"/>
+                </a:spcAft>
+                <a:buClrTx/>
+                <a:buSzTx/>
+                <a:buFont typeface="Arial" panose="020B0604020202020204" pitchFamily="34" charset="0"/>
+                <a:buNone/>
+                <a:tabLst/>
+              </a:pPr>
+              <a:r>
+                <a:rPr lang="de-DE" sz="1600" dirty="0">
+                  <a:solidFill>
+                    <a:schemeClr val="bg1"/>
+                  </a:solidFill>
+                  <a:latin typeface="Arial"/>
+                </a:rPr>
+                <a:t>Experiment 1</a:t>
+              </a:r>
+              <a:endParaRPr kumimoji="0" lang="de-DE" sz="1600" b="0" i="0" u="none" strike="noStrike" kern="1200" cap="none" spc="0" normalizeH="0" baseline="0" noProof="0" dirty="0">
+                <a:ln>
+                  <a:noFill/>
+                </a:ln>
+                <a:solidFill>
+                  <a:schemeClr val="bg1"/>
+                </a:solidFill>
+                <a:effectLst/>
+                <a:uLnTx/>
+                <a:uFillTx/>
+                <a:latin typeface="Arial"/>
+                <a:ea typeface="+mn-ea"/>
+                <a:cs typeface="+mn-cs"/>
+              </a:endParaRPr>
+            </a:p>
+          </p:txBody>
+        </p:sp>
+        <p:sp>
+          <p:nvSpPr>
+            <p:cNvPr id="32" name="Rechteck 31">
+              <a:extLst>
+                <a:ext uri="{FF2B5EF4-FFF2-40B4-BE49-F238E27FC236}">
+                  <a16:creationId xmlns:a16="http://schemas.microsoft.com/office/drawing/2014/main" id="{02E1C985-BA9F-77CD-EE24-2617C988852D}"/>
+                </a:ext>
+              </a:extLst>
+            </p:cNvPr>
+            <p:cNvSpPr/>
+            <p:nvPr/>
+          </p:nvSpPr>
+          <p:spPr>
+            <a:xfrm>
+              <a:off x="5366858" y="3553066"/>
+              <a:ext cx="1523650" cy="762000"/>
+            </a:xfrm>
+            <a:prstGeom prst="rect">
+              <a:avLst/>
+            </a:prstGeom>
+            <a:solidFill>
+              <a:schemeClr val="accent3"/>
+            </a:solidFill>
+            <a:ln>
+              <a:noFill/>
+            </a:ln>
+          </p:spPr>
+          <p:style>
+            <a:lnRef idx="0">
+              <a:scrgbClr r="0" g="0" b="0"/>
+            </a:lnRef>
+            <a:fillRef idx="0">
+              <a:scrgbClr r="0" g="0" b="0"/>
+            </a:fillRef>
+            <a:effectRef idx="0">
+              <a:scrgbClr r="0" g="0" b="0"/>
+            </a:effectRef>
+            <a:fontRef idx="minor">
+              <a:schemeClr val="lt1"/>
+            </a:fontRef>
+          </p:style>
+          <p:txBody>
+            <a:bodyPr lIns="180000" tIns="180000" rIns="180000" bIns="180000" rtlCol="0" anchor="ctr"/>
+            <a:lstStyle/>
+            <a:p>
+              <a:pPr marL="0" marR="0" indent="0" algn="ctr" defTabSz="914400" rtl="0" eaLnBrk="1" fontAlgn="auto" latinLnBrk="0" hangingPunct="1">
+                <a:lnSpc>
+                  <a:spcPct val="110000"/>
+                </a:lnSpc>
+                <a:spcBef>
+                  <a:spcPts val="0"/>
+                </a:spcBef>
+                <a:spcAft>
+                  <a:spcPts val="1200"/>
+                </a:spcAft>
+                <a:buClrTx/>
+                <a:buSzTx/>
+                <a:buFont typeface="Arial" panose="020B0604020202020204" pitchFamily="34" charset="0"/>
+                <a:buNone/>
+                <a:tabLst/>
+              </a:pPr>
+              <a:r>
+                <a:rPr kumimoji="0" lang="de-DE" sz="1600" b="0" i="0" u="none" strike="noStrike" kern="1200" cap="none" spc="0" normalizeH="0" baseline="0" noProof="0" dirty="0">
+                  <a:ln>
+                    <a:noFill/>
+                  </a:ln>
+                  <a:solidFill>
+                    <a:schemeClr val="bg1"/>
+                  </a:solidFill>
+                  <a:effectLst/>
+                  <a:uLnTx/>
+                  <a:uFillTx/>
+                  <a:latin typeface="Arial"/>
+                  <a:ea typeface="+mn-ea"/>
+                  <a:cs typeface="+mn-cs"/>
+                </a:rPr>
+                <a:t>Experiment 2</a:t>
+              </a:r>
+            </a:p>
+          </p:txBody>
+        </p:sp>
+        <p:sp>
+          <p:nvSpPr>
+            <p:cNvPr id="33" name="Rechteck 32">
+              <a:extLst>
+                <a:ext uri="{FF2B5EF4-FFF2-40B4-BE49-F238E27FC236}">
+                  <a16:creationId xmlns:a16="http://schemas.microsoft.com/office/drawing/2014/main" id="{06AFE7F3-7B8F-CF4E-1D40-4AAA2FD9BE32}"/>
+                </a:ext>
+              </a:extLst>
+            </p:cNvPr>
+            <p:cNvSpPr/>
+            <p:nvPr/>
+          </p:nvSpPr>
+          <p:spPr>
+            <a:xfrm>
+              <a:off x="7459562" y="3544306"/>
+              <a:ext cx="1523650" cy="762000"/>
+            </a:xfrm>
+            <a:prstGeom prst="rect">
+              <a:avLst/>
+            </a:prstGeom>
+            <a:solidFill>
+              <a:schemeClr val="accent3"/>
+            </a:solidFill>
+            <a:ln>
+              <a:noFill/>
+            </a:ln>
+          </p:spPr>
+          <p:style>
+            <a:lnRef idx="0">
+              <a:scrgbClr r="0" g="0" b="0"/>
+            </a:lnRef>
+            <a:fillRef idx="0">
+              <a:scrgbClr r="0" g="0" b="0"/>
+            </a:fillRef>
+            <a:effectRef idx="0">
+              <a:scrgbClr r="0" g="0" b="0"/>
+            </a:effectRef>
+            <a:fontRef idx="minor">
+              <a:schemeClr val="lt1"/>
+            </a:fontRef>
+          </p:style>
+          <p:txBody>
+            <a:bodyPr lIns="180000" tIns="180000" rIns="180000" bIns="180000" rtlCol="0" anchor="ctr"/>
+            <a:lstStyle/>
+            <a:p>
+              <a:pPr marL="0" marR="0" indent="0" algn="ctr" defTabSz="914400" rtl="0" eaLnBrk="1" fontAlgn="auto" latinLnBrk="0" hangingPunct="1">
+                <a:lnSpc>
+                  <a:spcPct val="110000"/>
+                </a:lnSpc>
+                <a:spcBef>
+                  <a:spcPts val="0"/>
+                </a:spcBef>
+                <a:spcAft>
+                  <a:spcPts val="1200"/>
+                </a:spcAft>
+                <a:buClrTx/>
+                <a:buSzTx/>
+                <a:buFont typeface="Arial" panose="020B0604020202020204" pitchFamily="34" charset="0"/>
+                <a:buNone/>
+                <a:tabLst/>
+              </a:pPr>
+              <a:r>
+                <a:rPr kumimoji="0" lang="de-DE" sz="1600" b="0" i="0" u="none" strike="noStrike" kern="1200" cap="none" spc="0" normalizeH="0" baseline="0" noProof="0" dirty="0">
+                  <a:ln>
+                    <a:noFill/>
+                  </a:ln>
+                  <a:solidFill>
+                    <a:schemeClr val="bg1"/>
+                  </a:solidFill>
+                  <a:effectLst/>
+                  <a:uLnTx/>
+                  <a:uFillTx/>
+                  <a:latin typeface="Arial"/>
+                  <a:ea typeface="+mn-ea"/>
+                  <a:cs typeface="+mn-cs"/>
+                </a:rPr>
+                <a:t>Experiment 3</a:t>
+              </a:r>
+            </a:p>
+          </p:txBody>
+        </p:sp>
+        <p:sp>
+          <p:nvSpPr>
+            <p:cNvPr id="34" name="Rechteck 33">
+              <a:extLst>
+                <a:ext uri="{FF2B5EF4-FFF2-40B4-BE49-F238E27FC236}">
+                  <a16:creationId xmlns:a16="http://schemas.microsoft.com/office/drawing/2014/main" id="{7FBCE997-9234-CB10-579A-186E71222A99}"/>
+                </a:ext>
+              </a:extLst>
+            </p:cNvPr>
+            <p:cNvSpPr/>
+            <p:nvPr/>
+          </p:nvSpPr>
+          <p:spPr>
+            <a:xfrm>
+              <a:off x="9552266" y="3535546"/>
+              <a:ext cx="1523650" cy="762000"/>
+            </a:xfrm>
+            <a:prstGeom prst="rect">
+              <a:avLst/>
+            </a:prstGeom>
+            <a:solidFill>
+              <a:schemeClr val="accent3"/>
+            </a:solidFill>
+            <a:ln>
+              <a:noFill/>
+            </a:ln>
+          </p:spPr>
+          <p:style>
+            <a:lnRef idx="0">
+              <a:scrgbClr r="0" g="0" b="0"/>
+            </a:lnRef>
+            <a:fillRef idx="0">
+              <a:scrgbClr r="0" g="0" b="0"/>
+            </a:fillRef>
+            <a:effectRef idx="0">
+              <a:scrgbClr r="0" g="0" b="0"/>
+            </a:effectRef>
+            <a:fontRef idx="minor">
+              <a:schemeClr val="lt1"/>
+            </a:fontRef>
+          </p:style>
+          <p:txBody>
+            <a:bodyPr lIns="180000" tIns="180000" rIns="180000" bIns="180000" rtlCol="0" anchor="ctr"/>
+            <a:lstStyle/>
+            <a:p>
+              <a:pPr marL="0" marR="0" indent="0" algn="ctr" defTabSz="914400" rtl="0" eaLnBrk="1" fontAlgn="auto" latinLnBrk="0" hangingPunct="1">
+                <a:lnSpc>
+                  <a:spcPct val="110000"/>
+                </a:lnSpc>
+                <a:spcBef>
+                  <a:spcPts val="0"/>
+                </a:spcBef>
+                <a:spcAft>
+                  <a:spcPts val="1200"/>
+                </a:spcAft>
+                <a:buClrTx/>
+                <a:buSzTx/>
+                <a:buFont typeface="Arial" panose="020B0604020202020204" pitchFamily="34" charset="0"/>
+                <a:buNone/>
+                <a:tabLst/>
+              </a:pPr>
+              <a:r>
+                <a:rPr kumimoji="0" lang="de-DE" sz="1600" b="0" i="0" u="none" strike="noStrike" kern="1200" cap="none" spc="0" normalizeH="0" baseline="0" noProof="0" dirty="0">
+                  <a:ln>
+                    <a:noFill/>
+                  </a:ln>
+                  <a:solidFill>
+                    <a:schemeClr val="bg1"/>
+                  </a:solidFill>
+                  <a:effectLst/>
+                  <a:uLnTx/>
+                  <a:uFillTx/>
+                  <a:latin typeface="Arial"/>
+                  <a:ea typeface="+mn-ea"/>
+                  <a:cs typeface="+mn-cs"/>
+                </a:rPr>
+                <a:t>Auswertung der Experimente</a:t>
+              </a:r>
+            </a:p>
+          </p:txBody>
+        </p:sp>
+      </p:grpSp>
+    </p:spTree>
+    <p:extLst>
+      <p:ext uri="{BB962C8B-B14F-4D97-AF65-F5344CB8AC3E}">
+        <p14:creationId xmlns:p14="http://schemas.microsoft.com/office/powerpoint/2010/main" val="832064429"/>
+      </p:ext>
+    </p:extLst>
+  </p:cSld>
+  <p:clrMapOvr>
+    <a:masterClrMapping/>
+  </p:clrMapOvr>
+</p:sld>
+</file>
+
+<file path=ppt/slides/slide2.xml><?xml version="1.0" encoding="utf-8"?>
+<p:sld xmlns:a="http://schemas.openxmlformats.org/drawingml/2006/main" xmlns:r="http://schemas.openxmlformats.org/officeDocument/2006/relationships" xmlns:p="http://schemas.openxmlformats.org/presentationml/2006/main">
+  <p:cSld>
+    <p:spTree>
+      <p:nvGrpSpPr>
+        <p:cNvPr id="1" name=""/>
+        <p:cNvGrpSpPr/>
+        <p:nvPr/>
+      </p:nvGrpSpPr>
+      <p:grpSpPr>
+        <a:xfrm>
+          <a:off x="0" y="0"/>
+          <a:ext cx="0" cy="0"/>
+          <a:chOff x="0" y="0"/>
+          <a:chExt cx="0" cy="0"/>
+        </a:xfrm>
+      </p:grpSpPr>
+      <p:sp>
+        <p:nvSpPr>
+          <p:cNvPr id="2" name="Datumsplatzhalter 1">
+            <a:extLst>
+              <a:ext uri="{FF2B5EF4-FFF2-40B4-BE49-F238E27FC236}">
+                <a16:creationId xmlns:a16="http://schemas.microsoft.com/office/drawing/2014/main" id="{21D4C28D-2E53-7C81-9018-F3C4A48D51F5}"/>
+              </a:ext>
+            </a:extLst>
+          </p:cNvPr>
+          <p:cNvSpPr>
+            <a:spLocks noGrp="1"/>
+          </p:cNvSpPr>
+          <p:nvPr>
+            <p:ph type="dt" sz="half" idx="10"/>
+          </p:nvPr>
+        </p:nvSpPr>
+        <p:spPr/>
+        <p:txBody>
+          <a:bodyPr/>
+          <a:lstStyle/>
+          <a:p>
+            <a:fld id="{974F31EF-6EA6-4A24-8992-69DC7A69151C}" type="datetime4">
+              <a:rPr lang="de-DE" smtClean="0"/>
+              <a:t>15. Dezember 2022</a:t>
+            </a:fld>
+            <a:endParaRPr lang="de-DE"/>
+          </a:p>
+        </p:txBody>
+      </p:sp>
+      <p:sp>
+        <p:nvSpPr>
+          <p:cNvPr id="3" name="Fußzeilenplatzhalter 2">
+            <a:extLst>
+              <a:ext uri="{FF2B5EF4-FFF2-40B4-BE49-F238E27FC236}">
+                <a16:creationId xmlns:a16="http://schemas.microsoft.com/office/drawing/2014/main" id="{40529BE8-B3E7-6F8E-75C5-E65F23C88A61}"/>
+              </a:ext>
+            </a:extLst>
+          </p:cNvPr>
+          <p:cNvSpPr>
+            <a:spLocks noGrp="1"/>
+          </p:cNvSpPr>
+          <p:nvPr>
+            <p:ph type="ftr" sz="quarter" idx="11"/>
+          </p:nvPr>
+        </p:nvSpPr>
+        <p:spPr/>
+        <p:txBody>
+          <a:bodyPr/>
+          <a:lstStyle/>
+          <a:p>
+            <a:r>
+              <a:rPr lang="de-DE"/>
+              <a:t>Wirtschafts- und Sozialwissenschaften | WiSo</a:t>
+            </a:r>
+          </a:p>
+        </p:txBody>
+      </p:sp>
+      <p:sp>
+        <p:nvSpPr>
+          <p:cNvPr id="4" name="Foliennummernplatzhalter 3">
+            <a:extLst>
+              <a:ext uri="{FF2B5EF4-FFF2-40B4-BE49-F238E27FC236}">
+                <a16:creationId xmlns:a16="http://schemas.microsoft.com/office/drawing/2014/main" id="{6EB0CA80-A177-60A5-F0A8-6410CA27F9C9}"/>
+              </a:ext>
+            </a:extLst>
+          </p:cNvPr>
+          <p:cNvSpPr>
+            <a:spLocks noGrp="1"/>
+          </p:cNvSpPr>
+          <p:nvPr>
+            <p:ph type="sldNum" sz="quarter" idx="12"/>
+          </p:nvPr>
+        </p:nvSpPr>
+        <p:spPr/>
+        <p:txBody>
+          <a:bodyPr/>
+          <a:lstStyle/>
+          <a:p>
+            <a:fld id="{D949F9DF-37BD-4CD6-BF49-65BA579E1D7A}" type="slidenum">
+              <a:rPr lang="de-DE" smtClean="0"/>
+              <a:pPr/>
+              <a:t>2</a:t>
+            </a:fld>
+            <a:endParaRPr lang="de-DE"/>
+          </a:p>
+        </p:txBody>
+      </p:sp>
+      <p:sp>
+        <p:nvSpPr>
+          <p:cNvPr id="5" name="Textplatzhalter 4">
+            <a:extLst>
+              <a:ext uri="{FF2B5EF4-FFF2-40B4-BE49-F238E27FC236}">
+                <a16:creationId xmlns:a16="http://schemas.microsoft.com/office/drawing/2014/main" id="{CF87EB5A-FD3F-8C3E-33D0-00BA8FFB2F2B}"/>
+              </a:ext>
+            </a:extLst>
+          </p:cNvPr>
+          <p:cNvSpPr>
+            <a:spLocks noGrp="1"/>
+          </p:cNvSpPr>
+          <p:nvPr>
+            <p:ph type="body" sz="quarter" idx="15"/>
+          </p:nvPr>
+        </p:nvSpPr>
+        <p:spPr/>
+        <p:txBody>
+          <a:bodyPr/>
+          <a:lstStyle/>
+          <a:p>
+            <a:r>
+              <a:rPr lang="de-DE" dirty="0"/>
+              <a:t>Stand der Wissenschaft</a:t>
+            </a:r>
+          </a:p>
+        </p:txBody>
+      </p:sp>
+      <p:sp>
+        <p:nvSpPr>
+          <p:cNvPr id="6" name="Textplatzhalter 5">
+            <a:extLst>
+              <a:ext uri="{FF2B5EF4-FFF2-40B4-BE49-F238E27FC236}">
+                <a16:creationId xmlns:a16="http://schemas.microsoft.com/office/drawing/2014/main" id="{C612314F-BD31-EFD7-402A-509482CD85CE}"/>
+              </a:ext>
+            </a:extLst>
+          </p:cNvPr>
+          <p:cNvSpPr>
+            <a:spLocks noGrp="1"/>
+          </p:cNvSpPr>
+          <p:nvPr>
+            <p:ph type="body" sz="quarter" idx="16"/>
+          </p:nvPr>
+        </p:nvSpPr>
+        <p:spPr/>
+        <p:txBody>
+          <a:bodyPr/>
+          <a:lstStyle/>
+          <a:p>
+            <a:r>
+              <a:rPr lang="de-DE" dirty="0"/>
+              <a:t>2.</a:t>
+            </a:r>
+          </a:p>
+        </p:txBody>
+      </p:sp>
+      <p:sp>
+        <p:nvSpPr>
+          <p:cNvPr id="7" name="Textplatzhalter 6">
+            <a:extLst>
+              <a:ext uri="{FF2B5EF4-FFF2-40B4-BE49-F238E27FC236}">
+                <a16:creationId xmlns:a16="http://schemas.microsoft.com/office/drawing/2014/main" id="{07FE7A72-F751-9E00-F109-616FB85D851F}"/>
+              </a:ext>
+            </a:extLst>
+          </p:cNvPr>
+          <p:cNvSpPr>
+            <a:spLocks noGrp="1"/>
+          </p:cNvSpPr>
+          <p:nvPr>
+            <p:ph type="body" sz="quarter" idx="17"/>
+          </p:nvPr>
+        </p:nvSpPr>
+        <p:spPr/>
+        <p:txBody>
+          <a:bodyPr/>
+          <a:lstStyle/>
+          <a:p>
+            <a:r>
+              <a:rPr lang="de-DE" dirty="0"/>
+              <a:t>Experimente</a:t>
+            </a:r>
+          </a:p>
+        </p:txBody>
+      </p:sp>
+      <p:sp>
+        <p:nvSpPr>
+          <p:cNvPr id="8" name="Textplatzhalter 7">
+            <a:extLst>
+              <a:ext uri="{FF2B5EF4-FFF2-40B4-BE49-F238E27FC236}">
+                <a16:creationId xmlns:a16="http://schemas.microsoft.com/office/drawing/2014/main" id="{0D5C2863-C71D-B54E-19B5-D17F07F19B34}"/>
+              </a:ext>
+            </a:extLst>
+          </p:cNvPr>
+          <p:cNvSpPr>
+            <a:spLocks noGrp="1"/>
+          </p:cNvSpPr>
+          <p:nvPr>
+            <p:ph type="body" sz="quarter" idx="18"/>
+          </p:nvPr>
+        </p:nvSpPr>
+        <p:spPr/>
+        <p:txBody>
+          <a:bodyPr/>
+          <a:lstStyle/>
+          <a:p>
+            <a:r>
+              <a:rPr lang="de-DE" dirty="0"/>
+              <a:t>5.</a:t>
+            </a:r>
+          </a:p>
+        </p:txBody>
+      </p:sp>
+      <p:sp>
+        <p:nvSpPr>
+          <p:cNvPr id="9" name="Textplatzhalter 8">
+            <a:extLst>
+              <a:ext uri="{FF2B5EF4-FFF2-40B4-BE49-F238E27FC236}">
+                <a16:creationId xmlns:a16="http://schemas.microsoft.com/office/drawing/2014/main" id="{C805D365-DE8E-51EA-0018-845BD65916A0}"/>
+              </a:ext>
+            </a:extLst>
+          </p:cNvPr>
+          <p:cNvSpPr>
+            <a:spLocks noGrp="1"/>
+          </p:cNvSpPr>
+          <p:nvPr>
+            <p:ph type="body" sz="quarter" idx="19"/>
+          </p:nvPr>
+        </p:nvSpPr>
+        <p:spPr/>
+        <p:txBody>
+          <a:bodyPr/>
+          <a:lstStyle/>
+          <a:p>
+            <a:r>
+              <a:rPr lang="de-DE" dirty="0"/>
+              <a:t>Forschungsfrage</a:t>
+            </a:r>
+          </a:p>
+        </p:txBody>
+      </p:sp>
+      <p:sp>
+        <p:nvSpPr>
+          <p:cNvPr id="10" name="Textplatzhalter 9">
+            <a:extLst>
+              <a:ext uri="{FF2B5EF4-FFF2-40B4-BE49-F238E27FC236}">
+                <a16:creationId xmlns:a16="http://schemas.microsoft.com/office/drawing/2014/main" id="{9A72ECE4-D1A1-A160-3513-79025AA1E3C7}"/>
+              </a:ext>
+            </a:extLst>
+          </p:cNvPr>
+          <p:cNvSpPr>
+            <a:spLocks noGrp="1"/>
+          </p:cNvSpPr>
+          <p:nvPr>
+            <p:ph type="body" sz="quarter" idx="20"/>
+          </p:nvPr>
+        </p:nvSpPr>
+        <p:spPr/>
+        <p:txBody>
+          <a:bodyPr/>
+          <a:lstStyle/>
+          <a:p>
+            <a:r>
+              <a:rPr lang="de-DE" dirty="0"/>
+              <a:t>3.</a:t>
+            </a:r>
+          </a:p>
+        </p:txBody>
+      </p:sp>
+      <p:sp>
+        <p:nvSpPr>
+          <p:cNvPr id="11" name="Textplatzhalter 10">
+            <a:extLst>
+              <a:ext uri="{FF2B5EF4-FFF2-40B4-BE49-F238E27FC236}">
+                <a16:creationId xmlns:a16="http://schemas.microsoft.com/office/drawing/2014/main" id="{42CCD047-C9CF-DCCE-4429-9D77B6E35963}"/>
+              </a:ext>
+            </a:extLst>
+          </p:cNvPr>
+          <p:cNvSpPr>
+            <a:spLocks noGrp="1"/>
+          </p:cNvSpPr>
+          <p:nvPr>
+            <p:ph type="body" sz="quarter" idx="21"/>
+          </p:nvPr>
+        </p:nvSpPr>
+        <p:spPr/>
+        <p:txBody>
+          <a:bodyPr/>
+          <a:lstStyle/>
+          <a:p>
+            <a:r>
+              <a:rPr lang="de-DE" dirty="0"/>
+              <a:t>Artefakt</a:t>
+            </a:r>
+          </a:p>
+        </p:txBody>
+      </p:sp>
+      <p:sp>
+        <p:nvSpPr>
+          <p:cNvPr id="12" name="Textplatzhalter 11">
+            <a:extLst>
+              <a:ext uri="{FF2B5EF4-FFF2-40B4-BE49-F238E27FC236}">
+                <a16:creationId xmlns:a16="http://schemas.microsoft.com/office/drawing/2014/main" id="{F199FB67-9CB1-EBFC-4E29-18ED1CC8C748}"/>
+              </a:ext>
+            </a:extLst>
+          </p:cNvPr>
+          <p:cNvSpPr>
+            <a:spLocks noGrp="1"/>
+          </p:cNvSpPr>
+          <p:nvPr>
+            <p:ph type="body" sz="quarter" idx="22"/>
+          </p:nvPr>
+        </p:nvSpPr>
+        <p:spPr/>
+        <p:txBody>
+          <a:bodyPr/>
+          <a:lstStyle/>
+          <a:p>
+            <a:r>
+              <a:rPr lang="de-DE" dirty="0"/>
+              <a:t>4.</a:t>
+            </a:r>
+          </a:p>
+        </p:txBody>
+      </p:sp>
+      <p:sp>
+        <p:nvSpPr>
+          <p:cNvPr id="13" name="Textplatzhalter 12">
+            <a:extLst>
+              <a:ext uri="{FF2B5EF4-FFF2-40B4-BE49-F238E27FC236}">
+                <a16:creationId xmlns:a16="http://schemas.microsoft.com/office/drawing/2014/main" id="{61BFF1B8-E9E4-E9E0-8DD0-7541652E22D1}"/>
+              </a:ext>
+            </a:extLst>
+          </p:cNvPr>
+          <p:cNvSpPr>
+            <a:spLocks noGrp="1"/>
+          </p:cNvSpPr>
+          <p:nvPr>
+            <p:ph type="body" sz="quarter" idx="23"/>
+          </p:nvPr>
+        </p:nvSpPr>
+        <p:spPr/>
+        <p:txBody>
+          <a:bodyPr/>
+          <a:lstStyle/>
+          <a:p>
+            <a:r>
+              <a:rPr lang="de-DE" dirty="0"/>
+              <a:t>Nächste Schritte</a:t>
+            </a:r>
+          </a:p>
+          <a:p>
+            <a:endParaRPr lang="de-DE" dirty="0"/>
+          </a:p>
+        </p:txBody>
+      </p:sp>
+      <p:sp>
+        <p:nvSpPr>
+          <p:cNvPr id="14" name="Textplatzhalter 13">
+            <a:extLst>
+              <a:ext uri="{FF2B5EF4-FFF2-40B4-BE49-F238E27FC236}">
+                <a16:creationId xmlns:a16="http://schemas.microsoft.com/office/drawing/2014/main" id="{C92B3A9C-FA8A-CCA1-1A08-C69E4B59D01B}"/>
+              </a:ext>
+            </a:extLst>
+          </p:cNvPr>
+          <p:cNvSpPr>
+            <a:spLocks noGrp="1"/>
+          </p:cNvSpPr>
+          <p:nvPr>
+            <p:ph type="body" sz="quarter" idx="24"/>
+          </p:nvPr>
+        </p:nvSpPr>
+        <p:spPr/>
+        <p:txBody>
+          <a:bodyPr/>
+          <a:lstStyle/>
+          <a:p>
+            <a:r>
+              <a:rPr lang="de-DE" dirty="0"/>
+              <a:t>6.</a:t>
+            </a:r>
+          </a:p>
+        </p:txBody>
+      </p:sp>
+      <p:sp>
+        <p:nvSpPr>
+          <p:cNvPr id="15" name="Textplatzhalter 14">
+            <a:extLst>
+              <a:ext uri="{FF2B5EF4-FFF2-40B4-BE49-F238E27FC236}">
+                <a16:creationId xmlns:a16="http://schemas.microsoft.com/office/drawing/2014/main" id="{EF861F90-634E-8C85-1B42-5E330A183E67}"/>
+              </a:ext>
+            </a:extLst>
+          </p:cNvPr>
+          <p:cNvSpPr>
+            <a:spLocks noGrp="1"/>
+          </p:cNvSpPr>
+          <p:nvPr>
+            <p:ph type="body" sz="quarter" idx="25"/>
+          </p:nvPr>
+        </p:nvSpPr>
+        <p:spPr/>
+        <p:txBody>
+          <a:bodyPr/>
+          <a:lstStyle/>
+          <a:p>
+            <a:endParaRPr lang="de-DE" dirty="0"/>
+          </a:p>
+        </p:txBody>
+      </p:sp>
+      <p:sp>
+        <p:nvSpPr>
+          <p:cNvPr id="16" name="Textplatzhalter 15">
+            <a:extLst>
+              <a:ext uri="{FF2B5EF4-FFF2-40B4-BE49-F238E27FC236}">
+                <a16:creationId xmlns:a16="http://schemas.microsoft.com/office/drawing/2014/main" id="{2BA697FB-7A87-3639-651E-7556D351D39F}"/>
+              </a:ext>
+            </a:extLst>
+          </p:cNvPr>
+          <p:cNvSpPr>
+            <a:spLocks noGrp="1"/>
+          </p:cNvSpPr>
+          <p:nvPr>
+            <p:ph type="body" sz="quarter" idx="26"/>
+          </p:nvPr>
+        </p:nvSpPr>
+        <p:spPr/>
+        <p:txBody>
+          <a:bodyPr/>
+          <a:lstStyle/>
+          <a:p>
+            <a:endParaRPr lang="de-DE" dirty="0"/>
+          </a:p>
+        </p:txBody>
+      </p:sp>
+      <p:sp>
+        <p:nvSpPr>
+          <p:cNvPr id="17" name="Textplatzhalter 16">
+            <a:extLst>
+              <a:ext uri="{FF2B5EF4-FFF2-40B4-BE49-F238E27FC236}">
+                <a16:creationId xmlns:a16="http://schemas.microsoft.com/office/drawing/2014/main" id="{EE637F4E-34B0-A4A0-2810-12AB19531783}"/>
+              </a:ext>
+            </a:extLst>
+          </p:cNvPr>
+          <p:cNvSpPr>
+            <a:spLocks noGrp="1"/>
+          </p:cNvSpPr>
+          <p:nvPr>
+            <p:ph type="body" sz="quarter" idx="27"/>
+          </p:nvPr>
+        </p:nvSpPr>
+        <p:spPr/>
+        <p:txBody>
+          <a:bodyPr/>
+          <a:lstStyle/>
+          <a:p>
+            <a:endParaRPr lang="de-DE"/>
+          </a:p>
+        </p:txBody>
+      </p:sp>
+      <p:sp>
+        <p:nvSpPr>
+          <p:cNvPr id="18" name="Textplatzhalter 17">
+            <a:extLst>
+              <a:ext uri="{FF2B5EF4-FFF2-40B4-BE49-F238E27FC236}">
+                <a16:creationId xmlns:a16="http://schemas.microsoft.com/office/drawing/2014/main" id="{D1F56FD9-A107-74EB-35C3-72B4F7CEFBB2}"/>
+              </a:ext>
+            </a:extLst>
+          </p:cNvPr>
+          <p:cNvSpPr>
+            <a:spLocks noGrp="1"/>
+          </p:cNvSpPr>
+          <p:nvPr>
+            <p:ph type="body" sz="quarter" idx="28"/>
+          </p:nvPr>
+        </p:nvSpPr>
+        <p:spPr/>
+        <p:txBody>
+          <a:bodyPr/>
+          <a:lstStyle/>
+          <a:p>
+            <a:endParaRPr lang="de-DE"/>
+          </a:p>
+        </p:txBody>
+      </p:sp>
+      <p:sp>
+        <p:nvSpPr>
+          <p:cNvPr id="19" name="Textplatzhalter 18">
+            <a:extLst>
+              <a:ext uri="{FF2B5EF4-FFF2-40B4-BE49-F238E27FC236}">
+                <a16:creationId xmlns:a16="http://schemas.microsoft.com/office/drawing/2014/main" id="{BC8D2C56-7C56-D2F3-299B-67F7DC5B64E4}"/>
+              </a:ext>
+            </a:extLst>
+          </p:cNvPr>
+          <p:cNvSpPr>
+            <a:spLocks noGrp="1"/>
+          </p:cNvSpPr>
+          <p:nvPr>
+            <p:ph type="body" sz="quarter" idx="29"/>
+          </p:nvPr>
+        </p:nvSpPr>
+        <p:spPr/>
+        <p:txBody>
+          <a:bodyPr/>
+          <a:lstStyle/>
+          <a:p>
+            <a:endParaRPr lang="de-DE"/>
+          </a:p>
+        </p:txBody>
+      </p:sp>
+      <p:sp>
+        <p:nvSpPr>
+          <p:cNvPr id="20" name="Textplatzhalter 19">
+            <a:extLst>
+              <a:ext uri="{FF2B5EF4-FFF2-40B4-BE49-F238E27FC236}">
+                <a16:creationId xmlns:a16="http://schemas.microsoft.com/office/drawing/2014/main" id="{0AD5ED97-9F11-D019-2596-9B72F8308172}"/>
+              </a:ext>
+            </a:extLst>
+          </p:cNvPr>
+          <p:cNvSpPr>
+            <a:spLocks noGrp="1"/>
+          </p:cNvSpPr>
+          <p:nvPr>
+            <p:ph type="body" sz="quarter" idx="30"/>
+          </p:nvPr>
+        </p:nvSpPr>
+        <p:spPr/>
+        <p:txBody>
+          <a:bodyPr/>
+          <a:lstStyle/>
+          <a:p>
+            <a:endParaRPr lang="de-DE"/>
+          </a:p>
+        </p:txBody>
+      </p:sp>
+      <p:sp>
+        <p:nvSpPr>
+          <p:cNvPr id="21" name="Textplatzhalter 20">
+            <a:extLst>
+              <a:ext uri="{FF2B5EF4-FFF2-40B4-BE49-F238E27FC236}">
+                <a16:creationId xmlns:a16="http://schemas.microsoft.com/office/drawing/2014/main" id="{F3ED5742-F501-AF35-1039-C509D6A26F81}"/>
+              </a:ext>
+            </a:extLst>
+          </p:cNvPr>
+          <p:cNvSpPr>
+            <a:spLocks noGrp="1"/>
+          </p:cNvSpPr>
+          <p:nvPr>
+            <p:ph type="body" sz="quarter" idx="31"/>
+          </p:nvPr>
+        </p:nvSpPr>
+        <p:spPr/>
+        <p:txBody>
+          <a:bodyPr/>
+          <a:lstStyle/>
+          <a:p>
+            <a:endParaRPr lang="de-DE"/>
+          </a:p>
+        </p:txBody>
+      </p:sp>
+      <p:sp>
+        <p:nvSpPr>
+          <p:cNvPr id="22" name="Textplatzhalter 21">
+            <a:extLst>
+              <a:ext uri="{FF2B5EF4-FFF2-40B4-BE49-F238E27FC236}">
+                <a16:creationId xmlns:a16="http://schemas.microsoft.com/office/drawing/2014/main" id="{6987888D-70C8-6966-6A32-DC7F46E8EB70}"/>
+              </a:ext>
+            </a:extLst>
+          </p:cNvPr>
+          <p:cNvSpPr>
+            <a:spLocks noGrp="1"/>
+          </p:cNvSpPr>
+          <p:nvPr>
+            <p:ph type="body" sz="quarter" idx="32"/>
+          </p:nvPr>
+        </p:nvSpPr>
+        <p:spPr/>
+        <p:txBody>
+          <a:bodyPr/>
+          <a:lstStyle/>
+          <a:p>
+            <a:endParaRPr lang="de-DE"/>
+          </a:p>
+        </p:txBody>
+      </p:sp>
+      <p:sp>
+        <p:nvSpPr>
+          <p:cNvPr id="23" name="Textplatzhalter 22">
+            <a:extLst>
+              <a:ext uri="{FF2B5EF4-FFF2-40B4-BE49-F238E27FC236}">
+                <a16:creationId xmlns:a16="http://schemas.microsoft.com/office/drawing/2014/main" id="{6114C7F6-7916-1BD3-B429-B6769D9FA68A}"/>
+              </a:ext>
+            </a:extLst>
+          </p:cNvPr>
+          <p:cNvSpPr>
+            <a:spLocks noGrp="1"/>
+          </p:cNvSpPr>
+          <p:nvPr>
+            <p:ph type="body" sz="quarter" idx="33"/>
+          </p:nvPr>
+        </p:nvSpPr>
+        <p:spPr/>
+        <p:txBody>
+          <a:bodyPr/>
+          <a:lstStyle/>
+          <a:p>
+            <a:endParaRPr lang="de-DE"/>
+          </a:p>
+        </p:txBody>
+      </p:sp>
+      <p:sp>
+        <p:nvSpPr>
+          <p:cNvPr id="24" name="Textplatzhalter 23">
+            <a:extLst>
+              <a:ext uri="{FF2B5EF4-FFF2-40B4-BE49-F238E27FC236}">
+                <a16:creationId xmlns:a16="http://schemas.microsoft.com/office/drawing/2014/main" id="{1708C651-06CC-8BA5-C401-7ACFC143A607}"/>
+              </a:ext>
+            </a:extLst>
+          </p:cNvPr>
+          <p:cNvSpPr>
+            <a:spLocks noGrp="1"/>
+          </p:cNvSpPr>
+          <p:nvPr>
+            <p:ph type="body" sz="quarter" idx="34"/>
+          </p:nvPr>
+        </p:nvSpPr>
+        <p:spPr/>
+        <p:txBody>
+          <a:bodyPr/>
+          <a:lstStyle/>
+          <a:p>
+            <a:endParaRPr lang="de-DE"/>
+          </a:p>
+        </p:txBody>
+      </p:sp>
+      <p:sp>
+        <p:nvSpPr>
+          <p:cNvPr id="25" name="Textplatzhalter 24">
+            <a:extLst>
+              <a:ext uri="{FF2B5EF4-FFF2-40B4-BE49-F238E27FC236}">
+                <a16:creationId xmlns:a16="http://schemas.microsoft.com/office/drawing/2014/main" id="{417CBE31-DA95-4448-0CB2-E7FE8FFAC0C3}"/>
+              </a:ext>
+            </a:extLst>
+          </p:cNvPr>
+          <p:cNvSpPr>
+            <a:spLocks noGrp="1"/>
+          </p:cNvSpPr>
+          <p:nvPr>
+            <p:ph type="body" sz="quarter" idx="35"/>
+          </p:nvPr>
+        </p:nvSpPr>
+        <p:spPr/>
+        <p:txBody>
+          <a:bodyPr/>
+          <a:lstStyle/>
+          <a:p>
+            <a:endParaRPr lang="de-DE"/>
+          </a:p>
+        </p:txBody>
+      </p:sp>
+      <p:sp>
+        <p:nvSpPr>
+          <p:cNvPr id="26" name="Textplatzhalter 25">
+            <a:extLst>
+              <a:ext uri="{FF2B5EF4-FFF2-40B4-BE49-F238E27FC236}">
+                <a16:creationId xmlns:a16="http://schemas.microsoft.com/office/drawing/2014/main" id="{19A3FC57-30F2-10E8-6326-FC886F75ED2D}"/>
+              </a:ext>
+            </a:extLst>
+          </p:cNvPr>
+          <p:cNvSpPr>
+            <a:spLocks noGrp="1"/>
+          </p:cNvSpPr>
+          <p:nvPr>
+            <p:ph type="body" sz="quarter" idx="36"/>
+          </p:nvPr>
+        </p:nvSpPr>
+        <p:spPr/>
+        <p:txBody>
+          <a:bodyPr/>
+          <a:lstStyle/>
+          <a:p>
+            <a:endParaRPr lang="de-DE"/>
+          </a:p>
+        </p:txBody>
+      </p:sp>
+      <p:sp>
+        <p:nvSpPr>
+          <p:cNvPr id="27" name="Titel 26">
+            <a:extLst>
+              <a:ext uri="{FF2B5EF4-FFF2-40B4-BE49-F238E27FC236}">
+                <a16:creationId xmlns:a16="http://schemas.microsoft.com/office/drawing/2014/main" id="{9C2085C7-3F89-C998-07CB-68D4137CBBD0}"/>
+              </a:ext>
+            </a:extLst>
+          </p:cNvPr>
+          <p:cNvSpPr>
+            <a:spLocks noGrp="1"/>
+          </p:cNvSpPr>
+          <p:nvPr>
+            <p:ph type="title"/>
+          </p:nvPr>
+        </p:nvSpPr>
+        <p:spPr/>
+        <p:txBody>
+          <a:bodyPr/>
+          <a:lstStyle/>
+          <a:p>
+            <a:r>
+              <a:rPr lang="de-DE" dirty="0"/>
+              <a:t>Agenda</a:t>
+            </a:r>
+          </a:p>
+        </p:txBody>
+      </p:sp>
+      <p:sp>
+        <p:nvSpPr>
+          <p:cNvPr id="28" name="Textplatzhalter 27">
+            <a:extLst>
+              <a:ext uri="{FF2B5EF4-FFF2-40B4-BE49-F238E27FC236}">
+                <a16:creationId xmlns:a16="http://schemas.microsoft.com/office/drawing/2014/main" id="{C384772B-B2B9-B042-FBC1-1B28F24901F1}"/>
+              </a:ext>
+            </a:extLst>
+          </p:cNvPr>
+          <p:cNvSpPr>
+            <a:spLocks noGrp="1"/>
+          </p:cNvSpPr>
+          <p:nvPr>
+            <p:ph type="body" sz="quarter" idx="37"/>
+          </p:nvPr>
+        </p:nvSpPr>
+        <p:spPr/>
+        <p:txBody>
+          <a:bodyPr/>
+          <a:lstStyle/>
+          <a:p>
+            <a:r>
+              <a:rPr lang="de-DE" dirty="0"/>
+              <a:t>Zwischenpräsentation</a:t>
+            </a:r>
+          </a:p>
+        </p:txBody>
+      </p:sp>
+      <p:sp>
+        <p:nvSpPr>
+          <p:cNvPr id="29" name="Textplatzhalter 28">
+            <a:extLst>
+              <a:ext uri="{FF2B5EF4-FFF2-40B4-BE49-F238E27FC236}">
+                <a16:creationId xmlns:a16="http://schemas.microsoft.com/office/drawing/2014/main" id="{94A1D7C7-9989-30F4-F7C8-81B04DE00E91}"/>
+              </a:ext>
+            </a:extLst>
+          </p:cNvPr>
+          <p:cNvSpPr>
+            <a:spLocks noGrp="1"/>
+          </p:cNvSpPr>
+          <p:nvPr>
+            <p:ph type="body" sz="quarter" idx="13"/>
+          </p:nvPr>
+        </p:nvSpPr>
+        <p:spPr/>
+        <p:txBody>
+          <a:bodyPr/>
+          <a:lstStyle/>
+          <a:p>
+            <a:r>
+              <a:rPr lang="de-DE" dirty="0"/>
+              <a:t>Problem</a:t>
+            </a:r>
+          </a:p>
+        </p:txBody>
+      </p:sp>
+      <p:sp>
+        <p:nvSpPr>
+          <p:cNvPr id="30" name="Textplatzhalter 29">
+            <a:extLst>
+              <a:ext uri="{FF2B5EF4-FFF2-40B4-BE49-F238E27FC236}">
+                <a16:creationId xmlns:a16="http://schemas.microsoft.com/office/drawing/2014/main" id="{C1F84E59-CB57-F365-7715-31B5D0CED08C}"/>
+              </a:ext>
+            </a:extLst>
+          </p:cNvPr>
+          <p:cNvSpPr>
+            <a:spLocks noGrp="1"/>
+          </p:cNvSpPr>
+          <p:nvPr>
+            <p:ph type="body" sz="quarter" idx="14"/>
+          </p:nvPr>
+        </p:nvSpPr>
+        <p:spPr/>
+        <p:txBody>
+          <a:bodyPr/>
+          <a:lstStyle/>
+          <a:p>
+            <a:r>
+              <a:rPr lang="de-DE" dirty="0"/>
+              <a:t>1.</a:t>
+            </a:r>
+          </a:p>
+        </p:txBody>
+      </p:sp>
+    </p:spTree>
+    <p:extLst>
+      <p:ext uri="{BB962C8B-B14F-4D97-AF65-F5344CB8AC3E}">
+        <p14:creationId xmlns:p14="http://schemas.microsoft.com/office/powerpoint/2010/main" val="4233991641"/>
+      </p:ext>
+    </p:extLst>
+  </p:cSld>
+  <p:clrMapOvr>
+    <a:masterClrMapping/>
+  </p:clrMapOvr>
+</p:sld>
+</file>
+
+<file path=ppt/slides/slide20.xml><?xml version="1.0" encoding="utf-8"?>
+<p:sld xmlns:a="http://schemas.openxmlformats.org/drawingml/2006/main" xmlns:r="http://schemas.openxmlformats.org/officeDocument/2006/relationships" xmlns:p="http://schemas.openxmlformats.org/presentationml/2006/main">
+  <p:cSld>
+    <p:spTree>
+      <p:nvGrpSpPr>
+        <p:cNvPr id="1" name=""/>
+        <p:cNvGrpSpPr/>
+        <p:nvPr/>
+      </p:nvGrpSpPr>
+      <p:grpSpPr>
+        <a:xfrm>
+          <a:off x="0" y="0"/>
+          <a:ext cx="0" cy="0"/>
+          <a:chOff x="0" y="0"/>
+          <a:chExt cx="0" cy="0"/>
+        </a:xfrm>
+      </p:grpSpPr>
+      <p:sp>
+        <p:nvSpPr>
+          <p:cNvPr id="3" name="Datumsplatzhalter 2">
+            <a:extLst>
+              <a:ext uri="{FF2B5EF4-FFF2-40B4-BE49-F238E27FC236}">
+                <a16:creationId xmlns:a16="http://schemas.microsoft.com/office/drawing/2014/main" id="{2A351964-2BB6-97F3-6B22-336C5567411D}"/>
+              </a:ext>
+            </a:extLst>
+          </p:cNvPr>
+          <p:cNvSpPr>
+            <a:spLocks noGrp="1"/>
+          </p:cNvSpPr>
+          <p:nvPr>
+            <p:ph type="dt" sz="half" idx="10"/>
+          </p:nvPr>
+        </p:nvSpPr>
+        <p:spPr/>
+        <p:txBody>
+          <a:bodyPr/>
+          <a:lstStyle/>
+          <a:p>
+            <a:fld id="{5C89B0C6-E378-43D9-87B6-F295F13B6DA2}" type="datetime4">
+              <a:rPr lang="de-DE" smtClean="0"/>
+              <a:t>15. Dezember 2022</a:t>
+            </a:fld>
+            <a:endParaRPr lang="de-DE" dirty="0"/>
+          </a:p>
+        </p:txBody>
+      </p:sp>
+      <p:sp>
+        <p:nvSpPr>
+          <p:cNvPr id="4" name="Fußzeilenplatzhalter 3">
+            <a:extLst>
+              <a:ext uri="{FF2B5EF4-FFF2-40B4-BE49-F238E27FC236}">
+                <a16:creationId xmlns:a16="http://schemas.microsoft.com/office/drawing/2014/main" id="{1408DCD8-0AA7-E516-1759-8D2382782060}"/>
+              </a:ext>
+            </a:extLst>
+          </p:cNvPr>
+          <p:cNvSpPr>
+            <a:spLocks noGrp="1"/>
+          </p:cNvSpPr>
+          <p:nvPr>
+            <p:ph type="ftr" sz="quarter" idx="11"/>
+          </p:nvPr>
+        </p:nvSpPr>
+        <p:spPr/>
+        <p:txBody>
+          <a:bodyPr/>
+          <a:lstStyle/>
+          <a:p>
+            <a:r>
+              <a:rPr lang="de-DE" b="1" dirty="0"/>
+              <a:t>Philippe Huber</a:t>
+            </a:r>
+            <a:r>
+              <a:rPr lang="de-DE" dirty="0"/>
+              <a:t>, Rene Jokiel</a:t>
+            </a:r>
+          </a:p>
+        </p:txBody>
+      </p:sp>
+      <p:sp>
+        <p:nvSpPr>
+          <p:cNvPr id="5" name="Foliennummernplatzhalter 4">
+            <a:extLst>
+              <a:ext uri="{FF2B5EF4-FFF2-40B4-BE49-F238E27FC236}">
+                <a16:creationId xmlns:a16="http://schemas.microsoft.com/office/drawing/2014/main" id="{7CC781B4-8E2A-7EAA-0553-BD86241E8C36}"/>
+              </a:ext>
+            </a:extLst>
+          </p:cNvPr>
+          <p:cNvSpPr>
+            <a:spLocks noGrp="1"/>
+          </p:cNvSpPr>
+          <p:nvPr>
+            <p:ph type="sldNum" sz="quarter" idx="12"/>
+          </p:nvPr>
+        </p:nvSpPr>
+        <p:spPr/>
+        <p:txBody>
+          <a:bodyPr/>
+          <a:lstStyle/>
+          <a:p>
+            <a:fld id="{D949F9DF-37BD-4CD6-BF49-65BA579E1D7A}" type="slidenum">
+              <a:rPr lang="de-DE" smtClean="0"/>
+              <a:pPr/>
+              <a:t>20</a:t>
+            </a:fld>
+            <a:endParaRPr lang="de-DE"/>
+          </a:p>
+        </p:txBody>
+      </p:sp>
+      <p:sp>
+        <p:nvSpPr>
+          <p:cNvPr id="6" name="Titel 5">
+            <a:extLst>
+              <a:ext uri="{FF2B5EF4-FFF2-40B4-BE49-F238E27FC236}">
+                <a16:creationId xmlns:a16="http://schemas.microsoft.com/office/drawing/2014/main" id="{141A52E9-C3AF-262C-EBCF-F1578441CFAF}"/>
+              </a:ext>
+            </a:extLst>
+          </p:cNvPr>
+          <p:cNvSpPr>
+            <a:spLocks noGrp="1"/>
+          </p:cNvSpPr>
+          <p:nvPr>
+            <p:ph type="title"/>
+          </p:nvPr>
+        </p:nvSpPr>
+        <p:spPr/>
+        <p:txBody>
+          <a:bodyPr/>
+          <a:lstStyle/>
+          <a:p>
+            <a:r>
+              <a:rPr lang="de-DE" dirty="0"/>
+              <a:t>Die Entwicklung des Artefaktes ist der unmittelbare nächste Schritt</a:t>
+            </a:r>
+          </a:p>
+        </p:txBody>
+      </p:sp>
+      <p:sp>
+        <p:nvSpPr>
+          <p:cNvPr id="7" name="Textplatzhalter 6">
+            <a:extLst>
+              <a:ext uri="{FF2B5EF4-FFF2-40B4-BE49-F238E27FC236}">
+                <a16:creationId xmlns:a16="http://schemas.microsoft.com/office/drawing/2014/main" id="{729D91F5-AF69-2294-FA98-A806524F9A08}"/>
+              </a:ext>
+            </a:extLst>
+          </p:cNvPr>
+          <p:cNvSpPr>
+            <a:spLocks noGrp="1"/>
+          </p:cNvSpPr>
+          <p:nvPr>
+            <p:ph type="body" sz="quarter" idx="13"/>
+          </p:nvPr>
+        </p:nvSpPr>
+        <p:spPr/>
+        <p:txBody>
+          <a:bodyPr/>
+          <a:lstStyle/>
+          <a:p>
+            <a:r>
+              <a:rPr lang="de-DE" dirty="0"/>
+              <a:t>Nächsten Schritte</a:t>
+            </a:r>
+          </a:p>
+        </p:txBody>
+      </p:sp>
+      <p:grpSp>
+        <p:nvGrpSpPr>
+          <p:cNvPr id="24" name="Gruppieren 23">
+            <a:extLst>
+              <a:ext uri="{FF2B5EF4-FFF2-40B4-BE49-F238E27FC236}">
+                <a16:creationId xmlns:a16="http://schemas.microsoft.com/office/drawing/2014/main" id="{279EAA55-25BF-5E81-1BEF-8EA2DBB3765D}"/>
+              </a:ext>
+            </a:extLst>
+          </p:cNvPr>
+          <p:cNvGrpSpPr/>
+          <p:nvPr/>
+        </p:nvGrpSpPr>
+        <p:grpSpPr>
+          <a:xfrm>
+            <a:off x="564166" y="3251743"/>
+            <a:ext cx="11063667" cy="1926608"/>
+            <a:chOff x="564166" y="3251743"/>
+            <a:chExt cx="11063667" cy="1926608"/>
+          </a:xfrm>
+        </p:grpSpPr>
+        <p:grpSp>
+          <p:nvGrpSpPr>
+            <p:cNvPr id="35" name="Gruppieren 34">
+              <a:extLst>
+                <a:ext uri="{FF2B5EF4-FFF2-40B4-BE49-F238E27FC236}">
+                  <a16:creationId xmlns:a16="http://schemas.microsoft.com/office/drawing/2014/main" id="{58229E8D-80F3-2596-69C4-29C410B8EA36}"/>
+                </a:ext>
+              </a:extLst>
+            </p:cNvPr>
+            <p:cNvGrpSpPr/>
+            <p:nvPr/>
+          </p:nvGrpSpPr>
+          <p:grpSpPr>
+            <a:xfrm>
+              <a:off x="564166" y="3251743"/>
+              <a:ext cx="11063667" cy="797040"/>
+              <a:chOff x="612396" y="3535546"/>
+              <a:chExt cx="11063667" cy="797040"/>
+            </a:xfrm>
+          </p:grpSpPr>
+          <p:cxnSp>
+            <p:nvCxnSpPr>
+              <p:cNvPr id="21" name="Gerade Verbindung mit Pfeil 20">
+                <a:extLst>
+                  <a:ext uri="{FF2B5EF4-FFF2-40B4-BE49-F238E27FC236}">
+                    <a16:creationId xmlns:a16="http://schemas.microsoft.com/office/drawing/2014/main" id="{7790DA9B-BCE9-D2CB-BB67-79B79F886AAE}"/>
+                  </a:ext>
+                </a:extLst>
+              </p:cNvPr>
+              <p:cNvCxnSpPr>
+                <a:cxnSpLocks/>
+              </p:cNvCxnSpPr>
+              <p:nvPr/>
+            </p:nvCxnSpPr>
+            <p:spPr>
+              <a:xfrm>
+                <a:off x="612396" y="3942826"/>
+                <a:ext cx="11063667" cy="0"/>
+              </a:xfrm>
+              <a:prstGeom prst="straightConnector1">
+                <a:avLst/>
+              </a:prstGeom>
+              <a:ln w="57150">
+                <a:solidFill>
+                  <a:srgbClr val="C50F3C"/>
+                </a:solidFill>
+                <a:tailEnd type="triangle"/>
+              </a:ln>
+            </p:spPr>
+            <p:style>
+              <a:lnRef idx="1">
+                <a:schemeClr val="accent3"/>
+              </a:lnRef>
+              <a:fillRef idx="0">
+                <a:schemeClr val="accent3"/>
+              </a:fillRef>
+              <a:effectRef idx="0">
+                <a:schemeClr val="accent3"/>
+              </a:effectRef>
+              <a:fontRef idx="minor">
+                <a:schemeClr val="tx1"/>
+              </a:fontRef>
+            </p:style>
+          </p:cxnSp>
+          <p:sp>
+            <p:nvSpPr>
+              <p:cNvPr id="23" name="Rechteck 22">
+                <a:extLst>
+                  <a:ext uri="{FF2B5EF4-FFF2-40B4-BE49-F238E27FC236}">
+                    <a16:creationId xmlns:a16="http://schemas.microsoft.com/office/drawing/2014/main" id="{19C97860-4F65-FE5E-0536-70DF6709F518}"/>
+                  </a:ext>
+                </a:extLst>
+              </p:cNvPr>
+              <p:cNvSpPr/>
+              <p:nvPr/>
+            </p:nvSpPr>
+            <p:spPr>
+              <a:xfrm>
+                <a:off x="1181450" y="3570586"/>
+                <a:ext cx="1523650" cy="762000"/>
+              </a:xfrm>
+              <a:prstGeom prst="rect">
+                <a:avLst/>
+              </a:prstGeom>
+              <a:solidFill>
+                <a:schemeClr val="accent3"/>
+              </a:solidFill>
+              <a:ln>
+                <a:noFill/>
+              </a:ln>
+            </p:spPr>
+            <p:style>
+              <a:lnRef idx="0">
+                <a:scrgbClr r="0" g="0" b="0"/>
+              </a:lnRef>
+              <a:fillRef idx="0">
+                <a:scrgbClr r="0" g="0" b="0"/>
+              </a:fillRef>
+              <a:effectRef idx="0">
+                <a:scrgbClr r="0" g="0" b="0"/>
+              </a:effectRef>
+              <a:fontRef idx="minor">
+                <a:schemeClr val="lt1"/>
+              </a:fontRef>
+            </p:style>
+            <p:txBody>
+              <a:bodyPr lIns="180000" tIns="180000" rIns="180000" bIns="180000" rtlCol="0" anchor="ctr"/>
+              <a:lstStyle/>
+              <a:p>
+                <a:pPr marL="0" marR="0" indent="0" algn="ctr" defTabSz="914400" rtl="0" eaLnBrk="1" fontAlgn="auto" latinLnBrk="0" hangingPunct="1">
+                  <a:lnSpc>
+                    <a:spcPct val="110000"/>
+                  </a:lnSpc>
+                  <a:spcBef>
+                    <a:spcPts val="0"/>
+                  </a:spcBef>
+                  <a:spcAft>
+                    <a:spcPts val="1200"/>
+                  </a:spcAft>
+                  <a:buClrTx/>
+                  <a:buSzTx/>
+                  <a:buFont typeface="Arial" panose="020B0604020202020204" pitchFamily="34" charset="0"/>
+                  <a:buNone/>
+                  <a:tabLst/>
+                </a:pPr>
+                <a:r>
+                  <a:rPr kumimoji="0" lang="de-DE" sz="1600" b="0" i="0" u="none" strike="noStrike" kern="1200" cap="none" spc="0" normalizeH="0" baseline="0" noProof="0" dirty="0">
+                    <a:ln>
+                      <a:noFill/>
+                    </a:ln>
+                    <a:solidFill>
+                      <a:schemeClr val="bg1"/>
+                    </a:solidFill>
+                    <a:effectLst/>
+                    <a:uLnTx/>
+                    <a:uFillTx/>
+                    <a:latin typeface="Arial"/>
+                    <a:ea typeface="+mn-ea"/>
+                    <a:cs typeface="+mn-cs"/>
+                  </a:rPr>
+                  <a:t>Entwicklung des Artefaktes</a:t>
+                </a:r>
+              </a:p>
+            </p:txBody>
+          </p:sp>
+          <p:sp>
+            <p:nvSpPr>
+              <p:cNvPr id="31" name="Rechteck 30">
+                <a:extLst>
+                  <a:ext uri="{FF2B5EF4-FFF2-40B4-BE49-F238E27FC236}">
+                    <a16:creationId xmlns:a16="http://schemas.microsoft.com/office/drawing/2014/main" id="{AE98B4C6-F5D1-E47D-43FF-58BB231A4374}"/>
+                  </a:ext>
+                </a:extLst>
+              </p:cNvPr>
+              <p:cNvSpPr/>
+              <p:nvPr/>
+            </p:nvSpPr>
+            <p:spPr>
+              <a:xfrm>
+                <a:off x="3274154" y="3561826"/>
+                <a:ext cx="1523650" cy="762000"/>
+              </a:xfrm>
+              <a:prstGeom prst="rect">
+                <a:avLst/>
+              </a:prstGeom>
+              <a:solidFill>
+                <a:schemeClr val="accent3"/>
+              </a:solidFill>
+              <a:ln>
+                <a:noFill/>
+              </a:ln>
+            </p:spPr>
+            <p:style>
+              <a:lnRef idx="0">
+                <a:scrgbClr r="0" g="0" b="0"/>
+              </a:lnRef>
+              <a:fillRef idx="0">
+                <a:scrgbClr r="0" g="0" b="0"/>
+              </a:fillRef>
+              <a:effectRef idx="0">
+                <a:scrgbClr r="0" g="0" b="0"/>
+              </a:effectRef>
+              <a:fontRef idx="minor">
+                <a:schemeClr val="lt1"/>
+              </a:fontRef>
+            </p:style>
+            <p:txBody>
+              <a:bodyPr lIns="180000" tIns="180000" rIns="180000" bIns="180000" rtlCol="0" anchor="ctr"/>
+              <a:lstStyle/>
+              <a:p>
+                <a:pPr marL="0" marR="0" indent="0" algn="ctr" defTabSz="914400" rtl="0" eaLnBrk="1" fontAlgn="auto" latinLnBrk="0" hangingPunct="1">
+                  <a:lnSpc>
+                    <a:spcPct val="110000"/>
+                  </a:lnSpc>
+                  <a:spcBef>
+                    <a:spcPts val="0"/>
+                  </a:spcBef>
+                  <a:spcAft>
+                    <a:spcPts val="1200"/>
+                  </a:spcAft>
+                  <a:buClrTx/>
+                  <a:buSzTx/>
+                  <a:buFont typeface="Arial" panose="020B0604020202020204" pitchFamily="34" charset="0"/>
+                  <a:buNone/>
+                  <a:tabLst/>
+                </a:pPr>
+                <a:r>
+                  <a:rPr lang="de-DE" sz="1600" dirty="0">
+                    <a:solidFill>
+                      <a:schemeClr val="bg1"/>
+                    </a:solidFill>
+                    <a:latin typeface="Arial"/>
+                  </a:rPr>
+                  <a:t>Experiment 1</a:t>
+                </a:r>
+                <a:endParaRPr kumimoji="0" lang="de-DE" sz="1600" b="0" i="0" u="none" strike="noStrike" kern="1200" cap="none" spc="0" normalizeH="0" baseline="0" noProof="0" dirty="0">
+                  <a:ln>
+                    <a:noFill/>
+                  </a:ln>
+                  <a:solidFill>
+                    <a:schemeClr val="bg1"/>
+                  </a:solidFill>
+                  <a:effectLst/>
+                  <a:uLnTx/>
+                  <a:uFillTx/>
+                  <a:latin typeface="Arial"/>
+                  <a:ea typeface="+mn-ea"/>
+                  <a:cs typeface="+mn-cs"/>
+                </a:endParaRPr>
+              </a:p>
+            </p:txBody>
+          </p:sp>
+          <p:sp>
+            <p:nvSpPr>
+              <p:cNvPr id="32" name="Rechteck 31">
+                <a:extLst>
+                  <a:ext uri="{FF2B5EF4-FFF2-40B4-BE49-F238E27FC236}">
+                    <a16:creationId xmlns:a16="http://schemas.microsoft.com/office/drawing/2014/main" id="{02E1C985-BA9F-77CD-EE24-2617C988852D}"/>
+                  </a:ext>
+                </a:extLst>
+              </p:cNvPr>
+              <p:cNvSpPr/>
+              <p:nvPr/>
+            </p:nvSpPr>
+            <p:spPr>
+              <a:xfrm>
+                <a:off x="5366858" y="3553066"/>
+                <a:ext cx="1523650" cy="762000"/>
+              </a:xfrm>
+              <a:prstGeom prst="rect">
+                <a:avLst/>
+              </a:prstGeom>
+              <a:solidFill>
+                <a:schemeClr val="accent3"/>
+              </a:solidFill>
+              <a:ln>
+                <a:noFill/>
+              </a:ln>
+            </p:spPr>
+            <p:style>
+              <a:lnRef idx="0">
+                <a:scrgbClr r="0" g="0" b="0"/>
+              </a:lnRef>
+              <a:fillRef idx="0">
+                <a:scrgbClr r="0" g="0" b="0"/>
+              </a:fillRef>
+              <a:effectRef idx="0">
+                <a:scrgbClr r="0" g="0" b="0"/>
+              </a:effectRef>
+              <a:fontRef idx="minor">
+                <a:schemeClr val="lt1"/>
+              </a:fontRef>
+            </p:style>
+            <p:txBody>
+              <a:bodyPr lIns="180000" tIns="180000" rIns="180000" bIns="180000" rtlCol="0" anchor="ctr"/>
+              <a:lstStyle/>
+              <a:p>
+                <a:pPr marL="0" marR="0" indent="0" algn="ctr" defTabSz="914400" rtl="0" eaLnBrk="1" fontAlgn="auto" latinLnBrk="0" hangingPunct="1">
+                  <a:lnSpc>
+                    <a:spcPct val="110000"/>
+                  </a:lnSpc>
+                  <a:spcBef>
+                    <a:spcPts val="0"/>
+                  </a:spcBef>
+                  <a:spcAft>
+                    <a:spcPts val="1200"/>
+                  </a:spcAft>
+                  <a:buClrTx/>
+                  <a:buSzTx/>
+                  <a:buFont typeface="Arial" panose="020B0604020202020204" pitchFamily="34" charset="0"/>
+                  <a:buNone/>
+                  <a:tabLst/>
+                </a:pPr>
+                <a:r>
+                  <a:rPr kumimoji="0" lang="de-DE" sz="1600" b="0" i="0" u="none" strike="noStrike" kern="1200" cap="none" spc="0" normalizeH="0" baseline="0" noProof="0" dirty="0">
+                    <a:ln>
+                      <a:noFill/>
+                    </a:ln>
+                    <a:solidFill>
+                      <a:schemeClr val="bg1"/>
+                    </a:solidFill>
+                    <a:effectLst/>
+                    <a:uLnTx/>
+                    <a:uFillTx/>
+                    <a:latin typeface="Arial"/>
+                    <a:ea typeface="+mn-ea"/>
+                    <a:cs typeface="+mn-cs"/>
+                  </a:rPr>
+                  <a:t>Experiment 2</a:t>
+                </a:r>
+              </a:p>
+            </p:txBody>
+          </p:sp>
+          <p:sp>
+            <p:nvSpPr>
+              <p:cNvPr id="33" name="Rechteck 32">
+                <a:extLst>
+                  <a:ext uri="{FF2B5EF4-FFF2-40B4-BE49-F238E27FC236}">
+                    <a16:creationId xmlns:a16="http://schemas.microsoft.com/office/drawing/2014/main" id="{06AFE7F3-7B8F-CF4E-1D40-4AAA2FD9BE32}"/>
+                  </a:ext>
+                </a:extLst>
+              </p:cNvPr>
+              <p:cNvSpPr/>
+              <p:nvPr/>
+            </p:nvSpPr>
+            <p:spPr>
+              <a:xfrm>
+                <a:off x="7459562" y="3544306"/>
+                <a:ext cx="1523650" cy="762000"/>
+              </a:xfrm>
+              <a:prstGeom prst="rect">
+                <a:avLst/>
+              </a:prstGeom>
+              <a:solidFill>
+                <a:schemeClr val="accent3"/>
+              </a:solidFill>
+              <a:ln>
+                <a:noFill/>
+              </a:ln>
+            </p:spPr>
+            <p:style>
+              <a:lnRef idx="0">
+                <a:scrgbClr r="0" g="0" b="0"/>
+              </a:lnRef>
+              <a:fillRef idx="0">
+                <a:scrgbClr r="0" g="0" b="0"/>
+              </a:fillRef>
+              <a:effectRef idx="0">
+                <a:scrgbClr r="0" g="0" b="0"/>
+              </a:effectRef>
+              <a:fontRef idx="minor">
+                <a:schemeClr val="lt1"/>
+              </a:fontRef>
+            </p:style>
+            <p:txBody>
+              <a:bodyPr lIns="180000" tIns="180000" rIns="180000" bIns="180000" rtlCol="0" anchor="ctr"/>
+              <a:lstStyle/>
+              <a:p>
+                <a:pPr marL="0" marR="0" indent="0" algn="ctr" defTabSz="914400" rtl="0" eaLnBrk="1" fontAlgn="auto" latinLnBrk="0" hangingPunct="1">
+                  <a:lnSpc>
+                    <a:spcPct val="110000"/>
+                  </a:lnSpc>
+                  <a:spcBef>
+                    <a:spcPts val="0"/>
+                  </a:spcBef>
+                  <a:spcAft>
+                    <a:spcPts val="1200"/>
+                  </a:spcAft>
+                  <a:buClrTx/>
+                  <a:buSzTx/>
+                  <a:buFont typeface="Arial" panose="020B0604020202020204" pitchFamily="34" charset="0"/>
+                  <a:buNone/>
+                  <a:tabLst/>
+                </a:pPr>
+                <a:r>
+                  <a:rPr kumimoji="0" lang="de-DE" sz="1600" b="0" i="0" u="none" strike="noStrike" kern="1200" cap="none" spc="0" normalizeH="0" baseline="0" noProof="0" dirty="0">
+                    <a:ln>
+                      <a:noFill/>
+                    </a:ln>
+                    <a:solidFill>
+                      <a:schemeClr val="bg1"/>
+                    </a:solidFill>
+                    <a:effectLst/>
+                    <a:uLnTx/>
+                    <a:uFillTx/>
+                    <a:latin typeface="Arial"/>
+                    <a:ea typeface="+mn-ea"/>
+                    <a:cs typeface="+mn-cs"/>
+                  </a:rPr>
+                  <a:t>Experiment 3</a:t>
+                </a:r>
+              </a:p>
+            </p:txBody>
+          </p:sp>
+          <p:sp>
+            <p:nvSpPr>
+              <p:cNvPr id="34" name="Rechteck 33">
+                <a:extLst>
+                  <a:ext uri="{FF2B5EF4-FFF2-40B4-BE49-F238E27FC236}">
+                    <a16:creationId xmlns:a16="http://schemas.microsoft.com/office/drawing/2014/main" id="{7FBCE997-9234-CB10-579A-186E71222A99}"/>
+                  </a:ext>
+                </a:extLst>
+              </p:cNvPr>
+              <p:cNvSpPr/>
+              <p:nvPr/>
+            </p:nvSpPr>
+            <p:spPr>
+              <a:xfrm>
+                <a:off x="9552266" y="3535546"/>
+                <a:ext cx="1523650" cy="762000"/>
+              </a:xfrm>
+              <a:prstGeom prst="rect">
+                <a:avLst/>
+              </a:prstGeom>
+              <a:solidFill>
+                <a:schemeClr val="accent3"/>
+              </a:solidFill>
+              <a:ln>
+                <a:noFill/>
+              </a:ln>
+            </p:spPr>
+            <p:style>
+              <a:lnRef idx="0">
+                <a:scrgbClr r="0" g="0" b="0"/>
+              </a:lnRef>
+              <a:fillRef idx="0">
+                <a:scrgbClr r="0" g="0" b="0"/>
+              </a:fillRef>
+              <a:effectRef idx="0">
+                <a:scrgbClr r="0" g="0" b="0"/>
+              </a:effectRef>
+              <a:fontRef idx="minor">
+                <a:schemeClr val="lt1"/>
+              </a:fontRef>
+            </p:style>
+            <p:txBody>
+              <a:bodyPr lIns="180000" tIns="180000" rIns="180000" bIns="180000" rtlCol="0" anchor="ctr"/>
+              <a:lstStyle/>
+              <a:p>
+                <a:pPr marL="0" marR="0" indent="0" algn="ctr" defTabSz="914400" rtl="0" eaLnBrk="1" fontAlgn="auto" latinLnBrk="0" hangingPunct="1">
+                  <a:lnSpc>
+                    <a:spcPct val="110000"/>
+                  </a:lnSpc>
+                  <a:spcBef>
+                    <a:spcPts val="0"/>
+                  </a:spcBef>
+                  <a:spcAft>
+                    <a:spcPts val="1200"/>
+                  </a:spcAft>
+                  <a:buClrTx/>
+                  <a:buSzTx/>
+                  <a:buFont typeface="Arial" panose="020B0604020202020204" pitchFamily="34" charset="0"/>
+                  <a:buNone/>
+                  <a:tabLst/>
+                </a:pPr>
+                <a:r>
+                  <a:rPr kumimoji="0" lang="de-DE" sz="1600" b="0" i="0" u="none" strike="noStrike" kern="1200" cap="none" spc="0" normalizeH="0" baseline="0" noProof="0" dirty="0">
+                    <a:ln>
+                      <a:noFill/>
+                    </a:ln>
+                    <a:solidFill>
+                      <a:schemeClr val="bg1"/>
+                    </a:solidFill>
+                    <a:effectLst/>
+                    <a:uLnTx/>
+                    <a:uFillTx/>
+                    <a:latin typeface="Arial"/>
+                    <a:ea typeface="+mn-ea"/>
+                    <a:cs typeface="+mn-cs"/>
+                  </a:rPr>
+                  <a:t>Auswertung der Experimente</a:t>
+                </a:r>
+              </a:p>
+            </p:txBody>
+          </p:sp>
+        </p:grpSp>
+        <p:cxnSp>
+          <p:nvCxnSpPr>
+            <p:cNvPr id="10" name="Gerade Verbindung mit Pfeil 9">
+              <a:extLst>
+                <a:ext uri="{FF2B5EF4-FFF2-40B4-BE49-F238E27FC236}">
+                  <a16:creationId xmlns:a16="http://schemas.microsoft.com/office/drawing/2014/main" id="{80905F64-2A32-F0E2-9D58-31ADA788D304}"/>
+                </a:ext>
+              </a:extLst>
+            </p:cNvPr>
+            <p:cNvCxnSpPr>
+              <a:cxnSpLocks/>
+            </p:cNvCxnSpPr>
+            <p:nvPr/>
+          </p:nvCxnSpPr>
+          <p:spPr>
+            <a:xfrm flipV="1">
+              <a:off x="1866900" y="4031263"/>
+              <a:ext cx="0" cy="542267"/>
+            </a:xfrm>
+            <a:prstGeom prst="straightConnector1">
+              <a:avLst/>
+            </a:prstGeom>
+            <a:ln w="38100">
+              <a:solidFill>
+                <a:srgbClr val="C50F3C"/>
+              </a:solidFill>
+              <a:tailEnd type="triangle"/>
+            </a:ln>
+          </p:spPr>
+          <p:style>
+            <a:lnRef idx="1">
+              <a:schemeClr val="accent1"/>
+            </a:lnRef>
+            <a:fillRef idx="0">
+              <a:schemeClr val="accent1"/>
+            </a:fillRef>
+            <a:effectRef idx="0">
+              <a:schemeClr val="accent1"/>
+            </a:effectRef>
+            <a:fontRef idx="minor">
+              <a:schemeClr val="tx1"/>
+            </a:fontRef>
+          </p:style>
+        </p:cxnSp>
+        <p:cxnSp>
+          <p:nvCxnSpPr>
+            <p:cNvPr id="13" name="Gerade Verbindung mit Pfeil 12">
+              <a:extLst>
+                <a:ext uri="{FF2B5EF4-FFF2-40B4-BE49-F238E27FC236}">
+                  <a16:creationId xmlns:a16="http://schemas.microsoft.com/office/drawing/2014/main" id="{48366583-62B7-DD98-DC41-D2EC0A84D3D0}"/>
+                </a:ext>
+              </a:extLst>
+            </p:cNvPr>
+            <p:cNvCxnSpPr>
+              <a:cxnSpLocks/>
+            </p:cNvCxnSpPr>
+            <p:nvPr/>
+          </p:nvCxnSpPr>
+          <p:spPr>
+            <a:xfrm flipV="1">
+              <a:off x="3973830" y="4013743"/>
+              <a:ext cx="0" cy="542267"/>
+            </a:xfrm>
+            <a:prstGeom prst="straightConnector1">
+              <a:avLst/>
+            </a:prstGeom>
+            <a:ln w="38100">
+              <a:solidFill>
+                <a:srgbClr val="C50F3C"/>
+              </a:solidFill>
+              <a:tailEnd type="triangle"/>
+            </a:ln>
+          </p:spPr>
+          <p:style>
+            <a:lnRef idx="1">
+              <a:schemeClr val="accent1"/>
+            </a:lnRef>
+            <a:fillRef idx="0">
+              <a:schemeClr val="accent1"/>
+            </a:fillRef>
+            <a:effectRef idx="0">
+              <a:schemeClr val="accent1"/>
+            </a:effectRef>
+            <a:fontRef idx="minor">
+              <a:schemeClr val="tx1"/>
+            </a:fontRef>
+          </p:style>
+        </p:cxnSp>
+        <p:cxnSp>
+          <p:nvCxnSpPr>
+            <p:cNvPr id="14" name="Gerade Verbindung mit Pfeil 13">
+              <a:extLst>
+                <a:ext uri="{FF2B5EF4-FFF2-40B4-BE49-F238E27FC236}">
+                  <a16:creationId xmlns:a16="http://schemas.microsoft.com/office/drawing/2014/main" id="{6306A267-9DD0-BC44-DD5A-374278A8207A}"/>
+                </a:ext>
+              </a:extLst>
+            </p:cNvPr>
+            <p:cNvCxnSpPr>
+              <a:cxnSpLocks/>
+            </p:cNvCxnSpPr>
+            <p:nvPr/>
+          </p:nvCxnSpPr>
+          <p:spPr>
+            <a:xfrm flipV="1">
+              <a:off x="6046470" y="4022503"/>
+              <a:ext cx="0" cy="542267"/>
+            </a:xfrm>
+            <a:prstGeom prst="straightConnector1">
+              <a:avLst/>
+            </a:prstGeom>
+            <a:ln w="38100">
+              <a:solidFill>
+                <a:srgbClr val="C50F3C"/>
+              </a:solidFill>
+              <a:tailEnd type="triangle"/>
+            </a:ln>
+          </p:spPr>
+          <p:style>
+            <a:lnRef idx="1">
+              <a:schemeClr val="accent1"/>
+            </a:lnRef>
+            <a:fillRef idx="0">
+              <a:schemeClr val="accent1"/>
+            </a:fillRef>
+            <a:effectRef idx="0">
+              <a:schemeClr val="accent1"/>
+            </a:effectRef>
+            <a:fontRef idx="minor">
+              <a:schemeClr val="tx1"/>
+            </a:fontRef>
+          </p:style>
+        </p:cxnSp>
+        <p:cxnSp>
+          <p:nvCxnSpPr>
+            <p:cNvPr id="15" name="Gerade Verbindung mit Pfeil 14">
+              <a:extLst>
+                <a:ext uri="{FF2B5EF4-FFF2-40B4-BE49-F238E27FC236}">
+                  <a16:creationId xmlns:a16="http://schemas.microsoft.com/office/drawing/2014/main" id="{57B495CF-A4BA-6CB9-2A6F-2EE4923ABC24}"/>
+                </a:ext>
+              </a:extLst>
+            </p:cNvPr>
+            <p:cNvCxnSpPr>
+              <a:cxnSpLocks/>
+            </p:cNvCxnSpPr>
+            <p:nvPr/>
+          </p:nvCxnSpPr>
+          <p:spPr>
+            <a:xfrm flipV="1">
+              <a:off x="8162925" y="4013743"/>
+              <a:ext cx="0" cy="542267"/>
+            </a:xfrm>
+            <a:prstGeom prst="straightConnector1">
+              <a:avLst/>
+            </a:prstGeom>
+            <a:ln w="38100">
+              <a:solidFill>
+                <a:srgbClr val="C50F3C"/>
+              </a:solidFill>
+              <a:tailEnd type="triangle"/>
+            </a:ln>
+          </p:spPr>
+          <p:style>
+            <a:lnRef idx="1">
+              <a:schemeClr val="accent1"/>
+            </a:lnRef>
+            <a:fillRef idx="0">
+              <a:schemeClr val="accent1"/>
+            </a:fillRef>
+            <a:effectRef idx="0">
+              <a:schemeClr val="accent1"/>
+            </a:effectRef>
+            <a:fontRef idx="minor">
+              <a:schemeClr val="tx1"/>
+            </a:fontRef>
+          </p:style>
+        </p:cxnSp>
+        <p:sp>
+          <p:nvSpPr>
+            <p:cNvPr id="17" name="Textfeld 16">
+              <a:extLst>
+                <a:ext uri="{FF2B5EF4-FFF2-40B4-BE49-F238E27FC236}">
+                  <a16:creationId xmlns:a16="http://schemas.microsoft.com/office/drawing/2014/main" id="{62CE16AC-AF2F-E398-6117-7291B07C562E}"/>
+                </a:ext>
+              </a:extLst>
+            </p:cNvPr>
+            <p:cNvSpPr txBox="1"/>
+            <p:nvPr/>
+          </p:nvSpPr>
+          <p:spPr>
+            <a:xfrm>
+              <a:off x="1005841" y="4657696"/>
+              <a:ext cx="1722118" cy="249812"/>
+            </a:xfrm>
+            <a:prstGeom prst="rect">
+              <a:avLst/>
+            </a:prstGeom>
+            <a:noFill/>
+          </p:spPr>
+          <p:txBody>
+            <a:bodyPr wrap="square" lIns="0" tIns="0" rIns="0" bIns="0" rtlCol="0">
+              <a:spAutoFit/>
+            </a:bodyPr>
+            <a:lstStyle/>
+            <a:p>
+              <a:pPr marL="0" marR="0" indent="0" algn="ctr" defTabSz="914400" rtl="0" eaLnBrk="1" fontAlgn="auto" latinLnBrk="0" hangingPunct="1">
+                <a:lnSpc>
+                  <a:spcPct val="110000"/>
+                </a:lnSpc>
+                <a:spcBef>
+                  <a:spcPts val="0"/>
+                </a:spcBef>
+                <a:spcAft>
+                  <a:spcPts val="1200"/>
+                </a:spcAft>
+                <a:buClrTx/>
+                <a:buSzTx/>
+                <a:buFont typeface="Arial" panose="020B0604020202020204" pitchFamily="34" charset="0"/>
+                <a:buNone/>
+                <a:tabLst/>
+              </a:pPr>
+              <a:r>
+                <a:rPr kumimoji="0" lang="de-DE" sz="1600" b="0" i="0" u="none" strike="noStrike" kern="1200" cap="none" spc="0" normalizeH="0" baseline="0" noProof="0" dirty="0">
+                  <a:ln>
+                    <a:noFill/>
+                  </a:ln>
+                  <a:solidFill>
+                    <a:prstClr val="black"/>
+                  </a:solidFill>
+                  <a:effectLst/>
+                  <a:uLnTx/>
+                  <a:uFillTx/>
+                  <a:latin typeface="Arial"/>
+                  <a:ea typeface="+mn-ea"/>
+                  <a:cs typeface="+mn-cs"/>
+                </a:rPr>
+                <a:t>Python</a:t>
+              </a:r>
+            </a:p>
+          </p:txBody>
+        </p:sp>
+        <p:sp>
+          <p:nvSpPr>
+            <p:cNvPr id="18" name="Textfeld 17">
+              <a:extLst>
+                <a:ext uri="{FF2B5EF4-FFF2-40B4-BE49-F238E27FC236}">
+                  <a16:creationId xmlns:a16="http://schemas.microsoft.com/office/drawing/2014/main" id="{4DD91446-C7B3-6D12-F449-FD708B6488BE}"/>
+                </a:ext>
+              </a:extLst>
+            </p:cNvPr>
+            <p:cNvSpPr txBox="1"/>
+            <p:nvPr/>
+          </p:nvSpPr>
+          <p:spPr>
+            <a:xfrm>
+              <a:off x="2707008" y="4634101"/>
+              <a:ext cx="2533643" cy="520655"/>
+            </a:xfrm>
+            <a:prstGeom prst="rect">
+              <a:avLst/>
+            </a:prstGeom>
+            <a:noFill/>
+          </p:spPr>
+          <p:txBody>
+            <a:bodyPr wrap="square" lIns="0" tIns="0" rIns="0" bIns="0" rtlCol="0">
+              <a:spAutoFit/>
+            </a:bodyPr>
+            <a:lstStyle/>
+            <a:p>
+              <a:pPr marL="0" marR="0" indent="0" algn="ctr" defTabSz="914400" rtl="0" eaLnBrk="1" fontAlgn="auto" latinLnBrk="0" hangingPunct="1">
+                <a:lnSpc>
+                  <a:spcPct val="110000"/>
+                </a:lnSpc>
+                <a:spcBef>
+                  <a:spcPts val="0"/>
+                </a:spcBef>
+                <a:spcAft>
+                  <a:spcPts val="1200"/>
+                </a:spcAft>
+                <a:buClrTx/>
+                <a:buSzTx/>
+                <a:buFont typeface="Arial" panose="020B0604020202020204" pitchFamily="34" charset="0"/>
+                <a:buNone/>
+                <a:tabLst/>
+              </a:pPr>
+              <a:r>
+                <a:rPr kumimoji="0" lang="de-DE" sz="1600" b="0" i="0" u="none" strike="noStrike" kern="1200" cap="none" spc="0" normalizeH="0" baseline="0" noProof="0" dirty="0">
+                  <a:ln>
+                    <a:noFill/>
+                  </a:ln>
+                  <a:solidFill>
+                    <a:prstClr val="black"/>
+                  </a:solidFill>
+                  <a:effectLst/>
+                  <a:uLnTx/>
+                  <a:uFillTx/>
+                  <a:latin typeface="Arial"/>
+                  <a:ea typeface="+mn-ea"/>
+                  <a:cs typeface="+mn-cs"/>
+                </a:rPr>
+                <a:t>COMPAS Dataset, German </a:t>
+              </a:r>
+              <a:r>
+                <a:rPr kumimoji="0" lang="de-DE" sz="1600" b="0" i="0" u="none" strike="noStrike" kern="1200" cap="none" spc="0" normalizeH="0" baseline="0" noProof="0" dirty="0" err="1">
+                  <a:ln>
+                    <a:noFill/>
+                  </a:ln>
+                  <a:solidFill>
+                    <a:prstClr val="black"/>
+                  </a:solidFill>
+                  <a:effectLst/>
+                  <a:uLnTx/>
+                  <a:uFillTx/>
+                  <a:latin typeface="Arial"/>
+                  <a:ea typeface="+mn-ea"/>
+                  <a:cs typeface="+mn-cs"/>
+                </a:rPr>
+                <a:t>Credit</a:t>
+              </a:r>
+              <a:r>
+                <a:rPr kumimoji="0" lang="de-DE" sz="1600" b="0" i="0" u="none" strike="noStrike" kern="1200" cap="none" spc="0" normalizeH="0" baseline="0" noProof="0" dirty="0">
+                  <a:ln>
+                    <a:noFill/>
+                  </a:ln>
+                  <a:solidFill>
+                    <a:prstClr val="black"/>
+                  </a:solidFill>
+                  <a:effectLst/>
+                  <a:uLnTx/>
+                  <a:uFillTx/>
+                  <a:latin typeface="Arial"/>
+                  <a:ea typeface="+mn-ea"/>
+                  <a:cs typeface="+mn-cs"/>
+                </a:rPr>
+                <a:t> Dataset (aif360)</a:t>
+              </a:r>
+            </a:p>
+          </p:txBody>
+        </p:sp>
+        <p:sp>
+          <p:nvSpPr>
+            <p:cNvPr id="19" name="Textfeld 18">
+              <a:extLst>
+                <a:ext uri="{FF2B5EF4-FFF2-40B4-BE49-F238E27FC236}">
+                  <a16:creationId xmlns:a16="http://schemas.microsoft.com/office/drawing/2014/main" id="{71738F5F-51DC-F590-814B-8EDA42BB3E7D}"/>
+                </a:ext>
+              </a:extLst>
+            </p:cNvPr>
+            <p:cNvSpPr txBox="1"/>
+            <p:nvPr/>
+          </p:nvSpPr>
+          <p:spPr>
+            <a:xfrm>
+              <a:off x="7076478" y="4657696"/>
+              <a:ext cx="2172893" cy="520655"/>
+            </a:xfrm>
+            <a:prstGeom prst="rect">
+              <a:avLst/>
+            </a:prstGeom>
+            <a:noFill/>
+          </p:spPr>
+          <p:txBody>
+            <a:bodyPr wrap="square" lIns="0" tIns="0" rIns="0" bIns="0" rtlCol="0">
+              <a:spAutoFit/>
+            </a:bodyPr>
+            <a:lstStyle/>
+            <a:p>
+              <a:pPr marL="0" marR="0" indent="0" algn="ctr" defTabSz="914400" rtl="0" eaLnBrk="1" fontAlgn="auto" latinLnBrk="0" hangingPunct="1">
+                <a:lnSpc>
+                  <a:spcPct val="110000"/>
+                </a:lnSpc>
+                <a:spcBef>
+                  <a:spcPts val="0"/>
+                </a:spcBef>
+                <a:spcAft>
+                  <a:spcPts val="1200"/>
+                </a:spcAft>
+                <a:buClrTx/>
+                <a:buSzTx/>
+                <a:buFont typeface="Arial" panose="020B0604020202020204" pitchFamily="34" charset="0"/>
+                <a:buNone/>
+                <a:tabLst/>
+              </a:pPr>
+              <a:r>
+                <a:rPr lang="de-DE" sz="1600" dirty="0">
+                  <a:solidFill>
+                    <a:prstClr val="black"/>
+                  </a:solidFill>
+                  <a:latin typeface="Arial"/>
+                </a:rPr>
+                <a:t>Datasets aus </a:t>
+              </a:r>
+              <a:r>
+                <a:rPr lang="de-DE" sz="1600" dirty="0" err="1">
+                  <a:solidFill>
+                    <a:prstClr val="black"/>
+                  </a:solidFill>
+                  <a:latin typeface="Arial"/>
+                </a:rPr>
+                <a:t>Exp</a:t>
+              </a:r>
+              <a:r>
+                <a:rPr lang="de-DE" sz="1600" dirty="0">
+                  <a:solidFill>
+                    <a:prstClr val="black"/>
+                  </a:solidFill>
+                  <a:latin typeface="Arial"/>
+                </a:rPr>
+                <a:t>. 1 auf andere </a:t>
+              </a:r>
+              <a:r>
+                <a:rPr lang="de-DE" sz="1600" dirty="0" err="1">
+                  <a:solidFill>
+                    <a:prstClr val="black"/>
+                  </a:solidFill>
+                  <a:latin typeface="Arial"/>
+                </a:rPr>
+                <a:t>Biases</a:t>
+              </a:r>
+              <a:r>
+                <a:rPr lang="de-DE" sz="1600" dirty="0">
+                  <a:solidFill>
+                    <a:prstClr val="black"/>
+                  </a:solidFill>
+                  <a:latin typeface="Arial"/>
+                </a:rPr>
+                <a:t>, </a:t>
+              </a:r>
+              <a:r>
+                <a:rPr lang="de-DE" sz="1600" dirty="0" err="1">
+                  <a:solidFill>
+                    <a:prstClr val="black"/>
+                  </a:solidFill>
+                  <a:latin typeface="Arial"/>
+                </a:rPr>
+                <a:t>tbd</a:t>
+              </a:r>
+              <a:r>
+                <a:rPr lang="de-DE" sz="1600" dirty="0">
+                  <a:solidFill>
+                    <a:prstClr val="black"/>
+                  </a:solidFill>
+                  <a:latin typeface="Arial"/>
+                </a:rPr>
+                <a:t>.</a:t>
+              </a:r>
+              <a:endParaRPr kumimoji="0" lang="de-DE" sz="1600" b="0" i="0" u="none" strike="noStrike" kern="1200" cap="none" spc="0" normalizeH="0" baseline="0" noProof="0" dirty="0">
+                <a:ln>
+                  <a:noFill/>
+                </a:ln>
+                <a:solidFill>
+                  <a:prstClr val="black"/>
+                </a:solidFill>
+                <a:effectLst/>
+                <a:uLnTx/>
+                <a:uFillTx/>
+                <a:latin typeface="Arial"/>
+                <a:ea typeface="+mn-ea"/>
+                <a:cs typeface="+mn-cs"/>
+              </a:endParaRPr>
+            </a:p>
+          </p:txBody>
+        </p:sp>
+        <p:sp>
+          <p:nvSpPr>
+            <p:cNvPr id="22" name="Textfeld 21">
+              <a:extLst>
+                <a:ext uri="{FF2B5EF4-FFF2-40B4-BE49-F238E27FC236}">
+                  <a16:creationId xmlns:a16="http://schemas.microsoft.com/office/drawing/2014/main" id="{A0A4669B-E541-1CA7-2AE4-9640DB1D75DE}"/>
+                </a:ext>
+              </a:extLst>
+            </p:cNvPr>
+            <p:cNvSpPr txBox="1"/>
+            <p:nvPr/>
+          </p:nvSpPr>
+          <p:spPr>
+            <a:xfrm>
+              <a:off x="5831683" y="4678437"/>
+              <a:ext cx="429573" cy="249812"/>
+            </a:xfrm>
+            <a:prstGeom prst="rect">
+              <a:avLst/>
+            </a:prstGeom>
+            <a:noFill/>
+          </p:spPr>
+          <p:txBody>
+            <a:bodyPr wrap="square" lIns="0" tIns="0" rIns="0" bIns="0" rtlCol="0">
+              <a:spAutoFit/>
+            </a:bodyPr>
+            <a:lstStyle/>
+            <a:p>
+              <a:pPr marL="0" marR="0" indent="0" algn="ctr" defTabSz="914400" rtl="0" eaLnBrk="1" fontAlgn="auto" latinLnBrk="0" hangingPunct="1">
+                <a:lnSpc>
+                  <a:spcPct val="110000"/>
+                </a:lnSpc>
+                <a:spcBef>
+                  <a:spcPts val="0"/>
+                </a:spcBef>
+                <a:spcAft>
+                  <a:spcPts val="1200"/>
+                </a:spcAft>
+                <a:buClrTx/>
+                <a:buSzTx/>
+                <a:buFont typeface="Arial" panose="020B0604020202020204" pitchFamily="34" charset="0"/>
+                <a:buNone/>
+                <a:tabLst/>
+              </a:pPr>
+              <a:r>
+                <a:rPr kumimoji="0" lang="de-DE" sz="1600" b="0" i="0" u="none" strike="noStrike" kern="1200" cap="none" spc="0" normalizeH="0" baseline="0" noProof="0" dirty="0">
+                  <a:ln>
+                    <a:noFill/>
+                  </a:ln>
+                  <a:solidFill>
+                    <a:prstClr val="black"/>
+                  </a:solidFill>
+                  <a:effectLst/>
+                  <a:uLnTx/>
+                  <a:uFillTx/>
+                  <a:latin typeface="Arial"/>
+                  <a:ea typeface="+mn-ea"/>
+                  <a:cs typeface="+mn-cs"/>
+                </a:rPr>
+                <a:t>?</a:t>
+              </a:r>
+            </a:p>
+          </p:txBody>
+        </p:sp>
+      </p:grpSp>
+    </p:spTree>
+    <p:extLst>
+      <p:ext uri="{BB962C8B-B14F-4D97-AF65-F5344CB8AC3E}">
+        <p14:creationId xmlns:p14="http://schemas.microsoft.com/office/powerpoint/2010/main" val="772458879"/>
+      </p:ext>
+    </p:extLst>
+  </p:cSld>
+  <p:clrMapOvr>
+    <a:masterClrMapping/>
+  </p:clrMapOvr>
+</p:sld>
+</file>
+
+<file path=ppt/slides/slide21.xml><?xml version="1.0" encoding="utf-8"?>
+<p:sld xmlns:a="http://schemas.openxmlformats.org/drawingml/2006/main" xmlns:r="http://schemas.openxmlformats.org/officeDocument/2006/relationships" xmlns:p="http://schemas.openxmlformats.org/presentationml/2006/main">
+  <p:cSld>
+    <p:spTree>
+      <p:nvGrpSpPr>
+        <p:cNvPr id="1" name=""/>
+        <p:cNvGrpSpPr/>
+        <p:nvPr/>
+      </p:nvGrpSpPr>
+      <p:grpSpPr>
+        <a:xfrm>
+          <a:off x="0" y="0"/>
+          <a:ext cx="0" cy="0"/>
+          <a:chOff x="0" y="0"/>
+          <a:chExt cx="0" cy="0"/>
+        </a:xfrm>
+      </p:grpSpPr>
+      <p:sp>
+        <p:nvSpPr>
+          <p:cNvPr id="32" name="Textplatzhalter 31">
+            <a:extLst>
+              <a:ext uri="{FF2B5EF4-FFF2-40B4-BE49-F238E27FC236}">
+                <a16:creationId xmlns:a16="http://schemas.microsoft.com/office/drawing/2014/main" id="{822F10C4-5C7B-EB1B-6862-AE72076F0EAE}"/>
+              </a:ext>
+            </a:extLst>
+          </p:cNvPr>
+          <p:cNvSpPr>
+            <a:spLocks noGrp="1"/>
+          </p:cNvSpPr>
+          <p:nvPr>
+            <p:ph type="body" sz="quarter" idx="13"/>
+          </p:nvPr>
+        </p:nvSpPr>
+        <p:spPr>
+          <a:xfrm>
+            <a:off x="518317" y="2647985"/>
+            <a:ext cx="11157745" cy="1562031"/>
+          </a:xfrm>
+        </p:spPr>
+        <p:txBody>
+          <a:bodyPr/>
+          <a:lstStyle/>
+          <a:p>
+            <a:r>
+              <a:rPr lang="de-DE" dirty="0"/>
+              <a:t>Vielen Dank für eure </a:t>
+            </a:r>
+          </a:p>
+          <a:p>
+            <a:r>
+              <a:rPr lang="de-DE" dirty="0"/>
+              <a:t>Aufmerksamkeit</a:t>
+            </a:r>
+          </a:p>
+        </p:txBody>
+      </p:sp>
+      <p:sp>
+        <p:nvSpPr>
+          <p:cNvPr id="2" name="Datumsplatzhalter 1">
+            <a:extLst>
+              <a:ext uri="{FF2B5EF4-FFF2-40B4-BE49-F238E27FC236}">
+                <a16:creationId xmlns:a16="http://schemas.microsoft.com/office/drawing/2014/main" id="{F982CCC3-22A8-43D8-9D7F-0A6E2AC8C337}"/>
+              </a:ext>
+            </a:extLst>
+          </p:cNvPr>
+          <p:cNvSpPr>
+            <a:spLocks noGrp="1"/>
+          </p:cNvSpPr>
+          <p:nvPr>
+            <p:ph type="dt" sz="half" idx="4294967295"/>
+          </p:nvPr>
+        </p:nvSpPr>
+        <p:spPr>
+          <a:xfrm>
+            <a:off x="11342688" y="6634163"/>
+            <a:ext cx="849312" cy="123825"/>
+          </a:xfrm>
+        </p:spPr>
+        <p:txBody>
+          <a:bodyPr/>
+          <a:lstStyle/>
+          <a:p>
+            <a:fld id="{974F31EF-6EA6-4A24-8992-69DC7A69151C}" type="datetime4">
+              <a:rPr lang="de-DE" smtClean="0"/>
+              <a:t>15. Dezember 2022</a:t>
+            </a:fld>
+            <a:endParaRPr lang="de-DE"/>
+          </a:p>
+        </p:txBody>
+      </p:sp>
+      <p:sp>
+        <p:nvSpPr>
+          <p:cNvPr id="3" name="Fußzeilenplatzhalter 2">
+            <a:extLst>
+              <a:ext uri="{FF2B5EF4-FFF2-40B4-BE49-F238E27FC236}">
+                <a16:creationId xmlns:a16="http://schemas.microsoft.com/office/drawing/2014/main" id="{2E068204-A6FE-F4ED-690E-22872D79D6E7}"/>
+              </a:ext>
+            </a:extLst>
+          </p:cNvPr>
+          <p:cNvSpPr>
+            <a:spLocks noGrp="1"/>
+          </p:cNvSpPr>
+          <p:nvPr>
+            <p:ph type="ftr" sz="quarter" idx="4294967295"/>
+          </p:nvPr>
+        </p:nvSpPr>
+        <p:spPr>
+          <a:xfrm>
+            <a:off x="0" y="6634163"/>
+            <a:ext cx="9574213" cy="123825"/>
+          </a:xfrm>
+        </p:spPr>
+        <p:txBody>
+          <a:bodyPr/>
+          <a:lstStyle/>
+          <a:p>
+            <a:r>
+              <a:rPr lang="de-DE"/>
+              <a:t>Wirtschafts- und Sozialwissenschaften | WiSo</a:t>
+            </a:r>
+          </a:p>
+        </p:txBody>
+      </p:sp>
+      <p:sp>
+        <p:nvSpPr>
+          <p:cNvPr id="4" name="Foliennummernplatzhalter 3">
+            <a:extLst>
+              <a:ext uri="{FF2B5EF4-FFF2-40B4-BE49-F238E27FC236}">
+                <a16:creationId xmlns:a16="http://schemas.microsoft.com/office/drawing/2014/main" id="{CB11C3A7-7FEE-011D-55D5-B3A80CEF0818}"/>
+              </a:ext>
+            </a:extLst>
+          </p:cNvPr>
+          <p:cNvSpPr>
+            <a:spLocks noGrp="1"/>
+          </p:cNvSpPr>
+          <p:nvPr>
+            <p:ph type="sldNum" sz="quarter" idx="4294967295"/>
+          </p:nvPr>
+        </p:nvSpPr>
+        <p:spPr>
+          <a:xfrm>
+            <a:off x="11998325" y="6634163"/>
+            <a:ext cx="193675" cy="123825"/>
+          </a:xfrm>
+        </p:spPr>
+        <p:txBody>
+          <a:bodyPr/>
+          <a:lstStyle/>
+          <a:p>
+            <a:fld id="{D949F9DF-37BD-4CD6-BF49-65BA579E1D7A}" type="slidenum">
+              <a:rPr lang="de-DE" smtClean="0"/>
+              <a:pPr/>
+              <a:t>21</a:t>
+            </a:fld>
+            <a:endParaRPr lang="de-DE"/>
+          </a:p>
+        </p:txBody>
+      </p:sp>
+    </p:spTree>
+    <p:extLst>
+      <p:ext uri="{BB962C8B-B14F-4D97-AF65-F5344CB8AC3E}">
+        <p14:creationId xmlns:p14="http://schemas.microsoft.com/office/powerpoint/2010/main" val="661126707"/>
+      </p:ext>
+    </p:extLst>
+  </p:cSld>
+  <p:clrMapOvr>
+    <a:masterClrMapping/>
+  </p:clrMapOvr>
+</p:sld>
+</file>
+
+<file path=ppt/slides/slide3.xml><?xml version="1.0" encoding="utf-8"?>
+<p:sld xmlns:a="http://schemas.openxmlformats.org/drawingml/2006/main" xmlns:r="http://schemas.openxmlformats.org/officeDocument/2006/relationships" xmlns:p="http://schemas.openxmlformats.org/presentationml/2006/main">
+  <p:cSld>
+    <p:spTree>
+      <p:nvGrpSpPr>
+        <p:cNvPr id="1" name=""/>
+        <p:cNvGrpSpPr/>
+        <p:nvPr/>
+      </p:nvGrpSpPr>
+      <p:grpSpPr>
+        <a:xfrm>
+          <a:off x="0" y="0"/>
+          <a:ext cx="0" cy="0"/>
+          <a:chOff x="0" y="0"/>
+          <a:chExt cx="0" cy="0"/>
+        </a:xfrm>
+      </p:grpSpPr>
+      <p:sp>
+        <p:nvSpPr>
+          <p:cNvPr id="21" name="Titel 20">
+            <a:extLst>
+              <a:ext uri="{FF2B5EF4-FFF2-40B4-BE49-F238E27FC236}">
+                <a16:creationId xmlns:a16="http://schemas.microsoft.com/office/drawing/2014/main" id="{3018BD05-96D8-43F2-A6AA-CC40E7C32CCE}"/>
+              </a:ext>
+            </a:extLst>
+          </p:cNvPr>
+          <p:cNvSpPr>
+            <a:spLocks noGrp="1"/>
+          </p:cNvSpPr>
+          <p:nvPr>
+            <p:ph type="title"/>
+          </p:nvPr>
+        </p:nvSpPr>
+        <p:spPr>
+          <a:xfrm>
+            <a:off x="518318" y="3152001"/>
+            <a:ext cx="11157743" cy="553998"/>
+          </a:xfrm>
+        </p:spPr>
+        <p:txBody>
+          <a:bodyPr/>
+          <a:lstStyle/>
+          <a:p>
+            <a:r>
+              <a:rPr lang="de-DE" dirty="0"/>
+              <a:t>1. Problem</a:t>
+            </a:r>
+          </a:p>
+        </p:txBody>
+      </p:sp>
+      <p:sp>
+        <p:nvSpPr>
+          <p:cNvPr id="2" name="Datumsplatzhalter 1">
+            <a:extLst>
+              <a:ext uri="{FF2B5EF4-FFF2-40B4-BE49-F238E27FC236}">
+                <a16:creationId xmlns:a16="http://schemas.microsoft.com/office/drawing/2014/main" id="{FE7214E1-5D14-4D0B-BADD-2E239FECEC10}"/>
+              </a:ext>
+            </a:extLst>
+          </p:cNvPr>
+          <p:cNvSpPr>
+            <a:spLocks noGrp="1"/>
+          </p:cNvSpPr>
+          <p:nvPr>
+            <p:ph type="dt" sz="half" idx="10"/>
+          </p:nvPr>
+        </p:nvSpPr>
+        <p:spPr/>
+        <p:txBody>
+          <a:bodyPr/>
+          <a:lstStyle/>
+          <a:p>
+            <a:fld id="{D529D632-EE07-48FA-B475-B0D49CBC7F92}" type="datetime4">
+              <a:rPr lang="de-DE" smtClean="0"/>
+              <a:pPr/>
+              <a:t>15. Dezember 2022</a:t>
+            </a:fld>
+            <a:endParaRPr lang="de-DE" dirty="0"/>
+          </a:p>
+        </p:txBody>
+      </p:sp>
+      <p:sp>
+        <p:nvSpPr>
+          <p:cNvPr id="3" name="Fußzeilenplatzhalter 2">
+            <a:extLst>
+              <a:ext uri="{FF2B5EF4-FFF2-40B4-BE49-F238E27FC236}">
+                <a16:creationId xmlns:a16="http://schemas.microsoft.com/office/drawing/2014/main" id="{6A6AD034-0F65-47AF-9CAA-C4B0CEB30D4D}"/>
+              </a:ext>
+            </a:extLst>
+          </p:cNvPr>
+          <p:cNvSpPr>
+            <a:spLocks noGrp="1"/>
+          </p:cNvSpPr>
+          <p:nvPr>
+            <p:ph type="ftr" sz="quarter" idx="11"/>
+          </p:nvPr>
+        </p:nvSpPr>
+        <p:spPr/>
+        <p:txBody>
+          <a:bodyPr/>
+          <a:lstStyle/>
+          <a:p>
+            <a:r>
+              <a:rPr lang="de-DE" b="1" dirty="0"/>
+              <a:t>Philippe Huber</a:t>
+            </a:r>
+            <a:r>
+              <a:rPr lang="de-DE" dirty="0"/>
+              <a:t>, Rene Jokiel</a:t>
+            </a:r>
+          </a:p>
+        </p:txBody>
+      </p:sp>
+      <p:sp>
+        <p:nvSpPr>
+          <p:cNvPr id="4" name="Foliennummernplatzhalter 3">
+            <a:extLst>
+              <a:ext uri="{FF2B5EF4-FFF2-40B4-BE49-F238E27FC236}">
+                <a16:creationId xmlns:a16="http://schemas.microsoft.com/office/drawing/2014/main" id="{00F7E098-F740-40F7-A085-7034627D9148}"/>
+              </a:ext>
+            </a:extLst>
+          </p:cNvPr>
+          <p:cNvSpPr>
+            <a:spLocks noGrp="1"/>
+          </p:cNvSpPr>
+          <p:nvPr>
+            <p:ph type="sldNum" sz="quarter" idx="12"/>
+          </p:nvPr>
+        </p:nvSpPr>
+        <p:spPr/>
+        <p:txBody>
+          <a:bodyPr/>
+          <a:lstStyle/>
+          <a:p>
+            <a:fld id="{D949F9DF-37BD-4CD6-BF49-65BA579E1D7A}" type="slidenum">
+              <a:rPr lang="de-DE" smtClean="0"/>
+              <a:pPr/>
+              <a:t>3</a:t>
+            </a:fld>
+            <a:endParaRPr lang="de-DE"/>
+          </a:p>
+        </p:txBody>
+      </p:sp>
+    </p:spTree>
+    <p:extLst>
+      <p:ext uri="{BB962C8B-B14F-4D97-AF65-F5344CB8AC3E}">
+        <p14:creationId xmlns:p14="http://schemas.microsoft.com/office/powerpoint/2010/main" val="2829534537"/>
+      </p:ext>
+    </p:extLst>
+  </p:cSld>
+  <p:clrMapOvr>
+    <a:masterClrMapping/>
+  </p:clrMapOvr>
+</p:sld>
+</file>
+
+<file path=ppt/slides/slide4.xml><?xml version="1.0" encoding="utf-8"?>
+<p:sld xmlns:a="http://schemas.openxmlformats.org/drawingml/2006/main" xmlns:r="http://schemas.openxmlformats.org/officeDocument/2006/relationships" xmlns:p="http://schemas.openxmlformats.org/presentationml/2006/main">
+  <p:cSld>
+    <p:spTree>
+      <p:nvGrpSpPr>
+        <p:cNvPr id="1" name=""/>
+        <p:cNvGrpSpPr/>
+        <p:nvPr/>
+      </p:nvGrpSpPr>
+      <p:grpSpPr>
+        <a:xfrm>
+          <a:off x="0" y="0"/>
+          <a:ext cx="0" cy="0"/>
+          <a:chOff x="0" y="0"/>
+          <a:chExt cx="0" cy="0"/>
+        </a:xfrm>
+      </p:grpSpPr>
+      <p:sp>
+        <p:nvSpPr>
+          <p:cNvPr id="3" name="Datumsplatzhalter 2">
+            <a:extLst>
+              <a:ext uri="{FF2B5EF4-FFF2-40B4-BE49-F238E27FC236}">
+                <a16:creationId xmlns:a16="http://schemas.microsoft.com/office/drawing/2014/main" id="{2A351964-2BB6-97F3-6B22-336C5567411D}"/>
+              </a:ext>
+            </a:extLst>
+          </p:cNvPr>
+          <p:cNvSpPr>
+            <a:spLocks noGrp="1"/>
+          </p:cNvSpPr>
+          <p:nvPr>
+            <p:ph type="dt" sz="half" idx="10"/>
+          </p:nvPr>
+        </p:nvSpPr>
+        <p:spPr/>
+        <p:txBody>
+          <a:bodyPr/>
+          <a:lstStyle/>
+          <a:p>
+            <a:fld id="{5C89B0C6-E378-43D9-87B6-F295F13B6DA2}" type="datetime4">
+              <a:rPr lang="de-DE" smtClean="0"/>
+              <a:t>15. Dezember 2022</a:t>
+            </a:fld>
+            <a:endParaRPr lang="de-DE" dirty="0"/>
+          </a:p>
+        </p:txBody>
+      </p:sp>
+      <p:sp>
+        <p:nvSpPr>
+          <p:cNvPr id="4" name="Fußzeilenplatzhalter 3">
+            <a:extLst>
+              <a:ext uri="{FF2B5EF4-FFF2-40B4-BE49-F238E27FC236}">
+                <a16:creationId xmlns:a16="http://schemas.microsoft.com/office/drawing/2014/main" id="{1408DCD8-0AA7-E516-1759-8D2382782060}"/>
+              </a:ext>
+            </a:extLst>
+          </p:cNvPr>
+          <p:cNvSpPr>
+            <a:spLocks noGrp="1"/>
+          </p:cNvSpPr>
+          <p:nvPr>
+            <p:ph type="ftr" sz="quarter" idx="11"/>
+          </p:nvPr>
+        </p:nvSpPr>
+        <p:spPr/>
+        <p:txBody>
+          <a:bodyPr/>
+          <a:lstStyle/>
+          <a:p>
+            <a:r>
+              <a:rPr lang="de-DE" dirty="0"/>
+              <a:t>Philippe Huber, Rene Jokiel</a:t>
+            </a:r>
+          </a:p>
+        </p:txBody>
+      </p:sp>
+      <p:sp>
+        <p:nvSpPr>
+          <p:cNvPr id="5" name="Foliennummernplatzhalter 4">
+            <a:extLst>
+              <a:ext uri="{FF2B5EF4-FFF2-40B4-BE49-F238E27FC236}">
+                <a16:creationId xmlns:a16="http://schemas.microsoft.com/office/drawing/2014/main" id="{7CC781B4-8E2A-7EAA-0553-BD86241E8C36}"/>
+              </a:ext>
+            </a:extLst>
+          </p:cNvPr>
+          <p:cNvSpPr>
+            <a:spLocks noGrp="1"/>
+          </p:cNvSpPr>
+          <p:nvPr>
+            <p:ph type="sldNum" sz="quarter" idx="12"/>
+          </p:nvPr>
+        </p:nvSpPr>
+        <p:spPr/>
+        <p:txBody>
+          <a:bodyPr/>
+          <a:lstStyle/>
+          <a:p>
+            <a:fld id="{D949F9DF-37BD-4CD6-BF49-65BA579E1D7A}" type="slidenum">
+              <a:rPr lang="de-DE" smtClean="0"/>
+              <a:pPr/>
+              <a:t>4</a:t>
+            </a:fld>
+            <a:endParaRPr lang="de-DE"/>
+          </a:p>
+        </p:txBody>
+      </p:sp>
+      <p:sp>
+        <p:nvSpPr>
+          <p:cNvPr id="9" name="Textplatzhalter 8">
+            <a:extLst>
+              <a:ext uri="{FF2B5EF4-FFF2-40B4-BE49-F238E27FC236}">
+                <a16:creationId xmlns:a16="http://schemas.microsoft.com/office/drawing/2014/main" id="{21FCF248-E52B-AAAC-8191-981DF0055B56}"/>
+              </a:ext>
+            </a:extLst>
+          </p:cNvPr>
+          <p:cNvSpPr>
+            <a:spLocks noGrp="1"/>
+          </p:cNvSpPr>
+          <p:nvPr>
+            <p:ph type="body" sz="quarter" idx="39"/>
+          </p:nvPr>
+        </p:nvSpPr>
+        <p:spPr/>
+        <p:txBody>
+          <a:bodyPr/>
+          <a:lstStyle/>
+          <a:p>
+            <a:endParaRPr lang="de-DE" dirty="0"/>
+          </a:p>
+        </p:txBody>
+      </p:sp>
+      <p:sp>
+        <p:nvSpPr>
+          <p:cNvPr id="6" name="Titel 5">
+            <a:extLst>
+              <a:ext uri="{FF2B5EF4-FFF2-40B4-BE49-F238E27FC236}">
+                <a16:creationId xmlns:a16="http://schemas.microsoft.com/office/drawing/2014/main" id="{141A52E9-C3AF-262C-EBCF-F1578441CFAF}"/>
+              </a:ext>
+            </a:extLst>
+          </p:cNvPr>
+          <p:cNvSpPr>
+            <a:spLocks noGrp="1"/>
+          </p:cNvSpPr>
+          <p:nvPr>
+            <p:ph type="title"/>
+          </p:nvPr>
+        </p:nvSpPr>
+        <p:spPr/>
+        <p:txBody>
+          <a:bodyPr/>
+          <a:lstStyle/>
+          <a:p>
+            <a:endParaRPr lang="de-DE" dirty="0"/>
+          </a:p>
+        </p:txBody>
+      </p:sp>
+      <p:sp>
+        <p:nvSpPr>
+          <p:cNvPr id="7" name="Textplatzhalter 6">
+            <a:extLst>
+              <a:ext uri="{FF2B5EF4-FFF2-40B4-BE49-F238E27FC236}">
+                <a16:creationId xmlns:a16="http://schemas.microsoft.com/office/drawing/2014/main" id="{729D91F5-AF69-2294-FA98-A806524F9A08}"/>
+              </a:ext>
+            </a:extLst>
+          </p:cNvPr>
+          <p:cNvSpPr>
+            <a:spLocks noGrp="1"/>
+          </p:cNvSpPr>
+          <p:nvPr>
+            <p:ph type="body" sz="quarter" idx="13"/>
+          </p:nvPr>
+        </p:nvSpPr>
+        <p:spPr/>
+        <p:txBody>
+          <a:bodyPr/>
+          <a:lstStyle/>
+          <a:p>
+            <a:endParaRPr lang="de-DE" dirty="0"/>
+          </a:p>
+        </p:txBody>
+      </p:sp>
+    </p:spTree>
+    <p:extLst>
+      <p:ext uri="{BB962C8B-B14F-4D97-AF65-F5344CB8AC3E}">
+        <p14:creationId xmlns:p14="http://schemas.microsoft.com/office/powerpoint/2010/main" val="2712848421"/>
+      </p:ext>
+    </p:extLst>
+  </p:cSld>
+  <p:clrMapOvr>
+    <a:masterClrMapping/>
+  </p:clrMapOvr>
+</p:sld>
+</file>
+
+<file path=ppt/slides/slide5.xml><?xml version="1.0" encoding="utf-8"?>
+<p:sld xmlns:a="http://schemas.openxmlformats.org/drawingml/2006/main" xmlns:r="http://schemas.openxmlformats.org/officeDocument/2006/relationships" xmlns:p="http://schemas.openxmlformats.org/presentationml/2006/main">
+  <p:cSld>
+    <p:spTree>
+      <p:nvGrpSpPr>
+        <p:cNvPr id="1" name=""/>
+        <p:cNvGrpSpPr/>
+        <p:nvPr/>
+      </p:nvGrpSpPr>
+      <p:grpSpPr>
+        <a:xfrm>
+          <a:off x="0" y="0"/>
+          <a:ext cx="0" cy="0"/>
+          <a:chOff x="0" y="0"/>
+          <a:chExt cx="0" cy="0"/>
+        </a:xfrm>
+      </p:grpSpPr>
+      <p:sp>
+        <p:nvSpPr>
+          <p:cNvPr id="21" name="Titel 20">
+            <a:extLst>
+              <a:ext uri="{FF2B5EF4-FFF2-40B4-BE49-F238E27FC236}">
+                <a16:creationId xmlns:a16="http://schemas.microsoft.com/office/drawing/2014/main" id="{3018BD05-96D8-43F2-A6AA-CC40E7C32CCE}"/>
+              </a:ext>
+            </a:extLst>
+          </p:cNvPr>
+          <p:cNvSpPr>
+            <a:spLocks noGrp="1"/>
+          </p:cNvSpPr>
+          <p:nvPr>
+            <p:ph type="title"/>
+          </p:nvPr>
+        </p:nvSpPr>
+        <p:spPr>
+          <a:xfrm>
+            <a:off x="518318" y="3152001"/>
+            <a:ext cx="11157743" cy="553998"/>
+          </a:xfrm>
+        </p:spPr>
+        <p:txBody>
+          <a:bodyPr/>
+          <a:lstStyle/>
+          <a:p>
+            <a:r>
+              <a:rPr lang="de-DE" dirty="0"/>
+              <a:t>2. Stand der Wissenschaft</a:t>
+            </a:r>
+          </a:p>
+        </p:txBody>
+      </p:sp>
+      <p:sp>
+        <p:nvSpPr>
+          <p:cNvPr id="2" name="Datumsplatzhalter 1">
+            <a:extLst>
+              <a:ext uri="{FF2B5EF4-FFF2-40B4-BE49-F238E27FC236}">
+                <a16:creationId xmlns:a16="http://schemas.microsoft.com/office/drawing/2014/main" id="{FE7214E1-5D14-4D0B-BADD-2E239FECEC10}"/>
+              </a:ext>
+            </a:extLst>
+          </p:cNvPr>
+          <p:cNvSpPr>
+            <a:spLocks noGrp="1"/>
+          </p:cNvSpPr>
+          <p:nvPr>
+            <p:ph type="dt" sz="half" idx="10"/>
+          </p:nvPr>
+        </p:nvSpPr>
+        <p:spPr/>
+        <p:txBody>
+          <a:bodyPr/>
+          <a:lstStyle/>
+          <a:p>
+            <a:fld id="{D529D632-EE07-48FA-B475-B0D49CBC7F92}" type="datetime4">
+              <a:rPr lang="de-DE" smtClean="0"/>
+              <a:pPr/>
+              <a:t>15. Dezember 2022</a:t>
+            </a:fld>
+            <a:endParaRPr lang="de-DE" dirty="0"/>
+          </a:p>
+        </p:txBody>
+      </p:sp>
+      <p:sp>
+        <p:nvSpPr>
+          <p:cNvPr id="3" name="Fußzeilenplatzhalter 2">
+            <a:extLst>
+              <a:ext uri="{FF2B5EF4-FFF2-40B4-BE49-F238E27FC236}">
+                <a16:creationId xmlns:a16="http://schemas.microsoft.com/office/drawing/2014/main" id="{6A6AD034-0F65-47AF-9CAA-C4B0CEB30D4D}"/>
+              </a:ext>
+            </a:extLst>
+          </p:cNvPr>
+          <p:cNvSpPr>
+            <a:spLocks noGrp="1"/>
+          </p:cNvSpPr>
+          <p:nvPr>
+            <p:ph type="ftr" sz="quarter" idx="11"/>
+          </p:nvPr>
+        </p:nvSpPr>
+        <p:spPr/>
+        <p:txBody>
+          <a:bodyPr/>
+          <a:lstStyle/>
+          <a:p>
+            <a:r>
+              <a:rPr lang="de-DE" b="1" dirty="0"/>
+              <a:t>Philippe Huber</a:t>
+            </a:r>
+            <a:r>
+              <a:rPr lang="de-DE" dirty="0"/>
+              <a:t>, Rene Jokiel</a:t>
+            </a:r>
+          </a:p>
+        </p:txBody>
+      </p:sp>
+      <p:sp>
+        <p:nvSpPr>
+          <p:cNvPr id="4" name="Foliennummernplatzhalter 3">
+            <a:extLst>
+              <a:ext uri="{FF2B5EF4-FFF2-40B4-BE49-F238E27FC236}">
+                <a16:creationId xmlns:a16="http://schemas.microsoft.com/office/drawing/2014/main" id="{00F7E098-F740-40F7-A085-7034627D9148}"/>
+              </a:ext>
+            </a:extLst>
+          </p:cNvPr>
+          <p:cNvSpPr>
+            <a:spLocks noGrp="1"/>
+          </p:cNvSpPr>
+          <p:nvPr>
+            <p:ph type="sldNum" sz="quarter" idx="12"/>
+          </p:nvPr>
+        </p:nvSpPr>
+        <p:spPr/>
+        <p:txBody>
+          <a:bodyPr/>
+          <a:lstStyle/>
+          <a:p>
+            <a:fld id="{D949F9DF-37BD-4CD6-BF49-65BA579E1D7A}" type="slidenum">
+              <a:rPr lang="de-DE" smtClean="0"/>
+              <a:pPr/>
+              <a:t>5</a:t>
+            </a:fld>
+            <a:endParaRPr lang="de-DE"/>
+          </a:p>
+        </p:txBody>
+      </p:sp>
+    </p:spTree>
+    <p:extLst>
+      <p:ext uri="{BB962C8B-B14F-4D97-AF65-F5344CB8AC3E}">
+        <p14:creationId xmlns:p14="http://schemas.microsoft.com/office/powerpoint/2010/main" val="506992172"/>
+      </p:ext>
+    </p:extLst>
+  </p:cSld>
+  <p:clrMapOvr>
+    <a:masterClrMapping/>
+  </p:clrMapOvr>
+</p:sld>
+</file>
+
+<file path=ppt/slides/slide6.xml><?xml version="1.0" encoding="utf-8"?>
+<p:sld xmlns:a="http://schemas.openxmlformats.org/drawingml/2006/main" xmlns:r="http://schemas.openxmlformats.org/officeDocument/2006/relationships" xmlns:p="http://schemas.openxmlformats.org/presentationml/2006/main">
+  <p:cSld>
+    <p:spTree>
+      <p:nvGrpSpPr>
+        <p:cNvPr id="1" name=""/>
+        <p:cNvGrpSpPr/>
+        <p:nvPr/>
+      </p:nvGrpSpPr>
+      <p:grpSpPr>
+        <a:xfrm>
+          <a:off x="0" y="0"/>
+          <a:ext cx="0" cy="0"/>
+          <a:chOff x="0" y="0"/>
+          <a:chExt cx="0" cy="0"/>
+        </a:xfrm>
+      </p:grpSpPr>
+      <p:sp>
+        <p:nvSpPr>
+          <p:cNvPr id="3" name="Datumsplatzhalter 2">
+            <a:extLst>
+              <a:ext uri="{FF2B5EF4-FFF2-40B4-BE49-F238E27FC236}">
+                <a16:creationId xmlns:a16="http://schemas.microsoft.com/office/drawing/2014/main" id="{2A351964-2BB6-97F3-6B22-336C5567411D}"/>
+              </a:ext>
+            </a:extLst>
+          </p:cNvPr>
+          <p:cNvSpPr>
+            <a:spLocks noGrp="1"/>
+          </p:cNvSpPr>
+          <p:nvPr>
+            <p:ph type="dt" sz="half" idx="10"/>
+          </p:nvPr>
+        </p:nvSpPr>
+        <p:spPr/>
+        <p:txBody>
+          <a:bodyPr/>
+          <a:lstStyle/>
+          <a:p>
+            <a:fld id="{5C89B0C6-E378-43D9-87B6-F295F13B6DA2}" type="datetime4">
+              <a:rPr lang="de-DE" smtClean="0"/>
+              <a:t>15. Dezember 2022</a:t>
+            </a:fld>
+            <a:endParaRPr lang="de-DE" dirty="0"/>
+          </a:p>
+        </p:txBody>
+      </p:sp>
+      <p:sp>
+        <p:nvSpPr>
+          <p:cNvPr id="4" name="Fußzeilenplatzhalter 3">
+            <a:extLst>
+              <a:ext uri="{FF2B5EF4-FFF2-40B4-BE49-F238E27FC236}">
+                <a16:creationId xmlns:a16="http://schemas.microsoft.com/office/drawing/2014/main" id="{1408DCD8-0AA7-E516-1759-8D2382782060}"/>
+              </a:ext>
+            </a:extLst>
+          </p:cNvPr>
+          <p:cNvSpPr>
+            <a:spLocks noGrp="1"/>
+          </p:cNvSpPr>
+          <p:nvPr>
+            <p:ph type="ftr" sz="quarter" idx="11"/>
+          </p:nvPr>
+        </p:nvSpPr>
+        <p:spPr/>
+        <p:txBody>
+          <a:bodyPr/>
+          <a:lstStyle/>
+          <a:p>
+            <a:r>
+              <a:rPr lang="de-DE" dirty="0"/>
+              <a:t>Philippe Huber, Rene Jokiel</a:t>
+            </a:r>
+          </a:p>
+        </p:txBody>
+      </p:sp>
+      <p:sp>
+        <p:nvSpPr>
+          <p:cNvPr id="5" name="Foliennummernplatzhalter 4">
+            <a:extLst>
+              <a:ext uri="{FF2B5EF4-FFF2-40B4-BE49-F238E27FC236}">
+                <a16:creationId xmlns:a16="http://schemas.microsoft.com/office/drawing/2014/main" id="{7CC781B4-8E2A-7EAA-0553-BD86241E8C36}"/>
+              </a:ext>
+            </a:extLst>
+          </p:cNvPr>
+          <p:cNvSpPr>
+            <a:spLocks noGrp="1"/>
+          </p:cNvSpPr>
+          <p:nvPr>
+            <p:ph type="sldNum" sz="quarter" idx="12"/>
+          </p:nvPr>
+        </p:nvSpPr>
+        <p:spPr/>
+        <p:txBody>
+          <a:bodyPr/>
+          <a:lstStyle/>
+          <a:p>
+            <a:fld id="{D949F9DF-37BD-4CD6-BF49-65BA579E1D7A}" type="slidenum">
+              <a:rPr lang="de-DE" smtClean="0"/>
+              <a:pPr/>
+              <a:t>6</a:t>
+            </a:fld>
+            <a:endParaRPr lang="de-DE"/>
+          </a:p>
+        </p:txBody>
+      </p:sp>
+      <p:sp>
+        <p:nvSpPr>
+          <p:cNvPr id="9" name="Textplatzhalter 8">
+            <a:extLst>
+              <a:ext uri="{FF2B5EF4-FFF2-40B4-BE49-F238E27FC236}">
+                <a16:creationId xmlns:a16="http://schemas.microsoft.com/office/drawing/2014/main" id="{21FCF248-E52B-AAAC-8191-981DF0055B56}"/>
+              </a:ext>
+            </a:extLst>
+          </p:cNvPr>
+          <p:cNvSpPr>
+            <a:spLocks noGrp="1"/>
+          </p:cNvSpPr>
+          <p:nvPr>
+            <p:ph type="body" sz="quarter" idx="39"/>
+          </p:nvPr>
+        </p:nvSpPr>
+        <p:spPr/>
+        <p:txBody>
+          <a:bodyPr/>
+          <a:lstStyle/>
+          <a:p>
+            <a:endParaRPr lang="de-DE" dirty="0"/>
+          </a:p>
+        </p:txBody>
+      </p:sp>
+      <p:sp>
+        <p:nvSpPr>
+          <p:cNvPr id="6" name="Titel 5">
+            <a:extLst>
+              <a:ext uri="{FF2B5EF4-FFF2-40B4-BE49-F238E27FC236}">
+                <a16:creationId xmlns:a16="http://schemas.microsoft.com/office/drawing/2014/main" id="{141A52E9-C3AF-262C-EBCF-F1578441CFAF}"/>
+              </a:ext>
+            </a:extLst>
+          </p:cNvPr>
+          <p:cNvSpPr>
+            <a:spLocks noGrp="1"/>
+          </p:cNvSpPr>
+          <p:nvPr>
+            <p:ph type="title"/>
+          </p:nvPr>
+        </p:nvSpPr>
+        <p:spPr/>
+        <p:txBody>
+          <a:bodyPr/>
+          <a:lstStyle/>
+          <a:p>
+            <a:endParaRPr lang="de-DE" dirty="0"/>
+          </a:p>
+        </p:txBody>
+      </p:sp>
+      <p:sp>
+        <p:nvSpPr>
+          <p:cNvPr id="7" name="Textplatzhalter 6">
+            <a:extLst>
+              <a:ext uri="{FF2B5EF4-FFF2-40B4-BE49-F238E27FC236}">
+                <a16:creationId xmlns:a16="http://schemas.microsoft.com/office/drawing/2014/main" id="{729D91F5-AF69-2294-FA98-A806524F9A08}"/>
+              </a:ext>
+            </a:extLst>
+          </p:cNvPr>
+          <p:cNvSpPr>
+            <a:spLocks noGrp="1"/>
+          </p:cNvSpPr>
+          <p:nvPr>
+            <p:ph type="body" sz="quarter" idx="13"/>
+          </p:nvPr>
+        </p:nvSpPr>
+        <p:spPr/>
+        <p:txBody>
+          <a:bodyPr/>
+          <a:lstStyle/>
+          <a:p>
+            <a:endParaRPr lang="de-DE" dirty="0"/>
+          </a:p>
+        </p:txBody>
+      </p:sp>
+      <p:sp>
+        <p:nvSpPr>
+          <p:cNvPr id="2" name="Textfeld 1">
+            <a:extLst>
+              <a:ext uri="{FF2B5EF4-FFF2-40B4-BE49-F238E27FC236}">
+                <a16:creationId xmlns:a16="http://schemas.microsoft.com/office/drawing/2014/main" id="{2EFB5F41-C01C-6051-8A06-9DEE41BA05FC}"/>
+              </a:ext>
+            </a:extLst>
+          </p:cNvPr>
+          <p:cNvSpPr txBox="1"/>
+          <p:nvPr/>
+        </p:nvSpPr>
+        <p:spPr>
+          <a:xfrm rot="20850059">
+            <a:off x="1932625" y="3301331"/>
+            <a:ext cx="8191500" cy="585801"/>
+          </a:xfrm>
+          <a:prstGeom prst="rect">
+            <a:avLst/>
+          </a:prstGeom>
+          <a:noFill/>
+        </p:spPr>
+        <p:txBody>
+          <a:bodyPr wrap="square" lIns="0" tIns="0" rIns="0" bIns="0" rtlCol="0">
+            <a:spAutoFit/>
+          </a:bodyPr>
+          <a:lstStyle/>
+          <a:p>
+            <a:pPr marL="0" marR="0" indent="0" algn="l" defTabSz="914400" rtl="0" eaLnBrk="1" fontAlgn="auto" latinLnBrk="0" hangingPunct="1">
+              <a:lnSpc>
+                <a:spcPct val="110000"/>
+              </a:lnSpc>
+              <a:spcBef>
+                <a:spcPts val="0"/>
+              </a:spcBef>
+              <a:spcAft>
+                <a:spcPts val="1200"/>
+              </a:spcAft>
+              <a:buClrTx/>
+              <a:buSzTx/>
+              <a:buFont typeface="Arial" panose="020B0604020202020204" pitchFamily="34" charset="0"/>
+              <a:buNone/>
+              <a:tabLst/>
+            </a:pPr>
+            <a:r>
+              <a:rPr lang="de-DE" dirty="0" err="1">
+                <a:solidFill>
+                  <a:prstClr val="black"/>
+                </a:solidFill>
+                <a:latin typeface="Arial"/>
+              </a:rPr>
+              <a:t>Vlt</a:t>
+            </a:r>
+            <a:r>
+              <a:rPr lang="de-DE" dirty="0">
+                <a:solidFill>
+                  <a:prstClr val="black"/>
+                </a:solidFill>
+                <a:latin typeface="Arial"/>
+              </a:rPr>
+              <a:t> zu Beginn kurz was zu unserer Literaturrecherche, der </a:t>
+            </a:r>
+            <a:r>
+              <a:rPr lang="de-DE" dirty="0" err="1">
+                <a:solidFill>
+                  <a:prstClr val="black"/>
+                </a:solidFill>
+                <a:latin typeface="Arial"/>
+              </a:rPr>
+              <a:t>Searchstring</a:t>
+            </a:r>
+            <a:r>
+              <a:rPr lang="de-DE" dirty="0">
+                <a:solidFill>
+                  <a:prstClr val="black"/>
+                </a:solidFill>
+                <a:latin typeface="Arial"/>
+              </a:rPr>
+              <a:t>, die Tabelle und die Konzeptmatrix :D</a:t>
+            </a:r>
+            <a:endParaRPr kumimoji="0" lang="de-DE" b="0" i="0" u="none" strike="noStrike" kern="1200" cap="none" spc="0" normalizeH="0" baseline="0" noProof="0" dirty="0">
+              <a:ln>
+                <a:noFill/>
+              </a:ln>
+              <a:solidFill>
+                <a:prstClr val="black"/>
+              </a:solidFill>
+              <a:effectLst/>
+              <a:uLnTx/>
+              <a:uFillTx/>
+              <a:latin typeface="Arial"/>
+              <a:ea typeface="+mn-ea"/>
+              <a:cs typeface="+mn-cs"/>
+            </a:endParaRPr>
+          </a:p>
+        </p:txBody>
+      </p:sp>
+    </p:spTree>
+    <p:extLst>
+      <p:ext uri="{BB962C8B-B14F-4D97-AF65-F5344CB8AC3E}">
+        <p14:creationId xmlns:p14="http://schemas.microsoft.com/office/powerpoint/2010/main" val="1334718743"/>
+      </p:ext>
+    </p:extLst>
+  </p:cSld>
+  <p:clrMapOvr>
+    <a:masterClrMapping/>
+  </p:clrMapOvr>
+</p:sld>
+</file>
+
+<file path=ppt/slides/slide7.xml><?xml version="1.0" encoding="utf-8"?>
+<p:sld xmlns:a="http://schemas.openxmlformats.org/drawingml/2006/main" xmlns:r="http://schemas.openxmlformats.org/officeDocument/2006/relationships" xmlns:p="http://schemas.openxmlformats.org/presentationml/2006/main">
+  <p:cSld>
+    <p:spTree>
+      <p:nvGrpSpPr>
+        <p:cNvPr id="1" name=""/>
+        <p:cNvGrpSpPr/>
+        <p:nvPr/>
+      </p:nvGrpSpPr>
+      <p:grpSpPr>
+        <a:xfrm>
+          <a:off x="0" y="0"/>
+          <a:ext cx="0" cy="0"/>
+          <a:chOff x="0" y="0"/>
+          <a:chExt cx="0" cy="0"/>
+        </a:xfrm>
+      </p:grpSpPr>
+      <p:sp>
+        <p:nvSpPr>
+          <p:cNvPr id="3" name="Datumsplatzhalter 2">
+            <a:extLst>
+              <a:ext uri="{FF2B5EF4-FFF2-40B4-BE49-F238E27FC236}">
+                <a16:creationId xmlns:a16="http://schemas.microsoft.com/office/drawing/2014/main" id="{2A351964-2BB6-97F3-6B22-336C5567411D}"/>
+              </a:ext>
+            </a:extLst>
+          </p:cNvPr>
+          <p:cNvSpPr>
+            <a:spLocks noGrp="1"/>
+          </p:cNvSpPr>
+          <p:nvPr>
+            <p:ph type="dt" sz="half" idx="10"/>
+          </p:nvPr>
+        </p:nvSpPr>
+        <p:spPr/>
+        <p:txBody>
+          <a:bodyPr/>
+          <a:lstStyle/>
+          <a:p>
+            <a:fld id="{5C89B0C6-E378-43D9-87B6-F295F13B6DA2}" type="datetime4">
+              <a:rPr lang="de-DE" smtClean="0"/>
+              <a:t>15. Dezember 2022</a:t>
+            </a:fld>
+            <a:endParaRPr lang="de-DE" dirty="0"/>
+          </a:p>
+        </p:txBody>
+      </p:sp>
+      <p:sp>
+        <p:nvSpPr>
+          <p:cNvPr id="4" name="Fußzeilenplatzhalter 3">
+            <a:extLst>
+              <a:ext uri="{FF2B5EF4-FFF2-40B4-BE49-F238E27FC236}">
+                <a16:creationId xmlns:a16="http://schemas.microsoft.com/office/drawing/2014/main" id="{1408DCD8-0AA7-E516-1759-8D2382782060}"/>
+              </a:ext>
+            </a:extLst>
+          </p:cNvPr>
+          <p:cNvSpPr>
+            <a:spLocks noGrp="1"/>
+          </p:cNvSpPr>
+          <p:nvPr>
+            <p:ph type="ftr" sz="quarter" idx="11"/>
+          </p:nvPr>
+        </p:nvSpPr>
+        <p:spPr/>
+        <p:txBody>
+          <a:bodyPr/>
+          <a:lstStyle/>
+          <a:p>
+            <a:r>
+              <a:rPr lang="de-DE" dirty="0"/>
+              <a:t>Philippe Huber, Rene Jokiel</a:t>
+            </a:r>
+          </a:p>
+        </p:txBody>
+      </p:sp>
+      <p:sp>
+        <p:nvSpPr>
+          <p:cNvPr id="5" name="Foliennummernplatzhalter 4">
+            <a:extLst>
+              <a:ext uri="{FF2B5EF4-FFF2-40B4-BE49-F238E27FC236}">
+                <a16:creationId xmlns:a16="http://schemas.microsoft.com/office/drawing/2014/main" id="{7CC781B4-8E2A-7EAA-0553-BD86241E8C36}"/>
+              </a:ext>
+            </a:extLst>
+          </p:cNvPr>
+          <p:cNvSpPr>
+            <a:spLocks noGrp="1"/>
+          </p:cNvSpPr>
+          <p:nvPr>
+            <p:ph type="sldNum" sz="quarter" idx="12"/>
+          </p:nvPr>
+        </p:nvSpPr>
+        <p:spPr/>
+        <p:txBody>
+          <a:bodyPr/>
+          <a:lstStyle/>
+          <a:p>
+            <a:fld id="{D949F9DF-37BD-4CD6-BF49-65BA579E1D7A}" type="slidenum">
+              <a:rPr lang="de-DE" smtClean="0"/>
+              <a:pPr/>
+              <a:t>7</a:t>
+            </a:fld>
+            <a:endParaRPr lang="de-DE"/>
+          </a:p>
+        </p:txBody>
+      </p:sp>
+      <p:sp>
+        <p:nvSpPr>
+          <p:cNvPr id="9" name="Textplatzhalter 8">
+            <a:extLst>
+              <a:ext uri="{FF2B5EF4-FFF2-40B4-BE49-F238E27FC236}">
+                <a16:creationId xmlns:a16="http://schemas.microsoft.com/office/drawing/2014/main" id="{21FCF248-E52B-AAAC-8191-981DF0055B56}"/>
+              </a:ext>
+            </a:extLst>
+          </p:cNvPr>
+          <p:cNvSpPr>
+            <a:spLocks noGrp="1"/>
+          </p:cNvSpPr>
+          <p:nvPr>
+            <p:ph type="body" sz="quarter" idx="39"/>
+          </p:nvPr>
+        </p:nvSpPr>
+        <p:spPr/>
+        <p:txBody>
+          <a:bodyPr/>
+          <a:lstStyle/>
+          <a:p>
+            <a:endParaRPr lang="de-DE" dirty="0"/>
+          </a:p>
+        </p:txBody>
+      </p:sp>
+      <p:sp>
+        <p:nvSpPr>
+          <p:cNvPr id="6" name="Titel 5">
+            <a:extLst>
+              <a:ext uri="{FF2B5EF4-FFF2-40B4-BE49-F238E27FC236}">
+                <a16:creationId xmlns:a16="http://schemas.microsoft.com/office/drawing/2014/main" id="{141A52E9-C3AF-262C-EBCF-F1578441CFAF}"/>
+              </a:ext>
+            </a:extLst>
+          </p:cNvPr>
+          <p:cNvSpPr>
+            <a:spLocks noGrp="1"/>
+          </p:cNvSpPr>
+          <p:nvPr>
+            <p:ph type="title"/>
+          </p:nvPr>
+        </p:nvSpPr>
+        <p:spPr/>
+        <p:txBody>
+          <a:bodyPr/>
+          <a:lstStyle/>
+          <a:p>
+            <a:endParaRPr lang="de-DE" dirty="0"/>
+          </a:p>
+        </p:txBody>
+      </p:sp>
+      <p:sp>
+        <p:nvSpPr>
+          <p:cNvPr id="7" name="Textplatzhalter 6">
+            <a:extLst>
+              <a:ext uri="{FF2B5EF4-FFF2-40B4-BE49-F238E27FC236}">
+                <a16:creationId xmlns:a16="http://schemas.microsoft.com/office/drawing/2014/main" id="{729D91F5-AF69-2294-FA98-A806524F9A08}"/>
+              </a:ext>
+            </a:extLst>
+          </p:cNvPr>
+          <p:cNvSpPr>
+            <a:spLocks noGrp="1"/>
+          </p:cNvSpPr>
+          <p:nvPr>
+            <p:ph type="body" sz="quarter" idx="13"/>
+          </p:nvPr>
+        </p:nvSpPr>
+        <p:spPr/>
+        <p:txBody>
+          <a:bodyPr/>
+          <a:lstStyle/>
+          <a:p>
+            <a:endParaRPr lang="de-DE" dirty="0"/>
+          </a:p>
+        </p:txBody>
+      </p:sp>
+    </p:spTree>
+    <p:extLst>
+      <p:ext uri="{BB962C8B-B14F-4D97-AF65-F5344CB8AC3E}">
+        <p14:creationId xmlns:p14="http://schemas.microsoft.com/office/powerpoint/2010/main" val="2071817465"/>
+      </p:ext>
+    </p:extLst>
+  </p:cSld>
+  <p:clrMapOvr>
+    <a:masterClrMapping/>
+  </p:clrMapOvr>
+</p:sld>
+</file>
+
 <file path=ppt/slides/slide8.xml><?xml version="1.0" encoding="utf-8"?>
 <p:sld xmlns:a="http://schemas.openxmlformats.org/drawingml/2006/main" xmlns:r="http://schemas.openxmlformats.org/officeDocument/2006/relationships" xmlns:p="http://schemas.openxmlformats.org/presentationml/2006/main">
   <p:cSld>
@@ -30200,7 +35781,7 @@
           <a:p>
             <a:r>
               <a:rPr lang="de-DE" dirty="0"/>
-              <a:t>Experimente</a:t>
+              <a:t>3. Forschungsfrage</a:t>
             </a:r>
           </a:p>
         </p:txBody>
@@ -30229,7 +35810,7 @@
             <a:fld id="{D529D632-EE07-48FA-B475-B0D49CBC7F92}" type="datetime4">
               <a:rPr lang="de-DE" smtClean="0"/>
               <a:pPr/>
-              <a:t>14. Dezember 2022</a:t>
+              <a:t>15. Dezember 2022</a:t>
             </a:fld>
             <a:endParaRPr lang="de-DE" dirty="0"/>
           </a:p>
@@ -30257,10 +35838,13 @@
           <a:lstStyle/>
           <a:p>
             <a:r>
-              <a:rPr lang="de-DE"/>
-              <a:t>… | Lehrstuhl für Digital Industrial Service Systems | Prof. Dr. Martin Matzner </a:t>
-            </a:r>
-            <a:endParaRPr lang="de-DE" dirty="0"/>
+              <a:rPr lang="de-DE" b="1" dirty="0"/>
+              <a:t>Philippe Huber</a:t>
+            </a:r>
+            <a:r>
+              <a:rPr lang="de-DE" dirty="0"/>
+              <a:t>, Rene Jokiel</a:t>
+            </a:r>
           </a:p>
         </p:txBody>
       </p:sp>
@@ -30297,7 +35881,7 @@
     </p:spTree>
     <p:extLst>
       <p:ext uri="{BB962C8B-B14F-4D97-AF65-F5344CB8AC3E}">
-        <p14:creationId xmlns:p14="http://schemas.microsoft.com/office/powerpoint/2010/main" val="2846759775"/>
+        <p14:creationId xmlns:p14="http://schemas.microsoft.com/office/powerpoint/2010/main" val="2275248360"/>
       </p:ext>
     </p:extLst>
   </p:cSld>
@@ -30347,7 +35931,7 @@
           <a:p>
             <a:fld id="{5C89B0C6-E378-43D9-87B6-F295F13B6DA2}" type="datetime4">
               <a:rPr lang="de-DE" smtClean="0"/>
-              <a:t>14. Dezember 2022</a:t>
+              <a:t>15. Dezember 2022</a:t>
             </a:fld>
             <a:endParaRPr lang="de-DE" dirty="0"/>
           </a:p>
@@ -30376,7 +35960,7 @@
           <a:p>
             <a:r>
               <a:rPr lang="de-DE" dirty="0"/>
-              <a:t>Rene Jokiel</a:t>
+              <a:t>Philippe Huber, Rene Jokiel</a:t>
             </a:r>
           </a:p>
         </p:txBody>
@@ -30413,55 +35997,10 @@
       </p:sp>
       <p:sp>
         <p:nvSpPr>
-          <p:cNvPr id="2" name="Textplatzhalter 1">
-            <a:extLst>
-              <a:ext uri="{FF2B5EF4-FFF2-40B4-BE49-F238E27FC236}">
-                <a16:creationId xmlns:a16="http://schemas.microsoft.com/office/drawing/2014/main" id="{59DE7A27-14AD-4004-2A27-E615802DFDA4}"/>
-              </a:ext>
-            </a:extLst>
-          </p:cNvPr>
-          <p:cNvSpPr>
-            <a:spLocks noGrp="1"/>
-          </p:cNvSpPr>
-          <p:nvPr>
-            <p:ph type="body" sz="quarter" idx="37"/>
-          </p:nvPr>
-        </p:nvSpPr>
-        <p:spPr/>
-        <p:txBody>
-          <a:bodyPr/>
-          <a:lstStyle/>
-          <a:p>
-            <a:r>
-              <a:rPr lang="de-DE" sz="1800" u="sng" dirty="0"/>
-              <a:t>1. Datensatz mit bekannten </a:t>
-            </a:r>
-            <a:r>
-              <a:rPr lang="de-DE" sz="1800" u="sng" dirty="0" err="1"/>
-              <a:t>Biases</a:t>
-            </a:r>
-            <a:endParaRPr lang="de-DE" sz="1800" u="sng" dirty="0"/>
-          </a:p>
-          <a:p>
-            <a:r>
-              <a:rPr lang="de-DE" sz="1400" dirty="0"/>
-              <a:t>Der Datensatz wird dem Artefakt mit dem benötigten Kontext übergeben, das Ergebnis des Artefakts wird mit dem Metawissen über den Datensatz verglichen.</a:t>
-            </a:r>
-          </a:p>
-          <a:p>
-            <a:r>
-              <a:rPr lang="de-DE" sz="1400" dirty="0"/>
-              <a:t>Bsp. Wenn ein Datensatz Frauen bei Beförderungen benachteiligen sollte, wir überprüft, ob das Artefakt das auch herausfinden kann</a:t>
-            </a:r>
-          </a:p>
-        </p:txBody>
-      </p:sp>
-      <p:sp>
-        <p:nvSpPr>
-          <p:cNvPr id="8" name="Textplatzhalter 7">
-            <a:extLst>
-              <a:ext uri="{FF2B5EF4-FFF2-40B4-BE49-F238E27FC236}">
-                <a16:creationId xmlns:a16="http://schemas.microsoft.com/office/drawing/2014/main" id="{562E0F8F-00E0-2826-FBFA-E6581884CC87}"/>
+          <p:cNvPr id="9" name="Textplatzhalter 8">
+            <a:extLst>
+              <a:ext uri="{FF2B5EF4-FFF2-40B4-BE49-F238E27FC236}">
+                <a16:creationId xmlns:a16="http://schemas.microsoft.com/office/drawing/2014/main" id="{21FCF248-E52B-AAAC-8191-981DF0055B56}"/>
               </a:ext>
             </a:extLst>
           </p:cNvPr>
@@ -30502,10 +36041,7 @@
           <a:bodyPr/>
           <a:lstStyle/>
           <a:p>
-            <a:r>
-              <a:rPr lang="de-DE" dirty="0"/>
-              <a:t>Insgesamt werden 3 verschiedene Experimentarten durchgeführt</a:t>
-            </a:r>
+            <a:endParaRPr lang="de-DE" dirty="0"/>
           </a:p>
         </p:txBody>
       </p:sp>
@@ -30530,92 +36066,6 @@
           <a:bodyPr/>
           <a:lstStyle/>
           <a:p>
-            <a:r>
-              <a:rPr lang="de-DE" dirty="0"/>
-              <a:t>Experimentarten</a:t>
-            </a:r>
-          </a:p>
-        </p:txBody>
-      </p:sp>
-      <p:sp>
-        <p:nvSpPr>
-          <p:cNvPr id="9" name="Textplatzhalter 8">
-            <a:extLst>
-              <a:ext uri="{FF2B5EF4-FFF2-40B4-BE49-F238E27FC236}">
-                <a16:creationId xmlns:a16="http://schemas.microsoft.com/office/drawing/2014/main" id="{83C1BF3B-BEAC-C014-D807-B06F45FFBF2D}"/>
-              </a:ext>
-            </a:extLst>
-          </p:cNvPr>
-          <p:cNvSpPr>
-            <a:spLocks noGrp="1"/>
-          </p:cNvSpPr>
-          <p:nvPr>
-            <p:ph type="body" sz="quarter" idx="40"/>
-          </p:nvPr>
-        </p:nvSpPr>
-        <p:spPr/>
-        <p:txBody>
-          <a:bodyPr/>
-          <a:lstStyle/>
-          <a:p>
-            <a:r>
-              <a:rPr lang="de-DE" sz="1800" u="sng" dirty="0"/>
-              <a:t>2. Datensatz mit bekannten </a:t>
-            </a:r>
-            <a:r>
-              <a:rPr lang="de-DE" sz="1800" u="sng" dirty="0" err="1"/>
-              <a:t>Biases</a:t>
-            </a:r>
-            <a:r>
-              <a:rPr lang="de-DE" sz="1800" u="sng" dirty="0"/>
-              <a:t> und bereinigte Version des Datensatzes</a:t>
-            </a:r>
-          </a:p>
-          <a:p>
-            <a:r>
-              <a:rPr lang="de-DE" sz="1400" dirty="0"/>
-              <a:t>Gleiches Prozedere wie bei der ersten Art, aber darauffolgend wird dem Artefakt noch eine bereinigte Version von dem Datensatz übergeben. Die beiden Ergebnisse werden danach verglichen.</a:t>
-            </a:r>
-          </a:p>
-          <a:p>
-            <a:r>
-              <a:rPr lang="de-DE" sz="1400" dirty="0"/>
-              <a:t>Bsp. Wenn ein Datensatz Frauen benachteiligt, der bereinigte Datensatz benachteiligt Frauen nicht mehr. Das Artefakt sollte bei beiden Datensätzen nicht das selbe Ergebnis liefern</a:t>
-            </a:r>
-          </a:p>
-        </p:txBody>
-      </p:sp>
-      <p:sp>
-        <p:nvSpPr>
-          <p:cNvPr id="10" name="Textplatzhalter 9">
-            <a:extLst>
-              <a:ext uri="{FF2B5EF4-FFF2-40B4-BE49-F238E27FC236}">
-                <a16:creationId xmlns:a16="http://schemas.microsoft.com/office/drawing/2014/main" id="{E9A932B5-760B-69D3-280A-45479359BD4D}"/>
-              </a:ext>
-            </a:extLst>
-          </p:cNvPr>
-          <p:cNvSpPr>
-            <a:spLocks noGrp="1"/>
-          </p:cNvSpPr>
-          <p:nvPr>
-            <p:ph type="body" sz="quarter" idx="41"/>
-          </p:nvPr>
-        </p:nvSpPr>
-        <p:spPr/>
-        <p:txBody>
-          <a:bodyPr/>
-          <a:lstStyle/>
-          <a:p>
-            <a:r>
-              <a:rPr lang="de-DE" sz="1800" u="sng" dirty="0"/>
-              <a:t>3. Datensatz ohne bekannten Bias</a:t>
-            </a:r>
-          </a:p>
-          <a:p>
-            <a:r>
-              <a:rPr lang="de-DE" sz="1400" dirty="0"/>
-              <a:t>Gleicher Ablauf wie bei der ersten Art, nur sind keine Metainformationen vorhanden. Die Ergebnisse werden dann erfasst.</a:t>
-            </a:r>
             <a:endParaRPr lang="de-DE" dirty="0"/>
           </a:p>
         </p:txBody>
@@ -30623,7 +36073,7 @@
     </p:spTree>
     <p:extLst>
       <p:ext uri="{BB962C8B-B14F-4D97-AF65-F5344CB8AC3E}">
-        <p14:creationId xmlns:p14="http://schemas.microsoft.com/office/powerpoint/2010/main" val="3182649975"/>
+        <p14:creationId xmlns:p14="http://schemas.microsoft.com/office/powerpoint/2010/main" val="3045937095"/>
       </p:ext>
     </p:extLst>
   </p:cSld>

--- a/F-Seminar/Zwischenpräsentation.pptx
+++ b/F-Seminar/Zwischenpräsentation.pptx
@@ -34976,8 +34976,12 @@
           <a:lstStyle/>
           <a:p>
             <a:r>
+              <a:rPr lang="de-DE" b="1" dirty="0"/>
+              <a:t>Philippe Huber</a:t>
+            </a:r>
+            <a:r>
               <a:rPr lang="de-DE" dirty="0"/>
-              <a:t>Philippe Huber, Rene Jokiel</a:t>
+              <a:t>, Rene Jokiel</a:t>
             </a:r>
           </a:p>
         </p:txBody>
@@ -35323,8 +35327,12 @@
           <a:lstStyle/>
           <a:p>
             <a:r>
+              <a:rPr lang="de-DE" b="1" dirty="0"/>
+              <a:t>Philippe Huber</a:t>
+            </a:r>
+            <a:r>
               <a:rPr lang="de-DE" dirty="0"/>
-              <a:t>Philippe Huber, Rene Jokiel</a:t>
+              <a:t>, Rene Jokiel</a:t>
             </a:r>
           </a:p>
         </p:txBody>
@@ -35612,8 +35620,12 @@
           <a:lstStyle/>
           <a:p>
             <a:r>
+              <a:rPr lang="de-DE" b="1" dirty="0"/>
+              <a:t>Philippe Huber</a:t>
+            </a:r>
+            <a:r>
               <a:rPr lang="de-DE" dirty="0"/>
-              <a:t>Philippe Huber, Rene Jokiel</a:t>
+              <a:t>, Rene Jokiel</a:t>
             </a:r>
           </a:p>
         </p:txBody>
@@ -35694,7 +35706,10 @@
           <a:bodyPr/>
           <a:lstStyle/>
           <a:p>
-            <a:endParaRPr lang="de-DE" dirty="0"/>
+            <a:r>
+              <a:rPr lang="de-DE" dirty="0"/>
+              <a:t>Es gibt viele Ansätze, um Unfairness zu entdecken und Fairness zu schaffen</a:t>
+            </a:r>
           </a:p>
         </p:txBody>
       </p:sp>
@@ -35719,7 +35734,947 @@
           <a:bodyPr/>
           <a:lstStyle/>
           <a:p>
-            <a:endParaRPr lang="de-DE" dirty="0"/>
+            <a:r>
+              <a:rPr lang="de-DE" dirty="0"/>
+              <a:t>Methoden für Fair AI</a:t>
+            </a:r>
+          </a:p>
+        </p:txBody>
+      </p:sp>
+      <p:sp>
+        <p:nvSpPr>
+          <p:cNvPr id="10" name="Textfeld 9">
+            <a:extLst>
+              <a:ext uri="{FF2B5EF4-FFF2-40B4-BE49-F238E27FC236}">
+                <a16:creationId xmlns:a16="http://schemas.microsoft.com/office/drawing/2014/main" id="{8AE1BE41-6C59-5BAA-50D5-2010FF194301}"/>
+              </a:ext>
+            </a:extLst>
+          </p:cNvPr>
+          <p:cNvSpPr txBox="1"/>
+          <p:nvPr/>
+        </p:nvSpPr>
+        <p:spPr>
+          <a:xfrm>
+            <a:off x="515937" y="1927881"/>
+            <a:ext cx="2244042" cy="312330"/>
+          </a:xfrm>
+          <a:prstGeom prst="rect">
+            <a:avLst/>
+          </a:prstGeom>
+          <a:noFill/>
+        </p:spPr>
+        <p:txBody>
+          <a:bodyPr wrap="square" lIns="0" tIns="0" rIns="0" bIns="0" rtlCol="0">
+            <a:spAutoFit/>
+          </a:bodyPr>
+          <a:lstStyle/>
+          <a:p>
+            <a:pPr marL="0" marR="0" indent="0" algn="l" defTabSz="914400" rtl="0" eaLnBrk="1" fontAlgn="auto" latinLnBrk="0" hangingPunct="1">
+              <a:lnSpc>
+                <a:spcPct val="110000"/>
+              </a:lnSpc>
+              <a:spcBef>
+                <a:spcPts val="0"/>
+              </a:spcBef>
+              <a:spcAft>
+                <a:spcPts val="1200"/>
+              </a:spcAft>
+              <a:buClrTx/>
+              <a:buSzTx/>
+              <a:buFont typeface="Arial" panose="020B0604020202020204" pitchFamily="34" charset="0"/>
+              <a:buNone/>
+              <a:tabLst/>
+            </a:pPr>
+            <a:r>
+              <a:rPr kumimoji="0" lang="de-DE" sz="2000" b="0" i="0" u="sng" strike="noStrike" kern="1200" cap="none" spc="0" normalizeH="0" baseline="0" noProof="0" dirty="0">
+                <a:ln>
+                  <a:noFill/>
+                </a:ln>
+                <a:solidFill>
+                  <a:prstClr val="black"/>
+                </a:solidFill>
+                <a:effectLst/>
+                <a:uLnTx/>
+                <a:uFillTx/>
+                <a:latin typeface="Arial"/>
+                <a:ea typeface="+mn-ea"/>
+                <a:cs typeface="+mn-cs"/>
+              </a:rPr>
+              <a:t>Fairness schaffen</a:t>
+            </a:r>
+            <a:endParaRPr kumimoji="0" lang="de-DE" sz="1600" b="0" i="0" u="sng" strike="noStrike" kern="1200" cap="none" spc="0" normalizeH="0" baseline="0" noProof="0" dirty="0">
+              <a:ln>
+                <a:noFill/>
+              </a:ln>
+              <a:solidFill>
+                <a:prstClr val="black"/>
+              </a:solidFill>
+              <a:effectLst/>
+              <a:uLnTx/>
+              <a:uFillTx/>
+              <a:latin typeface="Arial"/>
+              <a:ea typeface="+mn-ea"/>
+              <a:cs typeface="+mn-cs"/>
+            </a:endParaRPr>
+          </a:p>
+        </p:txBody>
+      </p:sp>
+      <p:sp>
+        <p:nvSpPr>
+          <p:cNvPr id="11" name="Textfeld 10">
+            <a:extLst>
+              <a:ext uri="{FF2B5EF4-FFF2-40B4-BE49-F238E27FC236}">
+                <a16:creationId xmlns:a16="http://schemas.microsoft.com/office/drawing/2014/main" id="{B991BE84-E95D-A801-1437-A38DA9B664E5}"/>
+              </a:ext>
+            </a:extLst>
+          </p:cNvPr>
+          <p:cNvSpPr txBox="1"/>
+          <p:nvPr/>
+        </p:nvSpPr>
+        <p:spPr>
+          <a:xfrm>
+            <a:off x="671118" y="2340456"/>
+            <a:ext cx="5217954" cy="520655"/>
+          </a:xfrm>
+          <a:prstGeom prst="rect">
+            <a:avLst/>
+          </a:prstGeom>
+          <a:noFill/>
+        </p:spPr>
+        <p:txBody>
+          <a:bodyPr wrap="square" lIns="0" tIns="0" rIns="0" bIns="0" rtlCol="0">
+            <a:spAutoFit/>
+          </a:bodyPr>
+          <a:lstStyle/>
+          <a:p>
+            <a:pPr marL="0" marR="0" indent="0" algn="l" defTabSz="914400" rtl="0" eaLnBrk="1" fontAlgn="auto" latinLnBrk="0" hangingPunct="1">
+              <a:lnSpc>
+                <a:spcPct val="110000"/>
+              </a:lnSpc>
+              <a:spcBef>
+                <a:spcPts val="0"/>
+              </a:spcBef>
+              <a:spcAft>
+                <a:spcPts val="1200"/>
+              </a:spcAft>
+              <a:buClrTx/>
+              <a:buSzTx/>
+              <a:buFont typeface="Arial" panose="020B0604020202020204" pitchFamily="34" charset="0"/>
+              <a:buNone/>
+              <a:tabLst/>
+            </a:pPr>
+            <a:r>
+              <a:rPr kumimoji="0" lang="de-DE" sz="1600" b="0" i="0" u="none" strike="noStrike" kern="1200" cap="none" spc="0" normalizeH="0" baseline="0" noProof="0" dirty="0">
+                <a:ln>
+                  <a:noFill/>
+                </a:ln>
+                <a:solidFill>
+                  <a:prstClr val="black"/>
+                </a:solidFill>
+                <a:effectLst/>
+                <a:uLnTx/>
+                <a:uFillTx/>
+                <a:latin typeface="Arial"/>
+                <a:ea typeface="+mn-ea"/>
+                <a:cs typeface="+mn-cs"/>
+              </a:rPr>
+              <a:t>- Anpassung von Aufmerksamkeit auf kritische Attribute in KI-Modellen (</a:t>
+            </a:r>
+            <a:r>
+              <a:rPr kumimoji="0" lang="de-DE" sz="1600" b="0" i="0" u="none" strike="noStrike" kern="1200" cap="none" spc="0" normalizeH="0" baseline="0" noProof="0" dirty="0" err="1">
+                <a:ln>
+                  <a:noFill/>
+                </a:ln>
+                <a:solidFill>
+                  <a:prstClr val="black"/>
+                </a:solidFill>
+                <a:effectLst/>
+                <a:uLnTx/>
+                <a:uFillTx/>
+                <a:latin typeface="Arial"/>
+                <a:ea typeface="+mn-ea"/>
+                <a:cs typeface="+mn-cs"/>
+              </a:rPr>
+              <a:t>Ninareh</a:t>
+            </a:r>
+            <a:r>
+              <a:rPr lang="de-DE" sz="1600" dirty="0">
+                <a:solidFill>
+                  <a:prstClr val="black"/>
+                </a:solidFill>
+                <a:latin typeface="Arial"/>
+              </a:rPr>
+              <a:t> </a:t>
+            </a:r>
+            <a:r>
+              <a:rPr kumimoji="0" lang="de-DE" sz="1600" b="0" i="0" u="none" strike="noStrike" kern="1200" cap="none" spc="0" normalizeH="0" baseline="0" noProof="0" dirty="0">
+                <a:ln>
+                  <a:noFill/>
+                </a:ln>
+                <a:solidFill>
+                  <a:prstClr val="black"/>
+                </a:solidFill>
+                <a:effectLst/>
+                <a:uLnTx/>
+                <a:uFillTx/>
+                <a:latin typeface="Arial"/>
+                <a:ea typeface="+mn-ea"/>
+                <a:cs typeface="+mn-cs"/>
+              </a:rPr>
+              <a:t>et al, 2021)</a:t>
+            </a:r>
+          </a:p>
+        </p:txBody>
+      </p:sp>
+      <p:sp>
+        <p:nvSpPr>
+          <p:cNvPr id="12" name="Textfeld 11">
+            <a:extLst>
+              <a:ext uri="{FF2B5EF4-FFF2-40B4-BE49-F238E27FC236}">
+                <a16:creationId xmlns:a16="http://schemas.microsoft.com/office/drawing/2014/main" id="{0A6F1212-B0A6-F2C6-29B2-94A0FB0E2843}"/>
+              </a:ext>
+            </a:extLst>
+          </p:cNvPr>
+          <p:cNvSpPr txBox="1"/>
+          <p:nvPr/>
+        </p:nvSpPr>
+        <p:spPr>
+          <a:xfrm>
+            <a:off x="671118" y="2963389"/>
+            <a:ext cx="4848838" cy="249812"/>
+          </a:xfrm>
+          <a:prstGeom prst="rect">
+            <a:avLst/>
+          </a:prstGeom>
+          <a:noFill/>
+        </p:spPr>
+        <p:txBody>
+          <a:bodyPr wrap="square" lIns="0" tIns="0" rIns="0" bIns="0" rtlCol="0">
+            <a:spAutoFit/>
+          </a:bodyPr>
+          <a:lstStyle/>
+          <a:p>
+            <a:pPr marL="0" marR="0" indent="0" algn="l" defTabSz="914400" rtl="0" eaLnBrk="1" fontAlgn="auto" latinLnBrk="0" hangingPunct="1">
+              <a:lnSpc>
+                <a:spcPct val="110000"/>
+              </a:lnSpc>
+              <a:spcBef>
+                <a:spcPts val="0"/>
+              </a:spcBef>
+              <a:spcAft>
+                <a:spcPts val="1200"/>
+              </a:spcAft>
+              <a:buClrTx/>
+              <a:buSzTx/>
+              <a:buFont typeface="Arial" panose="020B0604020202020204" pitchFamily="34" charset="0"/>
+              <a:buNone/>
+              <a:tabLst/>
+            </a:pPr>
+            <a:r>
+              <a:rPr kumimoji="0" lang="de-DE" sz="1600" b="0" i="0" u="none" strike="noStrike" kern="1200" cap="none" spc="0" normalizeH="0" baseline="0" noProof="0" dirty="0">
+                <a:ln>
+                  <a:noFill/>
+                </a:ln>
+                <a:solidFill>
+                  <a:prstClr val="black"/>
+                </a:solidFill>
+                <a:effectLst/>
+                <a:uLnTx/>
+                <a:uFillTx/>
+                <a:latin typeface="Arial"/>
+                <a:ea typeface="+mn-ea"/>
+                <a:cs typeface="+mn-cs"/>
+              </a:rPr>
+              <a:t>- Heuristiken für spezifische Fälle (</a:t>
+            </a:r>
+            <a:r>
+              <a:rPr lang="de-DE" sz="1600" dirty="0" err="1"/>
+              <a:t>Roselli</a:t>
+            </a:r>
+            <a:r>
+              <a:rPr lang="de-DE" sz="1600" dirty="0">
+                <a:solidFill>
+                  <a:prstClr val="black"/>
+                </a:solidFill>
+                <a:latin typeface="Arial"/>
+              </a:rPr>
+              <a:t> </a:t>
+            </a:r>
+            <a:r>
+              <a:rPr kumimoji="0" lang="de-DE" sz="1600" b="0" i="0" u="none" strike="noStrike" kern="1200" cap="none" spc="0" normalizeH="0" baseline="0" noProof="0" dirty="0">
+                <a:ln>
+                  <a:noFill/>
+                </a:ln>
+                <a:solidFill>
+                  <a:prstClr val="black"/>
+                </a:solidFill>
+                <a:effectLst/>
+                <a:uLnTx/>
+                <a:uFillTx/>
+                <a:latin typeface="Arial"/>
+                <a:ea typeface="+mn-ea"/>
+                <a:cs typeface="+mn-cs"/>
+              </a:rPr>
+              <a:t>et al, 2019)</a:t>
+            </a:r>
+          </a:p>
+        </p:txBody>
+      </p:sp>
+      <p:sp>
+        <p:nvSpPr>
+          <p:cNvPr id="13" name="Textfeld 12">
+            <a:extLst>
+              <a:ext uri="{FF2B5EF4-FFF2-40B4-BE49-F238E27FC236}">
+                <a16:creationId xmlns:a16="http://schemas.microsoft.com/office/drawing/2014/main" id="{90F455AF-DD68-FA9C-0306-102359EB084E}"/>
+              </a:ext>
+            </a:extLst>
+          </p:cNvPr>
+          <p:cNvSpPr txBox="1"/>
+          <p:nvPr/>
+        </p:nvSpPr>
+        <p:spPr>
+          <a:xfrm>
+            <a:off x="671119" y="4584382"/>
+            <a:ext cx="4848838" cy="249812"/>
+          </a:xfrm>
+          <a:prstGeom prst="rect">
+            <a:avLst/>
+          </a:prstGeom>
+          <a:noFill/>
+        </p:spPr>
+        <p:txBody>
+          <a:bodyPr wrap="square" lIns="0" tIns="0" rIns="0" bIns="0" rtlCol="0">
+            <a:spAutoFit/>
+          </a:bodyPr>
+          <a:lstStyle/>
+          <a:p>
+            <a:pPr marL="0" marR="0" indent="0" algn="l" defTabSz="914400" rtl="0" eaLnBrk="1" fontAlgn="auto" latinLnBrk="0" hangingPunct="1">
+              <a:lnSpc>
+                <a:spcPct val="110000"/>
+              </a:lnSpc>
+              <a:spcBef>
+                <a:spcPts val="0"/>
+              </a:spcBef>
+              <a:spcAft>
+                <a:spcPts val="1200"/>
+              </a:spcAft>
+              <a:buClrTx/>
+              <a:buSzTx/>
+              <a:buFont typeface="Arial" panose="020B0604020202020204" pitchFamily="34" charset="0"/>
+              <a:buNone/>
+              <a:tabLst/>
+            </a:pPr>
+            <a:r>
+              <a:rPr kumimoji="0" lang="de-DE" sz="1600" b="0" i="0" u="none" strike="noStrike" kern="1200" cap="none" spc="0" normalizeH="0" baseline="0" noProof="0" dirty="0">
+                <a:ln>
+                  <a:noFill/>
+                </a:ln>
+                <a:solidFill>
+                  <a:prstClr val="black"/>
+                </a:solidFill>
+                <a:effectLst/>
+                <a:uLnTx/>
+                <a:uFillTx/>
+                <a:latin typeface="Arial"/>
+                <a:ea typeface="+mn-ea"/>
+                <a:cs typeface="+mn-cs"/>
+              </a:rPr>
+              <a:t>- Transparenz und XAI (</a:t>
+            </a:r>
+            <a:r>
+              <a:rPr lang="de-DE" sz="1600" dirty="0"/>
+              <a:t>Robert</a:t>
+            </a:r>
+            <a:r>
+              <a:rPr lang="de-DE" sz="1600" dirty="0">
+                <a:solidFill>
+                  <a:prstClr val="black"/>
+                </a:solidFill>
+                <a:latin typeface="Arial"/>
+              </a:rPr>
+              <a:t> </a:t>
+            </a:r>
+            <a:r>
+              <a:rPr kumimoji="0" lang="de-DE" sz="1600" b="0" i="0" u="none" strike="noStrike" kern="1200" cap="none" spc="0" normalizeH="0" baseline="0" noProof="0" dirty="0">
+                <a:ln>
+                  <a:noFill/>
+                </a:ln>
+                <a:solidFill>
+                  <a:prstClr val="black"/>
+                </a:solidFill>
+                <a:effectLst/>
+                <a:uLnTx/>
+                <a:uFillTx/>
+                <a:latin typeface="Arial"/>
+                <a:ea typeface="+mn-ea"/>
+                <a:cs typeface="+mn-cs"/>
+              </a:rPr>
+              <a:t>et al, 2020)</a:t>
+            </a:r>
+          </a:p>
+        </p:txBody>
+      </p:sp>
+      <p:sp>
+        <p:nvSpPr>
+          <p:cNvPr id="14" name="Textfeld 13">
+            <a:extLst>
+              <a:ext uri="{FF2B5EF4-FFF2-40B4-BE49-F238E27FC236}">
+                <a16:creationId xmlns:a16="http://schemas.microsoft.com/office/drawing/2014/main" id="{FCBE55CC-1244-A3BE-6001-443CCE7B1D93}"/>
+              </a:ext>
+            </a:extLst>
+          </p:cNvPr>
+          <p:cNvSpPr txBox="1"/>
+          <p:nvPr/>
+        </p:nvSpPr>
+        <p:spPr>
+          <a:xfrm>
+            <a:off x="515937" y="4171184"/>
+            <a:ext cx="4173509" cy="312330"/>
+          </a:xfrm>
+          <a:prstGeom prst="rect">
+            <a:avLst/>
+          </a:prstGeom>
+          <a:noFill/>
+        </p:spPr>
+        <p:txBody>
+          <a:bodyPr wrap="square" lIns="0" tIns="0" rIns="0" bIns="0" rtlCol="0">
+            <a:spAutoFit/>
+          </a:bodyPr>
+          <a:lstStyle/>
+          <a:p>
+            <a:pPr marL="0" marR="0" indent="0" algn="l" defTabSz="914400" rtl="0" eaLnBrk="1" fontAlgn="auto" latinLnBrk="0" hangingPunct="1">
+              <a:lnSpc>
+                <a:spcPct val="110000"/>
+              </a:lnSpc>
+              <a:spcBef>
+                <a:spcPts val="0"/>
+              </a:spcBef>
+              <a:spcAft>
+                <a:spcPts val="1200"/>
+              </a:spcAft>
+              <a:buClrTx/>
+              <a:buSzTx/>
+              <a:buFont typeface="Arial" panose="020B0604020202020204" pitchFamily="34" charset="0"/>
+              <a:buNone/>
+              <a:tabLst/>
+            </a:pPr>
+            <a:r>
+              <a:rPr kumimoji="0" lang="de-DE" sz="2000" b="0" i="0" u="sng" strike="noStrike" kern="1200" cap="none" spc="0" normalizeH="0" baseline="0" noProof="0" dirty="0">
+                <a:ln>
+                  <a:noFill/>
+                </a:ln>
+                <a:solidFill>
+                  <a:prstClr val="black"/>
+                </a:solidFill>
+                <a:effectLst/>
+                <a:uLnTx/>
+                <a:uFillTx/>
+                <a:latin typeface="Arial"/>
+                <a:ea typeface="+mn-ea"/>
+                <a:cs typeface="+mn-cs"/>
+              </a:rPr>
+              <a:t>Unfairness entdecken</a:t>
+            </a:r>
+            <a:endParaRPr kumimoji="0" lang="de-DE" sz="1600" b="0" i="0" u="sng" strike="noStrike" kern="1200" cap="none" spc="0" normalizeH="0" baseline="0" noProof="0" dirty="0">
+              <a:ln>
+                <a:noFill/>
+              </a:ln>
+              <a:solidFill>
+                <a:prstClr val="black"/>
+              </a:solidFill>
+              <a:effectLst/>
+              <a:uLnTx/>
+              <a:uFillTx/>
+              <a:latin typeface="Arial"/>
+              <a:ea typeface="+mn-ea"/>
+              <a:cs typeface="+mn-cs"/>
+            </a:endParaRPr>
+          </a:p>
+        </p:txBody>
+      </p:sp>
+      <p:sp>
+        <p:nvSpPr>
+          <p:cNvPr id="15" name="Textfeld 14">
+            <a:extLst>
+              <a:ext uri="{FF2B5EF4-FFF2-40B4-BE49-F238E27FC236}">
+                <a16:creationId xmlns:a16="http://schemas.microsoft.com/office/drawing/2014/main" id="{9618E50D-FE7B-DAB1-B1DC-F5B9EBAAD3AE}"/>
+              </a:ext>
+            </a:extLst>
+          </p:cNvPr>
+          <p:cNvSpPr txBox="1"/>
+          <p:nvPr/>
+        </p:nvSpPr>
+        <p:spPr>
+          <a:xfrm>
+            <a:off x="671119" y="4935062"/>
+            <a:ext cx="4848838" cy="249812"/>
+          </a:xfrm>
+          <a:prstGeom prst="rect">
+            <a:avLst/>
+          </a:prstGeom>
+          <a:noFill/>
+        </p:spPr>
+        <p:txBody>
+          <a:bodyPr wrap="square" lIns="0" tIns="0" rIns="0" bIns="0" rtlCol="0">
+            <a:spAutoFit/>
+          </a:bodyPr>
+          <a:lstStyle/>
+          <a:p>
+            <a:pPr marL="0" marR="0" indent="0" algn="l" defTabSz="914400" rtl="0" eaLnBrk="1" fontAlgn="auto" latinLnBrk="0" hangingPunct="1">
+              <a:lnSpc>
+                <a:spcPct val="110000"/>
+              </a:lnSpc>
+              <a:spcBef>
+                <a:spcPts val="0"/>
+              </a:spcBef>
+              <a:spcAft>
+                <a:spcPts val="1200"/>
+              </a:spcAft>
+              <a:buClrTx/>
+              <a:buSzTx/>
+              <a:buFont typeface="Arial" panose="020B0604020202020204" pitchFamily="34" charset="0"/>
+              <a:buNone/>
+              <a:tabLst/>
+            </a:pPr>
+            <a:r>
+              <a:rPr kumimoji="0" lang="de-DE" sz="1600" b="0" i="0" u="none" strike="noStrike" kern="1200" cap="none" spc="0" normalizeH="0" baseline="0" noProof="0" dirty="0">
+                <a:ln>
+                  <a:noFill/>
+                </a:ln>
+                <a:solidFill>
+                  <a:prstClr val="black"/>
+                </a:solidFill>
+                <a:effectLst/>
+                <a:uLnTx/>
+                <a:uFillTx/>
+                <a:latin typeface="Arial"/>
+                <a:ea typeface="+mn-ea"/>
+                <a:cs typeface="+mn-cs"/>
+              </a:rPr>
+              <a:t>- Statistische Analysen (</a:t>
+            </a:r>
+            <a:r>
+              <a:rPr lang="de-DE" sz="1600" dirty="0" err="1"/>
+              <a:t>Dwork</a:t>
+            </a:r>
+            <a:r>
+              <a:rPr lang="de-DE" sz="1600" dirty="0">
+                <a:solidFill>
+                  <a:prstClr val="black"/>
+                </a:solidFill>
+                <a:latin typeface="Arial"/>
+              </a:rPr>
+              <a:t> </a:t>
+            </a:r>
+            <a:r>
+              <a:rPr kumimoji="0" lang="de-DE" sz="1600" b="0" i="0" u="none" strike="noStrike" kern="1200" cap="none" spc="0" normalizeH="0" baseline="0" noProof="0" dirty="0">
+                <a:ln>
+                  <a:noFill/>
+                </a:ln>
+                <a:solidFill>
+                  <a:prstClr val="black"/>
+                </a:solidFill>
+                <a:effectLst/>
+                <a:uLnTx/>
+                <a:uFillTx/>
+                <a:latin typeface="Arial"/>
+                <a:ea typeface="+mn-ea"/>
+                <a:cs typeface="+mn-cs"/>
+              </a:rPr>
+              <a:t>et al, 2012)</a:t>
+            </a:r>
+          </a:p>
+        </p:txBody>
+      </p:sp>
+      <p:sp>
+        <p:nvSpPr>
+          <p:cNvPr id="16" name="Textfeld 15">
+            <a:extLst>
+              <a:ext uri="{FF2B5EF4-FFF2-40B4-BE49-F238E27FC236}">
+                <a16:creationId xmlns:a16="http://schemas.microsoft.com/office/drawing/2014/main" id="{DA34BE5C-CB52-D3E5-3C3F-EF57510966D6}"/>
+              </a:ext>
+            </a:extLst>
+          </p:cNvPr>
+          <p:cNvSpPr txBox="1"/>
+          <p:nvPr/>
+        </p:nvSpPr>
+        <p:spPr>
+          <a:xfrm>
+            <a:off x="671118" y="3312161"/>
+            <a:ext cx="4848838" cy="249812"/>
+          </a:xfrm>
+          <a:prstGeom prst="rect">
+            <a:avLst/>
+          </a:prstGeom>
+          <a:noFill/>
+        </p:spPr>
+        <p:txBody>
+          <a:bodyPr wrap="square" lIns="0" tIns="0" rIns="0" bIns="0" rtlCol="0">
+            <a:spAutoFit/>
+          </a:bodyPr>
+          <a:lstStyle/>
+          <a:p>
+            <a:pPr marL="0" marR="0" indent="0" algn="l" defTabSz="914400" rtl="0" eaLnBrk="1" fontAlgn="auto" latinLnBrk="0" hangingPunct="1">
+              <a:lnSpc>
+                <a:spcPct val="110000"/>
+              </a:lnSpc>
+              <a:spcBef>
+                <a:spcPts val="0"/>
+              </a:spcBef>
+              <a:spcAft>
+                <a:spcPts val="1200"/>
+              </a:spcAft>
+              <a:buClrTx/>
+              <a:buSzTx/>
+              <a:buFont typeface="Arial" panose="020B0604020202020204" pitchFamily="34" charset="0"/>
+              <a:buNone/>
+              <a:tabLst/>
+            </a:pPr>
+            <a:r>
+              <a:rPr kumimoji="0" lang="de-DE" sz="1600" b="0" i="0" u="none" strike="noStrike" kern="1200" cap="none" spc="0" normalizeH="0" baseline="0" noProof="0" dirty="0">
+                <a:ln>
+                  <a:noFill/>
+                </a:ln>
+                <a:solidFill>
+                  <a:prstClr val="black"/>
+                </a:solidFill>
+                <a:effectLst/>
+                <a:uLnTx/>
+                <a:uFillTx/>
+                <a:latin typeface="Arial"/>
+                <a:ea typeface="+mn-ea"/>
+                <a:cs typeface="+mn-cs"/>
+              </a:rPr>
+              <a:t>- „Data </a:t>
+            </a:r>
+            <a:r>
+              <a:rPr kumimoji="0" lang="de-DE" sz="1600" b="0" i="0" u="none" strike="noStrike" kern="1200" cap="none" spc="0" normalizeH="0" baseline="0" noProof="0" dirty="0" err="1">
+                <a:ln>
+                  <a:noFill/>
+                </a:ln>
+                <a:solidFill>
+                  <a:prstClr val="black"/>
+                </a:solidFill>
+                <a:effectLst/>
+                <a:uLnTx/>
+                <a:uFillTx/>
+                <a:latin typeface="Arial"/>
+                <a:ea typeface="+mn-ea"/>
+                <a:cs typeface="+mn-cs"/>
+              </a:rPr>
+              <a:t>Wrangling</a:t>
+            </a:r>
+            <a:r>
+              <a:rPr kumimoji="0" lang="de-DE" sz="1600" b="0" i="0" u="none" strike="noStrike" kern="1200" cap="none" spc="0" normalizeH="0" baseline="0" noProof="0" dirty="0">
+                <a:ln>
+                  <a:noFill/>
+                </a:ln>
+                <a:solidFill>
+                  <a:prstClr val="black"/>
+                </a:solidFill>
+                <a:effectLst/>
+                <a:uLnTx/>
+                <a:uFillTx/>
+                <a:latin typeface="Arial"/>
+                <a:ea typeface="+mn-ea"/>
+                <a:cs typeface="+mn-cs"/>
+              </a:rPr>
+              <a:t>“ (</a:t>
+            </a:r>
+            <a:r>
+              <a:rPr lang="de-DE" sz="1600" dirty="0" err="1"/>
+              <a:t>Mazilu</a:t>
+            </a:r>
+            <a:r>
+              <a:rPr lang="de-DE" sz="1600" dirty="0"/>
+              <a:t>,</a:t>
+            </a:r>
+            <a:r>
+              <a:rPr lang="de-DE" sz="1600" dirty="0">
+                <a:solidFill>
+                  <a:prstClr val="black"/>
+                </a:solidFill>
+                <a:latin typeface="Arial"/>
+              </a:rPr>
+              <a:t> </a:t>
+            </a:r>
+            <a:r>
+              <a:rPr kumimoji="0" lang="de-DE" sz="1600" b="0" i="0" u="none" strike="noStrike" kern="1200" cap="none" spc="0" normalizeH="0" baseline="0" noProof="0" dirty="0">
+                <a:ln>
+                  <a:noFill/>
+                </a:ln>
+                <a:solidFill>
+                  <a:prstClr val="black"/>
+                </a:solidFill>
+                <a:effectLst/>
+                <a:uLnTx/>
+                <a:uFillTx/>
+                <a:latin typeface="Arial"/>
+                <a:ea typeface="+mn-ea"/>
+                <a:cs typeface="+mn-cs"/>
+              </a:rPr>
+              <a:t>et al, 2020)</a:t>
+            </a:r>
+          </a:p>
+        </p:txBody>
+      </p:sp>
+      <p:sp>
+        <p:nvSpPr>
+          <p:cNvPr id="17" name="Textfeld 16">
+            <a:extLst>
+              <a:ext uri="{FF2B5EF4-FFF2-40B4-BE49-F238E27FC236}">
+                <a16:creationId xmlns:a16="http://schemas.microsoft.com/office/drawing/2014/main" id="{F62A56DD-A1CB-27CA-DAEB-1864CBA0408E}"/>
+              </a:ext>
+            </a:extLst>
+          </p:cNvPr>
+          <p:cNvSpPr txBox="1"/>
+          <p:nvPr/>
+        </p:nvSpPr>
+        <p:spPr>
+          <a:xfrm>
+            <a:off x="671119" y="5288050"/>
+            <a:ext cx="4848838" cy="249812"/>
+          </a:xfrm>
+          <a:prstGeom prst="rect">
+            <a:avLst/>
+          </a:prstGeom>
+          <a:noFill/>
+        </p:spPr>
+        <p:txBody>
+          <a:bodyPr wrap="square" lIns="0" tIns="0" rIns="0" bIns="0" rtlCol="0">
+            <a:spAutoFit/>
+          </a:bodyPr>
+          <a:lstStyle/>
+          <a:p>
+            <a:pPr marL="0" marR="0" indent="0" algn="l" defTabSz="914400" rtl="0" eaLnBrk="1" fontAlgn="auto" latinLnBrk="0" hangingPunct="1">
+              <a:lnSpc>
+                <a:spcPct val="110000"/>
+              </a:lnSpc>
+              <a:spcBef>
+                <a:spcPts val="0"/>
+              </a:spcBef>
+              <a:spcAft>
+                <a:spcPts val="1200"/>
+              </a:spcAft>
+              <a:buClrTx/>
+              <a:buSzTx/>
+              <a:buFont typeface="Arial" panose="020B0604020202020204" pitchFamily="34" charset="0"/>
+              <a:buNone/>
+              <a:tabLst/>
+            </a:pPr>
+            <a:r>
+              <a:rPr kumimoji="0" lang="de-DE" sz="1600" b="0" i="0" u="none" strike="noStrike" kern="1200" cap="none" spc="0" normalizeH="0" baseline="0" noProof="0" dirty="0">
+                <a:ln>
+                  <a:noFill/>
+                </a:ln>
+                <a:solidFill>
+                  <a:prstClr val="black"/>
+                </a:solidFill>
+                <a:effectLst/>
+                <a:uLnTx/>
+                <a:uFillTx/>
+                <a:latin typeface="Arial"/>
+                <a:ea typeface="+mn-ea"/>
+                <a:cs typeface="+mn-cs"/>
+              </a:rPr>
+              <a:t>- Mathematische Methoden (</a:t>
+            </a:r>
+            <a:r>
+              <a:rPr lang="de-DE" sz="1600" dirty="0" err="1"/>
+              <a:t>Kamiran</a:t>
+            </a:r>
+            <a:r>
+              <a:rPr lang="de-DE" sz="1600" dirty="0"/>
+              <a:t>,</a:t>
+            </a:r>
+            <a:r>
+              <a:rPr lang="de-DE" sz="1600" dirty="0">
+                <a:solidFill>
+                  <a:prstClr val="black"/>
+                </a:solidFill>
+                <a:latin typeface="Arial"/>
+              </a:rPr>
+              <a:t> </a:t>
+            </a:r>
+            <a:r>
+              <a:rPr kumimoji="0" lang="de-DE" sz="1600" b="0" i="0" u="none" strike="noStrike" kern="1200" cap="none" spc="0" normalizeH="0" baseline="0" noProof="0" dirty="0">
+                <a:ln>
+                  <a:noFill/>
+                </a:ln>
+                <a:solidFill>
+                  <a:prstClr val="black"/>
+                </a:solidFill>
+                <a:effectLst/>
+                <a:uLnTx/>
+                <a:uFillTx/>
+                <a:latin typeface="Arial"/>
+                <a:ea typeface="+mn-ea"/>
+                <a:cs typeface="+mn-cs"/>
+              </a:rPr>
+              <a:t>et al, 2012)</a:t>
+            </a:r>
+          </a:p>
+        </p:txBody>
+      </p:sp>
+      <p:sp>
+        <p:nvSpPr>
+          <p:cNvPr id="18" name="Textfeld 17">
+            <a:extLst>
+              <a:ext uri="{FF2B5EF4-FFF2-40B4-BE49-F238E27FC236}">
+                <a16:creationId xmlns:a16="http://schemas.microsoft.com/office/drawing/2014/main" id="{89E111DD-D2CD-B762-F336-1624FFF86FA1}"/>
+              </a:ext>
+            </a:extLst>
+          </p:cNvPr>
+          <p:cNvSpPr txBox="1"/>
+          <p:nvPr/>
+        </p:nvSpPr>
+        <p:spPr>
+          <a:xfrm>
+            <a:off x="671118" y="3669072"/>
+            <a:ext cx="4848838" cy="249812"/>
+          </a:xfrm>
+          <a:prstGeom prst="rect">
+            <a:avLst/>
+          </a:prstGeom>
+          <a:noFill/>
+        </p:spPr>
+        <p:txBody>
+          <a:bodyPr wrap="square" lIns="0" tIns="0" rIns="0" bIns="0" rtlCol="0">
+            <a:spAutoFit/>
+          </a:bodyPr>
+          <a:lstStyle/>
+          <a:p>
+            <a:pPr marL="0" marR="0" indent="0" algn="l" defTabSz="914400" rtl="0" eaLnBrk="1" fontAlgn="auto" latinLnBrk="0" hangingPunct="1">
+              <a:lnSpc>
+                <a:spcPct val="110000"/>
+              </a:lnSpc>
+              <a:spcBef>
+                <a:spcPts val="0"/>
+              </a:spcBef>
+              <a:spcAft>
+                <a:spcPts val="1200"/>
+              </a:spcAft>
+              <a:buClrTx/>
+              <a:buSzTx/>
+              <a:buFont typeface="Arial" panose="020B0604020202020204" pitchFamily="34" charset="0"/>
+              <a:buNone/>
+              <a:tabLst/>
+            </a:pPr>
+            <a:r>
+              <a:rPr kumimoji="0" lang="de-DE" sz="1600" b="0" i="0" u="none" strike="noStrike" kern="1200" cap="none" spc="0" normalizeH="0" baseline="0" noProof="0" dirty="0">
+                <a:ln>
+                  <a:noFill/>
+                </a:ln>
+                <a:solidFill>
+                  <a:prstClr val="black"/>
+                </a:solidFill>
+                <a:effectLst/>
+                <a:uLnTx/>
+                <a:uFillTx/>
+                <a:latin typeface="Arial"/>
+                <a:ea typeface="+mn-ea"/>
+                <a:cs typeface="+mn-cs"/>
+              </a:rPr>
+              <a:t>- Mathematische Methoden (</a:t>
+            </a:r>
+            <a:r>
+              <a:rPr lang="de-DE" sz="1600" dirty="0" err="1"/>
+              <a:t>Kamiran</a:t>
+            </a:r>
+            <a:r>
+              <a:rPr lang="de-DE" sz="1600" dirty="0"/>
+              <a:t>,</a:t>
+            </a:r>
+            <a:r>
+              <a:rPr lang="de-DE" sz="1600" dirty="0">
+                <a:solidFill>
+                  <a:prstClr val="black"/>
+                </a:solidFill>
+                <a:latin typeface="Arial"/>
+              </a:rPr>
+              <a:t> </a:t>
+            </a:r>
+            <a:r>
+              <a:rPr kumimoji="0" lang="de-DE" sz="1600" b="0" i="0" u="none" strike="noStrike" kern="1200" cap="none" spc="0" normalizeH="0" baseline="0" noProof="0" dirty="0">
+                <a:ln>
+                  <a:noFill/>
+                </a:ln>
+                <a:solidFill>
+                  <a:prstClr val="black"/>
+                </a:solidFill>
+                <a:effectLst/>
+                <a:uLnTx/>
+                <a:uFillTx/>
+                <a:latin typeface="Arial"/>
+                <a:ea typeface="+mn-ea"/>
+                <a:cs typeface="+mn-cs"/>
+              </a:rPr>
+              <a:t>et al, 2012)</a:t>
+            </a:r>
+          </a:p>
+        </p:txBody>
+      </p:sp>
+      <p:sp>
+        <p:nvSpPr>
+          <p:cNvPr id="19" name="Textfeld 18">
+            <a:extLst>
+              <a:ext uri="{FF2B5EF4-FFF2-40B4-BE49-F238E27FC236}">
+                <a16:creationId xmlns:a16="http://schemas.microsoft.com/office/drawing/2014/main" id="{FE26AADC-B259-AF65-475E-8C0988A12375}"/>
+              </a:ext>
+            </a:extLst>
+          </p:cNvPr>
+          <p:cNvSpPr txBox="1"/>
+          <p:nvPr/>
+        </p:nvSpPr>
+        <p:spPr>
+          <a:xfrm rot="20602287">
+            <a:off x="6596905" y="2548148"/>
+            <a:ext cx="4275227" cy="890500"/>
+          </a:xfrm>
+          <a:prstGeom prst="rect">
+            <a:avLst/>
+          </a:prstGeom>
+          <a:noFill/>
+        </p:spPr>
+        <p:txBody>
+          <a:bodyPr wrap="square" lIns="0" tIns="0" rIns="0" bIns="0" rtlCol="0">
+            <a:spAutoFit/>
+          </a:bodyPr>
+          <a:lstStyle/>
+          <a:p>
+            <a:pPr marL="0" marR="0" indent="0" algn="l" defTabSz="914400" rtl="0" eaLnBrk="1" fontAlgn="auto" latinLnBrk="0" hangingPunct="1">
+              <a:lnSpc>
+                <a:spcPct val="110000"/>
+              </a:lnSpc>
+              <a:spcBef>
+                <a:spcPts val="0"/>
+              </a:spcBef>
+              <a:spcAft>
+                <a:spcPts val="1200"/>
+              </a:spcAft>
+              <a:buClrTx/>
+              <a:buSzTx/>
+              <a:buFont typeface="Arial" panose="020B0604020202020204" pitchFamily="34" charset="0"/>
+              <a:buNone/>
+              <a:tabLst/>
+            </a:pPr>
+            <a:r>
+              <a:rPr kumimoji="0" lang="de-DE" b="0" i="0" u="none" strike="noStrike" kern="1200" cap="none" spc="0" normalizeH="0" baseline="0" noProof="0" dirty="0">
+                <a:ln>
+                  <a:noFill/>
+                </a:ln>
+                <a:solidFill>
+                  <a:prstClr val="black"/>
+                </a:solidFill>
+                <a:effectLst/>
+                <a:uLnTx/>
+                <a:uFillTx/>
+                <a:latin typeface="Arial"/>
+                <a:ea typeface="+mn-ea"/>
+                <a:cs typeface="+mn-cs"/>
+              </a:rPr>
+              <a:t>Kannst an der Folie ändern, was du willst, hatte nur Zeit und ne Idee, wie man den Forschungsstand abbilden könnte</a:t>
+            </a:r>
           </a:p>
         </p:txBody>
       </p:sp>
@@ -35959,8 +36914,12 @@
           <a:lstStyle/>
           <a:p>
             <a:r>
+              <a:rPr lang="de-DE" b="1" dirty="0"/>
+              <a:t>Philippe Huber</a:t>
+            </a:r>
+            <a:r>
               <a:rPr lang="de-DE" dirty="0"/>
-              <a:t>Philippe Huber, Rene Jokiel</a:t>
+              <a:t>, Rene Jokiel</a:t>
             </a:r>
           </a:p>
         </p:txBody>
@@ -36067,6 +37026,70 @@
           <a:lstStyle/>
           <a:p>
             <a:endParaRPr lang="de-DE" dirty="0"/>
+          </a:p>
+        </p:txBody>
+      </p:sp>
+      <p:sp>
+        <p:nvSpPr>
+          <p:cNvPr id="2" name="Textfeld 1">
+            <a:extLst>
+              <a:ext uri="{FF2B5EF4-FFF2-40B4-BE49-F238E27FC236}">
+                <a16:creationId xmlns:a16="http://schemas.microsoft.com/office/drawing/2014/main" id="{4AD97575-9AEC-035B-3742-A82390FD40EF}"/>
+              </a:ext>
+            </a:extLst>
+          </p:cNvPr>
+          <p:cNvSpPr txBox="1"/>
+          <p:nvPr/>
+        </p:nvSpPr>
+        <p:spPr>
+          <a:xfrm rot="20622517">
+            <a:off x="4664279" y="4142064"/>
+            <a:ext cx="7256477" cy="520655"/>
+          </a:xfrm>
+          <a:prstGeom prst="rect">
+            <a:avLst/>
+          </a:prstGeom>
+          <a:noFill/>
+        </p:spPr>
+        <p:txBody>
+          <a:bodyPr wrap="square" lIns="0" tIns="0" rIns="0" bIns="0" rtlCol="0">
+            <a:spAutoFit/>
+          </a:bodyPr>
+          <a:lstStyle/>
+          <a:p>
+            <a:pPr marL="0" marR="0" indent="0" algn="l" defTabSz="914400" rtl="0" eaLnBrk="1" fontAlgn="auto" latinLnBrk="0" hangingPunct="1">
+              <a:lnSpc>
+                <a:spcPct val="110000"/>
+              </a:lnSpc>
+              <a:spcBef>
+                <a:spcPts val="0"/>
+              </a:spcBef>
+              <a:spcAft>
+                <a:spcPts val="1200"/>
+              </a:spcAft>
+              <a:buClrTx/>
+              <a:buSzTx/>
+              <a:buFont typeface="Arial" panose="020B0604020202020204" pitchFamily="34" charset="0"/>
+              <a:buNone/>
+              <a:tabLst/>
+            </a:pPr>
+            <a:r>
+              <a:rPr kumimoji="0" lang="de-DE" sz="1600" b="0" i="0" u="none" strike="noStrike" kern="1200" cap="none" spc="0" normalizeH="0" baseline="0" noProof="0" dirty="0">
+                <a:ln>
+                  <a:noFill/>
+                </a:ln>
+                <a:solidFill>
+                  <a:prstClr val="black"/>
+                </a:solidFill>
+                <a:effectLst/>
+                <a:uLnTx/>
+                <a:uFillTx/>
+                <a:latin typeface="Arial"/>
+                <a:ea typeface="+mn-ea"/>
+                <a:cs typeface="+mn-cs"/>
+              </a:rPr>
+              <a:t>Ermittlung von Verzerrungen (Bias) und Quellen potenzieller Diskriminierung in tabellarischen Datensätzen</a:t>
+            </a:r>
           </a:p>
         </p:txBody>
       </p:sp>

--- a/F-Seminar/Zwischenpräsentation.pptx
+++ b/F-Seminar/Zwischenpräsentation.pptx
@@ -16,7 +16,7 @@
     <p:sldId id="311" r:id="rId4"/>
     <p:sldId id="443" r:id="rId5"/>
     <p:sldId id="440" r:id="rId6"/>
-    <p:sldId id="432" r:id="rId7"/>
+    <p:sldId id="449" r:id="rId7"/>
     <p:sldId id="448" r:id="rId8"/>
     <p:sldId id="441" r:id="rId9"/>
     <p:sldId id="444" r:id="rId10"/>
@@ -144,6 +144,14 @@
 </p:presentation>
 </file>
 
+<file path=ppt/revisionInfo.xml><?xml version="1.0" encoding="utf-8"?>
+<p1510:revInfo xmlns:a="http://schemas.openxmlformats.org/drawingml/2006/main" xmlns:r="http://schemas.openxmlformats.org/officeDocument/2006/relationships" xmlns:p1510="http://schemas.microsoft.com/office/powerpoint/2015/10/main">
+  <p1510:revLst>
+    <p1510:client id="{5559946C-DD83-4361-9F0D-6F0382AAE1DC}" v="4" dt="2022-12-18T16:38:01.668"/>
+  </p1510:revLst>
+</p1510:revInfo>
+</file>
+
 <file path=ppt/handoutMasters/handoutMaster1.xml><?xml version="1.0" encoding="utf-8"?>
 <p:handoutMaster xmlns:a="http://schemas.openxmlformats.org/drawingml/2006/main" xmlns:r="http://schemas.openxmlformats.org/officeDocument/2006/relationships" xmlns:p="http://schemas.openxmlformats.org/presentationml/2006/main">
   <p:cSld>
@@ -238,7 +246,7 @@
           <a:p>
             <a:fld id="{C88CE87A-16FF-4C7D-8292-0CB980715C8B}" type="datetimeFigureOut">
               <a:rPr lang="de-DE" smtClean="0"/>
-              <a:t>15.12.2022</a:t>
+              <a:t>17.12.2022</a:t>
             </a:fld>
             <a:endParaRPr lang="de-DE"/>
           </a:p>
@@ -415,7 +423,7 @@
           <a:p>
             <a:fld id="{9DECA62E-2216-4960-A875-4D2633F4A404}" type="datetimeFigureOut">
               <a:rPr lang="de-DE" smtClean="0"/>
-              <a:t>15.12.2022</a:t>
+              <a:t>17.12.2022</a:t>
             </a:fld>
             <a:endParaRPr lang="de-DE"/>
           </a:p>
@@ -744,7 +752,13 @@
                   <p:embed/>
                   <p:pic>
                     <p:nvPicPr>
-                      <p:cNvPr id="0" name=""/>
+                      <p:cNvPr id="2" name="Objekt 1" hidden="1">
+                        <a:extLst>
+                          <a:ext uri="{FF2B5EF4-FFF2-40B4-BE49-F238E27FC236}">
+                            <a16:creationId xmlns:a16="http://schemas.microsoft.com/office/drawing/2014/main" id="{FA11ADF3-A31B-4EDC-8300-3E710D63EB44}"/>
+                          </a:ext>
+                        </a:extLst>
+                      </p:cNvPr>
                       <p:cNvPicPr/>
                       <p:nvPr/>
                     </p:nvPicPr>
@@ -2215,7 +2229,7 @@
           <a:p>
             <a:fld id="{E4F67F0B-0D69-4F2E-A0A2-F8FA26E3BF7C}" type="datetime4">
               <a:rPr lang="de-DE" smtClean="0"/>
-              <a:t>15. Dezember 2022</a:t>
+              <a:t>17. Dezember 2022</a:t>
             </a:fld>
             <a:endParaRPr lang="de-DE" dirty="0"/>
           </a:p>
@@ -2621,7 +2635,7 @@
           <a:p>
             <a:fld id="{BE42F941-E76D-416A-AF33-65B53D3785A5}" type="datetime4">
               <a:rPr lang="de-DE" smtClean="0"/>
-              <a:t>15. Dezember 2022</a:t>
+              <a:t>17. Dezember 2022</a:t>
             </a:fld>
             <a:endParaRPr lang="de-DE" dirty="0"/>
           </a:p>
@@ -3175,7 +3189,7 @@
           <a:p>
             <a:fld id="{383FEB1C-484B-4899-98E6-EB362BE13A10}" type="datetime4">
               <a:rPr lang="de-DE" smtClean="0"/>
-              <a:t>15. Dezember 2022</a:t>
+              <a:t>17. Dezember 2022</a:t>
             </a:fld>
             <a:endParaRPr lang="de-DE" dirty="0"/>
           </a:p>
@@ -3566,7 +3580,7 @@
           <a:p>
             <a:fld id="{FDEAF896-8D1C-46DE-9E9E-9010894131BC}" type="datetime4">
               <a:rPr lang="de-DE" smtClean="0"/>
-              <a:t>15. Dezember 2022</a:t>
+              <a:t>17. Dezember 2022</a:t>
             </a:fld>
             <a:endParaRPr lang="de-DE" dirty="0"/>
           </a:p>
@@ -4057,7 +4071,7 @@
           <a:p>
             <a:fld id="{F23CC76E-A77D-4F48-8F46-063559FB155D}" type="datetime4">
               <a:rPr lang="de-DE" smtClean="0"/>
-              <a:t>15. Dezember 2022</a:t>
+              <a:t>17. Dezember 2022</a:t>
             </a:fld>
             <a:endParaRPr lang="de-DE" dirty="0"/>
           </a:p>
@@ -4648,7 +4662,7 @@
           <a:p>
             <a:fld id="{8321F75B-8E06-41EA-9095-78DA6F8CBA18}" type="datetime4">
               <a:rPr lang="de-DE" smtClean="0"/>
-              <a:t>15. Dezember 2022</a:t>
+              <a:t>17. Dezember 2022</a:t>
             </a:fld>
             <a:endParaRPr lang="de-DE" dirty="0"/>
           </a:p>
@@ -4977,7 +4991,7 @@
           <a:p>
             <a:fld id="{089DCD38-B7CE-40BA-8A02-00BA6D6B4613}" type="datetime4">
               <a:rPr lang="de-DE" smtClean="0"/>
-              <a:t>15. Dezember 2022</a:t>
+              <a:t>17. Dezember 2022</a:t>
             </a:fld>
             <a:endParaRPr lang="de-DE" dirty="0"/>
           </a:p>
@@ -5344,7 +5358,7 @@
           <a:p>
             <a:fld id="{97BF881E-3DED-43D6-A417-A7C186EE56EA}" type="datetime4">
               <a:rPr lang="de-DE" smtClean="0"/>
-              <a:t>15. Dezember 2022</a:t>
+              <a:t>17. Dezember 2022</a:t>
             </a:fld>
             <a:endParaRPr lang="de-DE" dirty="0"/>
           </a:p>
@@ -5731,7 +5745,7 @@
           <a:p>
             <a:fld id="{236023A5-0DD9-4EDE-B3F8-AE8B566D171E}" type="datetime4">
               <a:rPr lang="de-DE" smtClean="0"/>
-              <a:t>15. Dezember 2022</a:t>
+              <a:t>17. Dezember 2022</a:t>
             </a:fld>
             <a:endParaRPr lang="de-DE" dirty="0"/>
           </a:p>
@@ -7239,7 +7253,13 @@
                   <p:embed/>
                   <p:pic>
                     <p:nvPicPr>
-                      <p:cNvPr id="0" name=""/>
+                      <p:cNvPr id="2" name="Objekt 1" hidden="1">
+                        <a:extLst>
+                          <a:ext uri="{FF2B5EF4-FFF2-40B4-BE49-F238E27FC236}">
+                            <a16:creationId xmlns:a16="http://schemas.microsoft.com/office/drawing/2014/main" id="{368AAEB4-E335-41F2-8B59-BDA22239A0BA}"/>
+                          </a:ext>
+                        </a:extLst>
+                      </p:cNvPr>
                       <p:cNvPicPr/>
                       <p:nvPr/>
                     </p:nvPicPr>
@@ -8733,7 +8753,13 @@
                   <p:embed/>
                   <p:pic>
                     <p:nvPicPr>
-                      <p:cNvPr id="0" name=""/>
+                      <p:cNvPr id="6" name="Objekt 5" hidden="1">
+                        <a:extLst>
+                          <a:ext uri="{FF2B5EF4-FFF2-40B4-BE49-F238E27FC236}">
+                            <a16:creationId xmlns:a16="http://schemas.microsoft.com/office/drawing/2014/main" id="{08416C23-A1C9-4A3C-A02C-B83D990600B3}"/>
+                          </a:ext>
+                        </a:extLst>
+                      </p:cNvPr>
                       <p:cNvPicPr/>
                       <p:nvPr/>
                     </p:nvPicPr>
@@ -8782,7 +8808,7 @@
           <a:p>
             <a:fld id="{5F2FFFAF-2C94-4296-A519-F2AFC9B633BB}" type="datetime4">
               <a:rPr lang="de-DE" smtClean="0"/>
-              <a:t>15. Dezember 2022</a:t>
+              <a:t>17. Dezember 2022</a:t>
             </a:fld>
             <a:endParaRPr lang="de-DE" dirty="0"/>
           </a:p>
@@ -9081,7 +9107,7 @@
           <a:p>
             <a:fld id="{278214D8-8053-4DB4-874E-70E28250261A}" type="datetime4">
               <a:rPr lang="de-DE" smtClean="0"/>
-              <a:t>15. Dezember 2022</a:t>
+              <a:t>17. Dezember 2022</a:t>
             </a:fld>
             <a:endParaRPr lang="de-DE" dirty="0"/>
           </a:p>
@@ -17096,7 +17122,7 @@
           <a:p>
             <a:fld id="{974F31EF-6EA6-4A24-8992-69DC7A69151C}" type="datetime4">
               <a:rPr lang="de-DE" smtClean="0"/>
-              <a:t>15. Dezember 2022</a:t>
+              <a:t>17. Dezember 2022</a:t>
             </a:fld>
             <a:endParaRPr lang="de-DE"/>
           </a:p>
@@ -18363,7 +18389,13 @@
                   <p:embed/>
                   <p:pic>
                     <p:nvPicPr>
-                      <p:cNvPr id="0" name=""/>
+                      <p:cNvPr id="2" name="Objekt 1" hidden="1">
+                        <a:extLst>
+                          <a:ext uri="{FF2B5EF4-FFF2-40B4-BE49-F238E27FC236}">
+                            <a16:creationId xmlns:a16="http://schemas.microsoft.com/office/drawing/2014/main" id="{FCB49CBC-F4F1-4727-AA52-334118E159DC}"/>
+                          </a:ext>
+                        </a:extLst>
+                      </p:cNvPr>
                       <p:cNvPicPr/>
                       <p:nvPr/>
                     </p:nvPicPr>
@@ -19848,7 +19880,7 @@
           <a:p>
             <a:fld id="{C7DD0C8E-4653-4FE0-9AB6-B157E51E80B8}" type="datetime4">
               <a:rPr lang="de-DE" smtClean="0"/>
-              <a:t>15. Dezember 2022</a:t>
+              <a:t>17. Dezember 2022</a:t>
             </a:fld>
             <a:endParaRPr lang="de-DE" dirty="0"/>
           </a:p>
@@ -21101,7 +21133,7 @@
           <a:p>
             <a:fld id="{701BB78D-0F7C-433E-93C8-011F3F257B2F}" type="datetime4">
               <a:rPr lang="de-DE" smtClean="0"/>
-              <a:t>15. Dezember 2022</a:t>
+              <a:t>17. Dezember 2022</a:t>
             </a:fld>
             <a:endParaRPr lang="de-DE" dirty="0"/>
           </a:p>
@@ -21989,7 +22021,7 @@
           <a:p>
             <a:fld id="{5C89B0C6-E378-43D9-87B6-F295F13B6DA2}" type="datetime4">
               <a:rPr lang="de-DE" smtClean="0"/>
-              <a:t>15. Dezember 2022</a:t>
+              <a:t>17. Dezember 2022</a:t>
             </a:fld>
             <a:endParaRPr lang="de-DE" dirty="0"/>
           </a:p>
@@ -23357,7 +23389,13 @@
                   <p:embed/>
                   <p:pic>
                     <p:nvPicPr>
-                      <p:cNvPr id="0" name=""/>
+                      <p:cNvPr id="6" name="Objekt 5" hidden="1">
+                        <a:extLst>
+                          <a:ext uri="{FF2B5EF4-FFF2-40B4-BE49-F238E27FC236}">
+                            <a16:creationId xmlns:a16="http://schemas.microsoft.com/office/drawing/2014/main" id="{B494B1E8-B150-47D8-BFC1-832FA1865A69}"/>
+                          </a:ext>
+                        </a:extLst>
+                      </p:cNvPr>
                       <p:cNvPicPr/>
                       <p:nvPr/>
                     </p:nvPicPr>
@@ -23406,7 +23444,7 @@
           <a:p>
             <a:fld id="{37276614-C801-48D1-BE5E-3E261D899ED8}" type="datetime4">
               <a:rPr lang="de-DE" smtClean="0"/>
-              <a:t>15. Dezember 2022</a:t>
+              <a:t>17. Dezember 2022</a:t>
             </a:fld>
             <a:endParaRPr lang="de-DE" dirty="0"/>
           </a:p>
@@ -23795,7 +23833,13 @@
                   <p:embed/>
                   <p:pic>
                     <p:nvPicPr>
-                      <p:cNvPr id="0" name=""/>
+                      <p:cNvPr id="7" name="Objekt 6" hidden="1">
+                        <a:extLst>
+                          <a:ext uri="{FF2B5EF4-FFF2-40B4-BE49-F238E27FC236}">
+                            <a16:creationId xmlns:a16="http://schemas.microsoft.com/office/drawing/2014/main" id="{310B988B-3F29-43AB-A28D-71293531273E}"/>
+                          </a:ext>
+                        </a:extLst>
+                      </p:cNvPr>
                       <p:cNvPicPr/>
                       <p:nvPr/>
                     </p:nvPicPr>
@@ -23844,7 +23888,7 @@
           <a:p>
             <a:fld id="{A9FB17B1-4EF5-4E82-B64D-6D9D06630995}" type="datetime4">
               <a:rPr lang="de-DE" smtClean="0"/>
-              <a:t>15. Dezember 2022</a:t>
+              <a:t>17. Dezember 2022</a:t>
             </a:fld>
             <a:endParaRPr lang="de-DE" dirty="0"/>
           </a:p>
@@ -24280,7 +24324,7 @@
           <a:p>
             <a:fld id="{0B15DED9-9AF1-49E6-842A-BFCE5BF99E9D}" type="datetime4">
               <a:rPr lang="de-DE" smtClean="0"/>
-              <a:t>15. Dezember 2022</a:t>
+              <a:t>17. Dezember 2022</a:t>
             </a:fld>
             <a:endParaRPr lang="de-DE" dirty="0"/>
           </a:p>
@@ -24794,7 +24838,13 @@
                   <p:embed/>
                   <p:pic>
                     <p:nvPicPr>
-                      <p:cNvPr id="0" name=""/>
+                      <p:cNvPr id="13" name="Objekt 12" hidden="1">
+                        <a:extLst>
+                          <a:ext uri="{FF2B5EF4-FFF2-40B4-BE49-F238E27FC236}">
+                            <a16:creationId xmlns:a16="http://schemas.microsoft.com/office/drawing/2014/main" id="{A5AFDFCF-0983-4270-80C9-4D41CBE02549}"/>
+                          </a:ext>
+                        </a:extLst>
+                      </p:cNvPr>
                       <p:cNvPicPr/>
                       <p:nvPr/>
                     </p:nvPicPr>
@@ -25001,7 +25051,7 @@
           <a:p>
             <a:fld id="{B4AF76AE-F8CA-4CAE-8890-6E3DCFB786A6}" type="datetime4">
               <a:rPr lang="de-DE" smtClean="0"/>
-              <a:t>15. Dezember 2022</a:t>
+              <a:t>17. Dezember 2022</a:t>
             </a:fld>
             <a:endParaRPr lang="de-DE" dirty="0"/>
           </a:p>
@@ -26965,7 +27015,7 @@
             <a:fld id="{D529D632-EE07-48FA-B475-B0D49CBC7F92}" type="datetime4">
               <a:rPr lang="de-DE" smtClean="0"/>
               <a:pPr/>
-              <a:t>15. Dezember 2022</a:t>
+              <a:t>17. Dezember 2022</a:t>
             </a:fld>
             <a:endParaRPr lang="de-DE" dirty="0"/>
           </a:p>
@@ -27086,7 +27136,7 @@
           <a:p>
             <a:fld id="{5C89B0C6-E378-43D9-87B6-F295F13B6DA2}" type="datetime4">
               <a:rPr lang="de-DE" smtClean="0"/>
-              <a:t>15. Dezember 2022</a:t>
+              <a:t>17. Dezember 2022</a:t>
             </a:fld>
             <a:endParaRPr lang="de-DE" dirty="0"/>
           </a:p>
@@ -27324,7 +27374,7 @@
           <a:p>
             <a:fld id="{5C89B0C6-E378-43D9-87B6-F295F13B6DA2}" type="datetime4">
               <a:rPr lang="de-DE" smtClean="0"/>
-              <a:t>15. Dezember 2022</a:t>
+              <a:t>17. Dezember 2022</a:t>
             </a:fld>
             <a:endParaRPr lang="de-DE" dirty="0"/>
           </a:p>
@@ -28072,7 +28122,7 @@
           <a:p>
             <a:fld id="{5C89B0C6-E378-43D9-87B6-F295F13B6DA2}" type="datetime4">
               <a:rPr lang="de-DE" smtClean="0"/>
-              <a:t>15. Dezember 2022</a:t>
+              <a:t>17. Dezember 2022</a:t>
             </a:fld>
             <a:endParaRPr lang="de-DE" dirty="0"/>
           </a:p>
@@ -29056,7 +29106,7 @@
           <a:p>
             <a:fld id="{5C89B0C6-E378-43D9-87B6-F295F13B6DA2}" type="datetime4">
               <a:rPr lang="de-DE" smtClean="0"/>
-              <a:t>15. Dezember 2022</a:t>
+              <a:t>17. Dezember 2022</a:t>
             </a:fld>
             <a:endParaRPr lang="de-DE" dirty="0"/>
           </a:p>
@@ -29269,7 +29319,7 @@
           <a:p>
             <a:fld id="{5C89B0C6-E378-43D9-87B6-F295F13B6DA2}" type="datetime4">
               <a:rPr lang="de-DE" smtClean="0"/>
-              <a:t>15. Dezember 2022</a:t>
+              <a:t>17. Dezember 2022</a:t>
             </a:fld>
             <a:endParaRPr lang="de-DE" dirty="0"/>
           </a:p>
@@ -31351,7 +31401,7 @@
             <a:fld id="{D529D632-EE07-48FA-B475-B0D49CBC7F92}" type="datetime4">
               <a:rPr lang="de-DE" smtClean="0"/>
               <a:pPr/>
-              <a:t>15. Dezember 2022</a:t>
+              <a:t>17. Dezember 2022</a:t>
             </a:fld>
             <a:endParaRPr lang="de-DE" dirty="0"/>
           </a:p>
@@ -31472,7 +31522,7 @@
           <a:p>
             <a:fld id="{5C89B0C6-E378-43D9-87B6-F295F13B6DA2}" type="datetime4">
               <a:rPr lang="de-DE" smtClean="0"/>
-              <a:t>15. Dezember 2022</a:t>
+              <a:t>17. Dezember 2022</a:t>
             </a:fld>
             <a:endParaRPr lang="de-DE" dirty="0"/>
           </a:p>
@@ -31836,7 +31886,7 @@
             <a:fld id="{D529D632-EE07-48FA-B475-B0D49CBC7F92}" type="datetime4">
               <a:rPr lang="de-DE" smtClean="0"/>
               <a:pPr/>
-              <a:t>15. Dezember 2022</a:t>
+              <a:t>17. Dezember 2022</a:t>
             </a:fld>
             <a:endParaRPr lang="de-DE" dirty="0"/>
           </a:p>
@@ -31957,7 +32007,7 @@
           <a:p>
             <a:fld id="{5C89B0C6-E378-43D9-87B6-F295F13B6DA2}" type="datetime4">
               <a:rPr lang="de-DE" smtClean="0"/>
-              <a:t>15. Dezember 2022</a:t>
+              <a:t>17. Dezember 2022</a:t>
             </a:fld>
             <a:endParaRPr lang="de-DE" dirty="0"/>
           </a:p>
@@ -32610,7 +32660,7 @@
           <a:p>
             <a:fld id="{974F31EF-6EA6-4A24-8992-69DC7A69151C}" type="datetime4">
               <a:rPr lang="de-DE" smtClean="0"/>
-              <a:t>15. Dezember 2022</a:t>
+              <a:t>17. Dezember 2022</a:t>
             </a:fld>
             <a:endParaRPr lang="de-DE"/>
           </a:p>
@@ -33178,7 +33228,7 @@
           <a:bodyPr/>
           <a:lstStyle/>
           <a:p>
-            <a:endParaRPr lang="de-DE"/>
+            <a:endParaRPr lang="de-DE" dirty="0"/>
           </a:p>
         </p:txBody>
       </p:sp>
@@ -33422,7 +33472,7 @@
           <a:p>
             <a:fld id="{5C89B0C6-E378-43D9-87B6-F295F13B6DA2}" type="datetime4">
               <a:rPr lang="de-DE" smtClean="0"/>
-              <a:t>15. Dezember 2022</a:t>
+              <a:t>17. Dezember 2022</a:t>
             </a:fld>
             <a:endParaRPr lang="de-DE" dirty="0"/>
           </a:p>
@@ -34666,7 +34716,7 @@
           <a:p>
             <a:fld id="{974F31EF-6EA6-4A24-8992-69DC7A69151C}" type="datetime4">
               <a:rPr lang="de-DE" smtClean="0"/>
-              <a:t>15. Dezember 2022</a:t>
+              <a:t>17. Dezember 2022</a:t>
             </a:fld>
             <a:endParaRPr lang="de-DE"/>
           </a:p>
@@ -34827,7 +34877,7 @@
             <a:fld id="{D529D632-EE07-48FA-B475-B0D49CBC7F92}" type="datetime4">
               <a:rPr lang="de-DE" smtClean="0"/>
               <a:pPr/>
-              <a:t>15. Dezember 2022</a:t>
+              <a:t>17. Dezember 2022</a:t>
             </a:fld>
             <a:endParaRPr lang="de-DE" dirty="0"/>
           </a:p>
@@ -34948,7 +34998,7 @@
           <a:p>
             <a:fld id="{5C89B0C6-E378-43D9-87B6-F295F13B6DA2}" type="datetime4">
               <a:rPr lang="de-DE" smtClean="0"/>
-              <a:t>15. Dezember 2022</a:t>
+              <a:t>18. Dezember 2022</a:t>
             </a:fld>
             <a:endParaRPr lang="de-DE" dirty="0"/>
           </a:p>
@@ -35062,7 +35112,10 @@
           <a:bodyPr/>
           <a:lstStyle/>
           <a:p>
-            <a:endParaRPr lang="de-DE" dirty="0"/>
+            <a:r>
+              <a:rPr lang="de-DE" dirty="0"/>
+              <a:t>Menschengemachte Datensätze enthalten oft Verzerrungen, die sich negativ auf die Fairness von KI auswirken</a:t>
+            </a:r>
           </a:p>
         </p:txBody>
       </p:sp>
@@ -35087,7 +35140,144 @@
           <a:bodyPr/>
           <a:lstStyle/>
           <a:p>
-            <a:endParaRPr lang="de-DE" dirty="0"/>
+            <a:r>
+              <a:rPr lang="de-DE" dirty="0"/>
+              <a:t>Problematik</a:t>
+            </a:r>
+          </a:p>
+        </p:txBody>
+      </p:sp>
+      <p:sp>
+        <p:nvSpPr>
+          <p:cNvPr id="2" name="Textfeld 1">
+            <a:extLst>
+              <a:ext uri="{FF2B5EF4-FFF2-40B4-BE49-F238E27FC236}">
+                <a16:creationId xmlns:a16="http://schemas.microsoft.com/office/drawing/2014/main" id="{E9866192-6056-45C1-5889-033AC249534E}"/>
+              </a:ext>
+            </a:extLst>
+          </p:cNvPr>
+          <p:cNvSpPr txBox="1"/>
+          <p:nvPr/>
+        </p:nvSpPr>
+        <p:spPr>
+          <a:xfrm>
+            <a:off x="518319" y="1837189"/>
+            <a:ext cx="11157742" cy="1815882"/>
+          </a:xfrm>
+          <a:prstGeom prst="rect">
+            <a:avLst/>
+          </a:prstGeom>
+          <a:noFill/>
+        </p:spPr>
+        <p:txBody>
+          <a:bodyPr wrap="square">
+            <a:spAutoFit/>
+          </a:bodyPr>
+          <a:lstStyle/>
+          <a:p>
+            <a:pPr marL="285750" indent="-285750">
+              <a:buFontTx/>
+              <a:buChar char="-"/>
+            </a:pPr>
+            <a:r>
+              <a:rPr lang="de-DE" sz="1600" dirty="0">
+                <a:solidFill>
+                  <a:prstClr val="black"/>
+                </a:solidFill>
+                <a:latin typeface="Arial"/>
+              </a:rPr>
+              <a:t>Datensätze sind direkt oder indirekt durch Menschen erschaffen</a:t>
+            </a:r>
+          </a:p>
+          <a:p>
+            <a:pPr marL="285750" indent="-285750">
+              <a:buFontTx/>
+              <a:buChar char="-"/>
+            </a:pPr>
+            <a:endParaRPr lang="de-DE" sz="1600" dirty="0">
+              <a:solidFill>
+                <a:prstClr val="black"/>
+              </a:solidFill>
+              <a:latin typeface="Arial"/>
+            </a:endParaRPr>
+          </a:p>
+          <a:p>
+            <a:pPr marL="285750" indent="-285750">
+              <a:buFontTx/>
+              <a:buChar char="-"/>
+            </a:pPr>
+            <a:r>
+              <a:rPr lang="de-DE" sz="1600" dirty="0">
+                <a:solidFill>
+                  <a:prstClr val="black"/>
+                </a:solidFill>
+                <a:latin typeface="Arial"/>
+              </a:rPr>
+              <a:t>Menschliche Vorurteile werden auf den Datensatz übertragen</a:t>
+            </a:r>
+          </a:p>
+          <a:p>
+            <a:pPr marL="285750" indent="-285750">
+              <a:buFontTx/>
+              <a:buChar char="-"/>
+            </a:pPr>
+            <a:endParaRPr lang="de-DE" sz="1600" dirty="0">
+              <a:solidFill>
+                <a:prstClr val="black"/>
+              </a:solidFill>
+              <a:latin typeface="Arial"/>
+            </a:endParaRPr>
+          </a:p>
+          <a:p>
+            <a:pPr marL="285750" indent="-285750">
+              <a:buFontTx/>
+              <a:buChar char="-"/>
+            </a:pPr>
+            <a:r>
+              <a:rPr lang="de-DE" sz="1600" dirty="0" err="1">
+                <a:solidFill>
+                  <a:prstClr val="black"/>
+                </a:solidFill>
+                <a:latin typeface="Arial"/>
+              </a:rPr>
+              <a:t>Machine</a:t>
+            </a:r>
+            <a:r>
+              <a:rPr lang="de-DE" sz="1600" dirty="0">
+                <a:solidFill>
+                  <a:prstClr val="black"/>
+                </a:solidFill>
+                <a:latin typeface="Arial"/>
+              </a:rPr>
+              <a:t> Learning Algorithmen lernen Verzerrungen mit</a:t>
+            </a:r>
+          </a:p>
+          <a:p>
+            <a:pPr marL="285750" indent="-285750">
+              <a:buFontTx/>
+              <a:buChar char="-"/>
+            </a:pPr>
+            <a:endParaRPr lang="de-DE" sz="1600" dirty="0">
+              <a:solidFill>
+                <a:prstClr val="black"/>
+              </a:solidFill>
+              <a:latin typeface="Arial"/>
+            </a:endParaRPr>
+          </a:p>
+          <a:p>
+            <a:pPr marL="285750" indent="-285750">
+              <a:buFontTx/>
+              <a:buChar char="-"/>
+            </a:pPr>
+            <a:r>
+              <a:rPr lang="de-DE" sz="1600" dirty="0">
+                <a:solidFill>
+                  <a:prstClr val="black"/>
+                </a:solidFill>
+                <a:latin typeface="Arial"/>
+              </a:rPr>
+              <a:t>Ungleiche Behandlung von verschiedenen Menschengruppen</a:t>
+            </a:r>
           </a:p>
         </p:txBody>
       </p:sp>
@@ -35178,7 +35368,7 @@
             <a:fld id="{D529D632-EE07-48FA-B475-B0D49CBC7F92}" type="datetime4">
               <a:rPr lang="de-DE" smtClean="0"/>
               <a:pPr/>
-              <a:t>15. Dezember 2022</a:t>
+              <a:t>17. Dezember 2022</a:t>
             </a:fld>
             <a:endParaRPr lang="de-DE" dirty="0"/>
           </a:p>
@@ -35278,10 +35468,10 @@
       </p:grpSpPr>
       <p:sp>
         <p:nvSpPr>
-          <p:cNvPr id="3" name="Datumsplatzhalter 2">
-            <a:extLst>
-              <a:ext uri="{FF2B5EF4-FFF2-40B4-BE49-F238E27FC236}">
-                <a16:creationId xmlns:a16="http://schemas.microsoft.com/office/drawing/2014/main" id="{2A351964-2BB6-97F3-6B22-336C5567411D}"/>
+          <p:cNvPr id="2" name="Datumsplatzhalter 1">
+            <a:extLst>
+              <a:ext uri="{FF2B5EF4-FFF2-40B4-BE49-F238E27FC236}">
+                <a16:creationId xmlns:a16="http://schemas.microsoft.com/office/drawing/2014/main" id="{8CC97387-EEDB-FB9F-9E1F-8D247981C3B0}"/>
               </a:ext>
             </a:extLst>
           </p:cNvPr>
@@ -35297,9 +35487,9 @@
           <a:bodyPr/>
           <a:lstStyle/>
           <a:p>
-            <a:fld id="{5C89B0C6-E378-43D9-87B6-F295F13B6DA2}" type="datetime4">
+            <a:fld id="{37276614-C801-48D1-BE5E-3E261D899ED8}" type="datetime4">
               <a:rPr lang="de-DE" smtClean="0"/>
-              <a:t>15. Dezember 2022</a:t>
+              <a:t>18. Dezember 2022</a:t>
             </a:fld>
             <a:endParaRPr lang="de-DE" dirty="0"/>
           </a:p>
@@ -35307,10 +35497,10 @@
       </p:sp>
       <p:sp>
         <p:nvSpPr>
-          <p:cNvPr id="4" name="Fußzeilenplatzhalter 3">
-            <a:extLst>
-              <a:ext uri="{FF2B5EF4-FFF2-40B4-BE49-F238E27FC236}">
-                <a16:creationId xmlns:a16="http://schemas.microsoft.com/office/drawing/2014/main" id="{1408DCD8-0AA7-E516-1759-8D2382782060}"/>
+          <p:cNvPr id="3" name="Fußzeilenplatzhalter 2">
+            <a:extLst>
+              <a:ext uri="{FF2B5EF4-FFF2-40B4-BE49-F238E27FC236}">
+                <a16:creationId xmlns:a16="http://schemas.microsoft.com/office/drawing/2014/main" id="{B40578FD-E0C9-BB7E-DB7B-3B6493485C62}"/>
               </a:ext>
             </a:extLst>
           </p:cNvPr>
@@ -35332,17 +35522,22 @@
             </a:r>
             <a:r>
               <a:rPr lang="de-DE" dirty="0"/>
-              <a:t>, Rene Jokiel</a:t>
-            </a:r>
-          </a:p>
-        </p:txBody>
-      </p:sp>
-      <p:sp>
-        <p:nvSpPr>
-          <p:cNvPr id="5" name="Foliennummernplatzhalter 4">
-            <a:extLst>
-              <a:ext uri="{FF2B5EF4-FFF2-40B4-BE49-F238E27FC236}">
-                <a16:creationId xmlns:a16="http://schemas.microsoft.com/office/drawing/2014/main" id="{7CC781B4-8E2A-7EAA-0553-BD86241E8C36}"/>
+              <a:t>, Rene </a:t>
+            </a:r>
+            <a:r>
+              <a:rPr lang="de-DE" dirty="0" err="1"/>
+              <a:t>Jokiel</a:t>
+            </a:r>
+            <a:endParaRPr lang="de-DE" dirty="0"/>
+          </a:p>
+        </p:txBody>
+      </p:sp>
+      <p:sp>
+        <p:nvSpPr>
+          <p:cNvPr id="4" name="Foliennummernplatzhalter 3">
+            <a:extLst>
+              <a:ext uri="{FF2B5EF4-FFF2-40B4-BE49-F238E27FC236}">
+                <a16:creationId xmlns:a16="http://schemas.microsoft.com/office/drawing/2014/main" id="{8D1152AC-449C-CB51-4129-A76808FE6412}"/>
               </a:ext>
             </a:extLst>
           </p:cNvPr>
@@ -35369,10 +35564,72 @@
       </p:sp>
       <p:sp>
         <p:nvSpPr>
-          <p:cNvPr id="9" name="Textplatzhalter 8">
-            <a:extLst>
-              <a:ext uri="{FF2B5EF4-FFF2-40B4-BE49-F238E27FC236}">
-                <a16:creationId xmlns:a16="http://schemas.microsoft.com/office/drawing/2014/main" id="{21FCF248-E52B-AAAC-8191-981DF0055B56}"/>
+          <p:cNvPr id="5" name="Textplatzhalter 4">
+            <a:extLst>
+              <a:ext uri="{FF2B5EF4-FFF2-40B4-BE49-F238E27FC236}">
+                <a16:creationId xmlns:a16="http://schemas.microsoft.com/office/drawing/2014/main" id="{698EAA61-9E74-3B67-FB3C-B96EE85787FE}"/>
+              </a:ext>
+            </a:extLst>
+          </p:cNvPr>
+          <p:cNvSpPr>
+            <a:spLocks noGrp="1"/>
+          </p:cNvSpPr>
+          <p:nvPr>
+            <p:ph type="body" sz="quarter" idx="37"/>
+          </p:nvPr>
+        </p:nvSpPr>
+        <p:spPr/>
+        <p:txBody>
+          <a:bodyPr/>
+          <a:lstStyle/>
+          <a:p>
+            <a:pPr algn="just"/>
+            <a:r>
+              <a:rPr lang="en-US" sz="1400" dirty="0">
+                <a:solidFill>
+                  <a:prstClr val="black"/>
+                </a:solidFill>
+                <a:latin typeface="Arial"/>
+              </a:rPr>
+              <a:t>( TITLE-ABS-KEY ( ai  AND  fair  AND  adjust  AND  data )  OR  TITLE-ABS-KEY ( ai  AND  fairness  AND  adjust  AND  data )  OR  TITLE-ABS-KEY ( ai  AND  reduce  AND  bias  AND  adjust  AND  data )  OR  TITLE-ABS-KEY ( ai  AND  ensure  AND  fairness  AND  adjust  AND  data )  OR  TITLE-ABS-KEY ( ai  AND  reduce  AND  bias  AND  data )  OR  TITLE-ABS-KEY ( ai  AND  prejudice  AND  adjust  AND  data )  OR  TITLE-ABS-KEY ( ai  AND  prejudice  AND  reduce  AND  data ) )  OR  ( TITLE-ABS-KEY ( fairness ) AND TITLE-ABS-KEY ( ai ) AND TITLE-ABS-KEY ( data ) OR TITLE-ABS-KEY ( "ensure fairness" ) AND TITLE-ABS-KEY ( ai ) AND TITLE-ABS-KEY ( data ) OR TITLE-ABS-KEY ( ai ) AND TITLE-ABS-KEY ( fair ) AND TITLE-ABS-KEY ( data ) AND TITLE-ABS-KEY ( manipulation ) )  OR  TITLE-ABS-KEY ( “fair ai" )</a:t>
+            </a:r>
+          </a:p>
+          <a:p>
+            <a:pPr algn="just"/>
+            <a:endParaRPr lang="de-DE" dirty="0">
+              <a:solidFill>
+                <a:prstClr val="black"/>
+              </a:solidFill>
+              <a:latin typeface="Arial"/>
+            </a:endParaRPr>
+          </a:p>
+          <a:p>
+            <a:endParaRPr lang="de-DE" sz="1800" dirty="0">
+              <a:effectLst/>
+              <a:latin typeface="Calibri" panose="020F0502020204030204" pitchFamily="34" charset="0"/>
+              <a:ea typeface="Calibri" panose="020F0502020204030204" pitchFamily="34" charset="0"/>
+              <a:cs typeface="Times New Roman" panose="02020603050405020304" pitchFamily="18" charset="0"/>
+            </a:endParaRPr>
+          </a:p>
+          <a:p>
+            <a:endParaRPr lang="de-DE" sz="1800" dirty="0">
+              <a:effectLst/>
+              <a:latin typeface="Calibri" panose="020F0502020204030204" pitchFamily="34" charset="0"/>
+              <a:ea typeface="Calibri" panose="020F0502020204030204" pitchFamily="34" charset="0"/>
+              <a:cs typeface="Times New Roman" panose="02020603050405020304" pitchFamily="18" charset="0"/>
+            </a:endParaRPr>
+          </a:p>
+          <a:p>
+            <a:endParaRPr lang="de-DE" dirty="0"/>
+          </a:p>
+        </p:txBody>
+      </p:sp>
+      <p:sp>
+        <p:nvSpPr>
+          <p:cNvPr id="6" name="Textplatzhalter 5">
+            <a:extLst>
+              <a:ext uri="{FF2B5EF4-FFF2-40B4-BE49-F238E27FC236}">
+                <a16:creationId xmlns:a16="http://schemas.microsoft.com/office/drawing/2014/main" id="{2BC0CC60-1B83-7128-7D02-7871F2476456}"/>
               </a:ext>
             </a:extLst>
           </p:cNvPr>
@@ -35394,10 +35651,10 @@
       </p:sp>
       <p:sp>
         <p:nvSpPr>
-          <p:cNvPr id="6" name="Titel 5">
-            <a:extLst>
-              <a:ext uri="{FF2B5EF4-FFF2-40B4-BE49-F238E27FC236}">
-                <a16:creationId xmlns:a16="http://schemas.microsoft.com/office/drawing/2014/main" id="{141A52E9-C3AF-262C-EBCF-F1578441CFAF}"/>
+          <p:cNvPr id="7" name="Titel 6">
+            <a:extLst>
+              <a:ext uri="{FF2B5EF4-FFF2-40B4-BE49-F238E27FC236}">
+                <a16:creationId xmlns:a16="http://schemas.microsoft.com/office/drawing/2014/main" id="{97D31BF9-DD59-B621-B22E-D022B287ACE7}"/>
               </a:ext>
             </a:extLst>
           </p:cNvPr>
@@ -35413,16 +35670,19 @@
           <a:bodyPr/>
           <a:lstStyle/>
           <a:p>
-            <a:endParaRPr lang="de-DE" dirty="0"/>
-          </a:p>
-        </p:txBody>
-      </p:sp>
-      <p:sp>
-        <p:nvSpPr>
-          <p:cNvPr id="7" name="Textplatzhalter 6">
-            <a:extLst>
-              <a:ext uri="{FF2B5EF4-FFF2-40B4-BE49-F238E27FC236}">
-                <a16:creationId xmlns:a16="http://schemas.microsoft.com/office/drawing/2014/main" id="{729D91F5-AF69-2294-FA98-A806524F9A08}"/>
+            <a:r>
+              <a:rPr lang="de-DE" dirty="0"/>
+              <a:t>Wir haben 206 Suchergebnisse auf 10 für uns Relevante Quellen reduziert</a:t>
+            </a:r>
+          </a:p>
+        </p:txBody>
+      </p:sp>
+      <p:sp>
+        <p:nvSpPr>
+          <p:cNvPr id="8" name="Textplatzhalter 7">
+            <a:extLst>
+              <a:ext uri="{FF2B5EF4-FFF2-40B4-BE49-F238E27FC236}">
+                <a16:creationId xmlns:a16="http://schemas.microsoft.com/office/drawing/2014/main" id="{D67A2B00-8A9C-058E-B883-28251496D7DE}"/>
               </a:ext>
             </a:extLst>
           </p:cNvPr>
@@ -35438,111 +35698,1065 @@
           <a:bodyPr/>
           <a:lstStyle/>
           <a:p>
-            <a:endParaRPr lang="de-DE" dirty="0"/>
-          </a:p>
-        </p:txBody>
-      </p:sp>
-      <p:sp>
-        <p:nvSpPr>
-          <p:cNvPr id="2" name="Textfeld 1">
-            <a:extLst>
-              <a:ext uri="{FF2B5EF4-FFF2-40B4-BE49-F238E27FC236}">
-                <a16:creationId xmlns:a16="http://schemas.microsoft.com/office/drawing/2014/main" id="{2EFB5F41-C01C-6051-8A06-9DEE41BA05FC}"/>
-              </a:ext>
-            </a:extLst>
-          </p:cNvPr>
-          <p:cNvSpPr txBox="1"/>
-          <p:nvPr/>
-        </p:nvSpPr>
-        <p:spPr>
-          <a:xfrm rot="20850059">
-            <a:off x="1932625" y="3301331"/>
-            <a:ext cx="8191500" cy="585801"/>
-          </a:xfrm>
-          <a:prstGeom prst="rect">
-            <a:avLst/>
-          </a:prstGeom>
-          <a:noFill/>
-        </p:spPr>
-        <p:txBody>
-          <a:bodyPr wrap="square" lIns="0" tIns="0" rIns="0" bIns="0" rtlCol="0">
-            <a:spAutoFit/>
-          </a:bodyPr>
-          <a:lstStyle/>
-          <a:p>
-            <a:pPr marL="0" marR="0" indent="0" algn="l" defTabSz="914400" rtl="0" eaLnBrk="1" fontAlgn="auto" latinLnBrk="0" hangingPunct="1">
-              <a:lnSpc>
-                <a:spcPct val="110000"/>
-              </a:lnSpc>
-              <a:spcBef>
-                <a:spcPts val="0"/>
-              </a:spcBef>
-              <a:spcAft>
-                <a:spcPts val="1200"/>
-              </a:spcAft>
-              <a:buClrTx/>
-              <a:buSzTx/>
-              <a:buFont typeface="Arial" panose="020B0604020202020204" pitchFamily="34" charset="0"/>
-              <a:buNone/>
-              <a:tabLst/>
-            </a:pPr>
-            <a:r>
-              <a:rPr lang="de-DE" dirty="0" err="1">
-                <a:solidFill>
-                  <a:prstClr val="black"/>
-                </a:solidFill>
-                <a:latin typeface="Arial"/>
-              </a:rPr>
-              <a:t>Vlt</a:t>
-            </a:r>
-            <a:r>
-              <a:rPr lang="de-DE" dirty="0">
-                <a:solidFill>
-                  <a:prstClr val="black"/>
-                </a:solidFill>
-                <a:latin typeface="Arial"/>
-              </a:rPr>
-              <a:t> zu Beginn kurz was zu unserer Literaturrecherche, der </a:t>
-            </a:r>
-            <a:r>
-              <a:rPr lang="de-DE" dirty="0" err="1">
-                <a:solidFill>
-                  <a:prstClr val="black"/>
-                </a:solidFill>
-                <a:latin typeface="Arial"/>
-              </a:rPr>
-              <a:t>Searchstring</a:t>
-            </a:r>
-            <a:r>
-              <a:rPr lang="de-DE" dirty="0">
-                <a:solidFill>
-                  <a:prstClr val="black"/>
-                </a:solidFill>
-                <a:latin typeface="Arial"/>
-              </a:rPr>
-              <a:t>, die Tabelle und die Konzeptmatrix :D</a:t>
-            </a:r>
-            <a:endParaRPr kumimoji="0" lang="de-DE" b="0" i="0" u="none" strike="noStrike" kern="1200" cap="none" spc="0" normalizeH="0" baseline="0" noProof="0" dirty="0">
-              <a:ln>
-                <a:noFill/>
-              </a:ln>
-              <a:solidFill>
-                <a:prstClr val="black"/>
-              </a:solidFill>
-              <a:effectLst/>
-              <a:uLnTx/>
-              <a:uFillTx/>
-              <a:latin typeface="Arial"/>
-              <a:ea typeface="+mn-ea"/>
-              <a:cs typeface="+mn-cs"/>
-            </a:endParaRPr>
-          </a:p>
-        </p:txBody>
-      </p:sp>
+            <a:r>
+              <a:rPr lang="de-DE" dirty="0"/>
+              <a:t>Suchanfrage</a:t>
+            </a:r>
+          </a:p>
+        </p:txBody>
+      </p:sp>
+      <p:graphicFrame>
+        <p:nvGraphicFramePr>
+          <p:cNvPr id="9" name="Tabelle 8">
+            <a:extLst>
+              <a:ext uri="{FF2B5EF4-FFF2-40B4-BE49-F238E27FC236}">
+                <a16:creationId xmlns:a16="http://schemas.microsoft.com/office/drawing/2014/main" id="{F1BF3770-B3EC-73DC-3EC3-C587118E39BB}"/>
+              </a:ext>
+            </a:extLst>
+          </p:cNvPr>
+          <p:cNvGraphicFramePr>
+            <a:graphicFrameLocks noGrp="1"/>
+          </p:cNvGraphicFramePr>
+          <p:nvPr>
+            <p:extLst>
+              <p:ext uri="{D42A27DB-BD31-4B8C-83A1-F6EECF244321}">
+                <p14:modId xmlns:p14="http://schemas.microsoft.com/office/powerpoint/2010/main" val="580421838"/>
+              </p:ext>
+            </p:extLst>
+          </p:nvPr>
+        </p:nvGraphicFramePr>
+        <p:xfrm>
+          <a:off x="2972619" y="3426903"/>
+          <a:ext cx="6246762" cy="2651656"/>
+        </p:xfrm>
+        <a:graphic>
+          <a:graphicData uri="http://schemas.openxmlformats.org/drawingml/2006/table">
+            <a:tbl>
+              <a:tblPr firstRow="1" firstCol="1" bandRow="1">
+                <a:tableStyleId>{5C22544A-7EE6-4342-B048-85BDC9FD1C3A}</a:tableStyleId>
+              </a:tblPr>
+              <a:tblGrid>
+                <a:gridCol w="1561346">
+                  <a:extLst>
+                    <a:ext uri="{9D8B030D-6E8A-4147-A177-3AD203B41FA5}">
+                      <a16:colId xmlns:a16="http://schemas.microsoft.com/office/drawing/2014/main" val="1595450553"/>
+                    </a:ext>
+                  </a:extLst>
+                </a:gridCol>
+                <a:gridCol w="1561346">
+                  <a:extLst>
+                    <a:ext uri="{9D8B030D-6E8A-4147-A177-3AD203B41FA5}">
+                      <a16:colId xmlns:a16="http://schemas.microsoft.com/office/drawing/2014/main" val="3531526526"/>
+                    </a:ext>
+                  </a:extLst>
+                </a:gridCol>
+                <a:gridCol w="1562035">
+                  <a:extLst>
+                    <a:ext uri="{9D8B030D-6E8A-4147-A177-3AD203B41FA5}">
+                      <a16:colId xmlns:a16="http://schemas.microsoft.com/office/drawing/2014/main" val="3267534878"/>
+                    </a:ext>
+                  </a:extLst>
+                </a:gridCol>
+                <a:gridCol w="1562035">
+                  <a:extLst>
+                    <a:ext uri="{9D8B030D-6E8A-4147-A177-3AD203B41FA5}">
+                      <a16:colId xmlns:a16="http://schemas.microsoft.com/office/drawing/2014/main" val="3286970943"/>
+                    </a:ext>
+                  </a:extLst>
+                </a:gridCol>
+              </a:tblGrid>
+              <a:tr h="185204">
+                <a:tc>
+                  <a:txBody>
+                    <a:bodyPr/>
+                    <a:lstStyle/>
+                    <a:p>
+                      <a:pPr algn="l">
+                        <a:lnSpc>
+                          <a:spcPct val="107000"/>
+                        </a:lnSpc>
+                        <a:spcAft>
+                          <a:spcPts val="800"/>
+                        </a:spcAft>
+                      </a:pPr>
+                      <a:r>
+                        <a:rPr lang="de-DE" sz="1100">
+                          <a:effectLst/>
+                        </a:rPr>
+                        <a:t> </a:t>
+                      </a:r>
+                      <a:endParaRPr lang="de-DE" sz="1100">
+                        <a:effectLst/>
+                        <a:latin typeface="Calibri" panose="020F0502020204030204" pitchFamily="34" charset="0"/>
+                        <a:ea typeface="Calibri" panose="020F0502020204030204" pitchFamily="34" charset="0"/>
+                        <a:cs typeface="Times New Roman" panose="02020603050405020304" pitchFamily="18" charset="0"/>
+                      </a:endParaRPr>
+                    </a:p>
+                  </a:txBody>
+                  <a:tcPr marL="68580" marR="68580" marT="0" marB="0"/>
+                </a:tc>
+                <a:tc>
+                  <a:txBody>
+                    <a:bodyPr/>
+                    <a:lstStyle/>
+                    <a:p>
+                      <a:pPr algn="l">
+                        <a:lnSpc>
+                          <a:spcPct val="107000"/>
+                        </a:lnSpc>
+                        <a:spcAft>
+                          <a:spcPts val="800"/>
+                        </a:spcAft>
+                      </a:pPr>
+                      <a:r>
+                        <a:rPr lang="de-DE" sz="1100" dirty="0" err="1">
+                          <a:effectLst/>
+                        </a:rPr>
+                        <a:t>Scopus</a:t>
+                      </a:r>
+                      <a:endParaRPr lang="de-DE" sz="1100" dirty="0">
+                        <a:effectLst/>
+                        <a:latin typeface="Calibri" panose="020F0502020204030204" pitchFamily="34" charset="0"/>
+                        <a:ea typeface="Calibri" panose="020F0502020204030204" pitchFamily="34" charset="0"/>
+                        <a:cs typeface="Times New Roman" panose="02020603050405020304" pitchFamily="18" charset="0"/>
+                      </a:endParaRPr>
+                    </a:p>
+                  </a:txBody>
+                  <a:tcPr marL="68580" marR="68580" marT="0" marB="0"/>
+                </a:tc>
+                <a:tc>
+                  <a:txBody>
+                    <a:bodyPr/>
+                    <a:lstStyle/>
+                    <a:p>
+                      <a:pPr algn="l">
+                        <a:lnSpc>
+                          <a:spcPct val="107000"/>
+                        </a:lnSpc>
+                        <a:spcAft>
+                          <a:spcPts val="800"/>
+                        </a:spcAft>
+                      </a:pPr>
+                      <a:r>
+                        <a:rPr lang="de-DE" sz="1100" dirty="0">
+                          <a:effectLst/>
+                        </a:rPr>
+                        <a:t>IEEE</a:t>
+                      </a:r>
+                      <a:endParaRPr lang="de-DE" sz="1100" dirty="0">
+                        <a:effectLst/>
+                        <a:latin typeface="Calibri" panose="020F0502020204030204" pitchFamily="34" charset="0"/>
+                        <a:ea typeface="Calibri" panose="020F0502020204030204" pitchFamily="34" charset="0"/>
+                        <a:cs typeface="Times New Roman" panose="02020603050405020304" pitchFamily="18" charset="0"/>
+                      </a:endParaRPr>
+                    </a:p>
+                  </a:txBody>
+                  <a:tcPr marL="68580" marR="68580" marT="0" marB="0"/>
+                </a:tc>
+                <a:tc>
+                  <a:txBody>
+                    <a:bodyPr/>
+                    <a:lstStyle/>
+                    <a:p>
+                      <a:pPr algn="l">
+                        <a:lnSpc>
+                          <a:spcPct val="107000"/>
+                        </a:lnSpc>
+                        <a:spcAft>
+                          <a:spcPts val="800"/>
+                        </a:spcAft>
+                      </a:pPr>
+                      <a:r>
+                        <a:rPr lang="de-DE" sz="1100" dirty="0">
+                          <a:effectLst/>
+                        </a:rPr>
+                        <a:t>∑</a:t>
+                      </a:r>
+                      <a:endParaRPr lang="de-DE" sz="1100" dirty="0">
+                        <a:effectLst/>
+                        <a:latin typeface="Calibri" panose="020F0502020204030204" pitchFamily="34" charset="0"/>
+                        <a:ea typeface="Calibri" panose="020F0502020204030204" pitchFamily="34" charset="0"/>
+                        <a:cs typeface="Times New Roman" panose="02020603050405020304" pitchFamily="18" charset="0"/>
+                      </a:endParaRPr>
+                    </a:p>
+                  </a:txBody>
+                  <a:tcPr marL="68580" marR="68580" marT="0" marB="0"/>
+                </a:tc>
+                <a:extLst>
+                  <a:ext uri="{0D108BD9-81ED-4DB2-BD59-A6C34878D82A}">
+                    <a16:rowId xmlns:a16="http://schemas.microsoft.com/office/drawing/2014/main" val="2840044989"/>
+                  </a:ext>
+                </a:extLst>
+              </a:tr>
+              <a:tr h="380208">
+                <a:tc>
+                  <a:txBody>
+                    <a:bodyPr/>
+                    <a:lstStyle/>
+                    <a:p>
+                      <a:pPr algn="l">
+                        <a:lnSpc>
+                          <a:spcPct val="107000"/>
+                        </a:lnSpc>
+                        <a:spcAft>
+                          <a:spcPts val="800"/>
+                        </a:spcAft>
+                      </a:pPr>
+                      <a:r>
+                        <a:rPr lang="de-DE" sz="1100">
+                          <a:effectLst/>
+                        </a:rPr>
+                        <a:t>Zurückgelieferte Ergebnisse</a:t>
+                      </a:r>
+                      <a:endParaRPr lang="de-DE" sz="1100">
+                        <a:effectLst/>
+                        <a:latin typeface="Calibri" panose="020F0502020204030204" pitchFamily="34" charset="0"/>
+                        <a:ea typeface="Calibri" panose="020F0502020204030204" pitchFamily="34" charset="0"/>
+                        <a:cs typeface="Times New Roman" panose="02020603050405020304" pitchFamily="18" charset="0"/>
+                      </a:endParaRPr>
+                    </a:p>
+                  </a:txBody>
+                  <a:tcPr marL="68580" marR="68580" marT="0" marB="0"/>
+                </a:tc>
+                <a:tc>
+                  <a:txBody>
+                    <a:bodyPr/>
+                    <a:lstStyle/>
+                    <a:p>
+                      <a:pPr algn="l">
+                        <a:lnSpc>
+                          <a:spcPct val="107000"/>
+                        </a:lnSpc>
+                        <a:spcAft>
+                          <a:spcPts val="800"/>
+                        </a:spcAft>
+                      </a:pPr>
+                      <a:r>
+                        <a:rPr lang="de-DE" sz="1100" dirty="0">
+                          <a:effectLst/>
+                        </a:rPr>
+                        <a:t>131</a:t>
+                      </a:r>
+                      <a:endParaRPr lang="de-DE" sz="1100" dirty="0">
+                        <a:effectLst/>
+                        <a:latin typeface="Calibri" panose="020F0502020204030204" pitchFamily="34" charset="0"/>
+                        <a:ea typeface="Calibri" panose="020F0502020204030204" pitchFamily="34" charset="0"/>
+                        <a:cs typeface="Times New Roman" panose="02020603050405020304" pitchFamily="18" charset="0"/>
+                      </a:endParaRPr>
+                    </a:p>
+                  </a:txBody>
+                  <a:tcPr marL="68580" marR="68580" marT="0" marB="0"/>
+                </a:tc>
+                <a:tc>
+                  <a:txBody>
+                    <a:bodyPr/>
+                    <a:lstStyle/>
+                    <a:p>
+                      <a:pPr algn="l">
+                        <a:lnSpc>
+                          <a:spcPct val="107000"/>
+                        </a:lnSpc>
+                        <a:spcAft>
+                          <a:spcPts val="800"/>
+                        </a:spcAft>
+                      </a:pPr>
+                      <a:r>
+                        <a:rPr lang="de-DE" sz="1100" dirty="0">
+                          <a:effectLst/>
+                        </a:rPr>
+                        <a:t>75</a:t>
+                      </a:r>
+                      <a:endParaRPr lang="de-DE" sz="1100" dirty="0">
+                        <a:effectLst/>
+                        <a:latin typeface="Calibri" panose="020F0502020204030204" pitchFamily="34" charset="0"/>
+                        <a:ea typeface="Calibri" panose="020F0502020204030204" pitchFamily="34" charset="0"/>
+                        <a:cs typeface="Times New Roman" panose="02020603050405020304" pitchFamily="18" charset="0"/>
+                      </a:endParaRPr>
+                    </a:p>
+                  </a:txBody>
+                  <a:tcPr marL="68580" marR="68580" marT="0" marB="0"/>
+                </a:tc>
+                <a:tc>
+                  <a:txBody>
+                    <a:bodyPr/>
+                    <a:lstStyle/>
+                    <a:p>
+                      <a:pPr algn="l">
+                        <a:lnSpc>
+                          <a:spcPct val="107000"/>
+                        </a:lnSpc>
+                        <a:spcAft>
+                          <a:spcPts val="800"/>
+                        </a:spcAft>
+                      </a:pPr>
+                      <a:r>
+                        <a:rPr lang="de-DE" sz="1100" dirty="0">
+                          <a:effectLst/>
+                        </a:rPr>
+                        <a:t>206</a:t>
+                      </a:r>
+                      <a:endParaRPr lang="de-DE" sz="1100" dirty="0">
+                        <a:effectLst/>
+                        <a:latin typeface="Calibri" panose="020F0502020204030204" pitchFamily="34" charset="0"/>
+                        <a:ea typeface="Calibri" panose="020F0502020204030204" pitchFamily="34" charset="0"/>
+                        <a:cs typeface="Times New Roman" panose="02020603050405020304" pitchFamily="18" charset="0"/>
+                      </a:endParaRPr>
+                    </a:p>
+                  </a:txBody>
+                  <a:tcPr marL="68580" marR="68580" marT="0" marB="0"/>
+                </a:tc>
+                <a:extLst>
+                  <a:ext uri="{0D108BD9-81ED-4DB2-BD59-A6C34878D82A}">
+                    <a16:rowId xmlns:a16="http://schemas.microsoft.com/office/drawing/2014/main" val="2870755248"/>
+                  </a:ext>
+                </a:extLst>
+              </a:tr>
+              <a:tr h="380208">
+                <a:tc>
+                  <a:txBody>
+                    <a:bodyPr/>
+                    <a:lstStyle/>
+                    <a:p>
+                      <a:pPr algn="l">
+                        <a:lnSpc>
+                          <a:spcPct val="107000"/>
+                        </a:lnSpc>
+                        <a:spcAft>
+                          <a:spcPts val="800"/>
+                        </a:spcAft>
+                      </a:pPr>
+                      <a:r>
+                        <a:rPr lang="de-DE" sz="1100">
+                          <a:effectLst/>
+                        </a:rPr>
+                        <a:t>Duplikats-Eliminierung</a:t>
+                      </a:r>
+                      <a:endParaRPr lang="de-DE" sz="1100">
+                        <a:effectLst/>
+                        <a:latin typeface="Calibri" panose="020F0502020204030204" pitchFamily="34" charset="0"/>
+                        <a:ea typeface="Calibri" panose="020F0502020204030204" pitchFamily="34" charset="0"/>
+                        <a:cs typeface="Times New Roman" panose="02020603050405020304" pitchFamily="18" charset="0"/>
+                      </a:endParaRPr>
+                    </a:p>
+                  </a:txBody>
+                  <a:tcPr marL="68580" marR="68580" marT="0" marB="0"/>
+                </a:tc>
+                <a:tc>
+                  <a:txBody>
+                    <a:bodyPr/>
+                    <a:lstStyle/>
+                    <a:p>
+                      <a:pPr algn="l">
+                        <a:lnSpc>
+                          <a:spcPct val="107000"/>
+                        </a:lnSpc>
+                        <a:spcAft>
+                          <a:spcPts val="800"/>
+                        </a:spcAft>
+                      </a:pPr>
+                      <a:r>
+                        <a:rPr lang="de-DE" sz="1100" dirty="0">
+                          <a:effectLst/>
+                        </a:rPr>
+                        <a:t>-0</a:t>
+                      </a:r>
+                      <a:endParaRPr lang="de-DE" sz="1100" dirty="0">
+                        <a:effectLst/>
+                        <a:latin typeface="Calibri" panose="020F0502020204030204" pitchFamily="34" charset="0"/>
+                        <a:ea typeface="Calibri" panose="020F0502020204030204" pitchFamily="34" charset="0"/>
+                        <a:cs typeface="Times New Roman" panose="02020603050405020304" pitchFamily="18" charset="0"/>
+                      </a:endParaRPr>
+                    </a:p>
+                  </a:txBody>
+                  <a:tcPr marL="68580" marR="68580" marT="0" marB="0"/>
+                </a:tc>
+                <a:tc>
+                  <a:txBody>
+                    <a:bodyPr/>
+                    <a:lstStyle/>
+                    <a:p>
+                      <a:pPr algn="l">
+                        <a:lnSpc>
+                          <a:spcPct val="107000"/>
+                        </a:lnSpc>
+                        <a:spcAft>
+                          <a:spcPts val="800"/>
+                        </a:spcAft>
+                      </a:pPr>
+                      <a:r>
+                        <a:rPr lang="de-DE" sz="1100">
+                          <a:effectLst/>
+                        </a:rPr>
+                        <a:t>-2</a:t>
+                      </a:r>
+                      <a:endParaRPr lang="de-DE" sz="1100">
+                        <a:effectLst/>
+                        <a:latin typeface="Calibri" panose="020F0502020204030204" pitchFamily="34" charset="0"/>
+                        <a:ea typeface="Calibri" panose="020F0502020204030204" pitchFamily="34" charset="0"/>
+                        <a:cs typeface="Times New Roman" panose="02020603050405020304" pitchFamily="18" charset="0"/>
+                      </a:endParaRPr>
+                    </a:p>
+                  </a:txBody>
+                  <a:tcPr marL="68580" marR="68580" marT="0" marB="0"/>
+                </a:tc>
+                <a:tc>
+                  <a:txBody>
+                    <a:bodyPr/>
+                    <a:lstStyle/>
+                    <a:p>
+                      <a:pPr algn="l">
+                        <a:lnSpc>
+                          <a:spcPct val="107000"/>
+                        </a:lnSpc>
+                        <a:spcAft>
+                          <a:spcPts val="800"/>
+                        </a:spcAft>
+                      </a:pPr>
+                      <a:r>
+                        <a:rPr lang="de-DE" sz="1100" dirty="0">
+                          <a:effectLst/>
+                        </a:rPr>
+                        <a:t>204</a:t>
+                      </a:r>
+                      <a:endParaRPr lang="de-DE" sz="1100" dirty="0">
+                        <a:effectLst/>
+                        <a:latin typeface="Calibri" panose="020F0502020204030204" pitchFamily="34" charset="0"/>
+                        <a:ea typeface="Calibri" panose="020F0502020204030204" pitchFamily="34" charset="0"/>
+                        <a:cs typeface="Times New Roman" panose="02020603050405020304" pitchFamily="18" charset="0"/>
+                      </a:endParaRPr>
+                    </a:p>
+                  </a:txBody>
+                  <a:tcPr marL="68580" marR="68580" marT="0" marB="0"/>
+                </a:tc>
+                <a:extLst>
+                  <a:ext uri="{0D108BD9-81ED-4DB2-BD59-A6C34878D82A}">
+                    <a16:rowId xmlns:a16="http://schemas.microsoft.com/office/drawing/2014/main" val="1699750848"/>
+                  </a:ext>
+                </a:extLst>
+              </a:tr>
+              <a:tr h="185204">
+                <a:tc>
+                  <a:txBody>
+                    <a:bodyPr/>
+                    <a:lstStyle/>
+                    <a:p>
+                      <a:pPr algn="l">
+                        <a:lnSpc>
+                          <a:spcPct val="107000"/>
+                        </a:lnSpc>
+                        <a:spcAft>
+                          <a:spcPts val="800"/>
+                        </a:spcAft>
+                      </a:pPr>
+                      <a:r>
+                        <a:rPr lang="de-DE" sz="1100">
+                          <a:effectLst/>
+                        </a:rPr>
+                        <a:t>Titel-Eliminierung</a:t>
+                      </a:r>
+                      <a:endParaRPr lang="de-DE" sz="1100">
+                        <a:effectLst/>
+                        <a:latin typeface="Calibri" panose="020F0502020204030204" pitchFamily="34" charset="0"/>
+                        <a:ea typeface="Calibri" panose="020F0502020204030204" pitchFamily="34" charset="0"/>
+                        <a:cs typeface="Times New Roman" panose="02020603050405020304" pitchFamily="18" charset="0"/>
+                      </a:endParaRPr>
+                    </a:p>
+                  </a:txBody>
+                  <a:tcPr marL="68580" marR="68580" marT="0" marB="0"/>
+                </a:tc>
+                <a:tc>
+                  <a:txBody>
+                    <a:bodyPr/>
+                    <a:lstStyle/>
+                    <a:p>
+                      <a:pPr algn="l">
+                        <a:lnSpc>
+                          <a:spcPct val="107000"/>
+                        </a:lnSpc>
+                        <a:spcAft>
+                          <a:spcPts val="800"/>
+                        </a:spcAft>
+                      </a:pPr>
+                      <a:r>
+                        <a:rPr lang="de-DE" sz="1100" dirty="0">
+                          <a:effectLst/>
+                        </a:rPr>
+                        <a:t>-115</a:t>
+                      </a:r>
+                      <a:endParaRPr lang="de-DE" sz="1100" dirty="0">
+                        <a:effectLst/>
+                        <a:latin typeface="Calibri" panose="020F0502020204030204" pitchFamily="34" charset="0"/>
+                        <a:ea typeface="Calibri" panose="020F0502020204030204" pitchFamily="34" charset="0"/>
+                        <a:cs typeface="Times New Roman" panose="02020603050405020304" pitchFamily="18" charset="0"/>
+                      </a:endParaRPr>
+                    </a:p>
+                  </a:txBody>
+                  <a:tcPr marL="68580" marR="68580" marT="0" marB="0"/>
+                </a:tc>
+                <a:tc>
+                  <a:txBody>
+                    <a:bodyPr/>
+                    <a:lstStyle/>
+                    <a:p>
+                      <a:pPr algn="l">
+                        <a:lnSpc>
+                          <a:spcPct val="107000"/>
+                        </a:lnSpc>
+                        <a:spcAft>
+                          <a:spcPts val="800"/>
+                        </a:spcAft>
+                      </a:pPr>
+                      <a:r>
+                        <a:rPr lang="de-DE" sz="1100">
+                          <a:effectLst/>
+                        </a:rPr>
+                        <a:t>-66</a:t>
+                      </a:r>
+                      <a:endParaRPr lang="de-DE" sz="1100">
+                        <a:effectLst/>
+                        <a:latin typeface="Calibri" panose="020F0502020204030204" pitchFamily="34" charset="0"/>
+                        <a:ea typeface="Calibri" panose="020F0502020204030204" pitchFamily="34" charset="0"/>
+                        <a:cs typeface="Times New Roman" panose="02020603050405020304" pitchFamily="18" charset="0"/>
+                      </a:endParaRPr>
+                    </a:p>
+                  </a:txBody>
+                  <a:tcPr marL="68580" marR="68580" marT="0" marB="0"/>
+                </a:tc>
+                <a:tc>
+                  <a:txBody>
+                    <a:bodyPr/>
+                    <a:lstStyle/>
+                    <a:p>
+                      <a:pPr algn="l">
+                        <a:lnSpc>
+                          <a:spcPct val="107000"/>
+                        </a:lnSpc>
+                        <a:spcAft>
+                          <a:spcPts val="800"/>
+                        </a:spcAft>
+                      </a:pPr>
+                      <a:r>
+                        <a:rPr lang="de-DE" sz="1100" dirty="0">
+                          <a:effectLst/>
+                        </a:rPr>
+                        <a:t>23</a:t>
+                      </a:r>
+                      <a:endParaRPr lang="de-DE" sz="1100" dirty="0">
+                        <a:effectLst/>
+                        <a:latin typeface="Calibri" panose="020F0502020204030204" pitchFamily="34" charset="0"/>
+                        <a:ea typeface="Calibri" panose="020F0502020204030204" pitchFamily="34" charset="0"/>
+                        <a:cs typeface="Times New Roman" panose="02020603050405020304" pitchFamily="18" charset="0"/>
+                      </a:endParaRPr>
+                    </a:p>
+                  </a:txBody>
+                  <a:tcPr marL="68580" marR="68580" marT="0" marB="0"/>
+                </a:tc>
+                <a:extLst>
+                  <a:ext uri="{0D108BD9-81ED-4DB2-BD59-A6C34878D82A}">
+                    <a16:rowId xmlns:a16="http://schemas.microsoft.com/office/drawing/2014/main" val="254505041"/>
+                  </a:ext>
+                </a:extLst>
+              </a:tr>
+              <a:tr h="380208">
+                <a:tc>
+                  <a:txBody>
+                    <a:bodyPr/>
+                    <a:lstStyle/>
+                    <a:p>
+                      <a:pPr algn="l">
+                        <a:lnSpc>
+                          <a:spcPct val="107000"/>
+                        </a:lnSpc>
+                        <a:spcAft>
+                          <a:spcPts val="800"/>
+                        </a:spcAft>
+                      </a:pPr>
+                      <a:r>
+                        <a:rPr lang="de-DE" sz="1100">
+                          <a:effectLst/>
+                        </a:rPr>
+                        <a:t>Abstract-Eliminierung</a:t>
+                      </a:r>
+                      <a:endParaRPr lang="de-DE" sz="1100">
+                        <a:effectLst/>
+                        <a:latin typeface="Calibri" panose="020F0502020204030204" pitchFamily="34" charset="0"/>
+                        <a:ea typeface="Calibri" panose="020F0502020204030204" pitchFamily="34" charset="0"/>
+                        <a:cs typeface="Times New Roman" panose="02020603050405020304" pitchFamily="18" charset="0"/>
+                      </a:endParaRPr>
+                    </a:p>
+                  </a:txBody>
+                  <a:tcPr marL="68580" marR="68580" marT="0" marB="0"/>
+                </a:tc>
+                <a:tc>
+                  <a:txBody>
+                    <a:bodyPr/>
+                    <a:lstStyle/>
+                    <a:p>
+                      <a:pPr algn="l">
+                        <a:lnSpc>
+                          <a:spcPct val="107000"/>
+                        </a:lnSpc>
+                        <a:spcAft>
+                          <a:spcPts val="800"/>
+                        </a:spcAft>
+                      </a:pPr>
+                      <a:r>
+                        <a:rPr lang="de-DE" sz="1100" dirty="0">
+                          <a:effectLst/>
+                        </a:rPr>
+                        <a:t>-5</a:t>
+                      </a:r>
+                      <a:endParaRPr lang="de-DE" sz="1100" dirty="0">
+                        <a:effectLst/>
+                        <a:latin typeface="Calibri" panose="020F0502020204030204" pitchFamily="34" charset="0"/>
+                        <a:ea typeface="Calibri" panose="020F0502020204030204" pitchFamily="34" charset="0"/>
+                        <a:cs typeface="Times New Roman" panose="02020603050405020304" pitchFamily="18" charset="0"/>
+                      </a:endParaRPr>
+                    </a:p>
+                  </a:txBody>
+                  <a:tcPr marL="68580" marR="68580" marT="0" marB="0"/>
+                </a:tc>
+                <a:tc>
+                  <a:txBody>
+                    <a:bodyPr/>
+                    <a:lstStyle/>
+                    <a:p>
+                      <a:pPr algn="l">
+                        <a:lnSpc>
+                          <a:spcPct val="107000"/>
+                        </a:lnSpc>
+                        <a:spcAft>
+                          <a:spcPts val="800"/>
+                        </a:spcAft>
+                      </a:pPr>
+                      <a:r>
+                        <a:rPr lang="de-DE" sz="1100">
+                          <a:effectLst/>
+                        </a:rPr>
+                        <a:t>-5</a:t>
+                      </a:r>
+                      <a:endParaRPr lang="de-DE" sz="1100">
+                        <a:effectLst/>
+                        <a:latin typeface="Calibri" panose="020F0502020204030204" pitchFamily="34" charset="0"/>
+                        <a:ea typeface="Calibri" panose="020F0502020204030204" pitchFamily="34" charset="0"/>
+                        <a:cs typeface="Times New Roman" panose="02020603050405020304" pitchFamily="18" charset="0"/>
+                      </a:endParaRPr>
+                    </a:p>
+                  </a:txBody>
+                  <a:tcPr marL="68580" marR="68580" marT="0" marB="0"/>
+                </a:tc>
+                <a:tc>
+                  <a:txBody>
+                    <a:bodyPr/>
+                    <a:lstStyle/>
+                    <a:p>
+                      <a:pPr algn="l">
+                        <a:lnSpc>
+                          <a:spcPct val="107000"/>
+                        </a:lnSpc>
+                        <a:spcAft>
+                          <a:spcPts val="800"/>
+                        </a:spcAft>
+                      </a:pPr>
+                      <a:r>
+                        <a:rPr lang="de-DE" sz="1100" dirty="0">
+                          <a:effectLst/>
+                        </a:rPr>
+                        <a:t>15</a:t>
+                      </a:r>
+                      <a:endParaRPr lang="de-DE" sz="1100" dirty="0">
+                        <a:effectLst/>
+                        <a:latin typeface="Calibri" panose="020F0502020204030204" pitchFamily="34" charset="0"/>
+                        <a:ea typeface="Calibri" panose="020F0502020204030204" pitchFamily="34" charset="0"/>
+                        <a:cs typeface="Times New Roman" panose="02020603050405020304" pitchFamily="18" charset="0"/>
+                      </a:endParaRPr>
+                    </a:p>
+                  </a:txBody>
+                  <a:tcPr marL="68580" marR="68580" marT="0" marB="0"/>
+                </a:tc>
+                <a:extLst>
+                  <a:ext uri="{0D108BD9-81ED-4DB2-BD59-A6C34878D82A}">
+                    <a16:rowId xmlns:a16="http://schemas.microsoft.com/office/drawing/2014/main" val="4175158"/>
+                  </a:ext>
+                </a:extLst>
+              </a:tr>
+              <a:tr h="380208">
+                <a:tc>
+                  <a:txBody>
+                    <a:bodyPr/>
+                    <a:lstStyle/>
+                    <a:p>
+                      <a:pPr algn="l">
+                        <a:lnSpc>
+                          <a:spcPct val="107000"/>
+                        </a:lnSpc>
+                        <a:spcAft>
+                          <a:spcPts val="800"/>
+                        </a:spcAft>
+                      </a:pPr>
+                      <a:r>
+                        <a:rPr lang="de-DE" sz="1100">
+                          <a:effectLst/>
+                        </a:rPr>
+                        <a:t>Verfügbarkeits-Eliminierung</a:t>
+                      </a:r>
+                      <a:endParaRPr lang="de-DE" sz="1100">
+                        <a:effectLst/>
+                        <a:latin typeface="Calibri" panose="020F0502020204030204" pitchFamily="34" charset="0"/>
+                        <a:ea typeface="Calibri" panose="020F0502020204030204" pitchFamily="34" charset="0"/>
+                        <a:cs typeface="Times New Roman" panose="02020603050405020304" pitchFamily="18" charset="0"/>
+                      </a:endParaRPr>
+                    </a:p>
+                  </a:txBody>
+                  <a:tcPr marL="68580" marR="68580" marT="0" marB="0"/>
+                </a:tc>
+                <a:tc>
+                  <a:txBody>
+                    <a:bodyPr/>
+                    <a:lstStyle/>
+                    <a:p>
+                      <a:pPr algn="l">
+                        <a:lnSpc>
+                          <a:spcPct val="107000"/>
+                        </a:lnSpc>
+                        <a:spcAft>
+                          <a:spcPts val="800"/>
+                        </a:spcAft>
+                      </a:pPr>
+                      <a:r>
+                        <a:rPr lang="de-DE" sz="1100">
+                          <a:effectLst/>
+                        </a:rPr>
+                        <a:t>-4</a:t>
+                      </a:r>
+                      <a:endParaRPr lang="de-DE" sz="1100">
+                        <a:effectLst/>
+                        <a:latin typeface="Calibri" panose="020F0502020204030204" pitchFamily="34" charset="0"/>
+                        <a:ea typeface="Calibri" panose="020F0502020204030204" pitchFamily="34" charset="0"/>
+                        <a:cs typeface="Times New Roman" panose="02020603050405020304" pitchFamily="18" charset="0"/>
+                      </a:endParaRPr>
+                    </a:p>
+                  </a:txBody>
+                  <a:tcPr marL="68580" marR="68580" marT="0" marB="0"/>
+                </a:tc>
+                <a:tc>
+                  <a:txBody>
+                    <a:bodyPr/>
+                    <a:lstStyle/>
+                    <a:p>
+                      <a:pPr algn="l">
+                        <a:lnSpc>
+                          <a:spcPct val="107000"/>
+                        </a:lnSpc>
+                        <a:spcAft>
+                          <a:spcPts val="800"/>
+                        </a:spcAft>
+                      </a:pPr>
+                      <a:r>
+                        <a:rPr lang="de-DE" sz="1100">
+                          <a:effectLst/>
+                        </a:rPr>
+                        <a:t>-0</a:t>
+                      </a:r>
+                      <a:endParaRPr lang="de-DE" sz="1100">
+                        <a:effectLst/>
+                        <a:latin typeface="Calibri" panose="020F0502020204030204" pitchFamily="34" charset="0"/>
+                        <a:ea typeface="Calibri" panose="020F0502020204030204" pitchFamily="34" charset="0"/>
+                        <a:cs typeface="Times New Roman" panose="02020603050405020304" pitchFamily="18" charset="0"/>
+                      </a:endParaRPr>
+                    </a:p>
+                  </a:txBody>
+                  <a:tcPr marL="68580" marR="68580" marT="0" marB="0"/>
+                </a:tc>
+                <a:tc>
+                  <a:txBody>
+                    <a:bodyPr/>
+                    <a:lstStyle/>
+                    <a:p>
+                      <a:pPr algn="l">
+                        <a:lnSpc>
+                          <a:spcPct val="107000"/>
+                        </a:lnSpc>
+                        <a:spcAft>
+                          <a:spcPts val="800"/>
+                        </a:spcAft>
+                      </a:pPr>
+                      <a:r>
+                        <a:rPr lang="de-DE" sz="1100">
+                          <a:effectLst/>
+                        </a:rPr>
+                        <a:t>11</a:t>
+                      </a:r>
+                      <a:endParaRPr lang="de-DE" sz="1100">
+                        <a:effectLst/>
+                        <a:latin typeface="Calibri" panose="020F0502020204030204" pitchFamily="34" charset="0"/>
+                        <a:ea typeface="Calibri" panose="020F0502020204030204" pitchFamily="34" charset="0"/>
+                        <a:cs typeface="Times New Roman" panose="02020603050405020304" pitchFamily="18" charset="0"/>
+                      </a:endParaRPr>
+                    </a:p>
+                  </a:txBody>
+                  <a:tcPr marL="68580" marR="68580" marT="0" marB="0"/>
+                </a:tc>
+                <a:extLst>
+                  <a:ext uri="{0D108BD9-81ED-4DB2-BD59-A6C34878D82A}">
+                    <a16:rowId xmlns:a16="http://schemas.microsoft.com/office/drawing/2014/main" val="4087116843"/>
+                  </a:ext>
+                </a:extLst>
+              </a:tr>
+              <a:tr h="380208">
+                <a:tc>
+                  <a:txBody>
+                    <a:bodyPr/>
+                    <a:lstStyle/>
+                    <a:p>
+                      <a:pPr algn="l">
+                        <a:lnSpc>
+                          <a:spcPct val="107000"/>
+                        </a:lnSpc>
+                        <a:spcAft>
+                          <a:spcPts val="800"/>
+                        </a:spcAft>
+                      </a:pPr>
+                      <a:r>
+                        <a:rPr lang="de-DE" sz="1100">
+                          <a:effectLst/>
+                        </a:rPr>
+                        <a:t>Fulltext-Eliminierung</a:t>
+                      </a:r>
+                      <a:endParaRPr lang="de-DE" sz="1100">
+                        <a:effectLst/>
+                        <a:latin typeface="Calibri" panose="020F0502020204030204" pitchFamily="34" charset="0"/>
+                        <a:ea typeface="Calibri" panose="020F0502020204030204" pitchFamily="34" charset="0"/>
+                        <a:cs typeface="Times New Roman" panose="02020603050405020304" pitchFamily="18" charset="0"/>
+                      </a:endParaRPr>
+                    </a:p>
+                  </a:txBody>
+                  <a:tcPr marL="68580" marR="68580" marT="0" marB="0"/>
+                </a:tc>
+                <a:tc>
+                  <a:txBody>
+                    <a:bodyPr/>
+                    <a:lstStyle/>
+                    <a:p>
+                      <a:pPr algn="l">
+                        <a:lnSpc>
+                          <a:spcPct val="107000"/>
+                        </a:lnSpc>
+                        <a:spcAft>
+                          <a:spcPts val="800"/>
+                        </a:spcAft>
+                      </a:pPr>
+                      <a:r>
+                        <a:rPr lang="de-DE" sz="1100">
+                          <a:effectLst/>
+                        </a:rPr>
+                        <a:t>-3</a:t>
+                      </a:r>
+                      <a:endParaRPr lang="de-DE" sz="1100">
+                        <a:effectLst/>
+                        <a:latin typeface="Calibri" panose="020F0502020204030204" pitchFamily="34" charset="0"/>
+                        <a:ea typeface="Calibri" panose="020F0502020204030204" pitchFamily="34" charset="0"/>
+                        <a:cs typeface="Times New Roman" panose="02020603050405020304" pitchFamily="18" charset="0"/>
+                      </a:endParaRPr>
+                    </a:p>
+                  </a:txBody>
+                  <a:tcPr marL="68580" marR="68580" marT="0" marB="0"/>
+                </a:tc>
+                <a:tc>
+                  <a:txBody>
+                    <a:bodyPr/>
+                    <a:lstStyle/>
+                    <a:p>
+                      <a:pPr algn="l">
+                        <a:lnSpc>
+                          <a:spcPct val="107000"/>
+                        </a:lnSpc>
+                        <a:spcAft>
+                          <a:spcPts val="800"/>
+                        </a:spcAft>
+                      </a:pPr>
+                      <a:r>
+                        <a:rPr lang="de-DE" sz="1100">
+                          <a:effectLst/>
+                        </a:rPr>
+                        <a:t>-1</a:t>
+                      </a:r>
+                      <a:endParaRPr lang="de-DE" sz="1100">
+                        <a:effectLst/>
+                        <a:latin typeface="Calibri" panose="020F0502020204030204" pitchFamily="34" charset="0"/>
+                        <a:ea typeface="Calibri" panose="020F0502020204030204" pitchFamily="34" charset="0"/>
+                        <a:cs typeface="Times New Roman" panose="02020603050405020304" pitchFamily="18" charset="0"/>
+                      </a:endParaRPr>
+                    </a:p>
+                  </a:txBody>
+                  <a:tcPr marL="68580" marR="68580" marT="0" marB="0"/>
+                </a:tc>
+                <a:tc>
+                  <a:txBody>
+                    <a:bodyPr/>
+                    <a:lstStyle/>
+                    <a:p>
+                      <a:pPr algn="l">
+                        <a:lnSpc>
+                          <a:spcPct val="107000"/>
+                        </a:lnSpc>
+                        <a:spcAft>
+                          <a:spcPts val="800"/>
+                        </a:spcAft>
+                      </a:pPr>
+                      <a:r>
+                        <a:rPr lang="de-DE" sz="1100">
+                          <a:effectLst/>
+                        </a:rPr>
+                        <a:t>7</a:t>
+                      </a:r>
+                      <a:endParaRPr lang="de-DE" sz="1100">
+                        <a:effectLst/>
+                        <a:latin typeface="Calibri" panose="020F0502020204030204" pitchFamily="34" charset="0"/>
+                        <a:ea typeface="Calibri" panose="020F0502020204030204" pitchFamily="34" charset="0"/>
+                        <a:cs typeface="Times New Roman" panose="02020603050405020304" pitchFamily="18" charset="0"/>
+                      </a:endParaRPr>
+                    </a:p>
+                  </a:txBody>
+                  <a:tcPr marL="68580" marR="68580" marT="0" marB="0"/>
+                </a:tc>
+                <a:extLst>
+                  <a:ext uri="{0D108BD9-81ED-4DB2-BD59-A6C34878D82A}">
+                    <a16:rowId xmlns:a16="http://schemas.microsoft.com/office/drawing/2014/main" val="2313619573"/>
+                  </a:ext>
+                </a:extLst>
+              </a:tr>
+              <a:tr h="380208">
+                <a:tc>
+                  <a:txBody>
+                    <a:bodyPr/>
+                    <a:lstStyle/>
+                    <a:p>
+                      <a:pPr algn="l">
+                        <a:lnSpc>
+                          <a:spcPct val="107000"/>
+                        </a:lnSpc>
+                        <a:spcAft>
+                          <a:spcPts val="800"/>
+                        </a:spcAft>
+                      </a:pPr>
+                      <a:r>
+                        <a:rPr lang="de-DE" sz="1100">
+                          <a:effectLst/>
+                        </a:rPr>
+                        <a:t>Forward &amp; Backward Search</a:t>
+                      </a:r>
+                      <a:endParaRPr lang="de-DE" sz="1100">
+                        <a:effectLst/>
+                        <a:latin typeface="Calibri" panose="020F0502020204030204" pitchFamily="34" charset="0"/>
+                        <a:ea typeface="Calibri" panose="020F0502020204030204" pitchFamily="34" charset="0"/>
+                        <a:cs typeface="Times New Roman" panose="02020603050405020304" pitchFamily="18" charset="0"/>
+                      </a:endParaRPr>
+                    </a:p>
+                  </a:txBody>
+                  <a:tcPr marL="68580" marR="68580" marT="0" marB="0"/>
+                </a:tc>
+                <a:tc>
+                  <a:txBody>
+                    <a:bodyPr/>
+                    <a:lstStyle/>
+                    <a:p>
+                      <a:pPr algn="l">
+                        <a:lnSpc>
+                          <a:spcPct val="107000"/>
+                        </a:lnSpc>
+                        <a:spcAft>
+                          <a:spcPts val="800"/>
+                        </a:spcAft>
+                      </a:pPr>
+                      <a:r>
+                        <a:rPr lang="de-DE" sz="1100">
+                          <a:effectLst/>
+                        </a:rPr>
+                        <a:t>+1</a:t>
+                      </a:r>
+                      <a:endParaRPr lang="de-DE" sz="1100">
+                        <a:effectLst/>
+                        <a:latin typeface="Calibri" panose="020F0502020204030204" pitchFamily="34" charset="0"/>
+                        <a:ea typeface="Calibri" panose="020F0502020204030204" pitchFamily="34" charset="0"/>
+                        <a:cs typeface="Times New Roman" panose="02020603050405020304" pitchFamily="18" charset="0"/>
+                      </a:endParaRPr>
+                    </a:p>
+                  </a:txBody>
+                  <a:tcPr marL="68580" marR="68580" marT="0" marB="0"/>
+                </a:tc>
+                <a:tc>
+                  <a:txBody>
+                    <a:bodyPr/>
+                    <a:lstStyle/>
+                    <a:p>
+                      <a:pPr algn="l">
+                        <a:lnSpc>
+                          <a:spcPct val="107000"/>
+                        </a:lnSpc>
+                        <a:spcAft>
+                          <a:spcPts val="800"/>
+                        </a:spcAft>
+                      </a:pPr>
+                      <a:r>
+                        <a:rPr lang="de-DE" sz="1100">
+                          <a:effectLst/>
+                        </a:rPr>
+                        <a:t>+2</a:t>
+                      </a:r>
+                      <a:endParaRPr lang="de-DE" sz="1100">
+                        <a:effectLst/>
+                        <a:latin typeface="Calibri" panose="020F0502020204030204" pitchFamily="34" charset="0"/>
+                        <a:ea typeface="Calibri" panose="020F0502020204030204" pitchFamily="34" charset="0"/>
+                        <a:cs typeface="Times New Roman" panose="02020603050405020304" pitchFamily="18" charset="0"/>
+                      </a:endParaRPr>
+                    </a:p>
+                  </a:txBody>
+                  <a:tcPr marL="68580" marR="68580" marT="0" marB="0"/>
+                </a:tc>
+                <a:tc>
+                  <a:txBody>
+                    <a:bodyPr/>
+                    <a:lstStyle/>
+                    <a:p>
+                      <a:pPr algn="l">
+                        <a:lnSpc>
+                          <a:spcPct val="107000"/>
+                        </a:lnSpc>
+                        <a:spcAft>
+                          <a:spcPts val="800"/>
+                        </a:spcAft>
+                      </a:pPr>
+                      <a:r>
+                        <a:rPr lang="de-DE" sz="1100" dirty="0">
+                          <a:effectLst/>
+                        </a:rPr>
+                        <a:t>10</a:t>
+                      </a:r>
+                      <a:endParaRPr lang="de-DE" sz="1100" dirty="0">
+                        <a:effectLst/>
+                        <a:latin typeface="Calibri" panose="020F0502020204030204" pitchFamily="34" charset="0"/>
+                        <a:ea typeface="Calibri" panose="020F0502020204030204" pitchFamily="34" charset="0"/>
+                        <a:cs typeface="Times New Roman" panose="02020603050405020304" pitchFamily="18" charset="0"/>
+                      </a:endParaRPr>
+                    </a:p>
+                  </a:txBody>
+                  <a:tcPr marL="68580" marR="68580" marT="0" marB="0"/>
+                </a:tc>
+                <a:extLst>
+                  <a:ext uri="{0D108BD9-81ED-4DB2-BD59-A6C34878D82A}">
+                    <a16:rowId xmlns:a16="http://schemas.microsoft.com/office/drawing/2014/main" val="1878292475"/>
+                  </a:ext>
+                </a:extLst>
+              </a:tr>
+            </a:tbl>
+          </a:graphicData>
+        </a:graphic>
+      </p:graphicFrame>
     </p:spTree>
     <p:extLst>
       <p:ext uri="{BB962C8B-B14F-4D97-AF65-F5344CB8AC3E}">
-        <p14:creationId xmlns:p14="http://schemas.microsoft.com/office/powerpoint/2010/main" val="1334718743"/>
+        <p14:creationId xmlns:p14="http://schemas.microsoft.com/office/powerpoint/2010/main" val="3659189818"/>
       </p:ext>
     </p:extLst>
   </p:cSld>
@@ -35592,7 +36806,7 @@
           <a:p>
             <a:fld id="{5C89B0C6-E378-43D9-87B6-F295F13B6DA2}" type="datetime4">
               <a:rPr lang="de-DE" smtClean="0"/>
-              <a:t>15. Dezember 2022</a:t>
+              <a:t>17. Dezember 2022</a:t>
             </a:fld>
             <a:endParaRPr lang="de-DE" dirty="0"/>
           </a:p>
@@ -35833,8 +37047,606 @@
         </p:nvSpPr>
         <p:spPr>
           <a:xfrm>
-            <a:off x="671118" y="2340456"/>
-            <a:ext cx="5217954" cy="520655"/>
+            <a:off x="671118" y="2340762"/>
+            <a:ext cx="5424882" cy="2219582"/>
+          </a:xfrm>
+          <a:prstGeom prst="rect">
+            <a:avLst/>
+          </a:prstGeom>
+          <a:noFill/>
+        </p:spPr>
+        <p:txBody>
+          <a:bodyPr wrap="square" lIns="0" tIns="0" rIns="0" bIns="0" rtlCol="0">
+            <a:spAutoFit/>
+          </a:bodyPr>
+          <a:lstStyle/>
+          <a:p>
+            <a:pPr marL="285750" marR="0" indent="-285750" algn="l" defTabSz="914400" rtl="0" eaLnBrk="1" fontAlgn="auto" latinLnBrk="0" hangingPunct="1">
+              <a:lnSpc>
+                <a:spcPct val="110000"/>
+              </a:lnSpc>
+              <a:spcBef>
+                <a:spcPts val="0"/>
+              </a:spcBef>
+              <a:spcAft>
+                <a:spcPts val="1200"/>
+              </a:spcAft>
+              <a:buClrTx/>
+              <a:buSzTx/>
+              <a:buFontTx/>
+              <a:buChar char="-"/>
+              <a:tabLst/>
+            </a:pPr>
+            <a:r>
+              <a:rPr kumimoji="0" lang="de-DE" sz="1600" b="0" i="0" u="none" strike="noStrike" kern="1200" cap="none" spc="0" normalizeH="0" baseline="0" noProof="0" dirty="0">
+                <a:ln>
+                  <a:noFill/>
+                </a:ln>
+                <a:solidFill>
+                  <a:prstClr val="black"/>
+                </a:solidFill>
+                <a:effectLst/>
+                <a:uLnTx/>
+                <a:uFillTx/>
+                <a:latin typeface="Arial"/>
+                <a:ea typeface="+mn-ea"/>
+                <a:cs typeface="+mn-cs"/>
+              </a:rPr>
+              <a:t>Anpassung von Aufmerksamkeit auf kritische Attribute in KI-Modellen (</a:t>
+            </a:r>
+            <a:r>
+              <a:rPr kumimoji="0" lang="de-DE" sz="1600" b="0" i="0" u="none" strike="noStrike" kern="1200" cap="none" spc="0" normalizeH="0" baseline="0" noProof="0" dirty="0" err="1">
+                <a:ln>
+                  <a:noFill/>
+                </a:ln>
+                <a:solidFill>
+                  <a:prstClr val="black"/>
+                </a:solidFill>
+                <a:effectLst/>
+                <a:uLnTx/>
+                <a:uFillTx/>
+                <a:latin typeface="Arial"/>
+                <a:ea typeface="+mn-ea"/>
+                <a:cs typeface="+mn-cs"/>
+              </a:rPr>
+              <a:t>Ninareh</a:t>
+            </a:r>
+            <a:r>
+              <a:rPr lang="de-DE" sz="1600" dirty="0">
+                <a:solidFill>
+                  <a:prstClr val="black"/>
+                </a:solidFill>
+                <a:latin typeface="Arial"/>
+              </a:rPr>
+              <a:t> </a:t>
+            </a:r>
+            <a:r>
+              <a:rPr kumimoji="0" lang="de-DE" sz="1600" b="0" i="0" u="none" strike="noStrike" kern="1200" cap="none" spc="0" normalizeH="0" baseline="0" noProof="0" dirty="0">
+                <a:ln>
+                  <a:noFill/>
+                </a:ln>
+                <a:solidFill>
+                  <a:prstClr val="black"/>
+                </a:solidFill>
+                <a:effectLst/>
+                <a:uLnTx/>
+                <a:uFillTx/>
+                <a:latin typeface="Arial"/>
+                <a:ea typeface="+mn-ea"/>
+                <a:cs typeface="+mn-cs"/>
+              </a:rPr>
+              <a:t>et al, 2021)</a:t>
+            </a:r>
+          </a:p>
+          <a:p>
+            <a:pPr marL="285750" marR="0" indent="-285750" algn="l" defTabSz="914400" rtl="0" eaLnBrk="1" fontAlgn="auto" latinLnBrk="0" hangingPunct="1">
+              <a:lnSpc>
+                <a:spcPct val="110000"/>
+              </a:lnSpc>
+              <a:spcBef>
+                <a:spcPts val="0"/>
+              </a:spcBef>
+              <a:spcAft>
+                <a:spcPts val="1200"/>
+              </a:spcAft>
+              <a:buClrTx/>
+              <a:buSzTx/>
+              <a:buFontTx/>
+              <a:buChar char="-"/>
+              <a:tabLst/>
+            </a:pPr>
+            <a:r>
+              <a:rPr kumimoji="0" lang="de-DE" sz="1600" b="0" i="0" u="none" strike="noStrike" kern="1200" cap="none" spc="0" normalizeH="0" baseline="0" noProof="0" dirty="0">
+                <a:ln>
+                  <a:noFill/>
+                </a:ln>
+                <a:solidFill>
+                  <a:prstClr val="black"/>
+                </a:solidFill>
+                <a:effectLst/>
+                <a:uLnTx/>
+                <a:uFillTx/>
+                <a:latin typeface="Arial"/>
+                <a:ea typeface="+mn-ea"/>
+                <a:cs typeface="+mn-cs"/>
+              </a:rPr>
+              <a:t>Heuristiken für spezifische Fälle (</a:t>
+            </a:r>
+            <a:r>
+              <a:rPr lang="de-DE" sz="1600" dirty="0" err="1"/>
+              <a:t>Roselli</a:t>
+            </a:r>
+            <a:r>
+              <a:rPr lang="de-DE" sz="1600" dirty="0">
+                <a:solidFill>
+                  <a:prstClr val="black"/>
+                </a:solidFill>
+                <a:latin typeface="Arial"/>
+              </a:rPr>
+              <a:t> </a:t>
+            </a:r>
+            <a:r>
+              <a:rPr kumimoji="0" lang="de-DE" sz="1600" b="0" i="0" u="none" strike="noStrike" kern="1200" cap="none" spc="0" normalizeH="0" baseline="0" noProof="0" dirty="0">
+                <a:ln>
+                  <a:noFill/>
+                </a:ln>
+                <a:solidFill>
+                  <a:prstClr val="black"/>
+                </a:solidFill>
+                <a:effectLst/>
+                <a:uLnTx/>
+                <a:uFillTx/>
+                <a:latin typeface="Arial"/>
+                <a:ea typeface="+mn-ea"/>
+                <a:cs typeface="+mn-cs"/>
+              </a:rPr>
+              <a:t>et al, 2019)</a:t>
+            </a:r>
+          </a:p>
+          <a:p>
+            <a:pPr marL="285750" marR="0" indent="-285750" algn="l" defTabSz="914400" rtl="0" eaLnBrk="1" fontAlgn="auto" latinLnBrk="0" hangingPunct="1">
+              <a:lnSpc>
+                <a:spcPct val="110000"/>
+              </a:lnSpc>
+              <a:spcBef>
+                <a:spcPts val="0"/>
+              </a:spcBef>
+              <a:spcAft>
+                <a:spcPts val="1200"/>
+              </a:spcAft>
+              <a:buClrTx/>
+              <a:buSzTx/>
+              <a:buFontTx/>
+              <a:buChar char="-"/>
+              <a:tabLst/>
+            </a:pPr>
+            <a:r>
+              <a:rPr kumimoji="0" lang="de-DE" sz="1600" b="0" i="0" u="none" strike="noStrike" kern="1200" cap="none" spc="0" normalizeH="0" baseline="0" noProof="0" dirty="0">
+                <a:ln>
+                  <a:noFill/>
+                </a:ln>
+                <a:solidFill>
+                  <a:prstClr val="black"/>
+                </a:solidFill>
+                <a:effectLst/>
+                <a:uLnTx/>
+                <a:uFillTx/>
+                <a:latin typeface="Arial"/>
+                <a:ea typeface="+mn-ea"/>
+                <a:cs typeface="+mn-cs"/>
+              </a:rPr>
+              <a:t>„Data </a:t>
+            </a:r>
+            <a:r>
+              <a:rPr kumimoji="0" lang="de-DE" sz="1600" b="0" i="0" u="none" strike="noStrike" kern="1200" cap="none" spc="0" normalizeH="0" baseline="0" noProof="0" dirty="0" err="1">
+                <a:ln>
+                  <a:noFill/>
+                </a:ln>
+                <a:solidFill>
+                  <a:prstClr val="black"/>
+                </a:solidFill>
+                <a:effectLst/>
+                <a:uLnTx/>
+                <a:uFillTx/>
+                <a:latin typeface="Arial"/>
+                <a:ea typeface="+mn-ea"/>
+                <a:cs typeface="+mn-cs"/>
+              </a:rPr>
+              <a:t>Wrangling</a:t>
+            </a:r>
+            <a:r>
+              <a:rPr kumimoji="0" lang="de-DE" sz="1600" b="0" i="0" u="none" strike="noStrike" kern="1200" cap="none" spc="0" normalizeH="0" baseline="0" noProof="0" dirty="0">
+                <a:ln>
+                  <a:noFill/>
+                </a:ln>
+                <a:solidFill>
+                  <a:prstClr val="black"/>
+                </a:solidFill>
+                <a:effectLst/>
+                <a:uLnTx/>
+                <a:uFillTx/>
+                <a:latin typeface="Arial"/>
+                <a:ea typeface="+mn-ea"/>
+                <a:cs typeface="+mn-cs"/>
+              </a:rPr>
+              <a:t>“ (</a:t>
+            </a:r>
+            <a:r>
+              <a:rPr lang="de-DE" sz="1600" dirty="0" err="1"/>
+              <a:t>Mazilu</a:t>
+            </a:r>
+            <a:r>
+              <a:rPr lang="de-DE" sz="1600" dirty="0"/>
+              <a:t>,</a:t>
+            </a:r>
+            <a:r>
+              <a:rPr lang="de-DE" sz="1600" dirty="0">
+                <a:solidFill>
+                  <a:prstClr val="black"/>
+                </a:solidFill>
+                <a:latin typeface="Arial"/>
+              </a:rPr>
+              <a:t> </a:t>
+            </a:r>
+            <a:r>
+              <a:rPr kumimoji="0" lang="de-DE" sz="1600" b="0" i="0" u="none" strike="noStrike" kern="1200" cap="none" spc="0" normalizeH="0" baseline="0" noProof="0" dirty="0">
+                <a:ln>
+                  <a:noFill/>
+                </a:ln>
+                <a:solidFill>
+                  <a:prstClr val="black"/>
+                </a:solidFill>
+                <a:effectLst/>
+                <a:uLnTx/>
+                <a:uFillTx/>
+                <a:latin typeface="Arial"/>
+                <a:ea typeface="+mn-ea"/>
+                <a:cs typeface="+mn-cs"/>
+              </a:rPr>
+              <a:t>et al, 2020)</a:t>
+            </a:r>
+          </a:p>
+          <a:p>
+            <a:pPr marL="285750" indent="-285750">
+              <a:lnSpc>
+                <a:spcPct val="110000"/>
+              </a:lnSpc>
+              <a:spcAft>
+                <a:spcPts val="1200"/>
+              </a:spcAft>
+              <a:buFontTx/>
+              <a:buChar char="-"/>
+            </a:pPr>
+            <a:r>
+              <a:rPr kumimoji="0" lang="de-DE" sz="1600" b="0" i="0" u="none" strike="noStrike" kern="1200" cap="none" spc="0" normalizeH="0" baseline="0" noProof="0" dirty="0">
+                <a:ln>
+                  <a:noFill/>
+                </a:ln>
+                <a:solidFill>
+                  <a:prstClr val="black"/>
+                </a:solidFill>
+                <a:effectLst/>
+                <a:uLnTx/>
+                <a:uFillTx/>
+                <a:latin typeface="Arial"/>
+                <a:ea typeface="+mn-ea"/>
+                <a:cs typeface="+mn-cs"/>
+              </a:rPr>
+              <a:t>Mathematische Methoden (</a:t>
+            </a:r>
+            <a:r>
+              <a:rPr lang="de-DE" sz="1600" dirty="0" err="1"/>
+              <a:t>Kamiran</a:t>
+            </a:r>
+            <a:r>
+              <a:rPr lang="de-DE" sz="1600" dirty="0"/>
+              <a:t>,</a:t>
+            </a:r>
+            <a:r>
+              <a:rPr lang="de-DE" sz="1600" dirty="0">
+                <a:solidFill>
+                  <a:prstClr val="black"/>
+                </a:solidFill>
+                <a:latin typeface="Arial"/>
+              </a:rPr>
+              <a:t> </a:t>
+            </a:r>
+            <a:r>
+              <a:rPr kumimoji="0" lang="de-DE" sz="1600" b="0" i="0" u="none" strike="noStrike" kern="1200" cap="none" spc="0" normalizeH="0" baseline="0" noProof="0" dirty="0">
+                <a:ln>
+                  <a:noFill/>
+                </a:ln>
+                <a:solidFill>
+                  <a:prstClr val="black"/>
+                </a:solidFill>
+                <a:effectLst/>
+                <a:uLnTx/>
+                <a:uFillTx/>
+                <a:latin typeface="Arial"/>
+                <a:ea typeface="+mn-ea"/>
+                <a:cs typeface="+mn-cs"/>
+              </a:rPr>
+              <a:t>et al, 2012)</a:t>
+            </a:r>
+          </a:p>
+          <a:p>
+            <a:pPr marL="285750" marR="0" indent="-285750" algn="l" defTabSz="914400" rtl="0" eaLnBrk="1" fontAlgn="auto" latinLnBrk="0" hangingPunct="1">
+              <a:lnSpc>
+                <a:spcPct val="110000"/>
+              </a:lnSpc>
+              <a:spcBef>
+                <a:spcPts val="0"/>
+              </a:spcBef>
+              <a:spcAft>
+                <a:spcPts val="1200"/>
+              </a:spcAft>
+              <a:buClrTx/>
+              <a:buSzTx/>
+              <a:buFontTx/>
+              <a:buChar char="-"/>
+              <a:tabLst/>
+            </a:pPr>
+            <a:endParaRPr kumimoji="0" lang="de-DE" sz="1600" b="0" i="0" u="none" strike="noStrike" kern="1200" cap="none" spc="0" normalizeH="0" baseline="0" noProof="0" dirty="0">
+              <a:ln>
+                <a:noFill/>
+              </a:ln>
+              <a:solidFill>
+                <a:prstClr val="black"/>
+              </a:solidFill>
+              <a:effectLst/>
+              <a:uLnTx/>
+              <a:uFillTx/>
+              <a:latin typeface="Arial"/>
+              <a:ea typeface="+mn-ea"/>
+              <a:cs typeface="+mn-cs"/>
+            </a:endParaRPr>
+          </a:p>
+        </p:txBody>
+      </p:sp>
+      <p:sp>
+        <p:nvSpPr>
+          <p:cNvPr id="13" name="Textfeld 12">
+            <a:extLst>
+              <a:ext uri="{FF2B5EF4-FFF2-40B4-BE49-F238E27FC236}">
+                <a16:creationId xmlns:a16="http://schemas.microsoft.com/office/drawing/2014/main" id="{90F455AF-DD68-FA9C-0306-102359EB084E}"/>
+              </a:ext>
+            </a:extLst>
+          </p:cNvPr>
+          <p:cNvSpPr txBox="1"/>
+          <p:nvPr/>
+        </p:nvSpPr>
+        <p:spPr>
+          <a:xfrm>
+            <a:off x="671118" y="4685250"/>
+            <a:ext cx="4848838" cy="1099275"/>
+          </a:xfrm>
+          <a:prstGeom prst="rect">
+            <a:avLst/>
+          </a:prstGeom>
+          <a:noFill/>
+        </p:spPr>
+        <p:txBody>
+          <a:bodyPr wrap="square" lIns="0" tIns="0" rIns="0" bIns="0" rtlCol="0">
+            <a:spAutoFit/>
+          </a:bodyPr>
+          <a:lstStyle/>
+          <a:p>
+            <a:pPr marL="285750" marR="0" indent="-285750" algn="l" defTabSz="914400" rtl="0" eaLnBrk="1" fontAlgn="auto" latinLnBrk="0" hangingPunct="1">
+              <a:lnSpc>
+                <a:spcPct val="110000"/>
+              </a:lnSpc>
+              <a:spcBef>
+                <a:spcPts val="0"/>
+              </a:spcBef>
+              <a:spcAft>
+                <a:spcPts val="1200"/>
+              </a:spcAft>
+              <a:buClrTx/>
+              <a:buSzTx/>
+              <a:buFontTx/>
+              <a:buChar char="-"/>
+              <a:tabLst/>
+            </a:pPr>
+            <a:r>
+              <a:rPr kumimoji="0" lang="de-DE" sz="1600" b="0" i="0" u="none" strike="noStrike" kern="1200" cap="none" spc="0" normalizeH="0" baseline="0" noProof="0" dirty="0">
+                <a:ln>
+                  <a:noFill/>
+                </a:ln>
+                <a:solidFill>
+                  <a:prstClr val="black"/>
+                </a:solidFill>
+                <a:effectLst/>
+                <a:uLnTx/>
+                <a:uFillTx/>
+                <a:latin typeface="Arial"/>
+                <a:ea typeface="+mn-ea"/>
+                <a:cs typeface="+mn-cs"/>
+              </a:rPr>
+              <a:t>Transparenz und XAI (</a:t>
+            </a:r>
+            <a:r>
+              <a:rPr lang="de-DE" sz="1600" dirty="0"/>
+              <a:t>Robert</a:t>
+            </a:r>
+            <a:r>
+              <a:rPr lang="de-DE" sz="1600" dirty="0">
+                <a:solidFill>
+                  <a:prstClr val="black"/>
+                </a:solidFill>
+                <a:latin typeface="Arial"/>
+              </a:rPr>
+              <a:t> </a:t>
+            </a:r>
+            <a:r>
+              <a:rPr kumimoji="0" lang="de-DE" sz="1600" b="0" i="0" u="none" strike="noStrike" kern="1200" cap="none" spc="0" normalizeH="0" baseline="0" noProof="0" dirty="0">
+                <a:ln>
+                  <a:noFill/>
+                </a:ln>
+                <a:solidFill>
+                  <a:prstClr val="black"/>
+                </a:solidFill>
+                <a:effectLst/>
+                <a:uLnTx/>
+                <a:uFillTx/>
+                <a:latin typeface="Arial"/>
+                <a:ea typeface="+mn-ea"/>
+                <a:cs typeface="+mn-cs"/>
+              </a:rPr>
+              <a:t>et al, 2020)</a:t>
+            </a:r>
+          </a:p>
+          <a:p>
+            <a:pPr marL="285750" marR="0" indent="-285750" algn="l" defTabSz="914400" rtl="0" eaLnBrk="1" fontAlgn="auto" latinLnBrk="0" hangingPunct="1">
+              <a:lnSpc>
+                <a:spcPct val="110000"/>
+              </a:lnSpc>
+              <a:spcBef>
+                <a:spcPts val="0"/>
+              </a:spcBef>
+              <a:spcAft>
+                <a:spcPts val="1200"/>
+              </a:spcAft>
+              <a:buClrTx/>
+              <a:buSzTx/>
+              <a:buFontTx/>
+              <a:buChar char="-"/>
+              <a:tabLst/>
+            </a:pPr>
+            <a:r>
+              <a:rPr kumimoji="0" lang="de-DE" sz="1600" b="0" i="0" u="none" strike="noStrike" kern="1200" cap="none" spc="0" normalizeH="0" baseline="0" noProof="0" dirty="0">
+                <a:ln>
+                  <a:noFill/>
+                </a:ln>
+                <a:solidFill>
+                  <a:prstClr val="black"/>
+                </a:solidFill>
+                <a:effectLst/>
+                <a:uLnTx/>
+                <a:uFillTx/>
+                <a:latin typeface="Arial"/>
+                <a:ea typeface="+mn-ea"/>
+                <a:cs typeface="+mn-cs"/>
+              </a:rPr>
+              <a:t>Statistische Analysen (</a:t>
+            </a:r>
+            <a:r>
+              <a:rPr lang="de-DE" sz="1600" dirty="0" err="1"/>
+              <a:t>Dwork</a:t>
+            </a:r>
+            <a:r>
+              <a:rPr lang="de-DE" sz="1600" dirty="0">
+                <a:solidFill>
+                  <a:prstClr val="black"/>
+                </a:solidFill>
+                <a:latin typeface="Arial"/>
+              </a:rPr>
+              <a:t> </a:t>
+            </a:r>
+            <a:r>
+              <a:rPr kumimoji="0" lang="de-DE" sz="1600" b="0" i="0" u="none" strike="noStrike" kern="1200" cap="none" spc="0" normalizeH="0" baseline="0" noProof="0" dirty="0">
+                <a:ln>
+                  <a:noFill/>
+                </a:ln>
+                <a:solidFill>
+                  <a:prstClr val="black"/>
+                </a:solidFill>
+                <a:effectLst/>
+                <a:uLnTx/>
+                <a:uFillTx/>
+                <a:latin typeface="Arial"/>
+                <a:ea typeface="+mn-ea"/>
+                <a:cs typeface="+mn-cs"/>
+              </a:rPr>
+              <a:t>et al, 2012)</a:t>
+            </a:r>
+          </a:p>
+          <a:p>
+            <a:pPr marL="285750" marR="0" indent="-285750" algn="l" defTabSz="914400" rtl="0" eaLnBrk="1" fontAlgn="auto" latinLnBrk="0" hangingPunct="1">
+              <a:lnSpc>
+                <a:spcPct val="110000"/>
+              </a:lnSpc>
+              <a:spcBef>
+                <a:spcPts val="0"/>
+              </a:spcBef>
+              <a:spcAft>
+                <a:spcPts val="1200"/>
+              </a:spcAft>
+              <a:buClrTx/>
+              <a:buSzTx/>
+              <a:buFontTx/>
+              <a:buChar char="-"/>
+              <a:tabLst/>
+            </a:pPr>
+            <a:r>
+              <a:rPr kumimoji="0" lang="de-DE" sz="1600" b="0" i="0" u="none" strike="noStrike" kern="1200" cap="none" spc="0" normalizeH="0" baseline="0" noProof="0" dirty="0">
+                <a:ln>
+                  <a:noFill/>
+                </a:ln>
+                <a:solidFill>
+                  <a:prstClr val="black"/>
+                </a:solidFill>
+                <a:effectLst/>
+                <a:uLnTx/>
+                <a:uFillTx/>
+                <a:latin typeface="Arial"/>
+                <a:ea typeface="+mn-ea"/>
+                <a:cs typeface="+mn-cs"/>
+              </a:rPr>
+              <a:t>Mathematische Methoden (</a:t>
+            </a:r>
+            <a:r>
+              <a:rPr lang="de-DE" sz="1600" dirty="0" err="1"/>
+              <a:t>Kamiran</a:t>
+            </a:r>
+            <a:r>
+              <a:rPr lang="de-DE" sz="1600" dirty="0"/>
+              <a:t>,</a:t>
+            </a:r>
+            <a:r>
+              <a:rPr lang="de-DE" sz="1600" dirty="0">
+                <a:solidFill>
+                  <a:prstClr val="black"/>
+                </a:solidFill>
+                <a:latin typeface="Arial"/>
+              </a:rPr>
+              <a:t> </a:t>
+            </a:r>
+            <a:r>
+              <a:rPr kumimoji="0" lang="de-DE" sz="1600" b="0" i="0" u="none" strike="noStrike" kern="1200" cap="none" spc="0" normalizeH="0" baseline="0" noProof="0" dirty="0">
+                <a:ln>
+                  <a:noFill/>
+                </a:ln>
+                <a:solidFill>
+                  <a:prstClr val="black"/>
+                </a:solidFill>
+                <a:effectLst/>
+                <a:uLnTx/>
+                <a:uFillTx/>
+                <a:latin typeface="Arial"/>
+                <a:ea typeface="+mn-ea"/>
+                <a:cs typeface="+mn-cs"/>
+              </a:rPr>
+              <a:t>et al, 2012)</a:t>
+            </a:r>
+          </a:p>
+        </p:txBody>
+      </p:sp>
+      <p:sp>
+        <p:nvSpPr>
+          <p:cNvPr id="14" name="Textfeld 13">
+            <a:extLst>
+              <a:ext uri="{FF2B5EF4-FFF2-40B4-BE49-F238E27FC236}">
+                <a16:creationId xmlns:a16="http://schemas.microsoft.com/office/drawing/2014/main" id="{FCBE55CC-1244-A3BE-6001-443CCE7B1D93}"/>
+              </a:ext>
+            </a:extLst>
+          </p:cNvPr>
+          <p:cNvSpPr txBox="1"/>
+          <p:nvPr/>
+        </p:nvSpPr>
+        <p:spPr>
+          <a:xfrm>
+            <a:off x="515937" y="4272052"/>
+            <a:ext cx="4173509" cy="312330"/>
           </a:xfrm>
           <a:prstGeom prst="rect">
             <a:avLst/>
@@ -35864,301 +37676,6 @@
               <a:tabLst/>
             </a:pPr>
             <a:r>
-              <a:rPr kumimoji="0" lang="de-DE" sz="1600" b="0" i="0" u="none" strike="noStrike" kern="1200" cap="none" spc="0" normalizeH="0" baseline="0" noProof="0" dirty="0">
-                <a:ln>
-                  <a:noFill/>
-                </a:ln>
-                <a:solidFill>
-                  <a:prstClr val="black"/>
-                </a:solidFill>
-                <a:effectLst/>
-                <a:uLnTx/>
-                <a:uFillTx/>
-                <a:latin typeface="Arial"/>
-                <a:ea typeface="+mn-ea"/>
-                <a:cs typeface="+mn-cs"/>
-              </a:rPr>
-              <a:t>- Anpassung von Aufmerksamkeit auf kritische Attribute in KI-Modellen (</a:t>
-            </a:r>
-            <a:r>
-              <a:rPr kumimoji="0" lang="de-DE" sz="1600" b="0" i="0" u="none" strike="noStrike" kern="1200" cap="none" spc="0" normalizeH="0" baseline="0" noProof="0" dirty="0" err="1">
-                <a:ln>
-                  <a:noFill/>
-                </a:ln>
-                <a:solidFill>
-                  <a:prstClr val="black"/>
-                </a:solidFill>
-                <a:effectLst/>
-                <a:uLnTx/>
-                <a:uFillTx/>
-                <a:latin typeface="Arial"/>
-                <a:ea typeface="+mn-ea"/>
-                <a:cs typeface="+mn-cs"/>
-              </a:rPr>
-              <a:t>Ninareh</a:t>
-            </a:r>
-            <a:r>
-              <a:rPr lang="de-DE" sz="1600" dirty="0">
-                <a:solidFill>
-                  <a:prstClr val="black"/>
-                </a:solidFill>
-                <a:latin typeface="Arial"/>
-              </a:rPr>
-              <a:t> </a:t>
-            </a:r>
-            <a:r>
-              <a:rPr kumimoji="0" lang="de-DE" sz="1600" b="0" i="0" u="none" strike="noStrike" kern="1200" cap="none" spc="0" normalizeH="0" baseline="0" noProof="0" dirty="0">
-                <a:ln>
-                  <a:noFill/>
-                </a:ln>
-                <a:solidFill>
-                  <a:prstClr val="black"/>
-                </a:solidFill>
-                <a:effectLst/>
-                <a:uLnTx/>
-                <a:uFillTx/>
-                <a:latin typeface="Arial"/>
-                <a:ea typeface="+mn-ea"/>
-                <a:cs typeface="+mn-cs"/>
-              </a:rPr>
-              <a:t>et al, 2021)</a:t>
-            </a:r>
-          </a:p>
-        </p:txBody>
-      </p:sp>
-      <p:sp>
-        <p:nvSpPr>
-          <p:cNvPr id="12" name="Textfeld 11">
-            <a:extLst>
-              <a:ext uri="{FF2B5EF4-FFF2-40B4-BE49-F238E27FC236}">
-                <a16:creationId xmlns:a16="http://schemas.microsoft.com/office/drawing/2014/main" id="{0A6F1212-B0A6-F2C6-29B2-94A0FB0E2843}"/>
-              </a:ext>
-            </a:extLst>
-          </p:cNvPr>
-          <p:cNvSpPr txBox="1"/>
-          <p:nvPr/>
-        </p:nvSpPr>
-        <p:spPr>
-          <a:xfrm>
-            <a:off x="671118" y="2963389"/>
-            <a:ext cx="4848838" cy="249812"/>
-          </a:xfrm>
-          <a:prstGeom prst="rect">
-            <a:avLst/>
-          </a:prstGeom>
-          <a:noFill/>
-        </p:spPr>
-        <p:txBody>
-          <a:bodyPr wrap="square" lIns="0" tIns="0" rIns="0" bIns="0" rtlCol="0">
-            <a:spAutoFit/>
-          </a:bodyPr>
-          <a:lstStyle/>
-          <a:p>
-            <a:pPr marL="0" marR="0" indent="0" algn="l" defTabSz="914400" rtl="0" eaLnBrk="1" fontAlgn="auto" latinLnBrk="0" hangingPunct="1">
-              <a:lnSpc>
-                <a:spcPct val="110000"/>
-              </a:lnSpc>
-              <a:spcBef>
-                <a:spcPts val="0"/>
-              </a:spcBef>
-              <a:spcAft>
-                <a:spcPts val="1200"/>
-              </a:spcAft>
-              <a:buClrTx/>
-              <a:buSzTx/>
-              <a:buFont typeface="Arial" panose="020B0604020202020204" pitchFamily="34" charset="0"/>
-              <a:buNone/>
-              <a:tabLst/>
-            </a:pPr>
-            <a:r>
-              <a:rPr kumimoji="0" lang="de-DE" sz="1600" b="0" i="0" u="none" strike="noStrike" kern="1200" cap="none" spc="0" normalizeH="0" baseline="0" noProof="0" dirty="0">
-                <a:ln>
-                  <a:noFill/>
-                </a:ln>
-                <a:solidFill>
-                  <a:prstClr val="black"/>
-                </a:solidFill>
-                <a:effectLst/>
-                <a:uLnTx/>
-                <a:uFillTx/>
-                <a:latin typeface="Arial"/>
-                <a:ea typeface="+mn-ea"/>
-                <a:cs typeface="+mn-cs"/>
-              </a:rPr>
-              <a:t>- Heuristiken für spezifische Fälle (</a:t>
-            </a:r>
-            <a:r>
-              <a:rPr lang="de-DE" sz="1600" dirty="0" err="1"/>
-              <a:t>Roselli</a:t>
-            </a:r>
-            <a:r>
-              <a:rPr lang="de-DE" sz="1600" dirty="0">
-                <a:solidFill>
-                  <a:prstClr val="black"/>
-                </a:solidFill>
-                <a:latin typeface="Arial"/>
-              </a:rPr>
-              <a:t> </a:t>
-            </a:r>
-            <a:r>
-              <a:rPr kumimoji="0" lang="de-DE" sz="1600" b="0" i="0" u="none" strike="noStrike" kern="1200" cap="none" spc="0" normalizeH="0" baseline="0" noProof="0" dirty="0">
-                <a:ln>
-                  <a:noFill/>
-                </a:ln>
-                <a:solidFill>
-                  <a:prstClr val="black"/>
-                </a:solidFill>
-                <a:effectLst/>
-                <a:uLnTx/>
-                <a:uFillTx/>
-                <a:latin typeface="Arial"/>
-                <a:ea typeface="+mn-ea"/>
-                <a:cs typeface="+mn-cs"/>
-              </a:rPr>
-              <a:t>et al, 2019)</a:t>
-            </a:r>
-          </a:p>
-        </p:txBody>
-      </p:sp>
-      <p:sp>
-        <p:nvSpPr>
-          <p:cNvPr id="13" name="Textfeld 12">
-            <a:extLst>
-              <a:ext uri="{FF2B5EF4-FFF2-40B4-BE49-F238E27FC236}">
-                <a16:creationId xmlns:a16="http://schemas.microsoft.com/office/drawing/2014/main" id="{90F455AF-DD68-FA9C-0306-102359EB084E}"/>
-              </a:ext>
-            </a:extLst>
-          </p:cNvPr>
-          <p:cNvSpPr txBox="1"/>
-          <p:nvPr/>
-        </p:nvSpPr>
-        <p:spPr>
-          <a:xfrm>
-            <a:off x="671119" y="4584382"/>
-            <a:ext cx="4848838" cy="249812"/>
-          </a:xfrm>
-          <a:prstGeom prst="rect">
-            <a:avLst/>
-          </a:prstGeom>
-          <a:noFill/>
-        </p:spPr>
-        <p:txBody>
-          <a:bodyPr wrap="square" lIns="0" tIns="0" rIns="0" bIns="0" rtlCol="0">
-            <a:spAutoFit/>
-          </a:bodyPr>
-          <a:lstStyle/>
-          <a:p>
-            <a:pPr marL="0" marR="0" indent="0" algn="l" defTabSz="914400" rtl="0" eaLnBrk="1" fontAlgn="auto" latinLnBrk="0" hangingPunct="1">
-              <a:lnSpc>
-                <a:spcPct val="110000"/>
-              </a:lnSpc>
-              <a:spcBef>
-                <a:spcPts val="0"/>
-              </a:spcBef>
-              <a:spcAft>
-                <a:spcPts val="1200"/>
-              </a:spcAft>
-              <a:buClrTx/>
-              <a:buSzTx/>
-              <a:buFont typeface="Arial" panose="020B0604020202020204" pitchFamily="34" charset="0"/>
-              <a:buNone/>
-              <a:tabLst/>
-            </a:pPr>
-            <a:r>
-              <a:rPr kumimoji="0" lang="de-DE" sz="1600" b="0" i="0" u="none" strike="noStrike" kern="1200" cap="none" spc="0" normalizeH="0" baseline="0" noProof="0" dirty="0">
-                <a:ln>
-                  <a:noFill/>
-                </a:ln>
-                <a:solidFill>
-                  <a:prstClr val="black"/>
-                </a:solidFill>
-                <a:effectLst/>
-                <a:uLnTx/>
-                <a:uFillTx/>
-                <a:latin typeface="Arial"/>
-                <a:ea typeface="+mn-ea"/>
-                <a:cs typeface="+mn-cs"/>
-              </a:rPr>
-              <a:t>- Transparenz und XAI (</a:t>
-            </a:r>
-            <a:r>
-              <a:rPr lang="de-DE" sz="1600" dirty="0"/>
-              <a:t>Robert</a:t>
-            </a:r>
-            <a:r>
-              <a:rPr lang="de-DE" sz="1600" dirty="0">
-                <a:solidFill>
-                  <a:prstClr val="black"/>
-                </a:solidFill>
-                <a:latin typeface="Arial"/>
-              </a:rPr>
-              <a:t> </a:t>
-            </a:r>
-            <a:r>
-              <a:rPr kumimoji="0" lang="de-DE" sz="1600" b="0" i="0" u="none" strike="noStrike" kern="1200" cap="none" spc="0" normalizeH="0" baseline="0" noProof="0" dirty="0">
-                <a:ln>
-                  <a:noFill/>
-                </a:ln>
-                <a:solidFill>
-                  <a:prstClr val="black"/>
-                </a:solidFill>
-                <a:effectLst/>
-                <a:uLnTx/>
-                <a:uFillTx/>
-                <a:latin typeface="Arial"/>
-                <a:ea typeface="+mn-ea"/>
-                <a:cs typeface="+mn-cs"/>
-              </a:rPr>
-              <a:t>et al, 2020)</a:t>
-            </a:r>
-          </a:p>
-        </p:txBody>
-      </p:sp>
-      <p:sp>
-        <p:nvSpPr>
-          <p:cNvPr id="14" name="Textfeld 13">
-            <a:extLst>
-              <a:ext uri="{FF2B5EF4-FFF2-40B4-BE49-F238E27FC236}">
-                <a16:creationId xmlns:a16="http://schemas.microsoft.com/office/drawing/2014/main" id="{FCBE55CC-1244-A3BE-6001-443CCE7B1D93}"/>
-              </a:ext>
-            </a:extLst>
-          </p:cNvPr>
-          <p:cNvSpPr txBox="1"/>
-          <p:nvPr/>
-        </p:nvSpPr>
-        <p:spPr>
-          <a:xfrm>
-            <a:off x="515937" y="4171184"/>
-            <a:ext cx="4173509" cy="312330"/>
-          </a:xfrm>
-          <a:prstGeom prst="rect">
-            <a:avLst/>
-          </a:prstGeom>
-          <a:noFill/>
-        </p:spPr>
-        <p:txBody>
-          <a:bodyPr wrap="square" lIns="0" tIns="0" rIns="0" bIns="0" rtlCol="0">
-            <a:spAutoFit/>
-          </a:bodyPr>
-          <a:lstStyle/>
-          <a:p>
-            <a:pPr marL="0" marR="0" indent="0" algn="l" defTabSz="914400" rtl="0" eaLnBrk="1" fontAlgn="auto" latinLnBrk="0" hangingPunct="1">
-              <a:lnSpc>
-                <a:spcPct val="110000"/>
-              </a:lnSpc>
-              <a:spcBef>
-                <a:spcPts val="0"/>
-              </a:spcBef>
-              <a:spcAft>
-                <a:spcPts val="1200"/>
-              </a:spcAft>
-              <a:buClrTx/>
-              <a:buSzTx/>
-              <a:buFont typeface="Arial" panose="020B0604020202020204" pitchFamily="34" charset="0"/>
-              <a:buNone/>
-              <a:tabLst/>
-            </a:pPr>
-            <a:r>
               <a:rPr kumimoji="0" lang="de-DE" sz="2000" b="0" i="0" u="sng" strike="noStrike" kern="1200" cap="none" spc="0" normalizeH="0" baseline="0" noProof="0" dirty="0">
                 <a:ln>
                   <a:noFill/>
@@ -36189,492 +37706,6 @@
               <a:ea typeface="+mn-ea"/>
               <a:cs typeface="+mn-cs"/>
             </a:endParaRPr>
-          </a:p>
-        </p:txBody>
-      </p:sp>
-      <p:sp>
-        <p:nvSpPr>
-          <p:cNvPr id="15" name="Textfeld 14">
-            <a:extLst>
-              <a:ext uri="{FF2B5EF4-FFF2-40B4-BE49-F238E27FC236}">
-                <a16:creationId xmlns:a16="http://schemas.microsoft.com/office/drawing/2014/main" id="{9618E50D-FE7B-DAB1-B1DC-F5B9EBAAD3AE}"/>
-              </a:ext>
-            </a:extLst>
-          </p:cNvPr>
-          <p:cNvSpPr txBox="1"/>
-          <p:nvPr/>
-        </p:nvSpPr>
-        <p:spPr>
-          <a:xfrm>
-            <a:off x="671119" y="4935062"/>
-            <a:ext cx="4848838" cy="249812"/>
-          </a:xfrm>
-          <a:prstGeom prst="rect">
-            <a:avLst/>
-          </a:prstGeom>
-          <a:noFill/>
-        </p:spPr>
-        <p:txBody>
-          <a:bodyPr wrap="square" lIns="0" tIns="0" rIns="0" bIns="0" rtlCol="0">
-            <a:spAutoFit/>
-          </a:bodyPr>
-          <a:lstStyle/>
-          <a:p>
-            <a:pPr marL="0" marR="0" indent="0" algn="l" defTabSz="914400" rtl="0" eaLnBrk="1" fontAlgn="auto" latinLnBrk="0" hangingPunct="1">
-              <a:lnSpc>
-                <a:spcPct val="110000"/>
-              </a:lnSpc>
-              <a:spcBef>
-                <a:spcPts val="0"/>
-              </a:spcBef>
-              <a:spcAft>
-                <a:spcPts val="1200"/>
-              </a:spcAft>
-              <a:buClrTx/>
-              <a:buSzTx/>
-              <a:buFont typeface="Arial" panose="020B0604020202020204" pitchFamily="34" charset="0"/>
-              <a:buNone/>
-              <a:tabLst/>
-            </a:pPr>
-            <a:r>
-              <a:rPr kumimoji="0" lang="de-DE" sz="1600" b="0" i="0" u="none" strike="noStrike" kern="1200" cap="none" spc="0" normalizeH="0" baseline="0" noProof="0" dirty="0">
-                <a:ln>
-                  <a:noFill/>
-                </a:ln>
-                <a:solidFill>
-                  <a:prstClr val="black"/>
-                </a:solidFill>
-                <a:effectLst/>
-                <a:uLnTx/>
-                <a:uFillTx/>
-                <a:latin typeface="Arial"/>
-                <a:ea typeface="+mn-ea"/>
-                <a:cs typeface="+mn-cs"/>
-              </a:rPr>
-              <a:t>- Statistische Analysen (</a:t>
-            </a:r>
-            <a:r>
-              <a:rPr lang="de-DE" sz="1600" dirty="0" err="1"/>
-              <a:t>Dwork</a:t>
-            </a:r>
-            <a:r>
-              <a:rPr lang="de-DE" sz="1600" dirty="0">
-                <a:solidFill>
-                  <a:prstClr val="black"/>
-                </a:solidFill>
-                <a:latin typeface="Arial"/>
-              </a:rPr>
-              <a:t> </a:t>
-            </a:r>
-            <a:r>
-              <a:rPr kumimoji="0" lang="de-DE" sz="1600" b="0" i="0" u="none" strike="noStrike" kern="1200" cap="none" spc="0" normalizeH="0" baseline="0" noProof="0" dirty="0">
-                <a:ln>
-                  <a:noFill/>
-                </a:ln>
-                <a:solidFill>
-                  <a:prstClr val="black"/>
-                </a:solidFill>
-                <a:effectLst/>
-                <a:uLnTx/>
-                <a:uFillTx/>
-                <a:latin typeface="Arial"/>
-                <a:ea typeface="+mn-ea"/>
-                <a:cs typeface="+mn-cs"/>
-              </a:rPr>
-              <a:t>et al, 2012)</a:t>
-            </a:r>
-          </a:p>
-        </p:txBody>
-      </p:sp>
-      <p:sp>
-        <p:nvSpPr>
-          <p:cNvPr id="16" name="Textfeld 15">
-            <a:extLst>
-              <a:ext uri="{FF2B5EF4-FFF2-40B4-BE49-F238E27FC236}">
-                <a16:creationId xmlns:a16="http://schemas.microsoft.com/office/drawing/2014/main" id="{DA34BE5C-CB52-D3E5-3C3F-EF57510966D6}"/>
-              </a:ext>
-            </a:extLst>
-          </p:cNvPr>
-          <p:cNvSpPr txBox="1"/>
-          <p:nvPr/>
-        </p:nvSpPr>
-        <p:spPr>
-          <a:xfrm>
-            <a:off x="671118" y="3312161"/>
-            <a:ext cx="4848838" cy="249812"/>
-          </a:xfrm>
-          <a:prstGeom prst="rect">
-            <a:avLst/>
-          </a:prstGeom>
-          <a:noFill/>
-        </p:spPr>
-        <p:txBody>
-          <a:bodyPr wrap="square" lIns="0" tIns="0" rIns="0" bIns="0" rtlCol="0">
-            <a:spAutoFit/>
-          </a:bodyPr>
-          <a:lstStyle/>
-          <a:p>
-            <a:pPr marL="0" marR="0" indent="0" algn="l" defTabSz="914400" rtl="0" eaLnBrk="1" fontAlgn="auto" latinLnBrk="0" hangingPunct="1">
-              <a:lnSpc>
-                <a:spcPct val="110000"/>
-              </a:lnSpc>
-              <a:spcBef>
-                <a:spcPts val="0"/>
-              </a:spcBef>
-              <a:spcAft>
-                <a:spcPts val="1200"/>
-              </a:spcAft>
-              <a:buClrTx/>
-              <a:buSzTx/>
-              <a:buFont typeface="Arial" panose="020B0604020202020204" pitchFamily="34" charset="0"/>
-              <a:buNone/>
-              <a:tabLst/>
-            </a:pPr>
-            <a:r>
-              <a:rPr kumimoji="0" lang="de-DE" sz="1600" b="0" i="0" u="none" strike="noStrike" kern="1200" cap="none" spc="0" normalizeH="0" baseline="0" noProof="0" dirty="0">
-                <a:ln>
-                  <a:noFill/>
-                </a:ln>
-                <a:solidFill>
-                  <a:prstClr val="black"/>
-                </a:solidFill>
-                <a:effectLst/>
-                <a:uLnTx/>
-                <a:uFillTx/>
-                <a:latin typeface="Arial"/>
-                <a:ea typeface="+mn-ea"/>
-                <a:cs typeface="+mn-cs"/>
-              </a:rPr>
-              <a:t>- „Data </a:t>
-            </a:r>
-            <a:r>
-              <a:rPr kumimoji="0" lang="de-DE" sz="1600" b="0" i="0" u="none" strike="noStrike" kern="1200" cap="none" spc="0" normalizeH="0" baseline="0" noProof="0" dirty="0" err="1">
-                <a:ln>
-                  <a:noFill/>
-                </a:ln>
-                <a:solidFill>
-                  <a:prstClr val="black"/>
-                </a:solidFill>
-                <a:effectLst/>
-                <a:uLnTx/>
-                <a:uFillTx/>
-                <a:latin typeface="Arial"/>
-                <a:ea typeface="+mn-ea"/>
-                <a:cs typeface="+mn-cs"/>
-              </a:rPr>
-              <a:t>Wrangling</a:t>
-            </a:r>
-            <a:r>
-              <a:rPr kumimoji="0" lang="de-DE" sz="1600" b="0" i="0" u="none" strike="noStrike" kern="1200" cap="none" spc="0" normalizeH="0" baseline="0" noProof="0" dirty="0">
-                <a:ln>
-                  <a:noFill/>
-                </a:ln>
-                <a:solidFill>
-                  <a:prstClr val="black"/>
-                </a:solidFill>
-                <a:effectLst/>
-                <a:uLnTx/>
-                <a:uFillTx/>
-                <a:latin typeface="Arial"/>
-                <a:ea typeface="+mn-ea"/>
-                <a:cs typeface="+mn-cs"/>
-              </a:rPr>
-              <a:t>“ (</a:t>
-            </a:r>
-            <a:r>
-              <a:rPr lang="de-DE" sz="1600" dirty="0" err="1"/>
-              <a:t>Mazilu</a:t>
-            </a:r>
-            <a:r>
-              <a:rPr lang="de-DE" sz="1600" dirty="0"/>
-              <a:t>,</a:t>
-            </a:r>
-            <a:r>
-              <a:rPr lang="de-DE" sz="1600" dirty="0">
-                <a:solidFill>
-                  <a:prstClr val="black"/>
-                </a:solidFill>
-                <a:latin typeface="Arial"/>
-              </a:rPr>
-              <a:t> </a:t>
-            </a:r>
-            <a:r>
-              <a:rPr kumimoji="0" lang="de-DE" sz="1600" b="0" i="0" u="none" strike="noStrike" kern="1200" cap="none" spc="0" normalizeH="0" baseline="0" noProof="0" dirty="0">
-                <a:ln>
-                  <a:noFill/>
-                </a:ln>
-                <a:solidFill>
-                  <a:prstClr val="black"/>
-                </a:solidFill>
-                <a:effectLst/>
-                <a:uLnTx/>
-                <a:uFillTx/>
-                <a:latin typeface="Arial"/>
-                <a:ea typeface="+mn-ea"/>
-                <a:cs typeface="+mn-cs"/>
-              </a:rPr>
-              <a:t>et al, 2020)</a:t>
-            </a:r>
-          </a:p>
-        </p:txBody>
-      </p:sp>
-      <p:sp>
-        <p:nvSpPr>
-          <p:cNvPr id="17" name="Textfeld 16">
-            <a:extLst>
-              <a:ext uri="{FF2B5EF4-FFF2-40B4-BE49-F238E27FC236}">
-                <a16:creationId xmlns:a16="http://schemas.microsoft.com/office/drawing/2014/main" id="{F62A56DD-A1CB-27CA-DAEB-1864CBA0408E}"/>
-              </a:ext>
-            </a:extLst>
-          </p:cNvPr>
-          <p:cNvSpPr txBox="1"/>
-          <p:nvPr/>
-        </p:nvSpPr>
-        <p:spPr>
-          <a:xfrm>
-            <a:off x="671119" y="5288050"/>
-            <a:ext cx="4848838" cy="249812"/>
-          </a:xfrm>
-          <a:prstGeom prst="rect">
-            <a:avLst/>
-          </a:prstGeom>
-          <a:noFill/>
-        </p:spPr>
-        <p:txBody>
-          <a:bodyPr wrap="square" lIns="0" tIns="0" rIns="0" bIns="0" rtlCol="0">
-            <a:spAutoFit/>
-          </a:bodyPr>
-          <a:lstStyle/>
-          <a:p>
-            <a:pPr marL="0" marR="0" indent="0" algn="l" defTabSz="914400" rtl="0" eaLnBrk="1" fontAlgn="auto" latinLnBrk="0" hangingPunct="1">
-              <a:lnSpc>
-                <a:spcPct val="110000"/>
-              </a:lnSpc>
-              <a:spcBef>
-                <a:spcPts val="0"/>
-              </a:spcBef>
-              <a:spcAft>
-                <a:spcPts val="1200"/>
-              </a:spcAft>
-              <a:buClrTx/>
-              <a:buSzTx/>
-              <a:buFont typeface="Arial" panose="020B0604020202020204" pitchFamily="34" charset="0"/>
-              <a:buNone/>
-              <a:tabLst/>
-            </a:pPr>
-            <a:r>
-              <a:rPr kumimoji="0" lang="de-DE" sz="1600" b="0" i="0" u="none" strike="noStrike" kern="1200" cap="none" spc="0" normalizeH="0" baseline="0" noProof="0" dirty="0">
-                <a:ln>
-                  <a:noFill/>
-                </a:ln>
-                <a:solidFill>
-                  <a:prstClr val="black"/>
-                </a:solidFill>
-                <a:effectLst/>
-                <a:uLnTx/>
-                <a:uFillTx/>
-                <a:latin typeface="Arial"/>
-                <a:ea typeface="+mn-ea"/>
-                <a:cs typeface="+mn-cs"/>
-              </a:rPr>
-              <a:t>- Mathematische Methoden (</a:t>
-            </a:r>
-            <a:r>
-              <a:rPr lang="de-DE" sz="1600" dirty="0" err="1"/>
-              <a:t>Kamiran</a:t>
-            </a:r>
-            <a:r>
-              <a:rPr lang="de-DE" sz="1600" dirty="0"/>
-              <a:t>,</a:t>
-            </a:r>
-            <a:r>
-              <a:rPr lang="de-DE" sz="1600" dirty="0">
-                <a:solidFill>
-                  <a:prstClr val="black"/>
-                </a:solidFill>
-                <a:latin typeface="Arial"/>
-              </a:rPr>
-              <a:t> </a:t>
-            </a:r>
-            <a:r>
-              <a:rPr kumimoji="0" lang="de-DE" sz="1600" b="0" i="0" u="none" strike="noStrike" kern="1200" cap="none" spc="0" normalizeH="0" baseline="0" noProof="0" dirty="0">
-                <a:ln>
-                  <a:noFill/>
-                </a:ln>
-                <a:solidFill>
-                  <a:prstClr val="black"/>
-                </a:solidFill>
-                <a:effectLst/>
-                <a:uLnTx/>
-                <a:uFillTx/>
-                <a:latin typeface="Arial"/>
-                <a:ea typeface="+mn-ea"/>
-                <a:cs typeface="+mn-cs"/>
-              </a:rPr>
-              <a:t>et al, 2012)</a:t>
-            </a:r>
-          </a:p>
-        </p:txBody>
-      </p:sp>
-      <p:sp>
-        <p:nvSpPr>
-          <p:cNvPr id="18" name="Textfeld 17">
-            <a:extLst>
-              <a:ext uri="{FF2B5EF4-FFF2-40B4-BE49-F238E27FC236}">
-                <a16:creationId xmlns:a16="http://schemas.microsoft.com/office/drawing/2014/main" id="{89E111DD-D2CD-B762-F336-1624FFF86FA1}"/>
-              </a:ext>
-            </a:extLst>
-          </p:cNvPr>
-          <p:cNvSpPr txBox="1"/>
-          <p:nvPr/>
-        </p:nvSpPr>
-        <p:spPr>
-          <a:xfrm>
-            <a:off x="671118" y="3669072"/>
-            <a:ext cx="4848838" cy="249812"/>
-          </a:xfrm>
-          <a:prstGeom prst="rect">
-            <a:avLst/>
-          </a:prstGeom>
-          <a:noFill/>
-        </p:spPr>
-        <p:txBody>
-          <a:bodyPr wrap="square" lIns="0" tIns="0" rIns="0" bIns="0" rtlCol="0">
-            <a:spAutoFit/>
-          </a:bodyPr>
-          <a:lstStyle/>
-          <a:p>
-            <a:pPr marL="0" marR="0" indent="0" algn="l" defTabSz="914400" rtl="0" eaLnBrk="1" fontAlgn="auto" latinLnBrk="0" hangingPunct="1">
-              <a:lnSpc>
-                <a:spcPct val="110000"/>
-              </a:lnSpc>
-              <a:spcBef>
-                <a:spcPts val="0"/>
-              </a:spcBef>
-              <a:spcAft>
-                <a:spcPts val="1200"/>
-              </a:spcAft>
-              <a:buClrTx/>
-              <a:buSzTx/>
-              <a:buFont typeface="Arial" panose="020B0604020202020204" pitchFamily="34" charset="0"/>
-              <a:buNone/>
-              <a:tabLst/>
-            </a:pPr>
-            <a:r>
-              <a:rPr kumimoji="0" lang="de-DE" sz="1600" b="0" i="0" u="none" strike="noStrike" kern="1200" cap="none" spc="0" normalizeH="0" baseline="0" noProof="0" dirty="0">
-                <a:ln>
-                  <a:noFill/>
-                </a:ln>
-                <a:solidFill>
-                  <a:prstClr val="black"/>
-                </a:solidFill>
-                <a:effectLst/>
-                <a:uLnTx/>
-                <a:uFillTx/>
-                <a:latin typeface="Arial"/>
-                <a:ea typeface="+mn-ea"/>
-                <a:cs typeface="+mn-cs"/>
-              </a:rPr>
-              <a:t>- Mathematische Methoden (</a:t>
-            </a:r>
-            <a:r>
-              <a:rPr lang="de-DE" sz="1600" dirty="0" err="1"/>
-              <a:t>Kamiran</a:t>
-            </a:r>
-            <a:r>
-              <a:rPr lang="de-DE" sz="1600" dirty="0"/>
-              <a:t>,</a:t>
-            </a:r>
-            <a:r>
-              <a:rPr lang="de-DE" sz="1600" dirty="0">
-                <a:solidFill>
-                  <a:prstClr val="black"/>
-                </a:solidFill>
-                <a:latin typeface="Arial"/>
-              </a:rPr>
-              <a:t> </a:t>
-            </a:r>
-            <a:r>
-              <a:rPr kumimoji="0" lang="de-DE" sz="1600" b="0" i="0" u="none" strike="noStrike" kern="1200" cap="none" spc="0" normalizeH="0" baseline="0" noProof="0" dirty="0">
-                <a:ln>
-                  <a:noFill/>
-                </a:ln>
-                <a:solidFill>
-                  <a:prstClr val="black"/>
-                </a:solidFill>
-                <a:effectLst/>
-                <a:uLnTx/>
-                <a:uFillTx/>
-                <a:latin typeface="Arial"/>
-                <a:ea typeface="+mn-ea"/>
-                <a:cs typeface="+mn-cs"/>
-              </a:rPr>
-              <a:t>et al, 2012)</a:t>
-            </a:r>
-          </a:p>
-        </p:txBody>
-      </p:sp>
-      <p:sp>
-        <p:nvSpPr>
-          <p:cNvPr id="19" name="Textfeld 18">
-            <a:extLst>
-              <a:ext uri="{FF2B5EF4-FFF2-40B4-BE49-F238E27FC236}">
-                <a16:creationId xmlns:a16="http://schemas.microsoft.com/office/drawing/2014/main" id="{FE26AADC-B259-AF65-475E-8C0988A12375}"/>
-              </a:ext>
-            </a:extLst>
-          </p:cNvPr>
-          <p:cNvSpPr txBox="1"/>
-          <p:nvPr/>
-        </p:nvSpPr>
-        <p:spPr>
-          <a:xfrm rot="20602287">
-            <a:off x="6596905" y="2548148"/>
-            <a:ext cx="4275227" cy="890500"/>
-          </a:xfrm>
-          <a:prstGeom prst="rect">
-            <a:avLst/>
-          </a:prstGeom>
-          <a:noFill/>
-        </p:spPr>
-        <p:txBody>
-          <a:bodyPr wrap="square" lIns="0" tIns="0" rIns="0" bIns="0" rtlCol="0">
-            <a:spAutoFit/>
-          </a:bodyPr>
-          <a:lstStyle/>
-          <a:p>
-            <a:pPr marL="0" marR="0" indent="0" algn="l" defTabSz="914400" rtl="0" eaLnBrk="1" fontAlgn="auto" latinLnBrk="0" hangingPunct="1">
-              <a:lnSpc>
-                <a:spcPct val="110000"/>
-              </a:lnSpc>
-              <a:spcBef>
-                <a:spcPts val="0"/>
-              </a:spcBef>
-              <a:spcAft>
-                <a:spcPts val="1200"/>
-              </a:spcAft>
-              <a:buClrTx/>
-              <a:buSzTx/>
-              <a:buFont typeface="Arial" panose="020B0604020202020204" pitchFamily="34" charset="0"/>
-              <a:buNone/>
-              <a:tabLst/>
-            </a:pPr>
-            <a:r>
-              <a:rPr kumimoji="0" lang="de-DE" b="0" i="0" u="none" strike="noStrike" kern="1200" cap="none" spc="0" normalizeH="0" baseline="0" noProof="0" dirty="0">
-                <a:ln>
-                  <a:noFill/>
-                </a:ln>
-                <a:solidFill>
-                  <a:prstClr val="black"/>
-                </a:solidFill>
-                <a:effectLst/>
-                <a:uLnTx/>
-                <a:uFillTx/>
-                <a:latin typeface="Arial"/>
-                <a:ea typeface="+mn-ea"/>
-                <a:cs typeface="+mn-cs"/>
-              </a:rPr>
-              <a:t>Kannst an der Folie ändern, was du willst, hatte nur Zeit und ne Idee, wie man den Forschungsstand abbilden könnte</a:t>
-            </a:r>
           </a:p>
         </p:txBody>
       </p:sp>
@@ -36765,7 +37796,7 @@
             <a:fld id="{D529D632-EE07-48FA-B475-B0D49CBC7F92}" type="datetime4">
               <a:rPr lang="de-DE" smtClean="0"/>
               <a:pPr/>
-              <a:t>15. Dezember 2022</a:t>
+              <a:t>17. Dezember 2022</a:t>
             </a:fld>
             <a:endParaRPr lang="de-DE" dirty="0"/>
           </a:p>
@@ -36886,7 +37917,7 @@
           <a:p>
             <a:fld id="{5C89B0C6-E378-43D9-87B6-F295F13B6DA2}" type="datetime4">
               <a:rPr lang="de-DE" smtClean="0"/>
-              <a:t>15. Dezember 2022</a:t>
+              <a:t>17. Dezember 2022</a:t>
             </a:fld>
             <a:endParaRPr lang="de-DE" dirty="0"/>
           </a:p>
@@ -37000,7 +38031,10 @@
           <a:bodyPr/>
           <a:lstStyle/>
           <a:p>
-            <a:endParaRPr lang="de-DE" dirty="0"/>
+            <a:r>
+              <a:rPr lang="de-DE" dirty="0"/>
+              <a:t>Wir wollen versuchen, absichtlich oder unabsichtlich verzerrte Datensätze zu erkennen</a:t>
+            </a:r>
           </a:p>
         </p:txBody>
       </p:sp>
@@ -37025,7 +38059,10 @@
           <a:bodyPr/>
           <a:lstStyle/>
           <a:p>
-            <a:endParaRPr lang="de-DE" dirty="0"/>
+            <a:r>
+              <a:rPr lang="de-DE" dirty="0"/>
+              <a:t>Konzepte &amp; Forschungsfrage</a:t>
+            </a:r>
           </a:p>
         </p:txBody>
       </p:sp>
@@ -37042,9 +38079,9 @@
           <p:nvPr/>
         </p:nvSpPr>
         <p:spPr>
-          <a:xfrm rot="20622517">
-            <a:off x="4664279" y="4142064"/>
-            <a:ext cx="7256477" cy="520655"/>
+          <a:xfrm>
+            <a:off x="515937" y="1700748"/>
+            <a:ext cx="11157742" cy="3783087"/>
           </a:xfrm>
           <a:prstGeom prst="rect">
             <a:avLst/>
@@ -37074,6 +38111,176 @@
               <a:tabLst/>
             </a:pPr>
             <a:r>
+              <a:rPr lang="de-DE" sz="2000" u="sng" dirty="0">
+                <a:solidFill>
+                  <a:prstClr val="black"/>
+                </a:solidFill>
+                <a:latin typeface="Arial"/>
+              </a:rPr>
+              <a:t>Konzepte</a:t>
+            </a:r>
+          </a:p>
+          <a:p>
+            <a:pPr marL="285750" marR="0" indent="-285750" algn="l" defTabSz="914400" rtl="0" eaLnBrk="1" fontAlgn="auto" latinLnBrk="0" hangingPunct="1">
+              <a:lnSpc>
+                <a:spcPct val="110000"/>
+              </a:lnSpc>
+              <a:spcBef>
+                <a:spcPts val="0"/>
+              </a:spcBef>
+              <a:spcAft>
+                <a:spcPts val="1200"/>
+              </a:spcAft>
+              <a:buClrTx/>
+              <a:buSzTx/>
+              <a:buFontTx/>
+              <a:buChar char="-"/>
+              <a:tabLst/>
+            </a:pPr>
+            <a:r>
+              <a:rPr lang="de-DE" sz="1600" dirty="0">
+                <a:solidFill>
+                  <a:prstClr val="black"/>
+                </a:solidFill>
+                <a:latin typeface="Arial"/>
+              </a:rPr>
+              <a:t>Fairness-Berechnung</a:t>
+            </a:r>
+          </a:p>
+          <a:p>
+            <a:pPr marL="285750" marR="0" indent="-285750" algn="l" defTabSz="914400" rtl="0" eaLnBrk="1" fontAlgn="auto" latinLnBrk="0" hangingPunct="1">
+              <a:lnSpc>
+                <a:spcPct val="110000"/>
+              </a:lnSpc>
+              <a:spcBef>
+                <a:spcPts val="0"/>
+              </a:spcBef>
+              <a:spcAft>
+                <a:spcPts val="1200"/>
+              </a:spcAft>
+              <a:buClrTx/>
+              <a:buSzTx/>
+              <a:buFontTx/>
+              <a:buChar char="-"/>
+              <a:tabLst/>
+            </a:pPr>
+            <a:r>
+              <a:rPr lang="de-DE" sz="1600" dirty="0">
+                <a:solidFill>
+                  <a:prstClr val="black"/>
+                </a:solidFill>
+                <a:latin typeface="Arial"/>
+              </a:rPr>
+              <a:t>(Potenzielle) Erkennung von Bias</a:t>
+            </a:r>
+          </a:p>
+          <a:p>
+            <a:pPr marL="285750" marR="0" indent="-285750" algn="l" defTabSz="914400" rtl="0" eaLnBrk="1" fontAlgn="auto" latinLnBrk="0" hangingPunct="1">
+              <a:lnSpc>
+                <a:spcPct val="110000"/>
+              </a:lnSpc>
+              <a:spcBef>
+                <a:spcPts val="0"/>
+              </a:spcBef>
+              <a:spcAft>
+                <a:spcPts val="1200"/>
+              </a:spcAft>
+              <a:buClrTx/>
+              <a:buSzTx/>
+              <a:buFontTx/>
+              <a:buChar char="-"/>
+              <a:tabLst/>
+            </a:pPr>
+            <a:r>
+              <a:rPr lang="de-DE" sz="1600" dirty="0">
+                <a:solidFill>
+                  <a:prstClr val="black"/>
+                </a:solidFill>
+                <a:latin typeface="Arial"/>
+              </a:rPr>
+              <a:t>Bias eliminieren</a:t>
+            </a:r>
+          </a:p>
+          <a:p>
+            <a:pPr marL="285750" marR="0" indent="-285750" algn="l" defTabSz="914400" rtl="0" eaLnBrk="1" fontAlgn="auto" latinLnBrk="0" hangingPunct="1">
+              <a:lnSpc>
+                <a:spcPct val="110000"/>
+              </a:lnSpc>
+              <a:spcBef>
+                <a:spcPts val="0"/>
+              </a:spcBef>
+              <a:spcAft>
+                <a:spcPts val="1200"/>
+              </a:spcAft>
+              <a:buClrTx/>
+              <a:buSzTx/>
+              <a:buFontTx/>
+              <a:buChar char="-"/>
+              <a:tabLst/>
+            </a:pPr>
+            <a:r>
+              <a:rPr lang="de-DE" sz="1600" dirty="0">
+                <a:solidFill>
+                  <a:prstClr val="black"/>
+                </a:solidFill>
+                <a:latin typeface="Arial"/>
+              </a:rPr>
+              <a:t>Methoden für tabellarische Datensätze</a:t>
+            </a:r>
+          </a:p>
+          <a:p>
+            <a:pPr marL="285750" marR="0" indent="-285750" algn="l" defTabSz="914400" rtl="0" eaLnBrk="1" fontAlgn="auto" latinLnBrk="0" hangingPunct="1">
+              <a:lnSpc>
+                <a:spcPct val="110000"/>
+              </a:lnSpc>
+              <a:spcBef>
+                <a:spcPts val="0"/>
+              </a:spcBef>
+              <a:spcAft>
+                <a:spcPts val="1200"/>
+              </a:spcAft>
+              <a:buClrTx/>
+              <a:buSzTx/>
+              <a:buFontTx/>
+              <a:buChar char="-"/>
+              <a:tabLst/>
+            </a:pPr>
+            <a:endParaRPr lang="de-DE" sz="1600" dirty="0">
+              <a:solidFill>
+                <a:prstClr val="black"/>
+              </a:solidFill>
+              <a:latin typeface="Arial"/>
+            </a:endParaRPr>
+          </a:p>
+          <a:p>
+            <a:pPr>
+              <a:lnSpc>
+                <a:spcPct val="110000"/>
+              </a:lnSpc>
+              <a:spcAft>
+                <a:spcPts val="1200"/>
+              </a:spcAft>
+            </a:pPr>
+            <a:r>
+              <a:rPr lang="de-DE" sz="2000" u="sng" dirty="0">
+                <a:solidFill>
+                  <a:prstClr val="black"/>
+                </a:solidFill>
+                <a:latin typeface="Arial"/>
+              </a:rPr>
+              <a:t>Forschungsfrage</a:t>
+            </a:r>
+          </a:p>
+          <a:p>
+            <a:pPr>
+              <a:lnSpc>
+                <a:spcPct val="110000"/>
+              </a:lnSpc>
+              <a:spcAft>
+                <a:spcPts val="1200"/>
+              </a:spcAft>
+            </a:pPr>
+            <a:r>
               <a:rPr kumimoji="0" lang="de-DE" sz="1600" b="0" i="0" u="none" strike="noStrike" kern="1200" cap="none" spc="0" normalizeH="0" baseline="0" noProof="0" dirty="0">
                 <a:ln>
                   <a:noFill/>
@@ -37088,8 +38295,30 @@
                 <a:ea typeface="+mn-ea"/>
                 <a:cs typeface="+mn-cs"/>
               </a:rPr>
-              <a:t>Ermittlung von Verzerrungen (Bias) und Quellen potenzieller Diskriminierung in tabellarischen Datensätzen</a:t>
-            </a:r>
+              <a:t>„Ermittlung von Verzerrungen (Bias) und Quellen potenzieller Diskriminierung in tabellarischen Datensätzen“</a:t>
+            </a:r>
+          </a:p>
+          <a:p>
+            <a:pPr marR="0" algn="l" defTabSz="914400" rtl="0" eaLnBrk="1" fontAlgn="auto" latinLnBrk="0" hangingPunct="1">
+              <a:lnSpc>
+                <a:spcPct val="110000"/>
+              </a:lnSpc>
+              <a:spcBef>
+                <a:spcPts val="0"/>
+              </a:spcBef>
+              <a:spcAft>
+                <a:spcPts val="1200"/>
+              </a:spcAft>
+              <a:buClrTx/>
+              <a:buSzTx/>
+              <a:tabLst/>
+            </a:pPr>
+            <a:endParaRPr lang="de-DE" sz="1600" dirty="0">
+              <a:solidFill>
+                <a:prstClr val="black"/>
+              </a:solidFill>
+              <a:latin typeface="Arial"/>
+            </a:endParaRPr>
           </a:p>
         </p:txBody>
       </p:sp>

--- a/F-Seminar/Zwischenpräsentation.pptx
+++ b/F-Seminar/Zwischenpräsentation.pptx
@@ -150,7 +150,7 @@
 <p1510:revInfo xmlns:a="http://schemas.openxmlformats.org/drawingml/2006/main" xmlns:r="http://schemas.openxmlformats.org/officeDocument/2006/relationships" xmlns:p1510="http://schemas.microsoft.com/office/powerpoint/2015/10/main">
   <p1510:revLst>
     <p1510:client id="{5559946C-DD83-4361-9F0D-6F0382AAE1DC}" v="4" dt="2022-12-18T16:38:01.668"/>
-    <p1510:client id="{6F885342-16A4-4DE2-9CFD-CF43A29B316C}" v="395" dt="2022-12-19T15:35:20.217"/>
+    <p1510:client id="{6F885342-16A4-4DE2-9CFD-CF43A29B316C}" v="467" dt="2022-12-19T15:41:09.606"/>
   </p1510:revLst>
 </p1510:revInfo>
 </file>
@@ -3162,6 +3162,187 @@
         </a:p>
       </dgm:t>
     </dgm:pt>
+    <dgm:pt modelId="{4159C49C-D974-4E2A-AB5D-D838049258A5}">
+      <dgm:prSet phldrT="[Text]"/>
+      <dgm:spPr/>
+      <dgm:t>
+        <a:bodyPr/>
+        <a:lstStyle/>
+        <a:p>
+          <a:r>
+            <a:rPr lang="de-DE" dirty="0" err="1"/>
+            <a:t>Biasumgang</a:t>
+          </a:r>
+          <a:endParaRPr lang="de-DE" dirty="0"/>
+        </a:p>
+      </dgm:t>
+    </dgm:pt>
+    <dgm:pt modelId="{37A535E4-6779-48D8-94EB-A34D616F7DC3}" type="parTrans" cxnId="{C117C769-67D8-4AAE-B940-FAD196882681}">
+      <dgm:prSet/>
+      <dgm:spPr/>
+      <dgm:t>
+        <a:bodyPr/>
+        <a:lstStyle/>
+        <a:p>
+          <a:endParaRPr lang="de-DE"/>
+        </a:p>
+      </dgm:t>
+    </dgm:pt>
+    <dgm:pt modelId="{0C240677-E6F2-4473-A9A2-BE93F002E112}" type="sibTrans" cxnId="{C117C769-67D8-4AAE-B940-FAD196882681}">
+      <dgm:prSet/>
+      <dgm:spPr/>
+      <dgm:t>
+        <a:bodyPr/>
+        <a:lstStyle/>
+        <a:p>
+          <a:endParaRPr lang="de-DE"/>
+        </a:p>
+      </dgm:t>
+    </dgm:pt>
+    <dgm:pt modelId="{82952D24-6991-4B0D-8A81-C3B35BA74A4A}">
+      <dgm:prSet phldrT="[Text]"/>
+      <dgm:spPr/>
+      <dgm:t>
+        <a:bodyPr/>
+        <a:lstStyle/>
+        <a:p>
+          <a:r>
+            <a:rPr lang="de-DE" dirty="0"/>
+            <a:t>Eliminierung</a:t>
+          </a:r>
+        </a:p>
+      </dgm:t>
+    </dgm:pt>
+    <dgm:pt modelId="{80B68F74-6E88-46B1-A878-5461A8EA4AB1}" type="parTrans" cxnId="{31200810-D5A9-42BA-9E9E-D8FC278DE77C}">
+      <dgm:prSet/>
+      <dgm:spPr/>
+      <dgm:t>
+        <a:bodyPr/>
+        <a:lstStyle/>
+        <a:p>
+          <a:endParaRPr lang="de-DE"/>
+        </a:p>
+      </dgm:t>
+    </dgm:pt>
+    <dgm:pt modelId="{139848D7-65CF-406A-9343-ABC065DA7944}" type="sibTrans" cxnId="{31200810-D5A9-42BA-9E9E-D8FC278DE77C}">
+      <dgm:prSet/>
+      <dgm:spPr/>
+      <dgm:t>
+        <a:bodyPr/>
+        <a:lstStyle/>
+        <a:p>
+          <a:endParaRPr lang="de-DE"/>
+        </a:p>
+      </dgm:t>
+    </dgm:pt>
+    <dgm:pt modelId="{E1F9CA9A-B875-40F0-A49B-A9DDAC27AB92}">
+      <dgm:prSet phldrT="[Text]"/>
+      <dgm:spPr/>
+      <dgm:t>
+        <a:bodyPr/>
+        <a:lstStyle/>
+        <a:p>
+          <a:r>
+            <a:rPr lang="de-DE" dirty="0"/>
+            <a:t>Minderung</a:t>
+          </a:r>
+        </a:p>
+      </dgm:t>
+    </dgm:pt>
+    <dgm:pt modelId="{6E065C5D-1140-46FB-8204-45B8120C46D2}" type="parTrans" cxnId="{C640B556-9B58-4D7D-A50A-BC917B21A68E}">
+      <dgm:prSet/>
+      <dgm:spPr/>
+      <dgm:t>
+        <a:bodyPr/>
+        <a:lstStyle/>
+        <a:p>
+          <a:endParaRPr lang="de-DE"/>
+        </a:p>
+      </dgm:t>
+    </dgm:pt>
+    <dgm:pt modelId="{2E290B67-3B89-4866-83C7-367C1802019D}" type="sibTrans" cxnId="{C640B556-9B58-4D7D-A50A-BC917B21A68E}">
+      <dgm:prSet/>
+      <dgm:spPr/>
+      <dgm:t>
+        <a:bodyPr/>
+        <a:lstStyle/>
+        <a:p>
+          <a:endParaRPr lang="de-DE"/>
+        </a:p>
+      </dgm:t>
+    </dgm:pt>
+    <dgm:pt modelId="{4A8A3B1F-FB3D-4DAF-96F1-8A3B15695F7C}">
+      <dgm:prSet phldrT="[Text]"/>
+      <dgm:spPr/>
+      <dgm:t>
+        <a:bodyPr/>
+        <a:lstStyle/>
+        <a:p>
+          <a:r>
+            <a:rPr lang="de-DE" dirty="0"/>
+            <a:t>Bestimmung</a:t>
+          </a:r>
+        </a:p>
+      </dgm:t>
+    </dgm:pt>
+    <dgm:pt modelId="{F9CBBD50-234A-4F80-A915-89B8B467CC16}" type="parTrans" cxnId="{00115AFE-38F5-4DE1-BCFC-64276AC4B446}">
+      <dgm:prSet/>
+      <dgm:spPr/>
+      <dgm:t>
+        <a:bodyPr/>
+        <a:lstStyle/>
+        <a:p>
+          <a:endParaRPr lang="de-DE"/>
+        </a:p>
+      </dgm:t>
+    </dgm:pt>
+    <dgm:pt modelId="{56122E87-779D-421A-9739-3E517DA63629}" type="sibTrans" cxnId="{00115AFE-38F5-4DE1-BCFC-64276AC4B446}">
+      <dgm:prSet/>
+      <dgm:spPr/>
+      <dgm:t>
+        <a:bodyPr/>
+        <a:lstStyle/>
+        <a:p>
+          <a:endParaRPr lang="de-DE"/>
+        </a:p>
+      </dgm:t>
+    </dgm:pt>
+    <dgm:pt modelId="{571D769B-41DB-4112-A21C-546E6F52B178}">
+      <dgm:prSet phldrT="[Text]"/>
+      <dgm:spPr/>
+      <dgm:t>
+        <a:bodyPr/>
+        <a:lstStyle/>
+        <a:p>
+          <a:r>
+            <a:rPr lang="de-DE" dirty="0"/>
+            <a:t>Findung</a:t>
+          </a:r>
+        </a:p>
+      </dgm:t>
+    </dgm:pt>
+    <dgm:pt modelId="{F195137E-AFAB-41D1-8FEF-0F6B22C14C3E}" type="parTrans" cxnId="{81C4BDC8-D2D6-46D8-BD49-9D4016ADDD95}">
+      <dgm:prSet/>
+      <dgm:spPr/>
+      <dgm:t>
+        <a:bodyPr/>
+        <a:lstStyle/>
+        <a:p>
+          <a:endParaRPr lang="de-DE"/>
+        </a:p>
+      </dgm:t>
+    </dgm:pt>
+    <dgm:pt modelId="{88EB697D-DE0F-472D-B373-79CF2FBFEC43}" type="sibTrans" cxnId="{81C4BDC8-D2D6-46D8-BD49-9D4016ADDD95}">
+      <dgm:prSet/>
+      <dgm:spPr/>
+      <dgm:t>
+        <a:bodyPr/>
+        <a:lstStyle/>
+        <a:p>
+          <a:endParaRPr lang="de-DE"/>
+        </a:p>
+      </dgm:t>
+    </dgm:pt>
     <dgm:pt modelId="{5436245F-BE67-4F65-915C-8F483857E933}" type="pres">
       <dgm:prSet presAssocID="{87A98656-67AE-442D-9A5C-074A48062257}" presName="linear" presStyleCnt="0">
         <dgm:presLayoutVars>
@@ -3172,7 +3353,7 @@
       <dgm:spPr/>
     </dgm:pt>
     <dgm:pt modelId="{8F244945-30F2-442E-99B5-0E6BFD9112D6}" type="pres">
-      <dgm:prSet presAssocID="{3FC219D5-36C6-4D29-9147-F31D579B2979}" presName="parentText" presStyleLbl="node1" presStyleIdx="0" presStyleCnt="3" custLinFactNeighborY="2489">
+      <dgm:prSet presAssocID="{3FC219D5-36C6-4D29-9147-F31D579B2979}" presName="parentText" presStyleLbl="node1" presStyleIdx="0" presStyleCnt="4" custLinFactNeighborY="2489">
         <dgm:presLayoutVars>
           <dgm:chMax val="0"/>
           <dgm:bulletEnabled val="1"/>
@@ -3181,7 +3362,24 @@
       <dgm:spPr/>
     </dgm:pt>
     <dgm:pt modelId="{A03A1B87-6FD7-4E7F-A923-9D1211FF7B21}" type="pres">
-      <dgm:prSet presAssocID="{3FC219D5-36C6-4D29-9147-F31D579B2979}" presName="childText" presStyleLbl="revTx" presStyleIdx="0" presStyleCnt="3" custLinFactNeighborY="17802">
+      <dgm:prSet presAssocID="{3FC219D5-36C6-4D29-9147-F31D579B2979}" presName="childText" presStyleLbl="revTx" presStyleIdx="0" presStyleCnt="4" custLinFactNeighborY="17802">
+        <dgm:presLayoutVars>
+          <dgm:bulletEnabled val="1"/>
+        </dgm:presLayoutVars>
+      </dgm:prSet>
+      <dgm:spPr/>
+    </dgm:pt>
+    <dgm:pt modelId="{62DDB0FC-6E1B-4D97-87A2-88E062C2D652}" type="pres">
+      <dgm:prSet presAssocID="{4159C49C-D974-4E2A-AB5D-D838049258A5}" presName="parentText" presStyleLbl="node1" presStyleIdx="1" presStyleCnt="4">
+        <dgm:presLayoutVars>
+          <dgm:chMax val="0"/>
+          <dgm:bulletEnabled val="1"/>
+        </dgm:presLayoutVars>
+      </dgm:prSet>
+      <dgm:spPr/>
+    </dgm:pt>
+    <dgm:pt modelId="{1E4D186B-628A-4E01-A210-578940BA839A}" type="pres">
+      <dgm:prSet presAssocID="{4159C49C-D974-4E2A-AB5D-D838049258A5}" presName="childText" presStyleLbl="revTx" presStyleIdx="1" presStyleCnt="4">
         <dgm:presLayoutVars>
           <dgm:bulletEnabled val="1"/>
         </dgm:presLayoutVars>
@@ -3189,7 +3387,7 @@
       <dgm:spPr/>
     </dgm:pt>
     <dgm:pt modelId="{CB0C1EB8-E656-471F-93BB-D99A38F9A6E6}" type="pres">
-      <dgm:prSet presAssocID="{934BA7DA-09DE-4BEB-9A23-5A98B0836BB0}" presName="parentText" presStyleLbl="node1" presStyleIdx="1" presStyleCnt="3" custLinFactNeighborY="-15360">
+      <dgm:prSet presAssocID="{934BA7DA-09DE-4BEB-9A23-5A98B0836BB0}" presName="parentText" presStyleLbl="node1" presStyleIdx="2" presStyleCnt="4" custLinFactNeighborY="-15360">
         <dgm:presLayoutVars>
           <dgm:chMax val="0"/>
           <dgm:bulletEnabled val="1"/>
@@ -3198,7 +3396,7 @@
       <dgm:spPr/>
     </dgm:pt>
     <dgm:pt modelId="{A39E1E06-812B-4F63-B86D-892075F7A0E6}" type="pres">
-      <dgm:prSet presAssocID="{934BA7DA-09DE-4BEB-9A23-5A98B0836BB0}" presName="childText" presStyleLbl="revTx" presStyleIdx="1" presStyleCnt="3" custLinFactNeighborY="-12760">
+      <dgm:prSet presAssocID="{934BA7DA-09DE-4BEB-9A23-5A98B0836BB0}" presName="childText" presStyleLbl="revTx" presStyleIdx="2" presStyleCnt="4" custLinFactNeighborY="-12760">
         <dgm:presLayoutVars>
           <dgm:bulletEnabled val="1"/>
         </dgm:presLayoutVars>
@@ -3206,7 +3404,7 @@
       <dgm:spPr/>
     </dgm:pt>
     <dgm:pt modelId="{17C17339-F648-4484-8B8B-DD6DE4797979}" type="pres">
-      <dgm:prSet presAssocID="{1B9389F6-23AE-49A8-B257-9AC2493BA7DA}" presName="parentText" presStyleLbl="node1" presStyleIdx="2" presStyleCnt="3" custLinFactNeighborY="-39194">
+      <dgm:prSet presAssocID="{1B9389F6-23AE-49A8-B257-9AC2493BA7DA}" presName="parentText" presStyleLbl="node1" presStyleIdx="3" presStyleCnt="4" custLinFactNeighborY="-39194">
         <dgm:presLayoutVars>
           <dgm:chMax val="0"/>
           <dgm:bulletEnabled val="1"/>
@@ -3215,7 +3413,7 @@
       <dgm:spPr/>
     </dgm:pt>
     <dgm:pt modelId="{59718E81-0315-4E70-A8A3-5506A202C03A}" type="pres">
-      <dgm:prSet presAssocID="{1B9389F6-23AE-49A8-B257-9AC2493BA7DA}" presName="childText" presStyleLbl="revTx" presStyleIdx="2" presStyleCnt="3" custScaleY="77384" custLinFactNeighborY="-28710">
+      <dgm:prSet presAssocID="{1B9389F6-23AE-49A8-B257-9AC2493BA7DA}" presName="childText" presStyleLbl="revTx" presStyleIdx="3" presStyleCnt="4" custScaleY="77384" custLinFactNeighborY="-28710">
         <dgm:presLayoutVars>
           <dgm:bulletEnabled val="1"/>
         </dgm:presLayoutVars>
@@ -3224,35 +3422,47 @@
     </dgm:pt>
   </dgm:ptLst>
   <dgm:cxnLst>
+    <dgm:cxn modelId="{D61B9205-7120-40F2-A4D9-D371471921FC}" type="presOf" srcId="{E1F9CA9A-B875-40F0-A49B-A9DDAC27AB92}" destId="{1E4D186B-628A-4E01-A210-578940BA839A}" srcOrd="0" destOrd="1" presId="urn:microsoft.com/office/officeart/2005/8/layout/vList2"/>
     <dgm:cxn modelId="{A2C09709-79D0-43BF-A9B8-E24C1E7E9E4E}" type="presOf" srcId="{9E8D9C5B-409B-49FB-88A6-1E96D8F2B9D7}" destId="{A03A1B87-6FD7-4E7F-A923-9D1211FF7B21}" srcOrd="0" destOrd="3" presId="urn:microsoft.com/office/officeart/2005/8/layout/vList2"/>
     <dgm:cxn modelId="{0858AF0E-957B-42B4-A3A1-677877874FCF}" srcId="{3FC219D5-36C6-4D29-9147-F31D579B2979}" destId="{6A13B10C-8AB5-453C-B245-61E4B4AA25DF}" srcOrd="2" destOrd="0" parTransId="{D42633B0-E4FB-4FBA-9BBC-13E3DDB74A7E}" sibTransId="{2CD6064D-C9FD-4831-A8A4-C3A39EC6DAB3}"/>
+    <dgm:cxn modelId="{31200810-D5A9-42BA-9E9E-D8FC278DE77C}" srcId="{4159C49C-D974-4E2A-AB5D-D838049258A5}" destId="{82952D24-6991-4B0D-8A81-C3B35BA74A4A}" srcOrd="0" destOrd="0" parTransId="{80B68F74-6E88-46B1-A878-5461A8EA4AB1}" sibTransId="{139848D7-65CF-406A-9343-ABC065DA7944}"/>
+    <dgm:cxn modelId="{DA3C9313-2353-4BFF-81C9-B00492C960D6}" type="presOf" srcId="{82952D24-6991-4B0D-8A81-C3B35BA74A4A}" destId="{1E4D186B-628A-4E01-A210-578940BA839A}" srcOrd="0" destOrd="0" presId="urn:microsoft.com/office/officeart/2005/8/layout/vList2"/>
     <dgm:cxn modelId="{25C7D213-13E7-4973-82EA-CDB59ED2E7F9}" srcId="{1B9389F6-23AE-49A8-B257-9AC2493BA7DA}" destId="{1A5EC2BB-6C58-4428-8283-E9E718E8028C}" srcOrd="0" destOrd="0" parTransId="{44B68EC2-3DB1-46C1-84DC-5979F9FD2CFC}" sibTransId="{C5E799A0-F29A-4A54-8807-CBEEE28BC358}"/>
     <dgm:cxn modelId="{AEBB1C1A-39FF-4467-9E18-51D0D2D11647}" type="presOf" srcId="{F33186A5-E036-4DC6-805E-49EBBE4588D1}" destId="{A39E1E06-812B-4F63-B86D-892075F7A0E6}" srcOrd="0" destOrd="0" presId="urn:microsoft.com/office/officeart/2005/8/layout/vList2"/>
     <dgm:cxn modelId="{FF06903A-EA07-4253-8985-F783725DEAF3}" type="presOf" srcId="{1B9389F6-23AE-49A8-B257-9AC2493BA7DA}" destId="{17C17339-F648-4484-8B8B-DD6DE4797979}" srcOrd="0" destOrd="0" presId="urn:microsoft.com/office/officeart/2005/8/layout/vList2"/>
     <dgm:cxn modelId="{B759E33D-CEAE-4828-948C-7FC8E33FD382}" srcId="{3FC219D5-36C6-4D29-9147-F31D579B2979}" destId="{D06018F6-42D5-4F3B-A02C-840A6F1EAC96}" srcOrd="0" destOrd="0" parTransId="{81AA950F-825D-4139-BEA7-B9F266072C04}" sibTransId="{E7AF2BFF-7D3F-42D4-8AEE-EEFB6E163F10}"/>
+    <dgm:cxn modelId="{AC25D93F-6BAF-4E41-905B-28390B495560}" type="presOf" srcId="{4159C49C-D974-4E2A-AB5D-D838049258A5}" destId="{62DDB0FC-6E1B-4D97-87A2-88E062C2D652}" srcOrd="0" destOrd="0" presId="urn:microsoft.com/office/officeart/2005/8/layout/vList2"/>
     <dgm:cxn modelId="{71C7885C-64E1-4285-BB4E-EC6CC1F4E78C}" type="presOf" srcId="{3FC219D5-36C6-4D29-9147-F31D579B2979}" destId="{8F244945-30F2-442E-99B5-0E6BFD9112D6}" srcOrd="0" destOrd="0" presId="urn:microsoft.com/office/officeart/2005/8/layout/vList2"/>
     <dgm:cxn modelId="{43076563-26E0-43A8-B75A-C13665AB035D}" type="presOf" srcId="{1A5EC2BB-6C58-4428-8283-E9E718E8028C}" destId="{59718E81-0315-4E70-A8A3-5506A202C03A}" srcOrd="0" destOrd="0" presId="urn:microsoft.com/office/officeart/2005/8/layout/vList2"/>
+    <dgm:cxn modelId="{565BBA64-5F46-4899-81D2-C334A80C3867}" type="presOf" srcId="{571D769B-41DB-4112-A21C-546E6F52B178}" destId="{1E4D186B-628A-4E01-A210-578940BA839A}" srcOrd="0" destOrd="3" presId="urn:microsoft.com/office/officeart/2005/8/layout/vList2"/>
     <dgm:cxn modelId="{6BBF4645-B305-4ADA-8F48-494A8AC0AF48}" type="presOf" srcId="{154BA7BF-16A1-4A3D-B2A2-79E738F8D0CC}" destId="{A03A1B87-6FD7-4E7F-A923-9D1211FF7B21}" srcOrd="0" destOrd="1" presId="urn:microsoft.com/office/officeart/2005/8/layout/vList2"/>
     <dgm:cxn modelId="{F11F0867-59EB-4712-9DB0-A58CA5630E75}" srcId="{87A98656-67AE-442D-9A5C-074A48062257}" destId="{3FC219D5-36C6-4D29-9147-F31D579B2979}" srcOrd="0" destOrd="0" parTransId="{C4A017E9-E9AD-4224-B7FC-F97FE35DEA1A}" sibTransId="{D1537584-1495-4907-87E3-FEA9A220DA1C}"/>
+    <dgm:cxn modelId="{90DF2747-24B5-472B-9AED-EA9CCB5B942C}" type="presOf" srcId="{4A8A3B1F-FB3D-4DAF-96F1-8A3B15695F7C}" destId="{1E4D186B-628A-4E01-A210-578940BA839A}" srcOrd="0" destOrd="2" presId="urn:microsoft.com/office/officeart/2005/8/layout/vList2"/>
     <dgm:cxn modelId="{7EF27468-EF73-4D66-A714-286E3A9FD047}" type="presOf" srcId="{4CDDD3C5-0301-42AF-8D8E-B13C821A28CB}" destId="{A39E1E06-812B-4F63-B86D-892075F7A0E6}" srcOrd="0" destOrd="1" presId="urn:microsoft.com/office/officeart/2005/8/layout/vList2"/>
+    <dgm:cxn modelId="{C117C769-67D8-4AAE-B940-FAD196882681}" srcId="{87A98656-67AE-442D-9A5C-074A48062257}" destId="{4159C49C-D974-4E2A-AB5D-D838049258A5}" srcOrd="1" destOrd="0" parTransId="{37A535E4-6779-48D8-94EB-A34D616F7DC3}" sibTransId="{0C240677-E6F2-4473-A9A2-BE93F002E112}"/>
     <dgm:cxn modelId="{BB0D304A-6FC1-469E-A6E0-F4D9699221DE}" srcId="{934BA7DA-09DE-4BEB-9A23-5A98B0836BB0}" destId="{A6A9F76A-71E4-4A15-9E87-7F75D75B93AA}" srcOrd="2" destOrd="0" parTransId="{80524295-3BF2-46CB-BC6A-630F4F063FF7}" sibTransId="{B08AC38F-4895-4DDD-AD85-472ACAEEA76D}"/>
     <dgm:cxn modelId="{2413E251-24A6-487D-8C05-758C4C4FF110}" type="presOf" srcId="{A6A9F76A-71E4-4A15-9E87-7F75D75B93AA}" destId="{A39E1E06-812B-4F63-B86D-892075F7A0E6}" srcOrd="0" destOrd="2" presId="urn:microsoft.com/office/officeart/2005/8/layout/vList2"/>
+    <dgm:cxn modelId="{C640B556-9B58-4D7D-A50A-BC917B21A68E}" srcId="{4159C49C-D974-4E2A-AB5D-D838049258A5}" destId="{E1F9CA9A-B875-40F0-A49B-A9DDAC27AB92}" srcOrd="1" destOrd="0" parTransId="{6E065C5D-1140-46FB-8204-45B8120C46D2}" sibTransId="{2E290B67-3B89-4866-83C7-367C1802019D}"/>
     <dgm:cxn modelId="{38C07289-477B-446C-885F-0ECE724D8AC3}" type="presOf" srcId="{87A98656-67AE-442D-9A5C-074A48062257}" destId="{5436245F-BE67-4F65-915C-8F483857E933}" srcOrd="0" destOrd="0" presId="urn:microsoft.com/office/officeart/2005/8/layout/vList2"/>
     <dgm:cxn modelId="{1A391A8B-311A-4BD3-803C-61AA0D232339}" srcId="{3FC219D5-36C6-4D29-9147-F31D579B2979}" destId="{154BA7BF-16A1-4A3D-B2A2-79E738F8D0CC}" srcOrd="1" destOrd="0" parTransId="{A5BA7F60-0DCC-4405-B030-281CE2440072}" sibTransId="{E38B4AE9-F51E-4ECC-BD61-8BFCD140AFC7}"/>
     <dgm:cxn modelId="{EE2F0896-FD22-4ED9-BC78-AE506A89B433}" type="presOf" srcId="{934BA7DA-09DE-4BEB-9A23-5A98B0836BB0}" destId="{CB0C1EB8-E656-471F-93BB-D99A38F9A6E6}" srcOrd="0" destOrd="0" presId="urn:microsoft.com/office/officeart/2005/8/layout/vList2"/>
     <dgm:cxn modelId="{E25566AF-10D5-45D0-ACEA-A27889848EB7}" type="presOf" srcId="{6A13B10C-8AB5-453C-B245-61E4B4AA25DF}" destId="{A03A1B87-6FD7-4E7F-A923-9D1211FF7B21}" srcOrd="0" destOrd="2" presId="urn:microsoft.com/office/officeart/2005/8/layout/vList2"/>
-    <dgm:cxn modelId="{2B9ADBBB-2848-45A0-9947-F68E36944440}" srcId="{87A98656-67AE-442D-9A5C-074A48062257}" destId="{934BA7DA-09DE-4BEB-9A23-5A98B0836BB0}" srcOrd="1" destOrd="0" parTransId="{91237A01-09DC-449C-B7CE-6DA4927A997F}" sibTransId="{3C6B61C7-BFF4-4198-8801-4164D6F447B6}"/>
-    <dgm:cxn modelId="{04A865BE-A27C-4073-9648-F9ADAAAAB0FF}" srcId="{87A98656-67AE-442D-9A5C-074A48062257}" destId="{1B9389F6-23AE-49A8-B257-9AC2493BA7DA}" srcOrd="2" destOrd="0" parTransId="{E0AB5000-E03C-41A0-89FB-10BDB997AAF2}" sibTransId="{8FFC00F5-667D-441B-AC0A-2B01AA29FDB8}"/>
+    <dgm:cxn modelId="{2B9ADBBB-2848-45A0-9947-F68E36944440}" srcId="{87A98656-67AE-442D-9A5C-074A48062257}" destId="{934BA7DA-09DE-4BEB-9A23-5A98B0836BB0}" srcOrd="2" destOrd="0" parTransId="{91237A01-09DC-449C-B7CE-6DA4927A997F}" sibTransId="{3C6B61C7-BFF4-4198-8801-4164D6F447B6}"/>
+    <dgm:cxn modelId="{04A865BE-A27C-4073-9648-F9ADAAAAB0FF}" srcId="{87A98656-67AE-442D-9A5C-074A48062257}" destId="{1B9389F6-23AE-49A8-B257-9AC2493BA7DA}" srcOrd="3" destOrd="0" parTransId="{E0AB5000-E03C-41A0-89FB-10BDB997AAF2}" sibTransId="{8FFC00F5-667D-441B-AC0A-2B01AA29FDB8}"/>
+    <dgm:cxn modelId="{81C4BDC8-D2D6-46D8-BD49-9D4016ADDD95}" srcId="{4159C49C-D974-4E2A-AB5D-D838049258A5}" destId="{571D769B-41DB-4112-A21C-546E6F52B178}" srcOrd="3" destOrd="0" parTransId="{F195137E-AFAB-41D1-8FEF-0F6B22C14C3E}" sibTransId="{88EB697D-DE0F-472D-B373-79CF2FBFEC43}"/>
     <dgm:cxn modelId="{96D886E6-8890-4052-8941-8A9AC9E144F1}" srcId="{3FC219D5-36C6-4D29-9147-F31D579B2979}" destId="{9E8D9C5B-409B-49FB-88A6-1E96D8F2B9D7}" srcOrd="3" destOrd="0" parTransId="{91922C7A-7DDC-452B-8CA6-2A63EB80B4F9}" sibTransId="{96C3D2C6-0682-4173-831A-C36E1A14E53A}"/>
     <dgm:cxn modelId="{64B411E9-417C-46FF-8F62-1EF2B14DB5D1}" type="presOf" srcId="{D06018F6-42D5-4F3B-A02C-840A6F1EAC96}" destId="{A03A1B87-6FD7-4E7F-A923-9D1211FF7B21}" srcOrd="0" destOrd="0" presId="urn:microsoft.com/office/officeart/2005/8/layout/vList2"/>
     <dgm:cxn modelId="{710E43E9-EC43-4257-A396-5720998FEF7B}" srcId="{934BA7DA-09DE-4BEB-9A23-5A98B0836BB0}" destId="{4CDDD3C5-0301-42AF-8D8E-B13C821A28CB}" srcOrd="1" destOrd="0" parTransId="{1B577DCF-0C79-4B1B-BFB8-13D6E9745B17}" sibTransId="{751C62BE-673D-49DA-9430-B76AB1C52355}"/>
     <dgm:cxn modelId="{FE28A1F6-85E6-4229-8EFD-8F83105A8E9C}" srcId="{934BA7DA-09DE-4BEB-9A23-5A98B0836BB0}" destId="{F33186A5-E036-4DC6-805E-49EBBE4588D1}" srcOrd="0" destOrd="0" parTransId="{FAD6D367-C790-45D4-ACDE-0A2CF8748F7C}" sibTransId="{A3B38D20-4439-4020-83EC-982CDF8693AF}"/>
+    <dgm:cxn modelId="{00115AFE-38F5-4DE1-BCFC-64276AC4B446}" srcId="{4159C49C-D974-4E2A-AB5D-D838049258A5}" destId="{4A8A3B1F-FB3D-4DAF-96F1-8A3B15695F7C}" srcOrd="2" destOrd="0" parTransId="{F9CBBD50-234A-4F80-A915-89B8B467CC16}" sibTransId="{56122E87-779D-421A-9739-3E517DA63629}"/>
     <dgm:cxn modelId="{4D381EF7-1496-4091-9714-CDDD9A44E2F7}" type="presParOf" srcId="{5436245F-BE67-4F65-915C-8F483857E933}" destId="{8F244945-30F2-442E-99B5-0E6BFD9112D6}" srcOrd="0" destOrd="0" presId="urn:microsoft.com/office/officeart/2005/8/layout/vList2"/>
     <dgm:cxn modelId="{8D94A108-A4F2-49C5-92F5-550049D490EF}" type="presParOf" srcId="{5436245F-BE67-4F65-915C-8F483857E933}" destId="{A03A1B87-6FD7-4E7F-A923-9D1211FF7B21}" srcOrd="1" destOrd="0" presId="urn:microsoft.com/office/officeart/2005/8/layout/vList2"/>
-    <dgm:cxn modelId="{D55E008F-5C6D-463C-85B8-E2380704FAF3}" type="presParOf" srcId="{5436245F-BE67-4F65-915C-8F483857E933}" destId="{CB0C1EB8-E656-471F-93BB-D99A38F9A6E6}" srcOrd="2" destOrd="0" presId="urn:microsoft.com/office/officeart/2005/8/layout/vList2"/>
-    <dgm:cxn modelId="{ED9FF760-B2B4-4E5A-9B35-C76AAB4EC67A}" type="presParOf" srcId="{5436245F-BE67-4F65-915C-8F483857E933}" destId="{A39E1E06-812B-4F63-B86D-892075F7A0E6}" srcOrd="3" destOrd="0" presId="urn:microsoft.com/office/officeart/2005/8/layout/vList2"/>
-    <dgm:cxn modelId="{77BD2B34-1E76-45C2-9064-271B8480D17A}" type="presParOf" srcId="{5436245F-BE67-4F65-915C-8F483857E933}" destId="{17C17339-F648-4484-8B8B-DD6DE4797979}" srcOrd="4" destOrd="0" presId="urn:microsoft.com/office/officeart/2005/8/layout/vList2"/>
-    <dgm:cxn modelId="{33587681-C403-4E26-83F4-4559F3899F59}" type="presParOf" srcId="{5436245F-BE67-4F65-915C-8F483857E933}" destId="{59718E81-0315-4E70-A8A3-5506A202C03A}" srcOrd="5" destOrd="0" presId="urn:microsoft.com/office/officeart/2005/8/layout/vList2"/>
+    <dgm:cxn modelId="{0392A2C6-E2BD-4A41-B571-23F2A4F53FEF}" type="presParOf" srcId="{5436245F-BE67-4F65-915C-8F483857E933}" destId="{62DDB0FC-6E1B-4D97-87A2-88E062C2D652}" srcOrd="2" destOrd="0" presId="urn:microsoft.com/office/officeart/2005/8/layout/vList2"/>
+    <dgm:cxn modelId="{E9488BBA-D7F8-4C34-940C-3F17E8DDF189}" type="presParOf" srcId="{5436245F-BE67-4F65-915C-8F483857E933}" destId="{1E4D186B-628A-4E01-A210-578940BA839A}" srcOrd="3" destOrd="0" presId="urn:microsoft.com/office/officeart/2005/8/layout/vList2"/>
+    <dgm:cxn modelId="{D55E008F-5C6D-463C-85B8-E2380704FAF3}" type="presParOf" srcId="{5436245F-BE67-4F65-915C-8F483857E933}" destId="{CB0C1EB8-E656-471F-93BB-D99A38F9A6E6}" srcOrd="4" destOrd="0" presId="urn:microsoft.com/office/officeart/2005/8/layout/vList2"/>
+    <dgm:cxn modelId="{ED9FF760-B2B4-4E5A-9B35-C76AAB4EC67A}" type="presParOf" srcId="{5436245F-BE67-4F65-915C-8F483857E933}" destId="{A39E1E06-812B-4F63-B86D-892075F7A0E6}" srcOrd="5" destOrd="0" presId="urn:microsoft.com/office/officeart/2005/8/layout/vList2"/>
+    <dgm:cxn modelId="{77BD2B34-1E76-45C2-9064-271B8480D17A}" type="presParOf" srcId="{5436245F-BE67-4F65-915C-8F483857E933}" destId="{17C17339-F648-4484-8B8B-DD6DE4797979}" srcOrd="6" destOrd="0" presId="urn:microsoft.com/office/officeart/2005/8/layout/vList2"/>
+    <dgm:cxn modelId="{33587681-C403-4E26-83F4-4559F3899F59}" type="presParOf" srcId="{5436245F-BE67-4F65-915C-8F483857E933}" destId="{59718E81-0315-4E70-A8A3-5506A202C03A}" srcOrd="7" destOrd="0" presId="urn:microsoft.com/office/officeart/2005/8/layout/vList2"/>
   </dgm:cxnLst>
   <dgm:bg/>
   <dgm:whole/>
@@ -4194,8 +4404,8 @@
       </dsp:nvSpPr>
       <dsp:spPr>
         <a:xfrm>
-          <a:off x="0" y="38673"/>
-          <a:ext cx="10896609" cy="585000"/>
+          <a:off x="0" y="68319"/>
+          <a:ext cx="10896609" cy="444600"/>
         </a:xfrm>
         <a:prstGeom prst="roundRect">
           <a:avLst/>
@@ -4237,12 +4447,12 @@
         </a:fontRef>
       </dsp:style>
       <dsp:txBody>
-        <a:bodyPr spcFirstLastPara="0" vert="horz" wrap="square" lIns="80010" tIns="80010" rIns="80010" bIns="80010" numCol="1" spcCol="1270" anchor="ctr" anchorCtr="0">
+        <a:bodyPr spcFirstLastPara="0" vert="horz" wrap="square" lIns="68580" tIns="68580" rIns="68580" bIns="68580" numCol="1" spcCol="1270" anchor="ctr" anchorCtr="0">
           <a:noAutofit/>
         </a:bodyPr>
         <a:lstStyle/>
         <a:p>
-          <a:pPr marL="0" lvl="0" indent="0" algn="l" defTabSz="933450">
+          <a:pPr marL="0" lvl="0" indent="0" algn="l" defTabSz="800100">
             <a:lnSpc>
               <a:spcPct val="90000"/>
             </a:lnSpc>
@@ -4255,14 +4465,14 @@
             <a:buNone/>
           </a:pPr>
           <a:r>
-            <a:rPr lang="de-DE" sz="2100" kern="1200" dirty="0"/>
+            <a:rPr lang="de-DE" sz="1800" kern="1200" dirty="0"/>
             <a:t>Datensatzart</a:t>
           </a:r>
         </a:p>
       </dsp:txBody>
       <dsp:txXfrm>
-        <a:off x="28557" y="67230"/>
-        <a:ext cx="10839495" cy="527886"/>
+        <a:off x="21704" y="90023"/>
+        <a:ext cx="10853201" cy="401192"/>
       </dsp:txXfrm>
     </dsp:sp>
     <dsp:sp modelId="{A03A1B87-6FD7-4E7F-A923-9D1211FF7B21}">
@@ -4272,8 +4482,8 @@
       </dsp:nvSpPr>
       <dsp:spPr>
         <a:xfrm>
-          <a:off x="0" y="695613"/>
-          <a:ext cx="10896609" cy="1293750"/>
+          <a:off x="0" y="567594"/>
+          <a:ext cx="10896609" cy="983250"/>
         </a:xfrm>
         <a:prstGeom prst="rect">
           <a:avLst/>
@@ -4297,12 +4507,12 @@
         <a:fontRef idx="minor"/>
       </dsp:style>
       <dsp:txBody>
-        <a:bodyPr spcFirstLastPara="0" vert="horz" wrap="square" lIns="345967" tIns="26670" rIns="149352" bIns="26670" numCol="1" spcCol="1270" anchor="t" anchorCtr="0">
+        <a:bodyPr spcFirstLastPara="0" vert="horz" wrap="square" lIns="345967" tIns="22860" rIns="128016" bIns="22860" numCol="1" spcCol="1270" anchor="t" anchorCtr="0">
           <a:noAutofit/>
         </a:bodyPr>
         <a:lstStyle/>
         <a:p>
-          <a:pPr marL="171450" lvl="1" indent="-171450" algn="l" defTabSz="711200">
+          <a:pPr marL="114300" lvl="1" indent="-114300" algn="l" defTabSz="622300">
             <a:lnSpc>
               <a:spcPct val="90000"/>
             </a:lnSpc>
@@ -4315,12 +4525,12 @@
             <a:buChar char="•"/>
           </a:pPr>
           <a:r>
-            <a:rPr lang="de-DE" sz="1600" kern="1200" dirty="0"/>
+            <a:rPr lang="de-DE" sz="1400" kern="1200" dirty="0"/>
             <a:t>Tabellarisch</a:t>
           </a:r>
         </a:p>
         <a:p>
-          <a:pPr marL="171450" lvl="1" indent="-171450" algn="l" defTabSz="711200">
+          <a:pPr marL="114300" lvl="1" indent="-114300" algn="l" defTabSz="622300">
             <a:lnSpc>
               <a:spcPct val="90000"/>
             </a:lnSpc>
@@ -4333,12 +4543,12 @@
             <a:buChar char="•"/>
           </a:pPr>
           <a:r>
-            <a:rPr lang="de-DE" sz="1600" kern="1200" dirty="0"/>
+            <a:rPr lang="de-DE" sz="1400" kern="1200" dirty="0"/>
             <a:t>NLP</a:t>
           </a:r>
         </a:p>
         <a:p>
-          <a:pPr marL="171450" lvl="1" indent="-171450" algn="l" defTabSz="711200">
+          <a:pPr marL="114300" lvl="1" indent="-114300" algn="l" defTabSz="622300">
             <a:lnSpc>
               <a:spcPct val="90000"/>
             </a:lnSpc>
@@ -4351,12 +4561,12 @@
             <a:buChar char="•"/>
           </a:pPr>
           <a:r>
-            <a:rPr lang="de-DE" sz="1600" kern="1200" dirty="0"/>
+            <a:rPr lang="de-DE" sz="1400" kern="1200" dirty="0"/>
             <a:t>Chatbot</a:t>
           </a:r>
         </a:p>
         <a:p>
-          <a:pPr marL="171450" lvl="1" indent="-171450" algn="l" defTabSz="711200">
+          <a:pPr marL="114300" lvl="1" indent="-114300" algn="l" defTabSz="622300">
             <a:lnSpc>
               <a:spcPct val="90000"/>
             </a:lnSpc>
@@ -4369,25 +4579,25 @@
             <a:buChar char="•"/>
           </a:pPr>
           <a:r>
-            <a:rPr lang="de-DE" sz="1600" kern="1200" dirty="0"/>
+            <a:rPr lang="de-DE" sz="1400" kern="1200" dirty="0"/>
             <a:t>Nicht konkret</a:t>
           </a:r>
         </a:p>
       </dsp:txBody>
       <dsp:txXfrm>
-        <a:off x="0" y="695613"/>
-        <a:ext cx="10896609" cy="1293750"/>
+        <a:off x="0" y="567594"/>
+        <a:ext cx="10896609" cy="983250"/>
       </dsp:txXfrm>
     </dsp:sp>
-    <dsp:sp modelId="{CB0C1EB8-E656-471F-93BB-D99A38F9A6E6}">
+    <dsp:sp modelId="{62DDB0FC-6E1B-4D97-87A2-88E062C2D652}">
       <dsp:nvSpPr>
         <dsp:cNvPr id="0" name=""/>
         <dsp:cNvSpPr/>
       </dsp:nvSpPr>
       <dsp:spPr>
         <a:xfrm>
-          <a:off x="0" y="1734195"/>
-          <a:ext cx="10896609" cy="585000"/>
+          <a:off x="0" y="1471696"/>
+          <a:ext cx="10896609" cy="444600"/>
         </a:xfrm>
         <a:prstGeom prst="roundRect">
           <a:avLst/>
@@ -4429,12 +4639,12 @@
         </a:fontRef>
       </dsp:style>
       <dsp:txBody>
-        <a:bodyPr spcFirstLastPara="0" vert="horz" wrap="square" lIns="80010" tIns="80010" rIns="80010" bIns="80010" numCol="1" spcCol="1270" anchor="ctr" anchorCtr="0">
+        <a:bodyPr spcFirstLastPara="0" vert="horz" wrap="square" lIns="68580" tIns="68580" rIns="68580" bIns="68580" numCol="1" spcCol="1270" anchor="ctr" anchorCtr="0">
           <a:noAutofit/>
         </a:bodyPr>
         <a:lstStyle/>
         <a:p>
-          <a:pPr marL="0" lvl="0" indent="0" algn="l" defTabSz="933450">
+          <a:pPr marL="0" lvl="0" indent="0" algn="l" defTabSz="800100">
             <a:lnSpc>
               <a:spcPct val="90000"/>
             </a:lnSpc>
@@ -4447,24 +4657,25 @@
             <a:buNone/>
           </a:pPr>
           <a:r>
-            <a:rPr lang="de-DE" sz="2100" kern="1200" dirty="0"/>
-            <a:t>Methoden</a:t>
+            <a:rPr lang="de-DE" sz="1800" kern="1200" dirty="0" err="1"/>
+            <a:t>Biasumgang</a:t>
           </a:r>
+          <a:endParaRPr lang="de-DE" sz="1800" kern="1200" dirty="0"/>
         </a:p>
       </dsp:txBody>
       <dsp:txXfrm>
-        <a:off x="28557" y="1762752"/>
-        <a:ext cx="10839495" cy="527886"/>
+        <a:off x="21704" y="1493400"/>
+        <a:ext cx="10853201" cy="401192"/>
       </dsp:txXfrm>
     </dsp:sp>
-    <dsp:sp modelId="{A39E1E06-812B-4F63-B86D-892075F7A0E6}">
+    <dsp:sp modelId="{1E4D186B-628A-4E01-A210-578940BA839A}">
       <dsp:nvSpPr>
         <dsp:cNvPr id="0" name=""/>
         <dsp:cNvSpPr/>
       </dsp:nvSpPr>
       <dsp:spPr>
         <a:xfrm>
-          <a:off x="0" y="2395576"/>
+          <a:off x="0" y="1916296"/>
           <a:ext cx="10896609" cy="983250"/>
         </a:xfrm>
         <a:prstGeom prst="rect">
@@ -4489,12 +4700,12 @@
         <a:fontRef idx="minor"/>
       </dsp:style>
       <dsp:txBody>
-        <a:bodyPr spcFirstLastPara="0" vert="horz" wrap="square" lIns="345967" tIns="26670" rIns="149352" bIns="26670" numCol="1" spcCol="1270" anchor="t" anchorCtr="0">
+        <a:bodyPr spcFirstLastPara="0" vert="horz" wrap="square" lIns="345967" tIns="22860" rIns="128016" bIns="22860" numCol="1" spcCol="1270" anchor="t" anchorCtr="0">
           <a:noAutofit/>
         </a:bodyPr>
         <a:lstStyle/>
         <a:p>
-          <a:pPr marL="171450" lvl="1" indent="-171450" algn="l" defTabSz="711200">
+          <a:pPr marL="114300" lvl="1" indent="-114300" algn="l" defTabSz="622300">
             <a:lnSpc>
               <a:spcPct val="90000"/>
             </a:lnSpc>
@@ -4507,12 +4718,12 @@
             <a:buChar char="•"/>
           </a:pPr>
           <a:r>
-            <a:rPr lang="de-DE" sz="1600" kern="1200" dirty="0"/>
-            <a:t>Berechnungen</a:t>
+            <a:rPr lang="de-DE" sz="1400" kern="1200" dirty="0"/>
+            <a:t>Eliminierung</a:t>
           </a:r>
         </a:p>
         <a:p>
-          <a:pPr marL="171450" lvl="1" indent="-171450" algn="l" defTabSz="711200">
+          <a:pPr marL="114300" lvl="1" indent="-114300" algn="l" defTabSz="622300">
             <a:lnSpc>
               <a:spcPct val="90000"/>
             </a:lnSpc>
@@ -4525,12 +4736,12 @@
             <a:buChar char="•"/>
           </a:pPr>
           <a:r>
-            <a:rPr lang="de-DE" sz="1600" kern="1200" dirty="0"/>
-            <a:t>(Pseudo-)Code</a:t>
+            <a:rPr lang="de-DE" sz="1400" kern="1200" dirty="0"/>
+            <a:t>Minderung</a:t>
           </a:r>
         </a:p>
         <a:p>
-          <a:pPr marL="171450" lvl="1" indent="-171450" algn="l" defTabSz="711200">
+          <a:pPr marL="114300" lvl="1" indent="-114300" algn="l" defTabSz="622300">
             <a:lnSpc>
               <a:spcPct val="90000"/>
             </a:lnSpc>
@@ -4543,25 +4754,43 @@
             <a:buChar char="•"/>
           </a:pPr>
           <a:r>
-            <a:rPr lang="de-DE" sz="1600" kern="1200" dirty="0"/>
-            <a:t>Ansätze</a:t>
+            <a:rPr lang="de-DE" sz="1400" kern="1200" dirty="0"/>
+            <a:t>Bestimmung</a:t>
+          </a:r>
+        </a:p>
+        <a:p>
+          <a:pPr marL="114300" lvl="1" indent="-114300" algn="l" defTabSz="622300">
+            <a:lnSpc>
+              <a:spcPct val="90000"/>
+            </a:lnSpc>
+            <a:spcBef>
+              <a:spcPct val="0"/>
+            </a:spcBef>
+            <a:spcAft>
+              <a:spcPct val="20000"/>
+            </a:spcAft>
+            <a:buChar char="•"/>
+          </a:pPr>
+          <a:r>
+            <a:rPr lang="de-DE" sz="1400" kern="1200" dirty="0"/>
+            <a:t>Findung</a:t>
           </a:r>
         </a:p>
       </dsp:txBody>
       <dsp:txXfrm>
-        <a:off x="0" y="2395576"/>
+        <a:off x="0" y="1916296"/>
         <a:ext cx="10896609" cy="983250"/>
       </dsp:txXfrm>
     </dsp:sp>
-    <dsp:sp modelId="{17C17339-F648-4484-8B8B-DD6DE4797979}">
+    <dsp:sp modelId="{CB0C1EB8-E656-471F-93BB-D99A38F9A6E6}">
       <dsp:nvSpPr>
         <dsp:cNvPr id="0" name=""/>
         <dsp:cNvSpPr/>
       </dsp:nvSpPr>
       <dsp:spPr>
         <a:xfrm>
-          <a:off x="0" y="3220218"/>
-          <a:ext cx="10896609" cy="585000"/>
+          <a:off x="0" y="2787786"/>
+          <a:ext cx="10896609" cy="444600"/>
         </a:xfrm>
         <a:prstGeom prst="roundRect">
           <a:avLst/>
@@ -4603,12 +4832,12 @@
         </a:fontRef>
       </dsp:style>
       <dsp:txBody>
-        <a:bodyPr spcFirstLastPara="0" vert="horz" wrap="square" lIns="80010" tIns="80010" rIns="80010" bIns="80010" numCol="1" spcCol="1270" anchor="ctr" anchorCtr="0">
+        <a:bodyPr spcFirstLastPara="0" vert="horz" wrap="square" lIns="68580" tIns="68580" rIns="68580" bIns="68580" numCol="1" spcCol="1270" anchor="ctr" anchorCtr="0">
           <a:noAutofit/>
         </a:bodyPr>
         <a:lstStyle/>
         <a:p>
-          <a:pPr marL="0" lvl="0" indent="0" algn="l" defTabSz="933450">
+          <a:pPr marL="0" lvl="0" indent="0" algn="l" defTabSz="800100">
             <a:lnSpc>
               <a:spcPct val="90000"/>
             </a:lnSpc>
@@ -4621,25 +4850,25 @@
             <a:buNone/>
           </a:pPr>
           <a:r>
-            <a:rPr lang="de-DE" sz="2100" kern="1200" dirty="0"/>
-            <a:t>Forschungsfrage</a:t>
+            <a:rPr lang="de-DE" sz="1800" kern="1200" dirty="0"/>
+            <a:t>Methoden</a:t>
           </a:r>
         </a:p>
       </dsp:txBody>
       <dsp:txXfrm>
-        <a:off x="28557" y="3248775"/>
-        <a:ext cx="10839495" cy="527886"/>
+        <a:off x="21704" y="2809490"/>
+        <a:ext cx="10853201" cy="401192"/>
       </dsp:txXfrm>
     </dsp:sp>
-    <dsp:sp modelId="{59718E81-0315-4E70-A8A3-5506A202C03A}">
+    <dsp:sp modelId="{A39E1E06-812B-4F63-B86D-892075F7A0E6}">
       <dsp:nvSpPr>
         <dsp:cNvPr id="0" name=""/>
         <dsp:cNvSpPr/>
       </dsp:nvSpPr>
       <dsp:spPr>
         <a:xfrm>
-          <a:off x="0" y="3870518"/>
-          <a:ext cx="10896609" cy="460531"/>
+          <a:off x="0" y="3287415"/>
+          <a:ext cx="10896609" cy="727605"/>
         </a:xfrm>
         <a:prstGeom prst="rect">
           <a:avLst/>
@@ -4663,12 +4892,12 @@
         <a:fontRef idx="minor"/>
       </dsp:style>
       <dsp:txBody>
-        <a:bodyPr spcFirstLastPara="0" vert="horz" wrap="square" lIns="345967" tIns="26670" rIns="149352" bIns="26670" numCol="1" spcCol="1270" anchor="t" anchorCtr="0">
+        <a:bodyPr spcFirstLastPara="0" vert="horz" wrap="square" lIns="345967" tIns="22860" rIns="128016" bIns="22860" numCol="1" spcCol="1270" anchor="t" anchorCtr="0">
           <a:noAutofit/>
         </a:bodyPr>
         <a:lstStyle/>
         <a:p>
-          <a:pPr marL="171450" lvl="1" indent="-171450" algn="l" defTabSz="711200">
+          <a:pPr marL="114300" lvl="1" indent="-114300" algn="l" defTabSz="622300">
             <a:lnSpc>
               <a:spcPct val="90000"/>
             </a:lnSpc>
@@ -4681,7 +4910,181 @@
             <a:buChar char="•"/>
           </a:pPr>
           <a:r>
-            <a:rPr kumimoji="0" lang="de-DE" sz="1600" b="0" i="0" u="none" strike="noStrike" kern="1200" cap="none" spc="0" normalizeH="0" baseline="0" noProof="0" dirty="0">
+            <a:rPr lang="de-DE" sz="1400" kern="1200" dirty="0"/>
+            <a:t>Berechnungen</a:t>
+          </a:r>
+        </a:p>
+        <a:p>
+          <a:pPr marL="114300" lvl="1" indent="-114300" algn="l" defTabSz="622300">
+            <a:lnSpc>
+              <a:spcPct val="90000"/>
+            </a:lnSpc>
+            <a:spcBef>
+              <a:spcPct val="0"/>
+            </a:spcBef>
+            <a:spcAft>
+              <a:spcPct val="20000"/>
+            </a:spcAft>
+            <a:buChar char="•"/>
+          </a:pPr>
+          <a:r>
+            <a:rPr lang="de-DE" sz="1400" kern="1200" dirty="0"/>
+            <a:t>(Pseudo-)Code</a:t>
+          </a:r>
+        </a:p>
+        <a:p>
+          <a:pPr marL="114300" lvl="1" indent="-114300" algn="l" defTabSz="622300">
+            <a:lnSpc>
+              <a:spcPct val="90000"/>
+            </a:lnSpc>
+            <a:spcBef>
+              <a:spcPct val="0"/>
+            </a:spcBef>
+            <a:spcAft>
+              <a:spcPct val="20000"/>
+            </a:spcAft>
+            <a:buChar char="•"/>
+          </a:pPr>
+          <a:r>
+            <a:rPr lang="de-DE" sz="1400" kern="1200" dirty="0"/>
+            <a:t>Ansätze</a:t>
+          </a:r>
+        </a:p>
+      </dsp:txBody>
+      <dsp:txXfrm>
+        <a:off x="0" y="3287415"/>
+        <a:ext cx="10896609" cy="727605"/>
+      </dsp:txXfrm>
+    </dsp:sp>
+    <dsp:sp modelId="{17C17339-F648-4484-8B8B-DD6DE4797979}">
+      <dsp:nvSpPr>
+        <dsp:cNvPr id="0" name=""/>
+        <dsp:cNvSpPr/>
+      </dsp:nvSpPr>
+      <dsp:spPr>
+        <a:xfrm>
+          <a:off x="0" y="3948431"/>
+          <a:ext cx="10896609" cy="444600"/>
+        </a:xfrm>
+        <a:prstGeom prst="roundRect">
+          <a:avLst/>
+        </a:prstGeom>
+        <a:solidFill>
+          <a:schemeClr val="dk2">
+            <a:hueOff val="0"/>
+            <a:satOff val="0"/>
+            <a:lumOff val="0"/>
+            <a:alphaOff val="0"/>
+          </a:schemeClr>
+        </a:solidFill>
+        <a:ln w="12700" cap="flat" cmpd="sng" algn="ctr">
+          <a:solidFill>
+            <a:schemeClr val="lt2">
+              <a:hueOff val="0"/>
+              <a:satOff val="0"/>
+              <a:lumOff val="0"/>
+              <a:alphaOff val="0"/>
+            </a:schemeClr>
+          </a:solidFill>
+          <a:prstDash val="solid"/>
+          <a:miter lim="800000"/>
+        </a:ln>
+        <a:effectLst/>
+      </dsp:spPr>
+      <dsp:style>
+        <a:lnRef idx="2">
+          <a:scrgbClr r="0" g="0" b="0"/>
+        </a:lnRef>
+        <a:fillRef idx="1">
+          <a:scrgbClr r="0" g="0" b="0"/>
+        </a:fillRef>
+        <a:effectRef idx="0">
+          <a:scrgbClr r="0" g="0" b="0"/>
+        </a:effectRef>
+        <a:fontRef idx="minor">
+          <a:schemeClr val="lt1"/>
+        </a:fontRef>
+      </dsp:style>
+      <dsp:txBody>
+        <a:bodyPr spcFirstLastPara="0" vert="horz" wrap="square" lIns="68580" tIns="68580" rIns="68580" bIns="68580" numCol="1" spcCol="1270" anchor="ctr" anchorCtr="0">
+          <a:noAutofit/>
+        </a:bodyPr>
+        <a:lstStyle/>
+        <a:p>
+          <a:pPr marL="0" lvl="0" indent="0" algn="l" defTabSz="800100">
+            <a:lnSpc>
+              <a:spcPct val="90000"/>
+            </a:lnSpc>
+            <a:spcBef>
+              <a:spcPct val="0"/>
+            </a:spcBef>
+            <a:spcAft>
+              <a:spcPct val="35000"/>
+            </a:spcAft>
+            <a:buNone/>
+          </a:pPr>
+          <a:r>
+            <a:rPr lang="de-DE" sz="1800" kern="1200" dirty="0"/>
+            <a:t>Forschungsfrage</a:t>
+          </a:r>
+        </a:p>
+      </dsp:txBody>
+      <dsp:txXfrm>
+        <a:off x="21704" y="3970135"/>
+        <a:ext cx="10853201" cy="401192"/>
+      </dsp:txXfrm>
+    </dsp:sp>
+    <dsp:sp modelId="{59718E81-0315-4E70-A8A3-5506A202C03A}">
+      <dsp:nvSpPr>
+        <dsp:cNvPr id="0" name=""/>
+        <dsp:cNvSpPr/>
+      </dsp:nvSpPr>
+      <dsp:spPr>
+        <a:xfrm>
+          <a:off x="0" y="4388706"/>
+          <a:ext cx="10896609" cy="243481"/>
+        </a:xfrm>
+        <a:prstGeom prst="rect">
+          <a:avLst/>
+        </a:prstGeom>
+        <a:noFill/>
+        <a:ln>
+          <a:noFill/>
+        </a:ln>
+        <a:effectLst/>
+      </dsp:spPr>
+      <dsp:style>
+        <a:lnRef idx="0">
+          <a:scrgbClr r="0" g="0" b="0"/>
+        </a:lnRef>
+        <a:fillRef idx="0">
+          <a:scrgbClr r="0" g="0" b="0"/>
+        </a:fillRef>
+        <a:effectRef idx="0">
+          <a:scrgbClr r="0" g="0" b="0"/>
+        </a:effectRef>
+        <a:fontRef idx="minor"/>
+      </dsp:style>
+      <dsp:txBody>
+        <a:bodyPr spcFirstLastPara="0" vert="horz" wrap="square" lIns="345967" tIns="22860" rIns="128016" bIns="22860" numCol="1" spcCol="1270" anchor="t" anchorCtr="0">
+          <a:noAutofit/>
+        </a:bodyPr>
+        <a:lstStyle/>
+        <a:p>
+          <a:pPr marL="114300" lvl="1" indent="-114300" algn="l" defTabSz="622300">
+            <a:lnSpc>
+              <a:spcPct val="90000"/>
+            </a:lnSpc>
+            <a:spcBef>
+              <a:spcPct val="0"/>
+            </a:spcBef>
+            <a:spcAft>
+              <a:spcPct val="20000"/>
+            </a:spcAft>
+            <a:buChar char="•"/>
+          </a:pPr>
+          <a:r>
+            <a:rPr kumimoji="0" lang="de-DE" sz="1400" b="0" i="0" u="none" strike="noStrike" kern="1200" cap="none" spc="0" normalizeH="0" baseline="0" noProof="0" dirty="0">
               <a:ln/>
               <a:effectLst/>
               <a:uLnTx/>
@@ -4692,12 +5095,12 @@
             </a:rPr>
             <a:t>„Ermittlung von Verzerrungen (Bias) und Quellen potenzieller Diskriminierung in tabellarischen Datensätzen“</a:t>
           </a:r>
-          <a:endParaRPr lang="de-DE" sz="1600" kern="1200" dirty="0"/>
+          <a:endParaRPr lang="de-DE" sz="1400" kern="1200" dirty="0"/>
         </a:p>
       </dsp:txBody>
       <dsp:txXfrm>
-        <a:off x="0" y="3870518"/>
-        <a:ext cx="10896609" cy="460531"/>
+        <a:off x="0" y="4388706"/>
+        <a:ext cx="10896609" cy="243481"/>
       </dsp:txXfrm>
     </dsp:sp>
   </dsp:spTree>
@@ -36864,14 +37267,14 @@
           <p:nvPr>
             <p:extLst>
               <p:ext uri="{D42A27DB-BD31-4B8C-83A1-F6EECF244321}">
-                <p14:modId xmlns:p14="http://schemas.microsoft.com/office/powerpoint/2010/main" val="1531429662"/>
+                <p14:modId xmlns:p14="http://schemas.microsoft.com/office/powerpoint/2010/main" val="1476283583"/>
               </p:ext>
             </p:extLst>
           </p:nvPr>
         </p:nvGraphicFramePr>
         <p:xfrm>
-          <a:off x="585489" y="1632857"/>
-          <a:ext cx="10896609" cy="4505476"/>
+          <a:off x="585489" y="1549746"/>
+          <a:ext cx="10896609" cy="4803679"/>
         </p:xfrm>
         <a:graphic>
           <a:graphicData uri="http://schemas.openxmlformats.org/drawingml/2006/diagram">

--- a/F-Seminar/Zwischenpräsentation.pptx
+++ b/F-Seminar/Zwischenpräsentation.pptx
@@ -2829,78 +2829,6 @@
         </a:p>
       </dgm:t>
     </dgm:pt>
-    <dgm:pt modelId="{154BA7BF-16A1-4A3D-B2A2-79E738F8D0CC}">
-      <dgm:prSet phldrT="[Text]"/>
-      <dgm:spPr/>
-      <dgm:t>
-        <a:bodyPr/>
-        <a:lstStyle/>
-        <a:p>
-          <a:r>
-            <a:rPr lang="de-DE" dirty="0"/>
-            <a:t>NLP</a:t>
-          </a:r>
-        </a:p>
-      </dgm:t>
-    </dgm:pt>
-    <dgm:pt modelId="{A5BA7F60-0DCC-4405-B030-281CE2440072}" type="parTrans" cxnId="{1A391A8B-311A-4BD3-803C-61AA0D232339}">
-      <dgm:prSet/>
-      <dgm:spPr/>
-      <dgm:t>
-        <a:bodyPr/>
-        <a:lstStyle/>
-        <a:p>
-          <a:endParaRPr lang="de-DE"/>
-        </a:p>
-      </dgm:t>
-    </dgm:pt>
-    <dgm:pt modelId="{E38B4AE9-F51E-4ECC-BD61-8BFCD140AFC7}" type="sibTrans" cxnId="{1A391A8B-311A-4BD3-803C-61AA0D232339}">
-      <dgm:prSet/>
-      <dgm:spPr/>
-      <dgm:t>
-        <a:bodyPr/>
-        <a:lstStyle/>
-        <a:p>
-          <a:endParaRPr lang="de-DE"/>
-        </a:p>
-      </dgm:t>
-    </dgm:pt>
-    <dgm:pt modelId="{6A13B10C-8AB5-453C-B245-61E4B4AA25DF}">
-      <dgm:prSet phldrT="[Text]"/>
-      <dgm:spPr/>
-      <dgm:t>
-        <a:bodyPr/>
-        <a:lstStyle/>
-        <a:p>
-          <a:r>
-            <a:rPr lang="de-DE" dirty="0"/>
-            <a:t>Chatbot</a:t>
-          </a:r>
-        </a:p>
-      </dgm:t>
-    </dgm:pt>
-    <dgm:pt modelId="{D42633B0-E4FB-4FBA-9BBC-13E3DDB74A7E}" type="parTrans" cxnId="{0858AF0E-957B-42B4-A3A1-677877874FCF}">
-      <dgm:prSet/>
-      <dgm:spPr/>
-      <dgm:t>
-        <a:bodyPr/>
-        <a:lstStyle/>
-        <a:p>
-          <a:endParaRPr lang="de-DE"/>
-        </a:p>
-      </dgm:t>
-    </dgm:pt>
-    <dgm:pt modelId="{2CD6064D-C9FD-4831-A8A4-C3A39EC6DAB3}" type="sibTrans" cxnId="{0858AF0E-957B-42B4-A3A1-677877874FCF}">
-      <dgm:prSet/>
-      <dgm:spPr/>
-      <dgm:t>
-        <a:bodyPr/>
-        <a:lstStyle/>
-        <a:p>
-          <a:endParaRPr lang="de-DE"/>
-        </a:p>
-      </dgm:t>
-    </dgm:pt>
     <dgm:pt modelId="{9E8D9C5B-409B-49FB-88A6-1E96D8F2B9D7}">
       <dgm:prSet phldrT="[Text]"/>
       <dgm:spPr/>
@@ -3362,7 +3290,7 @@
       <dgm:spPr/>
     </dgm:pt>
     <dgm:pt modelId="{A03A1B87-6FD7-4E7F-A923-9D1211FF7B21}" type="pres">
-      <dgm:prSet presAssocID="{3FC219D5-36C6-4D29-9147-F31D579B2979}" presName="childText" presStyleLbl="revTx" presStyleIdx="0" presStyleCnt="4" custLinFactNeighborY="17802">
+      <dgm:prSet presAssocID="{3FC219D5-36C6-4D29-9147-F31D579B2979}" presName="childText" presStyleLbl="revTx" presStyleIdx="0" presStyleCnt="4" custLinFactNeighborY="9267">
         <dgm:presLayoutVars>
           <dgm:bulletEnabled val="1"/>
         </dgm:presLayoutVars>
@@ -3370,7 +3298,7 @@
       <dgm:spPr/>
     </dgm:pt>
     <dgm:pt modelId="{62DDB0FC-6E1B-4D97-87A2-88E062C2D652}" type="pres">
-      <dgm:prSet presAssocID="{4159C49C-D974-4E2A-AB5D-D838049258A5}" presName="parentText" presStyleLbl="node1" presStyleIdx="1" presStyleCnt="4">
+      <dgm:prSet presAssocID="{4159C49C-D974-4E2A-AB5D-D838049258A5}" presName="parentText" presStyleLbl="node1" presStyleIdx="1" presStyleCnt="4" custLinFactNeighborY="804">
         <dgm:presLayoutVars>
           <dgm:chMax val="0"/>
           <dgm:bulletEnabled val="1"/>
@@ -3387,7 +3315,7 @@
       <dgm:spPr/>
     </dgm:pt>
     <dgm:pt modelId="{CB0C1EB8-E656-471F-93BB-D99A38F9A6E6}" type="pres">
-      <dgm:prSet presAssocID="{934BA7DA-09DE-4BEB-9A23-5A98B0836BB0}" presName="parentText" presStyleLbl="node1" presStyleIdx="2" presStyleCnt="4" custLinFactNeighborY="-15360">
+      <dgm:prSet presAssocID="{934BA7DA-09DE-4BEB-9A23-5A98B0836BB0}" presName="parentText" presStyleLbl="node1" presStyleIdx="2" presStyleCnt="4" custLinFactNeighborY="-4640">
         <dgm:presLayoutVars>
           <dgm:chMax val="0"/>
           <dgm:bulletEnabled val="1"/>
@@ -3396,7 +3324,7 @@
       <dgm:spPr/>
     </dgm:pt>
     <dgm:pt modelId="{A39E1E06-812B-4F63-B86D-892075F7A0E6}" type="pres">
-      <dgm:prSet presAssocID="{934BA7DA-09DE-4BEB-9A23-5A98B0836BB0}" presName="childText" presStyleLbl="revTx" presStyleIdx="2" presStyleCnt="4" custLinFactNeighborY="-12760">
+      <dgm:prSet presAssocID="{934BA7DA-09DE-4BEB-9A23-5A98B0836BB0}" presName="childText" presStyleLbl="revTx" presStyleIdx="2" presStyleCnt="4" custLinFactNeighborY="-11053">
         <dgm:presLayoutVars>
           <dgm:bulletEnabled val="1"/>
         </dgm:presLayoutVars>
@@ -3404,7 +3332,7 @@
       <dgm:spPr/>
     </dgm:pt>
     <dgm:pt modelId="{17C17339-F648-4484-8B8B-DD6DE4797979}" type="pres">
-      <dgm:prSet presAssocID="{1B9389F6-23AE-49A8-B257-9AC2493BA7DA}" presName="parentText" presStyleLbl="node1" presStyleIdx="3" presStyleCnt="4" custLinFactNeighborY="-39194">
+      <dgm:prSet presAssocID="{1B9389F6-23AE-49A8-B257-9AC2493BA7DA}" presName="parentText" presStyleLbl="node1" presStyleIdx="3" presStyleCnt="4" custLinFactNeighborY="-10250">
         <dgm:presLayoutVars>
           <dgm:chMax val="0"/>
           <dgm:bulletEnabled val="1"/>
@@ -3413,7 +3341,7 @@
       <dgm:spPr/>
     </dgm:pt>
     <dgm:pt modelId="{59718E81-0315-4E70-A8A3-5506A202C03A}" type="pres">
-      <dgm:prSet presAssocID="{1B9389F6-23AE-49A8-B257-9AC2493BA7DA}" presName="childText" presStyleLbl="revTx" presStyleIdx="3" presStyleCnt="4" custScaleY="77384" custLinFactNeighborY="-28710">
+      <dgm:prSet presAssocID="{1B9389F6-23AE-49A8-B257-9AC2493BA7DA}" presName="childText" presStyleLbl="revTx" presStyleIdx="3" presStyleCnt="4" custScaleY="77384" custLinFactNeighborY="-6519">
         <dgm:presLayoutVars>
           <dgm:bulletEnabled val="1"/>
         </dgm:presLayoutVars>
@@ -3423,8 +3351,7 @@
   </dgm:ptLst>
   <dgm:cxnLst>
     <dgm:cxn modelId="{D61B9205-7120-40F2-A4D9-D371471921FC}" type="presOf" srcId="{E1F9CA9A-B875-40F0-A49B-A9DDAC27AB92}" destId="{1E4D186B-628A-4E01-A210-578940BA839A}" srcOrd="0" destOrd="1" presId="urn:microsoft.com/office/officeart/2005/8/layout/vList2"/>
-    <dgm:cxn modelId="{A2C09709-79D0-43BF-A9B8-E24C1E7E9E4E}" type="presOf" srcId="{9E8D9C5B-409B-49FB-88A6-1E96D8F2B9D7}" destId="{A03A1B87-6FD7-4E7F-A923-9D1211FF7B21}" srcOrd="0" destOrd="3" presId="urn:microsoft.com/office/officeart/2005/8/layout/vList2"/>
-    <dgm:cxn modelId="{0858AF0E-957B-42B4-A3A1-677877874FCF}" srcId="{3FC219D5-36C6-4D29-9147-F31D579B2979}" destId="{6A13B10C-8AB5-453C-B245-61E4B4AA25DF}" srcOrd="2" destOrd="0" parTransId="{D42633B0-E4FB-4FBA-9BBC-13E3DDB74A7E}" sibTransId="{2CD6064D-C9FD-4831-A8A4-C3A39EC6DAB3}"/>
+    <dgm:cxn modelId="{A2C09709-79D0-43BF-A9B8-E24C1E7E9E4E}" type="presOf" srcId="{9E8D9C5B-409B-49FB-88A6-1E96D8F2B9D7}" destId="{A03A1B87-6FD7-4E7F-A923-9D1211FF7B21}" srcOrd="0" destOrd="1" presId="urn:microsoft.com/office/officeart/2005/8/layout/vList2"/>
     <dgm:cxn modelId="{31200810-D5A9-42BA-9E9E-D8FC278DE77C}" srcId="{4159C49C-D974-4E2A-AB5D-D838049258A5}" destId="{82952D24-6991-4B0D-8A81-C3B35BA74A4A}" srcOrd="0" destOrd="0" parTransId="{80B68F74-6E88-46B1-A878-5461A8EA4AB1}" sibTransId="{139848D7-65CF-406A-9343-ABC065DA7944}"/>
     <dgm:cxn modelId="{DA3C9313-2353-4BFF-81C9-B00492C960D6}" type="presOf" srcId="{82952D24-6991-4B0D-8A81-C3B35BA74A4A}" destId="{1E4D186B-628A-4E01-A210-578940BA839A}" srcOrd="0" destOrd="0" presId="urn:microsoft.com/office/officeart/2005/8/layout/vList2"/>
     <dgm:cxn modelId="{25C7D213-13E7-4973-82EA-CDB59ED2E7F9}" srcId="{1B9389F6-23AE-49A8-B257-9AC2493BA7DA}" destId="{1A5EC2BB-6C58-4428-8283-E9E718E8028C}" srcOrd="0" destOrd="0" parTransId="{44B68EC2-3DB1-46C1-84DC-5979F9FD2CFC}" sibTransId="{C5E799A0-F29A-4A54-8807-CBEEE28BC358}"/>
@@ -3435,7 +3362,6 @@
     <dgm:cxn modelId="{71C7885C-64E1-4285-BB4E-EC6CC1F4E78C}" type="presOf" srcId="{3FC219D5-36C6-4D29-9147-F31D579B2979}" destId="{8F244945-30F2-442E-99B5-0E6BFD9112D6}" srcOrd="0" destOrd="0" presId="urn:microsoft.com/office/officeart/2005/8/layout/vList2"/>
     <dgm:cxn modelId="{43076563-26E0-43A8-B75A-C13665AB035D}" type="presOf" srcId="{1A5EC2BB-6C58-4428-8283-E9E718E8028C}" destId="{59718E81-0315-4E70-A8A3-5506A202C03A}" srcOrd="0" destOrd="0" presId="urn:microsoft.com/office/officeart/2005/8/layout/vList2"/>
     <dgm:cxn modelId="{565BBA64-5F46-4899-81D2-C334A80C3867}" type="presOf" srcId="{571D769B-41DB-4112-A21C-546E6F52B178}" destId="{1E4D186B-628A-4E01-A210-578940BA839A}" srcOrd="0" destOrd="3" presId="urn:microsoft.com/office/officeart/2005/8/layout/vList2"/>
-    <dgm:cxn modelId="{6BBF4645-B305-4ADA-8F48-494A8AC0AF48}" type="presOf" srcId="{154BA7BF-16A1-4A3D-B2A2-79E738F8D0CC}" destId="{A03A1B87-6FD7-4E7F-A923-9D1211FF7B21}" srcOrd="0" destOrd="1" presId="urn:microsoft.com/office/officeart/2005/8/layout/vList2"/>
     <dgm:cxn modelId="{F11F0867-59EB-4712-9DB0-A58CA5630E75}" srcId="{87A98656-67AE-442D-9A5C-074A48062257}" destId="{3FC219D5-36C6-4D29-9147-F31D579B2979}" srcOrd="0" destOrd="0" parTransId="{C4A017E9-E9AD-4224-B7FC-F97FE35DEA1A}" sibTransId="{D1537584-1495-4907-87E3-FEA9A220DA1C}"/>
     <dgm:cxn modelId="{90DF2747-24B5-472B-9AED-EA9CCB5B942C}" type="presOf" srcId="{4A8A3B1F-FB3D-4DAF-96F1-8A3B15695F7C}" destId="{1E4D186B-628A-4E01-A210-578940BA839A}" srcOrd="0" destOrd="2" presId="urn:microsoft.com/office/officeart/2005/8/layout/vList2"/>
     <dgm:cxn modelId="{7EF27468-EF73-4D66-A714-286E3A9FD047}" type="presOf" srcId="{4CDDD3C5-0301-42AF-8D8E-B13C821A28CB}" destId="{A39E1E06-812B-4F63-B86D-892075F7A0E6}" srcOrd="0" destOrd="1" presId="urn:microsoft.com/office/officeart/2005/8/layout/vList2"/>
@@ -3444,13 +3370,11 @@
     <dgm:cxn modelId="{2413E251-24A6-487D-8C05-758C4C4FF110}" type="presOf" srcId="{A6A9F76A-71E4-4A15-9E87-7F75D75B93AA}" destId="{A39E1E06-812B-4F63-B86D-892075F7A0E6}" srcOrd="0" destOrd="2" presId="urn:microsoft.com/office/officeart/2005/8/layout/vList2"/>
     <dgm:cxn modelId="{C640B556-9B58-4D7D-A50A-BC917B21A68E}" srcId="{4159C49C-D974-4E2A-AB5D-D838049258A5}" destId="{E1F9CA9A-B875-40F0-A49B-A9DDAC27AB92}" srcOrd="1" destOrd="0" parTransId="{6E065C5D-1140-46FB-8204-45B8120C46D2}" sibTransId="{2E290B67-3B89-4866-83C7-367C1802019D}"/>
     <dgm:cxn modelId="{38C07289-477B-446C-885F-0ECE724D8AC3}" type="presOf" srcId="{87A98656-67AE-442D-9A5C-074A48062257}" destId="{5436245F-BE67-4F65-915C-8F483857E933}" srcOrd="0" destOrd="0" presId="urn:microsoft.com/office/officeart/2005/8/layout/vList2"/>
-    <dgm:cxn modelId="{1A391A8B-311A-4BD3-803C-61AA0D232339}" srcId="{3FC219D5-36C6-4D29-9147-F31D579B2979}" destId="{154BA7BF-16A1-4A3D-B2A2-79E738F8D0CC}" srcOrd="1" destOrd="0" parTransId="{A5BA7F60-0DCC-4405-B030-281CE2440072}" sibTransId="{E38B4AE9-F51E-4ECC-BD61-8BFCD140AFC7}"/>
     <dgm:cxn modelId="{EE2F0896-FD22-4ED9-BC78-AE506A89B433}" type="presOf" srcId="{934BA7DA-09DE-4BEB-9A23-5A98B0836BB0}" destId="{CB0C1EB8-E656-471F-93BB-D99A38F9A6E6}" srcOrd="0" destOrd="0" presId="urn:microsoft.com/office/officeart/2005/8/layout/vList2"/>
-    <dgm:cxn modelId="{E25566AF-10D5-45D0-ACEA-A27889848EB7}" type="presOf" srcId="{6A13B10C-8AB5-453C-B245-61E4B4AA25DF}" destId="{A03A1B87-6FD7-4E7F-A923-9D1211FF7B21}" srcOrd="0" destOrd="2" presId="urn:microsoft.com/office/officeart/2005/8/layout/vList2"/>
     <dgm:cxn modelId="{2B9ADBBB-2848-45A0-9947-F68E36944440}" srcId="{87A98656-67AE-442D-9A5C-074A48062257}" destId="{934BA7DA-09DE-4BEB-9A23-5A98B0836BB0}" srcOrd="2" destOrd="0" parTransId="{91237A01-09DC-449C-B7CE-6DA4927A997F}" sibTransId="{3C6B61C7-BFF4-4198-8801-4164D6F447B6}"/>
     <dgm:cxn modelId="{04A865BE-A27C-4073-9648-F9ADAAAAB0FF}" srcId="{87A98656-67AE-442D-9A5C-074A48062257}" destId="{1B9389F6-23AE-49A8-B257-9AC2493BA7DA}" srcOrd="3" destOrd="0" parTransId="{E0AB5000-E03C-41A0-89FB-10BDB997AAF2}" sibTransId="{8FFC00F5-667D-441B-AC0A-2B01AA29FDB8}"/>
     <dgm:cxn modelId="{81C4BDC8-D2D6-46D8-BD49-9D4016ADDD95}" srcId="{4159C49C-D974-4E2A-AB5D-D838049258A5}" destId="{571D769B-41DB-4112-A21C-546E6F52B178}" srcOrd="3" destOrd="0" parTransId="{F195137E-AFAB-41D1-8FEF-0F6B22C14C3E}" sibTransId="{88EB697D-DE0F-472D-B373-79CF2FBFEC43}"/>
-    <dgm:cxn modelId="{96D886E6-8890-4052-8941-8A9AC9E144F1}" srcId="{3FC219D5-36C6-4D29-9147-F31D579B2979}" destId="{9E8D9C5B-409B-49FB-88A6-1E96D8F2B9D7}" srcOrd="3" destOrd="0" parTransId="{91922C7A-7DDC-452B-8CA6-2A63EB80B4F9}" sibTransId="{96C3D2C6-0682-4173-831A-C36E1A14E53A}"/>
+    <dgm:cxn modelId="{96D886E6-8890-4052-8941-8A9AC9E144F1}" srcId="{3FC219D5-36C6-4D29-9147-F31D579B2979}" destId="{9E8D9C5B-409B-49FB-88A6-1E96D8F2B9D7}" srcOrd="1" destOrd="0" parTransId="{91922C7A-7DDC-452B-8CA6-2A63EB80B4F9}" sibTransId="{96C3D2C6-0682-4173-831A-C36E1A14E53A}"/>
     <dgm:cxn modelId="{64B411E9-417C-46FF-8F62-1EF2B14DB5D1}" type="presOf" srcId="{D06018F6-42D5-4F3B-A02C-840A6F1EAC96}" destId="{A03A1B87-6FD7-4E7F-A923-9D1211FF7B21}" srcOrd="0" destOrd="0" presId="urn:microsoft.com/office/officeart/2005/8/layout/vList2"/>
     <dgm:cxn modelId="{710E43E9-EC43-4257-A396-5720998FEF7B}" srcId="{934BA7DA-09DE-4BEB-9A23-5A98B0836BB0}" destId="{4CDDD3C5-0301-42AF-8D8E-B13C821A28CB}" srcOrd="1" destOrd="0" parTransId="{1B577DCF-0C79-4B1B-BFB8-13D6E9745B17}" sibTransId="{751C62BE-673D-49DA-9430-B76AB1C52355}"/>
     <dgm:cxn modelId="{FE28A1F6-85E6-4229-8EFD-8F83105A8E9C}" srcId="{934BA7DA-09DE-4BEB-9A23-5A98B0836BB0}" destId="{F33186A5-E036-4DC6-805E-49EBBE4588D1}" srcOrd="0" destOrd="0" parTransId="{FAD6D367-C790-45D4-ACDE-0A2CF8748F7C}" sibTransId="{A3B38D20-4439-4020-83EC-982CDF8693AF}"/>
@@ -4404,8 +4328,8 @@
       </dsp:nvSpPr>
       <dsp:spPr>
         <a:xfrm>
-          <a:off x="0" y="68319"/>
-          <a:ext cx="10896609" cy="444600"/>
+          <a:off x="0" y="123777"/>
+          <a:ext cx="10896609" cy="491399"/>
         </a:xfrm>
         <a:prstGeom prst="roundRect">
           <a:avLst/>
@@ -4447,12 +4371,12 @@
         </a:fontRef>
       </dsp:style>
       <dsp:txBody>
-        <a:bodyPr spcFirstLastPara="0" vert="horz" wrap="square" lIns="68580" tIns="68580" rIns="68580" bIns="68580" numCol="1" spcCol="1270" anchor="ctr" anchorCtr="0">
+        <a:bodyPr spcFirstLastPara="0" vert="horz" wrap="square" lIns="80010" tIns="80010" rIns="80010" bIns="80010" numCol="1" spcCol="1270" anchor="ctr" anchorCtr="0">
           <a:noAutofit/>
         </a:bodyPr>
         <a:lstStyle/>
         <a:p>
-          <a:pPr marL="0" lvl="0" indent="0" algn="l" defTabSz="800100">
+          <a:pPr marL="0" lvl="0" indent="0" algn="l" defTabSz="933450">
             <a:lnSpc>
               <a:spcPct val="90000"/>
             </a:lnSpc>
@@ -4465,14 +4389,14 @@
             <a:buNone/>
           </a:pPr>
           <a:r>
-            <a:rPr lang="de-DE" sz="1800" kern="1200" dirty="0"/>
+            <a:rPr lang="de-DE" sz="2100" kern="1200" dirty="0"/>
             <a:t>Datensatzart</a:t>
           </a:r>
         </a:p>
       </dsp:txBody>
       <dsp:txXfrm>
-        <a:off x="21704" y="90023"/>
-        <a:ext cx="10853201" cy="401192"/>
+        <a:off x="23988" y="147765"/>
+        <a:ext cx="10848633" cy="443423"/>
       </dsp:txXfrm>
     </dsp:sp>
     <dsp:sp modelId="{A03A1B87-6FD7-4E7F-A923-9D1211FF7B21}">
@@ -4482,8 +4406,8 @@
       </dsp:nvSpPr>
       <dsp:spPr>
         <a:xfrm>
-          <a:off x="0" y="567594"/>
-          <a:ext cx="10896609" cy="983250"/>
+          <a:off x="0" y="647732"/>
+          <a:ext cx="10896609" cy="521640"/>
         </a:xfrm>
         <a:prstGeom prst="rect">
           <a:avLst/>
@@ -4507,12 +4431,12 @@
         <a:fontRef idx="minor"/>
       </dsp:style>
       <dsp:txBody>
-        <a:bodyPr spcFirstLastPara="0" vert="horz" wrap="square" lIns="345967" tIns="22860" rIns="128016" bIns="22860" numCol="1" spcCol="1270" anchor="t" anchorCtr="0">
+        <a:bodyPr spcFirstLastPara="0" vert="horz" wrap="square" lIns="345967" tIns="26670" rIns="149352" bIns="26670" numCol="1" spcCol="1270" anchor="t" anchorCtr="0">
           <a:noAutofit/>
         </a:bodyPr>
         <a:lstStyle/>
         <a:p>
-          <a:pPr marL="114300" lvl="1" indent="-114300" algn="l" defTabSz="622300">
+          <a:pPr marL="171450" lvl="1" indent="-171450" algn="l" defTabSz="711200">
             <a:lnSpc>
               <a:spcPct val="90000"/>
             </a:lnSpc>
@@ -4525,12 +4449,12 @@
             <a:buChar char="•"/>
           </a:pPr>
           <a:r>
-            <a:rPr lang="de-DE" sz="1400" kern="1200" dirty="0"/>
+            <a:rPr lang="de-DE" sz="1600" kern="1200" dirty="0"/>
             <a:t>Tabellarisch</a:t>
           </a:r>
         </a:p>
         <a:p>
-          <a:pPr marL="114300" lvl="1" indent="-114300" algn="l" defTabSz="622300">
+          <a:pPr marL="171450" lvl="1" indent="-171450" algn="l" defTabSz="711200">
             <a:lnSpc>
               <a:spcPct val="90000"/>
             </a:lnSpc>
@@ -4543,50 +4467,14 @@
             <a:buChar char="•"/>
           </a:pPr>
           <a:r>
-            <a:rPr lang="de-DE" sz="1400" kern="1200" dirty="0"/>
-            <a:t>NLP</a:t>
-          </a:r>
-        </a:p>
-        <a:p>
-          <a:pPr marL="114300" lvl="1" indent="-114300" algn="l" defTabSz="622300">
-            <a:lnSpc>
-              <a:spcPct val="90000"/>
-            </a:lnSpc>
-            <a:spcBef>
-              <a:spcPct val="0"/>
-            </a:spcBef>
-            <a:spcAft>
-              <a:spcPct val="20000"/>
-            </a:spcAft>
-            <a:buChar char="•"/>
-          </a:pPr>
-          <a:r>
-            <a:rPr lang="de-DE" sz="1400" kern="1200" dirty="0"/>
-            <a:t>Chatbot</a:t>
-          </a:r>
-        </a:p>
-        <a:p>
-          <a:pPr marL="114300" lvl="1" indent="-114300" algn="l" defTabSz="622300">
-            <a:lnSpc>
-              <a:spcPct val="90000"/>
-            </a:lnSpc>
-            <a:spcBef>
-              <a:spcPct val="0"/>
-            </a:spcBef>
-            <a:spcAft>
-              <a:spcPct val="20000"/>
-            </a:spcAft>
-            <a:buChar char="•"/>
-          </a:pPr>
-          <a:r>
-            <a:rPr lang="de-DE" sz="1400" kern="1200" dirty="0"/>
+            <a:rPr lang="de-DE" sz="1600" kern="1200" dirty="0"/>
             <a:t>Nicht konkret</a:t>
           </a:r>
         </a:p>
       </dsp:txBody>
       <dsp:txXfrm>
-        <a:off x="0" y="567594"/>
-        <a:ext cx="10896609" cy="983250"/>
+        <a:off x="0" y="647732"/>
+        <a:ext cx="10896609" cy="521640"/>
       </dsp:txXfrm>
     </dsp:sp>
     <dsp:sp modelId="{62DDB0FC-6E1B-4D97-87A2-88E062C2D652}">
@@ -4596,8 +4484,8 @@
       </dsp:nvSpPr>
       <dsp:spPr>
         <a:xfrm>
-          <a:off x="0" y="1471696"/>
-          <a:ext cx="10896609" cy="444600"/>
+          <a:off x="0" y="1132222"/>
+          <a:ext cx="10896609" cy="491399"/>
         </a:xfrm>
         <a:prstGeom prst="roundRect">
           <a:avLst/>
@@ -4639,12 +4527,12 @@
         </a:fontRef>
       </dsp:style>
       <dsp:txBody>
-        <a:bodyPr spcFirstLastPara="0" vert="horz" wrap="square" lIns="68580" tIns="68580" rIns="68580" bIns="68580" numCol="1" spcCol="1270" anchor="ctr" anchorCtr="0">
+        <a:bodyPr spcFirstLastPara="0" vert="horz" wrap="square" lIns="80010" tIns="80010" rIns="80010" bIns="80010" numCol="1" spcCol="1270" anchor="ctr" anchorCtr="0">
           <a:noAutofit/>
         </a:bodyPr>
         <a:lstStyle/>
         <a:p>
-          <a:pPr marL="0" lvl="0" indent="0" algn="l" defTabSz="800100">
+          <a:pPr marL="0" lvl="0" indent="0" algn="l" defTabSz="933450">
             <a:lnSpc>
               <a:spcPct val="90000"/>
             </a:lnSpc>
@@ -4657,15 +4545,15 @@
             <a:buNone/>
           </a:pPr>
           <a:r>
-            <a:rPr lang="de-DE" sz="1800" kern="1200" dirty="0" err="1"/>
+            <a:rPr lang="de-DE" sz="2100" kern="1200" dirty="0" err="1"/>
             <a:t>Biasumgang</a:t>
           </a:r>
-          <a:endParaRPr lang="de-DE" sz="1800" kern="1200" dirty="0"/>
+          <a:endParaRPr lang="de-DE" sz="2100" kern="1200" dirty="0"/>
         </a:p>
       </dsp:txBody>
       <dsp:txXfrm>
-        <a:off x="21704" y="1493400"/>
-        <a:ext cx="10853201" cy="401192"/>
+        <a:off x="23988" y="1156210"/>
+        <a:ext cx="10848633" cy="443423"/>
       </dsp:txXfrm>
     </dsp:sp>
     <dsp:sp modelId="{1E4D186B-628A-4E01-A210-578940BA839A}">
@@ -4675,8 +4563,8 @@
       </dsp:nvSpPr>
       <dsp:spPr>
         <a:xfrm>
-          <a:off x="0" y="1916296"/>
-          <a:ext cx="10896609" cy="983250"/>
+          <a:off x="0" y="1615234"/>
+          <a:ext cx="10896609" cy="1043280"/>
         </a:xfrm>
         <a:prstGeom prst="rect">
           <a:avLst/>
@@ -4700,12 +4588,12 @@
         <a:fontRef idx="minor"/>
       </dsp:style>
       <dsp:txBody>
-        <a:bodyPr spcFirstLastPara="0" vert="horz" wrap="square" lIns="345967" tIns="22860" rIns="128016" bIns="22860" numCol="1" spcCol="1270" anchor="t" anchorCtr="0">
+        <a:bodyPr spcFirstLastPara="0" vert="horz" wrap="square" lIns="345967" tIns="26670" rIns="149352" bIns="26670" numCol="1" spcCol="1270" anchor="t" anchorCtr="0">
           <a:noAutofit/>
         </a:bodyPr>
         <a:lstStyle/>
         <a:p>
-          <a:pPr marL="114300" lvl="1" indent="-114300" algn="l" defTabSz="622300">
+          <a:pPr marL="171450" lvl="1" indent="-171450" algn="l" defTabSz="711200">
             <a:lnSpc>
               <a:spcPct val="90000"/>
             </a:lnSpc>
@@ -4718,12 +4606,12 @@
             <a:buChar char="•"/>
           </a:pPr>
           <a:r>
-            <a:rPr lang="de-DE" sz="1400" kern="1200" dirty="0"/>
+            <a:rPr lang="de-DE" sz="1600" kern="1200" dirty="0"/>
             <a:t>Eliminierung</a:t>
           </a:r>
         </a:p>
         <a:p>
-          <a:pPr marL="114300" lvl="1" indent="-114300" algn="l" defTabSz="622300">
+          <a:pPr marL="171450" lvl="1" indent="-171450" algn="l" defTabSz="711200">
             <a:lnSpc>
               <a:spcPct val="90000"/>
             </a:lnSpc>
@@ -4736,12 +4624,12 @@
             <a:buChar char="•"/>
           </a:pPr>
           <a:r>
-            <a:rPr lang="de-DE" sz="1400" kern="1200" dirty="0"/>
+            <a:rPr lang="de-DE" sz="1600" kern="1200" dirty="0"/>
             <a:t>Minderung</a:t>
           </a:r>
         </a:p>
         <a:p>
-          <a:pPr marL="114300" lvl="1" indent="-114300" algn="l" defTabSz="622300">
+          <a:pPr marL="171450" lvl="1" indent="-171450" algn="l" defTabSz="711200">
             <a:lnSpc>
               <a:spcPct val="90000"/>
             </a:lnSpc>
@@ -4754,12 +4642,12 @@
             <a:buChar char="•"/>
           </a:pPr>
           <a:r>
-            <a:rPr lang="de-DE" sz="1400" kern="1200" dirty="0"/>
+            <a:rPr lang="de-DE" sz="1600" kern="1200" dirty="0"/>
             <a:t>Bestimmung</a:t>
           </a:r>
         </a:p>
         <a:p>
-          <a:pPr marL="114300" lvl="1" indent="-114300" algn="l" defTabSz="622300">
+          <a:pPr marL="171450" lvl="1" indent="-171450" algn="l" defTabSz="711200">
             <a:lnSpc>
               <a:spcPct val="90000"/>
             </a:lnSpc>
@@ -4772,14 +4660,14 @@
             <a:buChar char="•"/>
           </a:pPr>
           <a:r>
-            <a:rPr lang="de-DE" sz="1400" kern="1200" dirty="0"/>
+            <a:rPr lang="de-DE" sz="1600" kern="1200" dirty="0"/>
             <a:t>Findung</a:t>
           </a:r>
         </a:p>
       </dsp:txBody>
       <dsp:txXfrm>
-        <a:off x="0" y="1916296"/>
-        <a:ext cx="10896609" cy="983250"/>
+        <a:off x="0" y="1615234"/>
+        <a:ext cx="10896609" cy="1043280"/>
       </dsp:txXfrm>
     </dsp:sp>
     <dsp:sp modelId="{CB0C1EB8-E656-471F-93BB-D99A38F9A6E6}">
@@ -4789,8 +4677,8 @@
       </dsp:nvSpPr>
       <dsp:spPr>
         <a:xfrm>
-          <a:off x="0" y="2787786"/>
-          <a:ext cx="10896609" cy="444600"/>
+          <a:off x="0" y="2622208"/>
+          <a:ext cx="10896609" cy="491399"/>
         </a:xfrm>
         <a:prstGeom prst="roundRect">
           <a:avLst/>
@@ -4832,12 +4720,12 @@
         </a:fontRef>
       </dsp:style>
       <dsp:txBody>
-        <a:bodyPr spcFirstLastPara="0" vert="horz" wrap="square" lIns="68580" tIns="68580" rIns="68580" bIns="68580" numCol="1" spcCol="1270" anchor="ctr" anchorCtr="0">
+        <a:bodyPr spcFirstLastPara="0" vert="horz" wrap="square" lIns="80010" tIns="80010" rIns="80010" bIns="80010" numCol="1" spcCol="1270" anchor="ctr" anchorCtr="0">
           <a:noAutofit/>
         </a:bodyPr>
         <a:lstStyle/>
         <a:p>
-          <a:pPr marL="0" lvl="0" indent="0" algn="l" defTabSz="800100">
+          <a:pPr marL="0" lvl="0" indent="0" algn="l" defTabSz="933450">
             <a:lnSpc>
               <a:spcPct val="90000"/>
             </a:lnSpc>
@@ -4850,14 +4738,14 @@
             <a:buNone/>
           </a:pPr>
           <a:r>
-            <a:rPr lang="de-DE" sz="1800" kern="1200" dirty="0"/>
+            <a:rPr lang="de-DE" sz="2100" kern="1200" dirty="0"/>
             <a:t>Methoden</a:t>
           </a:r>
         </a:p>
       </dsp:txBody>
       <dsp:txXfrm>
-        <a:off x="21704" y="2809490"/>
-        <a:ext cx="10853201" cy="401192"/>
+        <a:off x="23988" y="2646196"/>
+        <a:ext cx="10848633" cy="443423"/>
       </dsp:txXfrm>
     </dsp:sp>
     <dsp:sp modelId="{A39E1E06-812B-4F63-B86D-892075F7A0E6}">
@@ -4867,8 +4755,8 @@
       </dsp:nvSpPr>
       <dsp:spPr>
         <a:xfrm>
-          <a:off x="0" y="3287415"/>
-          <a:ext cx="10896609" cy="727605"/>
+          <a:off x="0" y="3095599"/>
+          <a:ext cx="10896609" cy="782460"/>
         </a:xfrm>
         <a:prstGeom prst="rect">
           <a:avLst/>
@@ -4892,12 +4780,12 @@
         <a:fontRef idx="minor"/>
       </dsp:style>
       <dsp:txBody>
-        <a:bodyPr spcFirstLastPara="0" vert="horz" wrap="square" lIns="345967" tIns="22860" rIns="128016" bIns="22860" numCol="1" spcCol="1270" anchor="t" anchorCtr="0">
+        <a:bodyPr spcFirstLastPara="0" vert="horz" wrap="square" lIns="345967" tIns="26670" rIns="149352" bIns="26670" numCol="1" spcCol="1270" anchor="t" anchorCtr="0">
           <a:noAutofit/>
         </a:bodyPr>
         <a:lstStyle/>
         <a:p>
-          <a:pPr marL="114300" lvl="1" indent="-114300" algn="l" defTabSz="622300">
+          <a:pPr marL="171450" lvl="1" indent="-171450" algn="l" defTabSz="711200">
             <a:lnSpc>
               <a:spcPct val="90000"/>
             </a:lnSpc>
@@ -4910,12 +4798,12 @@
             <a:buChar char="•"/>
           </a:pPr>
           <a:r>
-            <a:rPr lang="de-DE" sz="1400" kern="1200" dirty="0"/>
+            <a:rPr lang="de-DE" sz="1600" kern="1200" dirty="0"/>
             <a:t>Berechnungen</a:t>
           </a:r>
         </a:p>
         <a:p>
-          <a:pPr marL="114300" lvl="1" indent="-114300" algn="l" defTabSz="622300">
+          <a:pPr marL="171450" lvl="1" indent="-171450" algn="l" defTabSz="711200">
             <a:lnSpc>
               <a:spcPct val="90000"/>
             </a:lnSpc>
@@ -4928,12 +4816,12 @@
             <a:buChar char="•"/>
           </a:pPr>
           <a:r>
-            <a:rPr lang="de-DE" sz="1400" kern="1200" dirty="0"/>
+            <a:rPr lang="de-DE" sz="1600" kern="1200" dirty="0"/>
             <a:t>(Pseudo-)Code</a:t>
           </a:r>
         </a:p>
         <a:p>
-          <a:pPr marL="114300" lvl="1" indent="-114300" algn="l" defTabSz="622300">
+          <a:pPr marL="171450" lvl="1" indent="-171450" algn="l" defTabSz="711200">
             <a:lnSpc>
               <a:spcPct val="90000"/>
             </a:lnSpc>
@@ -4946,14 +4834,14 @@
             <a:buChar char="•"/>
           </a:pPr>
           <a:r>
-            <a:rPr lang="de-DE" sz="1400" kern="1200" dirty="0"/>
+            <a:rPr lang="de-DE" sz="1600" kern="1200" dirty="0"/>
             <a:t>Ansätze</a:t>
           </a:r>
         </a:p>
       </dsp:txBody>
       <dsp:txXfrm>
-        <a:off x="0" y="3287415"/>
-        <a:ext cx="10896609" cy="727605"/>
+        <a:off x="0" y="3095599"/>
+        <a:ext cx="10896609" cy="782460"/>
       </dsp:txXfrm>
     </dsp:sp>
     <dsp:sp modelId="{17C17339-F648-4484-8B8B-DD6DE4797979}">
@@ -4963,8 +4851,8 @@
       </dsp:nvSpPr>
       <dsp:spPr>
         <a:xfrm>
-          <a:off x="0" y="3948431"/>
-          <a:ext cx="10896609" cy="444600"/>
+          <a:off x="0" y="3896728"/>
+          <a:ext cx="10896609" cy="491399"/>
         </a:xfrm>
         <a:prstGeom prst="roundRect">
           <a:avLst/>
@@ -5006,12 +4894,12 @@
         </a:fontRef>
       </dsp:style>
       <dsp:txBody>
-        <a:bodyPr spcFirstLastPara="0" vert="horz" wrap="square" lIns="68580" tIns="68580" rIns="68580" bIns="68580" numCol="1" spcCol="1270" anchor="ctr" anchorCtr="0">
+        <a:bodyPr spcFirstLastPara="0" vert="horz" wrap="square" lIns="80010" tIns="80010" rIns="80010" bIns="80010" numCol="1" spcCol="1270" anchor="ctr" anchorCtr="0">
           <a:noAutofit/>
         </a:bodyPr>
         <a:lstStyle/>
         <a:p>
-          <a:pPr marL="0" lvl="0" indent="0" algn="l" defTabSz="800100">
+          <a:pPr marL="0" lvl="0" indent="0" algn="l" defTabSz="933450">
             <a:lnSpc>
               <a:spcPct val="90000"/>
             </a:lnSpc>
@@ -5024,14 +4912,14 @@
             <a:buNone/>
           </a:pPr>
           <a:r>
-            <a:rPr lang="de-DE" sz="1800" kern="1200" dirty="0"/>
+            <a:rPr lang="de-DE" sz="2100" kern="1200" dirty="0"/>
             <a:t>Forschungsfrage</a:t>
           </a:r>
         </a:p>
       </dsp:txBody>
       <dsp:txXfrm>
-        <a:off x="21704" y="3970135"/>
-        <a:ext cx="10853201" cy="401192"/>
+        <a:off x="23988" y="3920716"/>
+        <a:ext cx="10848633" cy="443423"/>
       </dsp:txXfrm>
     </dsp:sp>
     <dsp:sp modelId="{59718E81-0315-4E70-A8A3-5506A202C03A}">
@@ -5041,8 +4929,8 @@
       </dsp:nvSpPr>
       <dsp:spPr>
         <a:xfrm>
-          <a:off x="0" y="4388706"/>
-          <a:ext cx="10896609" cy="243481"/>
+          <a:off x="0" y="4391739"/>
+          <a:ext cx="10896609" cy="269110"/>
         </a:xfrm>
         <a:prstGeom prst="rect">
           <a:avLst/>
@@ -5066,12 +4954,12 @@
         <a:fontRef idx="minor"/>
       </dsp:style>
       <dsp:txBody>
-        <a:bodyPr spcFirstLastPara="0" vert="horz" wrap="square" lIns="345967" tIns="22860" rIns="128016" bIns="22860" numCol="1" spcCol="1270" anchor="t" anchorCtr="0">
+        <a:bodyPr spcFirstLastPara="0" vert="horz" wrap="square" lIns="345967" tIns="26670" rIns="149352" bIns="26670" numCol="1" spcCol="1270" anchor="t" anchorCtr="0">
           <a:noAutofit/>
         </a:bodyPr>
         <a:lstStyle/>
         <a:p>
-          <a:pPr marL="114300" lvl="1" indent="-114300" algn="l" defTabSz="622300">
+          <a:pPr marL="171450" lvl="1" indent="-171450" algn="l" defTabSz="711200">
             <a:lnSpc>
               <a:spcPct val="90000"/>
             </a:lnSpc>
@@ -5084,7 +4972,7 @@
             <a:buChar char="•"/>
           </a:pPr>
           <a:r>
-            <a:rPr kumimoji="0" lang="de-DE" sz="1400" b="0" i="0" u="none" strike="noStrike" kern="1200" cap="none" spc="0" normalizeH="0" baseline="0" noProof="0" dirty="0">
+            <a:rPr kumimoji="0" lang="de-DE" sz="1600" b="0" i="0" u="none" strike="noStrike" kern="1200" cap="none" spc="0" normalizeH="0" baseline="0" noProof="0" dirty="0">
               <a:ln/>
               <a:effectLst/>
               <a:uLnTx/>
@@ -5095,12 +4983,12 @@
             </a:rPr>
             <a:t>„Ermittlung von Verzerrungen (Bias) und Quellen potenzieller Diskriminierung in tabellarischen Datensätzen“</a:t>
           </a:r>
-          <a:endParaRPr lang="de-DE" sz="1400" kern="1200" dirty="0"/>
+          <a:endParaRPr lang="de-DE" sz="1600" kern="1200" dirty="0"/>
         </a:p>
       </dsp:txBody>
       <dsp:txXfrm>
-        <a:off x="0" y="4388706"/>
-        <a:ext cx="10896609" cy="243481"/>
+        <a:off x="0" y="4391739"/>
+        <a:ext cx="10896609" cy="269110"/>
       </dsp:txXfrm>
     </dsp:sp>
   </dsp:spTree>
@@ -37267,7 +37155,7 @@
           <p:nvPr>
             <p:extLst>
               <p:ext uri="{D42A27DB-BD31-4B8C-83A1-F6EECF244321}">
-                <p14:modId xmlns:p14="http://schemas.microsoft.com/office/powerpoint/2010/main" val="1476283583"/>
+                <p14:modId xmlns:p14="http://schemas.microsoft.com/office/powerpoint/2010/main" val="2784374241"/>
               </p:ext>
             </p:extLst>
           </p:nvPr>
@@ -42167,7 +42055,7 @@
 </file>
 
 <file path=ppt/slides/slide19.xml><?xml version="1.0" encoding="utf-8"?>
-<p:sld xmlns:a="http://schemas.openxmlformats.org/drawingml/2006/main" xmlns:r="http://schemas.openxmlformats.org/officeDocument/2006/relationships" xmlns:p="http://schemas.openxmlformats.org/presentationml/2006/main">
+<p:sld xmlns:a="http://schemas.openxmlformats.org/drawingml/2006/main" xmlns:r="http://schemas.openxmlformats.org/officeDocument/2006/relationships" xmlns:p="http://schemas.openxmlformats.org/presentationml/2006/main" show="0">
   <p:cSld>
     <p:spTree>
       <p:nvGrpSpPr>

--- a/F-Seminar/Zwischenpräsentation.pptx
+++ b/F-Seminar/Zwischenpräsentation.pptx
@@ -29,11 +29,11 @@
     <p:sldId id="438" r:id="rId17"/>
     <p:sldId id="436" r:id="rId18"/>
     <p:sldId id="437" r:id="rId19"/>
-    <p:sldId id="453" r:id="rId20"/>
-    <p:sldId id="445" r:id="rId21"/>
-    <p:sldId id="446" r:id="rId22"/>
-    <p:sldId id="447" r:id="rId23"/>
-    <p:sldId id="429" r:id="rId24"/>
+    <p:sldId id="445" r:id="rId20"/>
+    <p:sldId id="446" r:id="rId21"/>
+    <p:sldId id="447" r:id="rId22"/>
+    <p:sldId id="429" r:id="rId23"/>
+    <p:sldId id="454" r:id="rId24"/>
   </p:sldIdLst>
   <p:sldSz cx="12192000" cy="6858000"/>
   <p:notesSz cx="6858000" cy="9144000"/>
@@ -907,757 +907,6 @@
 </file>
 
 <file path=ppt/diagrams/colors2.xml><?xml version="1.0" encoding="utf-8"?>
-<dgm:colorsDef xmlns:dgm="http://schemas.openxmlformats.org/drawingml/2006/diagram" xmlns:a="http://schemas.openxmlformats.org/drawingml/2006/main" uniqueId="urn:microsoft.com/office/officeart/2005/8/colors/accent0_3">
-  <dgm:title val=""/>
-  <dgm:desc val=""/>
-  <dgm:catLst>
-    <dgm:cat type="mainScheme" pri="10300"/>
-  </dgm:catLst>
-  <dgm:styleLbl name="node0">
-    <dgm:fillClrLst meth="repeat">
-      <a:schemeClr val="dk2"/>
-    </dgm:fillClrLst>
-    <dgm:linClrLst meth="repeat">
-      <a:schemeClr val="lt2"/>
-    </dgm:linClrLst>
-    <dgm:effectClrLst/>
-    <dgm:txLinClrLst/>
-    <dgm:txFillClrLst/>
-    <dgm:txEffectClrLst/>
-  </dgm:styleLbl>
-  <dgm:styleLbl name="alignNode1">
-    <dgm:fillClrLst meth="repeat">
-      <a:schemeClr val="dk2"/>
-    </dgm:fillClrLst>
-    <dgm:linClrLst meth="repeat">
-      <a:schemeClr val="dk2"/>
-    </dgm:linClrLst>
-    <dgm:effectClrLst/>
-    <dgm:txLinClrLst/>
-    <dgm:txFillClrLst/>
-    <dgm:txEffectClrLst/>
-  </dgm:styleLbl>
-  <dgm:styleLbl name="node1">
-    <dgm:fillClrLst meth="repeat">
-      <a:schemeClr val="dk2"/>
-    </dgm:fillClrLst>
-    <dgm:linClrLst meth="repeat">
-      <a:schemeClr val="lt2"/>
-    </dgm:linClrLst>
-    <dgm:effectClrLst/>
-    <dgm:txLinClrLst/>
-    <dgm:txFillClrLst/>
-    <dgm:txEffectClrLst/>
-  </dgm:styleLbl>
-  <dgm:styleLbl name="lnNode1">
-    <dgm:fillClrLst meth="repeat">
-      <a:schemeClr val="dk2"/>
-    </dgm:fillClrLst>
-    <dgm:linClrLst meth="repeat">
-      <a:schemeClr val="lt2"/>
-    </dgm:linClrLst>
-    <dgm:effectClrLst/>
-    <dgm:txLinClrLst/>
-    <dgm:txFillClrLst/>
-    <dgm:txEffectClrLst/>
-  </dgm:styleLbl>
-  <dgm:styleLbl name="vennNode1">
-    <dgm:fillClrLst meth="repeat">
-      <a:schemeClr val="dk2">
-        <a:alpha val="50000"/>
-      </a:schemeClr>
-    </dgm:fillClrLst>
-    <dgm:linClrLst meth="repeat">
-      <a:schemeClr val="lt2"/>
-    </dgm:linClrLst>
-    <dgm:effectClrLst/>
-    <dgm:txLinClrLst/>
-    <dgm:txFillClrLst/>
-    <dgm:txEffectClrLst/>
-  </dgm:styleLbl>
-  <dgm:styleLbl name="node2">
-    <dgm:fillClrLst meth="repeat">
-      <a:schemeClr val="dk2"/>
-    </dgm:fillClrLst>
-    <dgm:linClrLst meth="repeat">
-      <a:schemeClr val="lt2"/>
-    </dgm:linClrLst>
-    <dgm:effectClrLst/>
-    <dgm:txLinClrLst/>
-    <dgm:txFillClrLst/>
-    <dgm:txEffectClrLst/>
-  </dgm:styleLbl>
-  <dgm:styleLbl name="node3">
-    <dgm:fillClrLst meth="repeat">
-      <a:schemeClr val="dk2"/>
-    </dgm:fillClrLst>
-    <dgm:linClrLst meth="repeat">
-      <a:schemeClr val="lt2"/>
-    </dgm:linClrLst>
-    <dgm:effectClrLst/>
-    <dgm:txLinClrLst/>
-    <dgm:txFillClrLst/>
-    <dgm:txEffectClrLst/>
-  </dgm:styleLbl>
-  <dgm:styleLbl name="node4">
-    <dgm:fillClrLst meth="repeat">
-      <a:schemeClr val="dk2"/>
-    </dgm:fillClrLst>
-    <dgm:linClrLst meth="repeat">
-      <a:schemeClr val="lt2"/>
-    </dgm:linClrLst>
-    <dgm:effectClrLst/>
-    <dgm:txLinClrLst/>
-    <dgm:txFillClrLst/>
-    <dgm:txEffectClrLst/>
-  </dgm:styleLbl>
-  <dgm:styleLbl name="fgImgPlace1">
-    <dgm:fillClrLst meth="repeat">
-      <a:schemeClr val="dk2">
-        <a:tint val="50000"/>
-      </a:schemeClr>
-    </dgm:fillClrLst>
-    <dgm:linClrLst meth="repeat">
-      <a:schemeClr val="lt2"/>
-    </dgm:linClrLst>
-    <dgm:effectClrLst/>
-    <dgm:txLinClrLst/>
-    <dgm:txFillClrLst meth="repeat">
-      <a:schemeClr val="lt2"/>
-    </dgm:txFillClrLst>
-    <dgm:txEffectClrLst/>
-  </dgm:styleLbl>
-  <dgm:styleLbl name="alignImgPlace1">
-    <dgm:fillClrLst meth="repeat">
-      <a:schemeClr val="dk2">
-        <a:tint val="50000"/>
-      </a:schemeClr>
-    </dgm:fillClrLst>
-    <dgm:linClrLst meth="repeat">
-      <a:schemeClr val="dk2">
-        <a:shade val="80000"/>
-      </a:schemeClr>
-    </dgm:linClrLst>
-    <dgm:effectClrLst/>
-    <dgm:txLinClrLst/>
-    <dgm:txFillClrLst meth="repeat">
-      <a:schemeClr val="lt2"/>
-    </dgm:txFillClrLst>
-    <dgm:txEffectClrLst/>
-  </dgm:styleLbl>
-  <dgm:styleLbl name="bgImgPlace1">
-    <dgm:fillClrLst meth="repeat">
-      <a:schemeClr val="dk2">
-        <a:tint val="50000"/>
-      </a:schemeClr>
-    </dgm:fillClrLst>
-    <dgm:linClrLst meth="repeat">
-      <a:schemeClr val="dk2">
-        <a:shade val="80000"/>
-      </a:schemeClr>
-    </dgm:linClrLst>
-    <dgm:effectClrLst/>
-    <dgm:txLinClrLst/>
-    <dgm:txFillClrLst meth="repeat">
-      <a:schemeClr val="lt2"/>
-    </dgm:txFillClrLst>
-    <dgm:txEffectClrLst/>
-  </dgm:styleLbl>
-  <dgm:styleLbl name="sibTrans2D1">
-    <dgm:fillClrLst meth="repeat">
-      <a:schemeClr val="dk2">
-        <a:tint val="60000"/>
-      </a:schemeClr>
-    </dgm:fillClrLst>
-    <dgm:linClrLst meth="repeat">
-      <a:schemeClr val="dk2">
-        <a:tint val="60000"/>
-      </a:schemeClr>
-    </dgm:linClrLst>
-    <dgm:effectClrLst/>
-    <dgm:txLinClrLst/>
-    <dgm:txFillClrLst/>
-    <dgm:txEffectClrLst/>
-  </dgm:styleLbl>
-  <dgm:styleLbl name="fgSibTrans2D1">
-    <dgm:fillClrLst meth="repeat">
-      <a:schemeClr val="dk2">
-        <a:tint val="60000"/>
-      </a:schemeClr>
-    </dgm:fillClrLst>
-    <dgm:linClrLst meth="repeat">
-      <a:schemeClr val="dk2">
-        <a:tint val="60000"/>
-      </a:schemeClr>
-    </dgm:linClrLst>
-    <dgm:effectClrLst/>
-    <dgm:txLinClrLst/>
-    <dgm:txFillClrLst/>
-    <dgm:txEffectClrLst/>
-  </dgm:styleLbl>
-  <dgm:styleLbl name="bgSibTrans2D1">
-    <dgm:fillClrLst meth="repeat">
-      <a:schemeClr val="dk2">
-        <a:tint val="60000"/>
-      </a:schemeClr>
-    </dgm:fillClrLst>
-    <dgm:linClrLst meth="repeat">
-      <a:schemeClr val="dk2">
-        <a:tint val="60000"/>
-      </a:schemeClr>
-    </dgm:linClrLst>
-    <dgm:effectClrLst/>
-    <dgm:txLinClrLst/>
-    <dgm:txFillClrLst/>
-    <dgm:txEffectClrLst/>
-  </dgm:styleLbl>
-  <dgm:styleLbl name="sibTrans1D1">
-    <dgm:fillClrLst meth="repeat">
-      <a:schemeClr val="dk2"/>
-    </dgm:fillClrLst>
-    <dgm:linClrLst meth="repeat">
-      <a:schemeClr val="dk2"/>
-    </dgm:linClrLst>
-    <dgm:effectClrLst/>
-    <dgm:txLinClrLst/>
-    <dgm:txFillClrLst meth="repeat">
-      <a:schemeClr val="lt2"/>
-    </dgm:txFillClrLst>
-    <dgm:txEffectClrLst/>
-  </dgm:styleLbl>
-  <dgm:styleLbl name="callout">
-    <dgm:fillClrLst meth="repeat">
-      <a:schemeClr val="dk2"/>
-    </dgm:fillClrLst>
-    <dgm:linClrLst meth="repeat">
-      <a:schemeClr val="dk2">
-        <a:tint val="50000"/>
-      </a:schemeClr>
-    </dgm:linClrLst>
-    <dgm:effectClrLst/>
-    <dgm:txLinClrLst/>
-    <dgm:txFillClrLst meth="repeat">
-      <a:schemeClr val="lt2"/>
-    </dgm:txFillClrLst>
-    <dgm:txEffectClrLst/>
-  </dgm:styleLbl>
-  <dgm:styleLbl name="asst0">
-    <dgm:fillClrLst meth="repeat">
-      <a:schemeClr val="dk2"/>
-    </dgm:fillClrLst>
-    <dgm:linClrLst meth="repeat">
-      <a:schemeClr val="lt2"/>
-    </dgm:linClrLst>
-    <dgm:effectClrLst/>
-    <dgm:txLinClrLst/>
-    <dgm:txFillClrLst/>
-    <dgm:txEffectClrLst/>
-  </dgm:styleLbl>
-  <dgm:styleLbl name="asst1">
-    <dgm:fillClrLst meth="repeat">
-      <a:schemeClr val="dk2"/>
-    </dgm:fillClrLst>
-    <dgm:linClrLst meth="repeat">
-      <a:schemeClr val="lt2"/>
-    </dgm:linClrLst>
-    <dgm:effectClrLst/>
-    <dgm:txLinClrLst/>
-    <dgm:txFillClrLst/>
-    <dgm:txEffectClrLst/>
-  </dgm:styleLbl>
-  <dgm:styleLbl name="asst2">
-    <dgm:fillClrLst meth="repeat">
-      <a:schemeClr val="dk2"/>
-    </dgm:fillClrLst>
-    <dgm:linClrLst meth="repeat">
-      <a:schemeClr val="lt2"/>
-    </dgm:linClrLst>
-    <dgm:effectClrLst/>
-    <dgm:txLinClrLst/>
-    <dgm:txFillClrLst/>
-    <dgm:txEffectClrLst/>
-  </dgm:styleLbl>
-  <dgm:styleLbl name="asst3">
-    <dgm:fillClrLst meth="repeat">
-      <a:schemeClr val="dk2"/>
-    </dgm:fillClrLst>
-    <dgm:linClrLst meth="repeat">
-      <a:schemeClr val="lt2"/>
-    </dgm:linClrLst>
-    <dgm:effectClrLst/>
-    <dgm:txLinClrLst/>
-    <dgm:txFillClrLst/>
-    <dgm:txEffectClrLst/>
-  </dgm:styleLbl>
-  <dgm:styleLbl name="asst4">
-    <dgm:fillClrLst meth="repeat">
-      <a:schemeClr val="dk2"/>
-    </dgm:fillClrLst>
-    <dgm:linClrLst meth="repeat">
-      <a:schemeClr val="lt2"/>
-    </dgm:linClrLst>
-    <dgm:effectClrLst/>
-    <dgm:txLinClrLst/>
-    <dgm:txFillClrLst/>
-    <dgm:txEffectClrLst/>
-  </dgm:styleLbl>
-  <dgm:styleLbl name="parChTrans2D1">
-    <dgm:fillClrLst meth="repeat">
-      <a:schemeClr val="dk2">
-        <a:tint val="60000"/>
-      </a:schemeClr>
-    </dgm:fillClrLst>
-    <dgm:linClrLst meth="repeat">
-      <a:schemeClr val="dk2">
-        <a:tint val="60000"/>
-      </a:schemeClr>
-    </dgm:linClrLst>
-    <dgm:effectClrLst/>
-    <dgm:txLinClrLst/>
-    <dgm:txFillClrLst meth="repeat">
-      <a:schemeClr val="lt2"/>
-    </dgm:txFillClrLst>
-    <dgm:txEffectClrLst/>
-  </dgm:styleLbl>
-  <dgm:styleLbl name="parChTrans2D2">
-    <dgm:fillClrLst meth="repeat">
-      <a:schemeClr val="dk2"/>
-    </dgm:fillClrLst>
-    <dgm:linClrLst meth="repeat">
-      <a:schemeClr val="dk2"/>
-    </dgm:linClrLst>
-    <dgm:effectClrLst/>
-    <dgm:txLinClrLst/>
-    <dgm:txFillClrLst meth="repeat">
-      <a:schemeClr val="lt2"/>
-    </dgm:txFillClrLst>
-    <dgm:txEffectClrLst/>
-  </dgm:styleLbl>
-  <dgm:styleLbl name="parChTrans2D3">
-    <dgm:fillClrLst meth="repeat">
-      <a:schemeClr val="dk2"/>
-    </dgm:fillClrLst>
-    <dgm:linClrLst meth="repeat">
-      <a:schemeClr val="dk2"/>
-    </dgm:linClrLst>
-    <dgm:effectClrLst/>
-    <dgm:txLinClrLst/>
-    <dgm:txFillClrLst meth="repeat">
-      <a:schemeClr val="lt2"/>
-    </dgm:txFillClrLst>
-    <dgm:txEffectClrLst/>
-  </dgm:styleLbl>
-  <dgm:styleLbl name="parChTrans2D4">
-    <dgm:fillClrLst meth="repeat">
-      <a:schemeClr val="dk2"/>
-    </dgm:fillClrLst>
-    <dgm:linClrLst meth="repeat">
-      <a:schemeClr val="dk2"/>
-    </dgm:linClrLst>
-    <dgm:effectClrLst/>
-    <dgm:txLinClrLst/>
-    <dgm:txFillClrLst meth="repeat">
-      <a:schemeClr val="lt2"/>
-    </dgm:txFillClrLst>
-    <dgm:txEffectClrLst/>
-  </dgm:styleLbl>
-  <dgm:styleLbl name="parChTrans1D1">
-    <dgm:fillClrLst meth="repeat">
-      <a:schemeClr val="dk2"/>
-    </dgm:fillClrLst>
-    <dgm:linClrLst meth="repeat">
-      <a:schemeClr val="dk2">
-        <a:shade val="60000"/>
-      </a:schemeClr>
-    </dgm:linClrLst>
-    <dgm:effectClrLst/>
-    <dgm:txLinClrLst/>
-    <dgm:txFillClrLst meth="repeat">
-      <a:schemeClr val="tx1"/>
-    </dgm:txFillClrLst>
-    <dgm:txEffectClrLst/>
-  </dgm:styleLbl>
-  <dgm:styleLbl name="parChTrans1D2">
-    <dgm:fillClrLst meth="repeat">
-      <a:schemeClr val="dk2"/>
-    </dgm:fillClrLst>
-    <dgm:linClrLst meth="repeat">
-      <a:schemeClr val="dk2">
-        <a:shade val="60000"/>
-      </a:schemeClr>
-    </dgm:linClrLst>
-    <dgm:effectClrLst/>
-    <dgm:txLinClrLst/>
-    <dgm:txFillClrLst meth="repeat">
-      <a:schemeClr val="tx1"/>
-    </dgm:txFillClrLst>
-    <dgm:txEffectClrLst/>
-  </dgm:styleLbl>
-  <dgm:styleLbl name="parChTrans1D3">
-    <dgm:fillClrLst meth="repeat">
-      <a:schemeClr val="dk2"/>
-    </dgm:fillClrLst>
-    <dgm:linClrLst meth="repeat">
-      <a:schemeClr val="dk2">
-        <a:shade val="80000"/>
-      </a:schemeClr>
-    </dgm:linClrLst>
-    <dgm:effectClrLst/>
-    <dgm:txLinClrLst/>
-    <dgm:txFillClrLst meth="repeat">
-      <a:schemeClr val="tx1"/>
-    </dgm:txFillClrLst>
-    <dgm:txEffectClrLst/>
-  </dgm:styleLbl>
-  <dgm:styleLbl name="parChTrans1D4">
-    <dgm:fillClrLst meth="repeat">
-      <a:schemeClr val="dk2"/>
-    </dgm:fillClrLst>
-    <dgm:linClrLst meth="repeat">
-      <a:schemeClr val="dk2">
-        <a:shade val="80000"/>
-      </a:schemeClr>
-    </dgm:linClrLst>
-    <dgm:effectClrLst/>
-    <dgm:txLinClrLst/>
-    <dgm:txFillClrLst meth="repeat">
-      <a:schemeClr val="tx1"/>
-    </dgm:txFillClrLst>
-    <dgm:txEffectClrLst/>
-  </dgm:styleLbl>
-  <dgm:styleLbl name="fgAcc1">
-    <dgm:fillClrLst meth="repeat">
-      <a:schemeClr val="lt2">
-        <a:alpha val="90000"/>
-      </a:schemeClr>
-    </dgm:fillClrLst>
-    <dgm:linClrLst meth="repeat">
-      <a:schemeClr val="dk2"/>
-    </dgm:linClrLst>
-    <dgm:effectClrLst/>
-    <dgm:txLinClrLst/>
-    <dgm:txFillClrLst meth="repeat">
-      <a:schemeClr val="dk1"/>
-    </dgm:txFillClrLst>
-    <dgm:txEffectClrLst/>
-  </dgm:styleLbl>
-  <dgm:styleLbl name="conFgAcc1">
-    <dgm:fillClrLst meth="repeat">
-      <a:schemeClr val="lt2">
-        <a:alpha val="90000"/>
-      </a:schemeClr>
-    </dgm:fillClrLst>
-    <dgm:linClrLst meth="repeat">
-      <a:schemeClr val="dk2"/>
-    </dgm:linClrLst>
-    <dgm:effectClrLst/>
-    <dgm:txLinClrLst/>
-    <dgm:txFillClrLst meth="repeat">
-      <a:schemeClr val="dk1"/>
-    </dgm:txFillClrLst>
-    <dgm:txEffectClrLst/>
-  </dgm:styleLbl>
-  <dgm:styleLbl name="alignAcc1">
-    <dgm:fillClrLst meth="repeat">
-      <a:schemeClr val="lt2">
-        <a:alpha val="90000"/>
-      </a:schemeClr>
-    </dgm:fillClrLst>
-    <dgm:linClrLst meth="repeat">
-      <a:schemeClr val="dk2"/>
-    </dgm:linClrLst>
-    <dgm:effectClrLst/>
-    <dgm:txLinClrLst/>
-    <dgm:txFillClrLst meth="repeat">
-      <a:schemeClr val="dk1"/>
-    </dgm:txFillClrLst>
-    <dgm:txEffectClrLst/>
-  </dgm:styleLbl>
-  <dgm:styleLbl name="trAlignAcc1">
-    <dgm:fillClrLst meth="repeat">
-      <a:schemeClr val="lt2">
-        <a:alpha val="40000"/>
-      </a:schemeClr>
-    </dgm:fillClrLst>
-    <dgm:linClrLst meth="repeat">
-      <a:schemeClr val="dk2"/>
-    </dgm:linClrLst>
-    <dgm:effectClrLst/>
-    <dgm:txLinClrLst/>
-    <dgm:txFillClrLst meth="repeat">
-      <a:schemeClr val="dk1"/>
-    </dgm:txFillClrLst>
-    <dgm:txEffectClrLst/>
-  </dgm:styleLbl>
-  <dgm:styleLbl name="bgAcc1">
-    <dgm:fillClrLst meth="repeat">
-      <a:schemeClr val="lt2">
-        <a:alpha val="90000"/>
-      </a:schemeClr>
-    </dgm:fillClrLst>
-    <dgm:linClrLst meth="repeat">
-      <a:schemeClr val="dk2"/>
-    </dgm:linClrLst>
-    <dgm:effectClrLst/>
-    <dgm:txLinClrLst/>
-    <dgm:txFillClrLst meth="repeat">
-      <a:schemeClr val="dk1"/>
-    </dgm:txFillClrLst>
-    <dgm:txEffectClrLst/>
-  </dgm:styleLbl>
-  <dgm:styleLbl name="solidFgAcc1">
-    <dgm:fillClrLst meth="repeat">
-      <a:schemeClr val="lt2"/>
-    </dgm:fillClrLst>
-    <dgm:linClrLst meth="repeat">
-      <a:schemeClr val="dk2"/>
-    </dgm:linClrLst>
-    <dgm:effectClrLst/>
-    <dgm:txLinClrLst/>
-    <dgm:txFillClrLst meth="repeat">
-      <a:schemeClr val="dk1"/>
-    </dgm:txFillClrLst>
-    <dgm:txEffectClrLst/>
-  </dgm:styleLbl>
-  <dgm:styleLbl name="solidAlignAcc1">
-    <dgm:fillClrLst meth="repeat">
-      <a:schemeClr val="lt2"/>
-    </dgm:fillClrLst>
-    <dgm:linClrLst meth="repeat">
-      <a:schemeClr val="dk2"/>
-    </dgm:linClrLst>
-    <dgm:effectClrLst/>
-    <dgm:txLinClrLst/>
-    <dgm:txFillClrLst meth="repeat">
-      <a:schemeClr val="dk1"/>
-    </dgm:txFillClrLst>
-    <dgm:txEffectClrLst/>
-  </dgm:styleLbl>
-  <dgm:styleLbl name="solidBgAcc1">
-    <dgm:fillClrLst meth="repeat">
-      <a:schemeClr val="lt2"/>
-    </dgm:fillClrLst>
-    <dgm:linClrLst meth="repeat">
-      <a:schemeClr val="dk2"/>
-    </dgm:linClrLst>
-    <dgm:effectClrLst/>
-    <dgm:txLinClrLst/>
-    <dgm:txFillClrLst meth="repeat">
-      <a:schemeClr val="dk1"/>
-    </dgm:txFillClrLst>
-    <dgm:txEffectClrLst/>
-  </dgm:styleLbl>
-  <dgm:styleLbl name="fgAccFollowNode1">
-    <dgm:fillClrLst meth="repeat">
-      <a:schemeClr val="dk2">
-        <a:alpha val="90000"/>
-        <a:tint val="40000"/>
-      </a:schemeClr>
-    </dgm:fillClrLst>
-    <dgm:linClrLst meth="repeat">
-      <a:schemeClr val="dk2">
-        <a:alpha val="90000"/>
-        <a:tint val="40000"/>
-      </a:schemeClr>
-    </dgm:linClrLst>
-    <dgm:effectClrLst/>
-    <dgm:txLinClrLst/>
-    <dgm:txFillClrLst meth="repeat">
-      <a:schemeClr val="dk1"/>
-    </dgm:txFillClrLst>
-    <dgm:txEffectClrLst/>
-  </dgm:styleLbl>
-  <dgm:styleLbl name="alignAccFollowNode1">
-    <dgm:fillClrLst meth="repeat">
-      <a:schemeClr val="dk2">
-        <a:alpha val="90000"/>
-        <a:tint val="40000"/>
-      </a:schemeClr>
-    </dgm:fillClrLst>
-    <dgm:linClrLst meth="repeat">
-      <a:schemeClr val="dk2">
-        <a:alpha val="90000"/>
-        <a:tint val="40000"/>
-      </a:schemeClr>
-    </dgm:linClrLst>
-    <dgm:effectClrLst/>
-    <dgm:txLinClrLst/>
-    <dgm:txFillClrLst meth="repeat">
-      <a:schemeClr val="dk1"/>
-    </dgm:txFillClrLst>
-    <dgm:txEffectClrLst/>
-  </dgm:styleLbl>
-  <dgm:styleLbl name="bgAccFollowNode1">
-    <dgm:fillClrLst meth="repeat">
-      <a:schemeClr val="dk2">
-        <a:alpha val="90000"/>
-        <a:tint val="40000"/>
-      </a:schemeClr>
-    </dgm:fillClrLst>
-    <dgm:linClrLst meth="repeat">
-      <a:schemeClr val="dk2">
-        <a:alpha val="90000"/>
-        <a:tint val="40000"/>
-      </a:schemeClr>
-    </dgm:linClrLst>
-    <dgm:effectClrLst/>
-    <dgm:txLinClrLst/>
-    <dgm:txFillClrLst meth="repeat">
-      <a:schemeClr val="dk1"/>
-    </dgm:txFillClrLst>
-    <dgm:txEffectClrLst/>
-  </dgm:styleLbl>
-  <dgm:styleLbl name="fgAcc0">
-    <dgm:fillClrLst meth="repeat">
-      <a:schemeClr val="lt2">
-        <a:alpha val="90000"/>
-      </a:schemeClr>
-    </dgm:fillClrLst>
-    <dgm:linClrLst meth="repeat">
-      <a:schemeClr val="dk2"/>
-    </dgm:linClrLst>
-    <dgm:effectClrLst/>
-    <dgm:txLinClrLst/>
-    <dgm:txFillClrLst meth="repeat">
-      <a:schemeClr val="dk1"/>
-    </dgm:txFillClrLst>
-    <dgm:txEffectClrLst/>
-  </dgm:styleLbl>
-  <dgm:styleLbl name="fgAcc2">
-    <dgm:fillClrLst meth="repeat">
-      <a:schemeClr val="lt2">
-        <a:alpha val="90000"/>
-      </a:schemeClr>
-    </dgm:fillClrLst>
-    <dgm:linClrLst meth="repeat">
-      <a:schemeClr val="dk2"/>
-    </dgm:linClrLst>
-    <dgm:effectClrLst/>
-    <dgm:txLinClrLst/>
-    <dgm:txFillClrLst meth="repeat">
-      <a:schemeClr val="dk1"/>
-    </dgm:txFillClrLst>
-    <dgm:txEffectClrLst/>
-  </dgm:styleLbl>
-  <dgm:styleLbl name="fgAcc3">
-    <dgm:fillClrLst meth="repeat">
-      <a:schemeClr val="lt2">
-        <a:alpha val="90000"/>
-      </a:schemeClr>
-    </dgm:fillClrLst>
-    <dgm:linClrLst meth="repeat">
-      <a:schemeClr val="dk2"/>
-    </dgm:linClrLst>
-    <dgm:effectClrLst/>
-    <dgm:txLinClrLst/>
-    <dgm:txFillClrLst meth="repeat">
-      <a:schemeClr val="dk1"/>
-    </dgm:txFillClrLst>
-    <dgm:txEffectClrLst/>
-  </dgm:styleLbl>
-  <dgm:styleLbl name="fgAcc4">
-    <dgm:fillClrLst meth="repeat">
-      <a:schemeClr val="lt2">
-        <a:alpha val="90000"/>
-      </a:schemeClr>
-    </dgm:fillClrLst>
-    <dgm:linClrLst meth="repeat">
-      <a:schemeClr val="dk2"/>
-    </dgm:linClrLst>
-    <dgm:effectClrLst/>
-    <dgm:txLinClrLst/>
-    <dgm:txFillClrLst meth="repeat">
-      <a:schemeClr val="dk1"/>
-    </dgm:txFillClrLst>
-    <dgm:txEffectClrLst/>
-  </dgm:styleLbl>
-  <dgm:styleLbl name="bgShp">
-    <dgm:fillClrLst meth="repeat">
-      <a:schemeClr val="dk2">
-        <a:tint val="40000"/>
-      </a:schemeClr>
-    </dgm:fillClrLst>
-    <dgm:linClrLst meth="repeat">
-      <a:schemeClr val="dk2"/>
-    </dgm:linClrLst>
-    <dgm:effectClrLst/>
-    <dgm:txLinClrLst/>
-    <dgm:txFillClrLst meth="repeat">
-      <a:schemeClr val="dk1"/>
-    </dgm:txFillClrLst>
-    <dgm:txEffectClrLst/>
-  </dgm:styleLbl>
-  <dgm:styleLbl name="dkBgShp">
-    <dgm:fillClrLst meth="repeat">
-      <a:schemeClr val="dk2">
-        <a:shade val="80000"/>
-      </a:schemeClr>
-    </dgm:fillClrLst>
-    <dgm:linClrLst meth="repeat">
-      <a:schemeClr val="dk2"/>
-    </dgm:linClrLst>
-    <dgm:effectClrLst/>
-    <dgm:txLinClrLst/>
-    <dgm:txFillClrLst meth="repeat">
-      <a:schemeClr val="lt1"/>
-    </dgm:txFillClrLst>
-    <dgm:txEffectClrLst/>
-  </dgm:styleLbl>
-  <dgm:styleLbl name="trBgShp">
-    <dgm:fillClrLst meth="repeat">
-      <a:schemeClr val="dk2">
-        <a:tint val="50000"/>
-        <a:alpha val="40000"/>
-      </a:schemeClr>
-    </dgm:fillClrLst>
-    <dgm:linClrLst meth="repeat">
-      <a:schemeClr val="dk2"/>
-    </dgm:linClrLst>
-    <dgm:effectClrLst/>
-    <dgm:txLinClrLst/>
-    <dgm:txFillClrLst meth="repeat">
-      <a:schemeClr val="lt1"/>
-    </dgm:txFillClrLst>
-    <dgm:txEffectClrLst/>
-  </dgm:styleLbl>
-  <dgm:styleLbl name="fgShp">
-    <dgm:fillClrLst meth="repeat">
-      <a:schemeClr val="dk2">
-        <a:tint val="60000"/>
-      </a:schemeClr>
-    </dgm:fillClrLst>
-    <dgm:linClrLst meth="repeat">
-      <a:schemeClr val="lt2"/>
-    </dgm:linClrLst>
-    <dgm:effectClrLst/>
-    <dgm:txLinClrLst/>
-    <dgm:txFillClrLst meth="repeat">
-      <a:schemeClr val="dk1"/>
-    </dgm:txFillClrLst>
-    <dgm:txEffectClrLst/>
-  </dgm:styleLbl>
-  <dgm:styleLbl name="revTx">
-    <dgm:fillClrLst meth="repeat">
-      <a:schemeClr val="lt2">
-        <a:alpha val="0"/>
-      </a:schemeClr>
-    </dgm:fillClrLst>
-    <dgm:linClrLst meth="repeat">
-      <a:schemeClr val="dk1">
-        <a:alpha val="0"/>
-      </a:schemeClr>
-    </dgm:linClrLst>
-    <dgm:effectClrLst/>
-    <dgm:txLinClrLst/>
-    <dgm:txFillClrLst meth="repeat">
-      <a:schemeClr val="tx1"/>
-    </dgm:txFillClrLst>
-    <dgm:txEffectClrLst/>
-  </dgm:styleLbl>
-</dgm:colorsDef>
-</file>
-
-<file path=ppt/diagrams/colors3.xml><?xml version="1.0" encoding="utf-8"?>
 <dgm:colorsDef xmlns:dgm="http://schemas.openxmlformats.org/drawingml/2006/diagram" xmlns:a="http://schemas.openxmlformats.org/drawingml/2006/main" uniqueId="urn:microsoft.com/office/officeart/2005/8/colors/accent0_3">
   <dgm:title val=""/>
   <dgm:desc val=""/>
@@ -3398,360 +2647,6 @@
 </dgm:dataModel>
 </file>
 
-<file path=ppt/diagrams/data3.xml><?xml version="1.0" encoding="utf-8"?>
-<dgm:dataModel xmlns:dgm="http://schemas.openxmlformats.org/drawingml/2006/diagram" xmlns:a="http://schemas.openxmlformats.org/drawingml/2006/main">
-  <dgm:ptLst>
-    <dgm:pt modelId="{95987CFB-C787-4212-A142-D0D372ADBA16}" type="doc">
-      <dgm:prSet loTypeId="urn:microsoft.com/office/officeart/2005/8/layout/vList2" loCatId="list" qsTypeId="urn:microsoft.com/office/officeart/2005/8/quickstyle/simple1" qsCatId="simple" csTypeId="urn:microsoft.com/office/officeart/2005/8/colors/accent0_3" csCatId="mainScheme" phldr="1"/>
-      <dgm:spPr/>
-      <dgm:t>
-        <a:bodyPr/>
-        <a:lstStyle/>
-        <a:p>
-          <a:endParaRPr lang="de-DE"/>
-        </a:p>
-      </dgm:t>
-    </dgm:pt>
-    <dgm:pt modelId="{EA0F1308-7CE9-4B0D-B605-59DAD9D9B472}">
-      <dgm:prSet phldrT="[Text]" custT="1"/>
-      <dgm:spPr/>
-      <dgm:t>
-        <a:bodyPr/>
-        <a:lstStyle/>
-        <a:p>
-          <a:r>
-            <a:rPr lang="de-DE" sz="2100" u="none" dirty="0"/>
-            <a:t>1. Datensatz mit bekannten </a:t>
-          </a:r>
-          <a:r>
-            <a:rPr lang="de-DE" sz="2100" u="none" dirty="0" err="1"/>
-            <a:t>Biases</a:t>
-          </a:r>
-          <a:endParaRPr lang="de-DE" sz="2100" u="none" dirty="0"/>
-        </a:p>
-      </dgm:t>
-    </dgm:pt>
-    <dgm:pt modelId="{D0C33266-534C-4478-B794-1DF68BF4E91C}" type="parTrans" cxnId="{DBF6B06D-CE83-4FE6-AB1E-94A412D92278}">
-      <dgm:prSet/>
-      <dgm:spPr/>
-      <dgm:t>
-        <a:bodyPr/>
-        <a:lstStyle/>
-        <a:p>
-          <a:endParaRPr lang="de-DE"/>
-        </a:p>
-      </dgm:t>
-    </dgm:pt>
-    <dgm:pt modelId="{3FF746AB-FF94-4C11-9565-124A17FC87BE}" type="sibTrans" cxnId="{DBF6B06D-CE83-4FE6-AB1E-94A412D92278}">
-      <dgm:prSet/>
-      <dgm:spPr/>
-      <dgm:t>
-        <a:bodyPr/>
-        <a:lstStyle/>
-        <a:p>
-          <a:endParaRPr lang="de-DE"/>
-        </a:p>
-      </dgm:t>
-    </dgm:pt>
-    <dgm:pt modelId="{515943EF-2265-4029-8F3B-D84FDE1F640A}">
-      <dgm:prSet custT="1"/>
-      <dgm:spPr/>
-      <dgm:t>
-        <a:bodyPr/>
-        <a:lstStyle/>
-        <a:p>
-          <a:pPr>
-            <a:buFont typeface="Arial" panose="020B0604020202020204" pitchFamily="34" charset="0"/>
-            <a:buChar char="•"/>
-          </a:pPr>
-          <a:r>
-            <a:rPr lang="de-DE" sz="1600" dirty="0"/>
-            <a:t>Der Datensatz wird dem Artefakt mit dem benötigten Kontext übergeben, das Ergebnis des Artefakts wird mit dem Metawissen über den Datensatz verglichen.</a:t>
-          </a:r>
-          <a:br>
-            <a:rPr lang="de-DE" sz="1600" dirty="0"/>
-          </a:br>
-          <a:r>
-            <a:rPr lang="de-DE" sz="1600" dirty="0"/>
-            <a:t>Bsp. Wenn ein Datensatz Frauen bei Beförderungen benachteiligen sollte, wir überprüft, ob das Artefakt das auch herausfinden kann</a:t>
-          </a:r>
-        </a:p>
-      </dgm:t>
-    </dgm:pt>
-    <dgm:pt modelId="{B65B5A59-8794-4D46-B4B6-F81628D6E7CB}" type="parTrans" cxnId="{D3846676-E3F8-436D-99F7-442468769D5C}">
-      <dgm:prSet/>
-      <dgm:spPr/>
-      <dgm:t>
-        <a:bodyPr/>
-        <a:lstStyle/>
-        <a:p>
-          <a:endParaRPr lang="de-DE"/>
-        </a:p>
-      </dgm:t>
-    </dgm:pt>
-    <dgm:pt modelId="{796F9AEA-2307-4E83-B031-843E229EF9B4}" type="sibTrans" cxnId="{D3846676-E3F8-436D-99F7-442468769D5C}">
-      <dgm:prSet/>
-      <dgm:spPr/>
-      <dgm:t>
-        <a:bodyPr/>
-        <a:lstStyle/>
-        <a:p>
-          <a:endParaRPr lang="de-DE"/>
-        </a:p>
-      </dgm:t>
-    </dgm:pt>
-    <dgm:pt modelId="{C7DB6D70-8185-4A8D-B6C4-31A38212C308}">
-      <dgm:prSet custT="1"/>
-      <dgm:spPr/>
-      <dgm:t>
-        <a:bodyPr/>
-        <a:lstStyle/>
-        <a:p>
-          <a:r>
-            <a:rPr lang="de-DE" sz="2100" u="none" dirty="0"/>
-            <a:t>2. Datensatz mit bekannten </a:t>
-          </a:r>
-          <a:r>
-            <a:rPr lang="de-DE" sz="2100" u="none" dirty="0" err="1"/>
-            <a:t>Biases</a:t>
-          </a:r>
-          <a:r>
-            <a:rPr lang="de-DE" sz="2100" u="none" dirty="0"/>
-            <a:t> und bereinigte Version des Datensatzes</a:t>
-          </a:r>
-        </a:p>
-      </dgm:t>
-    </dgm:pt>
-    <dgm:pt modelId="{C81ACE72-7B0A-4A37-A17D-9B9544AC20E3}" type="parTrans" cxnId="{2BA176E2-74B4-4346-A7EB-D8495407AFA7}">
-      <dgm:prSet/>
-      <dgm:spPr/>
-      <dgm:t>
-        <a:bodyPr/>
-        <a:lstStyle/>
-        <a:p>
-          <a:endParaRPr lang="de-DE"/>
-        </a:p>
-      </dgm:t>
-    </dgm:pt>
-    <dgm:pt modelId="{5E4D73C5-007E-47C3-BB5B-AF5C44C34551}" type="sibTrans" cxnId="{2BA176E2-74B4-4346-A7EB-D8495407AFA7}">
-      <dgm:prSet/>
-      <dgm:spPr/>
-      <dgm:t>
-        <a:bodyPr/>
-        <a:lstStyle/>
-        <a:p>
-          <a:endParaRPr lang="de-DE"/>
-        </a:p>
-      </dgm:t>
-    </dgm:pt>
-    <dgm:pt modelId="{CA4C151A-4C6E-43C5-AB33-6ADA8C9CC8A3}">
-      <dgm:prSet custT="1"/>
-      <dgm:spPr/>
-      <dgm:t>
-        <a:bodyPr/>
-        <a:lstStyle/>
-        <a:p>
-          <a:r>
-            <a:rPr lang="de-DE" sz="1600" dirty="0"/>
-            <a:t>Gleiches Prozedere wie bei der ersten Art, aber darauffolgend wird dem Artefakt noch eine bereinigte Version von dem Datensatz übergeben. Die beiden Ergebnisse werden danach verglichen.</a:t>
-          </a:r>
-          <a:br>
-            <a:rPr lang="de-DE" sz="1600" dirty="0"/>
-          </a:br>
-          <a:r>
-            <a:rPr lang="de-DE" sz="1600" dirty="0"/>
-            <a:t>Bsp. Wenn ein Datensatz Frauen benachteiligt, der bereinigte Datensatz benachteiligt Frauen nicht mehr. Das Artefakt sollte bei beiden Datensätzen nicht das selbe Ergebnis liefern</a:t>
-          </a:r>
-          <a:endParaRPr lang="de-DE" sz="1600" u="sng" dirty="0"/>
-        </a:p>
-      </dgm:t>
-    </dgm:pt>
-    <dgm:pt modelId="{961109DA-A8FB-4CD4-AA12-0974740B48F0}" type="parTrans" cxnId="{89B305D6-8757-41CB-ACFB-E2EAD9A16289}">
-      <dgm:prSet/>
-      <dgm:spPr/>
-      <dgm:t>
-        <a:bodyPr/>
-        <a:lstStyle/>
-        <a:p>
-          <a:endParaRPr lang="de-DE"/>
-        </a:p>
-      </dgm:t>
-    </dgm:pt>
-    <dgm:pt modelId="{F8FF074A-BBC9-4009-BD05-11F7C85389F5}" type="sibTrans" cxnId="{89B305D6-8757-41CB-ACFB-E2EAD9A16289}">
-      <dgm:prSet/>
-      <dgm:spPr/>
-      <dgm:t>
-        <a:bodyPr/>
-        <a:lstStyle/>
-        <a:p>
-          <a:endParaRPr lang="de-DE"/>
-        </a:p>
-      </dgm:t>
-    </dgm:pt>
-    <dgm:pt modelId="{3B880D4F-5B2C-4A76-B221-50C8D9B9A35E}">
-      <dgm:prSet custT="1"/>
-      <dgm:spPr/>
-      <dgm:t>
-        <a:bodyPr/>
-        <a:lstStyle/>
-        <a:p>
-          <a:r>
-            <a:rPr lang="de-DE" sz="2100" u="none" dirty="0"/>
-            <a:t>3. Datensatz ohne bekannten Bias</a:t>
-          </a:r>
-        </a:p>
-      </dgm:t>
-    </dgm:pt>
-    <dgm:pt modelId="{1ADBA4A6-36CA-41E7-BCBB-C17D26ECB14A}" type="parTrans" cxnId="{FF993EBB-98E3-4A44-8F56-827756B77265}">
-      <dgm:prSet/>
-      <dgm:spPr/>
-      <dgm:t>
-        <a:bodyPr/>
-        <a:lstStyle/>
-        <a:p>
-          <a:endParaRPr lang="de-DE"/>
-        </a:p>
-      </dgm:t>
-    </dgm:pt>
-    <dgm:pt modelId="{7D646712-F59E-40AC-8298-7F499A9554DC}" type="sibTrans" cxnId="{FF993EBB-98E3-4A44-8F56-827756B77265}">
-      <dgm:prSet/>
-      <dgm:spPr/>
-      <dgm:t>
-        <a:bodyPr/>
-        <a:lstStyle/>
-        <a:p>
-          <a:endParaRPr lang="de-DE"/>
-        </a:p>
-      </dgm:t>
-    </dgm:pt>
-    <dgm:pt modelId="{5B5D6497-48FC-4D4C-9CC9-58EDE2BFFE04}">
-      <dgm:prSet custT="1"/>
-      <dgm:spPr/>
-      <dgm:t>
-        <a:bodyPr/>
-        <a:lstStyle/>
-        <a:p>
-          <a:r>
-            <a:rPr lang="de-DE" sz="1600" dirty="0"/>
-            <a:t>Gleicher Ablauf wie bei der ersten Art, nur sind keine Metainformationen vorhanden. Die Ergebnisse werden dann erfasst.</a:t>
-          </a:r>
-        </a:p>
-      </dgm:t>
-    </dgm:pt>
-    <dgm:pt modelId="{87540B26-7DEB-4C77-AD13-9F3530D51DD1}" type="parTrans" cxnId="{28A5B6FF-179C-46B8-9764-2DB2AF8500D4}">
-      <dgm:prSet/>
-      <dgm:spPr/>
-      <dgm:t>
-        <a:bodyPr/>
-        <a:lstStyle/>
-        <a:p>
-          <a:endParaRPr lang="de-DE"/>
-        </a:p>
-      </dgm:t>
-    </dgm:pt>
-    <dgm:pt modelId="{F22E4507-5B55-46F2-A2DB-390E208B8B87}" type="sibTrans" cxnId="{28A5B6FF-179C-46B8-9764-2DB2AF8500D4}">
-      <dgm:prSet/>
-      <dgm:spPr/>
-      <dgm:t>
-        <a:bodyPr/>
-        <a:lstStyle/>
-        <a:p>
-          <a:endParaRPr lang="de-DE"/>
-        </a:p>
-      </dgm:t>
-    </dgm:pt>
-    <dgm:pt modelId="{C2FA5577-DE80-4AD9-A974-E44324A5B61C}" type="pres">
-      <dgm:prSet presAssocID="{95987CFB-C787-4212-A142-D0D372ADBA16}" presName="linear" presStyleCnt="0">
-        <dgm:presLayoutVars>
-          <dgm:animLvl val="lvl"/>
-          <dgm:resizeHandles val="exact"/>
-        </dgm:presLayoutVars>
-      </dgm:prSet>
-      <dgm:spPr/>
-    </dgm:pt>
-    <dgm:pt modelId="{A9B0BCAB-5CCE-4FC9-A54E-F50BCAF94814}" type="pres">
-      <dgm:prSet presAssocID="{EA0F1308-7CE9-4B0D-B605-59DAD9D9B472}" presName="parentText" presStyleLbl="node1" presStyleIdx="0" presStyleCnt="3">
-        <dgm:presLayoutVars>
-          <dgm:chMax val="0"/>
-          <dgm:bulletEnabled val="1"/>
-        </dgm:presLayoutVars>
-      </dgm:prSet>
-      <dgm:spPr/>
-    </dgm:pt>
-    <dgm:pt modelId="{32C9EE75-A0BE-4BD4-B39B-CC6BA884D281}" type="pres">
-      <dgm:prSet presAssocID="{EA0F1308-7CE9-4B0D-B605-59DAD9D9B472}" presName="childText" presStyleLbl="revTx" presStyleIdx="0" presStyleCnt="3" custLinFactNeighborY="5248">
-        <dgm:presLayoutVars>
-          <dgm:bulletEnabled val="1"/>
-        </dgm:presLayoutVars>
-      </dgm:prSet>
-      <dgm:spPr/>
-    </dgm:pt>
-    <dgm:pt modelId="{59A4E54E-7941-4883-9367-F8FA043E8803}" type="pres">
-      <dgm:prSet presAssocID="{C7DB6D70-8185-4A8D-B6C4-31A38212C308}" presName="parentText" presStyleLbl="node1" presStyleIdx="1" presStyleCnt="3" custLinFactNeighborY="4216">
-        <dgm:presLayoutVars>
-          <dgm:chMax val="0"/>
-          <dgm:bulletEnabled val="1"/>
-        </dgm:presLayoutVars>
-      </dgm:prSet>
-      <dgm:spPr/>
-    </dgm:pt>
-    <dgm:pt modelId="{85EABC74-0301-42D3-B6C6-B80A35738FDB}" type="pres">
-      <dgm:prSet presAssocID="{C7DB6D70-8185-4A8D-B6C4-31A38212C308}" presName="childText" presStyleLbl="revTx" presStyleIdx="1" presStyleCnt="3" custLinFactNeighborY="6560">
-        <dgm:presLayoutVars>
-          <dgm:bulletEnabled val="1"/>
-        </dgm:presLayoutVars>
-      </dgm:prSet>
-      <dgm:spPr/>
-    </dgm:pt>
-    <dgm:pt modelId="{19091E62-5FD3-42FE-B4C7-36B2500CEFBD}" type="pres">
-      <dgm:prSet presAssocID="{3B880D4F-5B2C-4A76-B221-50C8D9B9A35E}" presName="parentText" presStyleLbl="node1" presStyleIdx="2" presStyleCnt="3" custLinFactNeighborY="4710">
-        <dgm:presLayoutVars>
-          <dgm:chMax val="0"/>
-          <dgm:bulletEnabled val="1"/>
-        </dgm:presLayoutVars>
-      </dgm:prSet>
-      <dgm:spPr/>
-    </dgm:pt>
-    <dgm:pt modelId="{31B992FA-1C71-4F0A-A331-B854503DAEC2}" type="pres">
-      <dgm:prSet presAssocID="{3B880D4F-5B2C-4A76-B221-50C8D9B9A35E}" presName="childText" presStyleLbl="revTx" presStyleIdx="2" presStyleCnt="3" custScaleY="82495" custLinFactNeighborY="2948">
-        <dgm:presLayoutVars>
-          <dgm:bulletEnabled val="1"/>
-        </dgm:presLayoutVars>
-      </dgm:prSet>
-      <dgm:spPr/>
-    </dgm:pt>
-  </dgm:ptLst>
-  <dgm:cxnLst>
-    <dgm:cxn modelId="{0E08640D-C4E8-4823-B341-AE0BEF483C5E}" type="presOf" srcId="{EA0F1308-7CE9-4B0D-B605-59DAD9D9B472}" destId="{A9B0BCAB-5CCE-4FC9-A54E-F50BCAF94814}" srcOrd="0" destOrd="0" presId="urn:microsoft.com/office/officeart/2005/8/layout/vList2"/>
-    <dgm:cxn modelId="{FCCE843D-D8E5-46E2-AA8E-E65CDE476698}" type="presOf" srcId="{515943EF-2265-4029-8F3B-D84FDE1F640A}" destId="{32C9EE75-A0BE-4BD4-B39B-CC6BA884D281}" srcOrd="0" destOrd="0" presId="urn:microsoft.com/office/officeart/2005/8/layout/vList2"/>
-    <dgm:cxn modelId="{DBF6B06D-CE83-4FE6-AB1E-94A412D92278}" srcId="{95987CFB-C787-4212-A142-D0D372ADBA16}" destId="{EA0F1308-7CE9-4B0D-B605-59DAD9D9B472}" srcOrd="0" destOrd="0" parTransId="{D0C33266-534C-4478-B794-1DF68BF4E91C}" sibTransId="{3FF746AB-FF94-4C11-9565-124A17FC87BE}"/>
-    <dgm:cxn modelId="{9F0E4B51-37CD-48F3-911A-8DAA40DB6769}" type="presOf" srcId="{3B880D4F-5B2C-4A76-B221-50C8D9B9A35E}" destId="{19091E62-5FD3-42FE-B4C7-36B2500CEFBD}" srcOrd="0" destOrd="0" presId="urn:microsoft.com/office/officeart/2005/8/layout/vList2"/>
-    <dgm:cxn modelId="{19771974-3812-4512-B29B-DDE41210E8A0}" type="presOf" srcId="{5B5D6497-48FC-4D4C-9CC9-58EDE2BFFE04}" destId="{31B992FA-1C71-4F0A-A331-B854503DAEC2}" srcOrd="0" destOrd="0" presId="urn:microsoft.com/office/officeart/2005/8/layout/vList2"/>
-    <dgm:cxn modelId="{D3846676-E3F8-436D-99F7-442468769D5C}" srcId="{EA0F1308-7CE9-4B0D-B605-59DAD9D9B472}" destId="{515943EF-2265-4029-8F3B-D84FDE1F640A}" srcOrd="0" destOrd="0" parTransId="{B65B5A59-8794-4D46-B4B6-F81628D6E7CB}" sibTransId="{796F9AEA-2307-4E83-B031-843E229EF9B4}"/>
-    <dgm:cxn modelId="{5482089A-E703-4BE3-BA56-AE7698B8E710}" type="presOf" srcId="{C7DB6D70-8185-4A8D-B6C4-31A38212C308}" destId="{59A4E54E-7941-4883-9367-F8FA043E8803}" srcOrd="0" destOrd="0" presId="urn:microsoft.com/office/officeart/2005/8/layout/vList2"/>
-    <dgm:cxn modelId="{06ED299C-7AE2-49A3-8C68-96FAF677D0E6}" type="presOf" srcId="{95987CFB-C787-4212-A142-D0D372ADBA16}" destId="{C2FA5577-DE80-4AD9-A974-E44324A5B61C}" srcOrd="0" destOrd="0" presId="urn:microsoft.com/office/officeart/2005/8/layout/vList2"/>
-    <dgm:cxn modelId="{FF993EBB-98E3-4A44-8F56-827756B77265}" srcId="{95987CFB-C787-4212-A142-D0D372ADBA16}" destId="{3B880D4F-5B2C-4A76-B221-50C8D9B9A35E}" srcOrd="2" destOrd="0" parTransId="{1ADBA4A6-36CA-41E7-BCBB-C17D26ECB14A}" sibTransId="{7D646712-F59E-40AC-8298-7F499A9554DC}"/>
-    <dgm:cxn modelId="{497EF2D1-719C-4110-B576-2C04FC3BF31A}" type="presOf" srcId="{CA4C151A-4C6E-43C5-AB33-6ADA8C9CC8A3}" destId="{85EABC74-0301-42D3-B6C6-B80A35738FDB}" srcOrd="0" destOrd="0" presId="urn:microsoft.com/office/officeart/2005/8/layout/vList2"/>
-    <dgm:cxn modelId="{89B305D6-8757-41CB-ACFB-E2EAD9A16289}" srcId="{C7DB6D70-8185-4A8D-B6C4-31A38212C308}" destId="{CA4C151A-4C6E-43C5-AB33-6ADA8C9CC8A3}" srcOrd="0" destOrd="0" parTransId="{961109DA-A8FB-4CD4-AA12-0974740B48F0}" sibTransId="{F8FF074A-BBC9-4009-BD05-11F7C85389F5}"/>
-    <dgm:cxn modelId="{2BA176E2-74B4-4346-A7EB-D8495407AFA7}" srcId="{95987CFB-C787-4212-A142-D0D372ADBA16}" destId="{C7DB6D70-8185-4A8D-B6C4-31A38212C308}" srcOrd="1" destOrd="0" parTransId="{C81ACE72-7B0A-4A37-A17D-9B9544AC20E3}" sibTransId="{5E4D73C5-007E-47C3-BB5B-AF5C44C34551}"/>
-    <dgm:cxn modelId="{28A5B6FF-179C-46B8-9764-2DB2AF8500D4}" srcId="{3B880D4F-5B2C-4A76-B221-50C8D9B9A35E}" destId="{5B5D6497-48FC-4D4C-9CC9-58EDE2BFFE04}" srcOrd="0" destOrd="0" parTransId="{87540B26-7DEB-4C77-AD13-9F3530D51DD1}" sibTransId="{F22E4507-5B55-46F2-A2DB-390E208B8B87}"/>
-    <dgm:cxn modelId="{B6996EBE-D250-4486-AE60-DA448560F6C8}" type="presParOf" srcId="{C2FA5577-DE80-4AD9-A974-E44324A5B61C}" destId="{A9B0BCAB-5CCE-4FC9-A54E-F50BCAF94814}" srcOrd="0" destOrd="0" presId="urn:microsoft.com/office/officeart/2005/8/layout/vList2"/>
-    <dgm:cxn modelId="{15A56C11-8702-4C6C-AA54-35AEF591DE5F}" type="presParOf" srcId="{C2FA5577-DE80-4AD9-A974-E44324A5B61C}" destId="{32C9EE75-A0BE-4BD4-B39B-CC6BA884D281}" srcOrd="1" destOrd="0" presId="urn:microsoft.com/office/officeart/2005/8/layout/vList2"/>
-    <dgm:cxn modelId="{02B31080-07BB-4A8A-A200-4F49520A9C4C}" type="presParOf" srcId="{C2FA5577-DE80-4AD9-A974-E44324A5B61C}" destId="{59A4E54E-7941-4883-9367-F8FA043E8803}" srcOrd="2" destOrd="0" presId="urn:microsoft.com/office/officeart/2005/8/layout/vList2"/>
-    <dgm:cxn modelId="{73A36ECB-4D79-4EEA-8F85-E30446693E86}" type="presParOf" srcId="{C2FA5577-DE80-4AD9-A974-E44324A5B61C}" destId="{85EABC74-0301-42D3-B6C6-B80A35738FDB}" srcOrd="3" destOrd="0" presId="urn:microsoft.com/office/officeart/2005/8/layout/vList2"/>
-    <dgm:cxn modelId="{772C9E97-BC02-46F6-85FC-E4D9F1DD5A8F}" type="presParOf" srcId="{C2FA5577-DE80-4AD9-A974-E44324A5B61C}" destId="{19091E62-5FD3-42FE-B4C7-36B2500CEFBD}" srcOrd="4" destOrd="0" presId="urn:microsoft.com/office/officeart/2005/8/layout/vList2"/>
-    <dgm:cxn modelId="{FD4CE585-6D24-47FE-B5A0-CA6AF8FE4B86}" type="presParOf" srcId="{C2FA5577-DE80-4AD9-A974-E44324A5B61C}" destId="{31B992FA-1C71-4F0A-A331-B854503DAEC2}" srcOrd="5" destOrd="0" presId="urn:microsoft.com/office/officeart/2005/8/layout/vList2"/>
-  </dgm:cxnLst>
-  <dgm:bg/>
-  <dgm:whole/>
-  <dgm:extLst>
-    <a:ext uri="http://schemas.microsoft.com/office/drawing/2008/diagram">
-      <dsp:dataModelExt xmlns:dsp="http://schemas.microsoft.com/office/drawing/2008/diagram" relId="rId6" minVer="http://schemas.openxmlformats.org/drawingml/2006/diagram"/>
-    </a:ext>
-  </dgm:extLst>
-</dgm:dataModel>
-</file>
-
 <file path=ppt/diagrams/drawing1.xml><?xml version="1.0" encoding="utf-8"?>
 <dsp:drawing xmlns:dgm="http://schemas.openxmlformats.org/drawingml/2006/diagram" xmlns:dsp="http://schemas.microsoft.com/office/drawing/2008/diagram" xmlns:a="http://schemas.openxmlformats.org/drawingml/2006/main">
   <dsp:spTree>
@@ -4989,461 +3884,6 @@
       <dsp:txXfrm>
         <a:off x="0" y="4391739"/>
         <a:ext cx="10896609" cy="269110"/>
-      </dsp:txXfrm>
-    </dsp:sp>
-  </dsp:spTree>
-</dsp:drawing>
-</file>
-
-<file path=ppt/diagrams/drawing3.xml><?xml version="1.0" encoding="utf-8"?>
-<dsp:drawing xmlns:dgm="http://schemas.openxmlformats.org/drawingml/2006/diagram" xmlns:dsp="http://schemas.microsoft.com/office/drawing/2008/diagram" xmlns:a="http://schemas.openxmlformats.org/drawingml/2006/main">
-  <dsp:spTree>
-    <dsp:nvGrpSpPr>
-      <dsp:cNvPr id="0" name=""/>
-      <dsp:cNvGrpSpPr/>
-    </dsp:nvGrpSpPr>
-    <dsp:grpSpPr/>
-    <dsp:sp modelId="{A9B0BCAB-5CCE-4FC9-A54E-F50BCAF94814}">
-      <dsp:nvSpPr>
-        <dsp:cNvPr id="0" name=""/>
-        <dsp:cNvSpPr/>
-      </dsp:nvSpPr>
-      <dsp:spPr>
-        <a:xfrm>
-          <a:off x="0" y="543"/>
-          <a:ext cx="11157741" cy="804960"/>
-        </a:xfrm>
-        <a:prstGeom prst="roundRect">
-          <a:avLst/>
-        </a:prstGeom>
-        <a:solidFill>
-          <a:schemeClr val="dk2">
-            <a:hueOff val="0"/>
-            <a:satOff val="0"/>
-            <a:lumOff val="0"/>
-            <a:alphaOff val="0"/>
-          </a:schemeClr>
-        </a:solidFill>
-        <a:ln w="12700" cap="flat" cmpd="sng" algn="ctr">
-          <a:solidFill>
-            <a:schemeClr val="lt2">
-              <a:hueOff val="0"/>
-              <a:satOff val="0"/>
-              <a:lumOff val="0"/>
-              <a:alphaOff val="0"/>
-            </a:schemeClr>
-          </a:solidFill>
-          <a:prstDash val="solid"/>
-          <a:miter lim="800000"/>
-        </a:ln>
-        <a:effectLst/>
-      </dsp:spPr>
-      <dsp:style>
-        <a:lnRef idx="2">
-          <a:scrgbClr r="0" g="0" b="0"/>
-        </a:lnRef>
-        <a:fillRef idx="1">
-          <a:scrgbClr r="0" g="0" b="0"/>
-        </a:fillRef>
-        <a:effectRef idx="0">
-          <a:scrgbClr r="0" g="0" b="0"/>
-        </a:effectRef>
-        <a:fontRef idx="minor">
-          <a:schemeClr val="lt1"/>
-        </a:fontRef>
-      </dsp:style>
-      <dsp:txBody>
-        <a:bodyPr spcFirstLastPara="0" vert="horz" wrap="square" lIns="80010" tIns="80010" rIns="80010" bIns="80010" numCol="1" spcCol="1270" anchor="ctr" anchorCtr="0">
-          <a:noAutofit/>
-        </a:bodyPr>
-        <a:lstStyle/>
-        <a:p>
-          <a:pPr marL="0" lvl="0" indent="0" algn="l" defTabSz="933450">
-            <a:lnSpc>
-              <a:spcPct val="90000"/>
-            </a:lnSpc>
-            <a:spcBef>
-              <a:spcPct val="0"/>
-            </a:spcBef>
-            <a:spcAft>
-              <a:spcPct val="35000"/>
-            </a:spcAft>
-            <a:buNone/>
-          </a:pPr>
-          <a:r>
-            <a:rPr lang="de-DE" sz="2100" u="none" kern="1200" dirty="0"/>
-            <a:t>1. Datensatz mit bekannten </a:t>
-          </a:r>
-          <a:r>
-            <a:rPr lang="de-DE" sz="2100" u="none" kern="1200" dirty="0" err="1"/>
-            <a:t>Biases</a:t>
-          </a:r>
-          <a:endParaRPr lang="de-DE" sz="2100" u="none" kern="1200" dirty="0"/>
-        </a:p>
-      </dsp:txBody>
-      <dsp:txXfrm>
-        <a:off x="39295" y="39838"/>
-        <a:ext cx="11079151" cy="726370"/>
-      </dsp:txXfrm>
-    </dsp:sp>
-    <dsp:sp modelId="{32C9EE75-A0BE-4BD4-B39B-CC6BA884D281}">
-      <dsp:nvSpPr>
-        <dsp:cNvPr id="0" name=""/>
-        <dsp:cNvSpPr/>
-      </dsp:nvSpPr>
-      <dsp:spPr>
-        <a:xfrm>
-          <a:off x="0" y="847747"/>
-          <a:ext cx="11157741" cy="890100"/>
-        </a:xfrm>
-        <a:prstGeom prst="rect">
-          <a:avLst/>
-        </a:prstGeom>
-        <a:noFill/>
-        <a:ln>
-          <a:noFill/>
-        </a:ln>
-        <a:effectLst/>
-      </dsp:spPr>
-      <dsp:style>
-        <a:lnRef idx="0">
-          <a:scrgbClr r="0" g="0" b="0"/>
-        </a:lnRef>
-        <a:fillRef idx="0">
-          <a:scrgbClr r="0" g="0" b="0"/>
-        </a:fillRef>
-        <a:effectRef idx="0">
-          <a:scrgbClr r="0" g="0" b="0"/>
-        </a:effectRef>
-        <a:fontRef idx="minor"/>
-      </dsp:style>
-      <dsp:txBody>
-        <a:bodyPr spcFirstLastPara="0" vert="horz" wrap="square" lIns="354258" tIns="20320" rIns="113792" bIns="20320" numCol="1" spcCol="1270" anchor="t" anchorCtr="0">
-          <a:noAutofit/>
-        </a:bodyPr>
-        <a:lstStyle/>
-        <a:p>
-          <a:pPr marL="171450" lvl="1" indent="-171450" algn="l" defTabSz="711200">
-            <a:lnSpc>
-              <a:spcPct val="90000"/>
-            </a:lnSpc>
-            <a:spcBef>
-              <a:spcPct val="0"/>
-            </a:spcBef>
-            <a:spcAft>
-              <a:spcPct val="20000"/>
-            </a:spcAft>
-            <a:buFont typeface="Arial" panose="020B0604020202020204" pitchFamily="34" charset="0"/>
-            <a:buChar char="•"/>
-          </a:pPr>
-          <a:r>
-            <a:rPr lang="de-DE" sz="1600" kern="1200" dirty="0"/>
-            <a:t>Der Datensatz wird dem Artefakt mit dem benötigten Kontext übergeben, das Ergebnis des Artefakts wird mit dem Metawissen über den Datensatz verglichen.</a:t>
-          </a:r>
-          <a:br>
-            <a:rPr lang="de-DE" sz="1600" kern="1200" dirty="0"/>
-          </a:br>
-          <a:r>
-            <a:rPr lang="de-DE" sz="1600" kern="1200" dirty="0"/>
-            <a:t>Bsp. Wenn ein Datensatz Frauen bei Beförderungen benachteiligen sollte, wir überprüft, ob das Artefakt das auch herausfinden kann</a:t>
-          </a:r>
-        </a:p>
-      </dsp:txBody>
-      <dsp:txXfrm>
-        <a:off x="0" y="847747"/>
-        <a:ext cx="11157741" cy="890100"/>
-      </dsp:txXfrm>
-    </dsp:sp>
-    <dsp:sp modelId="{59A4E54E-7941-4883-9367-F8FA043E8803}">
-      <dsp:nvSpPr>
-        <dsp:cNvPr id="0" name=""/>
-        <dsp:cNvSpPr/>
-      </dsp:nvSpPr>
-      <dsp:spPr>
-        <a:xfrm>
-          <a:off x="0" y="1733129"/>
-          <a:ext cx="11157741" cy="804960"/>
-        </a:xfrm>
-        <a:prstGeom prst="roundRect">
-          <a:avLst/>
-        </a:prstGeom>
-        <a:solidFill>
-          <a:schemeClr val="dk2">
-            <a:hueOff val="0"/>
-            <a:satOff val="0"/>
-            <a:lumOff val="0"/>
-            <a:alphaOff val="0"/>
-          </a:schemeClr>
-        </a:solidFill>
-        <a:ln w="12700" cap="flat" cmpd="sng" algn="ctr">
-          <a:solidFill>
-            <a:schemeClr val="lt2">
-              <a:hueOff val="0"/>
-              <a:satOff val="0"/>
-              <a:lumOff val="0"/>
-              <a:alphaOff val="0"/>
-            </a:schemeClr>
-          </a:solidFill>
-          <a:prstDash val="solid"/>
-          <a:miter lim="800000"/>
-        </a:ln>
-        <a:effectLst/>
-      </dsp:spPr>
-      <dsp:style>
-        <a:lnRef idx="2">
-          <a:scrgbClr r="0" g="0" b="0"/>
-        </a:lnRef>
-        <a:fillRef idx="1">
-          <a:scrgbClr r="0" g="0" b="0"/>
-        </a:fillRef>
-        <a:effectRef idx="0">
-          <a:scrgbClr r="0" g="0" b="0"/>
-        </a:effectRef>
-        <a:fontRef idx="minor">
-          <a:schemeClr val="lt1"/>
-        </a:fontRef>
-      </dsp:style>
-      <dsp:txBody>
-        <a:bodyPr spcFirstLastPara="0" vert="horz" wrap="square" lIns="80010" tIns="80010" rIns="80010" bIns="80010" numCol="1" spcCol="1270" anchor="ctr" anchorCtr="0">
-          <a:noAutofit/>
-        </a:bodyPr>
-        <a:lstStyle/>
-        <a:p>
-          <a:pPr marL="0" lvl="0" indent="0" algn="l" defTabSz="933450">
-            <a:lnSpc>
-              <a:spcPct val="90000"/>
-            </a:lnSpc>
-            <a:spcBef>
-              <a:spcPct val="0"/>
-            </a:spcBef>
-            <a:spcAft>
-              <a:spcPct val="35000"/>
-            </a:spcAft>
-            <a:buNone/>
-          </a:pPr>
-          <a:r>
-            <a:rPr lang="de-DE" sz="2100" u="none" kern="1200" dirty="0"/>
-            <a:t>2. Datensatz mit bekannten </a:t>
-          </a:r>
-          <a:r>
-            <a:rPr lang="de-DE" sz="2100" u="none" kern="1200" dirty="0" err="1"/>
-            <a:t>Biases</a:t>
-          </a:r>
-          <a:r>
-            <a:rPr lang="de-DE" sz="2100" u="none" kern="1200" dirty="0"/>
-            <a:t> und bereinigte Version des Datensatzes</a:t>
-          </a:r>
-        </a:p>
-      </dsp:txBody>
-      <dsp:txXfrm>
-        <a:off x="39295" y="1772424"/>
-        <a:ext cx="11079151" cy="726370"/>
-      </dsp:txXfrm>
-    </dsp:sp>
-    <dsp:sp modelId="{85EABC74-0301-42D3-B6C6-B80A35738FDB}">
-      <dsp:nvSpPr>
-        <dsp:cNvPr id="0" name=""/>
-        <dsp:cNvSpPr/>
-      </dsp:nvSpPr>
-      <dsp:spPr>
-        <a:xfrm>
-          <a:off x="0" y="2553368"/>
-          <a:ext cx="11157741" cy="890100"/>
-        </a:xfrm>
-        <a:prstGeom prst="rect">
-          <a:avLst/>
-        </a:prstGeom>
-        <a:noFill/>
-        <a:ln>
-          <a:noFill/>
-        </a:ln>
-        <a:effectLst/>
-      </dsp:spPr>
-      <dsp:style>
-        <a:lnRef idx="0">
-          <a:scrgbClr r="0" g="0" b="0"/>
-        </a:lnRef>
-        <a:fillRef idx="0">
-          <a:scrgbClr r="0" g="0" b="0"/>
-        </a:fillRef>
-        <a:effectRef idx="0">
-          <a:scrgbClr r="0" g="0" b="0"/>
-        </a:effectRef>
-        <a:fontRef idx="minor"/>
-      </dsp:style>
-      <dsp:txBody>
-        <a:bodyPr spcFirstLastPara="0" vert="horz" wrap="square" lIns="354258" tIns="20320" rIns="113792" bIns="20320" numCol="1" spcCol="1270" anchor="t" anchorCtr="0">
-          <a:noAutofit/>
-        </a:bodyPr>
-        <a:lstStyle/>
-        <a:p>
-          <a:pPr marL="171450" lvl="1" indent="-171450" algn="l" defTabSz="711200">
-            <a:lnSpc>
-              <a:spcPct val="90000"/>
-            </a:lnSpc>
-            <a:spcBef>
-              <a:spcPct val="0"/>
-            </a:spcBef>
-            <a:spcAft>
-              <a:spcPct val="20000"/>
-            </a:spcAft>
-            <a:buChar char="•"/>
-          </a:pPr>
-          <a:r>
-            <a:rPr lang="de-DE" sz="1600" kern="1200" dirty="0"/>
-            <a:t>Gleiches Prozedere wie bei der ersten Art, aber darauffolgend wird dem Artefakt noch eine bereinigte Version von dem Datensatz übergeben. Die beiden Ergebnisse werden danach verglichen.</a:t>
-          </a:r>
-          <a:br>
-            <a:rPr lang="de-DE" sz="1600" kern="1200" dirty="0"/>
-          </a:br>
-          <a:r>
-            <a:rPr lang="de-DE" sz="1600" kern="1200" dirty="0"/>
-            <a:t>Bsp. Wenn ein Datensatz Frauen benachteiligt, der bereinigte Datensatz benachteiligt Frauen nicht mehr. Das Artefakt sollte bei beiden Datensätzen nicht das selbe Ergebnis liefern</a:t>
-          </a:r>
-          <a:endParaRPr lang="de-DE" sz="1600" u="sng" kern="1200" dirty="0"/>
-        </a:p>
-      </dsp:txBody>
-      <dsp:txXfrm>
-        <a:off x="0" y="2553368"/>
-        <a:ext cx="11157741" cy="890100"/>
-      </dsp:txXfrm>
-    </dsp:sp>
-    <dsp:sp modelId="{19091E62-5FD3-42FE-B4C7-36B2500CEFBD}">
-      <dsp:nvSpPr>
-        <dsp:cNvPr id="0" name=""/>
-        <dsp:cNvSpPr/>
-      </dsp:nvSpPr>
-      <dsp:spPr>
-        <a:xfrm>
-          <a:off x="0" y="3424202"/>
-          <a:ext cx="11157741" cy="804960"/>
-        </a:xfrm>
-        <a:prstGeom prst="roundRect">
-          <a:avLst/>
-        </a:prstGeom>
-        <a:solidFill>
-          <a:schemeClr val="dk2">
-            <a:hueOff val="0"/>
-            <a:satOff val="0"/>
-            <a:lumOff val="0"/>
-            <a:alphaOff val="0"/>
-          </a:schemeClr>
-        </a:solidFill>
-        <a:ln w="12700" cap="flat" cmpd="sng" algn="ctr">
-          <a:solidFill>
-            <a:schemeClr val="lt2">
-              <a:hueOff val="0"/>
-              <a:satOff val="0"/>
-              <a:lumOff val="0"/>
-              <a:alphaOff val="0"/>
-            </a:schemeClr>
-          </a:solidFill>
-          <a:prstDash val="solid"/>
-          <a:miter lim="800000"/>
-        </a:ln>
-        <a:effectLst/>
-      </dsp:spPr>
-      <dsp:style>
-        <a:lnRef idx="2">
-          <a:scrgbClr r="0" g="0" b="0"/>
-        </a:lnRef>
-        <a:fillRef idx="1">
-          <a:scrgbClr r="0" g="0" b="0"/>
-        </a:fillRef>
-        <a:effectRef idx="0">
-          <a:scrgbClr r="0" g="0" b="0"/>
-        </a:effectRef>
-        <a:fontRef idx="minor">
-          <a:schemeClr val="lt1"/>
-        </a:fontRef>
-      </dsp:style>
-      <dsp:txBody>
-        <a:bodyPr spcFirstLastPara="0" vert="horz" wrap="square" lIns="80010" tIns="80010" rIns="80010" bIns="80010" numCol="1" spcCol="1270" anchor="ctr" anchorCtr="0">
-          <a:noAutofit/>
-        </a:bodyPr>
-        <a:lstStyle/>
-        <a:p>
-          <a:pPr marL="0" lvl="0" indent="0" algn="l" defTabSz="933450">
-            <a:lnSpc>
-              <a:spcPct val="90000"/>
-            </a:lnSpc>
-            <a:spcBef>
-              <a:spcPct val="0"/>
-            </a:spcBef>
-            <a:spcAft>
-              <a:spcPct val="35000"/>
-            </a:spcAft>
-            <a:buNone/>
-          </a:pPr>
-          <a:r>
-            <a:rPr lang="de-DE" sz="2100" u="none" kern="1200" dirty="0"/>
-            <a:t>3. Datensatz ohne bekannten Bias</a:t>
-          </a:r>
-        </a:p>
-      </dsp:txBody>
-      <dsp:txXfrm>
-        <a:off x="39295" y="3463497"/>
-        <a:ext cx="11079151" cy="726370"/>
-      </dsp:txXfrm>
-    </dsp:sp>
-    <dsp:sp modelId="{31B992FA-1C71-4F0A-A331-B854503DAEC2}">
-      <dsp:nvSpPr>
-        <dsp:cNvPr id="0" name=""/>
-        <dsp:cNvSpPr/>
-      </dsp:nvSpPr>
-      <dsp:spPr>
-        <a:xfrm>
-          <a:off x="0" y="4196166"/>
-          <a:ext cx="11157741" cy="587430"/>
-        </a:xfrm>
-        <a:prstGeom prst="rect">
-          <a:avLst/>
-        </a:prstGeom>
-        <a:noFill/>
-        <a:ln>
-          <a:noFill/>
-        </a:ln>
-        <a:effectLst/>
-      </dsp:spPr>
-      <dsp:style>
-        <a:lnRef idx="0">
-          <a:scrgbClr r="0" g="0" b="0"/>
-        </a:lnRef>
-        <a:fillRef idx="0">
-          <a:scrgbClr r="0" g="0" b="0"/>
-        </a:fillRef>
-        <a:effectRef idx="0">
-          <a:scrgbClr r="0" g="0" b="0"/>
-        </a:effectRef>
-        <a:fontRef idx="minor"/>
-      </dsp:style>
-      <dsp:txBody>
-        <a:bodyPr spcFirstLastPara="0" vert="horz" wrap="square" lIns="354258" tIns="20320" rIns="113792" bIns="20320" numCol="1" spcCol="1270" anchor="t" anchorCtr="0">
-          <a:noAutofit/>
-        </a:bodyPr>
-        <a:lstStyle/>
-        <a:p>
-          <a:pPr marL="171450" lvl="1" indent="-171450" algn="l" defTabSz="711200">
-            <a:lnSpc>
-              <a:spcPct val="90000"/>
-            </a:lnSpc>
-            <a:spcBef>
-              <a:spcPct val="0"/>
-            </a:spcBef>
-            <a:spcAft>
-              <a:spcPct val="20000"/>
-            </a:spcAft>
-            <a:buChar char="•"/>
-          </a:pPr>
-          <a:r>
-            <a:rPr lang="de-DE" sz="1600" kern="1200" dirty="0"/>
-            <a:t>Gleicher Ablauf wie bei der ersten Art, nur sind keine Metainformationen vorhanden. Die Ergebnisse werden dann erfasst.</a:t>
-          </a:r>
-        </a:p>
-      </dsp:txBody>
-      <dsp:txXfrm>
-        <a:off x="0" y="4196166"/>
-        <a:ext cx="11157741" cy="587430"/>
       </dsp:txXfrm>
     </dsp:sp>
   </dsp:spTree>
@@ -6729,173 +5169,6 @@
 </file>
 
 <file path=ppt/diagrams/layout2.xml><?xml version="1.0" encoding="utf-8"?>
-<dgm:layoutDef xmlns:dgm="http://schemas.openxmlformats.org/drawingml/2006/diagram" xmlns:a="http://schemas.openxmlformats.org/drawingml/2006/main" uniqueId="urn:microsoft.com/office/officeart/2005/8/layout/vList2">
-  <dgm:title val=""/>
-  <dgm:desc val=""/>
-  <dgm:catLst>
-    <dgm:cat type="list" pri="3000"/>
-    <dgm:cat type="convert" pri="1000"/>
-  </dgm:catLst>
-  <dgm:sampData>
-    <dgm:dataModel>
-      <dgm:ptLst>
-        <dgm:pt modelId="0" type="doc"/>
-        <dgm:pt modelId="1">
-          <dgm:prSet phldr="1"/>
-        </dgm:pt>
-        <dgm:pt modelId="11">
-          <dgm:prSet phldr="1"/>
-        </dgm:pt>
-        <dgm:pt modelId="2">
-          <dgm:prSet phldr="1"/>
-        </dgm:pt>
-        <dgm:pt modelId="21">
-          <dgm:prSet phldr="1"/>
-        </dgm:pt>
-      </dgm:ptLst>
-      <dgm:cxnLst>
-        <dgm:cxn modelId="4" srcId="0" destId="1" srcOrd="0" destOrd="0"/>
-        <dgm:cxn modelId="5" srcId="0" destId="2" srcOrd="1" destOrd="0"/>
-        <dgm:cxn modelId="12" srcId="1" destId="11" srcOrd="0" destOrd="0"/>
-        <dgm:cxn modelId="23" srcId="2" destId="21" srcOrd="0" destOrd="0"/>
-      </dgm:cxnLst>
-      <dgm:bg/>
-      <dgm:whole/>
-    </dgm:dataModel>
-  </dgm:sampData>
-  <dgm:styleData>
-    <dgm:dataModel>
-      <dgm:ptLst>
-        <dgm:pt modelId="0" type="doc"/>
-        <dgm:pt modelId="1"/>
-        <dgm:pt modelId="2"/>
-      </dgm:ptLst>
-      <dgm:cxnLst>
-        <dgm:cxn modelId="3" srcId="0" destId="1" srcOrd="0" destOrd="0"/>
-        <dgm:cxn modelId="4" srcId="0" destId="2" srcOrd="1" destOrd="0"/>
-      </dgm:cxnLst>
-      <dgm:bg/>
-      <dgm:whole/>
-    </dgm:dataModel>
-  </dgm:styleData>
-  <dgm:clrData>
-    <dgm:dataModel>
-      <dgm:ptLst>
-        <dgm:pt modelId="0" type="doc"/>
-        <dgm:pt modelId="1"/>
-        <dgm:pt modelId="2"/>
-        <dgm:pt modelId="3"/>
-        <dgm:pt modelId="4"/>
-      </dgm:ptLst>
-      <dgm:cxnLst>
-        <dgm:cxn modelId="5" srcId="0" destId="1" srcOrd="0" destOrd="0"/>
-        <dgm:cxn modelId="6" srcId="0" destId="2" srcOrd="1" destOrd="0"/>
-        <dgm:cxn modelId="7" srcId="0" destId="3" srcOrd="2" destOrd="0"/>
-        <dgm:cxn modelId="8" srcId="0" destId="4" srcOrd="3" destOrd="0"/>
-      </dgm:cxnLst>
-      <dgm:bg/>
-      <dgm:whole/>
-    </dgm:dataModel>
-  </dgm:clrData>
-  <dgm:layoutNode name="linear">
-    <dgm:varLst>
-      <dgm:animLvl val="lvl"/>
-      <dgm:resizeHandles val="exact"/>
-    </dgm:varLst>
-    <dgm:alg type="lin">
-      <dgm:param type="linDir" val="fromT"/>
-      <dgm:param type="vertAlign" val="mid"/>
-    </dgm:alg>
-    <dgm:shape xmlns:r="http://schemas.openxmlformats.org/officeDocument/2006/relationships" r:blip="">
-      <dgm:adjLst/>
-    </dgm:shape>
-    <dgm:presOf/>
-    <dgm:constrLst>
-      <dgm:constr type="w" for="ch" forName="parentText" refType="w"/>
-      <dgm:constr type="h" for="ch" forName="parentText" refType="primFontSz" refFor="ch" refForName="parentText" fact="0.52"/>
-      <dgm:constr type="w" for="ch" forName="childText" refType="w"/>
-      <dgm:constr type="h" for="ch" forName="childText" refType="primFontSz" refFor="ch" refForName="parentText" fact="0.46"/>
-      <dgm:constr type="h" for="ch" forName="parentText" op="equ"/>
-      <dgm:constr type="primFontSz" for="ch" forName="parentText" op="equ" val="65"/>
-      <dgm:constr type="primFontSz" for="ch" forName="childText" refType="primFontSz" refFor="ch" refForName="parentText" op="equ"/>
-      <dgm:constr type="h" for="ch" forName="spacer" refType="primFontSz" refFor="ch" refForName="parentText" fact="0.08"/>
-    </dgm:constrLst>
-    <dgm:ruleLst>
-      <dgm:rule type="primFontSz" for="ch" forName="parentText" val="5" fact="NaN" max="NaN"/>
-    </dgm:ruleLst>
-    <dgm:forEach name="Name0" axis="ch" ptType="node">
-      <dgm:layoutNode name="parentText" styleLbl="node1">
-        <dgm:varLst>
-          <dgm:chMax val="0"/>
-          <dgm:bulletEnabled val="1"/>
-        </dgm:varLst>
-        <dgm:alg type="tx">
-          <dgm:param type="parTxLTRAlign" val="l"/>
-          <dgm:param type="parTxRTLAlign" val="r"/>
-        </dgm:alg>
-        <dgm:shape xmlns:r="http://schemas.openxmlformats.org/officeDocument/2006/relationships" type="roundRect" r:blip="">
-          <dgm:adjLst/>
-        </dgm:shape>
-        <dgm:presOf axis="self"/>
-        <dgm:constrLst>
-          <dgm:constr type="tMarg" refType="primFontSz" fact="0.3"/>
-          <dgm:constr type="bMarg" refType="primFontSz" fact="0.3"/>
-          <dgm:constr type="lMarg" refType="primFontSz" fact="0.3"/>
-          <dgm:constr type="rMarg" refType="primFontSz" fact="0.3"/>
-        </dgm:constrLst>
-        <dgm:ruleLst>
-          <dgm:rule type="h" val="INF" fact="NaN" max="NaN"/>
-        </dgm:ruleLst>
-      </dgm:layoutNode>
-      <dgm:choose name="Name1">
-        <dgm:if name="Name2" axis="ch" ptType="node" func="cnt" op="gte" val="1">
-          <dgm:layoutNode name="childText" styleLbl="revTx">
-            <dgm:varLst>
-              <dgm:bulletEnabled val="1"/>
-            </dgm:varLst>
-            <dgm:alg type="tx">
-              <dgm:param type="stBulletLvl" val="1"/>
-              <dgm:param type="lnSpAfChP" val="20"/>
-            </dgm:alg>
-            <dgm:shape xmlns:r="http://schemas.openxmlformats.org/officeDocument/2006/relationships" type="rect" r:blip="">
-              <dgm:adjLst/>
-            </dgm:shape>
-            <dgm:presOf axis="des" ptType="node"/>
-            <dgm:constrLst>
-              <dgm:constr type="tMarg" refType="primFontSz" fact="0.1"/>
-              <dgm:constr type="bMarg" refType="primFontSz" fact="0.1"/>
-              <dgm:constr type="lMarg" refType="w" fact="0.09"/>
-            </dgm:constrLst>
-            <dgm:ruleLst>
-              <dgm:rule type="h" val="INF" fact="NaN" max="NaN"/>
-            </dgm:ruleLst>
-          </dgm:layoutNode>
-        </dgm:if>
-        <dgm:else name="Name3">
-          <dgm:choose name="Name4">
-            <dgm:if name="Name5" axis="par ch" ptType="doc node" func="cnt" op="gte" val="2">
-              <dgm:forEach name="Name6" axis="followSib" ptType="sibTrans" cnt="1">
-                <dgm:layoutNode name="spacer">
-                  <dgm:alg type="sp"/>
-                  <dgm:shape xmlns:r="http://schemas.openxmlformats.org/officeDocument/2006/relationships" r:blip="">
-                    <dgm:adjLst/>
-                  </dgm:shape>
-                  <dgm:presOf/>
-                  <dgm:constrLst/>
-                  <dgm:ruleLst/>
-                </dgm:layoutNode>
-              </dgm:forEach>
-            </dgm:if>
-            <dgm:else name="Name7"/>
-          </dgm:choose>
-        </dgm:else>
-      </dgm:choose>
-    </dgm:forEach>
-  </dgm:layoutNode>
-</dgm:layoutDef>
-</file>
-
-<file path=ppt/diagrams/layout3.xml><?xml version="1.0" encoding="utf-8"?>
 <dgm:layoutDef xmlns:dgm="http://schemas.openxmlformats.org/drawingml/2006/diagram" xmlns:a="http://schemas.openxmlformats.org/drawingml/2006/main" uniqueId="urn:microsoft.com/office/officeart/2005/8/layout/vList2">
   <dgm:title val=""/>
   <dgm:desc val=""/>
@@ -9130,1040 +7403,6 @@
 </dgm:styleDef>
 </file>
 
-<file path=ppt/diagrams/quickStyle3.xml><?xml version="1.0" encoding="utf-8"?>
-<dgm:styleDef xmlns:dgm="http://schemas.openxmlformats.org/drawingml/2006/diagram" xmlns:a="http://schemas.openxmlformats.org/drawingml/2006/main" uniqueId="urn:microsoft.com/office/officeart/2005/8/quickstyle/simple1">
-  <dgm:title val=""/>
-  <dgm:desc val=""/>
-  <dgm:catLst>
-    <dgm:cat type="simple" pri="10100"/>
-  </dgm:catLst>
-  <dgm:scene3d>
-    <a:camera prst="orthographicFront"/>
-    <a:lightRig rig="threePt" dir="t"/>
-  </dgm:scene3d>
-  <dgm:styleLbl name="node0">
-    <dgm:scene3d>
-      <a:camera prst="orthographicFront"/>
-      <a:lightRig rig="threePt" dir="t"/>
-    </dgm:scene3d>
-    <dgm:sp3d/>
-    <dgm:txPr/>
-    <dgm:style>
-      <a:lnRef idx="2">
-        <a:scrgbClr r="0" g="0" b="0"/>
-      </a:lnRef>
-      <a:fillRef idx="1">
-        <a:scrgbClr r="0" g="0" b="0"/>
-      </a:fillRef>
-      <a:effectRef idx="0">
-        <a:scrgbClr r="0" g="0" b="0"/>
-      </a:effectRef>
-      <a:fontRef idx="minor">
-        <a:schemeClr val="lt1"/>
-      </a:fontRef>
-    </dgm:style>
-  </dgm:styleLbl>
-  <dgm:styleLbl name="lnNode1">
-    <dgm:scene3d>
-      <a:camera prst="orthographicFront"/>
-      <a:lightRig rig="threePt" dir="t"/>
-    </dgm:scene3d>
-    <dgm:sp3d/>
-    <dgm:txPr/>
-    <dgm:style>
-      <a:lnRef idx="2">
-        <a:scrgbClr r="0" g="0" b="0"/>
-      </a:lnRef>
-      <a:fillRef idx="1">
-        <a:scrgbClr r="0" g="0" b="0"/>
-      </a:fillRef>
-      <a:effectRef idx="0">
-        <a:scrgbClr r="0" g="0" b="0"/>
-      </a:effectRef>
-      <a:fontRef idx="minor">
-        <a:schemeClr val="lt1"/>
-      </a:fontRef>
-    </dgm:style>
-  </dgm:styleLbl>
-  <dgm:styleLbl name="vennNode1">
-    <dgm:scene3d>
-      <a:camera prst="orthographicFront"/>
-      <a:lightRig rig="threePt" dir="t"/>
-    </dgm:scene3d>
-    <dgm:sp3d/>
-    <dgm:txPr/>
-    <dgm:style>
-      <a:lnRef idx="2">
-        <a:scrgbClr r="0" g="0" b="0"/>
-      </a:lnRef>
-      <a:fillRef idx="1">
-        <a:scrgbClr r="0" g="0" b="0"/>
-      </a:fillRef>
-      <a:effectRef idx="0">
-        <a:scrgbClr r="0" g="0" b="0"/>
-      </a:effectRef>
-      <a:fontRef idx="minor">
-        <a:schemeClr val="tx1"/>
-      </a:fontRef>
-    </dgm:style>
-  </dgm:styleLbl>
-  <dgm:styleLbl name="alignNode1">
-    <dgm:scene3d>
-      <a:camera prst="orthographicFront"/>
-      <a:lightRig rig="threePt" dir="t"/>
-    </dgm:scene3d>
-    <dgm:sp3d/>
-    <dgm:txPr/>
-    <dgm:style>
-      <a:lnRef idx="2">
-        <a:scrgbClr r="0" g="0" b="0"/>
-      </a:lnRef>
-      <a:fillRef idx="1">
-        <a:scrgbClr r="0" g="0" b="0"/>
-      </a:fillRef>
-      <a:effectRef idx="0">
-        <a:scrgbClr r="0" g="0" b="0"/>
-      </a:effectRef>
-      <a:fontRef idx="minor">
-        <a:schemeClr val="lt1"/>
-      </a:fontRef>
-    </dgm:style>
-  </dgm:styleLbl>
-  <dgm:styleLbl name="node1">
-    <dgm:scene3d>
-      <a:camera prst="orthographicFront"/>
-      <a:lightRig rig="threePt" dir="t"/>
-    </dgm:scene3d>
-    <dgm:sp3d/>
-    <dgm:txPr/>
-    <dgm:style>
-      <a:lnRef idx="2">
-        <a:scrgbClr r="0" g="0" b="0"/>
-      </a:lnRef>
-      <a:fillRef idx="1">
-        <a:scrgbClr r="0" g="0" b="0"/>
-      </a:fillRef>
-      <a:effectRef idx="0">
-        <a:scrgbClr r="0" g="0" b="0"/>
-      </a:effectRef>
-      <a:fontRef idx="minor">
-        <a:schemeClr val="lt1"/>
-      </a:fontRef>
-    </dgm:style>
-  </dgm:styleLbl>
-  <dgm:styleLbl name="node2">
-    <dgm:scene3d>
-      <a:camera prst="orthographicFront"/>
-      <a:lightRig rig="threePt" dir="t"/>
-    </dgm:scene3d>
-    <dgm:sp3d/>
-    <dgm:txPr/>
-    <dgm:style>
-      <a:lnRef idx="2">
-        <a:scrgbClr r="0" g="0" b="0"/>
-      </a:lnRef>
-      <a:fillRef idx="1">
-        <a:scrgbClr r="0" g="0" b="0"/>
-      </a:fillRef>
-      <a:effectRef idx="0">
-        <a:scrgbClr r="0" g="0" b="0"/>
-      </a:effectRef>
-      <a:fontRef idx="minor">
-        <a:schemeClr val="lt1"/>
-      </a:fontRef>
-    </dgm:style>
-  </dgm:styleLbl>
-  <dgm:styleLbl name="node3">
-    <dgm:scene3d>
-      <a:camera prst="orthographicFront"/>
-      <a:lightRig rig="threePt" dir="t"/>
-    </dgm:scene3d>
-    <dgm:sp3d/>
-    <dgm:txPr/>
-    <dgm:style>
-      <a:lnRef idx="2">
-        <a:scrgbClr r="0" g="0" b="0"/>
-      </a:lnRef>
-      <a:fillRef idx="1">
-        <a:scrgbClr r="0" g="0" b="0"/>
-      </a:fillRef>
-      <a:effectRef idx="0">
-        <a:scrgbClr r="0" g="0" b="0"/>
-      </a:effectRef>
-      <a:fontRef idx="minor">
-        <a:schemeClr val="lt1"/>
-      </a:fontRef>
-    </dgm:style>
-  </dgm:styleLbl>
-  <dgm:styleLbl name="node4">
-    <dgm:scene3d>
-      <a:camera prst="orthographicFront"/>
-      <a:lightRig rig="threePt" dir="t"/>
-    </dgm:scene3d>
-    <dgm:sp3d/>
-    <dgm:txPr/>
-    <dgm:style>
-      <a:lnRef idx="2">
-        <a:scrgbClr r="0" g="0" b="0"/>
-      </a:lnRef>
-      <a:fillRef idx="1">
-        <a:scrgbClr r="0" g="0" b="0"/>
-      </a:fillRef>
-      <a:effectRef idx="0">
-        <a:scrgbClr r="0" g="0" b="0"/>
-      </a:effectRef>
-      <a:fontRef idx="minor">
-        <a:schemeClr val="lt1"/>
-      </a:fontRef>
-    </dgm:style>
-  </dgm:styleLbl>
-  <dgm:styleLbl name="fgImgPlace1">
-    <dgm:scene3d>
-      <a:camera prst="orthographicFront"/>
-      <a:lightRig rig="threePt" dir="t"/>
-    </dgm:scene3d>
-    <dgm:sp3d/>
-    <dgm:txPr/>
-    <dgm:style>
-      <a:lnRef idx="2">
-        <a:scrgbClr r="0" g="0" b="0"/>
-      </a:lnRef>
-      <a:fillRef idx="1">
-        <a:scrgbClr r="0" g="0" b="0"/>
-      </a:fillRef>
-      <a:effectRef idx="0">
-        <a:scrgbClr r="0" g="0" b="0"/>
-      </a:effectRef>
-      <a:fontRef idx="minor"/>
-    </dgm:style>
-  </dgm:styleLbl>
-  <dgm:styleLbl name="alignImgPlace1">
-    <dgm:scene3d>
-      <a:camera prst="orthographicFront"/>
-      <a:lightRig rig="threePt" dir="t"/>
-    </dgm:scene3d>
-    <dgm:sp3d/>
-    <dgm:txPr/>
-    <dgm:style>
-      <a:lnRef idx="2">
-        <a:scrgbClr r="0" g="0" b="0"/>
-      </a:lnRef>
-      <a:fillRef idx="1">
-        <a:scrgbClr r="0" g="0" b="0"/>
-      </a:fillRef>
-      <a:effectRef idx="0">
-        <a:scrgbClr r="0" g="0" b="0"/>
-      </a:effectRef>
-      <a:fontRef idx="minor"/>
-    </dgm:style>
-  </dgm:styleLbl>
-  <dgm:styleLbl name="bgImgPlace1">
-    <dgm:scene3d>
-      <a:camera prst="orthographicFront"/>
-      <a:lightRig rig="threePt" dir="t"/>
-    </dgm:scene3d>
-    <dgm:sp3d/>
-    <dgm:txPr/>
-    <dgm:style>
-      <a:lnRef idx="2">
-        <a:scrgbClr r="0" g="0" b="0"/>
-      </a:lnRef>
-      <a:fillRef idx="1">
-        <a:scrgbClr r="0" g="0" b="0"/>
-      </a:fillRef>
-      <a:effectRef idx="0">
-        <a:scrgbClr r="0" g="0" b="0"/>
-      </a:effectRef>
-      <a:fontRef idx="minor"/>
-    </dgm:style>
-  </dgm:styleLbl>
-  <dgm:styleLbl name="sibTrans2D1">
-    <dgm:scene3d>
-      <a:camera prst="orthographicFront"/>
-      <a:lightRig rig="threePt" dir="t"/>
-    </dgm:scene3d>
-    <dgm:sp3d/>
-    <dgm:txPr/>
-    <dgm:style>
-      <a:lnRef idx="0">
-        <a:scrgbClr r="0" g="0" b="0"/>
-      </a:lnRef>
-      <a:fillRef idx="1">
-        <a:scrgbClr r="0" g="0" b="0"/>
-      </a:fillRef>
-      <a:effectRef idx="0">
-        <a:scrgbClr r="0" g="0" b="0"/>
-      </a:effectRef>
-      <a:fontRef idx="minor">
-        <a:schemeClr val="lt1"/>
-      </a:fontRef>
-    </dgm:style>
-  </dgm:styleLbl>
-  <dgm:styleLbl name="fgSibTrans2D1">
-    <dgm:scene3d>
-      <a:camera prst="orthographicFront"/>
-      <a:lightRig rig="threePt" dir="t"/>
-    </dgm:scene3d>
-    <dgm:sp3d/>
-    <dgm:txPr/>
-    <dgm:style>
-      <a:lnRef idx="0">
-        <a:scrgbClr r="0" g="0" b="0"/>
-      </a:lnRef>
-      <a:fillRef idx="1">
-        <a:scrgbClr r="0" g="0" b="0"/>
-      </a:fillRef>
-      <a:effectRef idx="0">
-        <a:scrgbClr r="0" g="0" b="0"/>
-      </a:effectRef>
-      <a:fontRef idx="minor">
-        <a:schemeClr val="lt1"/>
-      </a:fontRef>
-    </dgm:style>
-  </dgm:styleLbl>
-  <dgm:styleLbl name="bgSibTrans2D1">
-    <dgm:scene3d>
-      <a:camera prst="orthographicFront"/>
-      <a:lightRig rig="threePt" dir="t"/>
-    </dgm:scene3d>
-    <dgm:sp3d/>
-    <dgm:txPr/>
-    <dgm:style>
-      <a:lnRef idx="0">
-        <a:scrgbClr r="0" g="0" b="0"/>
-      </a:lnRef>
-      <a:fillRef idx="1">
-        <a:scrgbClr r="0" g="0" b="0"/>
-      </a:fillRef>
-      <a:effectRef idx="0">
-        <a:scrgbClr r="0" g="0" b="0"/>
-      </a:effectRef>
-      <a:fontRef idx="minor">
-        <a:schemeClr val="lt1"/>
-      </a:fontRef>
-    </dgm:style>
-  </dgm:styleLbl>
-  <dgm:styleLbl name="sibTrans1D1">
-    <dgm:scene3d>
-      <a:camera prst="orthographicFront"/>
-      <a:lightRig rig="threePt" dir="t"/>
-    </dgm:scene3d>
-    <dgm:sp3d/>
-    <dgm:txPr/>
-    <dgm:style>
-      <a:lnRef idx="1">
-        <a:scrgbClr r="0" g="0" b="0"/>
-      </a:lnRef>
-      <a:fillRef idx="0">
-        <a:scrgbClr r="0" g="0" b="0"/>
-      </a:fillRef>
-      <a:effectRef idx="0">
-        <a:scrgbClr r="0" g="0" b="0"/>
-      </a:effectRef>
-      <a:fontRef idx="minor"/>
-    </dgm:style>
-  </dgm:styleLbl>
-  <dgm:styleLbl name="callout">
-    <dgm:scene3d>
-      <a:camera prst="orthographicFront"/>
-      <a:lightRig rig="threePt" dir="t"/>
-    </dgm:scene3d>
-    <dgm:sp3d/>
-    <dgm:txPr/>
-    <dgm:style>
-      <a:lnRef idx="2">
-        <a:scrgbClr r="0" g="0" b="0"/>
-      </a:lnRef>
-      <a:fillRef idx="1">
-        <a:scrgbClr r="0" g="0" b="0"/>
-      </a:fillRef>
-      <a:effectRef idx="0">
-        <a:scrgbClr r="0" g="0" b="0"/>
-      </a:effectRef>
-      <a:fontRef idx="minor"/>
-    </dgm:style>
-  </dgm:styleLbl>
-  <dgm:styleLbl name="asst0">
-    <dgm:scene3d>
-      <a:camera prst="orthographicFront"/>
-      <a:lightRig rig="threePt" dir="t"/>
-    </dgm:scene3d>
-    <dgm:sp3d/>
-    <dgm:txPr/>
-    <dgm:style>
-      <a:lnRef idx="2">
-        <a:scrgbClr r="0" g="0" b="0"/>
-      </a:lnRef>
-      <a:fillRef idx="1">
-        <a:scrgbClr r="0" g="0" b="0"/>
-      </a:fillRef>
-      <a:effectRef idx="0">
-        <a:scrgbClr r="0" g="0" b="0"/>
-      </a:effectRef>
-      <a:fontRef idx="minor">
-        <a:schemeClr val="lt1"/>
-      </a:fontRef>
-    </dgm:style>
-  </dgm:styleLbl>
-  <dgm:styleLbl name="asst1">
-    <dgm:scene3d>
-      <a:camera prst="orthographicFront"/>
-      <a:lightRig rig="threePt" dir="t"/>
-    </dgm:scene3d>
-    <dgm:sp3d/>
-    <dgm:txPr/>
-    <dgm:style>
-      <a:lnRef idx="2">
-        <a:scrgbClr r="0" g="0" b="0"/>
-      </a:lnRef>
-      <a:fillRef idx="1">
-        <a:scrgbClr r="0" g="0" b="0"/>
-      </a:fillRef>
-      <a:effectRef idx="0">
-        <a:scrgbClr r="0" g="0" b="0"/>
-      </a:effectRef>
-      <a:fontRef idx="minor">
-        <a:schemeClr val="lt1"/>
-      </a:fontRef>
-    </dgm:style>
-  </dgm:styleLbl>
-  <dgm:styleLbl name="asst2">
-    <dgm:scene3d>
-      <a:camera prst="orthographicFront"/>
-      <a:lightRig rig="threePt" dir="t"/>
-    </dgm:scene3d>
-    <dgm:sp3d/>
-    <dgm:txPr/>
-    <dgm:style>
-      <a:lnRef idx="2">
-        <a:scrgbClr r="0" g="0" b="0"/>
-      </a:lnRef>
-      <a:fillRef idx="1">
-        <a:scrgbClr r="0" g="0" b="0"/>
-      </a:fillRef>
-      <a:effectRef idx="0">
-        <a:scrgbClr r="0" g="0" b="0"/>
-      </a:effectRef>
-      <a:fontRef idx="minor">
-        <a:schemeClr val="lt1"/>
-      </a:fontRef>
-    </dgm:style>
-  </dgm:styleLbl>
-  <dgm:styleLbl name="asst3">
-    <dgm:scene3d>
-      <a:camera prst="orthographicFront"/>
-      <a:lightRig rig="threePt" dir="t"/>
-    </dgm:scene3d>
-    <dgm:sp3d/>
-    <dgm:txPr/>
-    <dgm:style>
-      <a:lnRef idx="2">
-        <a:scrgbClr r="0" g="0" b="0"/>
-      </a:lnRef>
-      <a:fillRef idx="1">
-        <a:scrgbClr r="0" g="0" b="0"/>
-      </a:fillRef>
-      <a:effectRef idx="0">
-        <a:scrgbClr r="0" g="0" b="0"/>
-      </a:effectRef>
-      <a:fontRef idx="minor">
-        <a:schemeClr val="lt1"/>
-      </a:fontRef>
-    </dgm:style>
-  </dgm:styleLbl>
-  <dgm:styleLbl name="asst4">
-    <dgm:scene3d>
-      <a:camera prst="orthographicFront"/>
-      <a:lightRig rig="threePt" dir="t"/>
-    </dgm:scene3d>
-    <dgm:sp3d/>
-    <dgm:txPr/>
-    <dgm:style>
-      <a:lnRef idx="2">
-        <a:scrgbClr r="0" g="0" b="0"/>
-      </a:lnRef>
-      <a:fillRef idx="1">
-        <a:scrgbClr r="0" g="0" b="0"/>
-      </a:fillRef>
-      <a:effectRef idx="0">
-        <a:scrgbClr r="0" g="0" b="0"/>
-      </a:effectRef>
-      <a:fontRef idx="minor">
-        <a:schemeClr val="lt1"/>
-      </a:fontRef>
-    </dgm:style>
-  </dgm:styleLbl>
-  <dgm:styleLbl name="parChTrans2D1">
-    <dgm:scene3d>
-      <a:camera prst="orthographicFront"/>
-      <a:lightRig rig="threePt" dir="t"/>
-    </dgm:scene3d>
-    <dgm:sp3d/>
-    <dgm:txPr/>
-    <dgm:style>
-      <a:lnRef idx="2">
-        <a:scrgbClr r="0" g="0" b="0"/>
-      </a:lnRef>
-      <a:fillRef idx="1">
-        <a:scrgbClr r="0" g="0" b="0"/>
-      </a:fillRef>
-      <a:effectRef idx="0">
-        <a:scrgbClr r="0" g="0" b="0"/>
-      </a:effectRef>
-      <a:fontRef idx="minor">
-        <a:schemeClr val="lt1"/>
-      </a:fontRef>
-    </dgm:style>
-  </dgm:styleLbl>
-  <dgm:styleLbl name="parChTrans2D2">
-    <dgm:scene3d>
-      <a:camera prst="orthographicFront"/>
-      <a:lightRig rig="threePt" dir="t"/>
-    </dgm:scene3d>
-    <dgm:sp3d/>
-    <dgm:txPr/>
-    <dgm:style>
-      <a:lnRef idx="2">
-        <a:scrgbClr r="0" g="0" b="0"/>
-      </a:lnRef>
-      <a:fillRef idx="1">
-        <a:scrgbClr r="0" g="0" b="0"/>
-      </a:fillRef>
-      <a:effectRef idx="0">
-        <a:scrgbClr r="0" g="0" b="0"/>
-      </a:effectRef>
-      <a:fontRef idx="minor">
-        <a:schemeClr val="lt1"/>
-      </a:fontRef>
-    </dgm:style>
-  </dgm:styleLbl>
-  <dgm:styleLbl name="parChTrans2D3">
-    <dgm:scene3d>
-      <a:camera prst="orthographicFront"/>
-      <a:lightRig rig="threePt" dir="t"/>
-    </dgm:scene3d>
-    <dgm:sp3d/>
-    <dgm:txPr/>
-    <dgm:style>
-      <a:lnRef idx="2">
-        <a:scrgbClr r="0" g="0" b="0"/>
-      </a:lnRef>
-      <a:fillRef idx="1">
-        <a:scrgbClr r="0" g="0" b="0"/>
-      </a:fillRef>
-      <a:effectRef idx="0">
-        <a:scrgbClr r="0" g="0" b="0"/>
-      </a:effectRef>
-      <a:fontRef idx="minor">
-        <a:schemeClr val="lt1"/>
-      </a:fontRef>
-    </dgm:style>
-  </dgm:styleLbl>
-  <dgm:styleLbl name="parChTrans2D4">
-    <dgm:scene3d>
-      <a:camera prst="orthographicFront"/>
-      <a:lightRig rig="threePt" dir="t"/>
-    </dgm:scene3d>
-    <dgm:sp3d/>
-    <dgm:txPr/>
-    <dgm:style>
-      <a:lnRef idx="2">
-        <a:scrgbClr r="0" g="0" b="0"/>
-      </a:lnRef>
-      <a:fillRef idx="1">
-        <a:scrgbClr r="0" g="0" b="0"/>
-      </a:fillRef>
-      <a:effectRef idx="0">
-        <a:scrgbClr r="0" g="0" b="0"/>
-      </a:effectRef>
-      <a:fontRef idx="minor">
-        <a:schemeClr val="lt1"/>
-      </a:fontRef>
-    </dgm:style>
-  </dgm:styleLbl>
-  <dgm:styleLbl name="parChTrans1D1">
-    <dgm:scene3d>
-      <a:camera prst="orthographicFront"/>
-      <a:lightRig rig="threePt" dir="t"/>
-    </dgm:scene3d>
-    <dgm:sp3d/>
-    <dgm:txPr/>
-    <dgm:style>
-      <a:lnRef idx="2">
-        <a:scrgbClr r="0" g="0" b="0"/>
-      </a:lnRef>
-      <a:fillRef idx="0">
-        <a:scrgbClr r="0" g="0" b="0"/>
-      </a:fillRef>
-      <a:effectRef idx="0">
-        <a:scrgbClr r="0" g="0" b="0"/>
-      </a:effectRef>
-      <a:fontRef idx="minor"/>
-    </dgm:style>
-  </dgm:styleLbl>
-  <dgm:styleLbl name="parChTrans1D2">
-    <dgm:scene3d>
-      <a:camera prst="orthographicFront"/>
-      <a:lightRig rig="threePt" dir="t"/>
-    </dgm:scene3d>
-    <dgm:sp3d/>
-    <dgm:txPr/>
-    <dgm:style>
-      <a:lnRef idx="2">
-        <a:scrgbClr r="0" g="0" b="0"/>
-      </a:lnRef>
-      <a:fillRef idx="0">
-        <a:scrgbClr r="0" g="0" b="0"/>
-      </a:fillRef>
-      <a:effectRef idx="0">
-        <a:scrgbClr r="0" g="0" b="0"/>
-      </a:effectRef>
-      <a:fontRef idx="minor"/>
-    </dgm:style>
-  </dgm:styleLbl>
-  <dgm:styleLbl name="parChTrans1D3">
-    <dgm:scene3d>
-      <a:camera prst="orthographicFront"/>
-      <a:lightRig rig="threePt" dir="t"/>
-    </dgm:scene3d>
-    <dgm:sp3d/>
-    <dgm:txPr/>
-    <dgm:style>
-      <a:lnRef idx="2">
-        <a:scrgbClr r="0" g="0" b="0"/>
-      </a:lnRef>
-      <a:fillRef idx="0">
-        <a:scrgbClr r="0" g="0" b="0"/>
-      </a:fillRef>
-      <a:effectRef idx="0">
-        <a:scrgbClr r="0" g="0" b="0"/>
-      </a:effectRef>
-      <a:fontRef idx="minor"/>
-    </dgm:style>
-  </dgm:styleLbl>
-  <dgm:styleLbl name="parChTrans1D4">
-    <dgm:scene3d>
-      <a:camera prst="orthographicFront"/>
-      <a:lightRig rig="threePt" dir="t"/>
-    </dgm:scene3d>
-    <dgm:sp3d/>
-    <dgm:txPr/>
-    <dgm:style>
-      <a:lnRef idx="2">
-        <a:scrgbClr r="0" g="0" b="0"/>
-      </a:lnRef>
-      <a:fillRef idx="0">
-        <a:scrgbClr r="0" g="0" b="0"/>
-      </a:fillRef>
-      <a:effectRef idx="0">
-        <a:scrgbClr r="0" g="0" b="0"/>
-      </a:effectRef>
-      <a:fontRef idx="minor"/>
-    </dgm:style>
-  </dgm:styleLbl>
-  <dgm:styleLbl name="fgAcc1">
-    <dgm:scene3d>
-      <a:camera prst="orthographicFront"/>
-      <a:lightRig rig="threePt" dir="t"/>
-    </dgm:scene3d>
-    <dgm:sp3d/>
-    <dgm:txPr/>
-    <dgm:style>
-      <a:lnRef idx="2">
-        <a:scrgbClr r="0" g="0" b="0"/>
-      </a:lnRef>
-      <a:fillRef idx="1">
-        <a:scrgbClr r="0" g="0" b="0"/>
-      </a:fillRef>
-      <a:effectRef idx="0">
-        <a:scrgbClr r="0" g="0" b="0"/>
-      </a:effectRef>
-      <a:fontRef idx="minor"/>
-    </dgm:style>
-  </dgm:styleLbl>
-  <dgm:styleLbl name="conFgAcc1">
-    <dgm:scene3d>
-      <a:camera prst="orthographicFront"/>
-      <a:lightRig rig="threePt" dir="t"/>
-    </dgm:scene3d>
-    <dgm:sp3d/>
-    <dgm:txPr/>
-    <dgm:style>
-      <a:lnRef idx="2">
-        <a:scrgbClr r="0" g="0" b="0"/>
-      </a:lnRef>
-      <a:fillRef idx="1">
-        <a:scrgbClr r="0" g="0" b="0"/>
-      </a:fillRef>
-      <a:effectRef idx="0">
-        <a:scrgbClr r="0" g="0" b="0"/>
-      </a:effectRef>
-      <a:fontRef idx="minor"/>
-    </dgm:style>
-  </dgm:styleLbl>
-  <dgm:styleLbl name="alignAcc1">
-    <dgm:scene3d>
-      <a:camera prst="orthographicFront"/>
-      <a:lightRig rig="threePt" dir="t"/>
-    </dgm:scene3d>
-    <dgm:sp3d/>
-    <dgm:txPr/>
-    <dgm:style>
-      <a:lnRef idx="2">
-        <a:scrgbClr r="0" g="0" b="0"/>
-      </a:lnRef>
-      <a:fillRef idx="1">
-        <a:scrgbClr r="0" g="0" b="0"/>
-      </a:fillRef>
-      <a:effectRef idx="0">
-        <a:scrgbClr r="0" g="0" b="0"/>
-      </a:effectRef>
-      <a:fontRef idx="minor"/>
-    </dgm:style>
-  </dgm:styleLbl>
-  <dgm:styleLbl name="trAlignAcc1">
-    <dgm:scene3d>
-      <a:camera prst="orthographicFront"/>
-      <a:lightRig rig="threePt" dir="t"/>
-    </dgm:scene3d>
-    <dgm:sp3d/>
-    <dgm:txPr/>
-    <dgm:style>
-      <a:lnRef idx="1">
-        <a:scrgbClr r="0" g="0" b="0"/>
-      </a:lnRef>
-      <a:fillRef idx="1">
-        <a:scrgbClr r="0" g="0" b="0"/>
-      </a:fillRef>
-      <a:effectRef idx="0">
-        <a:scrgbClr r="0" g="0" b="0"/>
-      </a:effectRef>
-      <a:fontRef idx="minor"/>
-    </dgm:style>
-  </dgm:styleLbl>
-  <dgm:styleLbl name="bgAcc1">
-    <dgm:scene3d>
-      <a:camera prst="orthographicFront"/>
-      <a:lightRig rig="threePt" dir="t"/>
-    </dgm:scene3d>
-    <dgm:sp3d/>
-    <dgm:txPr/>
-    <dgm:style>
-      <a:lnRef idx="2">
-        <a:scrgbClr r="0" g="0" b="0"/>
-      </a:lnRef>
-      <a:fillRef idx="1">
-        <a:scrgbClr r="0" g="0" b="0"/>
-      </a:fillRef>
-      <a:effectRef idx="0">
-        <a:scrgbClr r="0" g="0" b="0"/>
-      </a:effectRef>
-      <a:fontRef idx="minor"/>
-    </dgm:style>
-  </dgm:styleLbl>
-  <dgm:styleLbl name="solidFgAcc1">
-    <dgm:scene3d>
-      <a:camera prst="orthographicFront"/>
-      <a:lightRig rig="threePt" dir="t"/>
-    </dgm:scene3d>
-    <dgm:sp3d/>
-    <dgm:txPr/>
-    <dgm:style>
-      <a:lnRef idx="2">
-        <a:scrgbClr r="0" g="0" b="0"/>
-      </a:lnRef>
-      <a:fillRef idx="1">
-        <a:scrgbClr r="0" g="0" b="0"/>
-      </a:fillRef>
-      <a:effectRef idx="0">
-        <a:scrgbClr r="0" g="0" b="0"/>
-      </a:effectRef>
-      <a:fontRef idx="minor"/>
-    </dgm:style>
-  </dgm:styleLbl>
-  <dgm:styleLbl name="solidAlignAcc1">
-    <dgm:scene3d>
-      <a:camera prst="orthographicFront"/>
-      <a:lightRig rig="threePt" dir="t"/>
-    </dgm:scene3d>
-    <dgm:sp3d/>
-    <dgm:txPr/>
-    <dgm:style>
-      <a:lnRef idx="2">
-        <a:scrgbClr r="0" g="0" b="0"/>
-      </a:lnRef>
-      <a:fillRef idx="1">
-        <a:scrgbClr r="0" g="0" b="0"/>
-      </a:fillRef>
-      <a:effectRef idx="0">
-        <a:scrgbClr r="0" g="0" b="0"/>
-      </a:effectRef>
-      <a:fontRef idx="minor"/>
-    </dgm:style>
-  </dgm:styleLbl>
-  <dgm:styleLbl name="solidBgAcc1">
-    <dgm:scene3d>
-      <a:camera prst="orthographicFront"/>
-      <a:lightRig rig="threePt" dir="t"/>
-    </dgm:scene3d>
-    <dgm:sp3d/>
-    <dgm:txPr/>
-    <dgm:style>
-      <a:lnRef idx="2">
-        <a:scrgbClr r="0" g="0" b="0"/>
-      </a:lnRef>
-      <a:fillRef idx="1">
-        <a:scrgbClr r="0" g="0" b="0"/>
-      </a:fillRef>
-      <a:effectRef idx="0">
-        <a:scrgbClr r="0" g="0" b="0"/>
-      </a:effectRef>
-      <a:fontRef idx="minor"/>
-    </dgm:style>
-  </dgm:styleLbl>
-  <dgm:styleLbl name="fgAccFollowNode1">
-    <dgm:scene3d>
-      <a:camera prst="orthographicFront"/>
-      <a:lightRig rig="threePt" dir="t"/>
-    </dgm:scene3d>
-    <dgm:sp3d/>
-    <dgm:txPr/>
-    <dgm:style>
-      <a:lnRef idx="2">
-        <a:scrgbClr r="0" g="0" b="0"/>
-      </a:lnRef>
-      <a:fillRef idx="1">
-        <a:scrgbClr r="0" g="0" b="0"/>
-      </a:fillRef>
-      <a:effectRef idx="0">
-        <a:scrgbClr r="0" g="0" b="0"/>
-      </a:effectRef>
-      <a:fontRef idx="minor"/>
-    </dgm:style>
-  </dgm:styleLbl>
-  <dgm:styleLbl name="alignAccFollowNode1">
-    <dgm:scene3d>
-      <a:camera prst="orthographicFront"/>
-      <a:lightRig rig="threePt" dir="t"/>
-    </dgm:scene3d>
-    <dgm:sp3d/>
-    <dgm:txPr/>
-    <dgm:style>
-      <a:lnRef idx="2">
-        <a:scrgbClr r="0" g="0" b="0"/>
-      </a:lnRef>
-      <a:fillRef idx="1">
-        <a:scrgbClr r="0" g="0" b="0"/>
-      </a:fillRef>
-      <a:effectRef idx="0">
-        <a:scrgbClr r="0" g="0" b="0"/>
-      </a:effectRef>
-      <a:fontRef idx="minor"/>
-    </dgm:style>
-  </dgm:styleLbl>
-  <dgm:styleLbl name="bgAccFollowNode1">
-    <dgm:scene3d>
-      <a:camera prst="orthographicFront"/>
-      <a:lightRig rig="threePt" dir="t"/>
-    </dgm:scene3d>
-    <dgm:sp3d/>
-    <dgm:txPr/>
-    <dgm:style>
-      <a:lnRef idx="2">
-        <a:scrgbClr r="0" g="0" b="0"/>
-      </a:lnRef>
-      <a:fillRef idx="1">
-        <a:scrgbClr r="0" g="0" b="0"/>
-      </a:fillRef>
-      <a:effectRef idx="0">
-        <a:scrgbClr r="0" g="0" b="0"/>
-      </a:effectRef>
-      <a:fontRef idx="minor"/>
-    </dgm:style>
-  </dgm:styleLbl>
-  <dgm:styleLbl name="fgAcc0">
-    <dgm:scene3d>
-      <a:camera prst="orthographicFront"/>
-      <a:lightRig rig="threePt" dir="t"/>
-    </dgm:scene3d>
-    <dgm:sp3d/>
-    <dgm:txPr/>
-    <dgm:style>
-      <a:lnRef idx="2">
-        <a:scrgbClr r="0" g="0" b="0"/>
-      </a:lnRef>
-      <a:fillRef idx="1">
-        <a:scrgbClr r="0" g="0" b="0"/>
-      </a:fillRef>
-      <a:effectRef idx="0">
-        <a:scrgbClr r="0" g="0" b="0"/>
-      </a:effectRef>
-      <a:fontRef idx="minor"/>
-    </dgm:style>
-  </dgm:styleLbl>
-  <dgm:styleLbl name="fgAcc2">
-    <dgm:scene3d>
-      <a:camera prst="orthographicFront"/>
-      <a:lightRig rig="threePt" dir="t"/>
-    </dgm:scene3d>
-    <dgm:sp3d/>
-    <dgm:txPr/>
-    <dgm:style>
-      <a:lnRef idx="2">
-        <a:scrgbClr r="0" g="0" b="0"/>
-      </a:lnRef>
-      <a:fillRef idx="1">
-        <a:scrgbClr r="0" g="0" b="0"/>
-      </a:fillRef>
-      <a:effectRef idx="0">
-        <a:scrgbClr r="0" g="0" b="0"/>
-      </a:effectRef>
-      <a:fontRef idx="minor"/>
-    </dgm:style>
-  </dgm:styleLbl>
-  <dgm:styleLbl name="fgAcc3">
-    <dgm:scene3d>
-      <a:camera prst="orthographicFront"/>
-      <a:lightRig rig="threePt" dir="t"/>
-    </dgm:scene3d>
-    <dgm:sp3d/>
-    <dgm:txPr/>
-    <dgm:style>
-      <a:lnRef idx="2">
-        <a:scrgbClr r="0" g="0" b="0"/>
-      </a:lnRef>
-      <a:fillRef idx="1">
-        <a:scrgbClr r="0" g="0" b="0"/>
-      </a:fillRef>
-      <a:effectRef idx="0">
-        <a:scrgbClr r="0" g="0" b="0"/>
-      </a:effectRef>
-      <a:fontRef idx="minor"/>
-    </dgm:style>
-  </dgm:styleLbl>
-  <dgm:styleLbl name="fgAcc4">
-    <dgm:scene3d>
-      <a:camera prst="orthographicFront"/>
-      <a:lightRig rig="threePt" dir="t"/>
-    </dgm:scene3d>
-    <dgm:sp3d/>
-    <dgm:txPr/>
-    <dgm:style>
-      <a:lnRef idx="2">
-        <a:scrgbClr r="0" g="0" b="0"/>
-      </a:lnRef>
-      <a:fillRef idx="1">
-        <a:scrgbClr r="0" g="0" b="0"/>
-      </a:fillRef>
-      <a:effectRef idx="0">
-        <a:scrgbClr r="0" g="0" b="0"/>
-      </a:effectRef>
-      <a:fontRef idx="minor"/>
-    </dgm:style>
-  </dgm:styleLbl>
-  <dgm:styleLbl name="bgShp">
-    <dgm:scene3d>
-      <a:camera prst="orthographicFront"/>
-      <a:lightRig rig="threePt" dir="t"/>
-    </dgm:scene3d>
-    <dgm:sp3d/>
-    <dgm:txPr/>
-    <dgm:style>
-      <a:lnRef idx="0">
-        <a:scrgbClr r="0" g="0" b="0"/>
-      </a:lnRef>
-      <a:fillRef idx="1">
-        <a:scrgbClr r="0" g="0" b="0"/>
-      </a:fillRef>
-      <a:effectRef idx="0">
-        <a:scrgbClr r="0" g="0" b="0"/>
-      </a:effectRef>
-      <a:fontRef idx="minor"/>
-    </dgm:style>
-  </dgm:styleLbl>
-  <dgm:styleLbl name="dkBgShp">
-    <dgm:scene3d>
-      <a:camera prst="orthographicFront"/>
-      <a:lightRig rig="threePt" dir="t"/>
-    </dgm:scene3d>
-    <dgm:sp3d/>
-    <dgm:txPr/>
-    <dgm:style>
-      <a:lnRef idx="0">
-        <a:scrgbClr r="0" g="0" b="0"/>
-      </a:lnRef>
-      <a:fillRef idx="1">
-        <a:scrgbClr r="0" g="0" b="0"/>
-      </a:fillRef>
-      <a:effectRef idx="0">
-        <a:scrgbClr r="0" g="0" b="0"/>
-      </a:effectRef>
-      <a:fontRef idx="minor"/>
-    </dgm:style>
-  </dgm:styleLbl>
-  <dgm:styleLbl name="trBgShp">
-    <dgm:scene3d>
-      <a:camera prst="orthographicFront"/>
-      <a:lightRig rig="threePt" dir="t"/>
-    </dgm:scene3d>
-    <dgm:sp3d/>
-    <dgm:txPr/>
-    <dgm:style>
-      <a:lnRef idx="0">
-        <a:scrgbClr r="0" g="0" b="0"/>
-      </a:lnRef>
-      <a:fillRef idx="1">
-        <a:scrgbClr r="0" g="0" b="0"/>
-      </a:fillRef>
-      <a:effectRef idx="0">
-        <a:scrgbClr r="0" g="0" b="0"/>
-      </a:effectRef>
-      <a:fontRef idx="minor"/>
-    </dgm:style>
-  </dgm:styleLbl>
-  <dgm:styleLbl name="fgShp">
-    <dgm:scene3d>
-      <a:camera prst="orthographicFront"/>
-      <a:lightRig rig="threePt" dir="t"/>
-    </dgm:scene3d>
-    <dgm:sp3d/>
-    <dgm:txPr/>
-    <dgm:style>
-      <a:lnRef idx="2">
-        <a:scrgbClr r="0" g="0" b="0"/>
-      </a:lnRef>
-      <a:fillRef idx="1">
-        <a:scrgbClr r="0" g="0" b="0"/>
-      </a:fillRef>
-      <a:effectRef idx="0">
-        <a:scrgbClr r="0" g="0" b="0"/>
-      </a:effectRef>
-      <a:fontRef idx="minor"/>
-    </dgm:style>
-  </dgm:styleLbl>
-  <dgm:styleLbl name="revTx">
-    <dgm:scene3d>
-      <a:camera prst="orthographicFront"/>
-      <a:lightRig rig="threePt" dir="t"/>
-    </dgm:scene3d>
-    <dgm:sp3d/>
-    <dgm:txPr/>
-    <dgm:style>
-      <a:lnRef idx="0">
-        <a:scrgbClr r="0" g="0" b="0"/>
-      </a:lnRef>
-      <a:fillRef idx="0">
-        <a:scrgbClr r="0" g="0" b="0"/>
-      </a:fillRef>
-      <a:effectRef idx="0">
-        <a:scrgbClr r="0" g="0" b="0"/>
-      </a:effectRef>
-      <a:fontRef idx="minor"/>
-    </dgm:style>
-  </dgm:styleLbl>
-</dgm:styleDef>
-</file>
-
 <file path=ppt/handoutMasters/handoutMaster1.xml><?xml version="1.0" encoding="utf-8"?>
 <p:handoutMaster xmlns:a="http://schemas.openxmlformats.org/drawingml/2006/main" xmlns:r="http://schemas.openxmlformats.org/officeDocument/2006/relationships" xmlns:p="http://schemas.openxmlformats.org/presentationml/2006/main">
   <p:cSld>
@@ -10258,7 +7497,7 @@
           <a:p>
             <a:fld id="{C88CE87A-16FF-4C7D-8292-0CB980715C8B}" type="datetimeFigureOut">
               <a:rPr lang="de-DE" smtClean="0"/>
-              <a:t>19.12.2022</a:t>
+              <a:t>20.12.2022</a:t>
             </a:fld>
             <a:endParaRPr lang="de-DE"/>
           </a:p>
@@ -10435,7 +7674,7 @@
           <a:p>
             <a:fld id="{9DECA62E-2216-4960-A875-4D2633F4A404}" type="datetimeFigureOut">
               <a:rPr lang="de-DE" smtClean="0"/>
-              <a:t>19.12.2022</a:t>
+              <a:t>20.12.2022</a:t>
             </a:fld>
             <a:endParaRPr lang="de-DE"/>
           </a:p>
@@ -12241,7 +9480,7 @@
           <a:p>
             <a:fld id="{E4F67F0B-0D69-4F2E-A0A2-F8FA26E3BF7C}" type="datetime4">
               <a:rPr lang="de-DE" smtClean="0"/>
-              <a:t>19. Dezember 2022</a:t>
+              <a:t>20. Dezember 2022</a:t>
             </a:fld>
             <a:endParaRPr lang="de-DE" dirty="0"/>
           </a:p>
@@ -12647,7 +9886,7 @@
           <a:p>
             <a:fld id="{BE42F941-E76D-416A-AF33-65B53D3785A5}" type="datetime4">
               <a:rPr lang="de-DE" smtClean="0"/>
-              <a:t>19. Dezember 2022</a:t>
+              <a:t>20. Dezember 2022</a:t>
             </a:fld>
             <a:endParaRPr lang="de-DE" dirty="0"/>
           </a:p>
@@ -13201,7 +10440,7 @@
           <a:p>
             <a:fld id="{383FEB1C-484B-4899-98E6-EB362BE13A10}" type="datetime4">
               <a:rPr lang="de-DE" smtClean="0"/>
-              <a:t>19. Dezember 2022</a:t>
+              <a:t>20. Dezember 2022</a:t>
             </a:fld>
             <a:endParaRPr lang="de-DE" dirty="0"/>
           </a:p>
@@ -13592,7 +10831,7 @@
           <a:p>
             <a:fld id="{FDEAF896-8D1C-46DE-9E9E-9010894131BC}" type="datetime4">
               <a:rPr lang="de-DE" smtClean="0"/>
-              <a:t>19. Dezember 2022</a:t>
+              <a:t>20. Dezember 2022</a:t>
             </a:fld>
             <a:endParaRPr lang="de-DE" dirty="0"/>
           </a:p>
@@ -14083,7 +11322,7 @@
           <a:p>
             <a:fld id="{F23CC76E-A77D-4F48-8F46-063559FB155D}" type="datetime4">
               <a:rPr lang="de-DE" smtClean="0"/>
-              <a:t>19. Dezember 2022</a:t>
+              <a:t>20. Dezember 2022</a:t>
             </a:fld>
             <a:endParaRPr lang="de-DE" dirty="0"/>
           </a:p>
@@ -14674,7 +11913,7 @@
           <a:p>
             <a:fld id="{8321F75B-8E06-41EA-9095-78DA6F8CBA18}" type="datetime4">
               <a:rPr lang="de-DE" smtClean="0"/>
-              <a:t>19. Dezember 2022</a:t>
+              <a:t>20. Dezember 2022</a:t>
             </a:fld>
             <a:endParaRPr lang="de-DE" dirty="0"/>
           </a:p>
@@ -15003,7 +12242,7 @@
           <a:p>
             <a:fld id="{089DCD38-B7CE-40BA-8A02-00BA6D6B4613}" type="datetime4">
               <a:rPr lang="de-DE" smtClean="0"/>
-              <a:t>19. Dezember 2022</a:t>
+              <a:t>20. Dezember 2022</a:t>
             </a:fld>
             <a:endParaRPr lang="de-DE" dirty="0"/>
           </a:p>
@@ -15370,7 +12609,7 @@
           <a:p>
             <a:fld id="{97BF881E-3DED-43D6-A417-A7C186EE56EA}" type="datetime4">
               <a:rPr lang="de-DE" smtClean="0"/>
-              <a:t>19. Dezember 2022</a:t>
+              <a:t>20. Dezember 2022</a:t>
             </a:fld>
             <a:endParaRPr lang="de-DE" dirty="0"/>
           </a:p>
@@ -15757,7 +12996,7 @@
           <a:p>
             <a:fld id="{236023A5-0DD9-4EDE-B3F8-AE8B566D171E}" type="datetime4">
               <a:rPr lang="de-DE" smtClean="0"/>
-              <a:t>19. Dezember 2022</a:t>
+              <a:t>20. Dezember 2022</a:t>
             </a:fld>
             <a:endParaRPr lang="de-DE" dirty="0"/>
           </a:p>
@@ -18820,7 +16059,7 @@
           <a:p>
             <a:fld id="{5F2FFFAF-2C94-4296-A519-F2AFC9B633BB}" type="datetime4">
               <a:rPr lang="de-DE" smtClean="0"/>
-              <a:t>19. Dezember 2022</a:t>
+              <a:t>20. Dezember 2022</a:t>
             </a:fld>
             <a:endParaRPr lang="de-DE" dirty="0"/>
           </a:p>
@@ -19119,7 +16358,7 @@
           <a:p>
             <a:fld id="{278214D8-8053-4DB4-874E-70E28250261A}" type="datetime4">
               <a:rPr lang="de-DE" smtClean="0"/>
-              <a:t>19. Dezember 2022</a:t>
+              <a:t>20. Dezember 2022</a:t>
             </a:fld>
             <a:endParaRPr lang="de-DE" dirty="0"/>
           </a:p>
@@ -27134,7 +24373,7 @@
           <a:p>
             <a:fld id="{974F31EF-6EA6-4A24-8992-69DC7A69151C}" type="datetime4">
               <a:rPr lang="de-DE" smtClean="0"/>
-              <a:t>19. Dezember 2022</a:t>
+              <a:t>20. Dezember 2022</a:t>
             </a:fld>
             <a:endParaRPr lang="de-DE"/>
           </a:p>
@@ -29892,7 +27131,7 @@
           <a:p>
             <a:fld id="{C7DD0C8E-4653-4FE0-9AB6-B157E51E80B8}" type="datetime4">
               <a:rPr lang="de-DE" smtClean="0"/>
-              <a:t>19. Dezember 2022</a:t>
+              <a:t>20. Dezember 2022</a:t>
             </a:fld>
             <a:endParaRPr lang="de-DE" dirty="0"/>
           </a:p>
@@ -31145,7 +28384,7 @@
           <a:p>
             <a:fld id="{701BB78D-0F7C-433E-93C8-011F3F257B2F}" type="datetime4">
               <a:rPr lang="de-DE" smtClean="0"/>
-              <a:t>19. Dezember 2022</a:t>
+              <a:t>20. Dezember 2022</a:t>
             </a:fld>
             <a:endParaRPr lang="de-DE" dirty="0"/>
           </a:p>
@@ -32033,7 +29272,7 @@
           <a:p>
             <a:fld id="{5C89B0C6-E378-43D9-87B6-F295F13B6DA2}" type="datetime4">
               <a:rPr lang="de-DE" smtClean="0"/>
-              <a:t>19. Dezember 2022</a:t>
+              <a:t>20. Dezember 2022</a:t>
             </a:fld>
             <a:endParaRPr lang="de-DE" dirty="0"/>
           </a:p>
@@ -33456,7 +30695,7 @@
           <a:p>
             <a:fld id="{37276614-C801-48D1-BE5E-3E261D899ED8}" type="datetime4">
               <a:rPr lang="de-DE" smtClean="0"/>
-              <a:t>19. Dezember 2022</a:t>
+              <a:t>20. Dezember 2022</a:t>
             </a:fld>
             <a:endParaRPr lang="de-DE" dirty="0"/>
           </a:p>
@@ -33900,7 +31139,7 @@
           <a:p>
             <a:fld id="{A9FB17B1-4EF5-4E82-B64D-6D9D06630995}" type="datetime4">
               <a:rPr lang="de-DE" smtClean="0"/>
-              <a:t>19. Dezember 2022</a:t>
+              <a:t>20. Dezember 2022</a:t>
             </a:fld>
             <a:endParaRPr lang="de-DE" dirty="0"/>
           </a:p>
@@ -34336,7 +31575,7 @@
           <a:p>
             <a:fld id="{0B15DED9-9AF1-49E6-842A-BFCE5BF99E9D}" type="datetime4">
               <a:rPr lang="de-DE" smtClean="0"/>
-              <a:t>19. Dezember 2022</a:t>
+              <a:t>20. Dezember 2022</a:t>
             </a:fld>
             <a:endParaRPr lang="de-DE" dirty="0"/>
           </a:p>
@@ -35063,7 +32302,7 @@
           <a:p>
             <a:fld id="{B4AF76AE-F8CA-4CAE-8890-6E3DCFB786A6}" type="datetime4">
               <a:rPr lang="de-DE" smtClean="0"/>
-              <a:t>19. Dezember 2022</a:t>
+              <a:t>20. Dezember 2022</a:t>
             </a:fld>
             <a:endParaRPr lang="de-DE" dirty="0"/>
           </a:p>
@@ -36993,7 +34232,7 @@
           <a:p>
             <a:fld id="{5C89B0C6-E378-43D9-87B6-F295F13B6DA2}" type="datetime4">
               <a:rPr lang="de-DE" smtClean="0"/>
-              <a:t>19. Dezember 2022</a:t>
+              <a:t>20. Dezember 2022</a:t>
             </a:fld>
             <a:endParaRPr lang="de-DE" dirty="0"/>
           </a:p>
@@ -37257,7 +34496,7 @@
             <a:fld id="{D529D632-EE07-48FA-B475-B0D49CBC7F92}" type="datetime4">
               <a:rPr lang="de-DE" smtClean="0"/>
               <a:pPr/>
-              <a:t>19. Dezember 2022</a:t>
+              <a:t>20. Dezember 2022</a:t>
             </a:fld>
             <a:endParaRPr lang="de-DE" dirty="0"/>
           </a:p>
@@ -37378,7 +34617,7 @@
           <a:p>
             <a:fld id="{5C89B0C6-E378-43D9-87B6-F295F13B6DA2}" type="datetime4">
               <a:rPr lang="de-DE" smtClean="0"/>
-              <a:t>19. Dezember 2022</a:t>
+              <a:t>20. Dezember 2022</a:t>
             </a:fld>
             <a:endParaRPr lang="de-DE" dirty="0"/>
           </a:p>
@@ -37616,7 +34855,7 @@
           <a:p>
             <a:fld id="{5C89B0C6-E378-43D9-87B6-F295F13B6DA2}" type="datetime4">
               <a:rPr lang="de-DE" smtClean="0"/>
-              <a:t>19. Dezember 2022</a:t>
+              <a:t>20. Dezember 2022</a:t>
             </a:fld>
             <a:endParaRPr lang="de-DE" dirty="0"/>
           </a:p>
@@ -38364,7 +35603,7 @@
           <a:p>
             <a:fld id="{5C89B0C6-E378-43D9-87B6-F295F13B6DA2}" type="datetime4">
               <a:rPr lang="de-DE" smtClean="0"/>
-              <a:t>19. Dezember 2022</a:t>
+              <a:t>20. Dezember 2022</a:t>
             </a:fld>
             <a:endParaRPr lang="de-DE" dirty="0"/>
           </a:p>
@@ -39348,7 +36587,7 @@
           <a:p>
             <a:fld id="{5C89B0C6-E378-43D9-87B6-F295F13B6DA2}" type="datetime4">
               <a:rPr lang="de-DE" smtClean="0"/>
-              <a:t>19. Dezember 2022</a:t>
+              <a:t>20. Dezember 2022</a:t>
             </a:fld>
             <a:endParaRPr lang="de-DE" dirty="0"/>
           </a:p>
@@ -39561,7 +36800,7 @@
           <a:p>
             <a:fld id="{5C89B0C6-E378-43D9-87B6-F295F13B6DA2}" type="datetime4">
               <a:rPr lang="de-DE" smtClean="0"/>
-              <a:t>19. Dezember 2022</a:t>
+              <a:t>20. Dezember 2022</a:t>
             </a:fld>
             <a:endParaRPr lang="de-DE" dirty="0"/>
           </a:p>
@@ -41643,7 +38882,7 @@
             <a:fld id="{D529D632-EE07-48FA-B475-B0D49CBC7F92}" type="datetime4">
               <a:rPr lang="de-DE" smtClean="0"/>
               <a:pPr/>
-              <a:t>19. Dezember 2022</a:t>
+              <a:t>20. Dezember 2022</a:t>
             </a:fld>
             <a:endParaRPr lang="de-DE" dirty="0"/>
           </a:p>
@@ -41764,7 +39003,7 @@
           <a:p>
             <a:fld id="{5C89B0C6-E378-43D9-87B6-F295F13B6DA2}" type="datetime4">
               <a:rPr lang="de-DE" smtClean="0"/>
-              <a:t>19. Dezember 2022</a:t>
+              <a:t>20. Dezember 2022</a:t>
             </a:fld>
             <a:endParaRPr lang="de-DE" dirty="0"/>
           </a:p>
@@ -42055,7 +39294,7 @@
 </file>
 
 <file path=ppt/slides/slide19.xml><?xml version="1.0" encoding="utf-8"?>
-<p:sld xmlns:a="http://schemas.openxmlformats.org/drawingml/2006/main" xmlns:r="http://schemas.openxmlformats.org/officeDocument/2006/relationships" xmlns:p="http://schemas.openxmlformats.org/presentationml/2006/main" show="0">
+<p:sld xmlns:a="http://schemas.openxmlformats.org/drawingml/2006/main" xmlns:r="http://schemas.openxmlformats.org/officeDocument/2006/relationships" xmlns:p="http://schemas.openxmlformats.org/presentationml/2006/main">
   <p:cSld>
     <p:spTree>
       <p:nvGrpSpPr>
@@ -42073,10 +39312,43 @@
       </p:grpSpPr>
       <p:sp>
         <p:nvSpPr>
+          <p:cNvPr id="21" name="Titel 20">
+            <a:extLst>
+              <a:ext uri="{FF2B5EF4-FFF2-40B4-BE49-F238E27FC236}">
+                <a16:creationId xmlns:a16="http://schemas.microsoft.com/office/drawing/2014/main" id="{3018BD05-96D8-43F2-A6AA-CC40E7C32CCE}"/>
+              </a:ext>
+            </a:extLst>
+          </p:cNvPr>
+          <p:cNvSpPr>
+            <a:spLocks noGrp="1"/>
+          </p:cNvSpPr>
+          <p:nvPr>
+            <p:ph type="title"/>
+          </p:nvPr>
+        </p:nvSpPr>
+        <p:spPr>
+          <a:xfrm>
+            <a:off x="518318" y="3152001"/>
+            <a:ext cx="11157743" cy="553998"/>
+          </a:xfrm>
+        </p:spPr>
+        <p:txBody>
+          <a:bodyPr/>
+          <a:lstStyle/>
+          <a:p>
+            <a:r>
+              <a:rPr lang="de-DE" dirty="0"/>
+              <a:t>6. Nächste Schritte</a:t>
+            </a:r>
+          </a:p>
+        </p:txBody>
+      </p:sp>
+      <p:sp>
+        <p:nvSpPr>
           <p:cNvPr id="2" name="Datumsplatzhalter 1">
             <a:extLst>
               <a:ext uri="{FF2B5EF4-FFF2-40B4-BE49-F238E27FC236}">
-                <a16:creationId xmlns:a16="http://schemas.microsoft.com/office/drawing/2014/main" id="{F39906C2-6025-E2F7-0371-BB94EECE2FC9}"/>
+                <a16:creationId xmlns:a16="http://schemas.microsoft.com/office/drawing/2014/main" id="{FE7214E1-5D14-4D0B-BADD-2E239FECEC10}"/>
               </a:ext>
             </a:extLst>
           </p:cNvPr>
@@ -42092,9 +39364,10 @@
           <a:bodyPr/>
           <a:lstStyle/>
           <a:p>
-            <a:fld id="{0B15DED9-9AF1-49E6-842A-BFCE5BF99E9D}" type="datetime4">
+            <a:fld id="{D529D632-EE07-48FA-B475-B0D49CBC7F92}" type="datetime4">
               <a:rPr lang="de-DE" smtClean="0"/>
-              <a:t>19. Dezember 2022</a:t>
+              <a:pPr/>
+              <a:t>20. Dezember 2022</a:t>
             </a:fld>
             <a:endParaRPr lang="de-DE" dirty="0"/>
           </a:p>
@@ -42105,7 +39378,7 @@
           <p:cNvPr id="3" name="Fußzeilenplatzhalter 2">
             <a:extLst>
               <a:ext uri="{FF2B5EF4-FFF2-40B4-BE49-F238E27FC236}">
-                <a16:creationId xmlns:a16="http://schemas.microsoft.com/office/drawing/2014/main" id="{A905B58A-073C-F6BA-EB19-03190B59ABD2}"/>
+                <a16:creationId xmlns:a16="http://schemas.microsoft.com/office/drawing/2014/main" id="{6A6AD034-0F65-47AF-9CAA-C4B0CEB30D4D}"/>
               </a:ext>
             </a:extLst>
           </p:cNvPr>
@@ -42116,29 +39389,19 @@
             <p:ph type="ftr" sz="quarter" idx="11"/>
           </p:nvPr>
         </p:nvSpPr>
-        <p:spPr>
-          <a:xfrm>
-            <a:off x="515937" y="6634666"/>
-            <a:ext cx="9574509" cy="123111"/>
-          </a:xfrm>
-        </p:spPr>
+        <p:spPr/>
         <p:txBody>
           <a:bodyPr/>
           <a:lstStyle/>
           <a:p>
             <a:r>
+              <a:rPr lang="de-DE" b="1" dirty="0"/>
+              <a:t>Philippe Huber</a:t>
+            </a:r>
+            <a:r>
               <a:rPr lang="de-DE" dirty="0"/>
-              <a:t>Philippe Huber, </a:t>
-            </a:r>
-            <a:r>
-              <a:rPr lang="de-DE" b="1" dirty="0"/>
-              <a:t>Rene </a:t>
-            </a:r>
-            <a:r>
-              <a:rPr lang="de-DE" b="1" dirty="0" err="1"/>
-              <a:t>Jokiel</a:t>
-            </a:r>
-            <a:endParaRPr lang="de-DE" b="1" dirty="0"/>
+              <a:t>, Rene Jokiel</a:t>
+            </a:r>
           </a:p>
         </p:txBody>
       </p:sp>
@@ -42147,7 +39410,7 @@
           <p:cNvPr id="4" name="Foliennummernplatzhalter 3">
             <a:extLst>
               <a:ext uri="{FF2B5EF4-FFF2-40B4-BE49-F238E27FC236}">
-                <a16:creationId xmlns:a16="http://schemas.microsoft.com/office/drawing/2014/main" id="{0F17EF73-399D-0059-4FC0-6586625F48E0}"/>
+                <a16:creationId xmlns:a16="http://schemas.microsoft.com/office/drawing/2014/main" id="{00F7E098-F740-40F7-A085-7034627D9148}"/>
               </a:ext>
             </a:extLst>
           </p:cNvPr>
@@ -42172,119 +39435,10 @@
           </a:p>
         </p:txBody>
       </p:sp>
-      <p:sp>
-        <p:nvSpPr>
-          <p:cNvPr id="6" name="Textplatzhalter 5">
-            <a:extLst>
-              <a:ext uri="{FF2B5EF4-FFF2-40B4-BE49-F238E27FC236}">
-                <a16:creationId xmlns:a16="http://schemas.microsoft.com/office/drawing/2014/main" id="{A68230CC-D21F-BCDE-CFF2-9CB67D9ED100}"/>
-              </a:ext>
-            </a:extLst>
-          </p:cNvPr>
-          <p:cNvSpPr>
-            <a:spLocks noGrp="1"/>
-          </p:cNvSpPr>
-          <p:nvPr>
-            <p:ph type="body" sz="quarter" idx="39"/>
-          </p:nvPr>
-        </p:nvSpPr>
-        <p:spPr/>
-        <p:txBody>
-          <a:bodyPr/>
-          <a:lstStyle/>
-          <a:p>
-            <a:endParaRPr lang="de-DE"/>
-          </a:p>
-        </p:txBody>
-      </p:sp>
-      <p:sp>
-        <p:nvSpPr>
-          <p:cNvPr id="7" name="Titel 6">
-            <a:extLst>
-              <a:ext uri="{FF2B5EF4-FFF2-40B4-BE49-F238E27FC236}">
-                <a16:creationId xmlns:a16="http://schemas.microsoft.com/office/drawing/2014/main" id="{2673039A-069E-EF08-CCAD-FC1692DB88AC}"/>
-              </a:ext>
-            </a:extLst>
-          </p:cNvPr>
-          <p:cNvSpPr>
-            <a:spLocks noGrp="1"/>
-          </p:cNvSpPr>
-          <p:nvPr>
-            <p:ph type="title"/>
-          </p:nvPr>
-        </p:nvSpPr>
-        <p:spPr/>
-        <p:txBody>
-          <a:bodyPr/>
-          <a:lstStyle/>
-          <a:p>
-            <a:r>
-              <a:rPr lang="de-DE" dirty="0"/>
-              <a:t>Insgesamt werden 3 verschiedene Experimentarten durchgeführt</a:t>
-            </a:r>
-          </a:p>
-        </p:txBody>
-      </p:sp>
-      <p:sp>
-        <p:nvSpPr>
-          <p:cNvPr id="8" name="Textplatzhalter 7">
-            <a:extLst>
-              <a:ext uri="{FF2B5EF4-FFF2-40B4-BE49-F238E27FC236}">
-                <a16:creationId xmlns:a16="http://schemas.microsoft.com/office/drawing/2014/main" id="{E89C2102-9E8E-1A85-731D-1C8BF240E82B}"/>
-              </a:ext>
-            </a:extLst>
-          </p:cNvPr>
-          <p:cNvSpPr>
-            <a:spLocks noGrp="1"/>
-          </p:cNvSpPr>
-          <p:nvPr>
-            <p:ph type="body" sz="quarter" idx="13"/>
-          </p:nvPr>
-        </p:nvSpPr>
-        <p:spPr/>
-        <p:txBody>
-          <a:bodyPr/>
-          <a:lstStyle/>
-          <a:p>
-            <a:r>
-              <a:rPr lang="de-DE" dirty="0"/>
-              <a:t>Experimentarten</a:t>
-            </a:r>
-          </a:p>
-        </p:txBody>
-      </p:sp>
-      <p:graphicFrame>
-        <p:nvGraphicFramePr>
-          <p:cNvPr id="12" name="Diagramm 11">
-            <a:extLst>
-              <a:ext uri="{FF2B5EF4-FFF2-40B4-BE49-F238E27FC236}">
-                <a16:creationId xmlns:a16="http://schemas.microsoft.com/office/drawing/2014/main" id="{5F4D04F3-E56C-C45C-C41F-46D6426F29B5}"/>
-              </a:ext>
-            </a:extLst>
-          </p:cNvPr>
-          <p:cNvGraphicFramePr/>
-          <p:nvPr>
-            <p:extLst>
-              <p:ext uri="{D42A27DB-BD31-4B8C-83A1-F6EECF244321}">
-                <p14:modId xmlns:p14="http://schemas.microsoft.com/office/powerpoint/2010/main" val="2375663671"/>
-              </p:ext>
-            </p:extLst>
-          </p:nvPr>
-        </p:nvGraphicFramePr>
-        <p:xfrm>
-          <a:off x="515937" y="1549746"/>
-          <a:ext cx="11157742" cy="4783597"/>
-        </p:xfrm>
-        <a:graphic>
-          <a:graphicData uri="http://schemas.openxmlformats.org/drawingml/2006/diagram">
-            <dgm:relIds xmlns:dgm="http://schemas.openxmlformats.org/drawingml/2006/diagram" xmlns:r="http://schemas.openxmlformats.org/officeDocument/2006/relationships" r:dm="rId2" r:lo="rId3" r:qs="rId4" r:cs="rId5"/>
-          </a:graphicData>
-        </a:graphic>
-      </p:graphicFrame>
     </p:spTree>
     <p:extLst>
       <p:ext uri="{BB962C8B-B14F-4D97-AF65-F5344CB8AC3E}">
-        <p14:creationId xmlns:p14="http://schemas.microsoft.com/office/powerpoint/2010/main" val="1362705819"/>
+        <p14:creationId xmlns:p14="http://schemas.microsoft.com/office/powerpoint/2010/main" val="622162571"/>
       </p:ext>
     </p:extLst>
   </p:cSld>
@@ -42334,7 +39488,7 @@
           <a:p>
             <a:fld id="{974F31EF-6EA6-4A24-8992-69DC7A69151C}" type="datetime4">
               <a:rPr lang="de-DE" smtClean="0"/>
-              <a:t>19. Dezember 2022</a:t>
+              <a:t>20. Dezember 2022</a:t>
             </a:fld>
             <a:endParaRPr lang="de-DE"/>
           </a:p>
@@ -43107,161 +40261,6 @@
 </file>
 
 <file path=ppt/slides/slide20.xml><?xml version="1.0" encoding="utf-8"?>
-<p:sld xmlns:a="http://schemas.openxmlformats.org/drawingml/2006/main" xmlns:r="http://schemas.openxmlformats.org/officeDocument/2006/relationships" xmlns:p="http://schemas.openxmlformats.org/presentationml/2006/main">
-  <p:cSld>
-    <p:spTree>
-      <p:nvGrpSpPr>
-        <p:cNvPr id="1" name=""/>
-        <p:cNvGrpSpPr/>
-        <p:nvPr/>
-      </p:nvGrpSpPr>
-      <p:grpSpPr>
-        <a:xfrm>
-          <a:off x="0" y="0"/>
-          <a:ext cx="0" cy="0"/>
-          <a:chOff x="0" y="0"/>
-          <a:chExt cx="0" cy="0"/>
-        </a:xfrm>
-      </p:grpSpPr>
-      <p:sp>
-        <p:nvSpPr>
-          <p:cNvPr id="21" name="Titel 20">
-            <a:extLst>
-              <a:ext uri="{FF2B5EF4-FFF2-40B4-BE49-F238E27FC236}">
-                <a16:creationId xmlns:a16="http://schemas.microsoft.com/office/drawing/2014/main" id="{3018BD05-96D8-43F2-A6AA-CC40E7C32CCE}"/>
-              </a:ext>
-            </a:extLst>
-          </p:cNvPr>
-          <p:cNvSpPr>
-            <a:spLocks noGrp="1"/>
-          </p:cNvSpPr>
-          <p:nvPr>
-            <p:ph type="title"/>
-          </p:nvPr>
-        </p:nvSpPr>
-        <p:spPr>
-          <a:xfrm>
-            <a:off x="518318" y="3152001"/>
-            <a:ext cx="11157743" cy="553998"/>
-          </a:xfrm>
-        </p:spPr>
-        <p:txBody>
-          <a:bodyPr/>
-          <a:lstStyle/>
-          <a:p>
-            <a:r>
-              <a:rPr lang="de-DE" dirty="0"/>
-              <a:t>6. Nächste Schritte</a:t>
-            </a:r>
-          </a:p>
-        </p:txBody>
-      </p:sp>
-      <p:sp>
-        <p:nvSpPr>
-          <p:cNvPr id="2" name="Datumsplatzhalter 1">
-            <a:extLst>
-              <a:ext uri="{FF2B5EF4-FFF2-40B4-BE49-F238E27FC236}">
-                <a16:creationId xmlns:a16="http://schemas.microsoft.com/office/drawing/2014/main" id="{FE7214E1-5D14-4D0B-BADD-2E239FECEC10}"/>
-              </a:ext>
-            </a:extLst>
-          </p:cNvPr>
-          <p:cNvSpPr>
-            <a:spLocks noGrp="1"/>
-          </p:cNvSpPr>
-          <p:nvPr>
-            <p:ph type="dt" sz="half" idx="10"/>
-          </p:nvPr>
-        </p:nvSpPr>
-        <p:spPr/>
-        <p:txBody>
-          <a:bodyPr/>
-          <a:lstStyle/>
-          <a:p>
-            <a:fld id="{D529D632-EE07-48FA-B475-B0D49CBC7F92}" type="datetime4">
-              <a:rPr lang="de-DE" smtClean="0"/>
-              <a:pPr/>
-              <a:t>19. Dezember 2022</a:t>
-            </a:fld>
-            <a:endParaRPr lang="de-DE" dirty="0"/>
-          </a:p>
-        </p:txBody>
-      </p:sp>
-      <p:sp>
-        <p:nvSpPr>
-          <p:cNvPr id="3" name="Fußzeilenplatzhalter 2">
-            <a:extLst>
-              <a:ext uri="{FF2B5EF4-FFF2-40B4-BE49-F238E27FC236}">
-                <a16:creationId xmlns:a16="http://schemas.microsoft.com/office/drawing/2014/main" id="{6A6AD034-0F65-47AF-9CAA-C4B0CEB30D4D}"/>
-              </a:ext>
-            </a:extLst>
-          </p:cNvPr>
-          <p:cNvSpPr>
-            <a:spLocks noGrp="1"/>
-          </p:cNvSpPr>
-          <p:nvPr>
-            <p:ph type="ftr" sz="quarter" idx="11"/>
-          </p:nvPr>
-        </p:nvSpPr>
-        <p:spPr/>
-        <p:txBody>
-          <a:bodyPr/>
-          <a:lstStyle/>
-          <a:p>
-            <a:r>
-              <a:rPr lang="de-DE" b="1" dirty="0"/>
-              <a:t>Philippe Huber</a:t>
-            </a:r>
-            <a:r>
-              <a:rPr lang="de-DE" dirty="0"/>
-              <a:t>, Rene Jokiel</a:t>
-            </a:r>
-          </a:p>
-        </p:txBody>
-      </p:sp>
-      <p:sp>
-        <p:nvSpPr>
-          <p:cNvPr id="4" name="Foliennummernplatzhalter 3">
-            <a:extLst>
-              <a:ext uri="{FF2B5EF4-FFF2-40B4-BE49-F238E27FC236}">
-                <a16:creationId xmlns:a16="http://schemas.microsoft.com/office/drawing/2014/main" id="{00F7E098-F740-40F7-A085-7034627D9148}"/>
-              </a:ext>
-            </a:extLst>
-          </p:cNvPr>
-          <p:cNvSpPr>
-            <a:spLocks noGrp="1"/>
-          </p:cNvSpPr>
-          <p:nvPr>
-            <p:ph type="sldNum" sz="quarter" idx="12"/>
-          </p:nvPr>
-        </p:nvSpPr>
-        <p:spPr/>
-        <p:txBody>
-          <a:bodyPr/>
-          <a:lstStyle/>
-          <a:p>
-            <a:fld id="{D949F9DF-37BD-4CD6-BF49-65BA579E1D7A}" type="slidenum">
-              <a:rPr lang="de-DE" smtClean="0"/>
-              <a:pPr/>
-              <a:t>20</a:t>
-            </a:fld>
-            <a:endParaRPr lang="de-DE"/>
-          </a:p>
-        </p:txBody>
-      </p:sp>
-    </p:spTree>
-    <p:extLst>
-      <p:ext uri="{BB962C8B-B14F-4D97-AF65-F5344CB8AC3E}">
-        <p14:creationId xmlns:p14="http://schemas.microsoft.com/office/powerpoint/2010/main" val="622162571"/>
-      </p:ext>
-    </p:extLst>
-  </p:cSld>
-  <p:clrMapOvr>
-    <a:masterClrMapping/>
-  </p:clrMapOvr>
-</p:sld>
-</file>
-
-<file path=ppt/slides/slide21.xml><?xml version="1.0" encoding="utf-8"?>
 <p:sld xmlns:a="http://schemas.openxmlformats.org/drawingml/2006/main" xmlns:r="http://schemas.openxmlformats.org/officeDocument/2006/relationships" xmlns:p="http://schemas.openxmlformats.org/presentationml/2006/main">
   <p:cSld>
     <p:spTree>
@@ -43301,7 +40300,7 @@
           <a:p>
             <a:fld id="{5C89B0C6-E378-43D9-87B6-F295F13B6DA2}" type="datetime4">
               <a:rPr lang="de-DE" smtClean="0"/>
-              <a:t>19. Dezember 2022</a:t>
+              <a:t>20. Dezember 2022</a:t>
             </a:fld>
             <a:endParaRPr lang="de-DE" dirty="0"/>
           </a:p>
@@ -43363,7 +40362,7 @@
             <a:fld id="{D949F9DF-37BD-4CD6-BF49-65BA579E1D7A}" type="slidenum">
               <a:rPr lang="de-DE" smtClean="0"/>
               <a:pPr/>
-              <a:t>21</a:t>
+              <a:t>20</a:t>
             </a:fld>
             <a:endParaRPr lang="de-DE"/>
           </a:p>
@@ -43914,7 +40913,7 @@
 </p:sld>
 </file>
 
-<file path=ppt/slides/slide22.xml><?xml version="1.0" encoding="utf-8"?>
+<file path=ppt/slides/slide21.xml><?xml version="1.0" encoding="utf-8"?>
 <p:sld xmlns:a="http://schemas.openxmlformats.org/drawingml/2006/main" xmlns:r="http://schemas.openxmlformats.org/officeDocument/2006/relationships" xmlns:p="http://schemas.openxmlformats.org/presentationml/2006/main">
   <p:cSld>
     <p:spTree>
@@ -43954,7 +40953,7 @@
           <a:p>
             <a:fld id="{5C89B0C6-E378-43D9-87B6-F295F13B6DA2}" type="datetime4">
               <a:rPr lang="de-DE" smtClean="0"/>
-              <a:t>19. Dezember 2022</a:t>
+              <a:t>20. Dezember 2022</a:t>
             </a:fld>
             <a:endParaRPr lang="de-DE" dirty="0"/>
           </a:p>
@@ -44016,7 +41015,7 @@
             <a:fld id="{D949F9DF-37BD-4CD6-BF49-65BA579E1D7A}" type="slidenum">
               <a:rPr lang="de-DE" smtClean="0"/>
               <a:pPr/>
-              <a:t>22</a:t>
+              <a:t>21</a:t>
             </a:fld>
             <a:endParaRPr lang="de-DE"/>
           </a:p>
@@ -45114,7 +42113,7 @@
 </p:sld>
 </file>
 
-<file path=ppt/slides/slide23.xml><?xml version="1.0" encoding="utf-8"?>
+<file path=ppt/slides/slide22.xml><?xml version="1.0" encoding="utf-8"?>
 <p:sld xmlns:a="http://schemas.openxmlformats.org/drawingml/2006/main" xmlns:r="http://schemas.openxmlformats.org/officeDocument/2006/relationships" xmlns:p="http://schemas.openxmlformats.org/presentationml/2006/main">
   <p:cSld>
     <p:spTree>
@@ -45198,7 +42197,7 @@
           <a:p>
             <a:fld id="{974F31EF-6EA6-4A24-8992-69DC7A69151C}" type="datetime4">
               <a:rPr lang="de-DE" smtClean="0"/>
-              <a:t>19. Dezember 2022</a:t>
+              <a:t>20. Dezember 2022</a:t>
             </a:fld>
             <a:endParaRPr lang="de-DE"/>
           </a:p>
@@ -45266,7 +42265,7 @@
             <a:fld id="{D949F9DF-37BD-4CD6-BF49-65BA579E1D7A}" type="slidenum">
               <a:rPr lang="de-DE" smtClean="0"/>
               <a:pPr/>
-              <a:t>23</a:t>
+              <a:t>22</a:t>
             </a:fld>
             <a:endParaRPr lang="de-DE"/>
           </a:p>
@@ -45276,6 +42275,754 @@
     <p:extLst>
       <p:ext uri="{BB962C8B-B14F-4D97-AF65-F5344CB8AC3E}">
         <p14:creationId xmlns:p14="http://schemas.microsoft.com/office/powerpoint/2010/main" val="661126707"/>
+      </p:ext>
+    </p:extLst>
+  </p:cSld>
+  <p:clrMapOvr>
+    <a:masterClrMapping/>
+  </p:clrMapOvr>
+</p:sld>
+</file>
+
+<file path=ppt/slides/slide23.xml><?xml version="1.0" encoding="utf-8"?>
+<p:sld xmlns:a="http://schemas.openxmlformats.org/drawingml/2006/main" xmlns:r="http://schemas.openxmlformats.org/officeDocument/2006/relationships" xmlns:p="http://schemas.openxmlformats.org/presentationml/2006/main">
+  <p:cSld>
+    <p:spTree>
+      <p:nvGrpSpPr>
+        <p:cNvPr id="1" name=""/>
+        <p:cNvGrpSpPr/>
+        <p:nvPr/>
+      </p:nvGrpSpPr>
+      <p:grpSpPr>
+        <a:xfrm>
+          <a:off x="0" y="0"/>
+          <a:ext cx="0" cy="0"/>
+          <a:chOff x="0" y="0"/>
+          <a:chExt cx="0" cy="0"/>
+        </a:xfrm>
+      </p:grpSpPr>
+      <p:sp>
+        <p:nvSpPr>
+          <p:cNvPr id="3" name="Datumsplatzhalter 2">
+            <a:extLst>
+              <a:ext uri="{FF2B5EF4-FFF2-40B4-BE49-F238E27FC236}">
+                <a16:creationId xmlns:a16="http://schemas.microsoft.com/office/drawing/2014/main" id="{2A351964-2BB6-97F3-6B22-336C5567411D}"/>
+              </a:ext>
+            </a:extLst>
+          </p:cNvPr>
+          <p:cNvSpPr>
+            <a:spLocks noGrp="1"/>
+          </p:cNvSpPr>
+          <p:nvPr>
+            <p:ph type="dt" sz="half" idx="10"/>
+          </p:nvPr>
+        </p:nvSpPr>
+        <p:spPr/>
+        <p:txBody>
+          <a:bodyPr/>
+          <a:lstStyle/>
+          <a:p>
+            <a:fld id="{5C89B0C6-E378-43D9-87B6-F295F13B6DA2}" type="datetime4">
+              <a:rPr lang="de-DE" smtClean="0"/>
+              <a:t>20. Dezember 2022</a:t>
+            </a:fld>
+            <a:endParaRPr lang="de-DE" dirty="0"/>
+          </a:p>
+        </p:txBody>
+      </p:sp>
+      <p:sp>
+        <p:nvSpPr>
+          <p:cNvPr id="4" name="Fußzeilenplatzhalter 3">
+            <a:extLst>
+              <a:ext uri="{FF2B5EF4-FFF2-40B4-BE49-F238E27FC236}">
+                <a16:creationId xmlns:a16="http://schemas.microsoft.com/office/drawing/2014/main" id="{1408DCD8-0AA7-E516-1759-8D2382782060}"/>
+              </a:ext>
+            </a:extLst>
+          </p:cNvPr>
+          <p:cNvSpPr>
+            <a:spLocks noGrp="1"/>
+          </p:cNvSpPr>
+          <p:nvPr>
+            <p:ph type="ftr" sz="quarter" idx="11"/>
+          </p:nvPr>
+        </p:nvSpPr>
+        <p:spPr/>
+        <p:txBody>
+          <a:bodyPr/>
+          <a:lstStyle/>
+          <a:p>
+            <a:r>
+              <a:rPr lang="de-DE" dirty="0"/>
+              <a:t>Philippe Huber, Rene Jokiel</a:t>
+            </a:r>
+          </a:p>
+        </p:txBody>
+      </p:sp>
+      <p:sp>
+        <p:nvSpPr>
+          <p:cNvPr id="5" name="Foliennummernplatzhalter 4">
+            <a:extLst>
+              <a:ext uri="{FF2B5EF4-FFF2-40B4-BE49-F238E27FC236}">
+                <a16:creationId xmlns:a16="http://schemas.microsoft.com/office/drawing/2014/main" id="{7CC781B4-8E2A-7EAA-0553-BD86241E8C36}"/>
+              </a:ext>
+            </a:extLst>
+          </p:cNvPr>
+          <p:cNvSpPr>
+            <a:spLocks noGrp="1"/>
+          </p:cNvSpPr>
+          <p:nvPr>
+            <p:ph type="sldNum" sz="quarter" idx="12"/>
+          </p:nvPr>
+        </p:nvSpPr>
+        <p:spPr/>
+        <p:txBody>
+          <a:bodyPr/>
+          <a:lstStyle/>
+          <a:p>
+            <a:fld id="{D949F9DF-37BD-4CD6-BF49-65BA579E1D7A}" type="slidenum">
+              <a:rPr lang="de-DE" smtClean="0"/>
+              <a:pPr/>
+              <a:t>23</a:t>
+            </a:fld>
+            <a:endParaRPr lang="de-DE"/>
+          </a:p>
+        </p:txBody>
+      </p:sp>
+      <p:sp>
+        <p:nvSpPr>
+          <p:cNvPr id="6" name="Titel 5">
+            <a:extLst>
+              <a:ext uri="{FF2B5EF4-FFF2-40B4-BE49-F238E27FC236}">
+                <a16:creationId xmlns:a16="http://schemas.microsoft.com/office/drawing/2014/main" id="{141A52E9-C3AF-262C-EBCF-F1578441CFAF}"/>
+              </a:ext>
+            </a:extLst>
+          </p:cNvPr>
+          <p:cNvSpPr>
+            <a:spLocks noGrp="1"/>
+          </p:cNvSpPr>
+          <p:nvPr>
+            <p:ph type="title"/>
+          </p:nvPr>
+        </p:nvSpPr>
+        <p:spPr/>
+        <p:txBody>
+          <a:bodyPr/>
+          <a:lstStyle/>
+          <a:p>
+            <a:r>
+              <a:rPr lang="de-DE" dirty="0"/>
+              <a:t>Literatur</a:t>
+            </a:r>
+          </a:p>
+        </p:txBody>
+      </p:sp>
+      <p:sp>
+        <p:nvSpPr>
+          <p:cNvPr id="7" name="Textplatzhalter 6">
+            <a:extLst>
+              <a:ext uri="{FF2B5EF4-FFF2-40B4-BE49-F238E27FC236}">
+                <a16:creationId xmlns:a16="http://schemas.microsoft.com/office/drawing/2014/main" id="{729D91F5-AF69-2294-FA98-A806524F9A08}"/>
+              </a:ext>
+            </a:extLst>
+          </p:cNvPr>
+          <p:cNvSpPr>
+            <a:spLocks noGrp="1"/>
+          </p:cNvSpPr>
+          <p:nvPr>
+            <p:ph type="body" sz="quarter" idx="13"/>
+          </p:nvPr>
+        </p:nvSpPr>
+        <p:spPr/>
+        <p:txBody>
+          <a:bodyPr/>
+          <a:lstStyle/>
+          <a:p>
+            <a:r>
+              <a:rPr lang="de-DE" dirty="0"/>
+              <a:t>Literatur</a:t>
+            </a:r>
+          </a:p>
+        </p:txBody>
+      </p:sp>
+      <p:sp>
+        <p:nvSpPr>
+          <p:cNvPr id="2" name="Textfeld 1">
+            <a:extLst>
+              <a:ext uri="{FF2B5EF4-FFF2-40B4-BE49-F238E27FC236}">
+                <a16:creationId xmlns:a16="http://schemas.microsoft.com/office/drawing/2014/main" id="{4D79FA6A-9E0A-E503-7EC4-D7635311DF6A}"/>
+              </a:ext>
+            </a:extLst>
+          </p:cNvPr>
+          <p:cNvSpPr txBox="1"/>
+          <p:nvPr/>
+        </p:nvSpPr>
+        <p:spPr>
+          <a:xfrm>
+            <a:off x="515937" y="1638939"/>
+            <a:ext cx="11505487" cy="5057282"/>
+          </a:xfrm>
+          <a:prstGeom prst="rect">
+            <a:avLst/>
+          </a:prstGeom>
+          <a:noFill/>
+        </p:spPr>
+        <p:txBody>
+          <a:bodyPr wrap="square" lIns="0" tIns="0" rIns="0" bIns="0" rtlCol="0">
+            <a:spAutoFit/>
+          </a:bodyPr>
+          <a:lstStyle/>
+          <a:p>
+            <a:pPr marL="285750" marR="0" indent="-285750" algn="l" defTabSz="914400" rtl="0" eaLnBrk="1" fontAlgn="auto" latinLnBrk="0" hangingPunct="1">
+              <a:lnSpc>
+                <a:spcPct val="110000"/>
+              </a:lnSpc>
+              <a:spcBef>
+                <a:spcPts val="0"/>
+              </a:spcBef>
+              <a:spcAft>
+                <a:spcPts val="1200"/>
+              </a:spcAft>
+              <a:buClrTx/>
+              <a:buSzTx/>
+              <a:buFont typeface="Arial" panose="020B0604020202020204" pitchFamily="34" charset="0"/>
+              <a:buChar char="•"/>
+              <a:tabLst/>
+            </a:pPr>
+            <a:r>
+              <a:rPr kumimoji="0" lang="de-DE" sz="1400" b="0" i="0" u="none" strike="noStrike" kern="1200" cap="none" spc="0" normalizeH="0" baseline="0" noProof="0" dirty="0" err="1">
+                <a:ln>
+                  <a:noFill/>
+                </a:ln>
+                <a:solidFill>
+                  <a:prstClr val="black"/>
+                </a:solidFill>
+                <a:effectLst/>
+                <a:uLnTx/>
+                <a:uFillTx/>
+                <a:latin typeface="Arial"/>
+                <a:ea typeface="+mn-ea"/>
+                <a:cs typeface="+mn-cs"/>
+              </a:rPr>
+              <a:t>Roselli</a:t>
+            </a:r>
+            <a:r>
+              <a:rPr kumimoji="0" lang="de-DE" sz="1400" b="0" i="0" u="none" strike="noStrike" kern="1200" cap="none" spc="0" normalizeH="0" baseline="0" noProof="0" dirty="0">
+                <a:ln>
+                  <a:noFill/>
+                </a:ln>
+                <a:solidFill>
+                  <a:prstClr val="black"/>
+                </a:solidFill>
+                <a:effectLst/>
+                <a:uLnTx/>
+                <a:uFillTx/>
+                <a:latin typeface="Arial"/>
+                <a:ea typeface="+mn-ea"/>
+                <a:cs typeface="+mn-cs"/>
+              </a:rPr>
+              <a:t>, Matthews, </a:t>
+            </a:r>
+            <a:r>
+              <a:rPr kumimoji="0" lang="de-DE" sz="1400" b="0" i="0" u="none" strike="noStrike" kern="1200" cap="none" spc="0" normalizeH="0" baseline="0" noProof="0" dirty="0" err="1">
+                <a:ln>
+                  <a:noFill/>
+                </a:ln>
+                <a:solidFill>
+                  <a:prstClr val="black"/>
+                </a:solidFill>
+                <a:effectLst/>
+                <a:uLnTx/>
+                <a:uFillTx/>
+                <a:latin typeface="Arial"/>
+                <a:ea typeface="+mn-ea"/>
+                <a:cs typeface="+mn-cs"/>
+              </a:rPr>
+              <a:t>Talagala</a:t>
+            </a:r>
+            <a:r>
+              <a:rPr lang="de-DE" sz="1400" dirty="0">
+                <a:solidFill>
+                  <a:prstClr val="black"/>
+                </a:solidFill>
+                <a:latin typeface="Arial"/>
+              </a:rPr>
+              <a:t> (2019). </a:t>
+            </a:r>
+            <a:r>
+              <a:rPr lang="de-DE" sz="1400" dirty="0"/>
+              <a:t>Managing Bias in AI</a:t>
+            </a:r>
+          </a:p>
+          <a:p>
+            <a:pPr marL="285750" marR="0" indent="-285750" algn="l" defTabSz="914400" rtl="0" eaLnBrk="1" fontAlgn="auto" latinLnBrk="0" hangingPunct="1">
+              <a:lnSpc>
+                <a:spcPct val="110000"/>
+              </a:lnSpc>
+              <a:spcBef>
+                <a:spcPts val="0"/>
+              </a:spcBef>
+              <a:spcAft>
+                <a:spcPts val="1200"/>
+              </a:spcAft>
+              <a:buClrTx/>
+              <a:buSzTx/>
+              <a:buFont typeface="Arial" panose="020B0604020202020204" pitchFamily="34" charset="0"/>
+              <a:buChar char="•"/>
+              <a:tabLst/>
+            </a:pPr>
+            <a:r>
+              <a:rPr lang="de-DE" sz="1400" dirty="0"/>
+              <a:t>Mehrabi, Gupta, </a:t>
+            </a:r>
+            <a:r>
+              <a:rPr lang="de-DE" sz="1400" dirty="0" err="1"/>
+              <a:t>Morstatter</a:t>
+            </a:r>
+            <a:r>
+              <a:rPr lang="de-DE" sz="1400" dirty="0"/>
+              <a:t>, Ver Steeg, </a:t>
+            </a:r>
+            <a:r>
+              <a:rPr lang="de-DE" sz="1400" dirty="0" err="1"/>
+              <a:t>Galstyan</a:t>
+            </a:r>
+            <a:r>
+              <a:rPr lang="de-DE" sz="1400" dirty="0"/>
+              <a:t> (2021). </a:t>
+            </a:r>
+            <a:r>
+              <a:rPr lang="en-US" sz="1400" dirty="0"/>
+              <a:t>Attributing Fair Decisions with Attention Interventions</a:t>
+            </a:r>
+          </a:p>
+          <a:p>
+            <a:pPr marL="285750" marR="0" indent="-285750" algn="l" defTabSz="914400" rtl="0" eaLnBrk="1" fontAlgn="auto" latinLnBrk="0" hangingPunct="1">
+              <a:lnSpc>
+                <a:spcPct val="110000"/>
+              </a:lnSpc>
+              <a:spcBef>
+                <a:spcPts val="0"/>
+              </a:spcBef>
+              <a:spcAft>
+                <a:spcPts val="1200"/>
+              </a:spcAft>
+              <a:buClrTx/>
+              <a:buSzTx/>
+              <a:buFont typeface="Arial" panose="020B0604020202020204" pitchFamily="34" charset="0"/>
+              <a:buChar char="•"/>
+              <a:tabLst/>
+            </a:pPr>
+            <a:r>
+              <a:rPr lang="de-DE" sz="1400" dirty="0" err="1"/>
+              <a:t>Friedler</a:t>
+            </a:r>
+            <a:r>
+              <a:rPr lang="en-US" sz="1400" dirty="0"/>
+              <a:t>, </a:t>
+            </a:r>
+            <a:r>
+              <a:rPr lang="de-DE" sz="1400" dirty="0" err="1"/>
+              <a:t>Scheidegger</a:t>
+            </a:r>
+            <a:r>
+              <a:rPr lang="en-US" sz="1400" dirty="0"/>
+              <a:t>, </a:t>
+            </a:r>
+            <a:r>
+              <a:rPr lang="de-DE" sz="1400" dirty="0" err="1"/>
+              <a:t>Venkatasubramanian</a:t>
+            </a:r>
+            <a:r>
+              <a:rPr lang="en-US" sz="1400" dirty="0"/>
+              <a:t>, </a:t>
+            </a:r>
+            <a:r>
+              <a:rPr lang="de-DE" sz="1400" dirty="0" err="1"/>
+              <a:t>Choudhary</a:t>
+            </a:r>
+            <a:r>
+              <a:rPr lang="en-US" sz="1400" dirty="0"/>
+              <a:t>, </a:t>
+            </a:r>
+            <a:r>
+              <a:rPr lang="de-DE" sz="1400" dirty="0"/>
+              <a:t>Hamilton</a:t>
+            </a:r>
+            <a:r>
+              <a:rPr lang="en-US" sz="1400" dirty="0"/>
+              <a:t>, </a:t>
+            </a:r>
+            <a:r>
+              <a:rPr lang="de-DE" sz="1400" dirty="0"/>
+              <a:t>Roth</a:t>
+            </a:r>
+            <a:r>
+              <a:rPr lang="en-US" sz="1400" dirty="0"/>
+              <a:t> (2019). A comparative study of fairness-enhancing interventions in machine learning</a:t>
+            </a:r>
+          </a:p>
+          <a:p>
+            <a:pPr marL="285750" marR="0" indent="-285750" algn="l" defTabSz="914400" rtl="0" eaLnBrk="1" fontAlgn="auto" latinLnBrk="0" hangingPunct="1">
+              <a:lnSpc>
+                <a:spcPct val="110000"/>
+              </a:lnSpc>
+              <a:spcBef>
+                <a:spcPts val="0"/>
+              </a:spcBef>
+              <a:spcAft>
+                <a:spcPts val="1200"/>
+              </a:spcAft>
+              <a:buClrTx/>
+              <a:buSzTx/>
+              <a:buFont typeface="Arial" panose="020B0604020202020204" pitchFamily="34" charset="0"/>
+              <a:buChar char="•"/>
+              <a:tabLst/>
+            </a:pPr>
+            <a:r>
+              <a:rPr lang="de-DE" sz="1400" dirty="0"/>
+              <a:t>Robert, Pierce, Marquis, Kim, </a:t>
+            </a:r>
+            <a:r>
+              <a:rPr lang="de-DE" sz="1400" dirty="0" err="1"/>
+              <a:t>Alahmad</a:t>
+            </a:r>
+            <a:r>
+              <a:rPr lang="de-DE" sz="1400" dirty="0"/>
+              <a:t> (2020). </a:t>
+            </a:r>
+            <a:r>
+              <a:rPr lang="en-US" sz="1400" dirty="0"/>
+              <a:t>Designing fair AI for managing employees in organizations: a review, critique, and design agenda </a:t>
+            </a:r>
+          </a:p>
+          <a:p>
+            <a:pPr marL="285750" marR="0" indent="-285750" algn="l" defTabSz="914400" rtl="0" eaLnBrk="1" fontAlgn="auto" latinLnBrk="0" hangingPunct="1">
+              <a:lnSpc>
+                <a:spcPct val="110000"/>
+              </a:lnSpc>
+              <a:spcBef>
+                <a:spcPts val="0"/>
+              </a:spcBef>
+              <a:spcAft>
+                <a:spcPts val="1200"/>
+              </a:spcAft>
+              <a:buClrTx/>
+              <a:buSzTx/>
+              <a:buFont typeface="Arial" panose="020B0604020202020204" pitchFamily="34" charset="0"/>
+              <a:buChar char="•"/>
+              <a:tabLst/>
+            </a:pPr>
+            <a:r>
+              <a:rPr lang="de-DE" sz="1400" dirty="0" err="1"/>
+              <a:t>Agarwal</a:t>
+            </a:r>
+            <a:r>
+              <a:rPr lang="en-US" sz="1400" dirty="0"/>
+              <a:t>, </a:t>
+            </a:r>
+            <a:r>
+              <a:rPr lang="de-DE" sz="1400" dirty="0" err="1"/>
+              <a:t>Muku</a:t>
+            </a:r>
+            <a:r>
+              <a:rPr lang="en-US" sz="1400" dirty="0"/>
+              <a:t>, </a:t>
+            </a:r>
+            <a:r>
+              <a:rPr lang="de-DE" sz="1400" dirty="0"/>
+              <a:t>Anand, Arora (2022). </a:t>
+            </a:r>
+            <a:r>
+              <a:rPr lang="en-US" sz="1400" dirty="0"/>
+              <a:t>Does Data Repair Lead to Fair Models? Curating Contextually Fair Data To Reduce Model Bias</a:t>
+            </a:r>
+          </a:p>
+          <a:p>
+            <a:pPr marL="285750" marR="0" indent="-285750" algn="l" defTabSz="914400" rtl="0" eaLnBrk="1" fontAlgn="auto" latinLnBrk="0" hangingPunct="1">
+              <a:lnSpc>
+                <a:spcPct val="110000"/>
+              </a:lnSpc>
+              <a:spcBef>
+                <a:spcPts val="0"/>
+              </a:spcBef>
+              <a:spcAft>
+                <a:spcPts val="1200"/>
+              </a:spcAft>
+              <a:buClrTx/>
+              <a:buSzTx/>
+              <a:buFont typeface="Arial" panose="020B0604020202020204" pitchFamily="34" charset="0"/>
+              <a:buChar char="•"/>
+              <a:tabLst/>
+            </a:pPr>
+            <a:r>
+              <a:rPr lang="de-DE" sz="1400" dirty="0" err="1"/>
+              <a:t>Dwork</a:t>
+            </a:r>
+            <a:r>
+              <a:rPr lang="en-US" sz="1400" dirty="0"/>
+              <a:t>, </a:t>
+            </a:r>
+            <a:r>
+              <a:rPr lang="de-DE" sz="1400" dirty="0"/>
+              <a:t>Hardt</a:t>
+            </a:r>
+            <a:r>
+              <a:rPr lang="en-US" sz="1400" dirty="0"/>
+              <a:t>, </a:t>
+            </a:r>
+            <a:r>
+              <a:rPr lang="de-DE" sz="1400" dirty="0" err="1"/>
+              <a:t>Pitassi</a:t>
+            </a:r>
+            <a:r>
+              <a:rPr lang="en-US" sz="1400" dirty="0"/>
+              <a:t>, </a:t>
+            </a:r>
+            <a:r>
+              <a:rPr lang="de-DE" sz="1400" dirty="0" err="1"/>
+              <a:t>Reingold</a:t>
+            </a:r>
+            <a:r>
+              <a:rPr lang="en-US" sz="1400" dirty="0"/>
+              <a:t>, </a:t>
+            </a:r>
+            <a:r>
+              <a:rPr lang="de-DE" sz="1400" dirty="0" err="1"/>
+              <a:t>Zemel</a:t>
+            </a:r>
+            <a:r>
+              <a:rPr lang="en-US" sz="1400" dirty="0"/>
+              <a:t> (2012). </a:t>
+            </a:r>
+            <a:r>
+              <a:rPr lang="de-DE" sz="1400" dirty="0"/>
+              <a:t>Fairness Through Awareness </a:t>
+            </a:r>
+          </a:p>
+          <a:p>
+            <a:pPr marL="285750" marR="0" indent="-285750" algn="l" defTabSz="914400" rtl="0" eaLnBrk="1" fontAlgn="auto" latinLnBrk="0" hangingPunct="1">
+              <a:lnSpc>
+                <a:spcPct val="110000"/>
+              </a:lnSpc>
+              <a:spcBef>
+                <a:spcPts val="0"/>
+              </a:spcBef>
+              <a:spcAft>
+                <a:spcPts val="1200"/>
+              </a:spcAft>
+              <a:buClrTx/>
+              <a:buSzTx/>
+              <a:buFont typeface="Arial" panose="020B0604020202020204" pitchFamily="34" charset="0"/>
+              <a:buChar char="•"/>
+              <a:tabLst/>
+            </a:pPr>
+            <a:r>
+              <a:rPr lang="de-DE" sz="1400" dirty="0" err="1"/>
+              <a:t>Mazilu</a:t>
+            </a:r>
+            <a:r>
+              <a:rPr lang="de-DE" sz="1400" dirty="0"/>
+              <a:t>, Paton, </a:t>
+            </a:r>
+            <a:r>
+              <a:rPr lang="de-DE" sz="1400" dirty="0" err="1"/>
+              <a:t>Konstantinou</a:t>
+            </a:r>
+            <a:r>
+              <a:rPr lang="de-DE" sz="1400" dirty="0"/>
+              <a:t>, Fernandes (2020). Fairness in Data </a:t>
+            </a:r>
+            <a:r>
+              <a:rPr lang="de-DE" sz="1400" dirty="0" err="1"/>
+              <a:t>Wrangling</a:t>
+            </a:r>
+            <a:endParaRPr lang="de-DE" sz="1400" dirty="0"/>
+          </a:p>
+          <a:p>
+            <a:pPr marL="285750" marR="0" indent="-285750" algn="l" defTabSz="914400" rtl="0" eaLnBrk="1" fontAlgn="auto" latinLnBrk="0" hangingPunct="1">
+              <a:lnSpc>
+                <a:spcPct val="110000"/>
+              </a:lnSpc>
+              <a:spcBef>
+                <a:spcPts val="0"/>
+              </a:spcBef>
+              <a:spcAft>
+                <a:spcPts val="1200"/>
+              </a:spcAft>
+              <a:buClrTx/>
+              <a:buSzTx/>
+              <a:buFont typeface="Arial" panose="020B0604020202020204" pitchFamily="34" charset="0"/>
+              <a:buChar char="•"/>
+              <a:tabLst/>
+            </a:pPr>
+            <a:r>
+              <a:rPr lang="de-DE" sz="1400" dirty="0" err="1"/>
+              <a:t>Brotcke</a:t>
+            </a:r>
+            <a:r>
+              <a:rPr lang="de-DE" sz="1400" dirty="0"/>
+              <a:t> (2022). </a:t>
+            </a:r>
+            <a:r>
+              <a:rPr lang="en-US" sz="1400" dirty="0"/>
+              <a:t>Time to Assess Bias in Machine Learning Models for Credit Decisions</a:t>
+            </a:r>
+          </a:p>
+          <a:p>
+            <a:pPr marL="285750" marR="0" indent="-285750" algn="l" defTabSz="914400" rtl="0" eaLnBrk="1" fontAlgn="auto" latinLnBrk="0" hangingPunct="1">
+              <a:lnSpc>
+                <a:spcPct val="110000"/>
+              </a:lnSpc>
+              <a:spcBef>
+                <a:spcPts val="0"/>
+              </a:spcBef>
+              <a:spcAft>
+                <a:spcPts val="1200"/>
+              </a:spcAft>
+              <a:buClrTx/>
+              <a:buSzTx/>
+              <a:buFont typeface="Arial" panose="020B0604020202020204" pitchFamily="34" charset="0"/>
+              <a:buChar char="•"/>
+              <a:tabLst/>
+            </a:pPr>
+            <a:r>
+              <a:rPr lang="de-DE" sz="1400" dirty="0"/>
+              <a:t>Beattie</a:t>
+            </a:r>
+            <a:r>
+              <a:rPr lang="en-US" sz="1400" dirty="0"/>
+              <a:t>, </a:t>
+            </a:r>
+            <a:r>
+              <a:rPr lang="de-DE" sz="1400" dirty="0"/>
+              <a:t>Watkins</a:t>
+            </a:r>
+            <a:r>
+              <a:rPr lang="en-US" sz="1400" dirty="0"/>
+              <a:t>, </a:t>
+            </a:r>
+            <a:r>
+              <a:rPr lang="de-DE" sz="1400" dirty="0"/>
+              <a:t>Robinson</a:t>
+            </a:r>
+            <a:r>
+              <a:rPr lang="en-US" sz="1400" dirty="0"/>
+              <a:t>, </a:t>
+            </a:r>
+            <a:r>
+              <a:rPr lang="de-DE" sz="1400" dirty="0"/>
+              <a:t>Rubin</a:t>
+            </a:r>
+            <a:r>
+              <a:rPr lang="en-US" sz="1400" dirty="0"/>
+              <a:t>, </a:t>
+            </a:r>
+            <a:r>
+              <a:rPr lang="de-DE" sz="1400" dirty="0"/>
+              <a:t>Watkins</a:t>
+            </a:r>
+            <a:r>
+              <a:rPr lang="en-US" sz="1400" dirty="0"/>
+              <a:t> (2022). Measuring and Mitigating Bias in AI-Chatbots </a:t>
+            </a:r>
+          </a:p>
+          <a:p>
+            <a:pPr marL="285750" marR="0" indent="-285750" algn="l" defTabSz="914400" rtl="0" eaLnBrk="1" fontAlgn="auto" latinLnBrk="0" hangingPunct="1">
+              <a:lnSpc>
+                <a:spcPct val="110000"/>
+              </a:lnSpc>
+              <a:spcBef>
+                <a:spcPts val="0"/>
+              </a:spcBef>
+              <a:spcAft>
+                <a:spcPts val="1200"/>
+              </a:spcAft>
+              <a:buClrTx/>
+              <a:buSzTx/>
+              <a:buFont typeface="Arial" panose="020B0604020202020204" pitchFamily="34" charset="0"/>
+              <a:buChar char="•"/>
+              <a:tabLst/>
+            </a:pPr>
+            <a:r>
+              <a:rPr lang="de-DE" sz="1400" dirty="0" err="1"/>
+              <a:t>Kamiran</a:t>
+            </a:r>
+            <a:r>
+              <a:rPr lang="en-US" sz="1400" dirty="0"/>
+              <a:t>, </a:t>
+            </a:r>
+            <a:r>
+              <a:rPr lang="de-DE" sz="1400" dirty="0"/>
+              <a:t>Calders</a:t>
+            </a:r>
+            <a:r>
+              <a:rPr lang="en-US" sz="1400" dirty="0"/>
+              <a:t> (2012). Data preprocessing techniques for classification without discrimination</a:t>
+            </a:r>
+            <a:endParaRPr lang="de-DE" sz="1400" dirty="0"/>
+          </a:p>
+          <a:p>
+            <a:pPr marL="0" marR="0" indent="0" algn="l" defTabSz="914400" rtl="0" eaLnBrk="1" fontAlgn="auto" latinLnBrk="0" hangingPunct="1">
+              <a:lnSpc>
+                <a:spcPct val="110000"/>
+              </a:lnSpc>
+              <a:spcBef>
+                <a:spcPts val="0"/>
+              </a:spcBef>
+              <a:spcAft>
+                <a:spcPts val="1200"/>
+              </a:spcAft>
+              <a:buClrTx/>
+              <a:buSzTx/>
+              <a:buFont typeface="Arial" panose="020B0604020202020204" pitchFamily="34" charset="0"/>
+              <a:buNone/>
+              <a:tabLst/>
+            </a:pPr>
+            <a:endParaRPr lang="de-DE" sz="1600" dirty="0">
+              <a:solidFill>
+                <a:prstClr val="black"/>
+              </a:solidFill>
+              <a:latin typeface="Arial"/>
+            </a:endParaRPr>
+          </a:p>
+          <a:p>
+            <a:pPr marL="0" marR="0" indent="0" algn="l" defTabSz="914400" rtl="0" eaLnBrk="1" fontAlgn="auto" latinLnBrk="0" hangingPunct="1">
+              <a:lnSpc>
+                <a:spcPct val="110000"/>
+              </a:lnSpc>
+              <a:spcBef>
+                <a:spcPts val="0"/>
+              </a:spcBef>
+              <a:spcAft>
+                <a:spcPts val="1200"/>
+              </a:spcAft>
+              <a:buClrTx/>
+              <a:buSzTx/>
+              <a:buFont typeface="Arial" panose="020B0604020202020204" pitchFamily="34" charset="0"/>
+              <a:buNone/>
+              <a:tabLst/>
+            </a:pPr>
+            <a:endParaRPr kumimoji="0" lang="de-DE" sz="1600" b="0" i="0" u="none" strike="noStrike" kern="1200" cap="none" spc="0" normalizeH="0" baseline="0" noProof="0" dirty="0">
+              <a:ln>
+                <a:noFill/>
+              </a:ln>
+              <a:solidFill>
+                <a:prstClr val="black"/>
+              </a:solidFill>
+              <a:effectLst/>
+              <a:uLnTx/>
+              <a:uFillTx/>
+              <a:latin typeface="Arial"/>
+              <a:ea typeface="+mn-ea"/>
+              <a:cs typeface="+mn-cs"/>
+            </a:endParaRPr>
+          </a:p>
+        </p:txBody>
+      </p:sp>
+    </p:spTree>
+    <p:extLst>
+      <p:ext uri="{BB962C8B-B14F-4D97-AF65-F5344CB8AC3E}">
+        <p14:creationId xmlns:p14="http://schemas.microsoft.com/office/powerpoint/2010/main" val="1138522101"/>
       </p:ext>
     </p:extLst>
   </p:cSld>
@@ -45359,7 +43106,7 @@
             <a:fld id="{D529D632-EE07-48FA-B475-B0D49CBC7F92}" type="datetime4">
               <a:rPr lang="de-DE" smtClean="0"/>
               <a:pPr/>
-              <a:t>19. Dezember 2022</a:t>
+              <a:t>20. Dezember 2022</a:t>
             </a:fld>
             <a:endParaRPr lang="de-DE" dirty="0"/>
           </a:p>
@@ -45480,7 +43227,7 @@
           <a:p>
             <a:fld id="{5C89B0C6-E378-43D9-87B6-F295F13B6DA2}" type="datetime4">
               <a:rPr lang="de-DE" smtClean="0"/>
-              <a:t>19. Dezember 2022</a:t>
+              <a:t>20. Dezember 2022</a:t>
             </a:fld>
             <a:endParaRPr lang="de-DE" dirty="0"/>
           </a:p>
@@ -45744,7 +43491,7 @@
             <a:fld id="{D529D632-EE07-48FA-B475-B0D49CBC7F92}" type="datetime4">
               <a:rPr lang="de-DE" smtClean="0"/>
               <a:pPr/>
-              <a:t>19. Dezember 2022</a:t>
+              <a:t>20. Dezember 2022</a:t>
             </a:fld>
             <a:endParaRPr lang="de-DE" dirty="0"/>
           </a:p>
@@ -45865,7 +43612,7 @@
           <a:p>
             <a:fld id="{37276614-C801-48D1-BE5E-3E261D899ED8}" type="datetime4">
               <a:rPr lang="de-DE" smtClean="0"/>
-              <a:t>19. Dezember 2022</a:t>
+              <a:t>20. Dezember 2022</a:t>
             </a:fld>
             <a:endParaRPr lang="de-DE" dirty="0"/>
           </a:p>
@@ -47187,7 +44934,7 @@
           <a:p>
             <a:fld id="{37276614-C801-48D1-BE5E-3E261D899ED8}" type="datetime4">
               <a:rPr lang="de-DE" smtClean="0"/>
-              <a:t>19. Dezember 2022</a:t>
+              <a:t>20. Dezember 2022</a:t>
             </a:fld>
             <a:endParaRPr lang="de-DE" dirty="0"/>
           </a:p>
@@ -48693,7 +46440,7 @@
           <a:p>
             <a:fld id="{37276614-C801-48D1-BE5E-3E261D899ED8}" type="datetime4">
               <a:rPr lang="de-DE" smtClean="0"/>
-              <a:t>19. Dezember 2022</a:t>
+              <a:t>20. Dezember 2022</a:t>
             </a:fld>
             <a:endParaRPr lang="de-DE" dirty="0"/>
           </a:p>
@@ -49483,7 +47230,7 @@
             <a:fld id="{D529D632-EE07-48FA-B475-B0D49CBC7F92}" type="datetime4">
               <a:rPr lang="de-DE" smtClean="0"/>
               <a:pPr/>
-              <a:t>19. Dezember 2022</a:t>
+              <a:t>20. Dezember 2022</a:t>
             </a:fld>
             <a:endParaRPr lang="de-DE" dirty="0"/>
           </a:p>

--- a/F-Seminar/Zwischenpräsentation.pptx
+++ b/F-Seminar/Zwischenpräsentation.pptx
@@ -42205,39 +42205,6 @@
       </p:sp>
       <p:sp>
         <p:nvSpPr>
-          <p:cNvPr id="3" name="Fußzeilenplatzhalter 2">
-            <a:extLst>
-              <a:ext uri="{FF2B5EF4-FFF2-40B4-BE49-F238E27FC236}">
-                <a16:creationId xmlns:a16="http://schemas.microsoft.com/office/drawing/2014/main" id="{2E068204-A6FE-F4ED-690E-22872D79D6E7}"/>
-              </a:ext>
-            </a:extLst>
-          </p:cNvPr>
-          <p:cNvSpPr>
-            <a:spLocks noGrp="1"/>
-          </p:cNvSpPr>
-          <p:nvPr>
-            <p:ph type="ftr" sz="quarter" idx="4294967295"/>
-          </p:nvPr>
-        </p:nvSpPr>
-        <p:spPr>
-          <a:xfrm>
-            <a:off x="0" y="6634163"/>
-            <a:ext cx="9574213" cy="123825"/>
-          </a:xfrm>
-        </p:spPr>
-        <p:txBody>
-          <a:bodyPr/>
-          <a:lstStyle/>
-          <a:p>
-            <a:r>
-              <a:rPr lang="de-DE"/>
-              <a:t>Wirtschafts- und Sozialwissenschaften | WiSo</a:t>
-            </a:r>
-          </a:p>
-        </p:txBody>
-      </p:sp>
-      <p:sp>
-        <p:nvSpPr>
           <p:cNvPr id="4" name="Foliennummernplatzhalter 3">
             <a:extLst>
               <a:ext uri="{FF2B5EF4-FFF2-40B4-BE49-F238E27FC236}">
@@ -46448,35 +46415,6 @@
       </p:sp>
       <p:sp>
         <p:nvSpPr>
-          <p:cNvPr id="3" name="Fußzeilenplatzhalter 2">
-            <a:extLst>
-              <a:ext uri="{FF2B5EF4-FFF2-40B4-BE49-F238E27FC236}">
-                <a16:creationId xmlns:a16="http://schemas.microsoft.com/office/drawing/2014/main" id="{EB74BEF5-D342-3361-25A7-1A536EB22FD2}"/>
-              </a:ext>
-            </a:extLst>
-          </p:cNvPr>
-          <p:cNvSpPr>
-            <a:spLocks noGrp="1"/>
-          </p:cNvSpPr>
-          <p:nvPr>
-            <p:ph type="ftr" sz="quarter" idx="11"/>
-          </p:nvPr>
-        </p:nvSpPr>
-        <p:spPr/>
-        <p:txBody>
-          <a:bodyPr/>
-          <a:lstStyle/>
-          <a:p>
-            <a:r>
-              <a:rPr lang="de-DE"/>
-              <a:t>… | Lehrstuhl für Digital Industrial Service Systems | &lt;Name des Dozenten&gt;</a:t>
-            </a:r>
-            <a:endParaRPr lang="de-DE" dirty="0"/>
-          </a:p>
-        </p:txBody>
-      </p:sp>
-      <p:sp>
-        <p:nvSpPr>
           <p:cNvPr id="4" name="Foliennummernplatzhalter 3">
             <a:extLst>
               <a:ext uri="{FF2B5EF4-FFF2-40B4-BE49-F238E27FC236}">
@@ -47140,6 +47078,48 @@
               <a:rPr lang="de-DE" dirty="0"/>
               <a:t>Methoden für Fair AI</a:t>
             </a:r>
+          </a:p>
+        </p:txBody>
+      </p:sp>
+      <p:sp>
+        <p:nvSpPr>
+          <p:cNvPr id="9" name="Fußzeilenplatzhalter 2">
+            <a:extLst>
+              <a:ext uri="{FF2B5EF4-FFF2-40B4-BE49-F238E27FC236}">
+                <a16:creationId xmlns:a16="http://schemas.microsoft.com/office/drawing/2014/main" id="{0124B4C2-AB22-EE42-CE3E-D14C533E0EDF}"/>
+              </a:ext>
+            </a:extLst>
+          </p:cNvPr>
+          <p:cNvSpPr>
+            <a:spLocks noGrp="1"/>
+          </p:cNvSpPr>
+          <p:nvPr>
+            <p:ph type="ftr" sz="quarter" idx="11"/>
+          </p:nvPr>
+        </p:nvSpPr>
+        <p:spPr>
+          <a:xfrm>
+            <a:off x="515937" y="6634666"/>
+            <a:ext cx="9574509" cy="123111"/>
+          </a:xfrm>
+        </p:spPr>
+        <p:txBody>
+          <a:bodyPr/>
+          <a:lstStyle/>
+          <a:p>
+            <a:r>
+              <a:rPr lang="de-DE" b="1" dirty="0"/>
+              <a:t>Philippe Huber</a:t>
+            </a:r>
+            <a:r>
+              <a:rPr lang="de-DE" dirty="0"/>
+              <a:t>, Rene </a:t>
+            </a:r>
+            <a:r>
+              <a:rPr lang="de-DE" dirty="0" err="1"/>
+              <a:t>Jokiel</a:t>
+            </a:r>
+            <a:endParaRPr lang="de-DE" dirty="0"/>
           </a:p>
         </p:txBody>
       </p:sp>

--- a/F-Seminar/Zwischenpräsentation.pptx
+++ b/F-Seminar/Zwischenpräsentation.pptx
@@ -39496,34 +39496,6 @@
       </p:sp>
       <p:sp>
         <p:nvSpPr>
-          <p:cNvPr id="3" name="Fußzeilenplatzhalter 2">
-            <a:extLst>
-              <a:ext uri="{FF2B5EF4-FFF2-40B4-BE49-F238E27FC236}">
-                <a16:creationId xmlns:a16="http://schemas.microsoft.com/office/drawing/2014/main" id="{40529BE8-B3E7-6F8E-75C5-E65F23C88A61}"/>
-              </a:ext>
-            </a:extLst>
-          </p:cNvPr>
-          <p:cNvSpPr>
-            <a:spLocks noGrp="1"/>
-          </p:cNvSpPr>
-          <p:nvPr>
-            <p:ph type="ftr" sz="quarter" idx="11"/>
-          </p:nvPr>
-        </p:nvSpPr>
-        <p:spPr/>
-        <p:txBody>
-          <a:bodyPr/>
-          <a:lstStyle/>
-          <a:p>
-            <a:r>
-              <a:rPr lang="de-DE"/>
-              <a:t>Wirtschafts- und Sozialwissenschaften | WiSo</a:t>
-            </a:r>
-          </a:p>
-        </p:txBody>
-      </p:sp>
-      <p:sp>
-        <p:nvSpPr>
           <p:cNvPr id="4" name="Foliennummernplatzhalter 3">
             <a:extLst>
               <a:ext uri="{FF2B5EF4-FFF2-40B4-BE49-F238E27FC236}">
@@ -40243,6 +40215,43 @@
             <a:r>
               <a:rPr lang="de-DE" dirty="0"/>
               <a:t>1.</a:t>
+            </a:r>
+          </a:p>
+        </p:txBody>
+      </p:sp>
+      <p:sp>
+        <p:nvSpPr>
+          <p:cNvPr id="31" name="Fußzeilenplatzhalter 3">
+            <a:extLst>
+              <a:ext uri="{FF2B5EF4-FFF2-40B4-BE49-F238E27FC236}">
+                <a16:creationId xmlns:a16="http://schemas.microsoft.com/office/drawing/2014/main" id="{8ADB9F28-BD6C-DF49-68BC-2B25B0CC971A}"/>
+              </a:ext>
+            </a:extLst>
+          </p:cNvPr>
+          <p:cNvSpPr>
+            <a:spLocks noGrp="1"/>
+          </p:cNvSpPr>
+          <p:nvPr>
+            <p:ph type="ftr" sz="quarter" idx="11"/>
+          </p:nvPr>
+        </p:nvSpPr>
+        <p:spPr>
+          <a:xfrm>
+            <a:off x="515937" y="6634666"/>
+            <a:ext cx="9574509" cy="123111"/>
+          </a:xfrm>
+        </p:spPr>
+        <p:txBody>
+          <a:bodyPr/>
+          <a:lstStyle/>
+          <a:p>
+            <a:r>
+              <a:rPr lang="de-DE" b="1" dirty="0"/>
+              <a:t>Philippe Huber</a:t>
+            </a:r>
+            <a:r>
+              <a:rPr lang="de-DE" dirty="0"/>
+              <a:t>, Rene Jokiel</a:t>
             </a:r>
           </a:p>
         </p:txBody>
